--- a/1821121_shimaoka_thesis.pptx
+++ b/1821121_shimaoka_thesis.pptx
@@ -772,7 +772,7 @@
           <a:lstStyle/>
           <a:p>
             <a:r>
-              <a:rPr kumimoji="1" lang="en-US" altLang="ja-JP" sz="1200" kern="1200" smtClean="0">
+              <a:rPr kumimoji="1" lang="en-US" altLang="ja-JP" sz="1200" kern="1200" dirty="0" smtClean="0">
                 <a:solidFill>
                   <a:schemeClr val="tx1"/>
                 </a:solidFill>
@@ -784,7 +784,7 @@
               <a:t>Step-1: XML</a:t>
             </a:r>
             <a:r>
-              <a:rPr kumimoji="1" lang="ja-JP" altLang="ja-JP" sz="1200" kern="1200" smtClean="0">
+              <a:rPr kumimoji="1" lang="ja-JP" altLang="ja-JP" sz="1200" kern="1200" dirty="0" smtClean="0">
                 <a:solidFill>
                   <a:schemeClr val="tx1"/>
                 </a:solidFill>
@@ -796,7 +796,7 @@
               <a:t>状態のコードから</a:t>
             </a:r>
             <a:r>
-              <a:rPr kumimoji="1" lang="en-US" altLang="ja-JP" sz="1200" kern="1200" smtClean="0">
+              <a:rPr kumimoji="1" lang="en-US" altLang="ja-JP" sz="1200" kern="1200" dirty="0" smtClean="0">
                 <a:solidFill>
                   <a:schemeClr val="tx1"/>
                 </a:solidFill>
@@ -808,7 +808,7 @@
               <a:t>JavaScript</a:t>
             </a:r>
             <a:r>
-              <a:rPr kumimoji="1" lang="ja-JP" altLang="ja-JP" sz="1200" kern="1200" smtClean="0">
+              <a:rPr kumimoji="1" lang="ja-JP" altLang="ja-JP" sz="1200" kern="1200" dirty="0" smtClean="0">
                 <a:solidFill>
                   <a:schemeClr val="tx1"/>
                 </a:solidFill>
@@ -822,7 +822,7 @@
           </a:p>
           <a:p>
             <a:r>
-              <a:rPr kumimoji="1" lang="en-US" altLang="ja-JP" sz="1200" kern="1200" smtClean="0">
+              <a:rPr kumimoji="1" lang="en-US" altLang="ja-JP" sz="1200" kern="1200" dirty="0" smtClean="0">
                 <a:solidFill>
                   <a:schemeClr val="tx1"/>
                 </a:solidFill>
@@ -834,7 +834,7 @@
               <a:t>Step-2:</a:t>
             </a:r>
             <a:r>
-              <a:rPr kumimoji="1" lang="ja-JP" altLang="ja-JP" sz="1200" kern="1200" smtClean="0">
+              <a:rPr kumimoji="1" lang="ja-JP" altLang="ja-JP" sz="1200" kern="1200" dirty="0" smtClean="0">
                 <a:solidFill>
                   <a:schemeClr val="tx1"/>
                 </a:solidFill>
@@ -848,7 +848,7 @@
           </a:p>
           <a:p>
             <a:r>
-              <a:rPr kumimoji="1" lang="en-US" altLang="ja-JP" sz="1200" kern="1200" smtClean="0">
+              <a:rPr kumimoji="1" lang="en-US" altLang="ja-JP" sz="1200" kern="1200" dirty="0" smtClean="0">
                 <a:solidFill>
                   <a:schemeClr val="tx1"/>
                 </a:solidFill>
@@ -860,7 +860,7 @@
               <a:t>Step-3:JavaScript</a:t>
             </a:r>
             <a:r>
-              <a:rPr kumimoji="1" lang="ja-JP" altLang="ja-JP" sz="1200" kern="1200" smtClean="0">
+              <a:rPr kumimoji="1" lang="ja-JP" altLang="ja-JP" sz="1200" kern="1200" dirty="0" smtClean="0">
                 <a:solidFill>
                   <a:schemeClr val="tx1"/>
                 </a:solidFill>
@@ -874,7 +874,7 @@
           </a:p>
           <a:p>
             <a:r>
-              <a:rPr kumimoji="1" lang="en-US" altLang="ja-JP" sz="1200" kern="1200" smtClean="0">
+              <a:rPr kumimoji="1" lang="en-US" altLang="ja-JP" sz="1200" kern="1200" dirty="0" smtClean="0">
                 <a:solidFill>
                   <a:schemeClr val="tx1"/>
                 </a:solidFill>
@@ -886,7 +886,7 @@
               <a:t>Step-4:</a:t>
             </a:r>
             <a:r>
-              <a:rPr kumimoji="1" lang="ja-JP" altLang="ja-JP" sz="1200" kern="1200" smtClean="0">
+              <a:rPr kumimoji="1" lang="ja-JP" altLang="ja-JP" sz="1200" kern="1200" dirty="0" smtClean="0">
                 <a:solidFill>
                   <a:schemeClr val="tx1"/>
                 </a:solidFill>
@@ -900,7 +900,7 @@
           </a:p>
           <a:p>
             <a:r>
-              <a:rPr kumimoji="1" lang="en-US" altLang="ja-JP" sz="1200" kern="1200" smtClean="0">
+              <a:rPr kumimoji="1" lang="en-US" altLang="ja-JP" sz="1200" kern="1200" dirty="0" smtClean="0">
                 <a:solidFill>
                   <a:schemeClr val="tx1"/>
                 </a:solidFill>
@@ -912,7 +912,7 @@
               <a:t>Step-5:</a:t>
             </a:r>
             <a:r>
-              <a:rPr kumimoji="1" lang="ja-JP" altLang="ja-JP" sz="1200" kern="1200" smtClean="0">
+              <a:rPr kumimoji="1" lang="ja-JP" altLang="ja-JP" sz="1200" kern="1200" dirty="0" smtClean="0">
                 <a:solidFill>
                   <a:schemeClr val="tx1"/>
                 </a:solidFill>
@@ -926,7 +926,7 @@
           </a:p>
           <a:p>
             <a:r>
-              <a:rPr kumimoji="1" lang="en-US" altLang="ja-JP" sz="1200" kern="1200" smtClean="0">
+              <a:rPr kumimoji="1" lang="en-US" altLang="ja-JP" sz="1200" kern="1200" dirty="0" smtClean="0">
                 <a:solidFill>
                   <a:schemeClr val="tx1"/>
                 </a:solidFill>
@@ -938,7 +938,7 @@
               <a:t>Step-6: Step-2</a:t>
             </a:r>
             <a:r>
-              <a:rPr kumimoji="1" lang="ja-JP" altLang="ja-JP" sz="1200" kern="1200" smtClean="0">
+              <a:rPr kumimoji="1" lang="ja-JP" altLang="ja-JP" sz="1200" kern="1200" dirty="0" smtClean="0">
                 <a:solidFill>
                   <a:schemeClr val="tx1"/>
                 </a:solidFill>
@@ -949,7 +949,7 @@
               </a:rPr>
               <a:t>に戻る．</a:t>
             </a:r>
-            <a:endParaRPr kumimoji="1" lang="ja-JP" altLang="ja-JP" sz="1200" kern="1200">
+            <a:endParaRPr kumimoji="1" lang="ja-JP" altLang="ja-JP" sz="1200" kern="1200" dirty="0">
               <a:solidFill>
                 <a:schemeClr val="tx1"/>
               </a:solidFill>
@@ -6901,42 +6901,76 @@
             <p:ph type="title"/>
           </p:nvPr>
         </p:nvSpPr>
-        <p:spPr/>
+        <p:spPr>
+          <a:xfrm>
+            <a:off x="838199" y="365125"/>
+            <a:ext cx="10515600" cy="1325563"/>
+          </a:xfrm>
+        </p:spPr>
         <p:txBody>
           <a:bodyPr/>
           <a:lstStyle/>
           <a:p>
             <a:r>
               <a:rPr lang="ja-JP" altLang="en-US" dirty="0"/>
-              <a:t>選択穴埋め問題の例がわかる</a:t>
+              <a:t>選択穴埋め問題の</a:t>
             </a:r>
             <a:r>
               <a:rPr lang="ja-JP" altLang="en-US" dirty="0" smtClean="0"/>
-              <a:t>図</a:t>
+              <a:t>例</a:t>
             </a:r>
             <a:endParaRPr kumimoji="1" lang="ja-JP" altLang="en-US" dirty="0"/>
           </a:p>
         </p:txBody>
       </p:sp>
-      <p:sp>
-        <p:nvSpPr>
-          <p:cNvPr id="3" name="コンテンツ プレースホルダー 2"/>
-          <p:cNvSpPr>
-            <a:spLocks noGrp="1"/>
-          </p:cNvSpPr>
-          <p:nvPr>
-            <p:ph idx="1"/>
-          </p:nvPr>
-        </p:nvSpPr>
-        <p:spPr/>
-        <p:txBody>
-          <a:bodyPr/>
-          <a:lstStyle/>
-          <a:p>
-            <a:endParaRPr kumimoji="1" lang="ja-JP" altLang="en-US"/>
-          </a:p>
-        </p:txBody>
-      </p:sp>
+      <p:pic>
+        <p:nvPicPr>
+          <p:cNvPr id="5" name="図 4"/>
+          <p:cNvPicPr>
+            <a:picLocks noChangeAspect="1"/>
+          </p:cNvPicPr>
+          <p:nvPr/>
+        </p:nvPicPr>
+        <p:blipFill>
+          <a:blip r:embed="rId2"/>
+          <a:stretch>
+            <a:fillRect/>
+          </a:stretch>
+        </p:blipFill>
+        <p:spPr>
+          <a:xfrm>
+            <a:off x="6081712" y="3338512"/>
+            <a:ext cx="28575" cy="180975"/>
+          </a:xfrm>
+          <a:prstGeom prst="rect">
+            <a:avLst/>
+          </a:prstGeom>
+        </p:spPr>
+      </p:pic>
+      <p:pic>
+        <p:nvPicPr>
+          <p:cNvPr id="7" name="図 6"/>
+          <p:cNvPicPr>
+            <a:picLocks noChangeAspect="1"/>
+          </p:cNvPicPr>
+          <p:nvPr/>
+        </p:nvPicPr>
+        <p:blipFill>
+          <a:blip r:embed="rId3"/>
+          <a:stretch>
+            <a:fillRect/>
+          </a:stretch>
+        </p:blipFill>
+        <p:spPr>
+          <a:xfrm>
+            <a:off x="2107933" y="1738312"/>
+            <a:ext cx="6521717" cy="4351898"/>
+          </a:xfrm>
+          <a:prstGeom prst="rect">
+            <a:avLst/>
+          </a:prstGeom>
+        </p:spPr>
+      </p:pic>
     </p:spTree>
     <p:extLst>
       <p:ext uri="{BB962C8B-B14F-4D97-AF65-F5344CB8AC3E}">

--- a/1821121_shimaoka_thesis.pptx
+++ b/1821121_shimaoka_thesis.pptx
@@ -5,7 +5,7 @@
     <p:sldMasterId id="2147483648" r:id="rId1"/>
   </p:sldMasterIdLst>
   <p:notesMasterIdLst>
-    <p:notesMasterId r:id="rId20"/>
+    <p:notesMasterId r:id="rId22"/>
   </p:notesMasterIdLst>
   <p:sldIdLst>
     <p:sldId id="256" r:id="rId2"/>
@@ -26,6 +26,8 @@
     <p:sldId id="272" r:id="rId17"/>
     <p:sldId id="273" r:id="rId18"/>
     <p:sldId id="274" r:id="rId19"/>
+    <p:sldId id="276" r:id="rId20"/>
+    <p:sldId id="275" r:id="rId21"/>
   </p:sldIdLst>
   <p:sldSz cx="12192000" cy="6858000"/>
   <p:notesSz cx="6858000" cy="9144000"/>
@@ -214,7 +216,7 @@
           <a:p>
             <a:fld id="{79CC8B41-A965-44F6-A054-64E872A50930}" type="datetimeFigureOut">
               <a:rPr kumimoji="1" lang="ja-JP" altLang="en-US" smtClean="0"/>
-              <a:t>2021/12/21</a:t>
+              <a:t>2021/12/22</a:t>
             </a:fld>
             <a:endParaRPr kumimoji="1" lang="ja-JP" altLang="en-US"/>
           </a:p>
@@ -781,7 +783,7 @@
                 <a:ea typeface="+mn-ea"/>
                 <a:cs typeface="+mn-cs"/>
               </a:rPr>
-              <a:t>Step-1: XML</a:t>
+              <a:t>Step-1:</a:t>
             </a:r>
             <a:r>
               <a:rPr kumimoji="1" lang="ja-JP" altLang="ja-JP" sz="1200" kern="1200" dirty="0" smtClean="0">
@@ -793,8 +795,10 @@
                 <a:ea typeface="+mn-ea"/>
                 <a:cs typeface="+mn-cs"/>
               </a:rPr>
-              <a:t>状態のコードから</a:t>
-            </a:r>
+              <a:t>教師は問題ファイルを作成する． </a:t>
+            </a:r>
+          </a:p>
+          <a:p>
             <a:r>
               <a:rPr kumimoji="1" lang="en-US" altLang="ja-JP" sz="1200" kern="1200" dirty="0" smtClean="0">
                 <a:solidFill>
@@ -805,7 +809,7 @@
                 <a:ea typeface="+mn-ea"/>
                 <a:cs typeface="+mn-cs"/>
               </a:rPr>
-              <a:t>JavaScript</a:t>
+              <a:t>Step-2:XML</a:t>
             </a:r>
             <a:r>
               <a:rPr kumimoji="1" lang="ja-JP" altLang="ja-JP" sz="1200" kern="1200" dirty="0" smtClean="0">
@@ -817,7 +821,7 @@
                 <a:ea typeface="+mn-ea"/>
                 <a:cs typeface="+mn-cs"/>
               </a:rPr>
-              <a:t>コードを生成する．</a:t>
+              <a:t>状態のコードからプログラミング言語のコードを生成する．</a:t>
             </a:r>
           </a:p>
           <a:p>
@@ -831,7 +835,7 @@
                 <a:ea typeface="+mn-ea"/>
                 <a:cs typeface="+mn-cs"/>
               </a:rPr>
-              <a:t>Step-2:</a:t>
+              <a:t>Step-3:</a:t>
             </a:r>
             <a:r>
               <a:rPr kumimoji="1" lang="ja-JP" altLang="ja-JP" sz="1200" kern="1200" dirty="0" smtClean="0">
@@ -843,33 +847,7 @@
                 <a:ea typeface="+mn-ea"/>
                 <a:cs typeface="+mn-cs"/>
               </a:rPr>
-              <a:t>難易度によって選択問題に利用されるワード，問題数を選択する．</a:t>
-            </a:r>
-          </a:p>
-          <a:p>
-            <a:r>
-              <a:rPr kumimoji="1" lang="en-US" altLang="ja-JP" sz="1200" kern="1200" dirty="0" smtClean="0">
-                <a:solidFill>
-                  <a:schemeClr val="tx1"/>
-                </a:solidFill>
-                <a:effectLst/>
-                <a:latin typeface="+mn-lt"/>
-                <a:ea typeface="+mn-ea"/>
-                <a:cs typeface="+mn-cs"/>
-              </a:rPr>
-              <a:t>Step-3:JavaScript</a:t>
-            </a:r>
-            <a:r>
-              <a:rPr kumimoji="1" lang="ja-JP" altLang="ja-JP" sz="1200" kern="1200" dirty="0" smtClean="0">
-                <a:solidFill>
-                  <a:schemeClr val="tx1"/>
-                </a:solidFill>
-                <a:effectLst/>
-                <a:latin typeface="+mn-lt"/>
-                <a:ea typeface="+mn-ea"/>
-                <a:cs typeface="+mn-cs"/>
-              </a:rPr>
-              <a:t>コードから選択問題を自動生成する．</a:t>
+              <a:t>難易度によって選択問題に利用されるキーワード，問題数を選択する．</a:t>
             </a:r>
           </a:p>
           <a:p>
@@ -895,7 +873,7 @@
                 <a:ea typeface="+mn-ea"/>
                 <a:cs typeface="+mn-cs"/>
               </a:rPr>
-              <a:t>解答の正誤を判別する．</a:t>
+              <a:t>問題文，選択問題を学習者に出題する．</a:t>
             </a:r>
           </a:p>
           <a:p>
@@ -921,7 +899,7 @@
                 <a:ea typeface="+mn-ea"/>
                 <a:cs typeface="+mn-cs"/>
               </a:rPr>
-              <a:t>誤答の解説を行う．</a:t>
+              <a:t>学習者は解答を行う．</a:t>
             </a:r>
           </a:p>
           <a:p>
@@ -935,7 +913,33 @@
                 <a:ea typeface="+mn-ea"/>
                 <a:cs typeface="+mn-cs"/>
               </a:rPr>
-              <a:t>Step-6: Step-2</a:t>
+              <a:t>Step-6:</a:t>
+            </a:r>
+            <a:r>
+              <a:rPr kumimoji="1" lang="ja-JP" altLang="ja-JP" sz="1200" kern="1200" dirty="0" smtClean="0">
+                <a:solidFill>
+                  <a:schemeClr val="tx1"/>
+                </a:solidFill>
+                <a:effectLst/>
+                <a:latin typeface="+mn-lt"/>
+                <a:ea typeface="+mn-ea"/>
+                <a:cs typeface="+mn-cs"/>
+              </a:rPr>
+              <a:t>誤答の解説を行う．</a:t>
+            </a:r>
+          </a:p>
+          <a:p>
+            <a:r>
+              <a:rPr kumimoji="1" lang="en-US" altLang="ja-JP" sz="1200" kern="1200" dirty="0" smtClean="0">
+                <a:solidFill>
+                  <a:schemeClr val="tx1"/>
+                </a:solidFill>
+                <a:effectLst/>
+                <a:latin typeface="+mn-lt"/>
+                <a:ea typeface="+mn-ea"/>
+                <a:cs typeface="+mn-cs"/>
+              </a:rPr>
+              <a:t>Step-7: Step-2</a:t>
             </a:r>
             <a:r>
               <a:rPr kumimoji="1" lang="ja-JP" altLang="ja-JP" sz="1200" kern="1200" dirty="0" smtClean="0">
@@ -1128,7 +1132,7 @@
           <a:p>
             <a:fld id="{9DB641FA-2EBA-48ED-9A0A-D315C0ADADC0}" type="datetimeFigureOut">
               <a:rPr kumimoji="1" lang="ja-JP" altLang="en-US" smtClean="0"/>
-              <a:t>2021/12/21</a:t>
+              <a:t>2021/12/22</a:t>
             </a:fld>
             <a:endParaRPr kumimoji="1" lang="ja-JP" altLang="en-US"/>
           </a:p>
@@ -1330,7 +1334,7 @@
           <a:p>
             <a:fld id="{9DB641FA-2EBA-48ED-9A0A-D315C0ADADC0}" type="datetimeFigureOut">
               <a:rPr kumimoji="1" lang="ja-JP" altLang="en-US" smtClean="0"/>
-              <a:t>2021/12/21</a:t>
+              <a:t>2021/12/22</a:t>
             </a:fld>
             <a:endParaRPr kumimoji="1" lang="ja-JP" altLang="en-US"/>
           </a:p>
@@ -1542,7 +1546,7 @@
           <a:p>
             <a:fld id="{9DB641FA-2EBA-48ED-9A0A-D315C0ADADC0}" type="datetimeFigureOut">
               <a:rPr kumimoji="1" lang="ja-JP" altLang="en-US" smtClean="0"/>
-              <a:t>2021/12/21</a:t>
+              <a:t>2021/12/22</a:t>
             </a:fld>
             <a:endParaRPr kumimoji="1" lang="ja-JP" altLang="en-US"/>
           </a:p>
@@ -1744,7 +1748,7 @@
           <a:p>
             <a:fld id="{9DB641FA-2EBA-48ED-9A0A-D315C0ADADC0}" type="datetimeFigureOut">
               <a:rPr kumimoji="1" lang="ja-JP" altLang="en-US" smtClean="0"/>
-              <a:t>2021/12/21</a:t>
+              <a:t>2021/12/22</a:t>
             </a:fld>
             <a:endParaRPr kumimoji="1" lang="ja-JP" altLang="en-US"/>
           </a:p>
@@ -1990,7 +1994,7 @@
           <a:p>
             <a:fld id="{9DB641FA-2EBA-48ED-9A0A-D315C0ADADC0}" type="datetimeFigureOut">
               <a:rPr kumimoji="1" lang="ja-JP" altLang="en-US" smtClean="0"/>
-              <a:t>2021/12/21</a:t>
+              <a:t>2021/12/22</a:t>
             </a:fld>
             <a:endParaRPr kumimoji="1" lang="ja-JP" altLang="en-US"/>
           </a:p>
@@ -2286,7 +2290,7 @@
           <a:p>
             <a:fld id="{9DB641FA-2EBA-48ED-9A0A-D315C0ADADC0}" type="datetimeFigureOut">
               <a:rPr kumimoji="1" lang="ja-JP" altLang="en-US" smtClean="0"/>
-              <a:t>2021/12/21</a:t>
+              <a:t>2021/12/22</a:t>
             </a:fld>
             <a:endParaRPr kumimoji="1" lang="ja-JP" altLang="en-US"/>
           </a:p>
@@ -2717,7 +2721,7 @@
           <a:p>
             <a:fld id="{9DB641FA-2EBA-48ED-9A0A-D315C0ADADC0}" type="datetimeFigureOut">
               <a:rPr kumimoji="1" lang="ja-JP" altLang="en-US" smtClean="0"/>
-              <a:t>2021/12/21</a:t>
+              <a:t>2021/12/22</a:t>
             </a:fld>
             <a:endParaRPr kumimoji="1" lang="ja-JP" altLang="en-US"/>
           </a:p>
@@ -2835,7 +2839,7 @@
           <a:p>
             <a:fld id="{9DB641FA-2EBA-48ED-9A0A-D315C0ADADC0}" type="datetimeFigureOut">
               <a:rPr kumimoji="1" lang="ja-JP" altLang="en-US" smtClean="0"/>
-              <a:t>2021/12/21</a:t>
+              <a:t>2021/12/22</a:t>
             </a:fld>
             <a:endParaRPr kumimoji="1" lang="ja-JP" altLang="en-US"/>
           </a:p>
@@ -2930,7 +2934,7 @@
           <a:p>
             <a:fld id="{9DB641FA-2EBA-48ED-9A0A-D315C0ADADC0}" type="datetimeFigureOut">
               <a:rPr kumimoji="1" lang="ja-JP" altLang="en-US" smtClean="0"/>
-              <a:t>2021/12/21</a:t>
+              <a:t>2021/12/22</a:t>
             </a:fld>
             <a:endParaRPr kumimoji="1" lang="ja-JP" altLang="en-US"/>
           </a:p>
@@ -3239,7 +3243,7 @@
           <a:p>
             <a:fld id="{9DB641FA-2EBA-48ED-9A0A-D315C0ADADC0}" type="datetimeFigureOut">
               <a:rPr kumimoji="1" lang="ja-JP" altLang="en-US" smtClean="0"/>
-              <a:t>2021/12/21</a:t>
+              <a:t>2021/12/22</a:t>
             </a:fld>
             <a:endParaRPr kumimoji="1" lang="ja-JP" altLang="en-US"/>
           </a:p>
@@ -3492,7 +3496,7 @@
           <a:p>
             <a:fld id="{9DB641FA-2EBA-48ED-9A0A-D315C0ADADC0}" type="datetimeFigureOut">
               <a:rPr kumimoji="1" lang="ja-JP" altLang="en-US" smtClean="0"/>
-              <a:t>2021/12/21</a:t>
+              <a:t>2021/12/22</a:t>
             </a:fld>
             <a:endParaRPr kumimoji="1" lang="ja-JP" altLang="en-US"/>
           </a:p>
@@ -3737,7 +3741,7 @@
           <a:p>
             <a:fld id="{9DB641FA-2EBA-48ED-9A0A-D315C0ADADC0}" type="datetimeFigureOut">
               <a:rPr kumimoji="1" lang="ja-JP" altLang="en-US" smtClean="0"/>
-              <a:t>2021/12/21</a:t>
+              <a:t>2021/12/22</a:t>
             </a:fld>
             <a:endParaRPr kumimoji="1" lang="ja-JP" altLang="en-US"/>
           </a:p>
@@ -5897,18 +5901,105 @@
       </p:grpSpPr>
       <p:sp>
         <p:nvSpPr>
-          <p:cNvPr id="28" name="角丸四角形 27"/>
+          <p:cNvPr id="7" name="テキスト ボックス 6"/>
+          <p:cNvSpPr txBox="1"/>
+          <p:nvPr/>
+        </p:nvSpPr>
+        <p:spPr>
+          <a:xfrm>
+            <a:off x="11224162" y="4132102"/>
+            <a:ext cx="1930400" cy="369332"/>
+          </a:xfrm>
+          <a:prstGeom prst="rect">
+            <a:avLst/>
+          </a:prstGeom>
+          <a:noFill/>
+        </p:spPr>
+        <p:txBody>
+          <a:bodyPr wrap="square" rtlCol="0">
+            <a:spAutoFit/>
+          </a:bodyPr>
+          <a:lstStyle/>
+          <a:p>
+            <a:r>
+              <a:rPr kumimoji="1" lang="ja-JP" altLang="en-US" dirty="0" smtClean="0"/>
+              <a:t>教師</a:t>
+            </a:r>
+            <a:endParaRPr kumimoji="1" lang="ja-JP" altLang="en-US" dirty="0"/>
+          </a:p>
+        </p:txBody>
+      </p:sp>
+      <p:sp>
+        <p:nvSpPr>
+          <p:cNvPr id="31" name="正方形/長方形 30"/>
           <p:cNvSpPr/>
           <p:nvPr/>
         </p:nvSpPr>
         <p:spPr>
           <a:xfrm>
-            <a:off x="2715272" y="433137"/>
-            <a:ext cx="7054712" cy="5967663"/>
+            <a:off x="179284" y="63805"/>
+            <a:ext cx="2231347" cy="646331"/>
+          </a:xfrm>
+          <a:prstGeom prst="rect">
+            <a:avLst/>
+          </a:prstGeom>
+        </p:spPr>
+        <p:txBody>
+          <a:bodyPr wrap="square">
+            <a:spAutoFit/>
+          </a:bodyPr>
+          <a:lstStyle/>
+          <a:p>
+            <a:r>
+              <a:rPr lang="ja-JP" altLang="en-US" dirty="0" smtClean="0">
+                <a:latin typeface="Consolas" panose="020B0609020204030204" pitchFamily="49" charset="0"/>
+              </a:rPr>
+              <a:t>提案システム</a:t>
+            </a:r>
+            <a:endParaRPr lang="en-US" altLang="ja-JP" dirty="0" smtClean="0">
+              <a:latin typeface="Consolas" panose="020B0609020204030204" pitchFamily="49" charset="0"/>
+            </a:endParaRPr>
+          </a:p>
+          <a:p>
+            <a:r>
+              <a:rPr lang="ja-JP" altLang="en-US" dirty="0" smtClean="0">
+                <a:latin typeface="Consolas" panose="020B0609020204030204" pitchFamily="49" charset="0"/>
+              </a:rPr>
+              <a:t>の</a:t>
+            </a:r>
+            <a:r>
+              <a:rPr lang="ja-JP" altLang="en-US" dirty="0">
+                <a:latin typeface="Consolas" panose="020B0609020204030204" pitchFamily="49" charset="0"/>
+              </a:rPr>
+              <a:t>概要図</a:t>
+            </a:r>
+            <a:endParaRPr lang="ja-JP" altLang="en-US" b="0" dirty="0">
+              <a:effectLst/>
+              <a:latin typeface="Consolas" panose="020B0609020204030204" pitchFamily="49" charset="0"/>
+            </a:endParaRPr>
+          </a:p>
+        </p:txBody>
+      </p:sp>
+      <p:sp>
+        <p:nvSpPr>
+          <p:cNvPr id="46" name="角丸四角形 45"/>
+          <p:cNvSpPr/>
+          <p:nvPr/>
+        </p:nvSpPr>
+        <p:spPr>
+          <a:xfrm>
+            <a:off x="2492761" y="457889"/>
+            <a:ext cx="7431483" cy="6111622"/>
           </a:xfrm>
           <a:prstGeom prst="roundRect">
             <a:avLst/>
           </a:prstGeom>
+          <a:solidFill>
+            <a:schemeClr val="accent6">
+              <a:lumMod val="20000"/>
+              <a:lumOff val="80000"/>
+            </a:schemeClr>
+          </a:solidFill>
         </p:spPr>
         <p:style>
           <a:lnRef idx="1">
@@ -5935,150 +6026,14 @@
       </p:sp>
       <p:sp>
         <p:nvSpPr>
-          <p:cNvPr id="4" name="スマイル 3"/>
+          <p:cNvPr id="47" name="円柱 46"/>
           <p:cNvSpPr/>
           <p:nvPr/>
         </p:nvSpPr>
         <p:spPr>
           <a:xfrm>
-            <a:off x="10846749" y="2207188"/>
-            <a:ext cx="1303866" cy="1306512"/>
-          </a:xfrm>
-          <a:prstGeom prst="smileyFace">
-            <a:avLst/>
-          </a:prstGeom>
-        </p:spPr>
-        <p:style>
-          <a:lnRef idx="1">
-            <a:schemeClr val="accent4"/>
-          </a:lnRef>
-          <a:fillRef idx="2">
-            <a:schemeClr val="accent4"/>
-          </a:fillRef>
-          <a:effectRef idx="1">
-            <a:schemeClr val="accent4"/>
-          </a:effectRef>
-          <a:fontRef idx="minor">
-            <a:schemeClr val="dk1"/>
-          </a:fontRef>
-        </p:style>
-        <p:txBody>
-          <a:bodyPr rtlCol="0" anchor="ctr"/>
-          <a:lstStyle/>
-          <a:p>
-            <a:pPr algn="ctr"/>
-            <a:endParaRPr kumimoji="1" lang="ja-JP" altLang="en-US"/>
-          </a:p>
-        </p:txBody>
-      </p:sp>
-      <p:sp>
-        <p:nvSpPr>
-          <p:cNvPr id="5" name="スマイル 4"/>
-          <p:cNvSpPr/>
-          <p:nvPr/>
-        </p:nvSpPr>
-        <p:spPr>
-          <a:xfrm>
-            <a:off x="0" y="2367466"/>
-            <a:ext cx="1303866" cy="1306512"/>
-          </a:xfrm>
-          <a:prstGeom prst="smileyFace">
-            <a:avLst/>
-          </a:prstGeom>
-        </p:spPr>
-        <p:style>
-          <a:lnRef idx="1">
-            <a:schemeClr val="accent4"/>
-          </a:lnRef>
-          <a:fillRef idx="2">
-            <a:schemeClr val="accent4"/>
-          </a:fillRef>
-          <a:effectRef idx="1">
-            <a:schemeClr val="accent4"/>
-          </a:effectRef>
-          <a:fontRef idx="minor">
-            <a:schemeClr val="dk1"/>
-          </a:fontRef>
-        </p:style>
-        <p:txBody>
-          <a:bodyPr rtlCol="0" anchor="ctr"/>
-          <a:lstStyle/>
-          <a:p>
-            <a:pPr algn="ctr"/>
-            <a:endParaRPr kumimoji="1" lang="ja-JP" altLang="en-US"/>
-          </a:p>
-        </p:txBody>
-      </p:sp>
-      <p:sp>
-        <p:nvSpPr>
-          <p:cNvPr id="6" name="テキスト ボックス 5"/>
-          <p:cNvSpPr txBox="1"/>
-          <p:nvPr/>
-        </p:nvSpPr>
-        <p:spPr>
-          <a:xfrm>
-            <a:off x="179284" y="1816912"/>
-            <a:ext cx="1676400" cy="369332"/>
-          </a:xfrm>
-          <a:prstGeom prst="rect">
-            <a:avLst/>
-          </a:prstGeom>
-          <a:noFill/>
-        </p:spPr>
-        <p:txBody>
-          <a:bodyPr wrap="square" rtlCol="0">
-            <a:spAutoFit/>
-          </a:bodyPr>
-          <a:lstStyle/>
-          <a:p>
-            <a:r>
-              <a:rPr kumimoji="1" lang="ja-JP" altLang="en-US" dirty="0" smtClean="0"/>
-              <a:t>学習者</a:t>
-            </a:r>
-            <a:endParaRPr kumimoji="1" lang="ja-JP" altLang="en-US" dirty="0"/>
-          </a:p>
-        </p:txBody>
-      </p:sp>
-      <p:sp>
-        <p:nvSpPr>
-          <p:cNvPr id="7" name="テキスト ボックス 6"/>
-          <p:cNvSpPr txBox="1"/>
-          <p:nvPr/>
-        </p:nvSpPr>
-        <p:spPr>
-          <a:xfrm>
-            <a:off x="11181390" y="1784725"/>
-            <a:ext cx="1930400" cy="369332"/>
-          </a:xfrm>
-          <a:prstGeom prst="rect">
-            <a:avLst/>
-          </a:prstGeom>
-          <a:noFill/>
-        </p:spPr>
-        <p:txBody>
-          <a:bodyPr wrap="square" rtlCol="0">
-            <a:spAutoFit/>
-          </a:bodyPr>
-          <a:lstStyle/>
-          <a:p>
-            <a:r>
-              <a:rPr kumimoji="1" lang="ja-JP" altLang="en-US" dirty="0" smtClean="0"/>
-              <a:t>教師</a:t>
-            </a:r>
-            <a:endParaRPr kumimoji="1" lang="ja-JP" altLang="en-US" dirty="0"/>
-          </a:p>
-        </p:txBody>
-      </p:sp>
-      <p:sp>
-        <p:nvSpPr>
-          <p:cNvPr id="8" name="円柱 7"/>
-          <p:cNvSpPr/>
-          <p:nvPr/>
-        </p:nvSpPr>
-        <p:spPr>
-          <a:xfrm>
-            <a:off x="8118984" y="2367466"/>
-            <a:ext cx="1496654" cy="1625677"/>
+            <a:off x="8175949" y="2209531"/>
+            <a:ext cx="1604286" cy="1676151"/>
           </a:xfrm>
           <a:prstGeom prst="can">
             <a:avLst/>
@@ -6117,14 +6072,14 @@
       </p:sp>
       <p:sp>
         <p:nvSpPr>
-          <p:cNvPr id="9" name="テキスト ボックス 8"/>
+          <p:cNvPr id="48" name="テキスト ボックス 47"/>
           <p:cNvSpPr txBox="1"/>
           <p:nvPr/>
         </p:nvSpPr>
         <p:spPr>
           <a:xfrm>
-            <a:off x="8118984" y="3016661"/>
-            <a:ext cx="1651000" cy="369332"/>
+            <a:off x="8226619" y="3069740"/>
+            <a:ext cx="2477041" cy="374288"/>
           </a:xfrm>
           <a:prstGeom prst="rect">
             <a:avLst/>
@@ -6147,113 +6102,14 @@
       </p:sp>
       <p:sp>
         <p:nvSpPr>
-          <p:cNvPr id="10" name="右矢印 9"/>
+          <p:cNvPr id="49" name="円柱 48"/>
           <p:cNvSpPr/>
           <p:nvPr/>
         </p:nvSpPr>
         <p:spPr>
-          <a:xfrm rot="10800000">
-            <a:off x="9876728" y="2559027"/>
-            <a:ext cx="880413" cy="521429"/>
-          </a:xfrm>
-          <a:prstGeom prst="rightArrow">
-            <a:avLst/>
-          </a:prstGeom>
-        </p:spPr>
-        <p:style>
-          <a:lnRef idx="2">
-            <a:schemeClr val="accent1">
-              <a:shade val="50000"/>
-            </a:schemeClr>
-          </a:lnRef>
-          <a:fillRef idx="1">
-            <a:schemeClr val="accent1"/>
-          </a:fillRef>
-          <a:effectRef idx="0">
-            <a:schemeClr val="accent1"/>
-          </a:effectRef>
-          <a:fontRef idx="minor">
-            <a:schemeClr val="lt1"/>
-          </a:fontRef>
-        </p:style>
-        <p:txBody>
-          <a:bodyPr rtlCol="0" anchor="ctr"/>
-          <a:lstStyle/>
-          <a:p>
-            <a:pPr algn="ctr"/>
-            <a:endParaRPr kumimoji="1" lang="ja-JP" altLang="en-US"/>
-          </a:p>
-        </p:txBody>
-      </p:sp>
-      <p:sp>
-        <p:nvSpPr>
-          <p:cNvPr id="11" name="テキスト ボックス 10"/>
-          <p:cNvSpPr txBox="1"/>
-          <p:nvPr/>
-        </p:nvSpPr>
-        <p:spPr>
           <a:xfrm>
-            <a:off x="9944815" y="3266058"/>
-            <a:ext cx="1338828" cy="1200329"/>
-          </a:xfrm>
-          <a:prstGeom prst="rect">
-            <a:avLst/>
-          </a:prstGeom>
-          <a:noFill/>
-        </p:spPr>
-        <p:txBody>
-          <a:bodyPr wrap="none" rtlCol="0">
-            <a:spAutoFit/>
-          </a:bodyPr>
-          <a:lstStyle/>
-          <a:p>
-            <a:r>
-              <a:rPr lang="ja-JP" altLang="en-US" dirty="0" smtClean="0"/>
-              <a:t>コード</a:t>
-            </a:r>
-            <a:r>
-              <a:rPr lang="ja-JP" altLang="en-US" dirty="0"/>
-              <a:t>，</a:t>
-            </a:r>
-            <a:endParaRPr lang="en-US" altLang="ja-JP" dirty="0" smtClean="0"/>
-          </a:p>
-          <a:p>
-            <a:r>
-              <a:rPr kumimoji="1" lang="ja-JP" altLang="en-US" dirty="0"/>
-              <a:t>問題</a:t>
-            </a:r>
-            <a:r>
-              <a:rPr kumimoji="1" lang="ja-JP" altLang="en-US" dirty="0" smtClean="0"/>
-              <a:t>文，</a:t>
-            </a:r>
-            <a:endParaRPr kumimoji="1" lang="en-US" altLang="ja-JP" dirty="0" smtClean="0"/>
-          </a:p>
-          <a:p>
-            <a:r>
-              <a:rPr lang="ja-JP" altLang="en-US" dirty="0" smtClean="0"/>
-              <a:t>実行結果，</a:t>
-            </a:r>
-            <a:endParaRPr lang="en-US" altLang="ja-JP" dirty="0" smtClean="0"/>
-          </a:p>
-          <a:p>
-            <a:r>
-              <a:rPr lang="ja-JP" altLang="en-US" dirty="0" smtClean="0"/>
-              <a:t>の入力</a:t>
-            </a:r>
-            <a:endParaRPr kumimoji="1" lang="ja-JP" altLang="en-US" dirty="0"/>
-          </a:p>
-        </p:txBody>
-      </p:sp>
-      <p:sp>
-        <p:nvSpPr>
-          <p:cNvPr id="12" name="円柱 11"/>
-          <p:cNvSpPr/>
-          <p:nvPr/>
-        </p:nvSpPr>
-        <p:spPr>
-          <a:xfrm>
-            <a:off x="6390985" y="4798575"/>
-            <a:ext cx="2315942" cy="1441947"/>
+            <a:off x="3832103" y="5059634"/>
+            <a:ext cx="2956826" cy="1394881"/>
           </a:xfrm>
           <a:prstGeom prst="can">
             <a:avLst/>
@@ -6292,14 +6148,14 @@
       </p:sp>
       <p:sp>
         <p:nvSpPr>
-          <p:cNvPr id="13" name="テキスト ボックス 12"/>
+          <p:cNvPr id="50" name="テキスト ボックス 49"/>
           <p:cNvSpPr txBox="1"/>
           <p:nvPr/>
         </p:nvSpPr>
         <p:spPr>
           <a:xfrm>
-            <a:off x="6514975" y="5473490"/>
-            <a:ext cx="2262158" cy="369332"/>
+            <a:off x="4234311" y="5751144"/>
+            <a:ext cx="2048016" cy="374288"/>
           </a:xfrm>
           <a:prstGeom prst="rect">
             <a:avLst/>
@@ -6307,14 +6163,14 @@
           <a:noFill/>
         </p:spPr>
         <p:txBody>
-          <a:bodyPr wrap="none" rtlCol="0">
+          <a:bodyPr wrap="square" rtlCol="0">
             <a:spAutoFit/>
           </a:bodyPr>
           <a:lstStyle/>
           <a:p>
             <a:r>
               <a:rPr kumimoji="1" lang="ja-JP" altLang="en-US" dirty="0" smtClean="0"/>
-              <a:t>カテゴリーグループ</a:t>
+              <a:t>カテゴリグループ</a:t>
             </a:r>
             <a:endParaRPr kumimoji="1" lang="ja-JP" altLang="en-US" dirty="0"/>
           </a:p>
@@ -6322,14 +6178,14 @@
       </p:sp>
       <p:sp>
         <p:nvSpPr>
-          <p:cNvPr id="14" name="左矢印 13"/>
+          <p:cNvPr id="51" name="左矢印 50"/>
           <p:cNvSpPr/>
           <p:nvPr/>
         </p:nvSpPr>
         <p:spPr>
           <a:xfrm>
-            <a:off x="6585987" y="2919080"/>
-            <a:ext cx="1143532" cy="545532"/>
+            <a:off x="6071706" y="2742201"/>
+            <a:ext cx="1888292" cy="610813"/>
           </a:xfrm>
           <a:prstGeom prst="leftArrow">
             <a:avLst/>
@@ -6362,58 +6218,14 @@
       </p:sp>
       <p:sp>
         <p:nvSpPr>
-          <p:cNvPr id="15" name="屈折矢印 14"/>
+          <p:cNvPr id="52" name="額縁 51"/>
           <p:cNvSpPr/>
           <p:nvPr/>
         </p:nvSpPr>
         <p:spPr>
-          <a:xfrm rot="16200000">
-            <a:off x="6629449" y="3514531"/>
-            <a:ext cx="1056607" cy="1143532"/>
-          </a:xfrm>
-          <a:prstGeom prst="bentUpArrow">
-            <a:avLst>
-              <a:gd name="adj1" fmla="val 25000"/>
-              <a:gd name="adj2" fmla="val 23397"/>
-              <a:gd name="adj3" fmla="val 25000"/>
-            </a:avLst>
-          </a:prstGeom>
-        </p:spPr>
-        <p:style>
-          <a:lnRef idx="2">
-            <a:schemeClr val="accent1">
-              <a:shade val="50000"/>
-            </a:schemeClr>
-          </a:lnRef>
-          <a:fillRef idx="1">
-            <a:schemeClr val="accent1"/>
-          </a:fillRef>
-          <a:effectRef idx="0">
-            <a:schemeClr val="accent1"/>
-          </a:effectRef>
-          <a:fontRef idx="minor">
-            <a:schemeClr val="lt1"/>
-          </a:fontRef>
-        </p:style>
-        <p:txBody>
-          <a:bodyPr rtlCol="0" anchor="ctr"/>
-          <a:lstStyle/>
-          <a:p>
-            <a:pPr algn="ctr"/>
-            <a:endParaRPr kumimoji="1" lang="ja-JP" altLang="en-US"/>
-          </a:p>
-        </p:txBody>
-      </p:sp>
-      <p:sp>
-        <p:nvSpPr>
-          <p:cNvPr id="16" name="額縁 15"/>
-          <p:cNvSpPr/>
-          <p:nvPr/>
-        </p:nvSpPr>
-        <p:spPr>
           <a:xfrm>
-            <a:off x="3096609" y="2367466"/>
-            <a:ext cx="3023203" cy="1764666"/>
+            <a:off x="3072428" y="2420297"/>
+            <a:ext cx="2684326" cy="1638117"/>
           </a:xfrm>
           <a:prstGeom prst="bevel">
             <a:avLst/>
@@ -6444,14 +6256,14 @@
       </p:sp>
       <p:sp>
         <p:nvSpPr>
-          <p:cNvPr id="17" name="テキスト ボックス 16"/>
+          <p:cNvPr id="53" name="テキスト ボックス 52"/>
           <p:cNvSpPr txBox="1"/>
           <p:nvPr/>
         </p:nvSpPr>
         <p:spPr>
           <a:xfrm>
-            <a:off x="3532158" y="3014674"/>
-            <a:ext cx="2002551" cy="523220"/>
+            <a:off x="3363331" y="2975980"/>
+            <a:ext cx="2326945" cy="523220"/>
           </a:xfrm>
           <a:prstGeom prst="rect">
             <a:avLst/>
@@ -6492,14 +6304,14 @@
       </p:sp>
       <p:sp>
         <p:nvSpPr>
-          <p:cNvPr id="18" name="テキスト ボックス 17"/>
+          <p:cNvPr id="54" name="テキスト ボックス 53"/>
           <p:cNvSpPr txBox="1"/>
           <p:nvPr/>
         </p:nvSpPr>
         <p:spPr>
           <a:xfrm>
-            <a:off x="6469589" y="2449953"/>
-            <a:ext cx="1338828" cy="369332"/>
+            <a:off x="7561182" y="5318685"/>
+            <a:ext cx="2008681" cy="923330"/>
           </a:xfrm>
           <a:prstGeom prst="rect">
             <a:avLst/>
@@ -6507,14 +6319,526 @@
           <a:noFill/>
         </p:spPr>
         <p:txBody>
+          <a:bodyPr wrap="square" rtlCol="0">
+            <a:spAutoFit/>
+          </a:bodyPr>
+          <a:lstStyle/>
+          <a:p>
+            <a:r>
+              <a:rPr kumimoji="1" lang="en-US" altLang="ja-JP" dirty="0" smtClean="0"/>
+              <a:t>Step-2:</a:t>
+            </a:r>
+          </a:p>
+          <a:p>
+            <a:r>
+              <a:rPr kumimoji="1" lang="ja-JP" altLang="en-US" dirty="0" smtClean="0"/>
+              <a:t>ソースコード</a:t>
+            </a:r>
+            <a:endParaRPr kumimoji="1" lang="en-US" altLang="ja-JP" dirty="0" smtClean="0"/>
+          </a:p>
+          <a:p>
+            <a:r>
+              <a:rPr kumimoji="1" lang="ja-JP" altLang="en-US" dirty="0" smtClean="0"/>
+              <a:t>の</a:t>
+            </a:r>
+            <a:r>
+              <a:rPr kumimoji="1" lang="ja-JP" altLang="en-US" dirty="0" smtClean="0"/>
+              <a:t>生成</a:t>
+            </a:r>
+            <a:endParaRPr kumimoji="1" lang="ja-JP" altLang="en-US" dirty="0"/>
+          </a:p>
+        </p:txBody>
+      </p:sp>
+      <p:sp>
+        <p:nvSpPr>
+          <p:cNvPr id="55" name="下カーブ矢印 54"/>
+          <p:cNvSpPr/>
+          <p:nvPr/>
+        </p:nvSpPr>
+        <p:spPr>
+          <a:xfrm>
+            <a:off x="4234311" y="1360195"/>
+            <a:ext cx="4755998" cy="724953"/>
+          </a:xfrm>
+          <a:prstGeom prst="curvedDownArrow">
+            <a:avLst/>
+          </a:prstGeom>
+        </p:spPr>
+        <p:style>
+          <a:lnRef idx="2">
+            <a:schemeClr val="accent1">
+              <a:shade val="50000"/>
+            </a:schemeClr>
+          </a:lnRef>
+          <a:fillRef idx="1">
+            <a:schemeClr val="accent1"/>
+          </a:fillRef>
+          <a:effectRef idx="0">
+            <a:schemeClr val="accent1"/>
+          </a:effectRef>
+          <a:fontRef idx="minor">
+            <a:schemeClr val="lt1"/>
+          </a:fontRef>
+        </p:style>
+        <p:txBody>
+          <a:bodyPr rtlCol="0" anchor="ctr"/>
+          <a:lstStyle/>
+          <a:p>
+            <a:pPr algn="ctr"/>
+            <a:endParaRPr kumimoji="1" lang="ja-JP" altLang="en-US">
+              <a:solidFill>
+                <a:schemeClr val="tx1"/>
+              </a:solidFill>
+            </a:endParaRPr>
+          </a:p>
+        </p:txBody>
+      </p:sp>
+      <p:sp>
+        <p:nvSpPr>
+          <p:cNvPr id="56" name="テキスト ボックス 55"/>
+          <p:cNvSpPr txBox="1"/>
+          <p:nvPr/>
+        </p:nvSpPr>
+        <p:spPr>
+          <a:xfrm>
+            <a:off x="5611426" y="583236"/>
+            <a:ext cx="2355005" cy="646331"/>
+          </a:xfrm>
+          <a:prstGeom prst="rect">
+            <a:avLst/>
+          </a:prstGeom>
+          <a:noFill/>
+        </p:spPr>
+        <p:txBody>
+          <a:bodyPr wrap="square" rtlCol="0">
+            <a:spAutoFit/>
+          </a:bodyPr>
+          <a:lstStyle/>
+          <a:p>
+            <a:r>
+              <a:rPr lang="en-US" altLang="ja-JP" dirty="0" smtClean="0"/>
+              <a:t>Step-7:</a:t>
+            </a:r>
+          </a:p>
+          <a:p>
+            <a:r>
+              <a:rPr lang="ja-JP" altLang="en-US" dirty="0" smtClean="0"/>
+              <a:t>問題</a:t>
+            </a:r>
+            <a:r>
+              <a:rPr lang="ja-JP" altLang="en-US" dirty="0" smtClean="0"/>
+              <a:t>の再生成</a:t>
+            </a:r>
+            <a:endParaRPr kumimoji="1" lang="ja-JP" altLang="en-US" dirty="0"/>
+          </a:p>
+        </p:txBody>
+      </p:sp>
+      <p:sp>
+        <p:nvSpPr>
+          <p:cNvPr id="57" name="上矢印 56"/>
+          <p:cNvSpPr/>
+          <p:nvPr/>
+        </p:nvSpPr>
+        <p:spPr>
+          <a:xfrm>
+            <a:off x="4453745" y="4168579"/>
+            <a:ext cx="715516" cy="772089"/>
+          </a:xfrm>
+          <a:prstGeom prst="upArrow">
+            <a:avLst/>
+          </a:prstGeom>
+        </p:spPr>
+        <p:style>
+          <a:lnRef idx="2">
+            <a:schemeClr val="accent1">
+              <a:shade val="50000"/>
+            </a:schemeClr>
+          </a:lnRef>
+          <a:fillRef idx="1">
+            <a:schemeClr val="accent1"/>
+          </a:fillRef>
+          <a:effectRef idx="0">
+            <a:schemeClr val="accent1"/>
+          </a:effectRef>
+          <a:fontRef idx="minor">
+            <a:schemeClr val="lt1"/>
+          </a:fontRef>
+        </p:style>
+        <p:txBody>
+          <a:bodyPr rtlCol="0" anchor="ctr"/>
+          <a:lstStyle/>
+          <a:p>
+            <a:pPr algn="ctr"/>
+            <a:endParaRPr kumimoji="1" lang="ja-JP" altLang="en-US"/>
+          </a:p>
+        </p:txBody>
+      </p:sp>
+      <p:sp>
+        <p:nvSpPr>
+          <p:cNvPr id="58" name="テキスト ボックス 57"/>
+          <p:cNvSpPr txBox="1"/>
+          <p:nvPr/>
+        </p:nvSpPr>
+        <p:spPr>
+          <a:xfrm>
+            <a:off x="6314515" y="1993092"/>
+            <a:ext cx="1638975" cy="646331"/>
+          </a:xfrm>
+          <a:prstGeom prst="rect">
+            <a:avLst/>
+          </a:prstGeom>
+          <a:noFill/>
+        </p:spPr>
+        <p:txBody>
+          <a:bodyPr wrap="square" rtlCol="0">
+            <a:spAutoFit/>
+          </a:bodyPr>
+          <a:lstStyle/>
+          <a:p>
+            <a:r>
+              <a:rPr kumimoji="1" lang="en-US" altLang="ja-JP" dirty="0" smtClean="0"/>
+              <a:t>Step-4:</a:t>
+            </a:r>
+          </a:p>
+          <a:p>
+            <a:r>
+              <a:rPr kumimoji="1" lang="ja-JP" altLang="en-US" dirty="0" smtClean="0"/>
+              <a:t>問題文の提示</a:t>
+            </a:r>
+            <a:endParaRPr kumimoji="1" lang="ja-JP" altLang="en-US" dirty="0"/>
+          </a:p>
+        </p:txBody>
+      </p:sp>
+      <p:sp>
+        <p:nvSpPr>
+          <p:cNvPr id="59" name="テキスト ボックス 58"/>
+          <p:cNvSpPr txBox="1"/>
+          <p:nvPr/>
+        </p:nvSpPr>
+        <p:spPr>
+          <a:xfrm>
+            <a:off x="5351581" y="4132102"/>
+            <a:ext cx="1664271" cy="923330"/>
+          </a:xfrm>
+          <a:prstGeom prst="rect">
+            <a:avLst/>
+          </a:prstGeom>
+          <a:noFill/>
+        </p:spPr>
+        <p:txBody>
+          <a:bodyPr wrap="square" rtlCol="0">
+            <a:spAutoFit/>
+          </a:bodyPr>
+          <a:lstStyle/>
+          <a:p>
+            <a:r>
+              <a:rPr lang="en-US" altLang="ja-JP" dirty="0" smtClean="0"/>
+              <a:t>Step-</a:t>
+            </a:r>
+            <a:r>
+              <a:rPr lang="ja-JP" altLang="en-US" dirty="0" smtClean="0"/>
+              <a:t>３：</a:t>
+            </a:r>
+            <a:endParaRPr lang="en-US" altLang="ja-JP" dirty="0" smtClean="0"/>
+          </a:p>
+          <a:p>
+            <a:r>
+              <a:rPr lang="ja-JP" altLang="en-US" dirty="0" smtClean="0"/>
+              <a:t>選択肢，</a:t>
+            </a:r>
+            <a:endParaRPr lang="en-US" altLang="ja-JP" dirty="0" smtClean="0"/>
+          </a:p>
+          <a:p>
+            <a:r>
+              <a:rPr lang="ja-JP" altLang="en-US" dirty="0" smtClean="0"/>
+              <a:t>問題数の</a:t>
+            </a:r>
+            <a:r>
+              <a:rPr lang="ja-JP" altLang="en-US" dirty="0"/>
+              <a:t>決定</a:t>
+            </a:r>
+            <a:endParaRPr kumimoji="1" lang="ja-JP" altLang="en-US" dirty="0"/>
+          </a:p>
+        </p:txBody>
+      </p:sp>
+      <p:sp>
+        <p:nvSpPr>
+          <p:cNvPr id="60" name="曲折矢印 59"/>
+          <p:cNvSpPr/>
+          <p:nvPr/>
+        </p:nvSpPr>
+        <p:spPr>
+          <a:xfrm rot="10800000">
+            <a:off x="7018086" y="4071084"/>
+            <a:ext cx="2315726" cy="1126590"/>
+          </a:xfrm>
+          <a:prstGeom prst="bentArrow">
+            <a:avLst/>
+          </a:prstGeom>
+        </p:spPr>
+        <p:style>
+          <a:lnRef idx="2">
+            <a:schemeClr val="accent1">
+              <a:shade val="50000"/>
+            </a:schemeClr>
+          </a:lnRef>
+          <a:fillRef idx="1">
+            <a:schemeClr val="accent1"/>
+          </a:fillRef>
+          <a:effectRef idx="0">
+            <a:schemeClr val="accent1"/>
+          </a:effectRef>
+          <a:fontRef idx="minor">
+            <a:schemeClr val="lt1"/>
+          </a:fontRef>
+        </p:style>
+        <p:txBody>
+          <a:bodyPr rtlCol="0" anchor="ctr"/>
+          <a:lstStyle/>
+          <a:p>
+            <a:pPr algn="ctr"/>
+            <a:endParaRPr kumimoji="1" lang="ja-JP" altLang="en-US">
+              <a:solidFill>
+                <a:schemeClr val="tx1"/>
+              </a:solidFill>
+            </a:endParaRPr>
+          </a:p>
+        </p:txBody>
+      </p:sp>
+      <p:sp>
+        <p:nvSpPr>
+          <p:cNvPr id="4" name="スマイル 3"/>
+          <p:cNvSpPr/>
+          <p:nvPr/>
+        </p:nvSpPr>
+        <p:spPr>
+          <a:xfrm>
+            <a:off x="10885496" y="2703270"/>
+            <a:ext cx="1303866" cy="1306512"/>
+          </a:xfrm>
+          <a:prstGeom prst="smileyFace">
+            <a:avLst/>
+          </a:prstGeom>
+        </p:spPr>
+        <p:style>
+          <a:lnRef idx="1">
+            <a:schemeClr val="accent4"/>
+          </a:lnRef>
+          <a:fillRef idx="2">
+            <a:schemeClr val="accent4"/>
+          </a:fillRef>
+          <a:effectRef idx="1">
+            <a:schemeClr val="accent4"/>
+          </a:effectRef>
+          <a:fontRef idx="minor">
+            <a:schemeClr val="dk1"/>
+          </a:fontRef>
+        </p:style>
+        <p:txBody>
+          <a:bodyPr rtlCol="0" anchor="ctr"/>
+          <a:lstStyle/>
+          <a:p>
+            <a:pPr algn="ctr"/>
+            <a:endParaRPr kumimoji="1" lang="ja-JP" altLang="en-US"/>
+          </a:p>
+        </p:txBody>
+      </p:sp>
+      <p:sp>
+        <p:nvSpPr>
+          <p:cNvPr id="10" name="右矢印 9"/>
+          <p:cNvSpPr/>
+          <p:nvPr/>
+        </p:nvSpPr>
+        <p:spPr>
+          <a:xfrm rot="10800000">
+            <a:off x="9956946" y="3099711"/>
+            <a:ext cx="880413" cy="521429"/>
+          </a:xfrm>
+          <a:prstGeom prst="rightArrow">
+            <a:avLst/>
+          </a:prstGeom>
+        </p:spPr>
+        <p:style>
+          <a:lnRef idx="2">
+            <a:schemeClr val="accent1">
+              <a:shade val="50000"/>
+            </a:schemeClr>
+          </a:lnRef>
+          <a:fillRef idx="1">
+            <a:schemeClr val="accent1"/>
+          </a:fillRef>
+          <a:effectRef idx="0">
+            <a:schemeClr val="accent1"/>
+          </a:effectRef>
+          <a:fontRef idx="minor">
+            <a:schemeClr val="lt1"/>
+          </a:fontRef>
+        </p:style>
+        <p:txBody>
+          <a:bodyPr rtlCol="0" anchor="ctr"/>
+          <a:lstStyle/>
+          <a:p>
+            <a:pPr algn="ctr"/>
+            <a:endParaRPr kumimoji="1" lang="ja-JP" altLang="en-US"/>
+          </a:p>
+        </p:txBody>
+      </p:sp>
+      <p:sp>
+        <p:nvSpPr>
+          <p:cNvPr id="11" name="テキスト ボックス 10"/>
+          <p:cNvSpPr txBox="1"/>
+          <p:nvPr/>
+        </p:nvSpPr>
+        <p:spPr>
+          <a:xfrm>
+            <a:off x="10122637" y="1806337"/>
+            <a:ext cx="1338828" cy="1200329"/>
+          </a:xfrm>
+          <a:prstGeom prst="rect">
+            <a:avLst/>
+          </a:prstGeom>
+          <a:noFill/>
+        </p:spPr>
+        <p:txBody>
           <a:bodyPr wrap="none" rtlCol="0">
             <a:spAutoFit/>
           </a:bodyPr>
           <a:lstStyle/>
           <a:p>
             <a:r>
+              <a:rPr lang="ja-JP" altLang="en-US" dirty="0" smtClean="0"/>
+              <a:t>コード</a:t>
+            </a:r>
+            <a:r>
+              <a:rPr lang="ja-JP" altLang="en-US" dirty="0"/>
+              <a:t>，</a:t>
+            </a:r>
+            <a:endParaRPr lang="en-US" altLang="ja-JP" dirty="0" smtClean="0"/>
+          </a:p>
+          <a:p>
+            <a:r>
+              <a:rPr kumimoji="1" lang="ja-JP" altLang="en-US" dirty="0"/>
+              <a:t>問題</a:t>
+            </a:r>
+            <a:r>
               <a:rPr kumimoji="1" lang="ja-JP" altLang="en-US" dirty="0" smtClean="0"/>
-              <a:t>問題の生成</a:t>
+              <a:t>文，</a:t>
+            </a:r>
+            <a:endParaRPr kumimoji="1" lang="en-US" altLang="ja-JP" dirty="0" smtClean="0"/>
+          </a:p>
+          <a:p>
+            <a:r>
+              <a:rPr lang="ja-JP" altLang="en-US" dirty="0" smtClean="0"/>
+              <a:t>実行結果，</a:t>
+            </a:r>
+            <a:endParaRPr lang="en-US" altLang="ja-JP" dirty="0" smtClean="0"/>
+          </a:p>
+          <a:p>
+            <a:r>
+              <a:rPr lang="ja-JP" altLang="en-US" dirty="0" smtClean="0"/>
+              <a:t>の入力</a:t>
+            </a:r>
+            <a:endParaRPr kumimoji="1" lang="ja-JP" altLang="en-US" dirty="0"/>
+          </a:p>
+        </p:txBody>
+      </p:sp>
+      <p:sp>
+        <p:nvSpPr>
+          <p:cNvPr id="3" name="テキスト ボックス 2"/>
+          <p:cNvSpPr txBox="1"/>
+          <p:nvPr/>
+        </p:nvSpPr>
+        <p:spPr>
+          <a:xfrm>
+            <a:off x="10122637" y="1515488"/>
+            <a:ext cx="968535" cy="369332"/>
+          </a:xfrm>
+          <a:prstGeom prst="rect">
+            <a:avLst/>
+          </a:prstGeom>
+          <a:noFill/>
+        </p:spPr>
+        <p:txBody>
+          <a:bodyPr wrap="none" rtlCol="0">
+            <a:spAutoFit/>
+          </a:bodyPr>
+          <a:lstStyle/>
+          <a:p>
+            <a:r>
+              <a:rPr lang="en-US" altLang="ja-JP" dirty="0" smtClean="0"/>
+              <a:t>Step-1</a:t>
+            </a:r>
+            <a:r>
+              <a:rPr lang="en-US" altLang="ja-JP" dirty="0"/>
+              <a:t>:</a:t>
+            </a:r>
+            <a:endParaRPr kumimoji="1" lang="ja-JP" altLang="en-US" dirty="0"/>
+          </a:p>
+        </p:txBody>
+      </p:sp>
+      <p:sp>
+        <p:nvSpPr>
+          <p:cNvPr id="5" name="スマイル 4"/>
+          <p:cNvSpPr/>
+          <p:nvPr/>
+        </p:nvSpPr>
+        <p:spPr>
+          <a:xfrm>
+            <a:off x="73373" y="2573234"/>
+            <a:ext cx="1303866" cy="1306512"/>
+          </a:xfrm>
+          <a:prstGeom prst="smileyFace">
+            <a:avLst/>
+          </a:prstGeom>
+        </p:spPr>
+        <p:style>
+          <a:lnRef idx="1">
+            <a:schemeClr val="accent4"/>
+          </a:lnRef>
+          <a:fillRef idx="2">
+            <a:schemeClr val="accent4"/>
+          </a:fillRef>
+          <a:effectRef idx="1">
+            <a:schemeClr val="accent4"/>
+          </a:effectRef>
+          <a:fontRef idx="minor">
+            <a:schemeClr val="dk1"/>
+          </a:fontRef>
+        </p:style>
+        <p:txBody>
+          <a:bodyPr rtlCol="0" anchor="ctr"/>
+          <a:lstStyle/>
+          <a:p>
+            <a:pPr algn="ctr"/>
+            <a:endParaRPr kumimoji="1" lang="ja-JP" altLang="en-US"/>
+          </a:p>
+        </p:txBody>
+      </p:sp>
+      <p:sp>
+        <p:nvSpPr>
+          <p:cNvPr id="6" name="テキスト ボックス 5"/>
+          <p:cNvSpPr txBox="1"/>
+          <p:nvPr/>
+        </p:nvSpPr>
+        <p:spPr>
+          <a:xfrm>
+            <a:off x="232914" y="3970596"/>
+            <a:ext cx="1676400" cy="369332"/>
+          </a:xfrm>
+          <a:prstGeom prst="rect">
+            <a:avLst/>
+          </a:prstGeom>
+          <a:noFill/>
+        </p:spPr>
+        <p:txBody>
+          <a:bodyPr wrap="square" rtlCol="0">
+            <a:spAutoFit/>
+          </a:bodyPr>
+          <a:lstStyle/>
+          <a:p>
+            <a:r>
+              <a:rPr kumimoji="1" lang="ja-JP" altLang="en-US" dirty="0" smtClean="0"/>
+              <a:t>学習者</a:t>
             </a:r>
             <a:endParaRPr kumimoji="1" lang="ja-JP" altLang="en-US" dirty="0"/>
           </a:p>
@@ -6528,7 +6852,7 @@
         </p:nvSpPr>
         <p:spPr>
           <a:xfrm rot="5400000">
-            <a:off x="1680035" y="2857693"/>
+            <a:off x="1627274" y="3005376"/>
             <a:ext cx="531258" cy="1056600"/>
           </a:xfrm>
           <a:prstGeom prst="downArrow">
@@ -6568,8 +6892,8 @@
         </p:nvSpPr>
         <p:spPr>
           <a:xfrm rot="5400000">
-            <a:off x="1746106" y="2228660"/>
-            <a:ext cx="513706" cy="1141395"/>
+            <a:off x="1701280" y="2552628"/>
+            <a:ext cx="513706" cy="904996"/>
           </a:xfrm>
           <a:prstGeom prst="upArrow">
             <a:avLst/>
@@ -6608,8 +6932,8 @@
         </p:nvSpPr>
         <p:spPr>
           <a:xfrm>
-            <a:off x="1590690" y="2189239"/>
-            <a:ext cx="646331" cy="369332"/>
+            <a:off x="1514604" y="2184200"/>
+            <a:ext cx="968535" cy="646331"/>
           </a:xfrm>
           <a:prstGeom prst="rect">
             <a:avLst/>
@@ -6623,6 +6947,12 @@
           <a:lstStyle/>
           <a:p>
             <a:r>
+              <a:rPr kumimoji="1" lang="en-US" altLang="ja-JP" dirty="0" smtClean="0"/>
+              <a:t>Step-5:</a:t>
+            </a:r>
+          </a:p>
+          <a:p>
+            <a:r>
               <a:rPr kumimoji="1" lang="ja-JP" altLang="en-US" dirty="0" smtClean="0"/>
               <a:t>解答</a:t>
             </a:r>
@@ -6638,8 +6968,8 @@
         </p:nvSpPr>
         <p:spPr>
           <a:xfrm>
-            <a:off x="1590147" y="3908293"/>
-            <a:ext cx="877163" cy="646331"/>
+            <a:off x="1425046" y="3927514"/>
+            <a:ext cx="968535" cy="646331"/>
           </a:xfrm>
           <a:prstGeom prst="rect">
             <a:avLst/>
@@ -6653,8 +6983,8 @@
           <a:lstStyle/>
           <a:p>
             <a:r>
-              <a:rPr kumimoji="1" lang="ja-JP" altLang="en-US" dirty="0" smtClean="0"/>
-              <a:t>出題，</a:t>
+              <a:rPr kumimoji="1" lang="en-US" altLang="ja-JP" dirty="0" smtClean="0"/>
+              <a:t>Step-6:</a:t>
             </a:r>
             <a:endParaRPr kumimoji="1" lang="en-US" altLang="ja-JP" dirty="0" smtClean="0"/>
           </a:p>
@@ -6664,118 +6994,6 @@
               <a:t>解説</a:t>
             </a:r>
             <a:endParaRPr kumimoji="1" lang="ja-JP" altLang="en-US" dirty="0"/>
-          </a:p>
-        </p:txBody>
-      </p:sp>
-      <p:sp>
-        <p:nvSpPr>
-          <p:cNvPr id="29" name="下カーブ矢印 28"/>
-          <p:cNvSpPr/>
-          <p:nvPr/>
-        </p:nvSpPr>
-        <p:spPr>
-          <a:xfrm>
-            <a:off x="3955982" y="1251284"/>
-            <a:ext cx="5053263" cy="955904"/>
-          </a:xfrm>
-          <a:prstGeom prst="curvedDownArrow">
-            <a:avLst/>
-          </a:prstGeom>
-        </p:spPr>
-        <p:style>
-          <a:lnRef idx="2">
-            <a:schemeClr val="accent1">
-              <a:shade val="50000"/>
-            </a:schemeClr>
-          </a:lnRef>
-          <a:fillRef idx="1">
-            <a:schemeClr val="accent1"/>
-          </a:fillRef>
-          <a:effectRef idx="0">
-            <a:schemeClr val="accent1"/>
-          </a:effectRef>
-          <a:fontRef idx="minor">
-            <a:schemeClr val="lt1"/>
-          </a:fontRef>
-        </p:style>
-        <p:txBody>
-          <a:bodyPr rtlCol="0" anchor="ctr"/>
-          <a:lstStyle/>
-          <a:p>
-            <a:pPr algn="ctr"/>
-            <a:endParaRPr kumimoji="1" lang="ja-JP" altLang="en-US">
-              <a:solidFill>
-                <a:schemeClr val="tx1"/>
-              </a:solidFill>
-            </a:endParaRPr>
-          </a:p>
-        </p:txBody>
-      </p:sp>
-      <p:sp>
-        <p:nvSpPr>
-          <p:cNvPr id="30" name="テキスト ボックス 29"/>
-          <p:cNvSpPr txBox="1"/>
-          <p:nvPr/>
-        </p:nvSpPr>
-        <p:spPr>
-          <a:xfrm>
-            <a:off x="5684759" y="788571"/>
-            <a:ext cx="1569660" cy="369332"/>
-          </a:xfrm>
-          <a:prstGeom prst="rect">
-            <a:avLst/>
-          </a:prstGeom>
-          <a:noFill/>
-        </p:spPr>
-        <p:txBody>
-          <a:bodyPr wrap="none" rtlCol="0">
-            <a:spAutoFit/>
-          </a:bodyPr>
-          <a:lstStyle/>
-          <a:p>
-            <a:r>
-              <a:rPr lang="ja-JP" altLang="en-US" dirty="0"/>
-              <a:t>問題</a:t>
-            </a:r>
-            <a:r>
-              <a:rPr lang="ja-JP" altLang="en-US" dirty="0" smtClean="0"/>
-              <a:t>の再生成</a:t>
-            </a:r>
-            <a:endParaRPr kumimoji="1" lang="ja-JP" altLang="en-US" dirty="0"/>
-          </a:p>
-        </p:txBody>
-      </p:sp>
-      <p:sp>
-        <p:nvSpPr>
-          <p:cNvPr id="31" name="正方形/長方形 30"/>
-          <p:cNvSpPr/>
-          <p:nvPr/>
-        </p:nvSpPr>
-        <p:spPr>
-          <a:xfrm>
-            <a:off x="179284" y="63805"/>
-            <a:ext cx="2231347" cy="369332"/>
-          </a:xfrm>
-          <a:prstGeom prst="rect">
-            <a:avLst/>
-          </a:prstGeom>
-        </p:spPr>
-        <p:txBody>
-          <a:bodyPr wrap="square">
-            <a:spAutoFit/>
-          </a:bodyPr>
-          <a:lstStyle/>
-          <a:p>
-            <a:r>
-              <a:rPr lang="ja-JP" altLang="en-US" dirty="0">
-                <a:latin typeface="Consolas" panose="020B0609020204030204" pitchFamily="49" charset="0"/>
-              </a:rPr>
-              <a:t>提案内容の概要図</a:t>
-            </a:r>
-            <a:endParaRPr lang="ja-JP" altLang="en-US" b="0" dirty="0">
-              <a:effectLst/>
-              <a:latin typeface="Consolas" panose="020B0609020204030204" pitchFamily="49" charset="0"/>
-            </a:endParaRPr>
           </a:p>
         </p:txBody>
       </p:sp>
@@ -6811,32 +7029,434 @@
       </p:grpSpPr>
       <p:sp>
         <p:nvSpPr>
-          <p:cNvPr id="2" name="タイトル 1"/>
-          <p:cNvSpPr>
-            <a:spLocks noGrp="1"/>
-          </p:cNvSpPr>
-          <p:nvPr>
-            <p:ph type="title"/>
-          </p:nvPr>
-        </p:nvSpPr>
-        <p:spPr/>
-        <p:txBody>
-          <a:bodyPr>
-            <a:normAutofit/>
+          <p:cNvPr id="5" name="角丸四角形 4"/>
+          <p:cNvSpPr/>
+          <p:nvPr/>
+        </p:nvSpPr>
+        <p:spPr>
+          <a:xfrm>
+            <a:off x="3409613" y="152286"/>
+            <a:ext cx="8109284" cy="6593305"/>
+          </a:xfrm>
+          <a:prstGeom prst="roundRect">
+            <a:avLst/>
+          </a:prstGeom>
+        </p:spPr>
+        <p:style>
+          <a:lnRef idx="1">
+            <a:schemeClr val="accent6"/>
+          </a:lnRef>
+          <a:fillRef idx="2">
+            <a:schemeClr val="accent6"/>
+          </a:fillRef>
+          <a:effectRef idx="1">
+            <a:schemeClr val="accent6"/>
+          </a:effectRef>
+          <a:fontRef idx="minor">
+            <a:schemeClr val="dk1"/>
+          </a:fontRef>
+        </p:style>
+        <p:txBody>
+          <a:bodyPr rtlCol="0" anchor="ctr"/>
+          <a:lstStyle/>
+          <a:p>
+            <a:pPr algn="ctr"/>
+            <a:endParaRPr kumimoji="1" lang="ja-JP" altLang="en-US" dirty="0"/>
+          </a:p>
+        </p:txBody>
+      </p:sp>
+      <p:sp>
+        <p:nvSpPr>
+          <p:cNvPr id="7" name="円柱 6"/>
+          <p:cNvSpPr/>
+          <p:nvPr/>
+        </p:nvSpPr>
+        <p:spPr>
+          <a:xfrm>
+            <a:off x="9333519" y="2482177"/>
+            <a:ext cx="1642856" cy="1800034"/>
+          </a:xfrm>
+          <a:prstGeom prst="can">
+            <a:avLst/>
+          </a:prstGeom>
+          <a:solidFill>
+            <a:schemeClr val="accent2">
+              <a:lumMod val="20000"/>
+              <a:lumOff val="80000"/>
+            </a:schemeClr>
+          </a:solidFill>
+        </p:spPr>
+        <p:style>
+          <a:lnRef idx="2">
+            <a:schemeClr val="accent1">
+              <a:shade val="50000"/>
+            </a:schemeClr>
+          </a:lnRef>
+          <a:fillRef idx="1">
+            <a:schemeClr val="accent1"/>
+          </a:fillRef>
+          <a:effectRef idx="0">
+            <a:schemeClr val="accent1"/>
+          </a:effectRef>
+          <a:fontRef idx="minor">
+            <a:schemeClr val="lt1"/>
+          </a:fontRef>
+        </p:style>
+        <p:txBody>
+          <a:bodyPr rtlCol="0" anchor="ctr"/>
+          <a:lstStyle/>
+          <a:p>
+            <a:pPr algn="ctr"/>
+            <a:endParaRPr kumimoji="1" lang="ja-JP" altLang="en-US"/>
+          </a:p>
+        </p:txBody>
+      </p:sp>
+      <p:sp>
+        <p:nvSpPr>
+          <p:cNvPr id="8" name="テキスト ボックス 7"/>
+          <p:cNvSpPr txBox="1"/>
+          <p:nvPr/>
+        </p:nvSpPr>
+        <p:spPr>
+          <a:xfrm>
+            <a:off x="9361972" y="3264273"/>
+            <a:ext cx="2551048" cy="369332"/>
+          </a:xfrm>
+          <a:prstGeom prst="rect">
+            <a:avLst/>
+          </a:prstGeom>
+          <a:noFill/>
+        </p:spPr>
+        <p:txBody>
+          <a:bodyPr wrap="square" rtlCol="0">
+            <a:spAutoFit/>
           </a:bodyPr>
           <a:lstStyle/>
           <a:p>
             <a:r>
+              <a:rPr kumimoji="1" lang="ja-JP" altLang="en-US" dirty="0" smtClean="0"/>
+              <a:t>問題ファイル</a:t>
+            </a:r>
+            <a:endParaRPr kumimoji="1" lang="ja-JP" altLang="en-US" dirty="0"/>
+          </a:p>
+        </p:txBody>
+      </p:sp>
+      <p:sp>
+        <p:nvSpPr>
+          <p:cNvPr id="9" name="円柱 8"/>
+          <p:cNvSpPr/>
+          <p:nvPr/>
+        </p:nvSpPr>
+        <p:spPr>
+          <a:xfrm>
+            <a:off x="4844555" y="5043722"/>
+            <a:ext cx="3045168" cy="1376410"/>
+          </a:xfrm>
+          <a:prstGeom prst="can">
+            <a:avLst/>
+          </a:prstGeom>
+          <a:solidFill>
+            <a:schemeClr val="accent2">
+              <a:lumMod val="20000"/>
+              <a:lumOff val="80000"/>
+            </a:schemeClr>
+          </a:solidFill>
+        </p:spPr>
+        <p:style>
+          <a:lnRef idx="2">
+            <a:schemeClr val="accent1">
+              <a:shade val="50000"/>
+            </a:schemeClr>
+          </a:lnRef>
+          <a:fillRef idx="1">
+            <a:schemeClr val="accent1"/>
+          </a:fillRef>
+          <a:effectRef idx="0">
+            <a:schemeClr val="accent1"/>
+          </a:effectRef>
+          <a:fontRef idx="minor">
+            <a:schemeClr val="lt1"/>
+          </a:fontRef>
+        </p:style>
+        <p:txBody>
+          <a:bodyPr rtlCol="0" anchor="ctr"/>
+          <a:lstStyle/>
+          <a:p>
+            <a:pPr algn="ctr"/>
+            <a:endParaRPr kumimoji="1" lang="ja-JP" altLang="en-US"/>
+          </a:p>
+        </p:txBody>
+      </p:sp>
+      <p:sp>
+        <p:nvSpPr>
+          <p:cNvPr id="10" name="テキスト ボックス 9"/>
+          <p:cNvSpPr txBox="1"/>
+          <p:nvPr/>
+        </p:nvSpPr>
+        <p:spPr>
+          <a:xfrm>
+            <a:off x="5355050" y="5681794"/>
+            <a:ext cx="2109205" cy="369332"/>
+          </a:xfrm>
+          <a:prstGeom prst="rect">
+            <a:avLst/>
+          </a:prstGeom>
+          <a:noFill/>
+        </p:spPr>
+        <p:txBody>
+          <a:bodyPr wrap="square" rtlCol="0">
+            <a:spAutoFit/>
+          </a:bodyPr>
+          <a:lstStyle/>
+          <a:p>
+            <a:r>
+              <a:rPr kumimoji="1" lang="ja-JP" altLang="en-US" dirty="0" smtClean="0"/>
+              <a:t>カテゴリグループ</a:t>
+            </a:r>
+            <a:endParaRPr kumimoji="1" lang="ja-JP" altLang="en-US" dirty="0"/>
+          </a:p>
+        </p:txBody>
+      </p:sp>
+      <p:sp>
+        <p:nvSpPr>
+          <p:cNvPr id="11" name="左矢印 10"/>
+          <p:cNvSpPr/>
+          <p:nvPr/>
+        </p:nvSpPr>
+        <p:spPr>
+          <a:xfrm>
+            <a:off x="7360293" y="3057320"/>
+            <a:ext cx="1766932" cy="602725"/>
+          </a:xfrm>
+          <a:prstGeom prst="leftArrow">
+            <a:avLst/>
+          </a:prstGeom>
+        </p:spPr>
+        <p:style>
+          <a:lnRef idx="2">
+            <a:schemeClr val="accent1">
+              <a:shade val="50000"/>
+            </a:schemeClr>
+          </a:lnRef>
+          <a:fillRef idx="1">
+            <a:schemeClr val="accent1"/>
+          </a:fillRef>
+          <a:effectRef idx="0">
+            <a:schemeClr val="accent1"/>
+          </a:effectRef>
+          <a:fontRef idx="minor">
+            <a:schemeClr val="lt1"/>
+          </a:fontRef>
+        </p:style>
+        <p:txBody>
+          <a:bodyPr rtlCol="0" anchor="ctr"/>
+          <a:lstStyle/>
+          <a:p>
+            <a:pPr algn="ctr"/>
+            <a:endParaRPr kumimoji="1" lang="ja-JP" altLang="en-US"/>
+          </a:p>
+        </p:txBody>
+      </p:sp>
+      <p:sp>
+        <p:nvSpPr>
+          <p:cNvPr id="13" name="額縁 12"/>
+          <p:cNvSpPr/>
+          <p:nvPr/>
+        </p:nvSpPr>
+        <p:spPr>
+          <a:xfrm>
+            <a:off x="3989573" y="2717367"/>
+            <a:ext cx="3175079" cy="1282630"/>
+          </a:xfrm>
+          <a:prstGeom prst="bevel">
+            <a:avLst/>
+          </a:prstGeom>
+        </p:spPr>
+        <p:style>
+          <a:lnRef idx="1">
+            <a:schemeClr val="accent4"/>
+          </a:lnRef>
+          <a:fillRef idx="2">
+            <a:schemeClr val="accent4"/>
+          </a:fillRef>
+          <a:effectRef idx="1">
+            <a:schemeClr val="accent4"/>
+          </a:effectRef>
+          <a:fontRef idx="minor">
+            <a:schemeClr val="dk1"/>
+          </a:fontRef>
+        </p:style>
+        <p:txBody>
+          <a:bodyPr rtlCol="0" anchor="ctr"/>
+          <a:lstStyle/>
+          <a:p>
+            <a:pPr algn="ctr"/>
+            <a:endParaRPr kumimoji="1" lang="ja-JP" altLang="en-US"/>
+          </a:p>
+        </p:txBody>
+      </p:sp>
+      <p:sp>
+        <p:nvSpPr>
+          <p:cNvPr id="14" name="テキスト ボックス 13"/>
+          <p:cNvSpPr txBox="1"/>
+          <p:nvPr/>
+        </p:nvSpPr>
+        <p:spPr>
+          <a:xfrm>
+            <a:off x="4547230" y="3057320"/>
+            <a:ext cx="3094248" cy="523220"/>
+          </a:xfrm>
+          <a:prstGeom prst="rect">
+            <a:avLst/>
+          </a:prstGeom>
+          <a:noFill/>
+        </p:spPr>
+        <p:txBody>
+          <a:bodyPr wrap="square" rtlCol="0">
+            <a:spAutoFit/>
+          </a:bodyPr>
+          <a:lstStyle/>
+          <a:p>
+            <a:r>
+              <a:rPr kumimoji="1" lang="ja-JP" altLang="en-US" sz="2800" dirty="0" smtClean="0">
+                <a:ln w="0"/>
+                <a:effectLst>
+                  <a:outerShdw blurRad="38100" dist="19050" dir="2700000" algn="tl" rotWithShape="0">
+                    <a:schemeClr val="dk1">
+                      <a:alpha val="40000"/>
+                    </a:schemeClr>
+                  </a:outerShdw>
+                </a:effectLst>
+              </a:rPr>
+              <a:t>穴埋め問題</a:t>
+            </a:r>
+            <a:endParaRPr kumimoji="1" lang="ja-JP" altLang="en-US" sz="2800" dirty="0">
+              <a:ln w="0"/>
+              <a:effectLst>
+                <a:outerShdw blurRad="38100" dist="19050" dir="2700000" algn="tl" rotWithShape="0">
+                  <a:schemeClr val="dk1">
+                    <a:alpha val="40000"/>
+                  </a:schemeClr>
+                </a:outerShdw>
+              </a:effectLst>
+            </a:endParaRPr>
+          </a:p>
+        </p:txBody>
+      </p:sp>
+      <p:sp>
+        <p:nvSpPr>
+          <p:cNvPr id="15" name="テキスト ボックス 14"/>
+          <p:cNvSpPr txBox="1"/>
+          <p:nvPr/>
+        </p:nvSpPr>
+        <p:spPr>
+          <a:xfrm>
+            <a:off x="9220359" y="5853362"/>
+            <a:ext cx="2068695" cy="646331"/>
+          </a:xfrm>
+          <a:prstGeom prst="rect">
+            <a:avLst/>
+          </a:prstGeom>
+          <a:noFill/>
+        </p:spPr>
+        <p:txBody>
+          <a:bodyPr wrap="square" rtlCol="0">
+            <a:spAutoFit/>
+          </a:bodyPr>
+          <a:lstStyle/>
+          <a:p>
+            <a:r>
+              <a:rPr kumimoji="1" lang="ja-JP" altLang="en-US" dirty="0" smtClean="0"/>
+              <a:t>ソースコード</a:t>
+            </a:r>
+            <a:endParaRPr kumimoji="1" lang="en-US" altLang="ja-JP" dirty="0" smtClean="0"/>
+          </a:p>
+          <a:p>
+            <a:r>
+              <a:rPr kumimoji="1" lang="ja-JP" altLang="en-US" dirty="0" smtClean="0"/>
+              <a:t>の</a:t>
+            </a:r>
+            <a:r>
+              <a:rPr kumimoji="1" lang="ja-JP" altLang="en-US" dirty="0" smtClean="0"/>
+              <a:t>生成</a:t>
+            </a:r>
+            <a:endParaRPr kumimoji="1" lang="ja-JP" altLang="en-US" dirty="0"/>
+          </a:p>
+        </p:txBody>
+      </p:sp>
+      <p:sp>
+        <p:nvSpPr>
+          <p:cNvPr id="16" name="下カーブ矢印 15"/>
+          <p:cNvSpPr/>
+          <p:nvPr/>
+        </p:nvSpPr>
+        <p:spPr>
+          <a:xfrm>
+            <a:off x="5498432" y="1224303"/>
+            <a:ext cx="4898094" cy="1056120"/>
+          </a:xfrm>
+          <a:prstGeom prst="curvedDownArrow">
+            <a:avLst/>
+          </a:prstGeom>
+        </p:spPr>
+        <p:style>
+          <a:lnRef idx="2">
+            <a:schemeClr val="accent1">
+              <a:shade val="50000"/>
+            </a:schemeClr>
+          </a:lnRef>
+          <a:fillRef idx="1">
+            <a:schemeClr val="accent1"/>
+          </a:fillRef>
+          <a:effectRef idx="0">
+            <a:schemeClr val="accent1"/>
+          </a:effectRef>
+          <a:fontRef idx="minor">
+            <a:schemeClr val="lt1"/>
+          </a:fontRef>
+        </p:style>
+        <p:txBody>
+          <a:bodyPr rtlCol="0" anchor="ctr"/>
+          <a:lstStyle/>
+          <a:p>
+            <a:pPr algn="ctr"/>
+            <a:endParaRPr kumimoji="1" lang="ja-JP" altLang="en-US">
+              <a:solidFill>
+                <a:schemeClr val="tx1"/>
+              </a:solidFill>
+            </a:endParaRPr>
+          </a:p>
+        </p:txBody>
+      </p:sp>
+      <p:sp>
+        <p:nvSpPr>
+          <p:cNvPr id="17" name="テキスト ボックス 16"/>
+          <p:cNvSpPr txBox="1"/>
+          <p:nvPr/>
+        </p:nvSpPr>
+        <p:spPr>
+          <a:xfrm>
+            <a:off x="7164652" y="727231"/>
+            <a:ext cx="2425366" cy="369332"/>
+          </a:xfrm>
+          <a:prstGeom prst="rect">
+            <a:avLst/>
+          </a:prstGeom>
+          <a:noFill/>
+        </p:spPr>
+        <p:txBody>
+          <a:bodyPr wrap="square" rtlCol="0">
+            <a:spAutoFit/>
+          </a:bodyPr>
+          <a:lstStyle/>
+          <a:p>
+            <a:r>
               <a:rPr lang="ja-JP" altLang="en-US" dirty="0"/>
-              <a:t>ブロックプログラミングとコード生成部の</a:t>
-            </a:r>
-            <a:r>
-              <a:rPr lang="en-US" altLang="ja-JP" dirty="0"/>
-              <a:t>UI</a:t>
+              <a:t>問題</a:t>
             </a:r>
             <a:r>
               <a:rPr lang="ja-JP" altLang="en-US" dirty="0" smtClean="0"/>
-              <a:t>図</a:t>
+              <a:t>の再生成</a:t>
             </a:r>
             <a:endParaRPr kumimoji="1" lang="ja-JP" altLang="en-US" dirty="0"/>
           </a:p>
@@ -6844,20 +7464,145 @@
       </p:sp>
       <p:sp>
         <p:nvSpPr>
-          <p:cNvPr id="3" name="コンテンツ プレースホルダー 2"/>
-          <p:cNvSpPr>
-            <a:spLocks noGrp="1"/>
-          </p:cNvSpPr>
-          <p:nvPr>
-            <p:ph idx="1"/>
-          </p:nvPr>
-        </p:nvSpPr>
-        <p:spPr/>
-        <p:txBody>
-          <a:bodyPr/>
-          <a:lstStyle/>
-          <a:p>
+          <p:cNvPr id="19" name="上矢印 18"/>
+          <p:cNvSpPr/>
+          <p:nvPr/>
+        </p:nvSpPr>
+        <p:spPr>
+          <a:xfrm>
+            <a:off x="5334476" y="4113501"/>
+            <a:ext cx="736894" cy="761865"/>
+          </a:xfrm>
+          <a:prstGeom prst="upArrow">
+            <a:avLst/>
+          </a:prstGeom>
+        </p:spPr>
+        <p:style>
+          <a:lnRef idx="2">
+            <a:schemeClr val="accent1">
+              <a:shade val="50000"/>
+            </a:schemeClr>
+          </a:lnRef>
+          <a:fillRef idx="1">
+            <a:schemeClr val="accent1"/>
+          </a:fillRef>
+          <a:effectRef idx="0">
+            <a:schemeClr val="accent1"/>
+          </a:effectRef>
+          <a:fontRef idx="minor">
+            <a:schemeClr val="lt1"/>
+          </a:fontRef>
+        </p:style>
+        <p:txBody>
+          <a:bodyPr rtlCol="0" anchor="ctr"/>
+          <a:lstStyle/>
+          <a:p>
+            <a:pPr algn="ctr"/>
             <a:endParaRPr kumimoji="1" lang="ja-JP" altLang="en-US"/>
+          </a:p>
+        </p:txBody>
+      </p:sp>
+      <p:sp>
+        <p:nvSpPr>
+          <p:cNvPr id="33" name="テキスト ボックス 32"/>
+          <p:cNvSpPr txBox="1"/>
+          <p:nvPr/>
+        </p:nvSpPr>
+        <p:spPr>
+          <a:xfrm>
+            <a:off x="7464255" y="2595942"/>
+            <a:ext cx="1569660" cy="369332"/>
+          </a:xfrm>
+          <a:prstGeom prst="rect">
+            <a:avLst/>
+          </a:prstGeom>
+          <a:noFill/>
+        </p:spPr>
+        <p:txBody>
+          <a:bodyPr wrap="none" rtlCol="0">
+            <a:spAutoFit/>
+          </a:bodyPr>
+          <a:lstStyle/>
+          <a:p>
+            <a:r>
+              <a:rPr kumimoji="1" lang="ja-JP" altLang="en-US" dirty="0" smtClean="0"/>
+              <a:t>問題文の提示</a:t>
+            </a:r>
+            <a:endParaRPr kumimoji="1" lang="ja-JP" altLang="en-US" dirty="0"/>
+          </a:p>
+        </p:txBody>
+      </p:sp>
+      <p:sp>
+        <p:nvSpPr>
+          <p:cNvPr id="34" name="テキスト ボックス 33"/>
+          <p:cNvSpPr txBox="1"/>
+          <p:nvPr/>
+        </p:nvSpPr>
+        <p:spPr>
+          <a:xfrm>
+            <a:off x="6178391" y="4367685"/>
+            <a:ext cx="1569660" cy="369332"/>
+          </a:xfrm>
+          <a:prstGeom prst="rect">
+            <a:avLst/>
+          </a:prstGeom>
+          <a:noFill/>
+        </p:spPr>
+        <p:txBody>
+          <a:bodyPr wrap="none" rtlCol="0">
+            <a:spAutoFit/>
+          </a:bodyPr>
+          <a:lstStyle/>
+          <a:p>
+            <a:r>
+              <a:rPr lang="ja-JP" altLang="en-US" dirty="0"/>
+              <a:t>選択肢の決定</a:t>
+            </a:r>
+            <a:endParaRPr kumimoji="1" lang="ja-JP" altLang="en-US" dirty="0"/>
+          </a:p>
+        </p:txBody>
+      </p:sp>
+      <p:sp>
+        <p:nvSpPr>
+          <p:cNvPr id="35" name="曲折矢印 34"/>
+          <p:cNvSpPr/>
+          <p:nvPr/>
+        </p:nvSpPr>
+        <p:spPr>
+          <a:xfrm rot="10800000">
+            <a:off x="8106623" y="4741690"/>
+            <a:ext cx="2384913" cy="1111672"/>
+          </a:xfrm>
+          <a:prstGeom prst="bentArrow">
+            <a:avLst/>
+          </a:prstGeom>
+        </p:spPr>
+        <p:style>
+          <a:lnRef idx="2">
+            <a:schemeClr val="accent1">
+              <a:shade val="50000"/>
+            </a:schemeClr>
+          </a:lnRef>
+          <a:fillRef idx="1">
+            <a:schemeClr val="accent1"/>
+          </a:fillRef>
+          <a:effectRef idx="0">
+            <a:schemeClr val="accent1"/>
+          </a:effectRef>
+          <a:fontRef idx="minor">
+            <a:schemeClr val="lt1"/>
+          </a:fontRef>
+        </p:style>
+        <p:txBody>
+          <a:bodyPr rtlCol="0" anchor="ctr"/>
+          <a:lstStyle/>
+          <a:p>
+            <a:pPr algn="ctr"/>
+            <a:endParaRPr kumimoji="1" lang="ja-JP" altLang="en-US">
+              <a:solidFill>
+                <a:schemeClr val="tx1"/>
+              </a:solidFill>
+            </a:endParaRPr>
           </a:p>
         </p:txBody>
       </p:sp>
@@ -6984,6 +7729,567 @@
 </p:sld>
 </file>
 
+<file path=ppt/slides/slide19.xml><?xml version="1.0" encoding="utf-8"?>
+<p:sld xmlns:a="http://schemas.openxmlformats.org/drawingml/2006/main" xmlns:r="http://schemas.openxmlformats.org/officeDocument/2006/relationships" xmlns:p="http://schemas.openxmlformats.org/presentationml/2006/main">
+  <p:cSld>
+    <p:spTree>
+      <p:nvGrpSpPr>
+        <p:cNvPr id="1" name=""/>
+        <p:cNvGrpSpPr/>
+        <p:nvPr/>
+      </p:nvGrpSpPr>
+      <p:grpSpPr>
+        <a:xfrm>
+          <a:off x="0" y="0"/>
+          <a:ext cx="0" cy="0"/>
+          <a:chOff x="0" y="0"/>
+          <a:chExt cx="0" cy="0"/>
+        </a:xfrm>
+      </p:grpSpPr>
+      <p:sp>
+        <p:nvSpPr>
+          <p:cNvPr id="4" name="正方形/長方形 3"/>
+          <p:cNvSpPr/>
+          <p:nvPr/>
+        </p:nvSpPr>
+        <p:spPr>
+          <a:xfrm>
+            <a:off x="1819175" y="567890"/>
+            <a:ext cx="8373980" cy="5890661"/>
+          </a:xfrm>
+          <a:prstGeom prst="rect">
+            <a:avLst/>
+          </a:prstGeom>
+          <a:ln w="57150"/>
+        </p:spPr>
+        <p:style>
+          <a:lnRef idx="2">
+            <a:schemeClr val="dk1"/>
+          </a:lnRef>
+          <a:fillRef idx="1">
+            <a:schemeClr val="lt1"/>
+          </a:fillRef>
+          <a:effectRef idx="0">
+            <a:schemeClr val="dk1"/>
+          </a:effectRef>
+          <a:fontRef idx="minor">
+            <a:schemeClr val="dk1"/>
+          </a:fontRef>
+        </p:style>
+        <p:txBody>
+          <a:bodyPr rtlCol="0" anchor="ctr"/>
+          <a:lstStyle/>
+          <a:p>
+            <a:pPr algn="ctr"/>
+            <a:endParaRPr kumimoji="1" lang="ja-JP" altLang="en-US"/>
+          </a:p>
+        </p:txBody>
+      </p:sp>
+      <p:sp>
+        <p:nvSpPr>
+          <p:cNvPr id="5" name="正方形/長方形 4"/>
+          <p:cNvSpPr/>
+          <p:nvPr/>
+        </p:nvSpPr>
+        <p:spPr>
+          <a:xfrm>
+            <a:off x="1819175" y="567890"/>
+            <a:ext cx="2329313" cy="5890661"/>
+          </a:xfrm>
+          <a:prstGeom prst="rect">
+            <a:avLst/>
+          </a:prstGeom>
+        </p:spPr>
+        <p:style>
+          <a:lnRef idx="1">
+            <a:schemeClr val="accent3"/>
+          </a:lnRef>
+          <a:fillRef idx="2">
+            <a:schemeClr val="accent3"/>
+          </a:fillRef>
+          <a:effectRef idx="1">
+            <a:schemeClr val="accent3"/>
+          </a:effectRef>
+          <a:fontRef idx="minor">
+            <a:schemeClr val="dk1"/>
+          </a:fontRef>
+        </p:style>
+        <p:txBody>
+          <a:bodyPr rtlCol="0" anchor="ctr"/>
+          <a:lstStyle/>
+          <a:p>
+            <a:pPr algn="ctr"/>
+            <a:endParaRPr kumimoji="1" lang="ja-JP" altLang="en-US"/>
+          </a:p>
+        </p:txBody>
+      </p:sp>
+      <p:sp>
+        <p:nvSpPr>
+          <p:cNvPr id="6" name="フローチャート: 処理 5"/>
+          <p:cNvSpPr/>
+          <p:nvPr/>
+        </p:nvSpPr>
+        <p:spPr>
+          <a:xfrm>
+            <a:off x="2028523" y="683394"/>
+            <a:ext cx="1910615" cy="808522"/>
+          </a:xfrm>
+          <a:prstGeom prst="flowChartProcess">
+            <a:avLst/>
+          </a:prstGeom>
+          <a:ln>
+            <a:solidFill>
+              <a:schemeClr val="tx1"/>
+            </a:solidFill>
+          </a:ln>
+        </p:spPr>
+        <p:style>
+          <a:lnRef idx="3">
+            <a:schemeClr val="lt1"/>
+          </a:lnRef>
+          <a:fillRef idx="1">
+            <a:schemeClr val="accent1"/>
+          </a:fillRef>
+          <a:effectRef idx="1">
+            <a:schemeClr val="accent1"/>
+          </a:effectRef>
+          <a:fontRef idx="minor">
+            <a:schemeClr val="lt1"/>
+          </a:fontRef>
+        </p:style>
+        <p:txBody>
+          <a:bodyPr rtlCol="0" anchor="ctr"/>
+          <a:lstStyle/>
+          <a:p>
+            <a:pPr algn="ctr"/>
+            <a:r>
+              <a:rPr kumimoji="1" lang="ja-JP" altLang="en-US" dirty="0" smtClean="0">
+                <a:ln w="0"/>
+                <a:solidFill>
+                  <a:schemeClr val="tx1"/>
+                </a:solidFill>
+                <a:effectLst>
+                  <a:outerShdw blurRad="38100" dist="19050" dir="2700000" algn="tl" rotWithShape="0">
+                    <a:schemeClr val="dk1">
+                      <a:alpha val="40000"/>
+                    </a:schemeClr>
+                  </a:outerShdw>
+                </a:effectLst>
+              </a:rPr>
+              <a:t>演算</a:t>
+            </a:r>
+            <a:endParaRPr kumimoji="1" lang="ja-JP" altLang="en-US" dirty="0">
+              <a:ln w="0"/>
+              <a:solidFill>
+                <a:schemeClr val="tx1"/>
+              </a:solidFill>
+              <a:effectLst>
+                <a:outerShdw blurRad="38100" dist="19050" dir="2700000" algn="tl" rotWithShape="0">
+                  <a:schemeClr val="dk1">
+                    <a:alpha val="40000"/>
+                  </a:schemeClr>
+                </a:outerShdw>
+              </a:effectLst>
+            </a:endParaRPr>
+          </a:p>
+        </p:txBody>
+      </p:sp>
+      <p:sp>
+        <p:nvSpPr>
+          <p:cNvPr id="7" name="フローチャート: 処理 6"/>
+          <p:cNvSpPr/>
+          <p:nvPr/>
+        </p:nvSpPr>
+        <p:spPr>
+          <a:xfrm>
+            <a:off x="2028522" y="1607419"/>
+            <a:ext cx="1910615" cy="818147"/>
+          </a:xfrm>
+          <a:prstGeom prst="flowChartProcess">
+            <a:avLst/>
+          </a:prstGeom>
+          <a:ln>
+            <a:solidFill>
+              <a:schemeClr val="tx1"/>
+            </a:solidFill>
+          </a:ln>
+        </p:spPr>
+        <p:style>
+          <a:lnRef idx="1">
+            <a:schemeClr val="accent6"/>
+          </a:lnRef>
+          <a:fillRef idx="2">
+            <a:schemeClr val="accent6"/>
+          </a:fillRef>
+          <a:effectRef idx="1">
+            <a:schemeClr val="accent6"/>
+          </a:effectRef>
+          <a:fontRef idx="minor">
+            <a:schemeClr val="dk1"/>
+          </a:fontRef>
+        </p:style>
+        <p:txBody>
+          <a:bodyPr rtlCol="0" anchor="ctr"/>
+          <a:lstStyle/>
+          <a:p>
+            <a:pPr algn="ctr"/>
+            <a:r>
+              <a:rPr lang="ja-JP" altLang="en-US" dirty="0"/>
+              <a:t>繰り返し</a:t>
+            </a:r>
+            <a:endParaRPr kumimoji="1" lang="ja-JP" altLang="en-US" dirty="0"/>
+          </a:p>
+        </p:txBody>
+      </p:sp>
+      <p:sp>
+        <p:nvSpPr>
+          <p:cNvPr id="8" name="フローチャート: 処理 7"/>
+          <p:cNvSpPr/>
+          <p:nvPr/>
+        </p:nvSpPr>
+        <p:spPr>
+          <a:xfrm>
+            <a:off x="2028522" y="2541069"/>
+            <a:ext cx="1910615" cy="1020278"/>
+          </a:xfrm>
+          <a:prstGeom prst="flowChartProcess">
+            <a:avLst/>
+          </a:prstGeom>
+        </p:spPr>
+        <p:style>
+          <a:lnRef idx="1">
+            <a:schemeClr val="accent4"/>
+          </a:lnRef>
+          <a:fillRef idx="2">
+            <a:schemeClr val="accent4"/>
+          </a:fillRef>
+          <a:effectRef idx="1">
+            <a:schemeClr val="accent4"/>
+          </a:effectRef>
+          <a:fontRef idx="minor">
+            <a:schemeClr val="dk1"/>
+          </a:fontRef>
+        </p:style>
+        <p:txBody>
+          <a:bodyPr rtlCol="0" anchor="ctr"/>
+          <a:lstStyle/>
+          <a:p>
+            <a:pPr algn="ctr"/>
+            <a:r>
+              <a:rPr lang="ja-JP" altLang="en-US" dirty="0"/>
+              <a:t>処理</a:t>
+            </a:r>
+            <a:endParaRPr kumimoji="1" lang="ja-JP" altLang="en-US" dirty="0"/>
+          </a:p>
+        </p:txBody>
+      </p:sp>
+      <p:sp>
+        <p:nvSpPr>
+          <p:cNvPr id="9" name="フローチャート: 処理 8"/>
+          <p:cNvSpPr/>
+          <p:nvPr/>
+        </p:nvSpPr>
+        <p:spPr>
+          <a:xfrm>
+            <a:off x="2028521" y="3676850"/>
+            <a:ext cx="1910615" cy="1020278"/>
+          </a:xfrm>
+          <a:prstGeom prst="flowChartProcess">
+            <a:avLst/>
+          </a:prstGeom>
+        </p:spPr>
+        <p:style>
+          <a:lnRef idx="1">
+            <a:schemeClr val="accent2"/>
+          </a:lnRef>
+          <a:fillRef idx="2">
+            <a:schemeClr val="accent2"/>
+          </a:fillRef>
+          <a:effectRef idx="1">
+            <a:schemeClr val="accent2"/>
+          </a:effectRef>
+          <a:fontRef idx="minor">
+            <a:schemeClr val="dk1"/>
+          </a:fontRef>
+        </p:style>
+        <p:txBody>
+          <a:bodyPr rtlCol="0" anchor="ctr"/>
+          <a:lstStyle/>
+          <a:p>
+            <a:pPr algn="ctr"/>
+            <a:r>
+              <a:rPr kumimoji="1" lang="ja-JP" altLang="en-US" dirty="0" smtClean="0"/>
+              <a:t>変数</a:t>
+            </a:r>
+            <a:endParaRPr kumimoji="1" lang="ja-JP" altLang="en-US" dirty="0"/>
+          </a:p>
+        </p:txBody>
+      </p:sp>
+      <p:sp>
+        <p:nvSpPr>
+          <p:cNvPr id="10" name="フローチャート: 処理 9"/>
+          <p:cNvSpPr/>
+          <p:nvPr/>
+        </p:nvSpPr>
+        <p:spPr>
+          <a:xfrm>
+            <a:off x="2028520" y="4812631"/>
+            <a:ext cx="1910615" cy="1020278"/>
+          </a:xfrm>
+          <a:prstGeom prst="flowChartProcess">
+            <a:avLst/>
+          </a:prstGeom>
+        </p:spPr>
+        <p:style>
+          <a:lnRef idx="1">
+            <a:schemeClr val="accent5"/>
+          </a:lnRef>
+          <a:fillRef idx="2">
+            <a:schemeClr val="accent5"/>
+          </a:fillRef>
+          <a:effectRef idx="1">
+            <a:schemeClr val="accent5"/>
+          </a:effectRef>
+          <a:fontRef idx="minor">
+            <a:schemeClr val="dk1"/>
+          </a:fontRef>
+        </p:style>
+        <p:txBody>
+          <a:bodyPr rtlCol="0" anchor="ctr"/>
+          <a:lstStyle/>
+          <a:p>
+            <a:pPr algn="ctr"/>
+            <a:r>
+              <a:rPr kumimoji="1" lang="ja-JP" altLang="en-US" dirty="0" smtClean="0"/>
+              <a:t>関数</a:t>
+            </a:r>
+            <a:endParaRPr kumimoji="1" lang="ja-JP" altLang="en-US" dirty="0"/>
+          </a:p>
+        </p:txBody>
+      </p:sp>
+      <p:sp>
+        <p:nvSpPr>
+          <p:cNvPr id="11" name="L 字 10"/>
+          <p:cNvSpPr/>
+          <p:nvPr/>
+        </p:nvSpPr>
+        <p:spPr>
+          <a:xfrm rot="10800000" flipH="1">
+            <a:off x="4870383" y="1862485"/>
+            <a:ext cx="3580599" cy="1814365"/>
+          </a:xfrm>
+          <a:prstGeom prst="corner">
+            <a:avLst>
+              <a:gd name="adj1" fmla="val 43864"/>
+              <a:gd name="adj2" fmla="val 32277"/>
+            </a:avLst>
+          </a:prstGeom>
+        </p:spPr>
+        <p:style>
+          <a:lnRef idx="1">
+            <a:schemeClr val="accent6"/>
+          </a:lnRef>
+          <a:fillRef idx="2">
+            <a:schemeClr val="accent6"/>
+          </a:fillRef>
+          <a:effectRef idx="1">
+            <a:schemeClr val="accent6"/>
+          </a:effectRef>
+          <a:fontRef idx="minor">
+            <a:schemeClr val="dk1"/>
+          </a:fontRef>
+        </p:style>
+        <p:txBody>
+          <a:bodyPr rtlCol="0" anchor="ctr"/>
+          <a:lstStyle/>
+          <a:p>
+            <a:pPr algn="ctr"/>
+            <a:endParaRPr kumimoji="1" lang="ja-JP" altLang="en-US" dirty="0"/>
+          </a:p>
+        </p:txBody>
+      </p:sp>
+      <p:sp>
+        <p:nvSpPr>
+          <p:cNvPr id="12" name="L 字 11"/>
+          <p:cNvSpPr/>
+          <p:nvPr/>
+        </p:nvSpPr>
+        <p:spPr>
+          <a:xfrm rot="10800000" flipH="1">
+            <a:off x="5385334" y="2622881"/>
+            <a:ext cx="3580599" cy="1814365"/>
+          </a:xfrm>
+          <a:prstGeom prst="corner">
+            <a:avLst>
+              <a:gd name="adj1" fmla="val 47047"/>
+              <a:gd name="adj2" fmla="val 32277"/>
+            </a:avLst>
+          </a:prstGeom>
+        </p:spPr>
+        <p:style>
+          <a:lnRef idx="1">
+            <a:schemeClr val="accent1"/>
+          </a:lnRef>
+          <a:fillRef idx="2">
+            <a:schemeClr val="accent1"/>
+          </a:fillRef>
+          <a:effectRef idx="1">
+            <a:schemeClr val="accent1"/>
+          </a:effectRef>
+          <a:fontRef idx="minor">
+            <a:schemeClr val="dk1"/>
+          </a:fontRef>
+        </p:style>
+        <p:txBody>
+          <a:bodyPr rtlCol="0" anchor="ctr"/>
+          <a:lstStyle/>
+          <a:p>
+            <a:pPr algn="ctr"/>
+            <a:endParaRPr kumimoji="1" lang="ja-JP" altLang="en-US"/>
+          </a:p>
+        </p:txBody>
+      </p:sp>
+      <p:sp>
+        <p:nvSpPr>
+          <p:cNvPr id="13" name="正方形/長方形 12"/>
+          <p:cNvSpPr/>
+          <p:nvPr/>
+        </p:nvSpPr>
+        <p:spPr>
+          <a:xfrm>
+            <a:off x="5967661" y="3416968"/>
+            <a:ext cx="3185965" cy="1020278"/>
+          </a:xfrm>
+          <a:prstGeom prst="rect">
+            <a:avLst/>
+          </a:prstGeom>
+        </p:spPr>
+        <p:style>
+          <a:lnRef idx="1">
+            <a:schemeClr val="accent4"/>
+          </a:lnRef>
+          <a:fillRef idx="2">
+            <a:schemeClr val="accent4"/>
+          </a:fillRef>
+          <a:effectRef idx="1">
+            <a:schemeClr val="accent4"/>
+          </a:effectRef>
+          <a:fontRef idx="minor">
+            <a:schemeClr val="dk1"/>
+          </a:fontRef>
+        </p:style>
+        <p:txBody>
+          <a:bodyPr rtlCol="0" anchor="ctr"/>
+          <a:lstStyle/>
+          <a:p>
+            <a:pPr algn="ctr"/>
+            <a:endParaRPr kumimoji="1" lang="ja-JP" altLang="en-US"/>
+          </a:p>
+        </p:txBody>
+      </p:sp>
+      <p:sp>
+        <p:nvSpPr>
+          <p:cNvPr id="15" name="テキスト ボックス 14"/>
+          <p:cNvSpPr txBox="1"/>
+          <p:nvPr/>
+        </p:nvSpPr>
+        <p:spPr>
+          <a:xfrm>
+            <a:off x="5385334" y="2058016"/>
+            <a:ext cx="3176337" cy="369332"/>
+          </a:xfrm>
+          <a:prstGeom prst="rect">
+            <a:avLst/>
+          </a:prstGeom>
+          <a:noFill/>
+        </p:spPr>
+        <p:txBody>
+          <a:bodyPr wrap="square" rtlCol="0">
+            <a:spAutoFit/>
+          </a:bodyPr>
+          <a:lstStyle/>
+          <a:p>
+            <a:r>
+              <a:rPr kumimoji="1" lang="ja-JP" altLang="en-US" dirty="0" smtClean="0"/>
+              <a:t>繰り返し</a:t>
+            </a:r>
+            <a:endParaRPr kumimoji="1" lang="ja-JP" altLang="en-US" dirty="0"/>
+          </a:p>
+        </p:txBody>
+      </p:sp>
+      <p:sp>
+        <p:nvSpPr>
+          <p:cNvPr id="16" name="テキスト ボックス 15"/>
+          <p:cNvSpPr txBox="1"/>
+          <p:nvPr/>
+        </p:nvSpPr>
+        <p:spPr>
+          <a:xfrm>
+            <a:off x="5775158" y="2852104"/>
+            <a:ext cx="646331" cy="369332"/>
+          </a:xfrm>
+          <a:prstGeom prst="rect">
+            <a:avLst/>
+          </a:prstGeom>
+          <a:noFill/>
+        </p:spPr>
+        <p:txBody>
+          <a:bodyPr wrap="none" rtlCol="0">
+            <a:spAutoFit/>
+          </a:bodyPr>
+          <a:lstStyle/>
+          <a:p>
+            <a:r>
+              <a:rPr lang="ja-JP" altLang="en-US" dirty="0" smtClean="0"/>
+              <a:t>条件</a:t>
+            </a:r>
+            <a:endParaRPr kumimoji="1" lang="ja-JP" altLang="en-US" dirty="0"/>
+          </a:p>
+        </p:txBody>
+      </p:sp>
+      <p:sp>
+        <p:nvSpPr>
+          <p:cNvPr id="17" name="テキスト ボックス 16"/>
+          <p:cNvSpPr txBox="1"/>
+          <p:nvPr/>
+        </p:nvSpPr>
+        <p:spPr>
+          <a:xfrm>
+            <a:off x="6419504" y="3742441"/>
+            <a:ext cx="1107996" cy="369332"/>
+          </a:xfrm>
+          <a:prstGeom prst="rect">
+            <a:avLst/>
+          </a:prstGeom>
+          <a:noFill/>
+        </p:spPr>
+        <p:txBody>
+          <a:bodyPr wrap="none" rtlCol="0">
+            <a:spAutoFit/>
+          </a:bodyPr>
+          <a:lstStyle/>
+          <a:p>
+            <a:r>
+              <a:rPr kumimoji="1" lang="ja-JP" altLang="en-US" dirty="0" smtClean="0"/>
+              <a:t>実行処理</a:t>
+            </a:r>
+            <a:endParaRPr kumimoji="1" lang="ja-JP" altLang="en-US" dirty="0"/>
+          </a:p>
+        </p:txBody>
+      </p:sp>
+    </p:spTree>
+    <p:extLst>
+      <p:ext uri="{BB962C8B-B14F-4D97-AF65-F5344CB8AC3E}">
+        <p14:creationId xmlns:p14="http://schemas.microsoft.com/office/powerpoint/2010/main" val="2510020489"/>
+      </p:ext>
+    </p:extLst>
+  </p:cSld>
+  <p:clrMapOvr>
+    <a:masterClrMapping/>
+  </p:clrMapOvr>
+</p:sld>
+</file>
+
 <file path=ppt/slides/slide2.xml><?xml version="1.0" encoding="utf-8"?>
 <p:sld xmlns:a="http://schemas.openxmlformats.org/drawingml/2006/main" xmlns:r="http://schemas.openxmlformats.org/officeDocument/2006/relationships" xmlns:p="http://schemas.openxmlformats.org/presentationml/2006/main">
   <p:cSld>
@@ -7124,6 +8430,299 @@
       </p:par>
     </p:tnLst>
   </p:timing>
+</p:sld>
+</file>
+
+<file path=ppt/slides/slide20.xml><?xml version="1.0" encoding="utf-8"?>
+<p:sld xmlns:a="http://schemas.openxmlformats.org/drawingml/2006/main" xmlns:r="http://schemas.openxmlformats.org/officeDocument/2006/relationships" xmlns:p="http://schemas.openxmlformats.org/presentationml/2006/main">
+  <p:cSld>
+    <p:spTree>
+      <p:nvGrpSpPr>
+        <p:cNvPr id="1" name=""/>
+        <p:cNvGrpSpPr/>
+        <p:nvPr/>
+      </p:nvGrpSpPr>
+      <p:grpSpPr>
+        <a:xfrm>
+          <a:off x="0" y="0"/>
+          <a:ext cx="0" cy="0"/>
+          <a:chOff x="0" y="0"/>
+          <a:chExt cx="0" cy="0"/>
+        </a:xfrm>
+      </p:grpSpPr>
+      <p:sp>
+        <p:nvSpPr>
+          <p:cNvPr id="4" name="正方形/長方形 3"/>
+          <p:cNvSpPr/>
+          <p:nvPr/>
+        </p:nvSpPr>
+        <p:spPr>
+          <a:xfrm>
+            <a:off x="423264" y="209566"/>
+            <a:ext cx="3850106" cy="648104"/>
+          </a:xfrm>
+          <a:prstGeom prst="rect">
+            <a:avLst/>
+          </a:prstGeom>
+        </p:spPr>
+        <p:style>
+          <a:lnRef idx="1">
+            <a:schemeClr val="accent3"/>
+          </a:lnRef>
+          <a:fillRef idx="2">
+            <a:schemeClr val="accent3"/>
+          </a:fillRef>
+          <a:effectRef idx="1">
+            <a:schemeClr val="accent3"/>
+          </a:effectRef>
+          <a:fontRef idx="minor">
+            <a:schemeClr val="dk1"/>
+          </a:fontRef>
+        </p:style>
+        <p:txBody>
+          <a:bodyPr rtlCol="0" anchor="ctr"/>
+          <a:lstStyle/>
+          <a:p>
+            <a:pPr algn="ctr"/>
+            <a:r>
+              <a:rPr kumimoji="1" lang="ja-JP" altLang="en-US" dirty="0" smtClean="0"/>
+              <a:t>問題ファイルの決定</a:t>
+            </a:r>
+            <a:endParaRPr kumimoji="1" lang="ja-JP" altLang="en-US" dirty="0"/>
+          </a:p>
+        </p:txBody>
+      </p:sp>
+      <p:sp>
+        <p:nvSpPr>
+          <p:cNvPr id="7" name="正方形/長方形 6"/>
+          <p:cNvSpPr/>
+          <p:nvPr/>
+        </p:nvSpPr>
+        <p:spPr>
+          <a:xfrm>
+            <a:off x="5311540" y="209566"/>
+            <a:ext cx="6527534" cy="1182302"/>
+          </a:xfrm>
+          <a:prstGeom prst="rect">
+            <a:avLst/>
+          </a:prstGeom>
+        </p:spPr>
+        <p:style>
+          <a:lnRef idx="1">
+            <a:schemeClr val="accent3"/>
+          </a:lnRef>
+          <a:fillRef idx="2">
+            <a:schemeClr val="accent3"/>
+          </a:fillRef>
+          <a:effectRef idx="1">
+            <a:schemeClr val="accent3"/>
+          </a:effectRef>
+          <a:fontRef idx="minor">
+            <a:schemeClr val="dk1"/>
+          </a:fontRef>
+        </p:style>
+        <p:txBody>
+          <a:bodyPr rtlCol="0" anchor="ctr"/>
+          <a:lstStyle/>
+          <a:p>
+            <a:pPr algn="ctr"/>
+            <a:r>
+              <a:rPr kumimoji="1" lang="ja-JP" altLang="en-US" dirty="0" smtClean="0"/>
+              <a:t>問題文</a:t>
+            </a:r>
+            <a:endParaRPr kumimoji="1" lang="ja-JP" altLang="en-US" dirty="0"/>
+          </a:p>
+        </p:txBody>
+      </p:sp>
+      <p:sp>
+        <p:nvSpPr>
+          <p:cNvPr id="8" name="正方形/長方形 7"/>
+          <p:cNvSpPr/>
+          <p:nvPr/>
+        </p:nvSpPr>
+        <p:spPr>
+          <a:xfrm>
+            <a:off x="423264" y="852853"/>
+            <a:ext cx="3850106" cy="648104"/>
+          </a:xfrm>
+          <a:prstGeom prst="rect">
+            <a:avLst/>
+          </a:prstGeom>
+        </p:spPr>
+        <p:style>
+          <a:lnRef idx="1">
+            <a:schemeClr val="accent3"/>
+          </a:lnRef>
+          <a:fillRef idx="2">
+            <a:schemeClr val="accent3"/>
+          </a:fillRef>
+          <a:effectRef idx="1">
+            <a:schemeClr val="accent3"/>
+          </a:effectRef>
+          <a:fontRef idx="minor">
+            <a:schemeClr val="dk1"/>
+          </a:fontRef>
+        </p:style>
+        <p:txBody>
+          <a:bodyPr rtlCol="0" anchor="ctr"/>
+          <a:lstStyle/>
+          <a:p>
+            <a:pPr algn="ctr"/>
+            <a:r>
+              <a:rPr kumimoji="1" lang="ja-JP" altLang="en-US" dirty="0" smtClean="0"/>
+              <a:t>コードの実行</a:t>
+            </a:r>
+            <a:endParaRPr kumimoji="1" lang="ja-JP" altLang="en-US" dirty="0"/>
+          </a:p>
+        </p:txBody>
+      </p:sp>
+      <p:sp>
+        <p:nvSpPr>
+          <p:cNvPr id="9" name="正方形/長方形 8"/>
+          <p:cNvSpPr/>
+          <p:nvPr/>
+        </p:nvSpPr>
+        <p:spPr>
+          <a:xfrm>
+            <a:off x="423263" y="1496140"/>
+            <a:ext cx="3850106" cy="648104"/>
+          </a:xfrm>
+          <a:prstGeom prst="rect">
+            <a:avLst/>
+          </a:prstGeom>
+        </p:spPr>
+        <p:style>
+          <a:lnRef idx="1">
+            <a:schemeClr val="accent3"/>
+          </a:lnRef>
+          <a:fillRef idx="2">
+            <a:schemeClr val="accent3"/>
+          </a:fillRef>
+          <a:effectRef idx="1">
+            <a:schemeClr val="accent3"/>
+          </a:effectRef>
+          <a:fontRef idx="minor">
+            <a:schemeClr val="dk1"/>
+          </a:fontRef>
+        </p:style>
+        <p:txBody>
+          <a:bodyPr rtlCol="0" anchor="ctr"/>
+          <a:lstStyle/>
+          <a:p>
+            <a:pPr algn="ctr"/>
+            <a:r>
+              <a:rPr kumimoji="1" lang="ja-JP" altLang="en-US" dirty="0" smtClean="0"/>
+              <a:t>難易度による穴埋め問題の生成</a:t>
+            </a:r>
+            <a:endParaRPr kumimoji="1" lang="ja-JP" altLang="en-US" dirty="0"/>
+          </a:p>
+        </p:txBody>
+      </p:sp>
+      <p:sp>
+        <p:nvSpPr>
+          <p:cNvPr id="10" name="正方形/長方形 9"/>
+          <p:cNvSpPr/>
+          <p:nvPr/>
+        </p:nvSpPr>
+        <p:spPr>
+          <a:xfrm>
+            <a:off x="5311540" y="1331712"/>
+            <a:ext cx="6527534" cy="1182302"/>
+          </a:xfrm>
+          <a:prstGeom prst="rect">
+            <a:avLst/>
+          </a:prstGeom>
+        </p:spPr>
+        <p:style>
+          <a:lnRef idx="1">
+            <a:schemeClr val="accent3"/>
+          </a:lnRef>
+          <a:fillRef idx="2">
+            <a:schemeClr val="accent3"/>
+          </a:fillRef>
+          <a:effectRef idx="1">
+            <a:schemeClr val="accent3"/>
+          </a:effectRef>
+          <a:fontRef idx="minor">
+            <a:schemeClr val="dk1"/>
+          </a:fontRef>
+        </p:style>
+        <p:txBody>
+          <a:bodyPr rtlCol="0" anchor="ctr"/>
+          <a:lstStyle/>
+          <a:p>
+            <a:pPr algn="ctr"/>
+            <a:r>
+              <a:rPr kumimoji="1" lang="ja-JP" altLang="en-US" dirty="0" smtClean="0"/>
+              <a:t>採点</a:t>
+            </a:r>
+            <a:endParaRPr kumimoji="1" lang="ja-JP" altLang="en-US" dirty="0"/>
+          </a:p>
+        </p:txBody>
+      </p:sp>
+      <p:pic>
+        <p:nvPicPr>
+          <p:cNvPr id="11" name="図 10"/>
+          <p:cNvPicPr>
+            <a:picLocks noChangeAspect="1"/>
+          </p:cNvPicPr>
+          <p:nvPr/>
+        </p:nvPicPr>
+        <p:blipFill>
+          <a:blip r:embed="rId2"/>
+          <a:stretch>
+            <a:fillRect/>
+          </a:stretch>
+        </p:blipFill>
+        <p:spPr>
+          <a:xfrm>
+            <a:off x="6035039" y="2585714"/>
+            <a:ext cx="5804035" cy="3913471"/>
+          </a:xfrm>
+          <a:prstGeom prst="rect">
+            <a:avLst/>
+          </a:prstGeom>
+          <a:ln w="38100">
+            <a:solidFill>
+              <a:schemeClr val="tx1"/>
+            </a:solidFill>
+          </a:ln>
+        </p:spPr>
+      </p:pic>
+      <p:pic>
+        <p:nvPicPr>
+          <p:cNvPr id="26" name="図 25"/>
+          <p:cNvPicPr>
+            <a:picLocks noChangeAspect="1"/>
+          </p:cNvPicPr>
+          <p:nvPr/>
+        </p:nvPicPr>
+        <p:blipFill>
+          <a:blip r:embed="rId3"/>
+          <a:stretch>
+            <a:fillRect/>
+          </a:stretch>
+        </p:blipFill>
+        <p:spPr>
+          <a:xfrm>
+            <a:off x="410409" y="2559797"/>
+            <a:ext cx="5624630" cy="3965303"/>
+          </a:xfrm>
+          <a:prstGeom prst="rect">
+            <a:avLst/>
+          </a:prstGeom>
+        </p:spPr>
+      </p:pic>
+    </p:spTree>
+    <p:extLst>
+      <p:ext uri="{BB962C8B-B14F-4D97-AF65-F5344CB8AC3E}">
+        <p14:creationId xmlns:p14="http://schemas.microsoft.com/office/powerpoint/2010/main" val="2146589396"/>
+      </p:ext>
+    </p:extLst>
+  </p:cSld>
+  <p:clrMapOvr>
+    <a:masterClrMapping/>
+  </p:clrMapOvr>
 </p:sld>
 </file>
 

--- a/1821121_shimaoka_thesis.pptx
+++ b/1821121_shimaoka_thesis.pptx
@@ -216,7 +216,7 @@
           <a:p>
             <a:fld id="{79CC8B41-A965-44F6-A054-64E872A50930}" type="datetimeFigureOut">
               <a:rPr kumimoji="1" lang="ja-JP" altLang="en-US" smtClean="0"/>
-              <a:t>2022/1/11</a:t>
+              <a:t>2022/1/12</a:t>
             </a:fld>
             <a:endParaRPr kumimoji="1" lang="ja-JP" altLang="en-US"/>
           </a:p>
@@ -1333,7 +1333,7 @@
           <a:p>
             <a:fld id="{62998336-B3D8-4A03-A7A8-98421380C411}" type="datetime1">
               <a:rPr kumimoji="1" lang="ja-JP" altLang="en-US" smtClean="0"/>
-              <a:t>2022/1/11</a:t>
+              <a:t>2022/1/12</a:t>
             </a:fld>
             <a:endParaRPr kumimoji="1" lang="ja-JP" altLang="en-US"/>
           </a:p>
@@ -1547,7 +1547,7 @@
           <a:p>
             <a:fld id="{C588BEE9-F237-41A9-8549-3FFE47F058E3}" type="datetime1">
               <a:rPr kumimoji="1" lang="ja-JP" altLang="en-US" smtClean="0"/>
-              <a:t>2022/1/11</a:t>
+              <a:t>2022/1/12</a:t>
             </a:fld>
             <a:endParaRPr kumimoji="1" lang="ja-JP" altLang="en-US"/>
           </a:p>
@@ -1759,7 +1759,7 @@
           <a:p>
             <a:fld id="{9BC49434-F0AD-4853-A565-8CE0DB9424F6}" type="datetime1">
               <a:rPr kumimoji="1" lang="ja-JP" altLang="en-US" smtClean="0"/>
-              <a:t>2022/1/11</a:t>
+              <a:t>2022/1/12</a:t>
             </a:fld>
             <a:endParaRPr kumimoji="1" lang="ja-JP" altLang="en-US"/>
           </a:p>
@@ -1961,7 +1961,7 @@
           <a:p>
             <a:fld id="{34CF448A-F207-4C44-990B-BCEAFE1D6D1A}" type="datetime1">
               <a:rPr kumimoji="1" lang="ja-JP" altLang="en-US" smtClean="0"/>
-              <a:t>2022/1/11</a:t>
+              <a:t>2022/1/12</a:t>
             </a:fld>
             <a:endParaRPr kumimoji="1" lang="ja-JP" altLang="en-US"/>
           </a:p>
@@ -2217,7 +2217,7 @@
           <a:p>
             <a:fld id="{D55DCA4D-E17E-4710-BD0F-97F07703CCCE}" type="datetime1">
               <a:rPr kumimoji="1" lang="ja-JP" altLang="en-US" smtClean="0"/>
-              <a:t>2022/1/11</a:t>
+              <a:t>2022/1/12</a:t>
             </a:fld>
             <a:endParaRPr kumimoji="1" lang="ja-JP" altLang="en-US"/>
           </a:p>
@@ -2520,7 +2520,7 @@
           <a:p>
             <a:fld id="{ECA124AC-DF8D-4414-8A83-8C4A3A5BC6D8}" type="datetime1">
               <a:rPr kumimoji="1" lang="ja-JP" altLang="en-US" smtClean="0"/>
-              <a:t>2022/1/11</a:t>
+              <a:t>2022/1/12</a:t>
             </a:fld>
             <a:endParaRPr kumimoji="1" lang="ja-JP" altLang="en-US"/>
           </a:p>
@@ -2951,7 +2951,7 @@
           <a:p>
             <a:fld id="{995C31F4-206F-4561-92B9-CF990D583D10}" type="datetime1">
               <a:rPr kumimoji="1" lang="ja-JP" altLang="en-US" smtClean="0"/>
-              <a:t>2022/1/11</a:t>
+              <a:t>2022/1/12</a:t>
             </a:fld>
             <a:endParaRPr kumimoji="1" lang="ja-JP" altLang="en-US"/>
           </a:p>
@@ -3069,7 +3069,7 @@
           <a:p>
             <a:fld id="{087A34C8-B72C-4C88-90F5-054E72AA126B}" type="datetime1">
               <a:rPr kumimoji="1" lang="ja-JP" altLang="en-US" smtClean="0"/>
-              <a:t>2022/1/11</a:t>
+              <a:t>2022/1/12</a:t>
             </a:fld>
             <a:endParaRPr kumimoji="1" lang="ja-JP" altLang="en-US"/>
           </a:p>
@@ -3164,7 +3164,7 @@
           <a:p>
             <a:fld id="{02AAF6BD-BA6E-4E7D-9900-CDD88774F482}" type="datetime1">
               <a:rPr kumimoji="1" lang="ja-JP" altLang="en-US" smtClean="0"/>
-              <a:t>2022/1/11</a:t>
+              <a:t>2022/1/12</a:t>
             </a:fld>
             <a:endParaRPr kumimoji="1" lang="ja-JP" altLang="en-US"/>
           </a:p>
@@ -3473,7 +3473,7 @@
           <a:p>
             <a:fld id="{E89E35DA-E2A0-42EC-A447-4576C9BA3E6F}" type="datetime1">
               <a:rPr kumimoji="1" lang="ja-JP" altLang="en-US" smtClean="0"/>
-              <a:t>2022/1/11</a:t>
+              <a:t>2022/1/12</a:t>
             </a:fld>
             <a:endParaRPr kumimoji="1" lang="ja-JP" altLang="en-US"/>
           </a:p>
@@ -3730,7 +3730,7 @@
           <a:p>
             <a:fld id="{DEE6902A-E00C-4B09-8F69-8135A2ADC569}" type="datetime1">
               <a:rPr kumimoji="1" lang="ja-JP" altLang="en-US" smtClean="0"/>
-              <a:t>2022/1/11</a:t>
+              <a:t>2022/1/12</a:t>
             </a:fld>
             <a:endParaRPr kumimoji="1" lang="ja-JP" altLang="en-US"/>
           </a:p>
@@ -3975,7 +3975,7 @@
           <a:p>
             <a:fld id="{E69F29F6-FEAF-4263-A4BF-AB93D6A4CA4D}" type="datetime1">
               <a:rPr kumimoji="1" lang="ja-JP" altLang="en-US" smtClean="0"/>
-              <a:t>2022/1/11</a:t>
+              <a:t>2022/1/12</a:t>
             </a:fld>
             <a:endParaRPr kumimoji="1" lang="ja-JP" altLang="en-US"/>
           </a:p>
@@ -4474,11 +4474,7 @@
             <a:pPr algn="l"/>
             <a:r>
               <a:rPr kumimoji="1" lang="ja-JP" altLang="en-US" dirty="0" smtClean="0"/>
-              <a:t>学籍</a:t>
-            </a:r>
-            <a:r>
-              <a:rPr kumimoji="1" lang="ja-JP" altLang="en-US" dirty="0" smtClean="0"/>
-              <a:t>番号：</a:t>
+              <a:t>学籍番号：</a:t>
             </a:r>
             <a:r>
               <a:rPr kumimoji="1" lang="en-US" altLang="ja-JP" dirty="0" smtClean="0"/>
@@ -6546,9 +6542,177 @@
           </a:p>
         </p:txBody>
       </p:sp>
+      <p:sp>
+        <p:nvSpPr>
+          <p:cNvPr id="17" name="テキスト ボックス 16"/>
+          <p:cNvSpPr txBox="1"/>
+          <p:nvPr/>
+        </p:nvSpPr>
+        <p:spPr>
+          <a:xfrm>
+            <a:off x="1926405" y="2406484"/>
+            <a:ext cx="1223412" cy="300082"/>
+          </a:xfrm>
+          <a:prstGeom prst="rect">
+            <a:avLst/>
+          </a:prstGeom>
+          <a:noFill/>
+        </p:spPr>
+        <p:txBody>
+          <a:bodyPr wrap="none" rtlCol="0">
+            <a:spAutoFit/>
+          </a:bodyPr>
+          <a:lstStyle/>
+          <a:p>
+            <a:r>
+              <a:rPr lang="ja-JP" altLang="ja-JP" sz="1350" dirty="0"/>
+              <a:t>全問題の結果</a:t>
+            </a:r>
+            <a:endParaRPr lang="ja-JP" altLang="en-US" sz="1350" dirty="0"/>
+          </a:p>
+        </p:txBody>
+      </p:sp>
+      <p:sp>
+        <p:nvSpPr>
+          <p:cNvPr id="18" name="正方形/長方形 17"/>
+          <p:cNvSpPr/>
+          <p:nvPr/>
+        </p:nvSpPr>
+        <p:spPr>
+          <a:xfrm>
+            <a:off x="5747175" y="2406484"/>
+            <a:ext cx="1742785" cy="300082"/>
+          </a:xfrm>
+          <a:prstGeom prst="rect">
+            <a:avLst/>
+          </a:prstGeom>
+        </p:spPr>
+        <p:txBody>
+          <a:bodyPr wrap="none">
+            <a:spAutoFit/>
+          </a:bodyPr>
+          <a:lstStyle/>
+          <a:p>
+            <a:r>
+              <a:rPr lang="ja-JP" altLang="ja-JP" sz="1350" dirty="0">
+                <a:latin typeface="Century" panose="02040604050505020304" pitchFamily="18" charset="0"/>
+                <a:ea typeface="ＭＳ 明朝" panose="02020609040205080304" pitchFamily="17" charset="-128"/>
+                <a:cs typeface="Times New Roman" panose="02020603050405020304" pitchFamily="18" charset="0"/>
+              </a:rPr>
+              <a:t>難易度：簡単の結果</a:t>
+            </a:r>
+            <a:endParaRPr lang="ja-JP" altLang="en-US" sz="1350" dirty="0"/>
+          </a:p>
+        </p:txBody>
+      </p:sp>
+      <p:sp>
+        <p:nvSpPr>
+          <p:cNvPr id="19" name="正方形/長方形 18"/>
+          <p:cNvSpPr/>
+          <p:nvPr/>
+        </p:nvSpPr>
+        <p:spPr>
+          <a:xfrm>
+            <a:off x="1776562" y="4106551"/>
+            <a:ext cx="1742785" cy="300082"/>
+          </a:xfrm>
+          <a:prstGeom prst="rect">
+            <a:avLst/>
+          </a:prstGeom>
+        </p:spPr>
+        <p:txBody>
+          <a:bodyPr wrap="none">
+            <a:spAutoFit/>
+          </a:bodyPr>
+          <a:lstStyle/>
+          <a:p>
+            <a:r>
+              <a:rPr lang="ja-JP" altLang="ja-JP" sz="1350" dirty="0">
+                <a:latin typeface="Century" panose="02040604050505020304" pitchFamily="18" charset="0"/>
+                <a:ea typeface="ＭＳ 明朝" panose="02020609040205080304" pitchFamily="17" charset="-128"/>
+                <a:cs typeface="Times New Roman" panose="02020603050405020304" pitchFamily="18" charset="0"/>
+              </a:rPr>
+              <a:t>難易度：普通の結果</a:t>
+            </a:r>
+            <a:endParaRPr lang="ja-JP" altLang="en-US" sz="1350" dirty="0"/>
+          </a:p>
+        </p:txBody>
+      </p:sp>
+      <p:sp>
+        <p:nvSpPr>
+          <p:cNvPr id="20" name="正方形/長方形 19"/>
+          <p:cNvSpPr/>
+          <p:nvPr/>
+        </p:nvSpPr>
+        <p:spPr>
+          <a:xfrm>
+            <a:off x="5660613" y="4106551"/>
+            <a:ext cx="1915909" cy="300082"/>
+          </a:xfrm>
+          <a:prstGeom prst="rect">
+            <a:avLst/>
+          </a:prstGeom>
+        </p:spPr>
+        <p:txBody>
+          <a:bodyPr wrap="none">
+            <a:spAutoFit/>
+          </a:bodyPr>
+          <a:lstStyle/>
+          <a:p>
+            <a:r>
+              <a:rPr lang="ja-JP" altLang="ja-JP" sz="1350" dirty="0">
+                <a:latin typeface="Century" panose="02040604050505020304" pitchFamily="18" charset="0"/>
+                <a:ea typeface="ＭＳ 明朝" panose="02020609040205080304" pitchFamily="17" charset="-128"/>
+                <a:cs typeface="Times New Roman" panose="02020603050405020304" pitchFamily="18" charset="0"/>
+              </a:rPr>
+              <a:t>難易度：</a:t>
+            </a:r>
+            <a:r>
+              <a:rPr lang="ja-JP" altLang="ja-JP" sz="1350" dirty="0" err="1">
+                <a:latin typeface="Century" panose="02040604050505020304" pitchFamily="18" charset="0"/>
+                <a:ea typeface="ＭＳ 明朝" panose="02020609040205080304" pitchFamily="17" charset="-128"/>
+                <a:cs typeface="Times New Roman" panose="02020603050405020304" pitchFamily="18" charset="0"/>
+              </a:rPr>
+              <a:t>難しいの</a:t>
+            </a:r>
+            <a:r>
+              <a:rPr lang="ja-JP" altLang="ja-JP" sz="1350" dirty="0">
+                <a:latin typeface="Century" panose="02040604050505020304" pitchFamily="18" charset="0"/>
+                <a:ea typeface="ＭＳ 明朝" panose="02020609040205080304" pitchFamily="17" charset="-128"/>
+                <a:cs typeface="Times New Roman" panose="02020603050405020304" pitchFamily="18" charset="0"/>
+              </a:rPr>
+              <a:t>結果</a:t>
+            </a:r>
+            <a:endParaRPr lang="ja-JP" altLang="en-US" sz="1350" dirty="0"/>
+          </a:p>
+        </p:txBody>
+      </p:sp>
+      <p:sp>
+        <p:nvSpPr>
+          <p:cNvPr id="21" name="スライド番号プレースホルダー 20"/>
+          <p:cNvSpPr>
+            <a:spLocks noGrp="1"/>
+          </p:cNvSpPr>
+          <p:nvPr>
+            <p:ph type="sldNum" sz="quarter" idx="12"/>
+          </p:nvPr>
+        </p:nvSpPr>
+        <p:spPr/>
+        <p:txBody>
+          <a:bodyPr/>
+          <a:lstStyle/>
+          <a:p>
+            <a:fld id="{7A0C0510-5AD5-45F8-B3F1-46CC91AC00B1}" type="slidenum">
+              <a:rPr kumimoji="1" lang="ja-JP" altLang="en-US" smtClean="0"/>
+              <a:t>15</a:t>
+            </a:fld>
+            <a:endParaRPr kumimoji="1" lang="ja-JP" altLang="en-US"/>
+          </a:p>
+        </p:txBody>
+      </p:sp>
       <p:graphicFrame>
         <p:nvGraphicFramePr>
-          <p:cNvPr id="9" name="コンテンツ プレースホルダー 8"/>
+          <p:cNvPr id="5" name="コンテンツ プレースホルダー 4"/>
           <p:cNvGraphicFramePr>
             <a:graphicFrameLocks noGrp="1"/>
           </p:cNvGraphicFramePr>
@@ -6556,83 +6720,87 @@
             <p:ph idx="1"/>
             <p:extLst>
               <p:ext uri="{D42A27DB-BD31-4B8C-83A1-F6EECF244321}">
-                <p14:modId xmlns:p14="http://schemas.microsoft.com/office/powerpoint/2010/main" val="3263679289"/>
+                <p14:modId xmlns:p14="http://schemas.microsoft.com/office/powerpoint/2010/main" val="3074476817"/>
               </p:ext>
             </p:extLst>
           </p:nvPr>
         </p:nvGraphicFramePr>
         <p:xfrm>
-          <a:off x="374648" y="2683483"/>
-          <a:ext cx="4152900" cy="1117315"/>
+          <a:off x="374647" y="2683484"/>
+          <a:ext cx="4019330" cy="1117313"/>
         </p:xfrm>
         <a:graphic>
           <a:graphicData uri="http://schemas.openxmlformats.org/drawingml/2006/table">
             <a:tbl>
-              <a:tblPr firstRow="1" firstCol="1" bandRow="1"/>
+              <a:tblPr/>
               <a:tblGrid>
-                <a:gridCol w="830580">
+                <a:gridCol w="668274">
                   <a:extLst>
                     <a:ext uri="{9D8B030D-6E8A-4147-A177-3AD203B41FA5}">
-                      <a16:colId xmlns:a16="http://schemas.microsoft.com/office/drawing/2014/main" val="2012833789"/>
+                      <a16:colId xmlns:a16="http://schemas.microsoft.com/office/drawing/2014/main" val="4076874092"/>
                     </a:ext>
                   </a:extLst>
                 </a:gridCol>
-                <a:gridCol w="830580">
+                <a:gridCol w="668274">
                   <a:extLst>
                     <a:ext uri="{9D8B030D-6E8A-4147-A177-3AD203B41FA5}">
-                      <a16:colId xmlns:a16="http://schemas.microsoft.com/office/drawing/2014/main" val="2825670922"/>
+                      <a16:colId xmlns:a16="http://schemas.microsoft.com/office/drawing/2014/main" val="4214974454"/>
                     </a:ext>
                   </a:extLst>
                 </a:gridCol>
-                <a:gridCol w="707392">
+                <a:gridCol w="668274">
                   <a:extLst>
                     <a:ext uri="{9D8B030D-6E8A-4147-A177-3AD203B41FA5}">
-                      <a16:colId xmlns:a16="http://schemas.microsoft.com/office/drawing/2014/main" val="3106595558"/>
+                      <a16:colId xmlns:a16="http://schemas.microsoft.com/office/drawing/2014/main" val="1929604746"/>
                     </a:ext>
                   </a:extLst>
                 </a:gridCol>
-                <a:gridCol w="953768">
+                <a:gridCol w="1007254">
                   <a:extLst>
                     <a:ext uri="{9D8B030D-6E8A-4147-A177-3AD203B41FA5}">
-                      <a16:colId xmlns:a16="http://schemas.microsoft.com/office/drawing/2014/main" val="1467524906"/>
+                      <a16:colId xmlns:a16="http://schemas.microsoft.com/office/drawing/2014/main" val="3930129751"/>
                     </a:ext>
                   </a:extLst>
                 </a:gridCol>
-                <a:gridCol w="830580">
+                <a:gridCol w="1007254">
                   <a:extLst>
                     <a:ext uri="{9D8B030D-6E8A-4147-A177-3AD203B41FA5}">
-                      <a16:colId xmlns:a16="http://schemas.microsoft.com/office/drawing/2014/main" val="3078186869"/>
+                      <a16:colId xmlns:a16="http://schemas.microsoft.com/office/drawing/2014/main" val="1535812399"/>
                     </a:ext>
                   </a:extLst>
                 </a:gridCol>
               </a:tblGrid>
-              <a:tr h="413982">
+              <a:tr h="369021">
                 <a:tc gridSpan="3">
                   <a:txBody>
                     <a:bodyPr/>
                     <a:lstStyle/>
                     <a:p>
-                      <a:pPr algn="ctr">
-                        <a:spcAft>
-                          <a:spcPts val="0"/>
-                        </a:spcAft>
-                      </a:pPr>
+                      <a:pPr algn="ctr" fontAlgn="ctr"/>
                       <a:r>
-                        <a:rPr lang="ja-JP" sz="1400" kern="100" dirty="0">
+                        <a:rPr lang="ja-JP" altLang="en-US" sz="1100" b="0" i="0" u="none" strike="noStrike">
+                          <a:solidFill>
+                            <a:srgbClr val="000000"/>
+                          </a:solidFill>
                           <a:effectLst/>
-                          <a:latin typeface="Century" panose="02040604050505020304" pitchFamily="18" charset="0"/>
-                          <a:ea typeface="ＭＳ 明朝" panose="02020609040205080304" pitchFamily="17" charset="-128"/>
-                          <a:cs typeface="Times New Roman" panose="02020603050405020304" pitchFamily="18" charset="0"/>
+                          <a:latin typeface="游ゴシック" panose="020B0400000000000000" pitchFamily="50" charset="-128"/>
+                          <a:ea typeface="游ゴシック" panose="020B0400000000000000" pitchFamily="50" charset="-128"/>
                         </a:rPr>
                         <a:t>全問題</a:t>
                       </a:r>
                     </a:p>
                   </a:txBody>
-                  <a:tcPr marL="51435" marR="51435" marT="0" marB="0">
-                    <a:lnL>
-                      <a:noFill/>
+                  <a:tcPr marL="6350" marR="6350" marT="6350" marB="0" anchor="ctr">
+                    <a:lnL w="12700" cap="flat" cmpd="sng" algn="ctr">
+                      <a:solidFill>
+                        <a:srgbClr val="000000"/>
+                      </a:solidFill>
+                      <a:prstDash val="solid"/>
+                      <a:round/>
+                      <a:headEnd type="none" w="med" len="med"/>
+                      <a:tailEnd type="none" w="med" len="med"/>
                     </a:lnL>
-                    <a:lnR w="12700" cap="flat" cmpd="sng" algn="ctr">
+                    <a:lnR w="6350" cap="flat" cmpd="sng" algn="ctr">
                       <a:solidFill>
                         <a:srgbClr val="000000"/>
                       </a:solidFill>
@@ -6650,7 +6818,7 @@
                       <a:headEnd type="none" w="med" len="med"/>
                       <a:tailEnd type="none" w="med" len="med"/>
                     </a:lnT>
-                    <a:lnB w="12700" cap="flat" cmpd="sng" algn="ctr">
+                    <a:lnB w="6350" cap="flat" cmpd="sng" algn="ctr">
                       <a:solidFill>
                         <a:srgbClr val="000000"/>
                       </a:solidFill>
@@ -6686,24 +6854,22 @@
                     <a:bodyPr/>
                     <a:lstStyle/>
                     <a:p>
-                      <a:pPr algn="ctr">
-                        <a:spcAft>
-                          <a:spcPts val="0"/>
-                        </a:spcAft>
-                      </a:pPr>
+                      <a:pPr algn="ctr" fontAlgn="ctr"/>
                       <a:r>
-                        <a:rPr lang="ja-JP" sz="1400" kern="100">
+                        <a:rPr lang="ja-JP" altLang="en-US" sz="1100" b="0" i="0" u="none" strike="noStrike">
+                          <a:solidFill>
+                            <a:srgbClr val="000000"/>
+                          </a:solidFill>
                           <a:effectLst/>
-                          <a:latin typeface="Century" panose="02040604050505020304" pitchFamily="18" charset="0"/>
-                          <a:ea typeface="ＭＳ 明朝" panose="02020609040205080304" pitchFamily="17" charset="-128"/>
-                          <a:cs typeface="Times New Roman" panose="02020603050405020304" pitchFamily="18" charset="0"/>
+                          <a:latin typeface="游ゴシック" panose="020B0400000000000000" pitchFamily="50" charset="-128"/>
+                          <a:ea typeface="游ゴシック" panose="020B0400000000000000" pitchFamily="50" charset="-128"/>
                         </a:rPr>
                         <a:t>問題数</a:t>
                       </a:r>
                     </a:p>
                   </a:txBody>
-                  <a:tcPr marL="51435" marR="51435" marT="0" marB="0">
-                    <a:lnL w="12700" cap="flat" cmpd="sng" algn="ctr">
+                  <a:tcPr marL="6350" marR="6350" marT="6350" marB="0" anchor="ctr">
+                    <a:lnL w="6350" cap="flat" cmpd="sng" algn="ctr">
                       <a:solidFill>
                         <a:srgbClr val="000000"/>
                       </a:solidFill>
@@ -6712,7 +6878,7 @@
                       <a:headEnd type="none" w="med" len="med"/>
                       <a:tailEnd type="none" w="med" len="med"/>
                     </a:lnL>
-                    <a:lnR w="12700" cap="flat" cmpd="sng" algn="ctr">
+                    <a:lnR w="6350" cap="flat" cmpd="sng" algn="ctr">
                       <a:solidFill>
                         <a:srgbClr val="000000"/>
                       </a:solidFill>
@@ -6730,7 +6896,7 @@
                       <a:headEnd type="none" w="med" len="med"/>
                       <a:tailEnd type="none" w="med" len="med"/>
                     </a:lnT>
-                    <a:lnB w="12700" cap="flat" cmpd="sng" algn="ctr">
+                    <a:lnB w="6350" cap="flat" cmpd="sng" algn="ctr">
                       <a:solidFill>
                         <a:srgbClr val="000000"/>
                       </a:solidFill>
@@ -6746,30 +6912,22 @@
                     <a:bodyPr/>
                     <a:lstStyle/>
                     <a:p>
-                      <a:pPr algn="ctr">
-                        <a:spcAft>
-                          <a:spcPts val="0"/>
-                        </a:spcAft>
-                      </a:pPr>
+                      <a:pPr algn="r" fontAlgn="ctr"/>
                       <a:r>
-                        <a:rPr lang="en-US" sz="1400" kern="100">
+                        <a:rPr lang="en-US" altLang="ja-JP" sz="1100" b="0" i="0" u="none" strike="noStrike">
+                          <a:solidFill>
+                            <a:srgbClr val="000000"/>
+                          </a:solidFill>
                           <a:effectLst/>
-                          <a:latin typeface="Century" panose="02040604050505020304" pitchFamily="18" charset="0"/>
-                          <a:ea typeface="ＭＳ 明朝" panose="02020609040205080304" pitchFamily="17" charset="-128"/>
-                          <a:cs typeface="Times New Roman" panose="02020603050405020304" pitchFamily="18" charset="0"/>
+                          <a:latin typeface="游ゴシック" panose="020B0400000000000000" pitchFamily="50" charset="-128"/>
+                          <a:ea typeface="游ゴシック" panose="020B0400000000000000" pitchFamily="50" charset="-128"/>
                         </a:rPr>
-                        <a:t>60</a:t>
+                        <a:t>354</a:t>
                       </a:r>
-                      <a:endParaRPr lang="ja-JP" sz="1400" kern="100">
-                        <a:effectLst/>
-                        <a:latin typeface="Century" panose="02040604050505020304" pitchFamily="18" charset="0"/>
-                        <a:ea typeface="ＭＳ 明朝" panose="02020609040205080304" pitchFamily="17" charset="-128"/>
-                        <a:cs typeface="Times New Roman" panose="02020603050405020304" pitchFamily="18" charset="0"/>
-                      </a:endParaRPr>
                     </a:p>
                   </a:txBody>
-                  <a:tcPr marL="51435" marR="51435" marT="0" marB="0">
-                    <a:lnL w="12700" cap="flat" cmpd="sng" algn="ctr">
+                  <a:tcPr marL="6350" marR="6350" marT="6350" marB="0" anchor="ctr">
+                    <a:lnL w="6350" cap="flat" cmpd="sng" algn="ctr">
                       <a:solidFill>
                         <a:srgbClr val="000000"/>
                       </a:solidFill>
@@ -6778,8 +6936,14 @@
                       <a:headEnd type="none" w="med" len="med"/>
                       <a:tailEnd type="none" w="med" len="med"/>
                     </a:lnL>
-                    <a:lnR>
-                      <a:noFill/>
+                    <a:lnR w="12700" cap="flat" cmpd="sng" algn="ctr">
+                      <a:solidFill>
+                        <a:srgbClr val="000000"/>
+                      </a:solidFill>
+                      <a:prstDash val="solid"/>
+                      <a:round/>
+                      <a:headEnd type="none" w="med" len="med"/>
+                      <a:tailEnd type="none" w="med" len="med"/>
                     </a:lnR>
                     <a:lnT w="12700" cap="flat" cmpd="sng" algn="ctr">
                       <a:solidFill>
@@ -6790,7 +6954,7 @@
                       <a:headEnd type="none" w="med" len="med"/>
                       <a:tailEnd type="none" w="med" len="med"/>
                     </a:lnT>
-                    <a:lnB w="12700" cap="flat" cmpd="sng" algn="ctr">
+                    <a:lnB w="6350" cap="flat" cmpd="sng" algn="ctr">
                       <a:solidFill>
                         <a:srgbClr val="000000"/>
                       </a:solidFill>
@@ -6803,37 +6967,41 @@
                 </a:tc>
                 <a:extLst>
                   <a:ext uri="{0D108BD9-81ED-4DB2-BD59-A6C34878D82A}">
-                    <a16:rowId xmlns:a16="http://schemas.microsoft.com/office/drawing/2014/main" val="2355826618"/>
+                    <a16:rowId xmlns:a16="http://schemas.microsoft.com/office/drawing/2014/main" val="1073630155"/>
                   </a:ext>
                 </a:extLst>
               </a:tr>
-              <a:tr h="360911">
+              <a:tr h="369021">
                 <a:tc>
                   <a:txBody>
                     <a:bodyPr/>
                     <a:lstStyle/>
                     <a:p>
-                      <a:pPr algn="ctr">
-                        <a:spcAft>
-                          <a:spcPts val="0"/>
-                        </a:spcAft>
-                      </a:pPr>
+                      <a:pPr algn="ctr" fontAlgn="ctr"/>
                       <a:r>
-                        <a:rPr lang="ja-JP" sz="1400" kern="100">
+                        <a:rPr lang="ja-JP" altLang="en-US" sz="1100" b="0" i="0" u="none" strike="noStrike">
+                          <a:solidFill>
+                            <a:srgbClr val="000000"/>
+                          </a:solidFill>
                           <a:effectLst/>
-                          <a:latin typeface="Century" panose="02040604050505020304" pitchFamily="18" charset="0"/>
-                          <a:ea typeface="ＭＳ 明朝" panose="02020609040205080304" pitchFamily="17" charset="-128"/>
-                          <a:cs typeface="Times New Roman" panose="02020603050405020304" pitchFamily="18" charset="0"/>
+                          <a:latin typeface="游ゴシック" panose="020B0400000000000000" pitchFamily="50" charset="-128"/>
+                          <a:ea typeface="游ゴシック" panose="020B0400000000000000" pitchFamily="50" charset="-128"/>
                         </a:rPr>
                         <a:t>基準１</a:t>
                       </a:r>
                     </a:p>
                   </a:txBody>
-                  <a:tcPr marL="51435" marR="51435" marT="0" marB="0">
-                    <a:lnL>
-                      <a:noFill/>
+                  <a:tcPr marL="6350" marR="6350" marT="6350" marB="0" anchor="ctr">
+                    <a:lnL w="12700" cap="flat" cmpd="sng" algn="ctr">
+                      <a:solidFill>
+                        <a:srgbClr val="000000"/>
+                      </a:solidFill>
+                      <a:prstDash val="solid"/>
+                      <a:round/>
+                      <a:headEnd type="none" w="med" len="med"/>
+                      <a:tailEnd type="none" w="med" len="med"/>
                     </a:lnL>
-                    <a:lnR w="12700" cap="flat" cmpd="sng" algn="ctr">
+                    <a:lnR w="6350" cap="flat" cmpd="sng" algn="ctr">
                       <a:solidFill>
                         <a:srgbClr val="000000"/>
                       </a:solidFill>
@@ -6842,7 +7010,7 @@
                       <a:headEnd type="none" w="med" len="med"/>
                       <a:tailEnd type="none" w="med" len="med"/>
                     </a:lnR>
-                    <a:lnT w="12700" cap="flat" cmpd="sng" algn="ctr">
+                    <a:lnT w="6350" cap="flat" cmpd="sng" algn="ctr">
                       <a:solidFill>
                         <a:srgbClr val="000000"/>
                       </a:solidFill>
@@ -6851,7 +7019,7 @@
                       <a:headEnd type="none" w="med" len="med"/>
                       <a:tailEnd type="none" w="med" len="med"/>
                     </a:lnT>
-                    <a:lnB w="12700" cap="flat" cmpd="sng" algn="ctr">
+                    <a:lnB w="6350" cap="flat" cmpd="sng" algn="ctr">
                       <a:solidFill>
                         <a:srgbClr val="000000"/>
                       </a:solidFill>
@@ -6867,24 +7035,22 @@
                     <a:bodyPr/>
                     <a:lstStyle/>
                     <a:p>
-                      <a:pPr algn="ctr">
-                        <a:spcAft>
-                          <a:spcPts val="0"/>
-                        </a:spcAft>
-                      </a:pPr>
+                      <a:pPr algn="ctr" fontAlgn="ctr"/>
                       <a:r>
-                        <a:rPr lang="ja-JP" sz="1400" kern="100">
+                        <a:rPr lang="ja-JP" altLang="en-US" sz="1100" b="0" i="0" u="none" strike="noStrike">
+                          <a:solidFill>
+                            <a:srgbClr val="000000"/>
+                          </a:solidFill>
                           <a:effectLst/>
-                          <a:latin typeface="Century" panose="02040604050505020304" pitchFamily="18" charset="0"/>
-                          <a:ea typeface="ＭＳ 明朝" panose="02020609040205080304" pitchFamily="17" charset="-128"/>
-                          <a:cs typeface="Times New Roman" panose="02020603050405020304" pitchFamily="18" charset="0"/>
+                          <a:latin typeface="游ゴシック" panose="020B0400000000000000" pitchFamily="50" charset="-128"/>
+                          <a:ea typeface="游ゴシック" panose="020B0400000000000000" pitchFamily="50" charset="-128"/>
                         </a:rPr>
                         <a:t>基準２</a:t>
                       </a:r>
                     </a:p>
                   </a:txBody>
-                  <a:tcPr marL="51435" marR="51435" marT="0" marB="0">
-                    <a:lnL w="12700" cap="flat" cmpd="sng" algn="ctr">
+                  <a:tcPr marL="6350" marR="6350" marT="6350" marB="0" anchor="ctr">
+                    <a:lnL w="6350" cap="flat" cmpd="sng" algn="ctr">
                       <a:solidFill>
                         <a:srgbClr val="000000"/>
                       </a:solidFill>
@@ -6893,7 +7059,7 @@
                       <a:headEnd type="none" w="med" len="med"/>
                       <a:tailEnd type="none" w="med" len="med"/>
                     </a:lnL>
-                    <a:lnR w="12700" cap="flat" cmpd="sng" algn="ctr">
+                    <a:lnR w="6350" cap="flat" cmpd="sng" algn="ctr">
                       <a:solidFill>
                         <a:srgbClr val="000000"/>
                       </a:solidFill>
@@ -6902,7 +7068,7 @@
                       <a:headEnd type="none" w="med" len="med"/>
                       <a:tailEnd type="none" w="med" len="med"/>
                     </a:lnR>
-                    <a:lnT w="12700" cap="flat" cmpd="sng" algn="ctr">
+                    <a:lnT w="6350" cap="flat" cmpd="sng" algn="ctr">
                       <a:solidFill>
                         <a:srgbClr val="000000"/>
                       </a:solidFill>
@@ -6911,7 +7077,7 @@
                       <a:headEnd type="none" w="med" len="med"/>
                       <a:tailEnd type="none" w="med" len="med"/>
                     </a:lnT>
-                    <a:lnB w="12700" cap="flat" cmpd="sng" algn="ctr">
+                    <a:lnB w="6350" cap="flat" cmpd="sng" algn="ctr">
                       <a:solidFill>
                         <a:srgbClr val="000000"/>
                       </a:solidFill>
@@ -6927,24 +7093,22 @@
                     <a:bodyPr/>
                     <a:lstStyle/>
                     <a:p>
-                      <a:pPr algn="ctr">
-                        <a:spcAft>
-                          <a:spcPts val="0"/>
-                        </a:spcAft>
-                      </a:pPr>
+                      <a:pPr algn="ctr" fontAlgn="ctr"/>
                       <a:r>
-                        <a:rPr lang="ja-JP" sz="1400" kern="100" dirty="0">
+                        <a:rPr lang="ja-JP" altLang="en-US" sz="1100" b="0" i="0" u="none" strike="noStrike">
+                          <a:solidFill>
+                            <a:srgbClr val="000000"/>
+                          </a:solidFill>
                           <a:effectLst/>
-                          <a:latin typeface="Century" panose="02040604050505020304" pitchFamily="18" charset="0"/>
-                          <a:ea typeface="ＭＳ 明朝" panose="02020609040205080304" pitchFamily="17" charset="-128"/>
-                          <a:cs typeface="Times New Roman" panose="02020603050405020304" pitchFamily="18" charset="0"/>
+                          <a:latin typeface="游ゴシック" panose="020B0400000000000000" pitchFamily="50" charset="-128"/>
+                          <a:ea typeface="游ゴシック" panose="020B0400000000000000" pitchFamily="50" charset="-128"/>
                         </a:rPr>
                         <a:t>基準３</a:t>
                       </a:r>
                     </a:p>
                   </a:txBody>
-                  <a:tcPr marL="51435" marR="51435" marT="0" marB="0">
-                    <a:lnL w="12700" cap="flat" cmpd="sng" algn="ctr">
+                  <a:tcPr marL="6350" marR="6350" marT="6350" marB="0" anchor="ctr">
+                    <a:lnL w="6350" cap="flat" cmpd="sng" algn="ctr">
                       <a:solidFill>
                         <a:srgbClr val="000000"/>
                       </a:solidFill>
@@ -6953,7 +7117,7 @@
                       <a:headEnd type="none" w="med" len="med"/>
                       <a:tailEnd type="none" w="med" len="med"/>
                     </a:lnL>
-                    <a:lnR w="12700" cap="flat" cmpd="sng" algn="ctr">
+                    <a:lnR w="6350" cap="flat" cmpd="sng" algn="ctr">
                       <a:solidFill>
                         <a:srgbClr val="000000"/>
                       </a:solidFill>
@@ -6962,7 +7126,7 @@
                       <a:headEnd type="none" w="med" len="med"/>
                       <a:tailEnd type="none" w="med" len="med"/>
                     </a:lnR>
-                    <a:lnT w="12700" cap="flat" cmpd="sng" algn="ctr">
+                    <a:lnT w="6350" cap="flat" cmpd="sng" algn="ctr">
                       <a:solidFill>
                         <a:srgbClr val="000000"/>
                       </a:solidFill>
@@ -6971,7 +7135,7 @@
                       <a:headEnd type="none" w="med" len="med"/>
                       <a:tailEnd type="none" w="med" len="med"/>
                     </a:lnT>
-                    <a:lnB w="12700" cap="flat" cmpd="sng" algn="ctr">
+                    <a:lnB w="6350" cap="flat" cmpd="sng" algn="ctr">
                       <a:solidFill>
                         <a:srgbClr val="000000"/>
                       </a:solidFill>
@@ -6987,24 +7151,22 @@
                     <a:bodyPr/>
                     <a:lstStyle/>
                     <a:p>
-                      <a:pPr algn="ctr">
-                        <a:spcAft>
-                          <a:spcPts val="0"/>
-                        </a:spcAft>
-                      </a:pPr>
+                      <a:pPr algn="ctr" fontAlgn="b"/>
                       <a:r>
-                        <a:rPr lang="ja-JP" sz="1400" kern="100">
+                        <a:rPr lang="ja-JP" altLang="en-US" sz="1100" b="0" i="0" u="none" strike="noStrike">
+                          <a:solidFill>
+                            <a:srgbClr val="000000"/>
+                          </a:solidFill>
                           <a:effectLst/>
-                          <a:latin typeface="Century" panose="02040604050505020304" pitchFamily="18" charset="0"/>
-                          <a:ea typeface="ＭＳ 明朝" panose="02020609040205080304" pitchFamily="17" charset="-128"/>
-                          <a:cs typeface="Times New Roman" panose="02020603050405020304" pitchFamily="18" charset="0"/>
+                          <a:latin typeface="游ゴシック" panose="020B0400000000000000" pitchFamily="50" charset="-128"/>
+                          <a:ea typeface="游ゴシック" panose="020B0400000000000000" pitchFamily="50" charset="-128"/>
                         </a:rPr>
                         <a:t>基準４</a:t>
                       </a:r>
                     </a:p>
                   </a:txBody>
-                  <a:tcPr marL="51435" marR="51435" marT="0" marB="0">
-                    <a:lnL w="12700" cap="flat" cmpd="sng" algn="ctr">
+                  <a:tcPr marL="6350" marR="6350" marT="6350" marB="0" anchor="b">
+                    <a:lnL w="6350" cap="flat" cmpd="sng" algn="ctr">
                       <a:solidFill>
                         <a:srgbClr val="000000"/>
                       </a:solidFill>
@@ -7013,7 +7175,7 @@
                       <a:headEnd type="none" w="med" len="med"/>
                       <a:tailEnd type="none" w="med" len="med"/>
                     </a:lnL>
-                    <a:lnR w="12700" cap="flat" cmpd="sng" algn="ctr">
+                    <a:lnR w="6350" cap="flat" cmpd="sng" algn="ctr">
                       <a:solidFill>
                         <a:srgbClr val="000000"/>
                       </a:solidFill>
@@ -7022,7 +7184,7 @@
                       <a:headEnd type="none" w="med" len="med"/>
                       <a:tailEnd type="none" w="med" len="med"/>
                     </a:lnR>
-                    <a:lnT w="12700" cap="flat" cmpd="sng" algn="ctr">
+                    <a:lnT w="6350" cap="flat" cmpd="sng" algn="ctr">
                       <a:solidFill>
                         <a:srgbClr val="000000"/>
                       </a:solidFill>
@@ -7031,7 +7193,7 @@
                       <a:headEnd type="none" w="med" len="med"/>
                       <a:tailEnd type="none" w="med" len="med"/>
                     </a:lnT>
-                    <a:lnB w="12700" cap="flat" cmpd="sng" algn="ctr">
+                    <a:lnB w="6350" cap="flat" cmpd="sng" algn="ctr">
                       <a:solidFill>
                         <a:srgbClr val="000000"/>
                       </a:solidFill>
@@ -7047,24 +7209,22 @@
                     <a:bodyPr/>
                     <a:lstStyle/>
                     <a:p>
-                      <a:pPr algn="ctr">
-                        <a:spcAft>
-                          <a:spcPts val="0"/>
-                        </a:spcAft>
-                      </a:pPr>
+                      <a:pPr algn="ctr" fontAlgn="ctr"/>
                       <a:r>
-                        <a:rPr lang="ja-JP" sz="1400" kern="100">
+                        <a:rPr lang="ja-JP" altLang="en-US" sz="1100" b="0" i="0" u="none" strike="noStrike">
+                          <a:solidFill>
+                            <a:srgbClr val="000000"/>
+                          </a:solidFill>
                           <a:effectLst/>
-                          <a:latin typeface="Century" panose="02040604050505020304" pitchFamily="18" charset="0"/>
-                          <a:ea typeface="ＭＳ 明朝" panose="02020609040205080304" pitchFamily="17" charset="-128"/>
-                          <a:cs typeface="Times New Roman" panose="02020603050405020304" pitchFamily="18" charset="0"/>
+                          <a:latin typeface="游ゴシック" panose="020B0400000000000000" pitchFamily="50" charset="-128"/>
+                          <a:ea typeface="游ゴシック" panose="020B0400000000000000" pitchFamily="50" charset="-128"/>
                         </a:rPr>
                         <a:t>基準５</a:t>
                       </a:r>
                     </a:p>
                   </a:txBody>
-                  <a:tcPr marL="51435" marR="51435" marT="0" marB="0">
-                    <a:lnL w="12700" cap="flat" cmpd="sng" algn="ctr">
+                  <a:tcPr marL="6350" marR="6350" marT="6350" marB="0" anchor="ctr">
+                    <a:lnL w="6350" cap="flat" cmpd="sng" algn="ctr">
                       <a:solidFill>
                         <a:srgbClr val="000000"/>
                       </a:solidFill>
@@ -7073,10 +7233,16 @@
                       <a:headEnd type="none" w="med" len="med"/>
                       <a:tailEnd type="none" w="med" len="med"/>
                     </a:lnL>
-                    <a:lnR>
-                      <a:noFill/>
+                    <a:lnR w="12700" cap="flat" cmpd="sng" algn="ctr">
+                      <a:solidFill>
+                        <a:srgbClr val="000000"/>
+                      </a:solidFill>
+                      <a:prstDash val="solid"/>
+                      <a:round/>
+                      <a:headEnd type="none" w="med" len="med"/>
+                      <a:tailEnd type="none" w="med" len="med"/>
                     </a:lnR>
-                    <a:lnT w="12700" cap="flat" cmpd="sng" algn="ctr">
+                    <a:lnT w="6350" cap="flat" cmpd="sng" algn="ctr">
                       <a:solidFill>
                         <a:srgbClr val="000000"/>
                       </a:solidFill>
@@ -7085,7 +7251,7 @@
                       <a:headEnd type="none" w="med" len="med"/>
                       <a:tailEnd type="none" w="med" len="med"/>
                     </a:lnT>
-                    <a:lnB w="12700" cap="flat" cmpd="sng" algn="ctr">
+                    <a:lnB w="6350" cap="flat" cmpd="sng" algn="ctr">
                       <a:solidFill>
                         <a:srgbClr val="000000"/>
                       </a:solidFill>
@@ -7098,43 +7264,41 @@
                 </a:tc>
                 <a:extLst>
                   <a:ext uri="{0D108BD9-81ED-4DB2-BD59-A6C34878D82A}">
-                    <a16:rowId xmlns:a16="http://schemas.microsoft.com/office/drawing/2014/main" val="2449792533"/>
+                    <a16:rowId xmlns:a16="http://schemas.microsoft.com/office/drawing/2014/main" val="2726071548"/>
                   </a:ext>
                 </a:extLst>
               </a:tr>
-              <a:tr h="342422">
+              <a:tr h="379271">
                 <a:tc>
                   <a:txBody>
                     <a:bodyPr/>
                     <a:lstStyle/>
                     <a:p>
-                      <a:pPr algn="ctr">
-                        <a:spcAft>
-                          <a:spcPts val="0"/>
-                        </a:spcAft>
-                      </a:pPr>
+                      <a:pPr algn="r" fontAlgn="b"/>
                       <a:r>
-                        <a:rPr lang="en-US" sz="1400" kern="100">
+                        <a:rPr lang="en-US" altLang="ja-JP" sz="1100" b="0" i="0" u="none" strike="noStrike">
+                          <a:solidFill>
+                            <a:srgbClr val="000000"/>
+                          </a:solidFill>
                           <a:effectLst/>
-                          <a:latin typeface="Century" panose="02040604050505020304" pitchFamily="18" charset="0"/>
-                          <a:ea typeface="ＭＳ 明朝" panose="02020609040205080304" pitchFamily="17" charset="-128"/>
-                          <a:cs typeface="Times New Roman" panose="02020603050405020304" pitchFamily="18" charset="0"/>
+                          <a:latin typeface="游ゴシック" panose="020B0400000000000000" pitchFamily="50" charset="-128"/>
+                          <a:ea typeface="游ゴシック" panose="020B0400000000000000" pitchFamily="50" charset="-128"/>
                         </a:rPr>
                         <a:t>100%</a:t>
                       </a:r>
-                      <a:endParaRPr lang="ja-JP" sz="1400" kern="100">
-                        <a:effectLst/>
-                        <a:latin typeface="Century" panose="02040604050505020304" pitchFamily="18" charset="0"/>
-                        <a:ea typeface="ＭＳ 明朝" panose="02020609040205080304" pitchFamily="17" charset="-128"/>
-                        <a:cs typeface="Times New Roman" panose="02020603050405020304" pitchFamily="18" charset="0"/>
-                      </a:endParaRPr>
                     </a:p>
                   </a:txBody>
-                  <a:tcPr marL="51435" marR="51435" marT="0" marB="0">
-                    <a:lnL>
-                      <a:noFill/>
+                  <a:tcPr marL="6350" marR="6350" marT="6350" marB="0" anchor="b">
+                    <a:lnL w="12700" cap="flat" cmpd="sng" algn="ctr">
+                      <a:solidFill>
+                        <a:srgbClr val="000000"/>
+                      </a:solidFill>
+                      <a:prstDash val="solid"/>
+                      <a:round/>
+                      <a:headEnd type="none" w="med" len="med"/>
+                      <a:tailEnd type="none" w="med" len="med"/>
                     </a:lnL>
-                    <a:lnR w="12700" cap="flat" cmpd="sng" algn="ctr">
+                    <a:lnR w="6350" cap="flat" cmpd="sng" algn="ctr">
                       <a:solidFill>
                         <a:srgbClr val="000000"/>
                       </a:solidFill>
@@ -7143,7 +7307,7 @@
                       <a:headEnd type="none" w="med" len="med"/>
                       <a:tailEnd type="none" w="med" len="med"/>
                     </a:lnR>
-                    <a:lnT w="12700" cap="flat" cmpd="sng" algn="ctr">
+                    <a:lnT w="6350" cap="flat" cmpd="sng" algn="ctr">
                       <a:solidFill>
                         <a:srgbClr val="000000"/>
                       </a:solidFill>
@@ -7168,30 +7332,22 @@
                     <a:bodyPr/>
                     <a:lstStyle/>
                     <a:p>
-                      <a:pPr algn="ctr">
-                        <a:spcAft>
-                          <a:spcPts val="0"/>
-                        </a:spcAft>
-                      </a:pPr>
+                      <a:pPr algn="r" fontAlgn="b"/>
                       <a:r>
-                        <a:rPr lang="en-US" sz="1400" kern="100">
+                        <a:rPr lang="en-US" altLang="ja-JP" sz="1100" b="0" i="0" u="none" strike="noStrike">
+                          <a:solidFill>
+                            <a:srgbClr val="000000"/>
+                          </a:solidFill>
                           <a:effectLst/>
-                          <a:latin typeface="Century" panose="02040604050505020304" pitchFamily="18" charset="0"/>
-                          <a:ea typeface="ＭＳ 明朝" panose="02020609040205080304" pitchFamily="17" charset="-128"/>
-                          <a:cs typeface="Times New Roman" panose="02020603050405020304" pitchFamily="18" charset="0"/>
+                          <a:latin typeface="游ゴシック" panose="020B0400000000000000" pitchFamily="50" charset="-128"/>
+                          <a:ea typeface="游ゴシック" panose="020B0400000000000000" pitchFamily="50" charset="-128"/>
                         </a:rPr>
                         <a:t>100%</a:t>
                       </a:r>
-                      <a:endParaRPr lang="ja-JP" sz="1400" kern="100">
-                        <a:effectLst/>
-                        <a:latin typeface="Century" panose="02040604050505020304" pitchFamily="18" charset="0"/>
-                        <a:ea typeface="ＭＳ 明朝" panose="02020609040205080304" pitchFamily="17" charset="-128"/>
-                        <a:cs typeface="Times New Roman" panose="02020603050405020304" pitchFamily="18" charset="0"/>
-                      </a:endParaRPr>
                     </a:p>
                   </a:txBody>
-                  <a:tcPr marL="51435" marR="51435" marT="0" marB="0">
-                    <a:lnL w="12700" cap="flat" cmpd="sng" algn="ctr">
+                  <a:tcPr marL="6350" marR="6350" marT="6350" marB="0" anchor="b">
+                    <a:lnL w="6350" cap="flat" cmpd="sng" algn="ctr">
                       <a:solidFill>
                         <a:srgbClr val="000000"/>
                       </a:solidFill>
@@ -7200,7 +7356,7 @@
                       <a:headEnd type="none" w="med" len="med"/>
                       <a:tailEnd type="none" w="med" len="med"/>
                     </a:lnL>
-                    <a:lnR w="12700" cap="flat" cmpd="sng" algn="ctr">
+                    <a:lnR w="6350" cap="flat" cmpd="sng" algn="ctr">
                       <a:solidFill>
                         <a:srgbClr val="000000"/>
                       </a:solidFill>
@@ -7209,7 +7365,7 @@
                       <a:headEnd type="none" w="med" len="med"/>
                       <a:tailEnd type="none" w="med" len="med"/>
                     </a:lnR>
-                    <a:lnT w="12700" cap="flat" cmpd="sng" algn="ctr">
+                    <a:lnT w="6350" cap="flat" cmpd="sng" algn="ctr">
                       <a:solidFill>
                         <a:srgbClr val="000000"/>
                       </a:solidFill>
@@ -7234,30 +7390,22 @@
                     <a:bodyPr/>
                     <a:lstStyle/>
                     <a:p>
-                      <a:pPr algn="ctr">
-                        <a:spcAft>
-                          <a:spcPts val="0"/>
-                        </a:spcAft>
-                      </a:pPr>
+                      <a:pPr algn="r" fontAlgn="b"/>
                       <a:r>
-                        <a:rPr lang="en-US" sz="1400" kern="100">
+                        <a:rPr lang="en-US" altLang="ja-JP" sz="1100" b="0" i="0" u="none" strike="noStrike">
+                          <a:solidFill>
+                            <a:srgbClr val="000000"/>
+                          </a:solidFill>
                           <a:effectLst/>
-                          <a:latin typeface="Century" panose="02040604050505020304" pitchFamily="18" charset="0"/>
-                          <a:ea typeface="ＭＳ 明朝" panose="02020609040205080304" pitchFamily="17" charset="-128"/>
-                          <a:cs typeface="Times New Roman" panose="02020603050405020304" pitchFamily="18" charset="0"/>
+                          <a:latin typeface="游ゴシック" panose="020B0400000000000000" pitchFamily="50" charset="-128"/>
+                          <a:ea typeface="游ゴシック" panose="020B0400000000000000" pitchFamily="50" charset="-128"/>
                         </a:rPr>
-                        <a:t>75%</a:t>
+                        <a:t>78%</a:t>
                       </a:r>
-                      <a:endParaRPr lang="ja-JP" sz="1400" kern="100">
-                        <a:effectLst/>
-                        <a:latin typeface="Century" panose="02040604050505020304" pitchFamily="18" charset="0"/>
-                        <a:ea typeface="ＭＳ 明朝" panose="02020609040205080304" pitchFamily="17" charset="-128"/>
-                        <a:cs typeface="Times New Roman" panose="02020603050405020304" pitchFamily="18" charset="0"/>
-                      </a:endParaRPr>
                     </a:p>
                   </a:txBody>
-                  <a:tcPr marL="51435" marR="51435" marT="0" marB="0">
-                    <a:lnL w="12700" cap="flat" cmpd="sng" algn="ctr">
+                  <a:tcPr marL="6350" marR="6350" marT="6350" marB="0" anchor="b">
+                    <a:lnL w="6350" cap="flat" cmpd="sng" algn="ctr">
                       <a:solidFill>
                         <a:srgbClr val="000000"/>
                       </a:solidFill>
@@ -7266,7 +7414,7 @@
                       <a:headEnd type="none" w="med" len="med"/>
                       <a:tailEnd type="none" w="med" len="med"/>
                     </a:lnL>
-                    <a:lnR w="12700" cap="flat" cmpd="sng" algn="ctr">
+                    <a:lnR w="6350" cap="flat" cmpd="sng" algn="ctr">
                       <a:solidFill>
                         <a:srgbClr val="000000"/>
                       </a:solidFill>
@@ -7275,7 +7423,7 @@
                       <a:headEnd type="none" w="med" len="med"/>
                       <a:tailEnd type="none" w="med" len="med"/>
                     </a:lnR>
-                    <a:lnT w="12700" cap="flat" cmpd="sng" algn="ctr">
+                    <a:lnT w="6350" cap="flat" cmpd="sng" algn="ctr">
                       <a:solidFill>
                         <a:srgbClr val="000000"/>
                       </a:solidFill>
@@ -7300,30 +7448,22 @@
                     <a:bodyPr/>
                     <a:lstStyle/>
                     <a:p>
-                      <a:pPr algn="ctr">
-                        <a:spcAft>
-                          <a:spcPts val="0"/>
-                        </a:spcAft>
-                      </a:pPr>
+                      <a:pPr algn="r" fontAlgn="b"/>
                       <a:r>
-                        <a:rPr lang="en-US" sz="1400" kern="100" dirty="0">
+                        <a:rPr lang="en-US" altLang="ja-JP" sz="1100" b="0" i="0" u="none" strike="noStrike">
+                          <a:solidFill>
+                            <a:srgbClr val="000000"/>
+                          </a:solidFill>
                           <a:effectLst/>
-                          <a:latin typeface="Century" panose="02040604050505020304" pitchFamily="18" charset="0"/>
-                          <a:ea typeface="ＭＳ 明朝" panose="02020609040205080304" pitchFamily="17" charset="-128"/>
-                          <a:cs typeface="Times New Roman" panose="02020603050405020304" pitchFamily="18" charset="0"/>
+                          <a:latin typeface="游ゴシック" panose="020B0400000000000000" pitchFamily="50" charset="-128"/>
+                          <a:ea typeface="游ゴシック" panose="020B0400000000000000" pitchFamily="50" charset="-128"/>
                         </a:rPr>
-                        <a:t>0.579379</a:t>
+                        <a:t>0.805877</a:t>
                       </a:r>
-                      <a:endParaRPr lang="ja-JP" sz="1400" kern="100" dirty="0">
-                        <a:effectLst/>
-                        <a:latin typeface="Century" panose="02040604050505020304" pitchFamily="18" charset="0"/>
-                        <a:ea typeface="ＭＳ 明朝" panose="02020609040205080304" pitchFamily="17" charset="-128"/>
-                        <a:cs typeface="Times New Roman" panose="02020603050405020304" pitchFamily="18" charset="0"/>
-                      </a:endParaRPr>
                     </a:p>
                   </a:txBody>
-                  <a:tcPr marL="51435" marR="51435" marT="0" marB="0">
-                    <a:lnL w="12700" cap="flat" cmpd="sng" algn="ctr">
+                  <a:tcPr marL="6350" marR="6350" marT="6350" marB="0" anchor="b">
+                    <a:lnL w="6350" cap="flat" cmpd="sng" algn="ctr">
                       <a:solidFill>
                         <a:srgbClr val="000000"/>
                       </a:solidFill>
@@ -7332,7 +7472,7 @@
                       <a:headEnd type="none" w="med" len="med"/>
                       <a:tailEnd type="none" w="med" len="med"/>
                     </a:lnL>
-                    <a:lnR w="12700" cap="flat" cmpd="sng" algn="ctr">
+                    <a:lnR w="6350" cap="flat" cmpd="sng" algn="ctr">
                       <a:solidFill>
                         <a:srgbClr val="000000"/>
                       </a:solidFill>
@@ -7341,7 +7481,7 @@
                       <a:headEnd type="none" w="med" len="med"/>
                       <a:tailEnd type="none" w="med" len="med"/>
                     </a:lnR>
-                    <a:lnT w="12700" cap="flat" cmpd="sng" algn="ctr">
+                    <a:lnT w="6350" cap="flat" cmpd="sng" algn="ctr">
                       <a:solidFill>
                         <a:srgbClr val="000000"/>
                       </a:solidFill>
@@ -7366,30 +7506,22 @@
                     <a:bodyPr/>
                     <a:lstStyle/>
                     <a:p>
-                      <a:pPr algn="ctr">
-                        <a:spcAft>
-                          <a:spcPts val="0"/>
-                        </a:spcAft>
-                      </a:pPr>
+                      <a:pPr algn="r" fontAlgn="b"/>
                       <a:r>
-                        <a:rPr lang="en-US" sz="1400" kern="100" dirty="0">
+                        <a:rPr lang="en-US" altLang="ja-JP" sz="1100" b="0" i="0" u="none" strike="noStrike" dirty="0">
+                          <a:solidFill>
+                            <a:srgbClr val="000000"/>
+                          </a:solidFill>
                           <a:effectLst/>
-                          <a:latin typeface="Century" panose="02040604050505020304" pitchFamily="18" charset="0"/>
-                          <a:ea typeface="ＭＳ 明朝" panose="02020609040205080304" pitchFamily="17" charset="-128"/>
-                          <a:cs typeface="Times New Roman" panose="02020603050405020304" pitchFamily="18" charset="0"/>
+                          <a:latin typeface="游ゴシック" panose="020B0400000000000000" pitchFamily="50" charset="-128"/>
+                          <a:ea typeface="游ゴシック" panose="020B0400000000000000" pitchFamily="50" charset="-128"/>
                         </a:rPr>
-                        <a:t>88%</a:t>
+                        <a:t>89%</a:t>
                       </a:r>
-                      <a:endParaRPr lang="ja-JP" sz="1400" kern="100" dirty="0">
-                        <a:effectLst/>
-                        <a:latin typeface="Century" panose="02040604050505020304" pitchFamily="18" charset="0"/>
-                        <a:ea typeface="ＭＳ 明朝" panose="02020609040205080304" pitchFamily="17" charset="-128"/>
-                        <a:cs typeface="Times New Roman" panose="02020603050405020304" pitchFamily="18" charset="0"/>
-                      </a:endParaRPr>
                     </a:p>
                   </a:txBody>
-                  <a:tcPr marL="51435" marR="51435" marT="0" marB="0">
-                    <a:lnL w="12700" cap="flat" cmpd="sng" algn="ctr">
+                  <a:tcPr marL="6350" marR="6350" marT="6350" marB="0" anchor="b">
+                    <a:lnL w="6350" cap="flat" cmpd="sng" algn="ctr">
                       <a:solidFill>
                         <a:srgbClr val="000000"/>
                       </a:solidFill>
@@ -7398,10 +7530,16 @@
                       <a:headEnd type="none" w="med" len="med"/>
                       <a:tailEnd type="none" w="med" len="med"/>
                     </a:lnL>
-                    <a:lnR>
-                      <a:noFill/>
+                    <a:lnR w="12700" cap="flat" cmpd="sng" algn="ctr">
+                      <a:solidFill>
+                        <a:srgbClr val="000000"/>
+                      </a:solidFill>
+                      <a:prstDash val="solid"/>
+                      <a:round/>
+                      <a:headEnd type="none" w="med" len="med"/>
+                      <a:tailEnd type="none" w="med" len="med"/>
                     </a:lnR>
-                    <a:lnT w="12700" cap="flat" cmpd="sng" algn="ctr">
+                    <a:lnT w="6350" cap="flat" cmpd="sng" algn="ctr">
                       <a:solidFill>
                         <a:srgbClr val="000000"/>
                       </a:solidFill>
@@ -7423,7 +7561,7 @@
                 </a:tc>
                 <a:extLst>
                   <a:ext uri="{0D108BD9-81ED-4DB2-BD59-A6C34878D82A}">
-                    <a16:rowId xmlns:a16="http://schemas.microsoft.com/office/drawing/2014/main" val="1644159956"/>
+                    <a16:rowId xmlns:a16="http://schemas.microsoft.com/office/drawing/2014/main" val="3776610217"/>
                   </a:ext>
                 </a:extLst>
               </a:tr>
@@ -7433,90 +7571,94 @@
       </p:graphicFrame>
       <p:graphicFrame>
         <p:nvGraphicFramePr>
-          <p:cNvPr id="12" name="表 11"/>
+          <p:cNvPr id="7" name="表 6"/>
           <p:cNvGraphicFramePr>
             <a:graphicFrameLocks noGrp="1"/>
           </p:cNvGraphicFramePr>
           <p:nvPr>
             <p:extLst>
               <p:ext uri="{D42A27DB-BD31-4B8C-83A1-F6EECF244321}">
-                <p14:modId xmlns:p14="http://schemas.microsoft.com/office/powerpoint/2010/main" val="776333636"/>
+                <p14:modId xmlns:p14="http://schemas.microsoft.com/office/powerpoint/2010/main" val="2491591879"/>
               </p:ext>
             </p:extLst>
           </p:nvPr>
         </p:nvGraphicFramePr>
         <p:xfrm>
-          <a:off x="4923892" y="2683484"/>
-          <a:ext cx="4109800" cy="1117314"/>
+          <a:off x="4695313" y="2690255"/>
+          <a:ext cx="4165465" cy="1110541"/>
         </p:xfrm>
         <a:graphic>
           <a:graphicData uri="http://schemas.openxmlformats.org/drawingml/2006/table">
             <a:tbl>
-              <a:tblPr firstRow="1" firstCol="1" bandRow="1"/>
+              <a:tblPr/>
               <a:tblGrid>
-                <a:gridCol w="821960">
+                <a:gridCol w="638705">
                   <a:extLst>
                     <a:ext uri="{9D8B030D-6E8A-4147-A177-3AD203B41FA5}">
-                      <a16:colId xmlns:a16="http://schemas.microsoft.com/office/drawing/2014/main" val="841484884"/>
+                      <a16:colId xmlns:a16="http://schemas.microsoft.com/office/drawing/2014/main" val="3548210422"/>
                     </a:ext>
                   </a:extLst>
                 </a:gridCol>
-                <a:gridCol w="821960">
+                <a:gridCol w="638705">
                   <a:extLst>
                     <a:ext uri="{9D8B030D-6E8A-4147-A177-3AD203B41FA5}">
-                      <a16:colId xmlns:a16="http://schemas.microsoft.com/office/drawing/2014/main" val="1872869586"/>
+                      <a16:colId xmlns:a16="http://schemas.microsoft.com/office/drawing/2014/main" val="2788822158"/>
                     </a:ext>
                   </a:extLst>
                 </a:gridCol>
-                <a:gridCol w="739296">
+                <a:gridCol w="962685">
                   <a:extLst>
                     <a:ext uri="{9D8B030D-6E8A-4147-A177-3AD203B41FA5}">
-                      <a16:colId xmlns:a16="http://schemas.microsoft.com/office/drawing/2014/main" val="2335427549"/>
+                      <a16:colId xmlns:a16="http://schemas.microsoft.com/office/drawing/2014/main" val="3723587526"/>
                     </a:ext>
                   </a:extLst>
                 </a:gridCol>
-                <a:gridCol w="904624">
+                <a:gridCol w="962685">
                   <a:extLst>
                     <a:ext uri="{9D8B030D-6E8A-4147-A177-3AD203B41FA5}">
-                      <a16:colId xmlns:a16="http://schemas.microsoft.com/office/drawing/2014/main" val="3136112387"/>
+                      <a16:colId xmlns:a16="http://schemas.microsoft.com/office/drawing/2014/main" val="3924183490"/>
                     </a:ext>
                   </a:extLst>
                 </a:gridCol>
-                <a:gridCol w="821960">
+                <a:gridCol w="962685">
                   <a:extLst>
                     <a:ext uri="{9D8B030D-6E8A-4147-A177-3AD203B41FA5}">
-                      <a16:colId xmlns:a16="http://schemas.microsoft.com/office/drawing/2014/main" val="92820314"/>
+                      <a16:colId xmlns:a16="http://schemas.microsoft.com/office/drawing/2014/main" val="2416309845"/>
                     </a:ext>
                   </a:extLst>
                 </a:gridCol>
               </a:tblGrid>
-              <a:tr h="406663">
+              <a:tr h="366784">
                 <a:tc gridSpan="2">
                   <a:txBody>
                     <a:bodyPr/>
                     <a:lstStyle/>
                     <a:p>
-                      <a:pPr algn="ctr">
-                        <a:spcAft>
-                          <a:spcPts val="0"/>
-                        </a:spcAft>
-                      </a:pPr>
+                      <a:pPr algn="ctr" fontAlgn="ctr"/>
                       <a:r>
-                        <a:rPr lang="ja-JP" sz="1400" kern="100" dirty="0">
+                        <a:rPr lang="ja-JP" altLang="en-US" sz="1100" b="0" i="0" u="none" strike="noStrike">
+                          <a:solidFill>
+                            <a:srgbClr val="000000"/>
+                          </a:solidFill>
                           <a:effectLst/>
-                          <a:latin typeface="Century" panose="02040604050505020304" pitchFamily="18" charset="0"/>
-                          <a:ea typeface="ＭＳ 明朝" panose="02020609040205080304" pitchFamily="17" charset="-128"/>
-                          <a:cs typeface="Times New Roman" panose="02020603050405020304" pitchFamily="18" charset="0"/>
+                          <a:latin typeface="游ゴシック" panose="020B0400000000000000" pitchFamily="50" charset="-128"/>
+                          <a:ea typeface="游ゴシック" panose="020B0400000000000000" pitchFamily="50" charset="-128"/>
                         </a:rPr>
                         <a:t>難易度</a:t>
                       </a:r>
                     </a:p>
                   </a:txBody>
-                  <a:tcPr marL="51435" marR="51435" marT="0" marB="0">
-                    <a:lnL>
-                      <a:noFill/>
+                  <a:tcPr marL="6350" marR="6350" marT="6350" marB="0" anchor="ctr">
+                    <a:lnL w="12700" cap="flat" cmpd="sng" algn="ctr">
+                      <a:solidFill>
+                        <a:srgbClr val="000000"/>
+                      </a:solidFill>
+                      <a:prstDash val="solid"/>
+                      <a:round/>
+                      <a:headEnd type="none" w="med" len="med"/>
+                      <a:tailEnd type="none" w="med" len="med"/>
                     </a:lnL>
-                    <a:lnR w="12700" cap="flat" cmpd="sng" algn="ctr">
+                    <a:lnR w="6350" cap="flat" cmpd="sng" algn="ctr">
                       <a:solidFill>
                         <a:srgbClr val="000000"/>
                       </a:solidFill>
@@ -7534,7 +7676,7 @@
                       <a:headEnd type="none" w="med" len="med"/>
                       <a:tailEnd type="none" w="med" len="med"/>
                     </a:lnT>
-                    <a:lnB w="12700" cap="flat" cmpd="sng" algn="ctr">
+                    <a:lnB w="6350" cap="flat" cmpd="sng" algn="ctr">
                       <a:solidFill>
                         <a:srgbClr val="000000"/>
                       </a:solidFill>
@@ -7560,24 +7702,22 @@
                     <a:bodyPr/>
                     <a:lstStyle/>
                     <a:p>
-                      <a:pPr algn="ctr">
-                        <a:spcAft>
-                          <a:spcPts val="0"/>
-                        </a:spcAft>
-                      </a:pPr>
+                      <a:pPr algn="l" fontAlgn="ctr"/>
                       <a:r>
-                        <a:rPr lang="ja-JP" sz="1400" kern="100">
+                        <a:rPr lang="ja-JP" altLang="en-US" sz="1100" b="0" i="0" u="none" strike="noStrike">
+                          <a:solidFill>
+                            <a:srgbClr val="000000"/>
+                          </a:solidFill>
                           <a:effectLst/>
-                          <a:latin typeface="Century" panose="02040604050505020304" pitchFamily="18" charset="0"/>
-                          <a:ea typeface="ＭＳ 明朝" panose="02020609040205080304" pitchFamily="17" charset="-128"/>
-                          <a:cs typeface="Times New Roman" panose="02020603050405020304" pitchFamily="18" charset="0"/>
+                          <a:latin typeface="游ゴシック" panose="020B0400000000000000" pitchFamily="50" charset="-128"/>
+                          <a:ea typeface="游ゴシック" panose="020B0400000000000000" pitchFamily="50" charset="-128"/>
                         </a:rPr>
                         <a:t>簡単</a:t>
                       </a:r>
                     </a:p>
                   </a:txBody>
-                  <a:tcPr marL="51435" marR="51435" marT="0" marB="0">
-                    <a:lnL w="12700" cap="flat" cmpd="sng" algn="ctr">
+                  <a:tcPr marL="6350" marR="6350" marT="6350" marB="0" anchor="ctr">
+                    <a:lnL w="6350" cap="flat" cmpd="sng" algn="ctr">
                       <a:solidFill>
                         <a:srgbClr val="000000"/>
                       </a:solidFill>
@@ -7586,7 +7726,7 @@
                       <a:headEnd type="none" w="med" len="med"/>
                       <a:tailEnd type="none" w="med" len="med"/>
                     </a:lnL>
-                    <a:lnR w="12700" cap="flat" cmpd="sng" algn="ctr">
+                    <a:lnR w="6350" cap="flat" cmpd="sng" algn="ctr">
                       <a:solidFill>
                         <a:srgbClr val="000000"/>
                       </a:solidFill>
@@ -7604,7 +7744,7 @@
                       <a:headEnd type="none" w="med" len="med"/>
                       <a:tailEnd type="none" w="med" len="med"/>
                     </a:lnT>
-                    <a:lnB w="12700" cap="flat" cmpd="sng" algn="ctr">
+                    <a:lnB w="6350" cap="flat" cmpd="sng" algn="ctr">
                       <a:solidFill>
                         <a:srgbClr val="000000"/>
                       </a:solidFill>
@@ -7620,24 +7760,22 @@
                     <a:bodyPr/>
                     <a:lstStyle/>
                     <a:p>
-                      <a:pPr algn="ctr">
-                        <a:spcAft>
-                          <a:spcPts val="0"/>
-                        </a:spcAft>
-                      </a:pPr>
+                      <a:pPr algn="ctr" fontAlgn="ctr"/>
                       <a:r>
-                        <a:rPr lang="ja-JP" sz="1400" kern="100" dirty="0">
+                        <a:rPr lang="ja-JP" altLang="en-US" sz="1100" b="0" i="0" u="none" strike="noStrike">
+                          <a:solidFill>
+                            <a:srgbClr val="000000"/>
+                          </a:solidFill>
                           <a:effectLst/>
-                          <a:latin typeface="Century" panose="02040604050505020304" pitchFamily="18" charset="0"/>
-                          <a:ea typeface="ＭＳ 明朝" panose="02020609040205080304" pitchFamily="17" charset="-128"/>
-                          <a:cs typeface="Times New Roman" panose="02020603050405020304" pitchFamily="18" charset="0"/>
+                          <a:latin typeface="游ゴシック" panose="020B0400000000000000" pitchFamily="50" charset="-128"/>
+                          <a:ea typeface="游ゴシック" panose="020B0400000000000000" pitchFamily="50" charset="-128"/>
                         </a:rPr>
                         <a:t>問題数</a:t>
                       </a:r>
                     </a:p>
                   </a:txBody>
-                  <a:tcPr marL="51435" marR="51435" marT="0" marB="0">
-                    <a:lnL w="12700" cap="flat" cmpd="sng" algn="ctr">
+                  <a:tcPr marL="6350" marR="6350" marT="6350" marB="0" anchor="ctr">
+                    <a:lnL w="6350" cap="flat" cmpd="sng" algn="ctr">
                       <a:solidFill>
                         <a:srgbClr val="000000"/>
                       </a:solidFill>
@@ -7646,7 +7784,7 @@
                       <a:headEnd type="none" w="med" len="med"/>
                       <a:tailEnd type="none" w="med" len="med"/>
                     </a:lnL>
-                    <a:lnR w="12700" cap="flat" cmpd="sng" algn="ctr">
+                    <a:lnR w="6350" cap="flat" cmpd="sng" algn="ctr">
                       <a:solidFill>
                         <a:srgbClr val="000000"/>
                       </a:solidFill>
@@ -7664,7 +7802,7 @@
                       <a:headEnd type="none" w="med" len="med"/>
                       <a:tailEnd type="none" w="med" len="med"/>
                     </a:lnT>
-                    <a:lnB w="12700" cap="flat" cmpd="sng" algn="ctr">
+                    <a:lnB w="6350" cap="flat" cmpd="sng" algn="ctr">
                       <a:solidFill>
                         <a:srgbClr val="000000"/>
                       </a:solidFill>
@@ -7680,30 +7818,22 @@
                     <a:bodyPr/>
                     <a:lstStyle/>
                     <a:p>
-                      <a:pPr algn="ctr">
-                        <a:spcAft>
-                          <a:spcPts val="0"/>
-                        </a:spcAft>
-                      </a:pPr>
+                      <a:pPr algn="r" fontAlgn="ctr"/>
                       <a:r>
-                        <a:rPr lang="en-US" sz="1400" kern="100">
+                        <a:rPr lang="en-US" altLang="ja-JP" sz="1100" b="0" i="0" u="none" strike="noStrike">
+                          <a:solidFill>
+                            <a:srgbClr val="000000"/>
+                          </a:solidFill>
                           <a:effectLst/>
-                          <a:latin typeface="Century" panose="02040604050505020304" pitchFamily="18" charset="0"/>
-                          <a:ea typeface="ＭＳ 明朝" panose="02020609040205080304" pitchFamily="17" charset="-128"/>
-                          <a:cs typeface="Times New Roman" panose="02020603050405020304" pitchFamily="18" charset="0"/>
+                          <a:latin typeface="游ゴシック" panose="020B0400000000000000" pitchFamily="50" charset="-128"/>
+                          <a:ea typeface="游ゴシック" panose="020B0400000000000000" pitchFamily="50" charset="-128"/>
                         </a:rPr>
-                        <a:t>15</a:t>
+                        <a:t>89</a:t>
                       </a:r>
-                      <a:endParaRPr lang="ja-JP" sz="1400" kern="100">
-                        <a:effectLst/>
-                        <a:latin typeface="Century" panose="02040604050505020304" pitchFamily="18" charset="0"/>
-                        <a:ea typeface="ＭＳ 明朝" panose="02020609040205080304" pitchFamily="17" charset="-128"/>
-                        <a:cs typeface="Times New Roman" panose="02020603050405020304" pitchFamily="18" charset="0"/>
-                      </a:endParaRPr>
                     </a:p>
                   </a:txBody>
-                  <a:tcPr marL="51435" marR="51435" marT="0" marB="0">
-                    <a:lnL w="12700" cap="flat" cmpd="sng" algn="ctr">
+                  <a:tcPr marL="6350" marR="6350" marT="6350" marB="0" anchor="ctr">
+                    <a:lnL w="6350" cap="flat" cmpd="sng" algn="ctr">
                       <a:solidFill>
                         <a:srgbClr val="000000"/>
                       </a:solidFill>
@@ -7712,8 +7842,14 @@
                       <a:headEnd type="none" w="med" len="med"/>
                       <a:tailEnd type="none" w="med" len="med"/>
                     </a:lnL>
-                    <a:lnR>
-                      <a:noFill/>
+                    <a:lnR w="12700" cap="flat" cmpd="sng" algn="ctr">
+                      <a:solidFill>
+                        <a:srgbClr val="000000"/>
+                      </a:solidFill>
+                      <a:prstDash val="solid"/>
+                      <a:round/>
+                      <a:headEnd type="none" w="med" len="med"/>
+                      <a:tailEnd type="none" w="med" len="med"/>
                     </a:lnR>
                     <a:lnT w="12700" cap="flat" cmpd="sng" algn="ctr">
                       <a:solidFill>
@@ -7724,7 +7860,7 @@
                       <a:headEnd type="none" w="med" len="med"/>
                       <a:tailEnd type="none" w="med" len="med"/>
                     </a:lnT>
-                    <a:lnB w="12700" cap="flat" cmpd="sng" algn="ctr">
+                    <a:lnB w="6350" cap="flat" cmpd="sng" algn="ctr">
                       <a:solidFill>
                         <a:srgbClr val="000000"/>
                       </a:solidFill>
@@ -7737,37 +7873,41 @@
                 </a:tc>
                 <a:extLst>
                   <a:ext uri="{0D108BD9-81ED-4DB2-BD59-A6C34878D82A}">
-                    <a16:rowId xmlns:a16="http://schemas.microsoft.com/office/drawing/2014/main" val="649056068"/>
+                    <a16:rowId xmlns:a16="http://schemas.microsoft.com/office/drawing/2014/main" val="4206817992"/>
                   </a:ext>
                 </a:extLst>
               </a:tr>
-              <a:tr h="374061">
+              <a:tr h="366784">
                 <a:tc>
                   <a:txBody>
                     <a:bodyPr/>
                     <a:lstStyle/>
                     <a:p>
-                      <a:pPr algn="ctr">
-                        <a:spcAft>
-                          <a:spcPts val="0"/>
-                        </a:spcAft>
-                      </a:pPr>
+                      <a:pPr algn="ctr" fontAlgn="ctr"/>
                       <a:r>
-                        <a:rPr lang="ja-JP" sz="1400" kern="100" dirty="0">
+                        <a:rPr lang="ja-JP" altLang="en-US" sz="1100" b="0" i="0" u="none" strike="noStrike">
+                          <a:solidFill>
+                            <a:srgbClr val="000000"/>
+                          </a:solidFill>
                           <a:effectLst/>
-                          <a:latin typeface="Century" panose="02040604050505020304" pitchFamily="18" charset="0"/>
-                          <a:ea typeface="ＭＳ 明朝" panose="02020609040205080304" pitchFamily="17" charset="-128"/>
-                          <a:cs typeface="Times New Roman" panose="02020603050405020304" pitchFamily="18" charset="0"/>
+                          <a:latin typeface="游ゴシック" panose="020B0400000000000000" pitchFamily="50" charset="-128"/>
+                          <a:ea typeface="游ゴシック" panose="020B0400000000000000" pitchFamily="50" charset="-128"/>
                         </a:rPr>
                         <a:t>基準１</a:t>
                       </a:r>
                     </a:p>
                   </a:txBody>
-                  <a:tcPr marL="51435" marR="51435" marT="0" marB="0">
-                    <a:lnL>
-                      <a:noFill/>
+                  <a:tcPr marL="6350" marR="6350" marT="6350" marB="0" anchor="ctr">
+                    <a:lnL w="12700" cap="flat" cmpd="sng" algn="ctr">
+                      <a:solidFill>
+                        <a:srgbClr val="000000"/>
+                      </a:solidFill>
+                      <a:prstDash val="solid"/>
+                      <a:round/>
+                      <a:headEnd type="none" w="med" len="med"/>
+                      <a:tailEnd type="none" w="med" len="med"/>
                     </a:lnL>
-                    <a:lnR w="12700" cap="flat" cmpd="sng" algn="ctr">
+                    <a:lnR w="6350" cap="flat" cmpd="sng" algn="ctr">
                       <a:solidFill>
                         <a:srgbClr val="000000"/>
                       </a:solidFill>
@@ -7776,7 +7916,7 @@
                       <a:headEnd type="none" w="med" len="med"/>
                       <a:tailEnd type="none" w="med" len="med"/>
                     </a:lnR>
-                    <a:lnT w="12700" cap="flat" cmpd="sng" algn="ctr">
+                    <a:lnT w="6350" cap="flat" cmpd="sng" algn="ctr">
                       <a:solidFill>
                         <a:srgbClr val="000000"/>
                       </a:solidFill>
@@ -7785,7 +7925,7 @@
                       <a:headEnd type="none" w="med" len="med"/>
                       <a:tailEnd type="none" w="med" len="med"/>
                     </a:lnT>
-                    <a:lnB w="12700" cap="flat" cmpd="sng" algn="ctr">
+                    <a:lnB w="6350" cap="flat" cmpd="sng" algn="ctr">
                       <a:solidFill>
                         <a:srgbClr val="000000"/>
                       </a:solidFill>
@@ -7801,24 +7941,22 @@
                     <a:bodyPr/>
                     <a:lstStyle/>
                     <a:p>
-                      <a:pPr algn="ctr">
-                        <a:spcAft>
-                          <a:spcPts val="0"/>
-                        </a:spcAft>
-                      </a:pPr>
+                      <a:pPr algn="ctr" fontAlgn="ctr"/>
                       <a:r>
-                        <a:rPr lang="ja-JP" sz="1400" kern="100" dirty="0">
+                        <a:rPr lang="ja-JP" altLang="en-US" sz="1100" b="0" i="0" u="none" strike="noStrike">
+                          <a:solidFill>
+                            <a:srgbClr val="000000"/>
+                          </a:solidFill>
                           <a:effectLst/>
-                          <a:latin typeface="Century" panose="02040604050505020304" pitchFamily="18" charset="0"/>
-                          <a:ea typeface="ＭＳ 明朝" panose="02020609040205080304" pitchFamily="17" charset="-128"/>
-                          <a:cs typeface="Times New Roman" panose="02020603050405020304" pitchFamily="18" charset="0"/>
+                          <a:latin typeface="游ゴシック" panose="020B0400000000000000" pitchFamily="50" charset="-128"/>
+                          <a:ea typeface="游ゴシック" panose="020B0400000000000000" pitchFamily="50" charset="-128"/>
                         </a:rPr>
                         <a:t>基準２</a:t>
                       </a:r>
                     </a:p>
                   </a:txBody>
-                  <a:tcPr marL="51435" marR="51435" marT="0" marB="0">
-                    <a:lnL w="12700" cap="flat" cmpd="sng" algn="ctr">
+                  <a:tcPr marL="6350" marR="6350" marT="6350" marB="0" anchor="ctr">
+                    <a:lnL w="6350" cap="flat" cmpd="sng" algn="ctr">
                       <a:solidFill>
                         <a:srgbClr val="000000"/>
                       </a:solidFill>
@@ -7827,7 +7965,7 @@
                       <a:headEnd type="none" w="med" len="med"/>
                       <a:tailEnd type="none" w="med" len="med"/>
                     </a:lnL>
-                    <a:lnR w="12700" cap="flat" cmpd="sng" algn="ctr">
+                    <a:lnR w="6350" cap="flat" cmpd="sng" algn="ctr">
                       <a:solidFill>
                         <a:srgbClr val="000000"/>
                       </a:solidFill>
@@ -7836,7 +7974,7 @@
                       <a:headEnd type="none" w="med" len="med"/>
                       <a:tailEnd type="none" w="med" len="med"/>
                     </a:lnR>
-                    <a:lnT w="12700" cap="flat" cmpd="sng" algn="ctr">
+                    <a:lnT w="6350" cap="flat" cmpd="sng" algn="ctr">
                       <a:solidFill>
                         <a:srgbClr val="000000"/>
                       </a:solidFill>
@@ -7845,7 +7983,7 @@
                       <a:headEnd type="none" w="med" len="med"/>
                       <a:tailEnd type="none" w="med" len="med"/>
                     </a:lnT>
-                    <a:lnB w="12700" cap="flat" cmpd="sng" algn="ctr">
+                    <a:lnB w="6350" cap="flat" cmpd="sng" algn="ctr">
                       <a:solidFill>
                         <a:srgbClr val="000000"/>
                       </a:solidFill>
@@ -7861,24 +7999,22 @@
                     <a:bodyPr/>
                     <a:lstStyle/>
                     <a:p>
-                      <a:pPr algn="ctr">
-                        <a:spcAft>
-                          <a:spcPts val="0"/>
-                        </a:spcAft>
-                      </a:pPr>
+                      <a:pPr algn="ctr" fontAlgn="ctr"/>
                       <a:r>
-                        <a:rPr lang="ja-JP" sz="1400" kern="100">
+                        <a:rPr lang="ja-JP" altLang="en-US" sz="1100" b="0" i="0" u="none" strike="noStrike">
+                          <a:solidFill>
+                            <a:srgbClr val="000000"/>
+                          </a:solidFill>
                           <a:effectLst/>
-                          <a:latin typeface="Century" panose="02040604050505020304" pitchFamily="18" charset="0"/>
-                          <a:ea typeface="ＭＳ 明朝" panose="02020609040205080304" pitchFamily="17" charset="-128"/>
-                          <a:cs typeface="Times New Roman" panose="02020603050405020304" pitchFamily="18" charset="0"/>
+                          <a:latin typeface="游ゴシック" panose="020B0400000000000000" pitchFamily="50" charset="-128"/>
+                          <a:ea typeface="游ゴシック" panose="020B0400000000000000" pitchFamily="50" charset="-128"/>
                         </a:rPr>
                         <a:t>基準３</a:t>
                       </a:r>
                     </a:p>
                   </a:txBody>
-                  <a:tcPr marL="51435" marR="51435" marT="0" marB="0">
-                    <a:lnL w="12700" cap="flat" cmpd="sng" algn="ctr">
+                  <a:tcPr marL="6350" marR="6350" marT="6350" marB="0" anchor="ctr">
+                    <a:lnL w="6350" cap="flat" cmpd="sng" algn="ctr">
                       <a:solidFill>
                         <a:srgbClr val="000000"/>
                       </a:solidFill>
@@ -7887,7 +8023,7 @@
                       <a:headEnd type="none" w="med" len="med"/>
                       <a:tailEnd type="none" w="med" len="med"/>
                     </a:lnL>
-                    <a:lnR w="12700" cap="flat" cmpd="sng" algn="ctr">
+                    <a:lnR w="6350" cap="flat" cmpd="sng" algn="ctr">
                       <a:solidFill>
                         <a:srgbClr val="000000"/>
                       </a:solidFill>
@@ -7896,7 +8032,7 @@
                       <a:headEnd type="none" w="med" len="med"/>
                       <a:tailEnd type="none" w="med" len="med"/>
                     </a:lnR>
-                    <a:lnT w="12700" cap="flat" cmpd="sng" algn="ctr">
+                    <a:lnT w="6350" cap="flat" cmpd="sng" algn="ctr">
                       <a:solidFill>
                         <a:srgbClr val="000000"/>
                       </a:solidFill>
@@ -7905,7 +8041,7 @@
                       <a:headEnd type="none" w="med" len="med"/>
                       <a:tailEnd type="none" w="med" len="med"/>
                     </a:lnT>
-                    <a:lnB w="12700" cap="flat" cmpd="sng" algn="ctr">
+                    <a:lnB w="6350" cap="flat" cmpd="sng" algn="ctr">
                       <a:solidFill>
                         <a:srgbClr val="000000"/>
                       </a:solidFill>
@@ -7921,24 +8057,22 @@
                     <a:bodyPr/>
                     <a:lstStyle/>
                     <a:p>
-                      <a:pPr algn="ctr">
-                        <a:spcAft>
-                          <a:spcPts val="0"/>
-                        </a:spcAft>
-                      </a:pPr>
+                      <a:pPr algn="ctr" fontAlgn="b"/>
                       <a:r>
-                        <a:rPr lang="ja-JP" sz="1400" kern="100">
+                        <a:rPr lang="ja-JP" altLang="en-US" sz="1100" b="0" i="0" u="none" strike="noStrike">
+                          <a:solidFill>
+                            <a:srgbClr val="000000"/>
+                          </a:solidFill>
                           <a:effectLst/>
-                          <a:latin typeface="Century" panose="02040604050505020304" pitchFamily="18" charset="0"/>
-                          <a:ea typeface="ＭＳ 明朝" panose="02020609040205080304" pitchFamily="17" charset="-128"/>
-                          <a:cs typeface="Times New Roman" panose="02020603050405020304" pitchFamily="18" charset="0"/>
+                          <a:latin typeface="游ゴシック" panose="020B0400000000000000" pitchFamily="50" charset="-128"/>
+                          <a:ea typeface="游ゴシック" panose="020B0400000000000000" pitchFamily="50" charset="-128"/>
                         </a:rPr>
                         <a:t>基準４</a:t>
                       </a:r>
                     </a:p>
                   </a:txBody>
-                  <a:tcPr marL="51435" marR="51435" marT="0" marB="0">
-                    <a:lnL w="12700" cap="flat" cmpd="sng" algn="ctr">
+                  <a:tcPr marL="6350" marR="6350" marT="6350" marB="0" anchor="b">
+                    <a:lnL w="6350" cap="flat" cmpd="sng" algn="ctr">
                       <a:solidFill>
                         <a:srgbClr val="000000"/>
                       </a:solidFill>
@@ -7947,7 +8081,7 @@
                       <a:headEnd type="none" w="med" len="med"/>
                       <a:tailEnd type="none" w="med" len="med"/>
                     </a:lnL>
-                    <a:lnR w="12700" cap="flat" cmpd="sng" algn="ctr">
+                    <a:lnR w="6350" cap="flat" cmpd="sng" algn="ctr">
                       <a:solidFill>
                         <a:srgbClr val="000000"/>
                       </a:solidFill>
@@ -7956,7 +8090,7 @@
                       <a:headEnd type="none" w="med" len="med"/>
                       <a:tailEnd type="none" w="med" len="med"/>
                     </a:lnR>
-                    <a:lnT w="12700" cap="flat" cmpd="sng" algn="ctr">
+                    <a:lnT w="6350" cap="flat" cmpd="sng" algn="ctr">
                       <a:solidFill>
                         <a:srgbClr val="000000"/>
                       </a:solidFill>
@@ -7965,7 +8099,7 @@
                       <a:headEnd type="none" w="med" len="med"/>
                       <a:tailEnd type="none" w="med" len="med"/>
                     </a:lnT>
-                    <a:lnB w="12700" cap="flat" cmpd="sng" algn="ctr">
+                    <a:lnB w="6350" cap="flat" cmpd="sng" algn="ctr">
                       <a:solidFill>
                         <a:srgbClr val="000000"/>
                       </a:solidFill>
@@ -7981,24 +8115,22 @@
                     <a:bodyPr/>
                     <a:lstStyle/>
                     <a:p>
-                      <a:pPr algn="ctr">
-                        <a:spcAft>
-                          <a:spcPts val="0"/>
-                        </a:spcAft>
-                      </a:pPr>
+                      <a:pPr algn="ctr" fontAlgn="ctr"/>
                       <a:r>
-                        <a:rPr lang="ja-JP" sz="1400" kern="100">
+                        <a:rPr lang="ja-JP" altLang="en-US" sz="1100" b="0" i="0" u="none" strike="noStrike">
+                          <a:solidFill>
+                            <a:srgbClr val="000000"/>
+                          </a:solidFill>
                           <a:effectLst/>
-                          <a:latin typeface="Century" panose="02040604050505020304" pitchFamily="18" charset="0"/>
-                          <a:ea typeface="ＭＳ 明朝" panose="02020609040205080304" pitchFamily="17" charset="-128"/>
-                          <a:cs typeface="Times New Roman" panose="02020603050405020304" pitchFamily="18" charset="0"/>
+                          <a:latin typeface="游ゴシック" panose="020B0400000000000000" pitchFamily="50" charset="-128"/>
+                          <a:ea typeface="游ゴシック" panose="020B0400000000000000" pitchFamily="50" charset="-128"/>
                         </a:rPr>
                         <a:t>基準５</a:t>
                       </a:r>
                     </a:p>
                   </a:txBody>
-                  <a:tcPr marL="51435" marR="51435" marT="0" marB="0">
-                    <a:lnL w="12700" cap="flat" cmpd="sng" algn="ctr">
+                  <a:tcPr marL="6350" marR="6350" marT="6350" marB="0" anchor="ctr">
+                    <a:lnL w="6350" cap="flat" cmpd="sng" algn="ctr">
                       <a:solidFill>
                         <a:srgbClr val="000000"/>
                       </a:solidFill>
@@ -8007,10 +8139,16 @@
                       <a:headEnd type="none" w="med" len="med"/>
                       <a:tailEnd type="none" w="med" len="med"/>
                     </a:lnL>
-                    <a:lnR>
-                      <a:noFill/>
+                    <a:lnR w="12700" cap="flat" cmpd="sng" algn="ctr">
+                      <a:solidFill>
+                        <a:srgbClr val="000000"/>
+                      </a:solidFill>
+                      <a:prstDash val="solid"/>
+                      <a:round/>
+                      <a:headEnd type="none" w="med" len="med"/>
+                      <a:tailEnd type="none" w="med" len="med"/>
                     </a:lnR>
-                    <a:lnT w="12700" cap="flat" cmpd="sng" algn="ctr">
+                    <a:lnT w="6350" cap="flat" cmpd="sng" algn="ctr">
                       <a:solidFill>
                         <a:srgbClr val="000000"/>
                       </a:solidFill>
@@ -8019,7 +8157,7 @@
                       <a:headEnd type="none" w="med" len="med"/>
                       <a:tailEnd type="none" w="med" len="med"/>
                     </a:lnT>
-                    <a:lnB w="12700" cap="flat" cmpd="sng" algn="ctr">
+                    <a:lnB w="6350" cap="flat" cmpd="sng" algn="ctr">
                       <a:solidFill>
                         <a:srgbClr val="000000"/>
                       </a:solidFill>
@@ -8032,43 +8170,41 @@
                 </a:tc>
                 <a:extLst>
                   <a:ext uri="{0D108BD9-81ED-4DB2-BD59-A6C34878D82A}">
-                    <a16:rowId xmlns:a16="http://schemas.microsoft.com/office/drawing/2014/main" val="3403983154"/>
+                    <a16:rowId xmlns:a16="http://schemas.microsoft.com/office/drawing/2014/main" val="1485340024"/>
                   </a:ext>
                 </a:extLst>
               </a:tr>
-              <a:tr h="336590">
+              <a:tr h="376973">
                 <a:tc>
                   <a:txBody>
                     <a:bodyPr/>
                     <a:lstStyle/>
                     <a:p>
-                      <a:pPr algn="ctr">
-                        <a:spcAft>
-                          <a:spcPts val="0"/>
-                        </a:spcAft>
-                      </a:pPr>
+                      <a:pPr algn="r" fontAlgn="b"/>
                       <a:r>
-                        <a:rPr lang="en-US" sz="1400" kern="100">
+                        <a:rPr lang="en-US" altLang="ja-JP" sz="1100" b="0" i="0" u="none" strike="noStrike">
+                          <a:solidFill>
+                            <a:srgbClr val="000000"/>
+                          </a:solidFill>
                           <a:effectLst/>
-                          <a:latin typeface="Century" panose="02040604050505020304" pitchFamily="18" charset="0"/>
-                          <a:ea typeface="ＭＳ 明朝" panose="02020609040205080304" pitchFamily="17" charset="-128"/>
-                          <a:cs typeface="Times New Roman" panose="02020603050405020304" pitchFamily="18" charset="0"/>
+                          <a:latin typeface="游ゴシック" panose="020B0400000000000000" pitchFamily="50" charset="-128"/>
+                          <a:ea typeface="游ゴシック" panose="020B0400000000000000" pitchFamily="50" charset="-128"/>
                         </a:rPr>
                         <a:t>100%</a:t>
                       </a:r>
-                      <a:endParaRPr lang="ja-JP" sz="1400" kern="100">
-                        <a:effectLst/>
-                        <a:latin typeface="Century" panose="02040604050505020304" pitchFamily="18" charset="0"/>
-                        <a:ea typeface="ＭＳ 明朝" panose="02020609040205080304" pitchFamily="17" charset="-128"/>
-                        <a:cs typeface="Times New Roman" panose="02020603050405020304" pitchFamily="18" charset="0"/>
-                      </a:endParaRPr>
                     </a:p>
                   </a:txBody>
-                  <a:tcPr marL="51435" marR="51435" marT="0" marB="0">
-                    <a:lnL>
-                      <a:noFill/>
+                  <a:tcPr marL="6350" marR="6350" marT="6350" marB="0" anchor="b">
+                    <a:lnL w="12700" cap="flat" cmpd="sng" algn="ctr">
+                      <a:solidFill>
+                        <a:srgbClr val="000000"/>
+                      </a:solidFill>
+                      <a:prstDash val="solid"/>
+                      <a:round/>
+                      <a:headEnd type="none" w="med" len="med"/>
+                      <a:tailEnd type="none" w="med" len="med"/>
                     </a:lnL>
-                    <a:lnR w="12700" cap="flat" cmpd="sng" algn="ctr">
+                    <a:lnR w="6350" cap="flat" cmpd="sng" algn="ctr">
                       <a:solidFill>
                         <a:srgbClr val="000000"/>
                       </a:solidFill>
@@ -8077,7 +8213,7 @@
                       <a:headEnd type="none" w="med" len="med"/>
                       <a:tailEnd type="none" w="med" len="med"/>
                     </a:lnR>
-                    <a:lnT w="12700" cap="flat" cmpd="sng" algn="ctr">
+                    <a:lnT w="6350" cap="flat" cmpd="sng" algn="ctr">
                       <a:solidFill>
                         <a:srgbClr val="000000"/>
                       </a:solidFill>
@@ -8102,30 +8238,22 @@
                     <a:bodyPr/>
                     <a:lstStyle/>
                     <a:p>
-                      <a:pPr algn="ctr">
-                        <a:spcAft>
-                          <a:spcPts val="0"/>
-                        </a:spcAft>
-                      </a:pPr>
+                      <a:pPr algn="r" fontAlgn="b"/>
                       <a:r>
-                        <a:rPr lang="en-US" sz="1400" kern="100" dirty="0">
+                        <a:rPr lang="en-US" altLang="ja-JP" sz="1100" b="0" i="0" u="none" strike="noStrike">
+                          <a:solidFill>
+                            <a:srgbClr val="000000"/>
+                          </a:solidFill>
                           <a:effectLst/>
-                          <a:latin typeface="Century" panose="02040604050505020304" pitchFamily="18" charset="0"/>
-                          <a:ea typeface="ＭＳ 明朝" panose="02020609040205080304" pitchFamily="17" charset="-128"/>
-                          <a:cs typeface="Times New Roman" panose="02020603050405020304" pitchFamily="18" charset="0"/>
+                          <a:latin typeface="游ゴシック" panose="020B0400000000000000" pitchFamily="50" charset="-128"/>
+                          <a:ea typeface="游ゴシック" panose="020B0400000000000000" pitchFamily="50" charset="-128"/>
                         </a:rPr>
                         <a:t>100%</a:t>
                       </a:r>
-                      <a:endParaRPr lang="ja-JP" sz="1400" kern="100" dirty="0">
-                        <a:effectLst/>
-                        <a:latin typeface="Century" panose="02040604050505020304" pitchFamily="18" charset="0"/>
-                        <a:ea typeface="ＭＳ 明朝" panose="02020609040205080304" pitchFamily="17" charset="-128"/>
-                        <a:cs typeface="Times New Roman" panose="02020603050405020304" pitchFamily="18" charset="0"/>
-                      </a:endParaRPr>
                     </a:p>
                   </a:txBody>
-                  <a:tcPr marL="51435" marR="51435" marT="0" marB="0">
-                    <a:lnL w="12700" cap="flat" cmpd="sng" algn="ctr">
+                  <a:tcPr marL="6350" marR="6350" marT="6350" marB="0" anchor="b">
+                    <a:lnL w="6350" cap="flat" cmpd="sng" algn="ctr">
                       <a:solidFill>
                         <a:srgbClr val="000000"/>
                       </a:solidFill>
@@ -8134,7 +8262,7 @@
                       <a:headEnd type="none" w="med" len="med"/>
                       <a:tailEnd type="none" w="med" len="med"/>
                     </a:lnL>
-                    <a:lnR w="12700" cap="flat" cmpd="sng" algn="ctr">
+                    <a:lnR w="6350" cap="flat" cmpd="sng" algn="ctr">
                       <a:solidFill>
                         <a:srgbClr val="000000"/>
                       </a:solidFill>
@@ -8143,7 +8271,7 @@
                       <a:headEnd type="none" w="med" len="med"/>
                       <a:tailEnd type="none" w="med" len="med"/>
                     </a:lnR>
-                    <a:lnT w="12700" cap="flat" cmpd="sng" algn="ctr">
+                    <a:lnT w="6350" cap="flat" cmpd="sng" algn="ctr">
                       <a:solidFill>
                         <a:srgbClr val="000000"/>
                       </a:solidFill>
@@ -8168,30 +8296,22 @@
                     <a:bodyPr/>
                     <a:lstStyle/>
                     <a:p>
-                      <a:pPr algn="ctr">
-                        <a:spcAft>
-                          <a:spcPts val="0"/>
-                        </a:spcAft>
-                      </a:pPr>
+                      <a:pPr algn="r" fontAlgn="b"/>
                       <a:r>
-                        <a:rPr lang="en-US" sz="1400" kern="100">
+                        <a:rPr lang="en-US" altLang="ja-JP" sz="1100" b="0" i="0" u="none" strike="noStrike">
+                          <a:solidFill>
+                            <a:srgbClr val="000000"/>
+                          </a:solidFill>
                           <a:effectLst/>
-                          <a:latin typeface="Century" panose="02040604050505020304" pitchFamily="18" charset="0"/>
-                          <a:ea typeface="ＭＳ 明朝" panose="02020609040205080304" pitchFamily="17" charset="-128"/>
-                          <a:cs typeface="Times New Roman" panose="02020603050405020304" pitchFamily="18" charset="0"/>
+                          <a:latin typeface="游ゴシック" panose="020B0400000000000000" pitchFamily="50" charset="-128"/>
+                          <a:ea typeface="游ゴシック" panose="020B0400000000000000" pitchFamily="50" charset="-128"/>
                         </a:rPr>
-                        <a:t>73%</a:t>
+                        <a:t>82%</a:t>
                       </a:r>
-                      <a:endParaRPr lang="ja-JP" sz="1400" kern="100">
-                        <a:effectLst/>
-                        <a:latin typeface="Century" panose="02040604050505020304" pitchFamily="18" charset="0"/>
-                        <a:ea typeface="ＭＳ 明朝" panose="02020609040205080304" pitchFamily="17" charset="-128"/>
-                        <a:cs typeface="Times New Roman" panose="02020603050405020304" pitchFamily="18" charset="0"/>
-                      </a:endParaRPr>
                     </a:p>
                   </a:txBody>
-                  <a:tcPr marL="51435" marR="51435" marT="0" marB="0">
-                    <a:lnL w="12700" cap="flat" cmpd="sng" algn="ctr">
+                  <a:tcPr marL="6350" marR="6350" marT="6350" marB="0" anchor="b">
+                    <a:lnL w="6350" cap="flat" cmpd="sng" algn="ctr">
                       <a:solidFill>
                         <a:srgbClr val="000000"/>
                       </a:solidFill>
@@ -8200,7 +8320,7 @@
                       <a:headEnd type="none" w="med" len="med"/>
                       <a:tailEnd type="none" w="med" len="med"/>
                     </a:lnL>
-                    <a:lnR w="12700" cap="flat" cmpd="sng" algn="ctr">
+                    <a:lnR w="6350" cap="flat" cmpd="sng" algn="ctr">
                       <a:solidFill>
                         <a:srgbClr val="000000"/>
                       </a:solidFill>
@@ -8209,7 +8329,7 @@
                       <a:headEnd type="none" w="med" len="med"/>
                       <a:tailEnd type="none" w="med" len="med"/>
                     </a:lnR>
-                    <a:lnT w="12700" cap="flat" cmpd="sng" algn="ctr">
+                    <a:lnT w="6350" cap="flat" cmpd="sng" algn="ctr">
                       <a:solidFill>
                         <a:srgbClr val="000000"/>
                       </a:solidFill>
@@ -8234,30 +8354,22 @@
                     <a:bodyPr/>
                     <a:lstStyle/>
                     <a:p>
-                      <a:pPr algn="ctr">
-                        <a:spcAft>
-                          <a:spcPts val="0"/>
-                        </a:spcAft>
-                      </a:pPr>
+                      <a:pPr algn="r" fontAlgn="b"/>
                       <a:r>
-                        <a:rPr lang="en-US" sz="1400" kern="100">
+                        <a:rPr lang="en-US" altLang="ja-JP" sz="1100" b="0" i="0" u="none" strike="noStrike">
+                          <a:solidFill>
+                            <a:srgbClr val="000000"/>
+                          </a:solidFill>
                           <a:effectLst/>
-                          <a:latin typeface="Century" panose="02040604050505020304" pitchFamily="18" charset="0"/>
-                          <a:ea typeface="ＭＳ 明朝" panose="02020609040205080304" pitchFamily="17" charset="-128"/>
-                          <a:cs typeface="Times New Roman" panose="02020603050405020304" pitchFamily="18" charset="0"/>
+                          <a:latin typeface="游ゴシック" panose="020B0400000000000000" pitchFamily="50" charset="-128"/>
+                          <a:ea typeface="游ゴシック" panose="020B0400000000000000" pitchFamily="50" charset="-128"/>
                         </a:rPr>
-                        <a:t>0.355556</a:t>
+                        <a:t>0.740311</a:t>
                       </a:r>
-                      <a:endParaRPr lang="ja-JP" sz="1400" kern="100">
-                        <a:effectLst/>
-                        <a:latin typeface="Century" panose="02040604050505020304" pitchFamily="18" charset="0"/>
-                        <a:ea typeface="ＭＳ 明朝" panose="02020609040205080304" pitchFamily="17" charset="-128"/>
-                        <a:cs typeface="Times New Roman" panose="02020603050405020304" pitchFamily="18" charset="0"/>
-                      </a:endParaRPr>
                     </a:p>
                   </a:txBody>
-                  <a:tcPr marL="51435" marR="51435" marT="0" marB="0">
-                    <a:lnL w="12700" cap="flat" cmpd="sng" algn="ctr">
+                  <a:tcPr marL="6350" marR="6350" marT="6350" marB="0" anchor="b">
+                    <a:lnL w="6350" cap="flat" cmpd="sng" algn="ctr">
                       <a:solidFill>
                         <a:srgbClr val="000000"/>
                       </a:solidFill>
@@ -8266,7 +8378,7 @@
                       <a:headEnd type="none" w="med" len="med"/>
                       <a:tailEnd type="none" w="med" len="med"/>
                     </a:lnL>
-                    <a:lnR w="12700" cap="flat" cmpd="sng" algn="ctr">
+                    <a:lnR w="6350" cap="flat" cmpd="sng" algn="ctr">
                       <a:solidFill>
                         <a:srgbClr val="000000"/>
                       </a:solidFill>
@@ -8275,7 +8387,7 @@
                       <a:headEnd type="none" w="med" len="med"/>
                       <a:tailEnd type="none" w="med" len="med"/>
                     </a:lnR>
-                    <a:lnT w="12700" cap="flat" cmpd="sng" algn="ctr">
+                    <a:lnT w="6350" cap="flat" cmpd="sng" algn="ctr">
                       <a:solidFill>
                         <a:srgbClr val="000000"/>
                       </a:solidFill>
@@ -8300,30 +8412,22 @@
                     <a:bodyPr/>
                     <a:lstStyle/>
                     <a:p>
-                      <a:pPr algn="ctr">
-                        <a:spcAft>
-                          <a:spcPts val="0"/>
-                        </a:spcAft>
-                      </a:pPr>
+                      <a:pPr algn="r" fontAlgn="b"/>
                       <a:r>
-                        <a:rPr lang="en-US" sz="1400" kern="100" dirty="0">
+                        <a:rPr lang="en-US" altLang="ja-JP" sz="1100" b="0" i="0" u="none" strike="noStrike" dirty="0">
+                          <a:solidFill>
+                            <a:srgbClr val="000000"/>
+                          </a:solidFill>
                           <a:effectLst/>
-                          <a:latin typeface="Century" panose="02040604050505020304" pitchFamily="18" charset="0"/>
-                          <a:ea typeface="ＭＳ 明朝" panose="02020609040205080304" pitchFamily="17" charset="-128"/>
-                          <a:cs typeface="Times New Roman" panose="02020603050405020304" pitchFamily="18" charset="0"/>
+                          <a:latin typeface="游ゴシック" panose="020B0400000000000000" pitchFamily="50" charset="-128"/>
+                          <a:ea typeface="游ゴシック" panose="020B0400000000000000" pitchFamily="50" charset="-128"/>
                         </a:rPr>
                         <a:t>100%</a:t>
                       </a:r>
-                      <a:endParaRPr lang="ja-JP" sz="1400" kern="100" dirty="0">
-                        <a:effectLst/>
-                        <a:latin typeface="Century" panose="02040604050505020304" pitchFamily="18" charset="0"/>
-                        <a:ea typeface="ＭＳ 明朝" panose="02020609040205080304" pitchFamily="17" charset="-128"/>
-                        <a:cs typeface="Times New Roman" panose="02020603050405020304" pitchFamily="18" charset="0"/>
-                      </a:endParaRPr>
                     </a:p>
                   </a:txBody>
-                  <a:tcPr marL="51435" marR="51435" marT="0" marB="0">
-                    <a:lnL w="12700" cap="flat" cmpd="sng" algn="ctr">
+                  <a:tcPr marL="6350" marR="6350" marT="6350" marB="0" anchor="b">
+                    <a:lnL w="6350" cap="flat" cmpd="sng" algn="ctr">
                       <a:solidFill>
                         <a:srgbClr val="000000"/>
                       </a:solidFill>
@@ -8332,10 +8436,16 @@
                       <a:headEnd type="none" w="med" len="med"/>
                       <a:tailEnd type="none" w="med" len="med"/>
                     </a:lnL>
-                    <a:lnR>
-                      <a:noFill/>
+                    <a:lnR w="12700" cap="flat" cmpd="sng" algn="ctr">
+                      <a:solidFill>
+                        <a:srgbClr val="000000"/>
+                      </a:solidFill>
+                      <a:prstDash val="solid"/>
+                      <a:round/>
+                      <a:headEnd type="none" w="med" len="med"/>
+                      <a:tailEnd type="none" w="med" len="med"/>
                     </a:lnR>
-                    <a:lnT w="12700" cap="flat" cmpd="sng" algn="ctr">
+                    <a:lnT w="6350" cap="flat" cmpd="sng" algn="ctr">
                       <a:solidFill>
                         <a:srgbClr val="000000"/>
                       </a:solidFill>
@@ -8357,7 +8467,7 @@
                 </a:tc>
                 <a:extLst>
                   <a:ext uri="{0D108BD9-81ED-4DB2-BD59-A6C34878D82A}">
-                    <a16:rowId xmlns:a16="http://schemas.microsoft.com/office/drawing/2014/main" val="3561837838"/>
+                    <a16:rowId xmlns:a16="http://schemas.microsoft.com/office/drawing/2014/main" val="302294876"/>
                   </a:ext>
                 </a:extLst>
               </a:tr>
@@ -8367,90 +8477,94 @@
       </p:graphicFrame>
       <p:graphicFrame>
         <p:nvGraphicFramePr>
-          <p:cNvPr id="14" name="表 13"/>
+          <p:cNvPr id="11" name="表 10"/>
           <p:cNvGraphicFramePr>
             <a:graphicFrameLocks noGrp="1"/>
           </p:cNvGraphicFramePr>
           <p:nvPr>
             <p:extLst>
               <p:ext uri="{D42A27DB-BD31-4B8C-83A1-F6EECF244321}">
-                <p14:modId xmlns:p14="http://schemas.microsoft.com/office/powerpoint/2010/main" val="767984136"/>
+                <p14:modId xmlns:p14="http://schemas.microsoft.com/office/powerpoint/2010/main" val="3378873641"/>
               </p:ext>
             </p:extLst>
           </p:nvPr>
         </p:nvGraphicFramePr>
         <p:xfrm>
-          <a:off x="374648" y="4383550"/>
-          <a:ext cx="4152900" cy="1058261"/>
+          <a:off x="374647" y="4601987"/>
+          <a:ext cx="4019330" cy="1183818"/>
         </p:xfrm>
         <a:graphic>
           <a:graphicData uri="http://schemas.openxmlformats.org/drawingml/2006/table">
             <a:tbl>
-              <a:tblPr firstRow="1" firstCol="1" bandRow="1"/>
+              <a:tblPr/>
               <a:tblGrid>
-                <a:gridCol w="830580">
+                <a:gridCol w="616297">
                   <a:extLst>
                     <a:ext uri="{9D8B030D-6E8A-4147-A177-3AD203B41FA5}">
-                      <a16:colId xmlns:a16="http://schemas.microsoft.com/office/drawing/2014/main" val="3304898602"/>
+                      <a16:colId xmlns:a16="http://schemas.microsoft.com/office/drawing/2014/main" val="2724335100"/>
                     </a:ext>
                   </a:extLst>
                 </a:gridCol>
-                <a:gridCol w="830580">
+                <a:gridCol w="616297">
                   <a:extLst>
                     <a:ext uri="{9D8B030D-6E8A-4147-A177-3AD203B41FA5}">
-                      <a16:colId xmlns:a16="http://schemas.microsoft.com/office/drawing/2014/main" val="3235281385"/>
+                      <a16:colId xmlns:a16="http://schemas.microsoft.com/office/drawing/2014/main" val="1393705344"/>
                     </a:ext>
                   </a:extLst>
                 </a:gridCol>
-                <a:gridCol w="683116">
+                <a:gridCol w="928912">
                   <a:extLst>
                     <a:ext uri="{9D8B030D-6E8A-4147-A177-3AD203B41FA5}">
-                      <a16:colId xmlns:a16="http://schemas.microsoft.com/office/drawing/2014/main" val="3247375518"/>
+                      <a16:colId xmlns:a16="http://schemas.microsoft.com/office/drawing/2014/main" val="1103797487"/>
                     </a:ext>
                   </a:extLst>
                 </a:gridCol>
-                <a:gridCol w="978044">
+                <a:gridCol w="928912">
                   <a:extLst>
                     <a:ext uri="{9D8B030D-6E8A-4147-A177-3AD203B41FA5}">
-                      <a16:colId xmlns:a16="http://schemas.microsoft.com/office/drawing/2014/main" val="2966903848"/>
+                      <a16:colId xmlns:a16="http://schemas.microsoft.com/office/drawing/2014/main" val="3532178909"/>
                     </a:ext>
                   </a:extLst>
                 </a:gridCol>
-                <a:gridCol w="830580">
+                <a:gridCol w="928912">
                   <a:extLst>
                     <a:ext uri="{9D8B030D-6E8A-4147-A177-3AD203B41FA5}">
-                      <a16:colId xmlns:a16="http://schemas.microsoft.com/office/drawing/2014/main" val="1115143934"/>
+                      <a16:colId xmlns:a16="http://schemas.microsoft.com/office/drawing/2014/main" val="2382912270"/>
                     </a:ext>
                   </a:extLst>
                 </a:gridCol>
               </a:tblGrid>
-              <a:tr h="311253">
+              <a:tr h="390986">
                 <a:tc gridSpan="2">
                   <a:txBody>
                     <a:bodyPr/>
                     <a:lstStyle/>
                     <a:p>
-                      <a:pPr algn="l">
-                        <a:spcAft>
-                          <a:spcPts val="0"/>
-                        </a:spcAft>
-                      </a:pPr>
+                      <a:pPr algn="ctr" fontAlgn="ctr"/>
                       <a:r>
-                        <a:rPr lang="ja-JP" sz="1400" kern="100">
+                        <a:rPr lang="ja-JP" altLang="en-US" sz="1100" b="0" i="0" u="none" strike="noStrike">
+                          <a:solidFill>
+                            <a:srgbClr val="000000"/>
+                          </a:solidFill>
                           <a:effectLst/>
-                          <a:latin typeface="Century" panose="02040604050505020304" pitchFamily="18" charset="0"/>
-                          <a:ea typeface="ＭＳ 明朝" panose="02020609040205080304" pitchFamily="17" charset="-128"/>
-                          <a:cs typeface="Times New Roman" panose="02020603050405020304" pitchFamily="18" charset="0"/>
+                          <a:latin typeface="游ゴシック" panose="020B0400000000000000" pitchFamily="50" charset="-128"/>
+                          <a:ea typeface="游ゴシック" panose="020B0400000000000000" pitchFamily="50" charset="-128"/>
                         </a:rPr>
                         <a:t>難易度</a:t>
                       </a:r>
                     </a:p>
                   </a:txBody>
-                  <a:tcPr marL="51435" marR="51435" marT="0" marB="0">
-                    <a:lnL>
-                      <a:noFill/>
+                  <a:tcPr marL="6350" marR="6350" marT="6350" marB="0" anchor="ctr">
+                    <a:lnL w="12700" cap="flat" cmpd="sng" algn="ctr">
+                      <a:solidFill>
+                        <a:srgbClr val="000000"/>
+                      </a:solidFill>
+                      <a:prstDash val="solid"/>
+                      <a:round/>
+                      <a:headEnd type="none" w="med" len="med"/>
+                      <a:tailEnd type="none" w="med" len="med"/>
                     </a:lnL>
-                    <a:lnR w="12700" cap="flat" cmpd="sng" algn="ctr">
+                    <a:lnR w="6350" cap="flat" cmpd="sng" algn="ctr">
                       <a:solidFill>
                         <a:srgbClr val="000000"/>
                       </a:solidFill>
@@ -8468,7 +8582,7 @@
                       <a:headEnd type="none" w="med" len="med"/>
                       <a:tailEnd type="none" w="med" len="med"/>
                     </a:lnT>
-                    <a:lnB w="12700" cap="flat" cmpd="sng" algn="ctr">
+                    <a:lnB w="6350" cap="flat" cmpd="sng" algn="ctr">
                       <a:solidFill>
                         <a:srgbClr val="000000"/>
                       </a:solidFill>
@@ -8494,24 +8608,22 @@
                     <a:bodyPr/>
                     <a:lstStyle/>
                     <a:p>
-                      <a:pPr algn="l">
-                        <a:spcAft>
-                          <a:spcPts val="0"/>
-                        </a:spcAft>
-                      </a:pPr>
+                      <a:pPr algn="l" fontAlgn="ctr"/>
                       <a:r>
-                        <a:rPr lang="ja-JP" sz="1400" kern="100">
+                        <a:rPr lang="ja-JP" altLang="en-US" sz="1100" b="0" i="0" u="none" strike="noStrike">
+                          <a:solidFill>
+                            <a:srgbClr val="000000"/>
+                          </a:solidFill>
                           <a:effectLst/>
-                          <a:latin typeface="Century" panose="02040604050505020304" pitchFamily="18" charset="0"/>
-                          <a:ea typeface="ＭＳ 明朝" panose="02020609040205080304" pitchFamily="17" charset="-128"/>
-                          <a:cs typeface="Times New Roman" panose="02020603050405020304" pitchFamily="18" charset="0"/>
+                          <a:latin typeface="游ゴシック" panose="020B0400000000000000" pitchFamily="50" charset="-128"/>
+                          <a:ea typeface="游ゴシック" panose="020B0400000000000000" pitchFamily="50" charset="-128"/>
                         </a:rPr>
                         <a:t>普通</a:t>
                       </a:r>
                     </a:p>
                   </a:txBody>
-                  <a:tcPr marL="51435" marR="51435" marT="0" marB="0">
-                    <a:lnL w="12700" cap="flat" cmpd="sng" algn="ctr">
+                  <a:tcPr marL="6350" marR="6350" marT="6350" marB="0" anchor="ctr">
+                    <a:lnL w="6350" cap="flat" cmpd="sng" algn="ctr">
                       <a:solidFill>
                         <a:srgbClr val="000000"/>
                       </a:solidFill>
@@ -8520,7 +8632,7 @@
                       <a:headEnd type="none" w="med" len="med"/>
                       <a:tailEnd type="none" w="med" len="med"/>
                     </a:lnL>
-                    <a:lnR w="12700" cap="flat" cmpd="sng" algn="ctr">
+                    <a:lnR w="6350" cap="flat" cmpd="sng" algn="ctr">
                       <a:solidFill>
                         <a:srgbClr val="000000"/>
                       </a:solidFill>
@@ -8538,7 +8650,7 @@
                       <a:headEnd type="none" w="med" len="med"/>
                       <a:tailEnd type="none" w="med" len="med"/>
                     </a:lnT>
-                    <a:lnB w="12700" cap="flat" cmpd="sng" algn="ctr">
+                    <a:lnB w="6350" cap="flat" cmpd="sng" algn="ctr">
                       <a:solidFill>
                         <a:srgbClr val="000000"/>
                       </a:solidFill>
@@ -8554,24 +8666,22 @@
                     <a:bodyPr/>
                     <a:lstStyle/>
                     <a:p>
-                      <a:pPr algn="l">
-                        <a:spcAft>
-                          <a:spcPts val="0"/>
-                        </a:spcAft>
-                      </a:pPr>
+                      <a:pPr algn="ctr" fontAlgn="ctr"/>
                       <a:r>
-                        <a:rPr lang="ja-JP" sz="1400" kern="100">
+                        <a:rPr lang="ja-JP" altLang="en-US" sz="1100" b="0" i="0" u="none" strike="noStrike">
+                          <a:solidFill>
+                            <a:srgbClr val="000000"/>
+                          </a:solidFill>
                           <a:effectLst/>
-                          <a:latin typeface="Century" panose="02040604050505020304" pitchFamily="18" charset="0"/>
-                          <a:ea typeface="ＭＳ 明朝" panose="02020609040205080304" pitchFamily="17" charset="-128"/>
-                          <a:cs typeface="Times New Roman" panose="02020603050405020304" pitchFamily="18" charset="0"/>
+                          <a:latin typeface="游ゴシック" panose="020B0400000000000000" pitchFamily="50" charset="-128"/>
+                          <a:ea typeface="游ゴシック" panose="020B0400000000000000" pitchFamily="50" charset="-128"/>
                         </a:rPr>
                         <a:t>問題数</a:t>
                       </a:r>
                     </a:p>
                   </a:txBody>
-                  <a:tcPr marL="51435" marR="51435" marT="0" marB="0">
-                    <a:lnL w="12700" cap="flat" cmpd="sng" algn="ctr">
+                  <a:tcPr marL="6350" marR="6350" marT="6350" marB="0" anchor="ctr">
+                    <a:lnL w="6350" cap="flat" cmpd="sng" algn="ctr">
                       <a:solidFill>
                         <a:srgbClr val="000000"/>
                       </a:solidFill>
@@ -8580,7 +8690,7 @@
                       <a:headEnd type="none" w="med" len="med"/>
                       <a:tailEnd type="none" w="med" len="med"/>
                     </a:lnL>
-                    <a:lnR w="12700" cap="flat" cmpd="sng" algn="ctr">
+                    <a:lnR w="6350" cap="flat" cmpd="sng" algn="ctr">
                       <a:solidFill>
                         <a:srgbClr val="000000"/>
                       </a:solidFill>
@@ -8598,7 +8708,7 @@
                       <a:headEnd type="none" w="med" len="med"/>
                       <a:tailEnd type="none" w="med" len="med"/>
                     </a:lnT>
-                    <a:lnB w="12700" cap="flat" cmpd="sng" algn="ctr">
+                    <a:lnB w="6350" cap="flat" cmpd="sng" algn="ctr">
                       <a:solidFill>
                         <a:srgbClr val="000000"/>
                       </a:solidFill>
@@ -8614,30 +8724,22 @@
                     <a:bodyPr/>
                     <a:lstStyle/>
                     <a:p>
-                      <a:pPr algn="l">
-                        <a:spcAft>
-                          <a:spcPts val="0"/>
-                        </a:spcAft>
-                      </a:pPr>
+                      <a:pPr algn="r" fontAlgn="ctr"/>
                       <a:r>
-                        <a:rPr lang="en-US" sz="1400" kern="100">
+                        <a:rPr lang="en-US" altLang="ja-JP" sz="1100" b="0" i="0" u="none" strike="noStrike">
+                          <a:solidFill>
+                            <a:srgbClr val="000000"/>
+                          </a:solidFill>
                           <a:effectLst/>
-                          <a:latin typeface="Century" panose="02040604050505020304" pitchFamily="18" charset="0"/>
-                          <a:ea typeface="ＭＳ 明朝" panose="02020609040205080304" pitchFamily="17" charset="-128"/>
-                          <a:cs typeface="Times New Roman" panose="02020603050405020304" pitchFamily="18" charset="0"/>
+                          <a:latin typeface="游ゴシック" panose="020B0400000000000000" pitchFamily="50" charset="-128"/>
+                          <a:ea typeface="游ゴシック" panose="020B0400000000000000" pitchFamily="50" charset="-128"/>
                         </a:rPr>
-                        <a:t>30</a:t>
+                        <a:t>176</a:t>
                       </a:r>
-                      <a:endParaRPr lang="ja-JP" sz="1400" kern="100">
-                        <a:effectLst/>
-                        <a:latin typeface="Century" panose="02040604050505020304" pitchFamily="18" charset="0"/>
-                        <a:ea typeface="ＭＳ 明朝" panose="02020609040205080304" pitchFamily="17" charset="-128"/>
-                        <a:cs typeface="Times New Roman" panose="02020603050405020304" pitchFamily="18" charset="0"/>
-                      </a:endParaRPr>
                     </a:p>
                   </a:txBody>
-                  <a:tcPr marL="51435" marR="51435" marT="0" marB="0">
-                    <a:lnL w="12700" cap="flat" cmpd="sng" algn="ctr">
+                  <a:tcPr marL="6350" marR="6350" marT="6350" marB="0" anchor="ctr">
+                    <a:lnL w="6350" cap="flat" cmpd="sng" algn="ctr">
                       <a:solidFill>
                         <a:srgbClr val="000000"/>
                       </a:solidFill>
@@ -8646,8 +8748,14 @@
                       <a:headEnd type="none" w="med" len="med"/>
                       <a:tailEnd type="none" w="med" len="med"/>
                     </a:lnL>
-                    <a:lnR>
-                      <a:noFill/>
+                    <a:lnR w="12700" cap="flat" cmpd="sng" algn="ctr">
+                      <a:solidFill>
+                        <a:srgbClr val="000000"/>
+                      </a:solidFill>
+                      <a:prstDash val="solid"/>
+                      <a:round/>
+                      <a:headEnd type="none" w="med" len="med"/>
+                      <a:tailEnd type="none" w="med" len="med"/>
                     </a:lnR>
                     <a:lnT w="12700" cap="flat" cmpd="sng" algn="ctr">
                       <a:solidFill>
@@ -8658,7 +8766,7 @@
                       <a:headEnd type="none" w="med" len="med"/>
                       <a:tailEnd type="none" w="med" len="med"/>
                     </a:lnT>
-                    <a:lnB w="12700" cap="flat" cmpd="sng" algn="ctr">
+                    <a:lnB w="6350" cap="flat" cmpd="sng" algn="ctr">
                       <a:solidFill>
                         <a:srgbClr val="000000"/>
                       </a:solidFill>
@@ -8671,37 +8779,41 @@
                 </a:tc>
                 <a:extLst>
                   <a:ext uri="{0D108BD9-81ED-4DB2-BD59-A6C34878D82A}">
-                    <a16:rowId xmlns:a16="http://schemas.microsoft.com/office/drawing/2014/main" val="3908158211"/>
+                    <a16:rowId xmlns:a16="http://schemas.microsoft.com/office/drawing/2014/main" val="1424191157"/>
                   </a:ext>
                 </a:extLst>
               </a:tr>
-              <a:tr h="311253">
+              <a:tr h="390986">
                 <a:tc>
                   <a:txBody>
                     <a:bodyPr/>
                     <a:lstStyle/>
                     <a:p>
-                      <a:pPr algn="l">
-                        <a:spcAft>
-                          <a:spcPts val="0"/>
-                        </a:spcAft>
-                      </a:pPr>
+                      <a:pPr algn="ctr" fontAlgn="ctr"/>
                       <a:r>
-                        <a:rPr lang="ja-JP" sz="1400" kern="100">
+                        <a:rPr lang="ja-JP" altLang="en-US" sz="1100" b="0" i="0" u="none" strike="noStrike">
+                          <a:solidFill>
+                            <a:srgbClr val="000000"/>
+                          </a:solidFill>
                           <a:effectLst/>
-                          <a:latin typeface="Century" panose="02040604050505020304" pitchFamily="18" charset="0"/>
-                          <a:ea typeface="ＭＳ 明朝" panose="02020609040205080304" pitchFamily="17" charset="-128"/>
-                          <a:cs typeface="Times New Roman" panose="02020603050405020304" pitchFamily="18" charset="0"/>
+                          <a:latin typeface="游ゴシック" panose="020B0400000000000000" pitchFamily="50" charset="-128"/>
+                          <a:ea typeface="游ゴシック" panose="020B0400000000000000" pitchFamily="50" charset="-128"/>
                         </a:rPr>
                         <a:t>基準１</a:t>
                       </a:r>
                     </a:p>
                   </a:txBody>
-                  <a:tcPr marL="51435" marR="51435" marT="0" marB="0">
-                    <a:lnL>
-                      <a:noFill/>
+                  <a:tcPr marL="6350" marR="6350" marT="6350" marB="0" anchor="ctr">
+                    <a:lnL w="12700" cap="flat" cmpd="sng" algn="ctr">
+                      <a:solidFill>
+                        <a:srgbClr val="000000"/>
+                      </a:solidFill>
+                      <a:prstDash val="solid"/>
+                      <a:round/>
+                      <a:headEnd type="none" w="med" len="med"/>
+                      <a:tailEnd type="none" w="med" len="med"/>
                     </a:lnL>
-                    <a:lnR w="12700" cap="flat" cmpd="sng" algn="ctr">
+                    <a:lnR w="6350" cap="flat" cmpd="sng" algn="ctr">
                       <a:solidFill>
                         <a:srgbClr val="000000"/>
                       </a:solidFill>
@@ -8710,7 +8822,7 @@
                       <a:headEnd type="none" w="med" len="med"/>
                       <a:tailEnd type="none" w="med" len="med"/>
                     </a:lnR>
-                    <a:lnT w="12700" cap="flat" cmpd="sng" algn="ctr">
+                    <a:lnT w="6350" cap="flat" cmpd="sng" algn="ctr">
                       <a:solidFill>
                         <a:srgbClr val="000000"/>
                       </a:solidFill>
@@ -8719,7 +8831,7 @@
                       <a:headEnd type="none" w="med" len="med"/>
                       <a:tailEnd type="none" w="med" len="med"/>
                     </a:lnT>
-                    <a:lnB w="12700" cap="flat" cmpd="sng" algn="ctr">
+                    <a:lnB w="6350" cap="flat" cmpd="sng" algn="ctr">
                       <a:solidFill>
                         <a:srgbClr val="000000"/>
                       </a:solidFill>
@@ -8735,24 +8847,22 @@
                     <a:bodyPr/>
                     <a:lstStyle/>
                     <a:p>
-                      <a:pPr algn="l">
-                        <a:spcAft>
-                          <a:spcPts val="0"/>
-                        </a:spcAft>
-                      </a:pPr>
+                      <a:pPr algn="ctr" fontAlgn="ctr"/>
                       <a:r>
-                        <a:rPr lang="ja-JP" sz="1400" kern="100">
+                        <a:rPr lang="ja-JP" altLang="en-US" sz="1100" b="0" i="0" u="none" strike="noStrike">
+                          <a:solidFill>
+                            <a:srgbClr val="000000"/>
+                          </a:solidFill>
                           <a:effectLst/>
-                          <a:latin typeface="Century" panose="02040604050505020304" pitchFamily="18" charset="0"/>
-                          <a:ea typeface="ＭＳ 明朝" panose="02020609040205080304" pitchFamily="17" charset="-128"/>
-                          <a:cs typeface="Times New Roman" panose="02020603050405020304" pitchFamily="18" charset="0"/>
+                          <a:latin typeface="游ゴシック" panose="020B0400000000000000" pitchFamily="50" charset="-128"/>
+                          <a:ea typeface="游ゴシック" panose="020B0400000000000000" pitchFamily="50" charset="-128"/>
                         </a:rPr>
                         <a:t>基準２</a:t>
                       </a:r>
                     </a:p>
                   </a:txBody>
-                  <a:tcPr marL="51435" marR="51435" marT="0" marB="0">
-                    <a:lnL w="12700" cap="flat" cmpd="sng" algn="ctr">
+                  <a:tcPr marL="6350" marR="6350" marT="6350" marB="0" anchor="ctr">
+                    <a:lnL w="6350" cap="flat" cmpd="sng" algn="ctr">
                       <a:solidFill>
                         <a:srgbClr val="000000"/>
                       </a:solidFill>
@@ -8761,7 +8871,7 @@
                       <a:headEnd type="none" w="med" len="med"/>
                       <a:tailEnd type="none" w="med" len="med"/>
                     </a:lnL>
-                    <a:lnR w="12700" cap="flat" cmpd="sng" algn="ctr">
+                    <a:lnR w="6350" cap="flat" cmpd="sng" algn="ctr">
                       <a:solidFill>
                         <a:srgbClr val="000000"/>
                       </a:solidFill>
@@ -8770,7 +8880,7 @@
                       <a:headEnd type="none" w="med" len="med"/>
                       <a:tailEnd type="none" w="med" len="med"/>
                     </a:lnR>
-                    <a:lnT w="12700" cap="flat" cmpd="sng" algn="ctr">
+                    <a:lnT w="6350" cap="flat" cmpd="sng" algn="ctr">
                       <a:solidFill>
                         <a:srgbClr val="000000"/>
                       </a:solidFill>
@@ -8779,7 +8889,7 @@
                       <a:headEnd type="none" w="med" len="med"/>
                       <a:tailEnd type="none" w="med" len="med"/>
                     </a:lnT>
-                    <a:lnB w="12700" cap="flat" cmpd="sng" algn="ctr">
+                    <a:lnB w="6350" cap="flat" cmpd="sng" algn="ctr">
                       <a:solidFill>
                         <a:srgbClr val="000000"/>
                       </a:solidFill>
@@ -8795,24 +8905,22 @@
                     <a:bodyPr/>
                     <a:lstStyle/>
                     <a:p>
-                      <a:pPr algn="l">
-                        <a:spcAft>
-                          <a:spcPts val="0"/>
-                        </a:spcAft>
-                      </a:pPr>
+                      <a:pPr algn="ctr" fontAlgn="ctr"/>
                       <a:r>
-                        <a:rPr lang="ja-JP" sz="1400" kern="100" dirty="0">
+                        <a:rPr lang="ja-JP" altLang="en-US" sz="1100" b="0" i="0" u="none" strike="noStrike">
+                          <a:solidFill>
+                            <a:srgbClr val="000000"/>
+                          </a:solidFill>
                           <a:effectLst/>
-                          <a:latin typeface="Century" panose="02040604050505020304" pitchFamily="18" charset="0"/>
-                          <a:ea typeface="ＭＳ 明朝" panose="02020609040205080304" pitchFamily="17" charset="-128"/>
-                          <a:cs typeface="Times New Roman" panose="02020603050405020304" pitchFamily="18" charset="0"/>
+                          <a:latin typeface="游ゴシック" panose="020B0400000000000000" pitchFamily="50" charset="-128"/>
+                          <a:ea typeface="游ゴシック" panose="020B0400000000000000" pitchFamily="50" charset="-128"/>
                         </a:rPr>
                         <a:t>基準３</a:t>
                       </a:r>
                     </a:p>
                   </a:txBody>
-                  <a:tcPr marL="51435" marR="51435" marT="0" marB="0">
-                    <a:lnL w="12700" cap="flat" cmpd="sng" algn="ctr">
+                  <a:tcPr marL="6350" marR="6350" marT="6350" marB="0" anchor="ctr">
+                    <a:lnL w="6350" cap="flat" cmpd="sng" algn="ctr">
                       <a:solidFill>
                         <a:srgbClr val="000000"/>
                       </a:solidFill>
@@ -8821,7 +8929,7 @@
                       <a:headEnd type="none" w="med" len="med"/>
                       <a:tailEnd type="none" w="med" len="med"/>
                     </a:lnL>
-                    <a:lnR w="12700" cap="flat" cmpd="sng" algn="ctr">
+                    <a:lnR w="6350" cap="flat" cmpd="sng" algn="ctr">
                       <a:solidFill>
                         <a:srgbClr val="000000"/>
                       </a:solidFill>
@@ -8830,7 +8938,7 @@
                       <a:headEnd type="none" w="med" len="med"/>
                       <a:tailEnd type="none" w="med" len="med"/>
                     </a:lnR>
-                    <a:lnT w="12700" cap="flat" cmpd="sng" algn="ctr">
+                    <a:lnT w="6350" cap="flat" cmpd="sng" algn="ctr">
                       <a:solidFill>
                         <a:srgbClr val="000000"/>
                       </a:solidFill>
@@ -8839,7 +8947,7 @@
                       <a:headEnd type="none" w="med" len="med"/>
                       <a:tailEnd type="none" w="med" len="med"/>
                     </a:lnT>
-                    <a:lnB w="12700" cap="flat" cmpd="sng" algn="ctr">
+                    <a:lnB w="6350" cap="flat" cmpd="sng" algn="ctr">
                       <a:solidFill>
                         <a:srgbClr val="000000"/>
                       </a:solidFill>
@@ -8855,24 +8963,22 @@
                     <a:bodyPr/>
                     <a:lstStyle/>
                     <a:p>
-                      <a:pPr algn="l">
-                        <a:spcAft>
-                          <a:spcPts val="0"/>
-                        </a:spcAft>
-                      </a:pPr>
+                      <a:pPr algn="ctr" fontAlgn="b"/>
                       <a:r>
-                        <a:rPr lang="ja-JP" sz="1400" kern="100">
+                        <a:rPr lang="ja-JP" altLang="en-US" sz="1100" b="0" i="0" u="none" strike="noStrike">
+                          <a:solidFill>
+                            <a:srgbClr val="000000"/>
+                          </a:solidFill>
                           <a:effectLst/>
-                          <a:latin typeface="Century" panose="02040604050505020304" pitchFamily="18" charset="0"/>
-                          <a:ea typeface="ＭＳ 明朝" panose="02020609040205080304" pitchFamily="17" charset="-128"/>
-                          <a:cs typeface="Times New Roman" panose="02020603050405020304" pitchFamily="18" charset="0"/>
+                          <a:latin typeface="游ゴシック" panose="020B0400000000000000" pitchFamily="50" charset="-128"/>
+                          <a:ea typeface="游ゴシック" panose="020B0400000000000000" pitchFamily="50" charset="-128"/>
                         </a:rPr>
                         <a:t>基準４</a:t>
                       </a:r>
                     </a:p>
                   </a:txBody>
-                  <a:tcPr marL="51435" marR="51435" marT="0" marB="0">
-                    <a:lnL w="12700" cap="flat" cmpd="sng" algn="ctr">
+                  <a:tcPr marL="6350" marR="6350" marT="6350" marB="0" anchor="b">
+                    <a:lnL w="6350" cap="flat" cmpd="sng" algn="ctr">
                       <a:solidFill>
                         <a:srgbClr val="000000"/>
                       </a:solidFill>
@@ -8881,7 +8987,7 @@
                       <a:headEnd type="none" w="med" len="med"/>
                       <a:tailEnd type="none" w="med" len="med"/>
                     </a:lnL>
-                    <a:lnR w="12700" cap="flat" cmpd="sng" algn="ctr">
+                    <a:lnR w="6350" cap="flat" cmpd="sng" algn="ctr">
                       <a:solidFill>
                         <a:srgbClr val="000000"/>
                       </a:solidFill>
@@ -8890,7 +8996,7 @@
                       <a:headEnd type="none" w="med" len="med"/>
                       <a:tailEnd type="none" w="med" len="med"/>
                     </a:lnR>
-                    <a:lnT w="12700" cap="flat" cmpd="sng" algn="ctr">
+                    <a:lnT w="6350" cap="flat" cmpd="sng" algn="ctr">
                       <a:solidFill>
                         <a:srgbClr val="000000"/>
                       </a:solidFill>
@@ -8899,7 +9005,7 @@
                       <a:headEnd type="none" w="med" len="med"/>
                       <a:tailEnd type="none" w="med" len="med"/>
                     </a:lnT>
-                    <a:lnB w="12700" cap="flat" cmpd="sng" algn="ctr">
+                    <a:lnB w="6350" cap="flat" cmpd="sng" algn="ctr">
                       <a:solidFill>
                         <a:srgbClr val="000000"/>
                       </a:solidFill>
@@ -8915,24 +9021,22 @@
                     <a:bodyPr/>
                     <a:lstStyle/>
                     <a:p>
-                      <a:pPr algn="l">
-                        <a:spcAft>
-                          <a:spcPts val="0"/>
-                        </a:spcAft>
-                      </a:pPr>
+                      <a:pPr algn="ctr" fontAlgn="ctr"/>
                       <a:r>
-                        <a:rPr lang="ja-JP" sz="1400" kern="100">
+                        <a:rPr lang="ja-JP" altLang="en-US" sz="1100" b="0" i="0" u="none" strike="noStrike">
+                          <a:solidFill>
+                            <a:srgbClr val="000000"/>
+                          </a:solidFill>
                           <a:effectLst/>
-                          <a:latin typeface="Century" panose="02040604050505020304" pitchFamily="18" charset="0"/>
-                          <a:ea typeface="ＭＳ 明朝" panose="02020609040205080304" pitchFamily="17" charset="-128"/>
-                          <a:cs typeface="Times New Roman" panose="02020603050405020304" pitchFamily="18" charset="0"/>
+                          <a:latin typeface="游ゴシック" panose="020B0400000000000000" pitchFamily="50" charset="-128"/>
+                          <a:ea typeface="游ゴシック" panose="020B0400000000000000" pitchFamily="50" charset="-128"/>
                         </a:rPr>
                         <a:t>基準５</a:t>
                       </a:r>
                     </a:p>
                   </a:txBody>
-                  <a:tcPr marL="51435" marR="51435" marT="0" marB="0">
-                    <a:lnL w="12700" cap="flat" cmpd="sng" algn="ctr">
+                  <a:tcPr marL="6350" marR="6350" marT="6350" marB="0" anchor="ctr">
+                    <a:lnL w="6350" cap="flat" cmpd="sng" algn="ctr">
                       <a:solidFill>
                         <a:srgbClr val="000000"/>
                       </a:solidFill>
@@ -8941,10 +9045,16 @@
                       <a:headEnd type="none" w="med" len="med"/>
                       <a:tailEnd type="none" w="med" len="med"/>
                     </a:lnL>
-                    <a:lnR>
-                      <a:noFill/>
+                    <a:lnR w="12700" cap="flat" cmpd="sng" algn="ctr">
+                      <a:solidFill>
+                        <a:srgbClr val="000000"/>
+                      </a:solidFill>
+                      <a:prstDash val="solid"/>
+                      <a:round/>
+                      <a:headEnd type="none" w="med" len="med"/>
+                      <a:tailEnd type="none" w="med" len="med"/>
                     </a:lnR>
-                    <a:lnT w="12700" cap="flat" cmpd="sng" algn="ctr">
+                    <a:lnT w="6350" cap="flat" cmpd="sng" algn="ctr">
                       <a:solidFill>
                         <a:srgbClr val="000000"/>
                       </a:solidFill>
@@ -8953,7 +9063,7 @@
                       <a:headEnd type="none" w="med" len="med"/>
                       <a:tailEnd type="none" w="med" len="med"/>
                     </a:lnT>
-                    <a:lnB w="12700" cap="flat" cmpd="sng" algn="ctr">
+                    <a:lnB w="6350" cap="flat" cmpd="sng" algn="ctr">
                       <a:solidFill>
                         <a:srgbClr val="000000"/>
                       </a:solidFill>
@@ -8966,43 +9076,41 @@
                 </a:tc>
                 <a:extLst>
                   <a:ext uri="{0D108BD9-81ED-4DB2-BD59-A6C34878D82A}">
-                    <a16:rowId xmlns:a16="http://schemas.microsoft.com/office/drawing/2014/main" val="1976322942"/>
+                    <a16:rowId xmlns:a16="http://schemas.microsoft.com/office/drawing/2014/main" val="4164704022"/>
                   </a:ext>
                 </a:extLst>
               </a:tr>
-              <a:tr h="435755">
+              <a:tr h="401846">
                 <a:tc>
                   <a:txBody>
                     <a:bodyPr/>
                     <a:lstStyle/>
                     <a:p>
-                      <a:pPr algn="l">
-                        <a:spcAft>
-                          <a:spcPts val="0"/>
-                        </a:spcAft>
-                      </a:pPr>
+                      <a:pPr algn="r" fontAlgn="b"/>
                       <a:r>
-                        <a:rPr lang="en-US" sz="1400" kern="100">
+                        <a:rPr lang="en-US" altLang="ja-JP" sz="1100" b="0" i="0" u="none" strike="noStrike">
+                          <a:solidFill>
+                            <a:srgbClr val="000000"/>
+                          </a:solidFill>
                           <a:effectLst/>
-                          <a:latin typeface="Century" panose="02040604050505020304" pitchFamily="18" charset="0"/>
-                          <a:ea typeface="ＭＳ 明朝" panose="02020609040205080304" pitchFamily="17" charset="-128"/>
-                          <a:cs typeface="Times New Roman" panose="02020603050405020304" pitchFamily="18" charset="0"/>
+                          <a:latin typeface="游ゴシック" panose="020B0400000000000000" pitchFamily="50" charset="-128"/>
+                          <a:ea typeface="游ゴシック" panose="020B0400000000000000" pitchFamily="50" charset="-128"/>
                         </a:rPr>
                         <a:t>100%</a:t>
                       </a:r>
-                      <a:endParaRPr lang="ja-JP" sz="1400" kern="100">
-                        <a:effectLst/>
-                        <a:latin typeface="Century" panose="02040604050505020304" pitchFamily="18" charset="0"/>
-                        <a:ea typeface="ＭＳ 明朝" panose="02020609040205080304" pitchFamily="17" charset="-128"/>
-                        <a:cs typeface="Times New Roman" panose="02020603050405020304" pitchFamily="18" charset="0"/>
-                      </a:endParaRPr>
                     </a:p>
                   </a:txBody>
-                  <a:tcPr marL="51435" marR="51435" marT="0" marB="0">
-                    <a:lnL>
-                      <a:noFill/>
+                  <a:tcPr marL="6350" marR="6350" marT="6350" marB="0" anchor="b">
+                    <a:lnL w="12700" cap="flat" cmpd="sng" algn="ctr">
+                      <a:solidFill>
+                        <a:srgbClr val="000000"/>
+                      </a:solidFill>
+                      <a:prstDash val="solid"/>
+                      <a:round/>
+                      <a:headEnd type="none" w="med" len="med"/>
+                      <a:tailEnd type="none" w="med" len="med"/>
                     </a:lnL>
-                    <a:lnR w="12700" cap="flat" cmpd="sng" algn="ctr">
+                    <a:lnR w="6350" cap="flat" cmpd="sng" algn="ctr">
                       <a:solidFill>
                         <a:srgbClr val="000000"/>
                       </a:solidFill>
@@ -9011,7 +9119,7 @@
                       <a:headEnd type="none" w="med" len="med"/>
                       <a:tailEnd type="none" w="med" len="med"/>
                     </a:lnR>
-                    <a:lnT w="12700" cap="flat" cmpd="sng" algn="ctr">
+                    <a:lnT w="6350" cap="flat" cmpd="sng" algn="ctr">
                       <a:solidFill>
                         <a:srgbClr val="000000"/>
                       </a:solidFill>
@@ -9036,30 +9144,22 @@
                     <a:bodyPr/>
                     <a:lstStyle/>
                     <a:p>
-                      <a:pPr algn="l">
-                        <a:spcAft>
-                          <a:spcPts val="0"/>
-                        </a:spcAft>
-                      </a:pPr>
+                      <a:pPr algn="r" fontAlgn="b"/>
                       <a:r>
-                        <a:rPr lang="en-US" sz="1400" kern="100">
+                        <a:rPr lang="en-US" altLang="ja-JP" sz="1100" b="0" i="0" u="none" strike="noStrike">
+                          <a:solidFill>
+                            <a:srgbClr val="000000"/>
+                          </a:solidFill>
                           <a:effectLst/>
-                          <a:latin typeface="Century" panose="02040604050505020304" pitchFamily="18" charset="0"/>
-                          <a:ea typeface="ＭＳ 明朝" panose="02020609040205080304" pitchFamily="17" charset="-128"/>
-                          <a:cs typeface="Times New Roman" panose="02020603050405020304" pitchFamily="18" charset="0"/>
+                          <a:latin typeface="游ゴシック" panose="020B0400000000000000" pitchFamily="50" charset="-128"/>
+                          <a:ea typeface="游ゴシック" panose="020B0400000000000000" pitchFamily="50" charset="-128"/>
                         </a:rPr>
                         <a:t>100%</a:t>
                       </a:r>
-                      <a:endParaRPr lang="ja-JP" sz="1400" kern="100">
-                        <a:effectLst/>
-                        <a:latin typeface="Century" panose="02040604050505020304" pitchFamily="18" charset="0"/>
-                        <a:ea typeface="ＭＳ 明朝" panose="02020609040205080304" pitchFamily="17" charset="-128"/>
-                        <a:cs typeface="Times New Roman" panose="02020603050405020304" pitchFamily="18" charset="0"/>
-                      </a:endParaRPr>
                     </a:p>
                   </a:txBody>
-                  <a:tcPr marL="51435" marR="51435" marT="0" marB="0">
-                    <a:lnL w="12700" cap="flat" cmpd="sng" algn="ctr">
+                  <a:tcPr marL="6350" marR="6350" marT="6350" marB="0" anchor="b">
+                    <a:lnL w="6350" cap="flat" cmpd="sng" algn="ctr">
                       <a:solidFill>
                         <a:srgbClr val="000000"/>
                       </a:solidFill>
@@ -9068,7 +9168,7 @@
                       <a:headEnd type="none" w="med" len="med"/>
                       <a:tailEnd type="none" w="med" len="med"/>
                     </a:lnL>
-                    <a:lnR w="12700" cap="flat" cmpd="sng" algn="ctr">
+                    <a:lnR w="6350" cap="flat" cmpd="sng" algn="ctr">
                       <a:solidFill>
                         <a:srgbClr val="000000"/>
                       </a:solidFill>
@@ -9077,7 +9177,7 @@
                       <a:headEnd type="none" w="med" len="med"/>
                       <a:tailEnd type="none" w="med" len="med"/>
                     </a:lnR>
-                    <a:lnT w="12700" cap="flat" cmpd="sng" algn="ctr">
+                    <a:lnT w="6350" cap="flat" cmpd="sng" algn="ctr">
                       <a:solidFill>
                         <a:srgbClr val="000000"/>
                       </a:solidFill>
@@ -9102,30 +9202,22 @@
                     <a:bodyPr/>
                     <a:lstStyle/>
                     <a:p>
-                      <a:pPr algn="l">
-                        <a:spcAft>
-                          <a:spcPts val="0"/>
-                        </a:spcAft>
-                      </a:pPr>
+                      <a:pPr algn="r" fontAlgn="b"/>
                       <a:r>
-                        <a:rPr lang="en-US" sz="1400" kern="100">
+                        <a:rPr lang="en-US" altLang="ja-JP" sz="1100" b="0" i="0" u="none" strike="noStrike">
+                          <a:solidFill>
+                            <a:srgbClr val="000000"/>
+                          </a:solidFill>
                           <a:effectLst/>
-                          <a:latin typeface="Century" panose="02040604050505020304" pitchFamily="18" charset="0"/>
-                          <a:ea typeface="ＭＳ 明朝" panose="02020609040205080304" pitchFamily="17" charset="-128"/>
-                          <a:cs typeface="Times New Roman" panose="02020603050405020304" pitchFamily="18" charset="0"/>
+                          <a:latin typeface="游ゴシック" panose="020B0400000000000000" pitchFamily="50" charset="-128"/>
+                          <a:ea typeface="游ゴシック" panose="020B0400000000000000" pitchFamily="50" charset="-128"/>
                         </a:rPr>
-                        <a:t>73%</a:t>
+                        <a:t>77%</a:t>
                       </a:r>
-                      <a:endParaRPr lang="ja-JP" sz="1400" kern="100">
-                        <a:effectLst/>
-                        <a:latin typeface="Century" panose="02040604050505020304" pitchFamily="18" charset="0"/>
-                        <a:ea typeface="ＭＳ 明朝" panose="02020609040205080304" pitchFamily="17" charset="-128"/>
-                        <a:cs typeface="Times New Roman" panose="02020603050405020304" pitchFamily="18" charset="0"/>
-                      </a:endParaRPr>
                     </a:p>
                   </a:txBody>
-                  <a:tcPr marL="51435" marR="51435" marT="0" marB="0">
-                    <a:lnL w="12700" cap="flat" cmpd="sng" algn="ctr">
+                  <a:tcPr marL="6350" marR="6350" marT="6350" marB="0" anchor="b">
+                    <a:lnL w="6350" cap="flat" cmpd="sng" algn="ctr">
                       <a:solidFill>
                         <a:srgbClr val="000000"/>
                       </a:solidFill>
@@ -9134,7 +9226,7 @@
                       <a:headEnd type="none" w="med" len="med"/>
                       <a:tailEnd type="none" w="med" len="med"/>
                     </a:lnL>
-                    <a:lnR w="12700" cap="flat" cmpd="sng" algn="ctr">
+                    <a:lnR w="6350" cap="flat" cmpd="sng" algn="ctr">
                       <a:solidFill>
                         <a:srgbClr val="000000"/>
                       </a:solidFill>
@@ -9143,7 +9235,7 @@
                       <a:headEnd type="none" w="med" len="med"/>
                       <a:tailEnd type="none" w="med" len="med"/>
                     </a:lnR>
-                    <a:lnT w="12700" cap="flat" cmpd="sng" algn="ctr">
+                    <a:lnT w="6350" cap="flat" cmpd="sng" algn="ctr">
                       <a:solidFill>
                         <a:srgbClr val="000000"/>
                       </a:solidFill>
@@ -9168,30 +9260,22 @@
                     <a:bodyPr/>
                     <a:lstStyle/>
                     <a:p>
-                      <a:pPr algn="l">
-                        <a:spcAft>
-                          <a:spcPts val="0"/>
-                        </a:spcAft>
-                      </a:pPr>
+                      <a:pPr algn="r" fontAlgn="b"/>
                       <a:r>
-                        <a:rPr lang="en-US" sz="1400" kern="100" dirty="0">
+                        <a:rPr lang="en-US" altLang="ja-JP" sz="1100" b="0" i="0" u="none" strike="noStrike">
+                          <a:solidFill>
+                            <a:srgbClr val="000000"/>
+                          </a:solidFill>
                           <a:effectLst/>
-                          <a:latin typeface="Century" panose="02040604050505020304" pitchFamily="18" charset="0"/>
-                          <a:ea typeface="ＭＳ 明朝" panose="02020609040205080304" pitchFamily="17" charset="-128"/>
-                          <a:cs typeface="Times New Roman" panose="02020603050405020304" pitchFamily="18" charset="0"/>
+                          <a:latin typeface="游ゴシック" panose="020B0400000000000000" pitchFamily="50" charset="-128"/>
+                          <a:ea typeface="游ゴシック" panose="020B0400000000000000" pitchFamily="50" charset="-128"/>
                         </a:rPr>
-                        <a:t>0.648889</a:t>
+                        <a:t>0.781476</a:t>
                       </a:r>
-                      <a:endParaRPr lang="ja-JP" sz="1400" kern="100" dirty="0">
-                        <a:effectLst/>
-                        <a:latin typeface="Century" panose="02040604050505020304" pitchFamily="18" charset="0"/>
-                        <a:ea typeface="ＭＳ 明朝" panose="02020609040205080304" pitchFamily="17" charset="-128"/>
-                        <a:cs typeface="Times New Roman" panose="02020603050405020304" pitchFamily="18" charset="0"/>
-                      </a:endParaRPr>
                     </a:p>
                   </a:txBody>
-                  <a:tcPr marL="51435" marR="51435" marT="0" marB="0">
-                    <a:lnL w="12700" cap="flat" cmpd="sng" algn="ctr">
+                  <a:tcPr marL="6350" marR="6350" marT="6350" marB="0" anchor="b">
+                    <a:lnL w="6350" cap="flat" cmpd="sng" algn="ctr">
                       <a:solidFill>
                         <a:srgbClr val="000000"/>
                       </a:solidFill>
@@ -9200,7 +9284,7 @@
                       <a:headEnd type="none" w="med" len="med"/>
                       <a:tailEnd type="none" w="med" len="med"/>
                     </a:lnL>
-                    <a:lnR w="12700" cap="flat" cmpd="sng" algn="ctr">
+                    <a:lnR w="6350" cap="flat" cmpd="sng" algn="ctr">
                       <a:solidFill>
                         <a:srgbClr val="000000"/>
                       </a:solidFill>
@@ -9209,7 +9293,7 @@
                       <a:headEnd type="none" w="med" len="med"/>
                       <a:tailEnd type="none" w="med" len="med"/>
                     </a:lnR>
-                    <a:lnT w="12700" cap="flat" cmpd="sng" algn="ctr">
+                    <a:lnT w="6350" cap="flat" cmpd="sng" algn="ctr">
                       <a:solidFill>
                         <a:srgbClr val="000000"/>
                       </a:solidFill>
@@ -9234,30 +9318,22 @@
                     <a:bodyPr/>
                     <a:lstStyle/>
                     <a:p>
-                      <a:pPr algn="l">
-                        <a:spcAft>
-                          <a:spcPts val="0"/>
-                        </a:spcAft>
-                      </a:pPr>
+                      <a:pPr algn="r" fontAlgn="b"/>
                       <a:r>
-                        <a:rPr lang="en-US" sz="1400" kern="100" dirty="0">
+                        <a:rPr lang="en-US" altLang="ja-JP" sz="1100" b="0" i="0" u="none" strike="noStrike" dirty="0">
+                          <a:solidFill>
+                            <a:srgbClr val="000000"/>
+                          </a:solidFill>
                           <a:effectLst/>
-                          <a:latin typeface="Century" panose="02040604050505020304" pitchFamily="18" charset="0"/>
-                          <a:ea typeface="ＭＳ 明朝" panose="02020609040205080304" pitchFamily="17" charset="-128"/>
-                          <a:cs typeface="Times New Roman" panose="02020603050405020304" pitchFamily="18" charset="0"/>
+                          <a:latin typeface="游ゴシック" panose="020B0400000000000000" pitchFamily="50" charset="-128"/>
+                          <a:ea typeface="游ゴシック" panose="020B0400000000000000" pitchFamily="50" charset="-128"/>
                         </a:rPr>
                         <a:t>100%</a:t>
                       </a:r>
-                      <a:endParaRPr lang="ja-JP" sz="1400" kern="100" dirty="0">
-                        <a:effectLst/>
-                        <a:latin typeface="Century" panose="02040604050505020304" pitchFamily="18" charset="0"/>
-                        <a:ea typeface="ＭＳ 明朝" panose="02020609040205080304" pitchFamily="17" charset="-128"/>
-                        <a:cs typeface="Times New Roman" panose="02020603050405020304" pitchFamily="18" charset="0"/>
-                      </a:endParaRPr>
                     </a:p>
                   </a:txBody>
-                  <a:tcPr marL="51435" marR="51435" marT="0" marB="0">
-                    <a:lnL w="12700" cap="flat" cmpd="sng" algn="ctr">
+                  <a:tcPr marL="6350" marR="6350" marT="6350" marB="0" anchor="b">
+                    <a:lnL w="6350" cap="flat" cmpd="sng" algn="ctr">
                       <a:solidFill>
                         <a:srgbClr val="000000"/>
                       </a:solidFill>
@@ -9266,10 +9342,16 @@
                       <a:headEnd type="none" w="med" len="med"/>
                       <a:tailEnd type="none" w="med" len="med"/>
                     </a:lnL>
-                    <a:lnR>
-                      <a:noFill/>
+                    <a:lnR w="12700" cap="flat" cmpd="sng" algn="ctr">
+                      <a:solidFill>
+                        <a:srgbClr val="000000"/>
+                      </a:solidFill>
+                      <a:prstDash val="solid"/>
+                      <a:round/>
+                      <a:headEnd type="none" w="med" len="med"/>
+                      <a:tailEnd type="none" w="med" len="med"/>
                     </a:lnR>
-                    <a:lnT w="12700" cap="flat" cmpd="sng" algn="ctr">
+                    <a:lnT w="6350" cap="flat" cmpd="sng" algn="ctr">
                       <a:solidFill>
                         <a:srgbClr val="000000"/>
                       </a:solidFill>
@@ -9291,7 +9373,7 @@
                 </a:tc>
                 <a:extLst>
                   <a:ext uri="{0D108BD9-81ED-4DB2-BD59-A6C34878D82A}">
-                    <a16:rowId xmlns:a16="http://schemas.microsoft.com/office/drawing/2014/main" val="124754882"/>
+                    <a16:rowId xmlns:a16="http://schemas.microsoft.com/office/drawing/2014/main" val="4014429138"/>
                   </a:ext>
                 </a:extLst>
               </a:tr>
@@ -9301,90 +9383,94 @@
       </p:graphicFrame>
       <p:graphicFrame>
         <p:nvGraphicFramePr>
-          <p:cNvPr id="16" name="表 15"/>
+          <p:cNvPr id="15" name="表 14"/>
           <p:cNvGraphicFramePr>
             <a:graphicFrameLocks noGrp="1"/>
           </p:cNvGraphicFramePr>
           <p:nvPr>
             <p:extLst>
               <p:ext uri="{D42A27DB-BD31-4B8C-83A1-F6EECF244321}">
-                <p14:modId xmlns:p14="http://schemas.microsoft.com/office/powerpoint/2010/main" val="2911965660"/>
+                <p14:modId xmlns:p14="http://schemas.microsoft.com/office/powerpoint/2010/main" val="3537153060"/>
               </p:ext>
             </p:extLst>
           </p:nvPr>
         </p:nvGraphicFramePr>
         <p:xfrm>
-          <a:off x="4921261" y="4383550"/>
-          <a:ext cx="4109800" cy="1058261"/>
+          <a:off x="4662947" y="4617025"/>
+          <a:ext cx="4197831" cy="1168780"/>
         </p:xfrm>
         <a:graphic>
           <a:graphicData uri="http://schemas.openxmlformats.org/drawingml/2006/table">
             <a:tbl>
-              <a:tblPr firstRow="1" firstCol="1" bandRow="1"/>
+              <a:tblPr/>
               <a:tblGrid>
-                <a:gridCol w="821960">
+                <a:gridCol w="643668">
                   <a:extLst>
                     <a:ext uri="{9D8B030D-6E8A-4147-A177-3AD203B41FA5}">
-                      <a16:colId xmlns:a16="http://schemas.microsoft.com/office/drawing/2014/main" val="3083673584"/>
+                      <a16:colId xmlns:a16="http://schemas.microsoft.com/office/drawing/2014/main" val="653249075"/>
                     </a:ext>
                   </a:extLst>
                 </a:gridCol>
-                <a:gridCol w="821960">
+                <a:gridCol w="643668">
                   <a:extLst>
                     <a:ext uri="{9D8B030D-6E8A-4147-A177-3AD203B41FA5}">
-                      <a16:colId xmlns:a16="http://schemas.microsoft.com/office/drawing/2014/main" val="3593110817"/>
+                      <a16:colId xmlns:a16="http://schemas.microsoft.com/office/drawing/2014/main" val="2603337787"/>
                     </a:ext>
                   </a:extLst>
                 </a:gridCol>
-                <a:gridCol w="717651">
+                <a:gridCol w="970165">
                   <a:extLst>
                     <a:ext uri="{9D8B030D-6E8A-4147-A177-3AD203B41FA5}">
-                      <a16:colId xmlns:a16="http://schemas.microsoft.com/office/drawing/2014/main" val="2063951516"/>
+                      <a16:colId xmlns:a16="http://schemas.microsoft.com/office/drawing/2014/main" val="617556701"/>
                     </a:ext>
                   </a:extLst>
                 </a:gridCol>
-                <a:gridCol w="926269">
+                <a:gridCol w="970165">
                   <a:extLst>
                     <a:ext uri="{9D8B030D-6E8A-4147-A177-3AD203B41FA5}">
-                      <a16:colId xmlns:a16="http://schemas.microsoft.com/office/drawing/2014/main" val="2484128576"/>
+                      <a16:colId xmlns:a16="http://schemas.microsoft.com/office/drawing/2014/main" val="1221401000"/>
                     </a:ext>
                   </a:extLst>
                 </a:gridCol>
-                <a:gridCol w="821960">
+                <a:gridCol w="970165">
                   <a:extLst>
                     <a:ext uri="{9D8B030D-6E8A-4147-A177-3AD203B41FA5}">
-                      <a16:colId xmlns:a16="http://schemas.microsoft.com/office/drawing/2014/main" val="2873642432"/>
+                      <a16:colId xmlns:a16="http://schemas.microsoft.com/office/drawing/2014/main" val="2657690408"/>
                     </a:ext>
                   </a:extLst>
                 </a:gridCol>
               </a:tblGrid>
-              <a:tr h="311253">
+              <a:tr h="386019">
                 <a:tc gridSpan="2">
                   <a:txBody>
                     <a:bodyPr/>
                     <a:lstStyle/>
                     <a:p>
-                      <a:pPr algn="l">
-                        <a:spcAft>
-                          <a:spcPts val="0"/>
-                        </a:spcAft>
-                      </a:pPr>
+                      <a:pPr algn="ctr" fontAlgn="ctr"/>
                       <a:r>
-                        <a:rPr lang="ja-JP" sz="1400" kern="100">
+                        <a:rPr lang="ja-JP" altLang="en-US" sz="1100" b="0" i="0" u="none" strike="noStrike">
+                          <a:solidFill>
+                            <a:srgbClr val="000000"/>
+                          </a:solidFill>
                           <a:effectLst/>
-                          <a:latin typeface="Century" panose="02040604050505020304" pitchFamily="18" charset="0"/>
-                          <a:ea typeface="ＭＳ 明朝" panose="02020609040205080304" pitchFamily="17" charset="-128"/>
-                          <a:cs typeface="Times New Roman" panose="02020603050405020304" pitchFamily="18" charset="0"/>
+                          <a:latin typeface="游ゴシック" panose="020B0400000000000000" pitchFamily="50" charset="-128"/>
+                          <a:ea typeface="游ゴシック" panose="020B0400000000000000" pitchFamily="50" charset="-128"/>
                         </a:rPr>
                         <a:t>難易度</a:t>
                       </a:r>
                     </a:p>
                   </a:txBody>
-                  <a:tcPr marL="51435" marR="51435" marT="0" marB="0">
-                    <a:lnL>
-                      <a:noFill/>
+                  <a:tcPr marL="6350" marR="6350" marT="6350" marB="0" anchor="ctr">
+                    <a:lnL w="12700" cap="flat" cmpd="sng" algn="ctr">
+                      <a:solidFill>
+                        <a:srgbClr val="000000"/>
+                      </a:solidFill>
+                      <a:prstDash val="solid"/>
+                      <a:round/>
+                      <a:headEnd type="none" w="med" len="med"/>
+                      <a:tailEnd type="none" w="med" len="med"/>
                     </a:lnL>
-                    <a:lnR w="12700" cap="flat" cmpd="sng" algn="ctr">
+                    <a:lnR w="6350" cap="flat" cmpd="sng" algn="ctr">
                       <a:solidFill>
                         <a:srgbClr val="000000"/>
                       </a:solidFill>
@@ -9402,7 +9488,7 @@
                       <a:headEnd type="none" w="med" len="med"/>
                       <a:tailEnd type="none" w="med" len="med"/>
                     </a:lnT>
-                    <a:lnB w="12700" cap="flat" cmpd="sng" algn="ctr">
+                    <a:lnB w="6350" cap="flat" cmpd="sng" algn="ctr">
                       <a:solidFill>
                         <a:srgbClr val="000000"/>
                       </a:solidFill>
@@ -9428,24 +9514,22 @@
                     <a:bodyPr/>
                     <a:lstStyle/>
                     <a:p>
-                      <a:pPr algn="l">
-                        <a:spcAft>
-                          <a:spcPts val="0"/>
-                        </a:spcAft>
-                      </a:pPr>
+                      <a:pPr algn="l" fontAlgn="ctr"/>
                       <a:r>
-                        <a:rPr lang="ja-JP" sz="1400" kern="100">
+                        <a:rPr lang="ja-JP" altLang="en-US" sz="1100" b="0" i="0" u="none" strike="noStrike">
+                          <a:solidFill>
+                            <a:srgbClr val="000000"/>
+                          </a:solidFill>
                           <a:effectLst/>
-                          <a:latin typeface="Century" panose="02040604050505020304" pitchFamily="18" charset="0"/>
-                          <a:ea typeface="ＭＳ 明朝" panose="02020609040205080304" pitchFamily="17" charset="-128"/>
-                          <a:cs typeface="Times New Roman" panose="02020603050405020304" pitchFamily="18" charset="0"/>
+                          <a:latin typeface="游ゴシック" panose="020B0400000000000000" pitchFamily="50" charset="-128"/>
+                          <a:ea typeface="游ゴシック" panose="020B0400000000000000" pitchFamily="50" charset="-128"/>
                         </a:rPr>
                         <a:t>難しい</a:t>
                       </a:r>
                     </a:p>
                   </a:txBody>
-                  <a:tcPr marL="51435" marR="51435" marT="0" marB="0">
-                    <a:lnL w="12700" cap="flat" cmpd="sng" algn="ctr">
+                  <a:tcPr marL="6350" marR="6350" marT="6350" marB="0" anchor="ctr">
+                    <a:lnL w="6350" cap="flat" cmpd="sng" algn="ctr">
                       <a:solidFill>
                         <a:srgbClr val="000000"/>
                       </a:solidFill>
@@ -9454,7 +9538,7 @@
                       <a:headEnd type="none" w="med" len="med"/>
                       <a:tailEnd type="none" w="med" len="med"/>
                     </a:lnL>
-                    <a:lnR w="12700" cap="flat" cmpd="sng" algn="ctr">
+                    <a:lnR w="6350" cap="flat" cmpd="sng" algn="ctr">
                       <a:solidFill>
                         <a:srgbClr val="000000"/>
                       </a:solidFill>
@@ -9472,7 +9556,7 @@
                       <a:headEnd type="none" w="med" len="med"/>
                       <a:tailEnd type="none" w="med" len="med"/>
                     </a:lnT>
-                    <a:lnB w="12700" cap="flat" cmpd="sng" algn="ctr">
+                    <a:lnB w="6350" cap="flat" cmpd="sng" algn="ctr">
                       <a:solidFill>
                         <a:srgbClr val="000000"/>
                       </a:solidFill>
@@ -9488,24 +9572,22 @@
                     <a:bodyPr/>
                     <a:lstStyle/>
                     <a:p>
-                      <a:pPr algn="l">
-                        <a:spcAft>
-                          <a:spcPts val="0"/>
-                        </a:spcAft>
-                      </a:pPr>
+                      <a:pPr algn="ctr" fontAlgn="ctr"/>
                       <a:r>
-                        <a:rPr lang="ja-JP" sz="1400" kern="100" dirty="0">
+                        <a:rPr lang="ja-JP" altLang="en-US" sz="1100" b="0" i="0" u="none" strike="noStrike">
+                          <a:solidFill>
+                            <a:srgbClr val="000000"/>
+                          </a:solidFill>
                           <a:effectLst/>
-                          <a:latin typeface="Century" panose="02040604050505020304" pitchFamily="18" charset="0"/>
-                          <a:ea typeface="ＭＳ 明朝" panose="02020609040205080304" pitchFamily="17" charset="-128"/>
-                          <a:cs typeface="Times New Roman" panose="02020603050405020304" pitchFamily="18" charset="0"/>
+                          <a:latin typeface="游ゴシック" panose="020B0400000000000000" pitchFamily="50" charset="-128"/>
+                          <a:ea typeface="游ゴシック" panose="020B0400000000000000" pitchFamily="50" charset="-128"/>
                         </a:rPr>
                         <a:t>問題数</a:t>
                       </a:r>
                     </a:p>
                   </a:txBody>
-                  <a:tcPr marL="51435" marR="51435" marT="0" marB="0">
-                    <a:lnL w="12700" cap="flat" cmpd="sng" algn="ctr">
+                  <a:tcPr marL="6350" marR="6350" marT="6350" marB="0" anchor="ctr">
+                    <a:lnL w="6350" cap="flat" cmpd="sng" algn="ctr">
                       <a:solidFill>
                         <a:srgbClr val="000000"/>
                       </a:solidFill>
@@ -9514,7 +9596,7 @@
                       <a:headEnd type="none" w="med" len="med"/>
                       <a:tailEnd type="none" w="med" len="med"/>
                     </a:lnL>
-                    <a:lnR w="12700" cap="flat" cmpd="sng" algn="ctr">
+                    <a:lnR w="6350" cap="flat" cmpd="sng" algn="ctr">
                       <a:solidFill>
                         <a:srgbClr val="000000"/>
                       </a:solidFill>
@@ -9532,7 +9614,7 @@
                       <a:headEnd type="none" w="med" len="med"/>
                       <a:tailEnd type="none" w="med" len="med"/>
                     </a:lnT>
-                    <a:lnB w="12700" cap="flat" cmpd="sng" algn="ctr">
+                    <a:lnB w="6350" cap="flat" cmpd="sng" algn="ctr">
                       <a:solidFill>
                         <a:srgbClr val="000000"/>
                       </a:solidFill>
@@ -9548,30 +9630,22 @@
                     <a:bodyPr/>
                     <a:lstStyle/>
                     <a:p>
-                      <a:pPr algn="l">
-                        <a:spcAft>
-                          <a:spcPts val="0"/>
-                        </a:spcAft>
-                      </a:pPr>
+                      <a:pPr algn="r" fontAlgn="ctr"/>
                       <a:r>
-                        <a:rPr lang="en-US" sz="1400" kern="100">
+                        <a:rPr lang="en-US" altLang="ja-JP" sz="1100" b="0" i="0" u="none" strike="noStrike">
+                          <a:solidFill>
+                            <a:srgbClr val="000000"/>
+                          </a:solidFill>
                           <a:effectLst/>
-                          <a:latin typeface="Century" panose="02040604050505020304" pitchFamily="18" charset="0"/>
-                          <a:ea typeface="ＭＳ 明朝" panose="02020609040205080304" pitchFamily="17" charset="-128"/>
-                          <a:cs typeface="Times New Roman" panose="02020603050405020304" pitchFamily="18" charset="0"/>
+                          <a:latin typeface="游ゴシック" panose="020B0400000000000000" pitchFamily="50" charset="-128"/>
+                          <a:ea typeface="游ゴシック" panose="020B0400000000000000" pitchFamily="50" charset="-128"/>
                         </a:rPr>
-                        <a:t>15</a:t>
+                        <a:t>89</a:t>
                       </a:r>
-                      <a:endParaRPr lang="ja-JP" sz="1400" kern="100">
-                        <a:effectLst/>
-                        <a:latin typeface="Century" panose="02040604050505020304" pitchFamily="18" charset="0"/>
-                        <a:ea typeface="ＭＳ 明朝" panose="02020609040205080304" pitchFamily="17" charset="-128"/>
-                        <a:cs typeface="Times New Roman" panose="02020603050405020304" pitchFamily="18" charset="0"/>
-                      </a:endParaRPr>
                     </a:p>
                   </a:txBody>
-                  <a:tcPr marL="51435" marR="51435" marT="0" marB="0">
-                    <a:lnL w="12700" cap="flat" cmpd="sng" algn="ctr">
+                  <a:tcPr marL="6350" marR="6350" marT="6350" marB="0" anchor="ctr">
+                    <a:lnL w="6350" cap="flat" cmpd="sng" algn="ctr">
                       <a:solidFill>
                         <a:srgbClr val="000000"/>
                       </a:solidFill>
@@ -9580,8 +9654,14 @@
                       <a:headEnd type="none" w="med" len="med"/>
                       <a:tailEnd type="none" w="med" len="med"/>
                     </a:lnL>
-                    <a:lnR>
-                      <a:noFill/>
+                    <a:lnR w="12700" cap="flat" cmpd="sng" algn="ctr">
+                      <a:solidFill>
+                        <a:srgbClr val="000000"/>
+                      </a:solidFill>
+                      <a:prstDash val="solid"/>
+                      <a:round/>
+                      <a:headEnd type="none" w="med" len="med"/>
+                      <a:tailEnd type="none" w="med" len="med"/>
                     </a:lnR>
                     <a:lnT w="12700" cap="flat" cmpd="sng" algn="ctr">
                       <a:solidFill>
@@ -9592,7 +9672,7 @@
                       <a:headEnd type="none" w="med" len="med"/>
                       <a:tailEnd type="none" w="med" len="med"/>
                     </a:lnT>
-                    <a:lnB w="12700" cap="flat" cmpd="sng" algn="ctr">
+                    <a:lnB w="6350" cap="flat" cmpd="sng" algn="ctr">
                       <a:solidFill>
                         <a:srgbClr val="000000"/>
                       </a:solidFill>
@@ -9605,37 +9685,41 @@
                 </a:tc>
                 <a:extLst>
                   <a:ext uri="{0D108BD9-81ED-4DB2-BD59-A6C34878D82A}">
-                    <a16:rowId xmlns:a16="http://schemas.microsoft.com/office/drawing/2014/main" val="888248534"/>
+                    <a16:rowId xmlns:a16="http://schemas.microsoft.com/office/drawing/2014/main" val="470413764"/>
                   </a:ext>
                 </a:extLst>
               </a:tr>
-              <a:tr h="311253">
+              <a:tr h="386019">
                 <a:tc>
                   <a:txBody>
                     <a:bodyPr/>
                     <a:lstStyle/>
                     <a:p>
-                      <a:pPr algn="l">
-                        <a:spcAft>
-                          <a:spcPts val="0"/>
-                        </a:spcAft>
-                      </a:pPr>
+                      <a:pPr algn="ctr" fontAlgn="ctr"/>
                       <a:r>
-                        <a:rPr lang="ja-JP" sz="1400" kern="100" dirty="0">
+                        <a:rPr lang="ja-JP" altLang="en-US" sz="1100" b="0" i="0" u="none" strike="noStrike">
+                          <a:solidFill>
+                            <a:srgbClr val="000000"/>
+                          </a:solidFill>
                           <a:effectLst/>
-                          <a:latin typeface="Century" panose="02040604050505020304" pitchFamily="18" charset="0"/>
-                          <a:ea typeface="ＭＳ 明朝" panose="02020609040205080304" pitchFamily="17" charset="-128"/>
-                          <a:cs typeface="Times New Roman" panose="02020603050405020304" pitchFamily="18" charset="0"/>
+                          <a:latin typeface="游ゴシック" panose="020B0400000000000000" pitchFamily="50" charset="-128"/>
+                          <a:ea typeface="游ゴシック" panose="020B0400000000000000" pitchFamily="50" charset="-128"/>
                         </a:rPr>
                         <a:t>基準１</a:t>
                       </a:r>
                     </a:p>
                   </a:txBody>
-                  <a:tcPr marL="51435" marR="51435" marT="0" marB="0">
-                    <a:lnL>
-                      <a:noFill/>
+                  <a:tcPr marL="6350" marR="6350" marT="6350" marB="0" anchor="ctr">
+                    <a:lnL w="12700" cap="flat" cmpd="sng" algn="ctr">
+                      <a:solidFill>
+                        <a:srgbClr val="000000"/>
+                      </a:solidFill>
+                      <a:prstDash val="solid"/>
+                      <a:round/>
+                      <a:headEnd type="none" w="med" len="med"/>
+                      <a:tailEnd type="none" w="med" len="med"/>
                     </a:lnL>
-                    <a:lnR w="12700" cap="flat" cmpd="sng" algn="ctr">
+                    <a:lnR w="6350" cap="flat" cmpd="sng" algn="ctr">
                       <a:solidFill>
                         <a:srgbClr val="000000"/>
                       </a:solidFill>
@@ -9644,7 +9728,7 @@
                       <a:headEnd type="none" w="med" len="med"/>
                       <a:tailEnd type="none" w="med" len="med"/>
                     </a:lnR>
-                    <a:lnT w="12700" cap="flat" cmpd="sng" algn="ctr">
+                    <a:lnT w="6350" cap="flat" cmpd="sng" algn="ctr">
                       <a:solidFill>
                         <a:srgbClr val="000000"/>
                       </a:solidFill>
@@ -9653,7 +9737,7 @@
                       <a:headEnd type="none" w="med" len="med"/>
                       <a:tailEnd type="none" w="med" len="med"/>
                     </a:lnT>
-                    <a:lnB w="12700" cap="flat" cmpd="sng" algn="ctr">
+                    <a:lnB w="6350" cap="flat" cmpd="sng" algn="ctr">
                       <a:solidFill>
                         <a:srgbClr val="000000"/>
                       </a:solidFill>
@@ -9669,24 +9753,22 @@
                     <a:bodyPr/>
                     <a:lstStyle/>
                     <a:p>
-                      <a:pPr algn="l">
-                        <a:spcAft>
-                          <a:spcPts val="0"/>
-                        </a:spcAft>
-                      </a:pPr>
+                      <a:pPr algn="ctr" fontAlgn="ctr"/>
                       <a:r>
-                        <a:rPr lang="ja-JP" sz="1400" kern="100">
+                        <a:rPr lang="ja-JP" altLang="en-US" sz="1100" b="0" i="0" u="none" strike="noStrike">
+                          <a:solidFill>
+                            <a:srgbClr val="000000"/>
+                          </a:solidFill>
                           <a:effectLst/>
-                          <a:latin typeface="Century" panose="02040604050505020304" pitchFamily="18" charset="0"/>
-                          <a:ea typeface="ＭＳ 明朝" panose="02020609040205080304" pitchFamily="17" charset="-128"/>
-                          <a:cs typeface="Times New Roman" panose="02020603050405020304" pitchFamily="18" charset="0"/>
+                          <a:latin typeface="游ゴシック" panose="020B0400000000000000" pitchFamily="50" charset="-128"/>
+                          <a:ea typeface="游ゴシック" panose="020B0400000000000000" pitchFamily="50" charset="-128"/>
                         </a:rPr>
                         <a:t>基準２</a:t>
                       </a:r>
                     </a:p>
                   </a:txBody>
-                  <a:tcPr marL="51435" marR="51435" marT="0" marB="0">
-                    <a:lnL w="12700" cap="flat" cmpd="sng" algn="ctr">
+                  <a:tcPr marL="6350" marR="6350" marT="6350" marB="0" anchor="ctr">
+                    <a:lnL w="6350" cap="flat" cmpd="sng" algn="ctr">
                       <a:solidFill>
                         <a:srgbClr val="000000"/>
                       </a:solidFill>
@@ -9695,7 +9777,7 @@
                       <a:headEnd type="none" w="med" len="med"/>
                       <a:tailEnd type="none" w="med" len="med"/>
                     </a:lnL>
-                    <a:lnR w="12700" cap="flat" cmpd="sng" algn="ctr">
+                    <a:lnR w="6350" cap="flat" cmpd="sng" algn="ctr">
                       <a:solidFill>
                         <a:srgbClr val="000000"/>
                       </a:solidFill>
@@ -9704,7 +9786,7 @@
                       <a:headEnd type="none" w="med" len="med"/>
                       <a:tailEnd type="none" w="med" len="med"/>
                     </a:lnR>
-                    <a:lnT w="12700" cap="flat" cmpd="sng" algn="ctr">
+                    <a:lnT w="6350" cap="flat" cmpd="sng" algn="ctr">
                       <a:solidFill>
                         <a:srgbClr val="000000"/>
                       </a:solidFill>
@@ -9713,7 +9795,7 @@
                       <a:headEnd type="none" w="med" len="med"/>
                       <a:tailEnd type="none" w="med" len="med"/>
                     </a:lnT>
-                    <a:lnB w="12700" cap="flat" cmpd="sng" algn="ctr">
+                    <a:lnB w="6350" cap="flat" cmpd="sng" algn="ctr">
                       <a:solidFill>
                         <a:srgbClr val="000000"/>
                       </a:solidFill>
@@ -9729,24 +9811,22 @@
                     <a:bodyPr/>
                     <a:lstStyle/>
                     <a:p>
-                      <a:pPr algn="l">
-                        <a:spcAft>
-                          <a:spcPts val="0"/>
-                        </a:spcAft>
-                      </a:pPr>
+                      <a:pPr algn="ctr" fontAlgn="ctr"/>
                       <a:r>
-                        <a:rPr lang="ja-JP" sz="1400" kern="100">
+                        <a:rPr lang="ja-JP" altLang="en-US" sz="1100" b="0" i="0" u="none" strike="noStrike">
+                          <a:solidFill>
+                            <a:srgbClr val="000000"/>
+                          </a:solidFill>
                           <a:effectLst/>
-                          <a:latin typeface="Century" panose="02040604050505020304" pitchFamily="18" charset="0"/>
-                          <a:ea typeface="ＭＳ 明朝" panose="02020609040205080304" pitchFamily="17" charset="-128"/>
-                          <a:cs typeface="Times New Roman" panose="02020603050405020304" pitchFamily="18" charset="0"/>
+                          <a:latin typeface="游ゴシック" panose="020B0400000000000000" pitchFamily="50" charset="-128"/>
+                          <a:ea typeface="游ゴシック" panose="020B0400000000000000" pitchFamily="50" charset="-128"/>
                         </a:rPr>
                         <a:t>基準３</a:t>
                       </a:r>
                     </a:p>
                   </a:txBody>
-                  <a:tcPr marL="51435" marR="51435" marT="0" marB="0">
-                    <a:lnL w="12700" cap="flat" cmpd="sng" algn="ctr">
+                  <a:tcPr marL="6350" marR="6350" marT="6350" marB="0" anchor="ctr">
+                    <a:lnL w="6350" cap="flat" cmpd="sng" algn="ctr">
                       <a:solidFill>
                         <a:srgbClr val="000000"/>
                       </a:solidFill>
@@ -9755,7 +9835,7 @@
                       <a:headEnd type="none" w="med" len="med"/>
                       <a:tailEnd type="none" w="med" len="med"/>
                     </a:lnL>
-                    <a:lnR w="12700" cap="flat" cmpd="sng" algn="ctr">
+                    <a:lnR w="6350" cap="flat" cmpd="sng" algn="ctr">
                       <a:solidFill>
                         <a:srgbClr val="000000"/>
                       </a:solidFill>
@@ -9764,7 +9844,7 @@
                       <a:headEnd type="none" w="med" len="med"/>
                       <a:tailEnd type="none" w="med" len="med"/>
                     </a:lnR>
-                    <a:lnT w="12700" cap="flat" cmpd="sng" algn="ctr">
+                    <a:lnT w="6350" cap="flat" cmpd="sng" algn="ctr">
                       <a:solidFill>
                         <a:srgbClr val="000000"/>
                       </a:solidFill>
@@ -9773,7 +9853,7 @@
                       <a:headEnd type="none" w="med" len="med"/>
                       <a:tailEnd type="none" w="med" len="med"/>
                     </a:lnT>
-                    <a:lnB w="12700" cap="flat" cmpd="sng" algn="ctr">
+                    <a:lnB w="6350" cap="flat" cmpd="sng" algn="ctr">
                       <a:solidFill>
                         <a:srgbClr val="000000"/>
                       </a:solidFill>
@@ -9789,24 +9869,22 @@
                     <a:bodyPr/>
                     <a:lstStyle/>
                     <a:p>
-                      <a:pPr algn="l">
-                        <a:spcAft>
-                          <a:spcPts val="0"/>
-                        </a:spcAft>
-                      </a:pPr>
+                      <a:pPr algn="ctr" fontAlgn="b"/>
                       <a:r>
-                        <a:rPr lang="ja-JP" sz="1400" kern="100">
+                        <a:rPr lang="ja-JP" altLang="en-US" sz="1100" b="0" i="0" u="none" strike="noStrike">
+                          <a:solidFill>
+                            <a:srgbClr val="000000"/>
+                          </a:solidFill>
                           <a:effectLst/>
-                          <a:latin typeface="Century" panose="02040604050505020304" pitchFamily="18" charset="0"/>
-                          <a:ea typeface="ＭＳ 明朝" panose="02020609040205080304" pitchFamily="17" charset="-128"/>
-                          <a:cs typeface="Times New Roman" panose="02020603050405020304" pitchFamily="18" charset="0"/>
+                          <a:latin typeface="游ゴシック" panose="020B0400000000000000" pitchFamily="50" charset="-128"/>
+                          <a:ea typeface="游ゴシック" panose="020B0400000000000000" pitchFamily="50" charset="-128"/>
                         </a:rPr>
                         <a:t>基準４</a:t>
                       </a:r>
                     </a:p>
                   </a:txBody>
-                  <a:tcPr marL="51435" marR="51435" marT="0" marB="0">
-                    <a:lnL w="12700" cap="flat" cmpd="sng" algn="ctr">
+                  <a:tcPr marL="6350" marR="6350" marT="6350" marB="0" anchor="b">
+                    <a:lnL w="6350" cap="flat" cmpd="sng" algn="ctr">
                       <a:solidFill>
                         <a:srgbClr val="000000"/>
                       </a:solidFill>
@@ -9815,7 +9893,7 @@
                       <a:headEnd type="none" w="med" len="med"/>
                       <a:tailEnd type="none" w="med" len="med"/>
                     </a:lnL>
-                    <a:lnR w="12700" cap="flat" cmpd="sng" algn="ctr">
+                    <a:lnR w="6350" cap="flat" cmpd="sng" algn="ctr">
                       <a:solidFill>
                         <a:srgbClr val="000000"/>
                       </a:solidFill>
@@ -9824,7 +9902,7 @@
                       <a:headEnd type="none" w="med" len="med"/>
                       <a:tailEnd type="none" w="med" len="med"/>
                     </a:lnR>
-                    <a:lnT w="12700" cap="flat" cmpd="sng" algn="ctr">
+                    <a:lnT w="6350" cap="flat" cmpd="sng" algn="ctr">
                       <a:solidFill>
                         <a:srgbClr val="000000"/>
                       </a:solidFill>
@@ -9833,7 +9911,7 @@
                       <a:headEnd type="none" w="med" len="med"/>
                       <a:tailEnd type="none" w="med" len="med"/>
                     </a:lnT>
-                    <a:lnB w="12700" cap="flat" cmpd="sng" algn="ctr">
+                    <a:lnB w="6350" cap="flat" cmpd="sng" algn="ctr">
                       <a:solidFill>
                         <a:srgbClr val="000000"/>
                       </a:solidFill>
@@ -9849,24 +9927,22 @@
                     <a:bodyPr/>
                     <a:lstStyle/>
                     <a:p>
-                      <a:pPr algn="l">
-                        <a:spcAft>
-                          <a:spcPts val="0"/>
-                        </a:spcAft>
-                      </a:pPr>
+                      <a:pPr algn="ctr" fontAlgn="ctr"/>
                       <a:r>
-                        <a:rPr lang="ja-JP" sz="1400" kern="100">
+                        <a:rPr lang="ja-JP" altLang="en-US" sz="1100" b="0" i="0" u="none" strike="noStrike">
+                          <a:solidFill>
+                            <a:srgbClr val="000000"/>
+                          </a:solidFill>
                           <a:effectLst/>
-                          <a:latin typeface="Century" panose="02040604050505020304" pitchFamily="18" charset="0"/>
-                          <a:ea typeface="ＭＳ 明朝" panose="02020609040205080304" pitchFamily="17" charset="-128"/>
-                          <a:cs typeface="Times New Roman" panose="02020603050405020304" pitchFamily="18" charset="0"/>
+                          <a:latin typeface="游ゴシック" panose="020B0400000000000000" pitchFamily="50" charset="-128"/>
+                          <a:ea typeface="游ゴシック" panose="020B0400000000000000" pitchFamily="50" charset="-128"/>
                         </a:rPr>
                         <a:t>基準５</a:t>
                       </a:r>
                     </a:p>
                   </a:txBody>
-                  <a:tcPr marL="51435" marR="51435" marT="0" marB="0">
-                    <a:lnL w="12700" cap="flat" cmpd="sng" algn="ctr">
+                  <a:tcPr marL="6350" marR="6350" marT="6350" marB="0" anchor="ctr">
+                    <a:lnL w="6350" cap="flat" cmpd="sng" algn="ctr">
                       <a:solidFill>
                         <a:srgbClr val="000000"/>
                       </a:solidFill>
@@ -9875,10 +9951,16 @@
                       <a:headEnd type="none" w="med" len="med"/>
                       <a:tailEnd type="none" w="med" len="med"/>
                     </a:lnL>
-                    <a:lnR>
-                      <a:noFill/>
+                    <a:lnR w="12700" cap="flat" cmpd="sng" algn="ctr">
+                      <a:solidFill>
+                        <a:srgbClr val="000000"/>
+                      </a:solidFill>
+                      <a:prstDash val="solid"/>
+                      <a:round/>
+                      <a:headEnd type="none" w="med" len="med"/>
+                      <a:tailEnd type="none" w="med" len="med"/>
                     </a:lnR>
-                    <a:lnT w="12700" cap="flat" cmpd="sng" algn="ctr">
+                    <a:lnT w="6350" cap="flat" cmpd="sng" algn="ctr">
                       <a:solidFill>
                         <a:srgbClr val="000000"/>
                       </a:solidFill>
@@ -9887,7 +9969,7 @@
                       <a:headEnd type="none" w="med" len="med"/>
                       <a:tailEnd type="none" w="med" len="med"/>
                     </a:lnT>
-                    <a:lnB w="12700" cap="flat" cmpd="sng" algn="ctr">
+                    <a:lnB w="6350" cap="flat" cmpd="sng" algn="ctr">
                       <a:solidFill>
                         <a:srgbClr val="000000"/>
                       </a:solidFill>
@@ -9900,43 +9982,41 @@
                 </a:tc>
                 <a:extLst>
                   <a:ext uri="{0D108BD9-81ED-4DB2-BD59-A6C34878D82A}">
-                    <a16:rowId xmlns:a16="http://schemas.microsoft.com/office/drawing/2014/main" val="1584734053"/>
+                    <a16:rowId xmlns:a16="http://schemas.microsoft.com/office/drawing/2014/main" val="3105682112"/>
                   </a:ext>
                 </a:extLst>
               </a:tr>
-              <a:tr h="435755">
+              <a:tr h="396742">
                 <a:tc>
                   <a:txBody>
                     <a:bodyPr/>
                     <a:lstStyle/>
                     <a:p>
-                      <a:pPr algn="l">
-                        <a:spcAft>
-                          <a:spcPts val="0"/>
-                        </a:spcAft>
-                      </a:pPr>
+                      <a:pPr algn="r" fontAlgn="b"/>
                       <a:r>
-                        <a:rPr lang="en-US" sz="1400" kern="100" dirty="0">
+                        <a:rPr lang="en-US" altLang="ja-JP" sz="1100" b="0" i="0" u="none" strike="noStrike">
+                          <a:solidFill>
+                            <a:srgbClr val="000000"/>
+                          </a:solidFill>
                           <a:effectLst/>
-                          <a:latin typeface="Century" panose="02040604050505020304" pitchFamily="18" charset="0"/>
-                          <a:ea typeface="ＭＳ 明朝" panose="02020609040205080304" pitchFamily="17" charset="-128"/>
-                          <a:cs typeface="Times New Roman" panose="02020603050405020304" pitchFamily="18" charset="0"/>
+                          <a:latin typeface="游ゴシック" panose="020B0400000000000000" pitchFamily="50" charset="-128"/>
+                          <a:ea typeface="游ゴシック" panose="020B0400000000000000" pitchFamily="50" charset="-128"/>
                         </a:rPr>
                         <a:t>100%</a:t>
                       </a:r>
-                      <a:endParaRPr lang="ja-JP" sz="1400" kern="100" dirty="0">
-                        <a:effectLst/>
-                        <a:latin typeface="Century" panose="02040604050505020304" pitchFamily="18" charset="0"/>
-                        <a:ea typeface="ＭＳ 明朝" panose="02020609040205080304" pitchFamily="17" charset="-128"/>
-                        <a:cs typeface="Times New Roman" panose="02020603050405020304" pitchFamily="18" charset="0"/>
-                      </a:endParaRPr>
                     </a:p>
                   </a:txBody>
-                  <a:tcPr marL="51435" marR="51435" marT="0" marB="0">
-                    <a:lnL>
-                      <a:noFill/>
+                  <a:tcPr marL="6350" marR="6350" marT="6350" marB="0" anchor="b">
+                    <a:lnL w="12700" cap="flat" cmpd="sng" algn="ctr">
+                      <a:solidFill>
+                        <a:srgbClr val="000000"/>
+                      </a:solidFill>
+                      <a:prstDash val="solid"/>
+                      <a:round/>
+                      <a:headEnd type="none" w="med" len="med"/>
+                      <a:tailEnd type="none" w="med" len="med"/>
                     </a:lnL>
-                    <a:lnR w="12700" cap="flat" cmpd="sng" algn="ctr">
+                    <a:lnR w="6350" cap="flat" cmpd="sng" algn="ctr">
                       <a:solidFill>
                         <a:srgbClr val="000000"/>
                       </a:solidFill>
@@ -9945,7 +10025,7 @@
                       <a:headEnd type="none" w="med" len="med"/>
                       <a:tailEnd type="none" w="med" len="med"/>
                     </a:lnR>
-                    <a:lnT w="12700" cap="flat" cmpd="sng" algn="ctr">
+                    <a:lnT w="6350" cap="flat" cmpd="sng" algn="ctr">
                       <a:solidFill>
                         <a:srgbClr val="000000"/>
                       </a:solidFill>
@@ -9970,30 +10050,22 @@
                     <a:bodyPr/>
                     <a:lstStyle/>
                     <a:p>
-                      <a:pPr algn="l">
-                        <a:spcAft>
-                          <a:spcPts val="0"/>
-                        </a:spcAft>
-                      </a:pPr>
+                      <a:pPr algn="r" fontAlgn="b"/>
                       <a:r>
-                        <a:rPr lang="en-US" sz="1400" kern="100">
+                        <a:rPr lang="en-US" altLang="ja-JP" sz="1100" b="0" i="0" u="none" strike="noStrike">
+                          <a:solidFill>
+                            <a:srgbClr val="000000"/>
+                          </a:solidFill>
                           <a:effectLst/>
-                          <a:latin typeface="Century" panose="02040604050505020304" pitchFamily="18" charset="0"/>
-                          <a:ea typeface="ＭＳ 明朝" panose="02020609040205080304" pitchFamily="17" charset="-128"/>
-                          <a:cs typeface="Times New Roman" panose="02020603050405020304" pitchFamily="18" charset="0"/>
+                          <a:latin typeface="游ゴシック" panose="020B0400000000000000" pitchFamily="50" charset="-128"/>
+                          <a:ea typeface="游ゴシック" panose="020B0400000000000000" pitchFamily="50" charset="-128"/>
                         </a:rPr>
                         <a:t>100%</a:t>
                       </a:r>
-                      <a:endParaRPr lang="ja-JP" sz="1400" kern="100">
-                        <a:effectLst/>
-                        <a:latin typeface="Century" panose="02040604050505020304" pitchFamily="18" charset="0"/>
-                        <a:ea typeface="ＭＳ 明朝" panose="02020609040205080304" pitchFamily="17" charset="-128"/>
-                        <a:cs typeface="Times New Roman" panose="02020603050405020304" pitchFamily="18" charset="0"/>
-                      </a:endParaRPr>
                     </a:p>
                   </a:txBody>
-                  <a:tcPr marL="51435" marR="51435" marT="0" marB="0">
-                    <a:lnL w="12700" cap="flat" cmpd="sng" algn="ctr">
+                  <a:tcPr marL="6350" marR="6350" marT="6350" marB="0" anchor="b">
+                    <a:lnL w="6350" cap="flat" cmpd="sng" algn="ctr">
                       <a:solidFill>
                         <a:srgbClr val="000000"/>
                       </a:solidFill>
@@ -10002,7 +10074,7 @@
                       <a:headEnd type="none" w="med" len="med"/>
                       <a:tailEnd type="none" w="med" len="med"/>
                     </a:lnL>
-                    <a:lnR w="12700" cap="flat" cmpd="sng" algn="ctr">
+                    <a:lnR w="6350" cap="flat" cmpd="sng" algn="ctr">
                       <a:solidFill>
                         <a:srgbClr val="000000"/>
                       </a:solidFill>
@@ -10011,7 +10083,7 @@
                       <a:headEnd type="none" w="med" len="med"/>
                       <a:tailEnd type="none" w="med" len="med"/>
                     </a:lnR>
-                    <a:lnT w="12700" cap="flat" cmpd="sng" algn="ctr">
+                    <a:lnT w="6350" cap="flat" cmpd="sng" algn="ctr">
                       <a:solidFill>
                         <a:srgbClr val="000000"/>
                       </a:solidFill>
@@ -10036,30 +10108,22 @@
                     <a:bodyPr/>
                     <a:lstStyle/>
                     <a:p>
-                      <a:pPr algn="l">
-                        <a:spcAft>
-                          <a:spcPts val="0"/>
-                        </a:spcAft>
-                      </a:pPr>
+                      <a:pPr algn="r" fontAlgn="b"/>
                       <a:r>
-                        <a:rPr lang="en-US" sz="1400" kern="100">
+                        <a:rPr lang="en-US" altLang="ja-JP" sz="1100" b="0" i="0" u="none" strike="noStrike">
+                          <a:solidFill>
+                            <a:srgbClr val="000000"/>
+                          </a:solidFill>
                           <a:effectLst/>
-                          <a:latin typeface="Century" panose="02040604050505020304" pitchFamily="18" charset="0"/>
-                          <a:ea typeface="ＭＳ 明朝" panose="02020609040205080304" pitchFamily="17" charset="-128"/>
-                          <a:cs typeface="Times New Roman" panose="02020603050405020304" pitchFamily="18" charset="0"/>
+                          <a:latin typeface="游ゴシック" panose="020B0400000000000000" pitchFamily="50" charset="-128"/>
+                          <a:ea typeface="游ゴシック" panose="020B0400000000000000" pitchFamily="50" charset="-128"/>
                         </a:rPr>
-                        <a:t>80%</a:t>
+                        <a:t>78%</a:t>
                       </a:r>
-                      <a:endParaRPr lang="ja-JP" sz="1400" kern="100">
-                        <a:effectLst/>
-                        <a:latin typeface="Century" panose="02040604050505020304" pitchFamily="18" charset="0"/>
-                        <a:ea typeface="ＭＳ 明朝" panose="02020609040205080304" pitchFamily="17" charset="-128"/>
-                        <a:cs typeface="Times New Roman" panose="02020603050405020304" pitchFamily="18" charset="0"/>
-                      </a:endParaRPr>
                     </a:p>
                   </a:txBody>
-                  <a:tcPr marL="51435" marR="51435" marT="0" marB="0">
-                    <a:lnL w="12700" cap="flat" cmpd="sng" algn="ctr">
+                  <a:tcPr marL="6350" marR="6350" marT="6350" marB="0" anchor="b">
+                    <a:lnL w="6350" cap="flat" cmpd="sng" algn="ctr">
                       <a:solidFill>
                         <a:srgbClr val="000000"/>
                       </a:solidFill>
@@ -10068,7 +10132,7 @@
                       <a:headEnd type="none" w="med" len="med"/>
                       <a:tailEnd type="none" w="med" len="med"/>
                     </a:lnL>
-                    <a:lnR w="12700" cap="flat" cmpd="sng" algn="ctr">
+                    <a:lnR w="6350" cap="flat" cmpd="sng" algn="ctr">
                       <a:solidFill>
                         <a:srgbClr val="000000"/>
                       </a:solidFill>
@@ -10077,7 +10141,7 @@
                       <a:headEnd type="none" w="med" len="med"/>
                       <a:tailEnd type="none" w="med" len="med"/>
                     </a:lnR>
-                    <a:lnT w="12700" cap="flat" cmpd="sng" algn="ctr">
+                    <a:lnT w="6350" cap="flat" cmpd="sng" algn="ctr">
                       <a:solidFill>
                         <a:srgbClr val="000000"/>
                       </a:solidFill>
@@ -10102,30 +10166,22 @@
                     <a:bodyPr/>
                     <a:lstStyle/>
                     <a:p>
-                      <a:pPr algn="l">
-                        <a:spcAft>
-                          <a:spcPts val="0"/>
-                        </a:spcAft>
-                      </a:pPr>
+                      <a:pPr algn="r" fontAlgn="b"/>
                       <a:r>
-                        <a:rPr lang="en-US" sz="1400" kern="100" dirty="0">
+                        <a:rPr lang="en-US" altLang="ja-JP" sz="1100" b="0" i="0" u="none" strike="noStrike">
+                          <a:solidFill>
+                            <a:srgbClr val="000000"/>
+                          </a:solidFill>
                           <a:effectLst/>
-                          <a:latin typeface="Century" panose="02040604050505020304" pitchFamily="18" charset="0"/>
-                          <a:ea typeface="ＭＳ 明朝" panose="02020609040205080304" pitchFamily="17" charset="-128"/>
-                          <a:cs typeface="Times New Roman" panose="02020603050405020304" pitchFamily="18" charset="0"/>
+                          <a:latin typeface="游ゴシック" panose="020B0400000000000000" pitchFamily="50" charset="-128"/>
+                          <a:ea typeface="游ゴシック" panose="020B0400000000000000" pitchFamily="50" charset="-128"/>
                         </a:rPr>
-                        <a:t>0.595556</a:t>
+                        <a:t>0.878424</a:t>
                       </a:r>
-                      <a:endParaRPr lang="ja-JP" sz="1400" kern="100" dirty="0">
-                        <a:effectLst/>
-                        <a:latin typeface="Century" panose="02040604050505020304" pitchFamily="18" charset="0"/>
-                        <a:ea typeface="ＭＳ 明朝" panose="02020609040205080304" pitchFamily="17" charset="-128"/>
-                        <a:cs typeface="Times New Roman" panose="02020603050405020304" pitchFamily="18" charset="0"/>
-                      </a:endParaRPr>
                     </a:p>
                   </a:txBody>
-                  <a:tcPr marL="51435" marR="51435" marT="0" marB="0">
-                    <a:lnL w="12700" cap="flat" cmpd="sng" algn="ctr">
+                  <a:tcPr marL="6350" marR="6350" marT="6350" marB="0" anchor="b">
+                    <a:lnL w="6350" cap="flat" cmpd="sng" algn="ctr">
                       <a:solidFill>
                         <a:srgbClr val="000000"/>
                       </a:solidFill>
@@ -10134,7 +10190,7 @@
                       <a:headEnd type="none" w="med" len="med"/>
                       <a:tailEnd type="none" w="med" len="med"/>
                     </a:lnL>
-                    <a:lnR w="12700" cap="flat" cmpd="sng" algn="ctr">
+                    <a:lnR w="6350" cap="flat" cmpd="sng" algn="ctr">
                       <a:solidFill>
                         <a:srgbClr val="000000"/>
                       </a:solidFill>
@@ -10143,7 +10199,7 @@
                       <a:headEnd type="none" w="med" len="med"/>
                       <a:tailEnd type="none" w="med" len="med"/>
                     </a:lnR>
-                    <a:lnT w="12700" cap="flat" cmpd="sng" algn="ctr">
+                    <a:lnT w="6350" cap="flat" cmpd="sng" algn="ctr">
                       <a:solidFill>
                         <a:srgbClr val="000000"/>
                       </a:solidFill>
@@ -10168,30 +10224,22 @@
                     <a:bodyPr/>
                     <a:lstStyle/>
                     <a:p>
-                      <a:pPr algn="l">
-                        <a:spcAft>
-                          <a:spcPts val="0"/>
-                        </a:spcAft>
-                      </a:pPr>
+                      <a:pPr algn="r" fontAlgn="b"/>
                       <a:r>
-                        <a:rPr lang="en-US" sz="1400" kern="100" dirty="0">
+                        <a:rPr lang="en-US" altLang="ja-JP" sz="1100" b="0" i="0" u="none" strike="noStrike" dirty="0">
+                          <a:solidFill>
+                            <a:srgbClr val="000000"/>
+                          </a:solidFill>
                           <a:effectLst/>
-                          <a:latin typeface="Century" panose="02040604050505020304" pitchFamily="18" charset="0"/>
-                          <a:ea typeface="ＭＳ 明朝" panose="02020609040205080304" pitchFamily="17" charset="-128"/>
-                          <a:cs typeface="Times New Roman" panose="02020603050405020304" pitchFamily="18" charset="0"/>
+                          <a:latin typeface="游ゴシック" panose="020B0400000000000000" pitchFamily="50" charset="-128"/>
+                          <a:ea typeface="游ゴシック" panose="020B0400000000000000" pitchFamily="50" charset="-128"/>
                         </a:rPr>
-                        <a:t>53%</a:t>
+                        <a:t>56%</a:t>
                       </a:r>
-                      <a:endParaRPr lang="ja-JP" sz="1400" kern="100" dirty="0">
-                        <a:effectLst/>
-                        <a:latin typeface="Century" panose="02040604050505020304" pitchFamily="18" charset="0"/>
-                        <a:ea typeface="ＭＳ 明朝" panose="02020609040205080304" pitchFamily="17" charset="-128"/>
-                        <a:cs typeface="Times New Roman" panose="02020603050405020304" pitchFamily="18" charset="0"/>
-                      </a:endParaRPr>
                     </a:p>
                   </a:txBody>
-                  <a:tcPr marL="51435" marR="51435" marT="0" marB="0">
-                    <a:lnL w="12700" cap="flat" cmpd="sng" algn="ctr">
+                  <a:tcPr marL="6350" marR="6350" marT="6350" marB="0" anchor="b">
+                    <a:lnL w="6350" cap="flat" cmpd="sng" algn="ctr">
                       <a:solidFill>
                         <a:srgbClr val="000000"/>
                       </a:solidFill>
@@ -10200,10 +10248,16 @@
                       <a:headEnd type="none" w="med" len="med"/>
                       <a:tailEnd type="none" w="med" len="med"/>
                     </a:lnL>
-                    <a:lnR>
-                      <a:noFill/>
+                    <a:lnR w="12700" cap="flat" cmpd="sng" algn="ctr">
+                      <a:solidFill>
+                        <a:srgbClr val="000000"/>
+                      </a:solidFill>
+                      <a:prstDash val="solid"/>
+                      <a:round/>
+                      <a:headEnd type="none" w="med" len="med"/>
+                      <a:tailEnd type="none" w="med" len="med"/>
                     </a:lnR>
-                    <a:lnT w="12700" cap="flat" cmpd="sng" algn="ctr">
+                    <a:lnT w="6350" cap="flat" cmpd="sng" algn="ctr">
                       <a:solidFill>
                         <a:srgbClr val="000000"/>
                       </a:solidFill>
@@ -10225,7 +10279,7 @@
                 </a:tc>
                 <a:extLst>
                   <a:ext uri="{0D108BD9-81ED-4DB2-BD59-A6C34878D82A}">
-                    <a16:rowId xmlns:a16="http://schemas.microsoft.com/office/drawing/2014/main" val="1411605998"/>
+                    <a16:rowId xmlns:a16="http://schemas.microsoft.com/office/drawing/2014/main" val="59000563"/>
                   </a:ext>
                 </a:extLst>
               </a:tr>
@@ -10233,174 +10287,6 @@
           </a:graphicData>
         </a:graphic>
       </p:graphicFrame>
-      <p:sp>
-        <p:nvSpPr>
-          <p:cNvPr id="17" name="テキスト ボックス 16"/>
-          <p:cNvSpPr txBox="1"/>
-          <p:nvPr/>
-        </p:nvSpPr>
-        <p:spPr>
-          <a:xfrm>
-            <a:off x="1926405" y="2406484"/>
-            <a:ext cx="1223412" cy="300082"/>
-          </a:xfrm>
-          <a:prstGeom prst="rect">
-            <a:avLst/>
-          </a:prstGeom>
-          <a:noFill/>
-        </p:spPr>
-        <p:txBody>
-          <a:bodyPr wrap="none" rtlCol="0">
-            <a:spAutoFit/>
-          </a:bodyPr>
-          <a:lstStyle/>
-          <a:p>
-            <a:r>
-              <a:rPr lang="ja-JP" altLang="ja-JP" sz="1350" dirty="0"/>
-              <a:t>全問題の結果</a:t>
-            </a:r>
-            <a:endParaRPr lang="ja-JP" altLang="en-US" sz="1350" dirty="0"/>
-          </a:p>
-        </p:txBody>
-      </p:sp>
-      <p:sp>
-        <p:nvSpPr>
-          <p:cNvPr id="18" name="正方形/長方形 17"/>
-          <p:cNvSpPr/>
-          <p:nvPr/>
-        </p:nvSpPr>
-        <p:spPr>
-          <a:xfrm>
-            <a:off x="5747175" y="2406484"/>
-            <a:ext cx="1742785" cy="300082"/>
-          </a:xfrm>
-          <a:prstGeom prst="rect">
-            <a:avLst/>
-          </a:prstGeom>
-        </p:spPr>
-        <p:txBody>
-          <a:bodyPr wrap="none">
-            <a:spAutoFit/>
-          </a:bodyPr>
-          <a:lstStyle/>
-          <a:p>
-            <a:r>
-              <a:rPr lang="ja-JP" altLang="ja-JP" sz="1350" dirty="0">
-                <a:latin typeface="Century" panose="02040604050505020304" pitchFamily="18" charset="0"/>
-                <a:ea typeface="ＭＳ 明朝" panose="02020609040205080304" pitchFamily="17" charset="-128"/>
-                <a:cs typeface="Times New Roman" panose="02020603050405020304" pitchFamily="18" charset="0"/>
-              </a:rPr>
-              <a:t>難易度：簡単の結果</a:t>
-            </a:r>
-            <a:endParaRPr lang="ja-JP" altLang="en-US" sz="1350" dirty="0"/>
-          </a:p>
-        </p:txBody>
-      </p:sp>
-      <p:sp>
-        <p:nvSpPr>
-          <p:cNvPr id="19" name="正方形/長方形 18"/>
-          <p:cNvSpPr/>
-          <p:nvPr/>
-        </p:nvSpPr>
-        <p:spPr>
-          <a:xfrm>
-            <a:off x="1776562" y="4106551"/>
-            <a:ext cx="1742785" cy="300082"/>
-          </a:xfrm>
-          <a:prstGeom prst="rect">
-            <a:avLst/>
-          </a:prstGeom>
-        </p:spPr>
-        <p:txBody>
-          <a:bodyPr wrap="none">
-            <a:spAutoFit/>
-          </a:bodyPr>
-          <a:lstStyle/>
-          <a:p>
-            <a:r>
-              <a:rPr lang="ja-JP" altLang="ja-JP" sz="1350" dirty="0">
-                <a:latin typeface="Century" panose="02040604050505020304" pitchFamily="18" charset="0"/>
-                <a:ea typeface="ＭＳ 明朝" panose="02020609040205080304" pitchFamily="17" charset="-128"/>
-                <a:cs typeface="Times New Roman" panose="02020603050405020304" pitchFamily="18" charset="0"/>
-              </a:rPr>
-              <a:t>難易度：普通の結果</a:t>
-            </a:r>
-            <a:endParaRPr lang="ja-JP" altLang="en-US" sz="1350" dirty="0"/>
-          </a:p>
-        </p:txBody>
-      </p:sp>
-      <p:sp>
-        <p:nvSpPr>
-          <p:cNvPr id="20" name="正方形/長方形 19"/>
-          <p:cNvSpPr/>
-          <p:nvPr/>
-        </p:nvSpPr>
-        <p:spPr>
-          <a:xfrm>
-            <a:off x="5660613" y="4106551"/>
-            <a:ext cx="1915909" cy="300082"/>
-          </a:xfrm>
-          <a:prstGeom prst="rect">
-            <a:avLst/>
-          </a:prstGeom>
-        </p:spPr>
-        <p:txBody>
-          <a:bodyPr wrap="none">
-            <a:spAutoFit/>
-          </a:bodyPr>
-          <a:lstStyle/>
-          <a:p>
-            <a:r>
-              <a:rPr lang="ja-JP" altLang="ja-JP" sz="1350" dirty="0">
-                <a:latin typeface="Century" panose="02040604050505020304" pitchFamily="18" charset="0"/>
-                <a:ea typeface="ＭＳ 明朝" panose="02020609040205080304" pitchFamily="17" charset="-128"/>
-                <a:cs typeface="Times New Roman" panose="02020603050405020304" pitchFamily="18" charset="0"/>
-              </a:rPr>
-              <a:t>難易度：</a:t>
-            </a:r>
-            <a:r>
-              <a:rPr lang="ja-JP" altLang="ja-JP" sz="1350" dirty="0" err="1">
-                <a:latin typeface="Century" panose="02040604050505020304" pitchFamily="18" charset="0"/>
-                <a:ea typeface="ＭＳ 明朝" panose="02020609040205080304" pitchFamily="17" charset="-128"/>
-                <a:cs typeface="Times New Roman" panose="02020603050405020304" pitchFamily="18" charset="0"/>
-              </a:rPr>
-              <a:t>難しいの</a:t>
-            </a:r>
-            <a:r>
-              <a:rPr lang="ja-JP" altLang="ja-JP" sz="1350" dirty="0">
-                <a:latin typeface="Century" panose="02040604050505020304" pitchFamily="18" charset="0"/>
-                <a:ea typeface="ＭＳ 明朝" panose="02020609040205080304" pitchFamily="17" charset="-128"/>
-                <a:cs typeface="Times New Roman" panose="02020603050405020304" pitchFamily="18" charset="0"/>
-              </a:rPr>
-              <a:t>結果</a:t>
-            </a:r>
-            <a:endParaRPr lang="ja-JP" altLang="en-US" sz="1350" dirty="0"/>
-          </a:p>
-        </p:txBody>
-      </p:sp>
-      <p:sp>
-        <p:nvSpPr>
-          <p:cNvPr id="21" name="スライド番号プレースホルダー 20"/>
-          <p:cNvSpPr>
-            <a:spLocks noGrp="1"/>
-          </p:cNvSpPr>
-          <p:nvPr>
-            <p:ph type="sldNum" sz="quarter" idx="12"/>
-          </p:nvPr>
-        </p:nvSpPr>
-        <p:spPr/>
-        <p:txBody>
-          <a:bodyPr/>
-          <a:lstStyle/>
-          <a:p>
-            <a:fld id="{7A0C0510-5AD5-45F8-B3F1-46CC91AC00B1}" type="slidenum">
-              <a:rPr kumimoji="1" lang="ja-JP" altLang="en-US" smtClean="0"/>
-              <a:t>15</a:t>
-            </a:fld>
-            <a:endParaRPr kumimoji="1" lang="ja-JP" altLang="en-US"/>
-          </a:p>
-        </p:txBody>
-      </p:sp>
     </p:spTree>
     <p:extLst>
       <p:ext uri="{BB962C8B-B14F-4D97-AF65-F5344CB8AC3E}">
@@ -11213,8 +11099,8 @@
         </p:nvSpPr>
         <p:spPr>
           <a:xfrm>
-            <a:off x="628651" y="4668302"/>
-            <a:ext cx="7455887" cy="1061829"/>
+            <a:off x="628650" y="4854419"/>
+            <a:ext cx="7886700" cy="738664"/>
           </a:xfrm>
           <a:prstGeom prst="rect">
             <a:avLst/>
@@ -11235,7 +11121,7 @@
           </a:fontRef>
         </p:style>
         <p:txBody>
-          <a:bodyPr wrap="none" rtlCol="0">
+          <a:bodyPr wrap="square" rtlCol="0">
             <a:spAutoFit/>
           </a:bodyPr>
           <a:lstStyle/>
@@ -11253,11 +11139,13 @@
           <a:p>
             <a:r>
               <a:rPr lang="ja-JP" altLang="ja-JP" sz="2100" dirty="0"/>
-              <a:t>円滑に移行できるような教育支援も考えていく必要がある．</a:t>
-            </a:r>
-          </a:p>
-          <a:p>
-            <a:endParaRPr lang="ja-JP" altLang="en-US" sz="2100" dirty="0"/>
+              <a:t>円滑に移行できるような教育支援も考えていく必要がある</a:t>
+            </a:r>
+            <a:r>
+              <a:rPr lang="ja-JP" altLang="ja-JP" sz="2100" dirty="0" smtClean="0"/>
+              <a:t>．</a:t>
+            </a:r>
+            <a:endParaRPr lang="ja-JP" altLang="ja-JP" sz="2100" dirty="0"/>
           </a:p>
         </p:txBody>
       </p:sp>
@@ -12281,7 +12169,6 @@
               <a:rPr lang="ja-JP" altLang="ja-JP" sz="1400" dirty="0"/>
               <a:t>ブロックプログラミングからコーディング用の練習問題を自動生成することに着目し，本研究ではブロックプログラミングと連携したソースコードの穴埋め問題生成システムを構築する．</a:t>
             </a:r>
-            <a:endParaRPr lang="ja-JP" altLang="ja-JP" sz="1400" dirty="0"/>
           </a:p>
         </p:txBody>
       </p:sp>

--- a/1821121_shimaoka_thesis.pptx
+++ b/1821121_shimaoka_thesis.pptx
@@ -5,7 +5,7 @@
     <p:sldMasterId id="2147483660" r:id="rId1"/>
   </p:sldMasterIdLst>
   <p:notesMasterIdLst>
-    <p:notesMasterId r:id="rId22"/>
+    <p:notesMasterId r:id="rId24"/>
   </p:notesMasterIdLst>
   <p:sldIdLst>
     <p:sldId id="256" r:id="rId2"/>
@@ -17,17 +17,19 @@
     <p:sldId id="260" r:id="rId8"/>
     <p:sldId id="261" r:id="rId9"/>
     <p:sldId id="262" r:id="rId10"/>
-    <p:sldId id="263" r:id="rId11"/>
-    <p:sldId id="264" r:id="rId12"/>
-    <p:sldId id="265" r:id="rId13"/>
-    <p:sldId id="266" r:id="rId14"/>
-    <p:sldId id="267" r:id="rId15"/>
-    <p:sldId id="287" r:id="rId16"/>
-    <p:sldId id="288" r:id="rId17"/>
-    <p:sldId id="289" r:id="rId18"/>
-    <p:sldId id="290" r:id="rId19"/>
-    <p:sldId id="277" r:id="rId20"/>
-    <p:sldId id="278" r:id="rId21"/>
+    <p:sldId id="291" r:id="rId11"/>
+    <p:sldId id="263" r:id="rId12"/>
+    <p:sldId id="264" r:id="rId13"/>
+    <p:sldId id="292" r:id="rId14"/>
+    <p:sldId id="265" r:id="rId15"/>
+    <p:sldId id="266" r:id="rId16"/>
+    <p:sldId id="267" r:id="rId17"/>
+    <p:sldId id="287" r:id="rId18"/>
+    <p:sldId id="288" r:id="rId19"/>
+    <p:sldId id="289" r:id="rId20"/>
+    <p:sldId id="290" r:id="rId21"/>
+    <p:sldId id="277" r:id="rId22"/>
+    <p:sldId id="278" r:id="rId23"/>
   </p:sldIdLst>
   <p:sldSz cx="9144000" cy="6858000" type="screen4x3"/>
   <p:notesSz cx="6858000" cy="9144000"/>
@@ -602,7 +604,11 @@
           <a:p>
             <a:r>
               <a:rPr kumimoji="1" lang="ja-JP" altLang="en-US" dirty="0" smtClean="0"/>
-              <a:t>学籍番号：１８２１１２１</a:t>
+              <a:t>学籍番号：</a:t>
+            </a:r>
+            <a:r>
+              <a:rPr kumimoji="1" lang="ja-JP" altLang="en-US" dirty="0" smtClean="0"/>
+              <a:t>１８２１１２１</a:t>
             </a:r>
             <a:endParaRPr kumimoji="1" lang="en-US" altLang="ja-JP" dirty="0" smtClean="0"/>
           </a:p>
@@ -1051,12 +1057,7 @@
             <p:ph type="sldImg"/>
           </p:nvPr>
         </p:nvSpPr>
-        <p:spPr>
-          <a:xfrm>
-            <a:off x="1371600" y="1143000"/>
-            <a:ext cx="4114800" cy="3086100"/>
-          </a:xfrm>
-        </p:spPr>
+        <p:spPr/>
       </p:sp>
       <p:sp>
         <p:nvSpPr>
@@ -1073,7 +1074,7 @@
           <a:bodyPr/>
           <a:lstStyle/>
           <a:p>
-            <a:endParaRPr kumimoji="1" lang="en-US" altLang="ja-JP" dirty="0" smtClean="0"/>
+            <a:endParaRPr kumimoji="1" lang="ja-JP" altLang="en-US" dirty="0"/>
           </a:p>
         </p:txBody>
       </p:sp>
@@ -1094,7 +1095,7 @@
           <a:p>
             <a:fld id="{82E76DF2-3CDE-4C1E-88A3-A0AA4B439AA4}" type="slidenum">
               <a:rPr kumimoji="1" lang="ja-JP" altLang="en-US" smtClean="0"/>
-              <a:t>15</a:t>
+              <a:t>8</a:t>
             </a:fld>
             <a:endParaRPr kumimoji="1" lang="ja-JP" altLang="en-US"/>
           </a:p>
@@ -1103,7 +1104,7 @@
     </p:spTree>
     <p:extLst>
       <p:ext uri="{BB962C8B-B14F-4D97-AF65-F5344CB8AC3E}">
-        <p14:creationId xmlns:p14="http://schemas.microsoft.com/office/powerpoint/2010/main" val="3570327677"/>
+        <p14:creationId xmlns:p14="http://schemas.microsoft.com/office/powerpoint/2010/main" val="1655529500"/>
       </p:ext>
     </p:extLst>
   </p:cSld>
@@ -1140,6 +1141,279 @@
             <p:ph type="sldImg"/>
           </p:nvPr>
         </p:nvSpPr>
+        <p:spPr/>
+      </p:sp>
+      <p:sp>
+        <p:nvSpPr>
+          <p:cNvPr id="3" name="ノート プレースホルダー 2"/>
+          <p:cNvSpPr>
+            <a:spLocks noGrp="1"/>
+          </p:cNvSpPr>
+          <p:nvPr>
+            <p:ph type="body" idx="1"/>
+          </p:nvPr>
+        </p:nvSpPr>
+        <p:spPr/>
+        <p:txBody>
+          <a:bodyPr/>
+          <a:lstStyle/>
+          <a:p>
+            <a:r>
+              <a:rPr kumimoji="1" lang="ja-JP" altLang="ja-JP" sz="1200" kern="1200" dirty="0" smtClean="0">
+                <a:solidFill>
+                  <a:schemeClr val="tx1"/>
+                </a:solidFill>
+                <a:effectLst/>
+                <a:latin typeface="+mn-lt"/>
+                <a:ea typeface="+mn-ea"/>
+                <a:cs typeface="+mn-cs"/>
+              </a:rPr>
+              <a:t>　教師は，図</a:t>
+            </a:r>
+            <a:r>
+              <a:rPr kumimoji="1" lang="en-US" altLang="ja-JP" sz="1200" kern="1200" dirty="0" smtClean="0">
+                <a:solidFill>
+                  <a:schemeClr val="tx1"/>
+                </a:solidFill>
+                <a:effectLst/>
+                <a:latin typeface="+mn-lt"/>
+                <a:ea typeface="+mn-ea"/>
+                <a:cs typeface="+mn-cs"/>
+              </a:rPr>
+              <a:t>3.2</a:t>
+            </a:r>
+            <a:r>
+              <a:rPr kumimoji="1" lang="ja-JP" altLang="ja-JP" sz="1200" kern="1200" dirty="0" smtClean="0">
+                <a:solidFill>
+                  <a:schemeClr val="tx1"/>
+                </a:solidFill>
+                <a:effectLst/>
+                <a:latin typeface="+mn-lt"/>
+                <a:ea typeface="+mn-ea"/>
+                <a:cs typeface="+mn-cs"/>
+              </a:rPr>
+              <a:t>に示される右側のソースコード上の穴埋め問題の生成のために，元となる「問題ファイル」を作成し，学習者に提示することで教師はソースコードの学習支援を行う．問題ファイルの作成方法については以下のステップで行う．</a:t>
+            </a:r>
+          </a:p>
+          <a:p>
+            <a:r>
+              <a:rPr kumimoji="1" lang="en-US" altLang="ja-JP" sz="1200" kern="1200" dirty="0" smtClean="0">
+                <a:solidFill>
+                  <a:schemeClr val="tx1"/>
+                </a:solidFill>
+                <a:effectLst/>
+                <a:latin typeface="+mn-lt"/>
+                <a:ea typeface="+mn-ea"/>
+                <a:cs typeface="+mn-cs"/>
+              </a:rPr>
+              <a:t> </a:t>
+            </a:r>
+            <a:endParaRPr kumimoji="1" lang="ja-JP" altLang="ja-JP" sz="1200" kern="1200" dirty="0" smtClean="0">
+              <a:solidFill>
+                <a:schemeClr val="tx1"/>
+              </a:solidFill>
+              <a:effectLst/>
+              <a:latin typeface="+mn-lt"/>
+              <a:ea typeface="+mn-ea"/>
+              <a:cs typeface="+mn-cs"/>
+            </a:endParaRPr>
+          </a:p>
+          <a:p>
+            <a:r>
+              <a:rPr kumimoji="1" lang="en-US" altLang="ja-JP" sz="1200" kern="1200" dirty="0" smtClean="0">
+                <a:solidFill>
+                  <a:schemeClr val="tx1"/>
+                </a:solidFill>
+                <a:effectLst/>
+                <a:latin typeface="+mn-lt"/>
+                <a:ea typeface="+mn-ea"/>
+                <a:cs typeface="+mn-cs"/>
+              </a:rPr>
+              <a:t>Step-1:</a:t>
+            </a:r>
+            <a:r>
+              <a:rPr kumimoji="1" lang="ja-JP" altLang="ja-JP" sz="1200" kern="1200" dirty="0" smtClean="0">
+                <a:solidFill>
+                  <a:schemeClr val="tx1"/>
+                </a:solidFill>
+                <a:effectLst/>
+                <a:latin typeface="+mn-lt"/>
+                <a:ea typeface="+mn-ea"/>
+                <a:cs typeface="+mn-cs"/>
+              </a:rPr>
+              <a:t>提示する問題文とその解答を用意する．</a:t>
+            </a:r>
+          </a:p>
+          <a:p>
+            <a:r>
+              <a:rPr kumimoji="1" lang="en-US" altLang="ja-JP" sz="1200" kern="1200" dirty="0" smtClean="0">
+                <a:solidFill>
+                  <a:schemeClr val="tx1"/>
+                </a:solidFill>
+                <a:effectLst/>
+                <a:latin typeface="+mn-lt"/>
+                <a:ea typeface="+mn-ea"/>
+                <a:cs typeface="+mn-cs"/>
+              </a:rPr>
+              <a:t>Step-2:</a:t>
+            </a:r>
+            <a:r>
+              <a:rPr kumimoji="1" lang="ja-JP" altLang="ja-JP" sz="1200" kern="1200" dirty="0" smtClean="0">
+                <a:solidFill>
+                  <a:schemeClr val="tx1"/>
+                </a:solidFill>
+                <a:effectLst/>
+                <a:latin typeface="+mn-lt"/>
+                <a:ea typeface="+mn-ea"/>
+                <a:cs typeface="+mn-cs"/>
+              </a:rPr>
+              <a:t>提示する問題に対応するブロックプログラミングを完成させる．</a:t>
+            </a:r>
+          </a:p>
+          <a:p>
+            <a:r>
+              <a:rPr kumimoji="1" lang="en-US" altLang="ja-JP" sz="1200" kern="1200" dirty="0" smtClean="0">
+                <a:solidFill>
+                  <a:schemeClr val="tx1"/>
+                </a:solidFill>
+                <a:effectLst/>
+                <a:latin typeface="+mn-lt"/>
+                <a:ea typeface="+mn-ea"/>
+                <a:cs typeface="+mn-cs"/>
+              </a:rPr>
+              <a:t>Step-3:</a:t>
+            </a:r>
+            <a:r>
+              <a:rPr kumimoji="1" lang="ja-JP" altLang="ja-JP" sz="1200" kern="1200" dirty="0" smtClean="0">
+                <a:solidFill>
+                  <a:schemeClr val="tx1"/>
+                </a:solidFill>
+                <a:effectLst/>
+                <a:latin typeface="+mn-lt"/>
+                <a:ea typeface="+mn-ea"/>
+                <a:cs typeface="+mn-cs"/>
+              </a:rPr>
+              <a:t>ブロックプログラミングより</a:t>
+            </a:r>
+            <a:r>
+              <a:rPr kumimoji="1" lang="en-US" altLang="ja-JP" sz="1200" kern="1200" dirty="0" smtClean="0">
+                <a:solidFill>
+                  <a:schemeClr val="tx1"/>
+                </a:solidFill>
+                <a:effectLst/>
+                <a:latin typeface="+mn-lt"/>
+                <a:ea typeface="+mn-ea"/>
+                <a:cs typeface="+mn-cs"/>
+              </a:rPr>
+              <a:t>XML</a:t>
+            </a:r>
+            <a:r>
+              <a:rPr kumimoji="1" lang="ja-JP" altLang="ja-JP" sz="1200" kern="1200" dirty="0" smtClean="0">
+                <a:solidFill>
+                  <a:schemeClr val="tx1"/>
+                </a:solidFill>
+                <a:effectLst/>
+                <a:latin typeface="+mn-lt"/>
+                <a:ea typeface="+mn-ea"/>
+                <a:cs typeface="+mn-cs"/>
+              </a:rPr>
+              <a:t>コードを作成する．</a:t>
+            </a:r>
+          </a:p>
+          <a:p>
+            <a:r>
+              <a:rPr kumimoji="1" lang="en-US" altLang="ja-JP" sz="1200" kern="1200" dirty="0" smtClean="0">
+                <a:solidFill>
+                  <a:schemeClr val="tx1"/>
+                </a:solidFill>
+                <a:effectLst/>
+                <a:latin typeface="+mn-lt"/>
+                <a:ea typeface="+mn-ea"/>
+                <a:cs typeface="+mn-cs"/>
+              </a:rPr>
+              <a:t>Step-4:XML</a:t>
+            </a:r>
+            <a:r>
+              <a:rPr kumimoji="1" lang="ja-JP" altLang="ja-JP" sz="1200" kern="1200" dirty="0" smtClean="0">
+                <a:solidFill>
+                  <a:schemeClr val="tx1"/>
+                </a:solidFill>
+                <a:effectLst/>
+                <a:latin typeface="+mn-lt"/>
+                <a:ea typeface="+mn-ea"/>
+                <a:cs typeface="+mn-cs"/>
+              </a:rPr>
+              <a:t>コード，問題文，解答（実行結果）を問題ファイルとして記述する．</a:t>
+            </a:r>
+          </a:p>
+          <a:p>
+            <a:endParaRPr kumimoji="1" lang="ja-JP" altLang="en-US" dirty="0"/>
+          </a:p>
+        </p:txBody>
+      </p:sp>
+      <p:sp>
+        <p:nvSpPr>
+          <p:cNvPr id="4" name="スライド番号プレースホルダー 3"/>
+          <p:cNvSpPr>
+            <a:spLocks noGrp="1"/>
+          </p:cNvSpPr>
+          <p:nvPr>
+            <p:ph type="sldNum" sz="quarter" idx="10"/>
+          </p:nvPr>
+        </p:nvSpPr>
+        <p:spPr/>
+        <p:txBody>
+          <a:bodyPr/>
+          <a:lstStyle/>
+          <a:p>
+            <a:fld id="{82E76DF2-3CDE-4C1E-88A3-A0AA4B439AA4}" type="slidenum">
+              <a:rPr kumimoji="1" lang="ja-JP" altLang="en-US" smtClean="0"/>
+              <a:t>14</a:t>
+            </a:fld>
+            <a:endParaRPr kumimoji="1" lang="ja-JP" altLang="en-US"/>
+          </a:p>
+        </p:txBody>
+      </p:sp>
+    </p:spTree>
+    <p:extLst>
+      <p:ext uri="{BB962C8B-B14F-4D97-AF65-F5344CB8AC3E}">
+        <p14:creationId xmlns:p14="http://schemas.microsoft.com/office/powerpoint/2010/main" val="1149082801"/>
+      </p:ext>
+    </p:extLst>
+  </p:cSld>
+  <p:clrMapOvr>
+    <a:masterClrMapping/>
+  </p:clrMapOvr>
+</p:notes>
+</file>
+
+<file path=ppt/notesSlides/notesSlide8.xml><?xml version="1.0" encoding="utf-8"?>
+<p:notes xmlns:a="http://schemas.openxmlformats.org/drawingml/2006/main" xmlns:r="http://schemas.openxmlformats.org/officeDocument/2006/relationships" xmlns:p="http://schemas.openxmlformats.org/presentationml/2006/main">
+  <p:cSld>
+    <p:spTree>
+      <p:nvGrpSpPr>
+        <p:cNvPr id="1" name=""/>
+        <p:cNvGrpSpPr/>
+        <p:nvPr/>
+      </p:nvGrpSpPr>
+      <p:grpSpPr>
+        <a:xfrm>
+          <a:off x="0" y="0"/>
+          <a:ext cx="0" cy="0"/>
+          <a:chOff x="0" y="0"/>
+          <a:chExt cx="0" cy="0"/>
+        </a:xfrm>
+      </p:grpSpPr>
+      <p:sp>
+        <p:nvSpPr>
+          <p:cNvPr id="2" name="スライド イメージ プレースホルダー 1"/>
+          <p:cNvSpPr>
+            <a:spLocks noGrp="1" noRot="1" noChangeAspect="1"/>
+          </p:cNvSpPr>
+          <p:nvPr>
+            <p:ph type="sldImg"/>
+          </p:nvPr>
+        </p:nvSpPr>
         <p:spPr>
           <a:xfrm>
             <a:off x="1371600" y="1143000"/>
@@ -1162,7 +1436,7 @@
           <a:bodyPr/>
           <a:lstStyle/>
           <a:p>
-            <a:endParaRPr kumimoji="1" lang="ja-JP" altLang="en-US" dirty="0"/>
+            <a:endParaRPr kumimoji="1" lang="en-US" altLang="ja-JP" dirty="0" smtClean="0"/>
           </a:p>
         </p:txBody>
       </p:sp>
@@ -1183,7 +1457,96 @@
           <a:p>
             <a:fld id="{82E76DF2-3CDE-4C1E-88A3-A0AA4B439AA4}" type="slidenum">
               <a:rPr kumimoji="1" lang="ja-JP" altLang="en-US" smtClean="0"/>
-              <a:t>16</a:t>
+              <a:t>17</a:t>
+            </a:fld>
+            <a:endParaRPr kumimoji="1" lang="ja-JP" altLang="en-US"/>
+          </a:p>
+        </p:txBody>
+      </p:sp>
+    </p:spTree>
+    <p:extLst>
+      <p:ext uri="{BB962C8B-B14F-4D97-AF65-F5344CB8AC3E}">
+        <p14:creationId xmlns:p14="http://schemas.microsoft.com/office/powerpoint/2010/main" val="3570327677"/>
+      </p:ext>
+    </p:extLst>
+  </p:cSld>
+  <p:clrMapOvr>
+    <a:masterClrMapping/>
+  </p:clrMapOvr>
+</p:notes>
+</file>
+
+<file path=ppt/notesSlides/notesSlide9.xml><?xml version="1.0" encoding="utf-8"?>
+<p:notes xmlns:a="http://schemas.openxmlformats.org/drawingml/2006/main" xmlns:r="http://schemas.openxmlformats.org/officeDocument/2006/relationships" xmlns:p="http://schemas.openxmlformats.org/presentationml/2006/main">
+  <p:cSld>
+    <p:spTree>
+      <p:nvGrpSpPr>
+        <p:cNvPr id="1" name=""/>
+        <p:cNvGrpSpPr/>
+        <p:nvPr/>
+      </p:nvGrpSpPr>
+      <p:grpSpPr>
+        <a:xfrm>
+          <a:off x="0" y="0"/>
+          <a:ext cx="0" cy="0"/>
+          <a:chOff x="0" y="0"/>
+          <a:chExt cx="0" cy="0"/>
+        </a:xfrm>
+      </p:grpSpPr>
+      <p:sp>
+        <p:nvSpPr>
+          <p:cNvPr id="2" name="スライド イメージ プレースホルダー 1"/>
+          <p:cNvSpPr>
+            <a:spLocks noGrp="1" noRot="1" noChangeAspect="1"/>
+          </p:cNvSpPr>
+          <p:nvPr>
+            <p:ph type="sldImg"/>
+          </p:nvPr>
+        </p:nvSpPr>
+        <p:spPr>
+          <a:xfrm>
+            <a:off x="1371600" y="1143000"/>
+            <a:ext cx="4114800" cy="3086100"/>
+          </a:xfrm>
+        </p:spPr>
+      </p:sp>
+      <p:sp>
+        <p:nvSpPr>
+          <p:cNvPr id="3" name="ノート プレースホルダー 2"/>
+          <p:cNvSpPr>
+            <a:spLocks noGrp="1"/>
+          </p:cNvSpPr>
+          <p:nvPr>
+            <p:ph type="body" idx="1"/>
+          </p:nvPr>
+        </p:nvSpPr>
+        <p:spPr/>
+        <p:txBody>
+          <a:bodyPr/>
+          <a:lstStyle/>
+          <a:p>
+            <a:endParaRPr kumimoji="1" lang="ja-JP" altLang="en-US" dirty="0"/>
+          </a:p>
+        </p:txBody>
+      </p:sp>
+      <p:sp>
+        <p:nvSpPr>
+          <p:cNvPr id="4" name="スライド番号プレースホルダー 3"/>
+          <p:cNvSpPr>
+            <a:spLocks noGrp="1"/>
+          </p:cNvSpPr>
+          <p:nvPr>
+            <p:ph type="sldNum" sz="quarter" idx="10"/>
+          </p:nvPr>
+        </p:nvSpPr>
+        <p:spPr/>
+        <p:txBody>
+          <a:bodyPr/>
+          <a:lstStyle/>
+          <a:p>
+            <a:fld id="{82E76DF2-3CDE-4C1E-88A3-A0AA4B439AA4}" type="slidenum">
+              <a:rPr kumimoji="1" lang="ja-JP" altLang="en-US" smtClean="0"/>
+              <a:t>18</a:t>
             </a:fld>
             <a:endParaRPr kumimoji="1" lang="ja-JP" altLang="en-US"/>
           </a:p>
@@ -4453,7 +4816,7 @@
         </p:nvSpPr>
         <p:spPr>
           <a:xfrm>
-            <a:off x="2777875" y="4216195"/>
+            <a:off x="2233345" y="4464453"/>
             <a:ext cx="5143500" cy="931367"/>
           </a:xfrm>
         </p:spPr>
@@ -4596,21 +4959,499 @@
           <a:lstStyle/>
           <a:p>
             <a:r>
-              <a:rPr kumimoji="1" lang="ja-JP" altLang="en-US" dirty="0" smtClean="0"/>
-              <a:t>採点</a:t>
+              <a:rPr lang="ja-JP" altLang="en-US" dirty="0"/>
+              <a:t>カテゴリーグループ</a:t>
             </a:r>
             <a:endParaRPr kumimoji="1" lang="ja-JP" altLang="en-US" dirty="0"/>
           </a:p>
         </p:txBody>
       </p:sp>
-      <p:sp>
-        <p:nvSpPr>
-          <p:cNvPr id="3" name="コンテンツ プレースホルダー 2"/>
+      <p:graphicFrame>
+        <p:nvGraphicFramePr>
+          <p:cNvPr id="14" name="コンテンツ プレースホルダー 13"/>
+          <p:cNvGraphicFramePr>
+            <a:graphicFrameLocks noGrp="1"/>
+          </p:cNvGraphicFramePr>
+          <p:nvPr>
+            <p:ph idx="1"/>
+            <p:extLst>
+              <p:ext uri="{D42A27DB-BD31-4B8C-83A1-F6EECF244321}">
+                <p14:modId xmlns:p14="http://schemas.microsoft.com/office/powerpoint/2010/main" val="2067117103"/>
+              </p:ext>
+            </p:extLst>
+          </p:nvPr>
+        </p:nvGraphicFramePr>
+        <p:xfrm>
+          <a:off x="1706781" y="2507715"/>
+          <a:ext cx="5483860" cy="822960"/>
+        </p:xfrm>
+        <a:graphic>
+          <a:graphicData uri="http://schemas.openxmlformats.org/drawingml/2006/table">
+            <a:tbl>
+              <a:tblPr firstRow="1" firstCol="1" bandRow="1"/>
+              <a:tblGrid>
+                <a:gridCol w="2741930">
+                  <a:extLst>
+                    <a:ext uri="{9D8B030D-6E8A-4147-A177-3AD203B41FA5}">
+                      <a16:colId xmlns:a16="http://schemas.microsoft.com/office/drawing/2014/main" val="852515768"/>
+                    </a:ext>
+                  </a:extLst>
+                </a:gridCol>
+                <a:gridCol w="2741930">
+                  <a:extLst>
+                    <a:ext uri="{9D8B030D-6E8A-4147-A177-3AD203B41FA5}">
+                      <a16:colId xmlns:a16="http://schemas.microsoft.com/office/drawing/2014/main" val="2046067211"/>
+                    </a:ext>
+                  </a:extLst>
+                </a:gridCol>
+              </a:tblGrid>
+              <a:tr h="0">
+                <a:tc>
+                  <a:txBody>
+                    <a:bodyPr/>
+                    <a:lstStyle/>
+                    <a:p>
+                      <a:pPr algn="just">
+                        <a:spcAft>
+                          <a:spcPts val="0"/>
+                        </a:spcAft>
+                      </a:pPr>
+                      <a:r>
+                        <a:rPr lang="ja-JP" sz="1800" kern="100">
+                          <a:effectLst/>
+                          <a:latin typeface="Century" panose="02040604050505020304" pitchFamily="18" charset="0"/>
+                          <a:ea typeface="ＭＳ 明朝" panose="02020609040205080304" pitchFamily="17" charset="-128"/>
+                          <a:cs typeface="Times New Roman" panose="02020603050405020304" pitchFamily="18" charset="0"/>
+                        </a:rPr>
+                        <a:t>グループ２</a:t>
+                      </a:r>
+                    </a:p>
+                  </a:txBody>
+                  <a:tcPr marL="68580" marR="68580" marT="0" marB="0">
+                    <a:lnL>
+                      <a:noFill/>
+                    </a:lnL>
+                    <a:lnR w="12700" cap="flat" cmpd="sng" algn="ctr">
+                      <a:solidFill>
+                        <a:srgbClr val="000000"/>
+                      </a:solidFill>
+                      <a:prstDash val="solid"/>
+                      <a:round/>
+                      <a:headEnd type="none" w="med" len="med"/>
+                      <a:tailEnd type="none" w="med" len="med"/>
+                    </a:lnR>
+                    <a:lnT w="12700" cap="flat" cmpd="sng" algn="ctr">
+                      <a:solidFill>
+                        <a:srgbClr val="000000"/>
+                      </a:solidFill>
+                      <a:prstDash val="solid"/>
+                      <a:round/>
+                      <a:headEnd type="none" w="med" len="med"/>
+                      <a:tailEnd type="none" w="med" len="med"/>
+                    </a:lnT>
+                    <a:lnB w="12700" cap="flat" cmpd="sng" algn="ctr">
+                      <a:solidFill>
+                        <a:srgbClr val="000000"/>
+                      </a:solidFill>
+                      <a:prstDash val="solid"/>
+                      <a:round/>
+                      <a:headEnd type="none" w="med" len="med"/>
+                      <a:tailEnd type="none" w="med" len="med"/>
+                    </a:lnB>
+                  </a:tcPr>
+                </a:tc>
+                <a:tc>
+                  <a:txBody>
+                    <a:bodyPr/>
+                    <a:lstStyle/>
+                    <a:p>
+                      <a:pPr algn="just">
+                        <a:spcAft>
+                          <a:spcPts val="0"/>
+                        </a:spcAft>
+                      </a:pPr>
+                      <a:r>
+                        <a:rPr lang="en-US" sz="1800" kern="100">
+                          <a:effectLst/>
+                          <a:latin typeface="Century" panose="02040604050505020304" pitchFamily="18" charset="0"/>
+                          <a:ea typeface="ＭＳ 明朝" panose="02020609040205080304" pitchFamily="17" charset="-128"/>
+                          <a:cs typeface="Times New Roman" panose="02020603050405020304" pitchFamily="18" charset="0"/>
+                        </a:rPr>
+                        <a:t>"+"</a:t>
+                      </a:r>
+                      <a:r>
+                        <a:rPr lang="ja-JP" sz="1800" kern="100">
+                          <a:effectLst/>
+                          <a:latin typeface="Century" panose="02040604050505020304" pitchFamily="18" charset="0"/>
+                          <a:ea typeface="ＭＳ 明朝" panose="02020609040205080304" pitchFamily="17" charset="-128"/>
+                          <a:cs typeface="Times New Roman" panose="02020603050405020304" pitchFamily="18" charset="0"/>
+                        </a:rPr>
+                        <a:t>，</a:t>
+                      </a:r>
+                      <a:r>
+                        <a:rPr lang="en-US" sz="1800" kern="100">
+                          <a:effectLst/>
+                          <a:latin typeface="Century" panose="02040604050505020304" pitchFamily="18" charset="0"/>
+                          <a:ea typeface="ＭＳ 明朝" panose="02020609040205080304" pitchFamily="17" charset="-128"/>
+                          <a:cs typeface="Times New Roman" panose="02020603050405020304" pitchFamily="18" charset="0"/>
+                        </a:rPr>
+                        <a:t>"-"</a:t>
+                      </a:r>
+                      <a:r>
+                        <a:rPr lang="ja-JP" sz="1800" kern="100">
+                          <a:effectLst/>
+                          <a:latin typeface="Century" panose="02040604050505020304" pitchFamily="18" charset="0"/>
+                          <a:ea typeface="ＭＳ 明朝" panose="02020609040205080304" pitchFamily="17" charset="-128"/>
+                          <a:cs typeface="Times New Roman" panose="02020603050405020304" pitchFamily="18" charset="0"/>
+                        </a:rPr>
+                        <a:t>，</a:t>
+                      </a:r>
+                      <a:r>
+                        <a:rPr lang="en-US" sz="1800" kern="100">
+                          <a:effectLst/>
+                          <a:latin typeface="Century" panose="02040604050505020304" pitchFamily="18" charset="0"/>
+                          <a:ea typeface="ＭＳ 明朝" panose="02020609040205080304" pitchFamily="17" charset="-128"/>
+                          <a:cs typeface="Times New Roman" panose="02020603050405020304" pitchFamily="18" charset="0"/>
+                        </a:rPr>
+                        <a:t>"*"</a:t>
+                      </a:r>
+                      <a:r>
+                        <a:rPr lang="ja-JP" sz="1800" kern="100">
+                          <a:effectLst/>
+                          <a:latin typeface="Century" panose="02040604050505020304" pitchFamily="18" charset="0"/>
+                          <a:ea typeface="ＭＳ 明朝" panose="02020609040205080304" pitchFamily="17" charset="-128"/>
+                          <a:cs typeface="Times New Roman" panose="02020603050405020304" pitchFamily="18" charset="0"/>
+                        </a:rPr>
+                        <a:t>，</a:t>
+                      </a:r>
+                      <a:r>
+                        <a:rPr lang="en-US" sz="1800" kern="100">
+                          <a:effectLst/>
+                          <a:latin typeface="Century" panose="02040604050505020304" pitchFamily="18" charset="0"/>
+                          <a:ea typeface="ＭＳ 明朝" panose="02020609040205080304" pitchFamily="17" charset="-128"/>
+                          <a:cs typeface="Times New Roman" panose="02020603050405020304" pitchFamily="18" charset="0"/>
+                        </a:rPr>
+                        <a:t>"/"</a:t>
+                      </a:r>
+                      <a:r>
+                        <a:rPr lang="ja-JP" sz="1800" kern="100">
+                          <a:effectLst/>
+                          <a:latin typeface="Century" panose="02040604050505020304" pitchFamily="18" charset="0"/>
+                          <a:ea typeface="ＭＳ 明朝" panose="02020609040205080304" pitchFamily="17" charset="-128"/>
+                          <a:cs typeface="Times New Roman" panose="02020603050405020304" pitchFamily="18" charset="0"/>
+                        </a:rPr>
+                        <a:t>，</a:t>
+                      </a:r>
+                      <a:r>
+                        <a:rPr lang="en-US" sz="1800" kern="100">
+                          <a:effectLst/>
+                          <a:latin typeface="Century" panose="02040604050505020304" pitchFamily="18" charset="0"/>
+                          <a:ea typeface="ＭＳ 明朝" panose="02020609040205080304" pitchFamily="17" charset="-128"/>
+                          <a:cs typeface="Times New Roman" panose="02020603050405020304" pitchFamily="18" charset="0"/>
+                        </a:rPr>
+                        <a:t>"%"</a:t>
+                      </a:r>
+                      <a:endParaRPr lang="ja-JP" sz="1800" kern="100">
+                        <a:effectLst/>
+                        <a:latin typeface="Century" panose="02040604050505020304" pitchFamily="18" charset="0"/>
+                        <a:ea typeface="ＭＳ 明朝" panose="02020609040205080304" pitchFamily="17" charset="-128"/>
+                        <a:cs typeface="Times New Roman" panose="02020603050405020304" pitchFamily="18" charset="0"/>
+                      </a:endParaRPr>
+                    </a:p>
+                  </a:txBody>
+                  <a:tcPr marL="68580" marR="68580" marT="0" marB="0">
+                    <a:lnL w="12700" cap="flat" cmpd="sng" algn="ctr">
+                      <a:solidFill>
+                        <a:srgbClr val="000000"/>
+                      </a:solidFill>
+                      <a:prstDash val="solid"/>
+                      <a:round/>
+                      <a:headEnd type="none" w="med" len="med"/>
+                      <a:tailEnd type="none" w="med" len="med"/>
+                    </a:lnL>
+                    <a:lnR>
+                      <a:noFill/>
+                    </a:lnR>
+                    <a:lnT w="12700" cap="flat" cmpd="sng" algn="ctr">
+                      <a:solidFill>
+                        <a:srgbClr val="000000"/>
+                      </a:solidFill>
+                      <a:prstDash val="solid"/>
+                      <a:round/>
+                      <a:headEnd type="none" w="med" len="med"/>
+                      <a:tailEnd type="none" w="med" len="med"/>
+                    </a:lnT>
+                    <a:lnB w="12700" cap="flat" cmpd="sng" algn="ctr">
+                      <a:solidFill>
+                        <a:srgbClr val="000000"/>
+                      </a:solidFill>
+                      <a:prstDash val="solid"/>
+                      <a:round/>
+                      <a:headEnd type="none" w="med" len="med"/>
+                      <a:tailEnd type="none" w="med" len="med"/>
+                    </a:lnB>
+                  </a:tcPr>
+                </a:tc>
+                <a:extLst>
+                  <a:ext uri="{0D108BD9-81ED-4DB2-BD59-A6C34878D82A}">
+                    <a16:rowId xmlns:a16="http://schemas.microsoft.com/office/drawing/2014/main" val="2043932297"/>
+                  </a:ext>
+                </a:extLst>
+              </a:tr>
+              <a:tr h="0">
+                <a:tc>
+                  <a:txBody>
+                    <a:bodyPr/>
+                    <a:lstStyle/>
+                    <a:p>
+                      <a:pPr algn="just">
+                        <a:spcAft>
+                          <a:spcPts val="0"/>
+                        </a:spcAft>
+                      </a:pPr>
+                      <a:r>
+                        <a:rPr lang="ja-JP" sz="1800" kern="100">
+                          <a:effectLst/>
+                          <a:latin typeface="Century" panose="02040604050505020304" pitchFamily="18" charset="0"/>
+                          <a:ea typeface="ＭＳ 明朝" panose="02020609040205080304" pitchFamily="17" charset="-128"/>
+                          <a:cs typeface="Times New Roman" panose="02020603050405020304" pitchFamily="18" charset="0"/>
+                        </a:rPr>
+                        <a:t>グループ３</a:t>
+                      </a:r>
+                    </a:p>
+                  </a:txBody>
+                  <a:tcPr marL="68580" marR="68580" marT="0" marB="0">
+                    <a:lnL>
+                      <a:noFill/>
+                    </a:lnL>
+                    <a:lnR w="12700" cap="flat" cmpd="sng" algn="ctr">
+                      <a:solidFill>
+                        <a:srgbClr val="000000"/>
+                      </a:solidFill>
+                      <a:prstDash val="solid"/>
+                      <a:round/>
+                      <a:headEnd type="none" w="med" len="med"/>
+                      <a:tailEnd type="none" w="med" len="med"/>
+                    </a:lnR>
+                    <a:lnT w="12700" cap="flat" cmpd="sng" algn="ctr">
+                      <a:solidFill>
+                        <a:srgbClr val="000000"/>
+                      </a:solidFill>
+                      <a:prstDash val="solid"/>
+                      <a:round/>
+                      <a:headEnd type="none" w="med" len="med"/>
+                      <a:tailEnd type="none" w="med" len="med"/>
+                    </a:lnT>
+                    <a:lnB w="12700" cap="flat" cmpd="sng" algn="ctr">
+                      <a:solidFill>
+                        <a:srgbClr val="000000"/>
+                      </a:solidFill>
+                      <a:prstDash val="solid"/>
+                      <a:round/>
+                      <a:headEnd type="none" w="med" len="med"/>
+                      <a:tailEnd type="none" w="med" len="med"/>
+                    </a:lnB>
+                  </a:tcPr>
+                </a:tc>
+                <a:tc>
+                  <a:txBody>
+                    <a:bodyPr/>
+                    <a:lstStyle/>
+                    <a:p>
+                      <a:pPr algn="just">
+                        <a:spcAft>
+                          <a:spcPts val="0"/>
+                        </a:spcAft>
+                      </a:pPr>
+                      <a:r>
+                        <a:rPr lang="en-US" sz="1800" kern="100">
+                          <a:effectLst/>
+                          <a:latin typeface="Century" panose="02040604050505020304" pitchFamily="18" charset="0"/>
+                          <a:ea typeface="ＭＳ 明朝" panose="02020609040205080304" pitchFamily="17" charset="-128"/>
+                          <a:cs typeface="Times New Roman" panose="02020603050405020304" pitchFamily="18" charset="0"/>
+                        </a:rPr>
+                        <a:t>'for', 'while', 'do'</a:t>
+                      </a:r>
+                      <a:endParaRPr lang="ja-JP" sz="1800" kern="100">
+                        <a:effectLst/>
+                        <a:latin typeface="Century" panose="02040604050505020304" pitchFamily="18" charset="0"/>
+                        <a:ea typeface="ＭＳ 明朝" panose="02020609040205080304" pitchFamily="17" charset="-128"/>
+                        <a:cs typeface="Times New Roman" panose="02020603050405020304" pitchFamily="18" charset="0"/>
+                      </a:endParaRPr>
+                    </a:p>
+                  </a:txBody>
+                  <a:tcPr marL="68580" marR="68580" marT="0" marB="0">
+                    <a:lnL w="12700" cap="flat" cmpd="sng" algn="ctr">
+                      <a:solidFill>
+                        <a:srgbClr val="000000"/>
+                      </a:solidFill>
+                      <a:prstDash val="solid"/>
+                      <a:round/>
+                      <a:headEnd type="none" w="med" len="med"/>
+                      <a:tailEnd type="none" w="med" len="med"/>
+                    </a:lnL>
+                    <a:lnR>
+                      <a:noFill/>
+                    </a:lnR>
+                    <a:lnT w="12700" cap="flat" cmpd="sng" algn="ctr">
+                      <a:solidFill>
+                        <a:srgbClr val="000000"/>
+                      </a:solidFill>
+                      <a:prstDash val="solid"/>
+                      <a:round/>
+                      <a:headEnd type="none" w="med" len="med"/>
+                      <a:tailEnd type="none" w="med" len="med"/>
+                    </a:lnT>
+                    <a:lnB w="12700" cap="flat" cmpd="sng" algn="ctr">
+                      <a:solidFill>
+                        <a:srgbClr val="000000"/>
+                      </a:solidFill>
+                      <a:prstDash val="solid"/>
+                      <a:round/>
+                      <a:headEnd type="none" w="med" len="med"/>
+                      <a:tailEnd type="none" w="med" len="med"/>
+                    </a:lnB>
+                  </a:tcPr>
+                </a:tc>
+                <a:extLst>
+                  <a:ext uri="{0D108BD9-81ED-4DB2-BD59-A6C34878D82A}">
+                    <a16:rowId xmlns:a16="http://schemas.microsoft.com/office/drawing/2014/main" val="131624758"/>
+                  </a:ext>
+                </a:extLst>
+              </a:tr>
+              <a:tr h="0">
+                <a:tc>
+                  <a:txBody>
+                    <a:bodyPr/>
+                    <a:lstStyle/>
+                    <a:p>
+                      <a:pPr algn="just">
+                        <a:spcAft>
+                          <a:spcPts val="0"/>
+                        </a:spcAft>
+                      </a:pPr>
+                      <a:r>
+                        <a:rPr lang="ja-JP" sz="1800" kern="100">
+                          <a:effectLst/>
+                          <a:latin typeface="Century" panose="02040604050505020304" pitchFamily="18" charset="0"/>
+                          <a:ea typeface="ＭＳ 明朝" panose="02020609040205080304" pitchFamily="17" charset="-128"/>
+                          <a:cs typeface="Times New Roman" panose="02020603050405020304" pitchFamily="18" charset="0"/>
+                        </a:rPr>
+                        <a:t>グループ４</a:t>
+                      </a:r>
+                    </a:p>
+                  </a:txBody>
+                  <a:tcPr marL="68580" marR="68580" marT="0" marB="0">
+                    <a:lnL>
+                      <a:noFill/>
+                    </a:lnL>
+                    <a:lnR w="12700" cap="flat" cmpd="sng" algn="ctr">
+                      <a:solidFill>
+                        <a:srgbClr val="000000"/>
+                      </a:solidFill>
+                      <a:prstDash val="solid"/>
+                      <a:round/>
+                      <a:headEnd type="none" w="med" len="med"/>
+                      <a:tailEnd type="none" w="med" len="med"/>
+                    </a:lnR>
+                    <a:lnT w="12700" cap="flat" cmpd="sng" algn="ctr">
+                      <a:solidFill>
+                        <a:srgbClr val="000000"/>
+                      </a:solidFill>
+                      <a:prstDash val="solid"/>
+                      <a:round/>
+                      <a:headEnd type="none" w="med" len="med"/>
+                      <a:tailEnd type="none" w="med" len="med"/>
+                    </a:lnT>
+                    <a:lnB w="12700" cap="flat" cmpd="sng" algn="ctr">
+                      <a:solidFill>
+                        <a:srgbClr val="000000"/>
+                      </a:solidFill>
+                      <a:prstDash val="solid"/>
+                      <a:round/>
+                      <a:headEnd type="none" w="med" len="med"/>
+                      <a:tailEnd type="none" w="med" len="med"/>
+                    </a:lnB>
+                  </a:tcPr>
+                </a:tc>
+                <a:tc>
+                  <a:txBody>
+                    <a:bodyPr/>
+                    <a:lstStyle/>
+                    <a:p>
+                      <a:pPr algn="just">
+                        <a:spcAft>
+                          <a:spcPts val="0"/>
+                        </a:spcAft>
+                      </a:pPr>
+                      <a:r>
+                        <a:rPr lang="en-US" sz="1800" kern="100" dirty="0">
+                          <a:effectLst/>
+                          <a:latin typeface="Century" panose="02040604050505020304" pitchFamily="18" charset="0"/>
+                          <a:ea typeface="ＭＳ 明朝" panose="02020609040205080304" pitchFamily="17" charset="-128"/>
+                          <a:cs typeface="Times New Roman" panose="02020603050405020304" pitchFamily="18" charset="0"/>
+                        </a:rPr>
+                        <a:t>'if', 'else', 'switch'</a:t>
+                      </a:r>
+                      <a:endParaRPr lang="ja-JP" sz="1800" kern="100" dirty="0">
+                        <a:effectLst/>
+                        <a:latin typeface="Century" panose="02040604050505020304" pitchFamily="18" charset="0"/>
+                        <a:ea typeface="ＭＳ 明朝" panose="02020609040205080304" pitchFamily="17" charset="-128"/>
+                        <a:cs typeface="Times New Roman" panose="02020603050405020304" pitchFamily="18" charset="0"/>
+                      </a:endParaRPr>
+                    </a:p>
+                  </a:txBody>
+                  <a:tcPr marL="68580" marR="68580" marT="0" marB="0">
+                    <a:lnL w="12700" cap="flat" cmpd="sng" algn="ctr">
+                      <a:solidFill>
+                        <a:srgbClr val="000000"/>
+                      </a:solidFill>
+                      <a:prstDash val="solid"/>
+                      <a:round/>
+                      <a:headEnd type="none" w="med" len="med"/>
+                      <a:tailEnd type="none" w="med" len="med"/>
+                    </a:lnL>
+                    <a:lnR>
+                      <a:noFill/>
+                    </a:lnR>
+                    <a:lnT w="12700" cap="flat" cmpd="sng" algn="ctr">
+                      <a:solidFill>
+                        <a:srgbClr val="000000"/>
+                      </a:solidFill>
+                      <a:prstDash val="solid"/>
+                      <a:round/>
+                      <a:headEnd type="none" w="med" len="med"/>
+                      <a:tailEnd type="none" w="med" len="med"/>
+                    </a:lnT>
+                    <a:lnB w="12700" cap="flat" cmpd="sng" algn="ctr">
+                      <a:solidFill>
+                        <a:srgbClr val="000000"/>
+                      </a:solidFill>
+                      <a:prstDash val="solid"/>
+                      <a:round/>
+                      <a:headEnd type="none" w="med" len="med"/>
+                      <a:tailEnd type="none" w="med" len="med"/>
+                    </a:lnB>
+                  </a:tcPr>
+                </a:tc>
+                <a:extLst>
+                  <a:ext uri="{0D108BD9-81ED-4DB2-BD59-A6C34878D82A}">
+                    <a16:rowId xmlns:a16="http://schemas.microsoft.com/office/drawing/2014/main" val="1869542225"/>
+                  </a:ext>
+                </a:extLst>
+              </a:tr>
+            </a:tbl>
+          </a:graphicData>
+        </a:graphic>
+      </p:graphicFrame>
+      <p:sp>
+        <p:nvSpPr>
+          <p:cNvPr id="4" name="スライド番号プレースホルダー 3"/>
           <p:cNvSpPr>
             <a:spLocks noGrp="1"/>
           </p:cNvSpPr>
           <p:nvPr>
-            <p:ph idx="1"/>
+            <p:ph type="sldNum" sz="quarter" idx="12"/>
           </p:nvPr>
         </p:nvSpPr>
         <p:spPr/>
@@ -4618,115 +5459,606 @@
           <a:bodyPr/>
           <a:lstStyle/>
           <a:p>
-            <a:pPr marL="0" indent="0">
-              <a:buNone/>
-            </a:pPr>
-            <a:r>
-              <a:rPr lang="en-US" altLang="ja-JP" dirty="0"/>
-              <a:t>Step-1:</a:t>
-            </a:r>
-            <a:r>
-              <a:rPr lang="ja-JP" altLang="ja-JP" dirty="0"/>
-              <a:t>問題数を判別する</a:t>
-            </a:r>
-          </a:p>
-          <a:p>
-            <a:pPr marL="0" indent="0">
-              <a:buNone/>
-            </a:pPr>
-            <a:r>
-              <a:rPr lang="en-US" altLang="ja-JP" dirty="0"/>
-              <a:t>Step-2:</a:t>
-            </a:r>
-            <a:r>
-              <a:rPr lang="ja-JP" altLang="ja-JP" dirty="0"/>
-              <a:t>セレクトボックスの内容を読み取り，正解不正解を判断．</a:t>
-            </a:r>
-          </a:p>
-          <a:p>
-            <a:pPr marL="0" indent="0">
-              <a:buNone/>
-            </a:pPr>
-            <a:r>
-              <a:rPr lang="en-US" altLang="ja-JP" dirty="0"/>
-              <a:t>Step-3:</a:t>
-            </a:r>
-            <a:r>
-              <a:rPr lang="ja-JP" altLang="ja-JP" dirty="0"/>
-              <a:t>正解だった場合正解数をカウントし，その問題番号を保存する．</a:t>
-            </a:r>
-          </a:p>
-          <a:p>
-            <a:pPr marL="0" indent="0">
-              <a:buNone/>
-            </a:pPr>
-            <a:r>
-              <a:rPr lang="en-US" altLang="ja-JP" dirty="0"/>
-              <a:t>Step-4:</a:t>
-            </a:r>
-            <a:r>
-              <a:rPr lang="ja-JP" altLang="ja-JP" dirty="0"/>
-              <a:t>不正解だった場合は，その問題番号を保存する．</a:t>
-            </a:r>
-          </a:p>
-          <a:p>
-            <a:pPr marL="0" indent="0">
-              <a:buNone/>
-            </a:pPr>
-            <a:r>
-              <a:rPr lang="en-US" altLang="ja-JP" dirty="0"/>
-              <a:t>Step-5:</a:t>
-            </a:r>
-            <a:r>
-              <a:rPr lang="ja-JP" altLang="ja-JP" dirty="0"/>
-              <a:t>正解数と正解した問題番号，不正解の問題番号を表示</a:t>
-            </a:r>
-          </a:p>
-          <a:p>
-            <a:endParaRPr kumimoji="1" lang="ja-JP" altLang="en-US" dirty="0"/>
-          </a:p>
-        </p:txBody>
-      </p:sp>
-      <p:sp>
-        <p:nvSpPr>
-          <p:cNvPr id="4" name="スライド番号プレースホルダー 3"/>
-          <p:cNvSpPr>
-            <a:spLocks noGrp="1"/>
-          </p:cNvSpPr>
-          <p:nvPr>
-            <p:ph type="sldNum" sz="quarter" idx="12"/>
-          </p:nvPr>
-        </p:nvSpPr>
-        <p:spPr/>
-        <p:txBody>
-          <a:bodyPr/>
-          <a:lstStyle/>
-          <a:p>
             <a:fld id="{7A0C0510-5AD5-45F8-B3F1-46CC91AC00B1}" type="slidenum">
               <a:rPr kumimoji="1" lang="ja-JP" altLang="en-US" smtClean="0"/>
+              <a:pPr/>
               <a:t>10</a:t>
             </a:fld>
-            <a:endParaRPr kumimoji="1" lang="ja-JP" altLang="en-US"/>
+            <a:endParaRPr kumimoji="1" lang="ja-JP" altLang="en-US" dirty="0"/>
+          </a:p>
+        </p:txBody>
+      </p:sp>
+      <p:graphicFrame>
+        <p:nvGraphicFramePr>
+          <p:cNvPr id="16" name="表 15"/>
+          <p:cNvGraphicFramePr>
+            <a:graphicFrameLocks noGrp="1"/>
+          </p:cNvGraphicFramePr>
+          <p:nvPr>
+            <p:extLst>
+              <p:ext uri="{D42A27DB-BD31-4B8C-83A1-F6EECF244321}">
+                <p14:modId xmlns:p14="http://schemas.microsoft.com/office/powerpoint/2010/main" val="830762972"/>
+              </p:ext>
+            </p:extLst>
+          </p:nvPr>
+        </p:nvGraphicFramePr>
+        <p:xfrm>
+          <a:off x="1605280" y="3921284"/>
+          <a:ext cx="5933440" cy="274320"/>
+        </p:xfrm>
+        <a:graphic>
+          <a:graphicData uri="http://schemas.openxmlformats.org/drawingml/2006/table">
+            <a:tbl>
+              <a:tblPr firstRow="1" firstCol="1" bandRow="1"/>
+              <a:tblGrid>
+                <a:gridCol w="1977390">
+                  <a:extLst>
+                    <a:ext uri="{9D8B030D-6E8A-4147-A177-3AD203B41FA5}">
+                      <a16:colId xmlns:a16="http://schemas.microsoft.com/office/drawing/2014/main" val="3686369095"/>
+                    </a:ext>
+                  </a:extLst>
+                </a:gridCol>
+                <a:gridCol w="1978025">
+                  <a:extLst>
+                    <a:ext uri="{9D8B030D-6E8A-4147-A177-3AD203B41FA5}">
+                      <a16:colId xmlns:a16="http://schemas.microsoft.com/office/drawing/2014/main" val="1284934244"/>
+                    </a:ext>
+                  </a:extLst>
+                </a:gridCol>
+                <a:gridCol w="1978025">
+                  <a:extLst>
+                    <a:ext uri="{9D8B030D-6E8A-4147-A177-3AD203B41FA5}">
+                      <a16:colId xmlns:a16="http://schemas.microsoft.com/office/drawing/2014/main" val="3947855738"/>
+                    </a:ext>
+                  </a:extLst>
+                </a:gridCol>
+              </a:tblGrid>
+              <a:tr h="0">
+                <a:tc>
+                  <a:txBody>
+                    <a:bodyPr/>
+                    <a:lstStyle/>
+                    <a:p>
+                      <a:pPr algn="just">
+                        <a:spcAft>
+                          <a:spcPts val="0"/>
+                        </a:spcAft>
+                      </a:pPr>
+                      <a:r>
+                        <a:rPr lang="en-US" sz="1800" kern="100" dirty="0" smtClean="0">
+                          <a:effectLst/>
+                          <a:latin typeface="Century" panose="02040604050505020304" pitchFamily="18" charset="0"/>
+                          <a:ea typeface="ＭＳ 明朝" panose="02020609040205080304" pitchFamily="17" charset="-128"/>
+                          <a:cs typeface="Times New Roman" panose="02020603050405020304" pitchFamily="18" charset="0"/>
+                        </a:rPr>
+                        <a:t>for</a:t>
+                      </a:r>
+                      <a:endParaRPr lang="ja-JP" sz="1800" kern="100" dirty="0">
+                        <a:effectLst/>
+                        <a:latin typeface="Century" panose="02040604050505020304" pitchFamily="18" charset="0"/>
+                        <a:ea typeface="ＭＳ 明朝" panose="02020609040205080304" pitchFamily="17" charset="-128"/>
+                        <a:cs typeface="Times New Roman" panose="02020603050405020304" pitchFamily="18" charset="0"/>
+                      </a:endParaRPr>
+                    </a:p>
+                  </a:txBody>
+                  <a:tcPr marL="68580" marR="68580" marT="0" marB="0">
+                    <a:lnL>
+                      <a:noFill/>
+                    </a:lnL>
+                    <a:lnR w="12700" cap="flat" cmpd="sng" algn="ctr">
+                      <a:solidFill>
+                        <a:srgbClr val="000000"/>
+                      </a:solidFill>
+                      <a:prstDash val="solid"/>
+                      <a:round/>
+                      <a:headEnd type="none" w="med" len="med"/>
+                      <a:tailEnd type="none" w="med" len="med"/>
+                    </a:lnR>
+                    <a:lnT w="12700" cap="flat" cmpd="sng" algn="ctr">
+                      <a:solidFill>
+                        <a:srgbClr val="000000"/>
+                      </a:solidFill>
+                      <a:prstDash val="solid"/>
+                      <a:round/>
+                      <a:headEnd type="none" w="med" len="med"/>
+                      <a:tailEnd type="none" w="med" len="med"/>
+                    </a:lnT>
+                    <a:lnB w="12700" cap="flat" cmpd="sng" algn="ctr">
+                      <a:solidFill>
+                        <a:srgbClr val="000000"/>
+                      </a:solidFill>
+                      <a:prstDash val="solid"/>
+                      <a:round/>
+                      <a:headEnd type="none" w="med" len="med"/>
+                      <a:tailEnd type="none" w="med" len="med"/>
+                    </a:lnB>
+                  </a:tcPr>
+                </a:tc>
+                <a:tc>
+                  <a:txBody>
+                    <a:bodyPr/>
+                    <a:lstStyle/>
+                    <a:p>
+                      <a:pPr algn="just">
+                        <a:spcAft>
+                          <a:spcPts val="0"/>
+                        </a:spcAft>
+                      </a:pPr>
+                      <a:r>
+                        <a:rPr lang="en-US" sz="1800" kern="100">
+                          <a:effectLst/>
+                          <a:latin typeface="Century" panose="02040604050505020304" pitchFamily="18" charset="0"/>
+                          <a:ea typeface="ＭＳ 明朝" panose="02020609040205080304" pitchFamily="17" charset="-128"/>
+                          <a:cs typeface="Times New Roman" panose="02020603050405020304" pitchFamily="18" charset="0"/>
+                        </a:rPr>
+                        <a:t>while</a:t>
+                      </a:r>
+                      <a:endParaRPr lang="ja-JP" sz="1800" kern="100">
+                        <a:effectLst/>
+                        <a:latin typeface="Century" panose="02040604050505020304" pitchFamily="18" charset="0"/>
+                        <a:ea typeface="ＭＳ 明朝" panose="02020609040205080304" pitchFamily="17" charset="-128"/>
+                        <a:cs typeface="Times New Roman" panose="02020603050405020304" pitchFamily="18" charset="0"/>
+                      </a:endParaRPr>
+                    </a:p>
+                  </a:txBody>
+                  <a:tcPr marL="68580" marR="68580" marT="0" marB="0">
+                    <a:lnL w="12700" cap="flat" cmpd="sng" algn="ctr">
+                      <a:solidFill>
+                        <a:srgbClr val="000000"/>
+                      </a:solidFill>
+                      <a:prstDash val="solid"/>
+                      <a:round/>
+                      <a:headEnd type="none" w="med" len="med"/>
+                      <a:tailEnd type="none" w="med" len="med"/>
+                    </a:lnL>
+                    <a:lnR w="12700" cap="flat" cmpd="sng" algn="ctr">
+                      <a:solidFill>
+                        <a:srgbClr val="000000"/>
+                      </a:solidFill>
+                      <a:prstDash val="solid"/>
+                      <a:round/>
+                      <a:headEnd type="none" w="med" len="med"/>
+                      <a:tailEnd type="none" w="med" len="med"/>
+                    </a:lnR>
+                    <a:lnT w="12700" cap="flat" cmpd="sng" algn="ctr">
+                      <a:solidFill>
+                        <a:srgbClr val="000000"/>
+                      </a:solidFill>
+                      <a:prstDash val="solid"/>
+                      <a:round/>
+                      <a:headEnd type="none" w="med" len="med"/>
+                      <a:tailEnd type="none" w="med" len="med"/>
+                    </a:lnT>
+                    <a:lnB w="12700" cap="flat" cmpd="sng" algn="ctr">
+                      <a:solidFill>
+                        <a:srgbClr val="000000"/>
+                      </a:solidFill>
+                      <a:prstDash val="solid"/>
+                      <a:round/>
+                      <a:headEnd type="none" w="med" len="med"/>
+                      <a:tailEnd type="none" w="med" len="med"/>
+                    </a:lnB>
+                  </a:tcPr>
+                </a:tc>
+                <a:tc>
+                  <a:txBody>
+                    <a:bodyPr/>
+                    <a:lstStyle/>
+                    <a:p>
+                      <a:pPr algn="just">
+                        <a:spcAft>
+                          <a:spcPts val="0"/>
+                        </a:spcAft>
+                      </a:pPr>
+                      <a:r>
+                        <a:rPr lang="en-US" sz="1800" kern="100" dirty="0">
+                          <a:effectLst/>
+                          <a:latin typeface="Century" panose="02040604050505020304" pitchFamily="18" charset="0"/>
+                          <a:ea typeface="ＭＳ 明朝" panose="02020609040205080304" pitchFamily="17" charset="-128"/>
+                          <a:cs typeface="Times New Roman" panose="02020603050405020304" pitchFamily="18" charset="0"/>
+                        </a:rPr>
+                        <a:t>do</a:t>
+                      </a:r>
+                      <a:endParaRPr lang="ja-JP" sz="1800" kern="100" dirty="0">
+                        <a:effectLst/>
+                        <a:latin typeface="Century" panose="02040604050505020304" pitchFamily="18" charset="0"/>
+                        <a:ea typeface="ＭＳ 明朝" panose="02020609040205080304" pitchFamily="17" charset="-128"/>
+                        <a:cs typeface="Times New Roman" panose="02020603050405020304" pitchFamily="18" charset="0"/>
+                      </a:endParaRPr>
+                    </a:p>
+                  </a:txBody>
+                  <a:tcPr marL="68580" marR="68580" marT="0" marB="0">
+                    <a:lnL w="12700" cap="flat" cmpd="sng" algn="ctr">
+                      <a:solidFill>
+                        <a:srgbClr val="000000"/>
+                      </a:solidFill>
+                      <a:prstDash val="solid"/>
+                      <a:round/>
+                      <a:headEnd type="none" w="med" len="med"/>
+                      <a:tailEnd type="none" w="med" len="med"/>
+                    </a:lnL>
+                    <a:lnR>
+                      <a:noFill/>
+                    </a:lnR>
+                    <a:lnT w="12700" cap="flat" cmpd="sng" algn="ctr">
+                      <a:solidFill>
+                        <a:srgbClr val="000000"/>
+                      </a:solidFill>
+                      <a:prstDash val="solid"/>
+                      <a:round/>
+                      <a:headEnd type="none" w="med" len="med"/>
+                      <a:tailEnd type="none" w="med" len="med"/>
+                    </a:lnT>
+                    <a:lnB w="12700" cap="flat" cmpd="sng" algn="ctr">
+                      <a:solidFill>
+                        <a:srgbClr val="000000"/>
+                      </a:solidFill>
+                      <a:prstDash val="solid"/>
+                      <a:round/>
+                      <a:headEnd type="none" w="med" len="med"/>
+                      <a:tailEnd type="none" w="med" len="med"/>
+                    </a:lnB>
+                  </a:tcPr>
+                </a:tc>
+                <a:extLst>
+                  <a:ext uri="{0D108BD9-81ED-4DB2-BD59-A6C34878D82A}">
+                    <a16:rowId xmlns:a16="http://schemas.microsoft.com/office/drawing/2014/main" val="2508846803"/>
+                  </a:ext>
+                </a:extLst>
+              </a:tr>
+            </a:tbl>
+          </a:graphicData>
+        </a:graphic>
+      </p:graphicFrame>
+      <p:graphicFrame>
+        <p:nvGraphicFramePr>
+          <p:cNvPr id="18" name="表 17"/>
+          <p:cNvGraphicFramePr>
+            <a:graphicFrameLocks noGrp="1"/>
+          </p:cNvGraphicFramePr>
+          <p:nvPr>
+            <p:extLst>
+              <p:ext uri="{D42A27DB-BD31-4B8C-83A1-F6EECF244321}">
+                <p14:modId xmlns:p14="http://schemas.microsoft.com/office/powerpoint/2010/main" val="784867023"/>
+              </p:ext>
+            </p:extLst>
+          </p:nvPr>
+        </p:nvGraphicFramePr>
+        <p:xfrm>
+          <a:off x="1605280" y="5003514"/>
+          <a:ext cx="5933440" cy="274320"/>
+        </p:xfrm>
+        <a:graphic>
+          <a:graphicData uri="http://schemas.openxmlformats.org/drawingml/2006/table">
+            <a:tbl>
+              <a:tblPr firstRow="1" firstCol="1" bandRow="1"/>
+              <a:tblGrid>
+                <a:gridCol w="1977390">
+                  <a:extLst>
+                    <a:ext uri="{9D8B030D-6E8A-4147-A177-3AD203B41FA5}">
+                      <a16:colId xmlns:a16="http://schemas.microsoft.com/office/drawing/2014/main" val="3458815489"/>
+                    </a:ext>
+                  </a:extLst>
+                </a:gridCol>
+                <a:gridCol w="1978025">
+                  <a:extLst>
+                    <a:ext uri="{9D8B030D-6E8A-4147-A177-3AD203B41FA5}">
+                      <a16:colId xmlns:a16="http://schemas.microsoft.com/office/drawing/2014/main" val="3357885173"/>
+                    </a:ext>
+                  </a:extLst>
+                </a:gridCol>
+                <a:gridCol w="1978025">
+                  <a:extLst>
+                    <a:ext uri="{9D8B030D-6E8A-4147-A177-3AD203B41FA5}">
+                      <a16:colId xmlns:a16="http://schemas.microsoft.com/office/drawing/2014/main" val="2911256622"/>
+                    </a:ext>
+                  </a:extLst>
+                </a:gridCol>
+              </a:tblGrid>
+              <a:tr h="66664">
+                <a:tc>
+                  <a:txBody>
+                    <a:bodyPr/>
+                    <a:lstStyle/>
+                    <a:p>
+                      <a:pPr algn="just">
+                        <a:spcAft>
+                          <a:spcPts val="0"/>
+                        </a:spcAft>
+                      </a:pPr>
+                      <a:r>
+                        <a:rPr lang="en-US" sz="1800" kern="100">
+                          <a:effectLst/>
+                          <a:latin typeface="Century" panose="02040604050505020304" pitchFamily="18" charset="0"/>
+                          <a:ea typeface="ＭＳ 明朝" panose="02020609040205080304" pitchFamily="17" charset="-128"/>
+                          <a:cs typeface="Times New Roman" panose="02020603050405020304" pitchFamily="18" charset="0"/>
+                        </a:rPr>
+                        <a:t>for</a:t>
+                      </a:r>
+                      <a:endParaRPr lang="ja-JP" sz="1800" kern="100">
+                        <a:effectLst/>
+                        <a:latin typeface="Century" panose="02040604050505020304" pitchFamily="18" charset="0"/>
+                        <a:ea typeface="ＭＳ 明朝" panose="02020609040205080304" pitchFamily="17" charset="-128"/>
+                        <a:cs typeface="Times New Roman" panose="02020603050405020304" pitchFamily="18" charset="0"/>
+                      </a:endParaRPr>
+                    </a:p>
+                  </a:txBody>
+                  <a:tcPr marL="68580" marR="68580" marT="0" marB="0">
+                    <a:lnL>
+                      <a:noFill/>
+                    </a:lnL>
+                    <a:lnR w="12700" cap="flat" cmpd="sng" algn="ctr">
+                      <a:solidFill>
+                        <a:srgbClr val="000000"/>
+                      </a:solidFill>
+                      <a:prstDash val="solid"/>
+                      <a:round/>
+                      <a:headEnd type="none" w="med" len="med"/>
+                      <a:tailEnd type="none" w="med" len="med"/>
+                    </a:lnR>
+                    <a:lnT w="12700" cap="flat" cmpd="sng" algn="ctr">
+                      <a:solidFill>
+                        <a:srgbClr val="000000"/>
+                      </a:solidFill>
+                      <a:prstDash val="solid"/>
+                      <a:round/>
+                      <a:headEnd type="none" w="med" len="med"/>
+                      <a:tailEnd type="none" w="med" len="med"/>
+                    </a:lnT>
+                    <a:lnB w="12700" cap="flat" cmpd="sng" algn="ctr">
+                      <a:solidFill>
+                        <a:srgbClr val="000000"/>
+                      </a:solidFill>
+                      <a:prstDash val="solid"/>
+                      <a:round/>
+                      <a:headEnd type="none" w="med" len="med"/>
+                      <a:tailEnd type="none" w="med" len="med"/>
+                    </a:lnB>
+                  </a:tcPr>
+                </a:tc>
+                <a:tc>
+                  <a:txBody>
+                    <a:bodyPr/>
+                    <a:lstStyle/>
+                    <a:p>
+                      <a:pPr algn="just">
+                        <a:spcAft>
+                          <a:spcPts val="0"/>
+                        </a:spcAft>
+                      </a:pPr>
+                      <a:r>
+                        <a:rPr lang="en-US" sz="1800" kern="100">
+                          <a:effectLst/>
+                          <a:latin typeface="Century" panose="02040604050505020304" pitchFamily="18" charset="0"/>
+                          <a:ea typeface="ＭＳ 明朝" panose="02020609040205080304" pitchFamily="17" charset="-128"/>
+                          <a:cs typeface="Times New Roman" panose="02020603050405020304" pitchFamily="18" charset="0"/>
+                        </a:rPr>
+                        <a:t>if</a:t>
+                      </a:r>
+                      <a:endParaRPr lang="ja-JP" sz="1800" kern="100">
+                        <a:effectLst/>
+                        <a:latin typeface="Century" panose="02040604050505020304" pitchFamily="18" charset="0"/>
+                        <a:ea typeface="ＭＳ 明朝" panose="02020609040205080304" pitchFamily="17" charset="-128"/>
+                        <a:cs typeface="Times New Roman" panose="02020603050405020304" pitchFamily="18" charset="0"/>
+                      </a:endParaRPr>
+                    </a:p>
+                  </a:txBody>
+                  <a:tcPr marL="68580" marR="68580" marT="0" marB="0">
+                    <a:lnL w="12700" cap="flat" cmpd="sng" algn="ctr">
+                      <a:solidFill>
+                        <a:srgbClr val="000000"/>
+                      </a:solidFill>
+                      <a:prstDash val="solid"/>
+                      <a:round/>
+                      <a:headEnd type="none" w="med" len="med"/>
+                      <a:tailEnd type="none" w="med" len="med"/>
+                    </a:lnL>
+                    <a:lnR w="12700" cap="flat" cmpd="sng" algn="ctr">
+                      <a:solidFill>
+                        <a:srgbClr val="000000"/>
+                      </a:solidFill>
+                      <a:prstDash val="solid"/>
+                      <a:round/>
+                      <a:headEnd type="none" w="med" len="med"/>
+                      <a:tailEnd type="none" w="med" len="med"/>
+                    </a:lnR>
+                    <a:lnT w="12700" cap="flat" cmpd="sng" algn="ctr">
+                      <a:solidFill>
+                        <a:srgbClr val="000000"/>
+                      </a:solidFill>
+                      <a:prstDash val="solid"/>
+                      <a:round/>
+                      <a:headEnd type="none" w="med" len="med"/>
+                      <a:tailEnd type="none" w="med" len="med"/>
+                    </a:lnT>
+                    <a:lnB w="12700" cap="flat" cmpd="sng" algn="ctr">
+                      <a:solidFill>
+                        <a:srgbClr val="000000"/>
+                      </a:solidFill>
+                      <a:prstDash val="solid"/>
+                      <a:round/>
+                      <a:headEnd type="none" w="med" len="med"/>
+                      <a:tailEnd type="none" w="med" len="med"/>
+                    </a:lnB>
+                  </a:tcPr>
+                </a:tc>
+                <a:tc>
+                  <a:txBody>
+                    <a:bodyPr/>
+                    <a:lstStyle/>
+                    <a:p>
+                      <a:pPr algn="just">
+                        <a:spcAft>
+                          <a:spcPts val="0"/>
+                        </a:spcAft>
+                      </a:pPr>
+                      <a:r>
+                        <a:rPr lang="ja-JP" sz="1800" kern="100" dirty="0">
+                          <a:effectLst/>
+                          <a:latin typeface="Century" panose="02040604050505020304" pitchFamily="18" charset="0"/>
+                          <a:ea typeface="ＭＳ 明朝" panose="02020609040205080304" pitchFamily="17" charset="-128"/>
+                          <a:cs typeface="Times New Roman" panose="02020603050405020304" pitchFamily="18" charset="0"/>
+                        </a:rPr>
+                        <a:t>＋</a:t>
+                      </a:r>
+                    </a:p>
+                  </a:txBody>
+                  <a:tcPr marL="68580" marR="68580" marT="0" marB="0">
+                    <a:lnL w="12700" cap="flat" cmpd="sng" algn="ctr">
+                      <a:solidFill>
+                        <a:srgbClr val="000000"/>
+                      </a:solidFill>
+                      <a:prstDash val="solid"/>
+                      <a:round/>
+                      <a:headEnd type="none" w="med" len="med"/>
+                      <a:tailEnd type="none" w="med" len="med"/>
+                    </a:lnL>
+                    <a:lnR>
+                      <a:noFill/>
+                    </a:lnR>
+                    <a:lnT w="12700" cap="flat" cmpd="sng" algn="ctr">
+                      <a:solidFill>
+                        <a:srgbClr val="000000"/>
+                      </a:solidFill>
+                      <a:prstDash val="solid"/>
+                      <a:round/>
+                      <a:headEnd type="none" w="med" len="med"/>
+                      <a:tailEnd type="none" w="med" len="med"/>
+                    </a:lnT>
+                    <a:lnB w="12700" cap="flat" cmpd="sng" algn="ctr">
+                      <a:solidFill>
+                        <a:srgbClr val="000000"/>
+                      </a:solidFill>
+                      <a:prstDash val="solid"/>
+                      <a:round/>
+                      <a:headEnd type="none" w="med" len="med"/>
+                      <a:tailEnd type="none" w="med" len="med"/>
+                    </a:lnB>
+                  </a:tcPr>
+                </a:tc>
+                <a:extLst>
+                  <a:ext uri="{0D108BD9-81ED-4DB2-BD59-A6C34878D82A}">
+                    <a16:rowId xmlns:a16="http://schemas.microsoft.com/office/drawing/2014/main" val="966200520"/>
+                  </a:ext>
+                </a:extLst>
+              </a:tr>
+            </a:tbl>
+          </a:graphicData>
+        </a:graphic>
+      </p:graphicFrame>
+      <p:sp>
+        <p:nvSpPr>
+          <p:cNvPr id="19" name="正方形/長方形 18"/>
+          <p:cNvSpPr/>
+          <p:nvPr/>
+        </p:nvSpPr>
+        <p:spPr>
+          <a:xfrm>
+            <a:off x="3676555" y="2161193"/>
+            <a:ext cx="1338828" cy="369332"/>
+          </a:xfrm>
+          <a:prstGeom prst="rect">
+            <a:avLst/>
+          </a:prstGeom>
+        </p:spPr>
+        <p:txBody>
+          <a:bodyPr wrap="none">
+            <a:spAutoFit/>
+          </a:bodyPr>
+          <a:lstStyle/>
+          <a:p>
+            <a:pPr algn="ctr">
+              <a:spcAft>
+                <a:spcPts val="0"/>
+              </a:spcAft>
+            </a:pPr>
+            <a:r>
+              <a:rPr lang="ja-JP" altLang="ja-JP" kern="100" dirty="0">
+                <a:latin typeface="Century" panose="02040604050505020304" pitchFamily="18" charset="0"/>
+                <a:ea typeface="ＭＳ 明朝" panose="02020609040205080304" pitchFamily="17" charset="-128"/>
+                <a:cs typeface="Times New Roman" panose="02020603050405020304" pitchFamily="18" charset="0"/>
+              </a:rPr>
+              <a:t>グループ例</a:t>
+            </a:r>
+          </a:p>
+        </p:txBody>
+      </p:sp>
+      <p:sp>
+        <p:nvSpPr>
+          <p:cNvPr id="20" name="正方形/長方形 19"/>
+          <p:cNvSpPr/>
+          <p:nvPr/>
+        </p:nvSpPr>
+        <p:spPr>
+          <a:xfrm>
+            <a:off x="2723074" y="3469522"/>
+            <a:ext cx="4108817" cy="369332"/>
+          </a:xfrm>
+          <a:prstGeom prst="rect">
+            <a:avLst/>
+          </a:prstGeom>
+        </p:spPr>
+        <p:txBody>
+          <a:bodyPr wrap="none">
+            <a:spAutoFit/>
+          </a:bodyPr>
+          <a:lstStyle/>
+          <a:p>
+            <a:r>
+              <a:rPr lang="ja-JP" altLang="ja-JP" dirty="0">
+                <a:latin typeface="Century" panose="02040604050505020304" pitchFamily="18" charset="0"/>
+                <a:ea typeface="ＭＳ 明朝" panose="02020609040205080304" pitchFamily="17" charset="-128"/>
+                <a:cs typeface="Times New Roman" panose="02020603050405020304" pitchFamily="18" charset="0"/>
+              </a:rPr>
+              <a:t>同じグループで選択肢が決定された例</a:t>
+            </a:r>
+            <a:endParaRPr lang="ja-JP" altLang="en-US" dirty="0"/>
+          </a:p>
+        </p:txBody>
+      </p:sp>
+      <p:sp>
+        <p:nvSpPr>
+          <p:cNvPr id="21" name="正方形/長方形 20"/>
+          <p:cNvSpPr/>
+          <p:nvPr/>
+        </p:nvSpPr>
+        <p:spPr>
+          <a:xfrm>
+            <a:off x="2410049" y="4391788"/>
+            <a:ext cx="4570482" cy="369332"/>
+          </a:xfrm>
+          <a:prstGeom prst="rect">
+            <a:avLst/>
+          </a:prstGeom>
+        </p:spPr>
+        <p:txBody>
+          <a:bodyPr wrap="none">
+            <a:spAutoFit/>
+          </a:bodyPr>
+          <a:lstStyle/>
+          <a:p>
+            <a:r>
+              <a:rPr lang="ja-JP" altLang="ja-JP" dirty="0">
+                <a:latin typeface="Century" panose="02040604050505020304" pitchFamily="18" charset="0"/>
+                <a:ea typeface="ＭＳ 明朝" panose="02020609040205080304" pitchFamily="17" charset="-128"/>
+                <a:cs typeface="Times New Roman" panose="02020603050405020304" pitchFamily="18" charset="0"/>
+              </a:rPr>
+              <a:t>異なるグループから選択肢が決定された例</a:t>
+            </a:r>
+            <a:endParaRPr lang="ja-JP" altLang="en-US" dirty="0"/>
           </a:p>
         </p:txBody>
       </p:sp>
     </p:spTree>
     <p:extLst>
       <p:ext uri="{BB962C8B-B14F-4D97-AF65-F5344CB8AC3E}">
-        <p14:creationId xmlns:p14="http://schemas.microsoft.com/office/powerpoint/2010/main" val="2695332059"/>
+        <p14:creationId xmlns:p14="http://schemas.microsoft.com/office/powerpoint/2010/main" val="3934619989"/>
       </p:ext>
     </p:extLst>
   </p:cSld>
   <p:clrMapOvr>
     <a:masterClrMapping/>
   </p:clrMapOvr>
-  <p:timing>
-    <p:tnLst>
-      <p:par>
-        <p:cTn id="1" dur="indefinite" restart="never" nodeType="tmRoot"/>
-      </p:par>
-    </p:tnLst>
-  </p:timing>
 </p:sld>
 </file>
 
@@ -4764,7 +6096,7 @@
           <a:p>
             <a:r>
               <a:rPr kumimoji="1" lang="ja-JP" altLang="en-US" dirty="0" smtClean="0"/>
-              <a:t>解説</a:t>
+              <a:t>採点</a:t>
             </a:r>
             <a:endParaRPr kumimoji="1" lang="ja-JP" altLang="en-US" dirty="0"/>
           </a:p>
@@ -4789,16 +6121,12 @@
               <a:buNone/>
             </a:pPr>
             <a:r>
-              <a:rPr lang="en-US" altLang="ja-JP" dirty="0" smtClean="0"/>
-              <a:t>Step-1</a:t>
-            </a:r>
-            <a:r>
               <a:rPr lang="en-US" altLang="ja-JP" dirty="0"/>
-              <a:t>:</a:t>
+              <a:t>Step-1:</a:t>
             </a:r>
             <a:r>
               <a:rPr lang="ja-JP" altLang="ja-JP" dirty="0"/>
-              <a:t>不正解だった問題を確認する．</a:t>
+              <a:t>問題数を判別する</a:t>
             </a:r>
           </a:p>
           <a:p>
@@ -4811,7 +6139,7 @@
             </a:r>
             <a:r>
               <a:rPr lang="ja-JP" altLang="ja-JP" dirty="0"/>
-              <a:t>選ばれた選択肢を確認する．</a:t>
+              <a:t>セレクトボックスの内容を読み取り，正解不正解を判断．</a:t>
             </a:r>
           </a:p>
           <a:p>
@@ -4824,7 +6152,33 @@
             </a:r>
             <a:r>
               <a:rPr lang="ja-JP" altLang="ja-JP" dirty="0"/>
-              <a:t>その選択肢がどのような場合に利用されるものか解説を表示する．</a:t>
+              <a:t>正解だった場合正解数をカウントし，その問題番号を保存する．</a:t>
+            </a:r>
+          </a:p>
+          <a:p>
+            <a:pPr marL="0" indent="0">
+              <a:buNone/>
+            </a:pPr>
+            <a:r>
+              <a:rPr lang="en-US" altLang="ja-JP" dirty="0"/>
+              <a:t>Step-4:</a:t>
+            </a:r>
+            <a:r>
+              <a:rPr lang="ja-JP" altLang="ja-JP" dirty="0"/>
+              <a:t>不正解だった場合は，その問題番号を保存する．</a:t>
+            </a:r>
+          </a:p>
+          <a:p>
+            <a:pPr marL="0" indent="0">
+              <a:buNone/>
+            </a:pPr>
+            <a:r>
+              <a:rPr lang="en-US" altLang="ja-JP" dirty="0"/>
+              <a:t>Step-5:</a:t>
+            </a:r>
+            <a:r>
+              <a:rPr lang="ja-JP" altLang="ja-JP" dirty="0"/>
+              <a:t>正解数と正解した問題番号，不正解の問題番号を表示</a:t>
             </a:r>
           </a:p>
           <a:p>
@@ -4858,7 +6212,7 @@
     </p:spTree>
     <p:extLst>
       <p:ext uri="{BB962C8B-B14F-4D97-AF65-F5344CB8AC3E}">
-        <p14:creationId xmlns:p14="http://schemas.microsoft.com/office/powerpoint/2010/main" val="284366703"/>
+        <p14:creationId xmlns:p14="http://schemas.microsoft.com/office/powerpoint/2010/main" val="2695332059"/>
       </p:ext>
     </p:extLst>
   </p:cSld>
@@ -4908,12 +6262,8 @@
           <a:lstStyle/>
           <a:p>
             <a:r>
-              <a:rPr lang="ja-JP" altLang="en-US" dirty="0"/>
-              <a:t>問題の</a:t>
-            </a:r>
-            <a:r>
-              <a:rPr lang="ja-JP" altLang="en-US" dirty="0" smtClean="0"/>
-              <a:t>作成（教師）</a:t>
+              <a:rPr kumimoji="1" lang="ja-JP" altLang="en-US" dirty="0" smtClean="0"/>
+              <a:t>解説</a:t>
             </a:r>
             <a:endParaRPr kumimoji="1" lang="ja-JP" altLang="en-US" dirty="0"/>
           </a:p>
@@ -4934,51 +6284,46 @@
           <a:bodyPr/>
           <a:lstStyle/>
           <a:p>
-            <a:r>
-              <a:rPr lang="ja-JP" altLang="ja-JP" dirty="0" smtClean="0"/>
-              <a:t>提示</a:t>
+            <a:pPr marL="0" indent="0">
+              <a:buNone/>
+            </a:pPr>
+            <a:r>
+              <a:rPr lang="en-US" altLang="ja-JP" dirty="0" smtClean="0"/>
+              <a:t>Step-1</a:t>
+            </a:r>
+            <a:r>
+              <a:rPr lang="en-US" altLang="ja-JP" dirty="0"/>
+              <a:t>:</a:t>
             </a:r>
             <a:r>
               <a:rPr lang="ja-JP" altLang="ja-JP" dirty="0"/>
-              <a:t>する問題文とその解答を考える</a:t>
-            </a:r>
-          </a:p>
-          <a:p>
-            <a:r>
-              <a:rPr lang="ja-JP" altLang="ja-JP" dirty="0" smtClean="0"/>
-              <a:t>提示</a:t>
+              <a:t>不正解だった問題を確認する．</a:t>
+            </a:r>
+          </a:p>
+          <a:p>
+            <a:pPr marL="0" indent="0">
+              <a:buNone/>
+            </a:pPr>
+            <a:r>
+              <a:rPr lang="en-US" altLang="ja-JP" dirty="0"/>
+              <a:t>Step-2:</a:t>
             </a:r>
             <a:r>
               <a:rPr lang="ja-JP" altLang="ja-JP" dirty="0"/>
-              <a:t>する問題に対応するブロックプログラミングを完成させる</a:t>
-            </a:r>
-          </a:p>
-          <a:p>
-            <a:r>
-              <a:rPr lang="ja-JP" altLang="ja-JP" dirty="0" smtClean="0"/>
-              <a:t>ブロックプログラミング</a:t>
+              <a:t>選ばれた選択肢を確認する．</a:t>
+            </a:r>
+          </a:p>
+          <a:p>
+            <a:pPr marL="0" indent="0">
+              <a:buNone/>
+            </a:pPr>
+            <a:r>
+              <a:rPr lang="en-US" altLang="ja-JP" dirty="0"/>
+              <a:t>Step-3:</a:t>
             </a:r>
             <a:r>
               <a:rPr lang="ja-JP" altLang="ja-JP" dirty="0"/>
-              <a:t>より</a:t>
-            </a:r>
-            <a:r>
-              <a:rPr lang="en-US" altLang="ja-JP" dirty="0"/>
-              <a:t>XML</a:t>
-            </a:r>
-            <a:r>
-              <a:rPr lang="ja-JP" altLang="ja-JP" dirty="0"/>
-              <a:t>コードを作成する</a:t>
-            </a:r>
-          </a:p>
-          <a:p>
-            <a:r>
-              <a:rPr lang="en-US" altLang="ja-JP" dirty="0" smtClean="0"/>
-              <a:t>XML</a:t>
-            </a:r>
-            <a:r>
-              <a:rPr lang="ja-JP" altLang="ja-JP" dirty="0"/>
-              <a:t>コード，問題文，解答（実行結果）を問題ファイルとして記述する</a:t>
+              <a:t>その選択肢がどのような場合に利用されるものか解説を表示する．</a:t>
             </a:r>
           </a:p>
           <a:p>
@@ -5012,7 +6357,7 @@
     </p:spTree>
     <p:extLst>
       <p:ext uri="{BB962C8B-B14F-4D97-AF65-F5344CB8AC3E}">
-        <p14:creationId xmlns:p14="http://schemas.microsoft.com/office/powerpoint/2010/main" val="2727924093"/>
+        <p14:creationId xmlns:p14="http://schemas.microsoft.com/office/powerpoint/2010/main" val="284366703"/>
       </p:ext>
     </p:extLst>
   </p:cSld>
@@ -5062,6 +6407,302 @@
           <a:lstStyle/>
           <a:p>
             <a:r>
+              <a:rPr kumimoji="1" lang="en-US" altLang="ja-JP" dirty="0" smtClean="0"/>
+              <a:t>UI</a:t>
+            </a:r>
+            <a:r>
+              <a:rPr kumimoji="1" lang="ja-JP" altLang="en-US" dirty="0" smtClean="0"/>
+              <a:t>図</a:t>
+            </a:r>
+            <a:endParaRPr kumimoji="1" lang="ja-JP" altLang="en-US" dirty="0"/>
+          </a:p>
+        </p:txBody>
+      </p:sp>
+      <p:sp>
+        <p:nvSpPr>
+          <p:cNvPr id="4" name="スライド番号プレースホルダー 3"/>
+          <p:cNvSpPr>
+            <a:spLocks noGrp="1"/>
+          </p:cNvSpPr>
+          <p:nvPr>
+            <p:ph type="sldNum" sz="quarter" idx="12"/>
+          </p:nvPr>
+        </p:nvSpPr>
+        <p:spPr/>
+        <p:txBody>
+          <a:bodyPr/>
+          <a:lstStyle/>
+          <a:p>
+            <a:fld id="{7A0C0510-5AD5-45F8-B3F1-46CC91AC00B1}" type="slidenum">
+              <a:rPr kumimoji="1" lang="ja-JP" altLang="en-US" smtClean="0"/>
+              <a:pPr/>
+              <a:t>13</a:t>
+            </a:fld>
+            <a:endParaRPr kumimoji="1" lang="ja-JP" altLang="en-US" dirty="0"/>
+          </a:p>
+        </p:txBody>
+      </p:sp>
+      <p:pic>
+        <p:nvPicPr>
+          <p:cNvPr id="5" name="図 4"/>
+          <p:cNvPicPr/>
+          <p:nvPr/>
+        </p:nvPicPr>
+        <p:blipFill>
+          <a:blip r:embed="rId2" cstate="print">
+            <a:extLst>
+              <a:ext uri="{28A0092B-C50C-407E-A947-70E740481C1C}">
+                <a14:useLocalDpi xmlns:a14="http://schemas.microsoft.com/office/drawing/2010/main" val="0"/>
+              </a:ext>
+            </a:extLst>
+          </a:blip>
+          <a:srcRect/>
+          <a:stretch>
+            <a:fillRect/>
+          </a:stretch>
+        </p:blipFill>
+        <p:spPr bwMode="auto">
+          <a:xfrm>
+            <a:off x="628650" y="2049465"/>
+            <a:ext cx="7886700" cy="4306886"/>
+          </a:xfrm>
+          <a:prstGeom prst="rect">
+            <a:avLst/>
+          </a:prstGeom>
+          <a:noFill/>
+          <a:ln>
+            <a:noFill/>
+          </a:ln>
+        </p:spPr>
+      </p:pic>
+    </p:spTree>
+    <p:extLst>
+      <p:ext uri="{BB962C8B-B14F-4D97-AF65-F5344CB8AC3E}">
+        <p14:creationId xmlns:p14="http://schemas.microsoft.com/office/powerpoint/2010/main" val="4006035017"/>
+      </p:ext>
+    </p:extLst>
+  </p:cSld>
+  <p:clrMapOvr>
+    <a:masterClrMapping/>
+  </p:clrMapOvr>
+</p:sld>
+</file>
+
+<file path=ppt/slides/slide14.xml><?xml version="1.0" encoding="utf-8"?>
+<p:sld xmlns:a="http://schemas.openxmlformats.org/drawingml/2006/main" xmlns:r="http://schemas.openxmlformats.org/officeDocument/2006/relationships" xmlns:p="http://schemas.openxmlformats.org/presentationml/2006/main">
+  <p:cSld>
+    <p:spTree>
+      <p:nvGrpSpPr>
+        <p:cNvPr id="1" name=""/>
+        <p:cNvGrpSpPr/>
+        <p:nvPr/>
+      </p:nvGrpSpPr>
+      <p:grpSpPr>
+        <a:xfrm>
+          <a:off x="0" y="0"/>
+          <a:ext cx="0" cy="0"/>
+          <a:chOff x="0" y="0"/>
+          <a:chExt cx="0" cy="0"/>
+        </a:xfrm>
+      </p:grpSpPr>
+      <p:sp>
+        <p:nvSpPr>
+          <p:cNvPr id="2" name="タイトル 1"/>
+          <p:cNvSpPr>
+            <a:spLocks noGrp="1"/>
+          </p:cNvSpPr>
+          <p:nvPr>
+            <p:ph type="title"/>
+          </p:nvPr>
+        </p:nvSpPr>
+        <p:spPr/>
+        <p:txBody>
+          <a:bodyPr/>
+          <a:lstStyle/>
+          <a:p>
+            <a:r>
+              <a:rPr lang="ja-JP" altLang="en-US" dirty="0"/>
+              <a:t>問題の</a:t>
+            </a:r>
+            <a:r>
+              <a:rPr lang="ja-JP" altLang="en-US" dirty="0" smtClean="0"/>
+              <a:t>作成（教師）</a:t>
+            </a:r>
+            <a:endParaRPr kumimoji="1" lang="ja-JP" altLang="en-US" dirty="0"/>
+          </a:p>
+        </p:txBody>
+      </p:sp>
+      <p:sp>
+        <p:nvSpPr>
+          <p:cNvPr id="3" name="コンテンツ プレースホルダー 2"/>
+          <p:cNvSpPr>
+            <a:spLocks noGrp="1"/>
+          </p:cNvSpPr>
+          <p:nvPr>
+            <p:ph idx="1"/>
+          </p:nvPr>
+        </p:nvSpPr>
+        <p:spPr/>
+        <p:txBody>
+          <a:bodyPr>
+            <a:normAutofit fontScale="85000" lnSpcReduction="20000"/>
+          </a:bodyPr>
+          <a:lstStyle/>
+          <a:p>
+            <a:r>
+              <a:rPr lang="ja-JP" altLang="ja-JP" dirty="0"/>
+              <a:t>　教師は</a:t>
+            </a:r>
+            <a:r>
+              <a:rPr lang="ja-JP" altLang="ja-JP" dirty="0" smtClean="0"/>
+              <a:t>，</a:t>
+            </a:r>
+            <a:r>
+              <a:rPr lang="en-US" altLang="ja-JP" dirty="0" smtClean="0"/>
+              <a:t>UI</a:t>
+            </a:r>
+            <a:r>
+              <a:rPr lang="ja-JP" altLang="ja-JP" dirty="0" smtClean="0"/>
+              <a:t>図に</a:t>
+            </a:r>
+            <a:r>
+              <a:rPr lang="ja-JP" altLang="ja-JP" dirty="0"/>
+              <a:t>示される右側のソースコード上の穴埋め問題の生成のために，元となる「問題ファイル」を作成し，学習者に提示することで教師はソースコードの学習支援を行う．問題ファイルの作成方法については以下のステップで行う．</a:t>
+            </a:r>
+          </a:p>
+          <a:p>
+            <a:r>
+              <a:rPr lang="en-US" altLang="ja-JP" dirty="0"/>
+              <a:t> </a:t>
+            </a:r>
+            <a:endParaRPr lang="ja-JP" altLang="ja-JP" dirty="0"/>
+          </a:p>
+          <a:p>
+            <a:r>
+              <a:rPr lang="en-US" altLang="ja-JP" dirty="0"/>
+              <a:t>Step-1:</a:t>
+            </a:r>
+            <a:r>
+              <a:rPr lang="ja-JP" altLang="ja-JP" dirty="0"/>
+              <a:t>提示する問題文とその解答を用意する．</a:t>
+            </a:r>
+          </a:p>
+          <a:p>
+            <a:r>
+              <a:rPr lang="en-US" altLang="ja-JP" dirty="0"/>
+              <a:t>Step-2:</a:t>
+            </a:r>
+            <a:r>
+              <a:rPr lang="ja-JP" altLang="ja-JP" dirty="0"/>
+              <a:t>提示する問題に対応するブロックプログラミングを完成させる．</a:t>
+            </a:r>
+          </a:p>
+          <a:p>
+            <a:r>
+              <a:rPr lang="en-US" altLang="ja-JP" dirty="0"/>
+              <a:t>Step-3:</a:t>
+            </a:r>
+            <a:r>
+              <a:rPr lang="ja-JP" altLang="ja-JP" dirty="0"/>
+              <a:t>ブロックプログラミングより</a:t>
+            </a:r>
+            <a:r>
+              <a:rPr lang="en-US" altLang="ja-JP" dirty="0"/>
+              <a:t>XML</a:t>
+            </a:r>
+            <a:r>
+              <a:rPr lang="ja-JP" altLang="ja-JP" dirty="0"/>
+              <a:t>コードを作成する．</a:t>
+            </a:r>
+          </a:p>
+          <a:p>
+            <a:r>
+              <a:rPr lang="en-US" altLang="ja-JP" dirty="0"/>
+              <a:t>Step-4:XML</a:t>
+            </a:r>
+            <a:r>
+              <a:rPr lang="ja-JP" altLang="ja-JP" dirty="0"/>
+              <a:t>コード，問題文，解答（実行結果）を問題ファイルとして記述する．</a:t>
+            </a:r>
+          </a:p>
+        </p:txBody>
+      </p:sp>
+      <p:sp>
+        <p:nvSpPr>
+          <p:cNvPr id="4" name="スライド番号プレースホルダー 3"/>
+          <p:cNvSpPr>
+            <a:spLocks noGrp="1"/>
+          </p:cNvSpPr>
+          <p:nvPr>
+            <p:ph type="sldNum" sz="quarter" idx="12"/>
+          </p:nvPr>
+        </p:nvSpPr>
+        <p:spPr/>
+        <p:txBody>
+          <a:bodyPr/>
+          <a:lstStyle/>
+          <a:p>
+            <a:fld id="{7A0C0510-5AD5-45F8-B3F1-46CC91AC00B1}" type="slidenum">
+              <a:rPr kumimoji="1" lang="ja-JP" altLang="en-US" smtClean="0"/>
+              <a:t>14</a:t>
+            </a:fld>
+            <a:endParaRPr kumimoji="1" lang="ja-JP" altLang="en-US"/>
+          </a:p>
+        </p:txBody>
+      </p:sp>
+    </p:spTree>
+    <p:extLst>
+      <p:ext uri="{BB962C8B-B14F-4D97-AF65-F5344CB8AC3E}">
+        <p14:creationId xmlns:p14="http://schemas.microsoft.com/office/powerpoint/2010/main" val="2727924093"/>
+      </p:ext>
+    </p:extLst>
+  </p:cSld>
+  <p:clrMapOvr>
+    <a:masterClrMapping/>
+  </p:clrMapOvr>
+  <p:timing>
+    <p:tnLst>
+      <p:par>
+        <p:cTn id="1" dur="indefinite" restart="never" nodeType="tmRoot"/>
+      </p:par>
+    </p:tnLst>
+  </p:timing>
+</p:sld>
+</file>
+
+<file path=ppt/slides/slide15.xml><?xml version="1.0" encoding="utf-8"?>
+<p:sld xmlns:a="http://schemas.openxmlformats.org/drawingml/2006/main" xmlns:r="http://schemas.openxmlformats.org/officeDocument/2006/relationships" xmlns:p="http://schemas.openxmlformats.org/presentationml/2006/main">
+  <p:cSld>
+    <p:spTree>
+      <p:nvGrpSpPr>
+        <p:cNvPr id="1" name=""/>
+        <p:cNvGrpSpPr/>
+        <p:nvPr/>
+      </p:nvGrpSpPr>
+      <p:grpSpPr>
+        <a:xfrm>
+          <a:off x="0" y="0"/>
+          <a:ext cx="0" cy="0"/>
+          <a:chOff x="0" y="0"/>
+          <a:chExt cx="0" cy="0"/>
+        </a:xfrm>
+      </p:grpSpPr>
+      <p:sp>
+        <p:nvSpPr>
+          <p:cNvPr id="2" name="タイトル 1"/>
+          <p:cNvSpPr>
+            <a:spLocks noGrp="1"/>
+          </p:cNvSpPr>
+          <p:nvPr>
+            <p:ph type="title"/>
+          </p:nvPr>
+        </p:nvSpPr>
+        <p:spPr/>
+        <p:txBody>
+          <a:bodyPr/>
+          <a:lstStyle/>
+          <a:p>
+            <a:r>
               <a:rPr kumimoji="1" lang="ja-JP" altLang="en-US" dirty="0" smtClean="0"/>
               <a:t>学習方法（学習者）</a:t>
             </a:r>
@@ -5082,100 +6723,152 @@
         <p:spPr/>
         <p:txBody>
           <a:bodyPr>
-            <a:normAutofit fontScale="92500" lnSpcReduction="20000"/>
+            <a:normAutofit fontScale="62500" lnSpcReduction="20000"/>
           </a:bodyPr>
           <a:lstStyle/>
           <a:p>
             <a:r>
+              <a:rPr lang="ja-JP" altLang="ja-JP" dirty="0"/>
+              <a:t>学習者は</a:t>
+            </a:r>
+            <a:r>
               <a:rPr lang="ja-JP" altLang="ja-JP" dirty="0" smtClean="0"/>
-              <a:t>教師</a:t>
+              <a:t>，</a:t>
+            </a:r>
+            <a:r>
+              <a:rPr lang="en-US" altLang="ja-JP" dirty="0" smtClean="0"/>
+              <a:t>UI</a:t>
+            </a:r>
+            <a:r>
+              <a:rPr lang="ja-JP" altLang="ja-JP" dirty="0" smtClean="0"/>
+              <a:t>図に</a:t>
             </a:r>
             <a:r>
               <a:rPr lang="ja-JP" altLang="ja-JP" dirty="0"/>
-              <a:t>より提示された問題ファイルを提案システムにて開く</a:t>
-            </a:r>
-          </a:p>
-          <a:p>
-            <a:r>
-              <a:rPr lang="ja-JP" altLang="ja-JP" dirty="0" smtClean="0"/>
-              <a:t>システム</a:t>
+              <a:t>示される</a:t>
+            </a:r>
+            <a:r>
+              <a:rPr lang="en-US" altLang="ja-JP" dirty="0"/>
+              <a:t>UI</a:t>
             </a:r>
             <a:r>
               <a:rPr lang="ja-JP" altLang="ja-JP" dirty="0"/>
-              <a:t>によって表示される問題文を確認する</a:t>
-            </a:r>
-          </a:p>
-          <a:p>
-            <a:r>
-              <a:rPr lang="ja-JP" altLang="ja-JP" dirty="0" smtClean="0"/>
-              <a:t>自動</a:t>
+              <a:t>の提案システムに従って，以下のステップによって学習を行う．</a:t>
+            </a:r>
+          </a:p>
+          <a:p>
+            <a:endParaRPr lang="ja-JP" altLang="ja-JP" dirty="0"/>
+          </a:p>
+          <a:p>
+            <a:r>
+              <a:rPr lang="en-US" altLang="ja-JP" dirty="0"/>
+              <a:t>Step-1:</a:t>
             </a:r>
             <a:r>
               <a:rPr lang="ja-JP" altLang="ja-JP" dirty="0"/>
-              <a:t>生成された問題を確認する</a:t>
-            </a:r>
-          </a:p>
-          <a:p>
-            <a:r>
-              <a:rPr lang="ja-JP" altLang="ja-JP" dirty="0" smtClean="0"/>
-              <a:t>穴埋め</a:t>
+              <a:t>問題ファイルを選択する．</a:t>
+            </a:r>
+          </a:p>
+          <a:p>
+            <a:r>
+              <a:rPr lang="en-US" altLang="ja-JP" dirty="0"/>
+              <a:t>Step-2:</a:t>
             </a:r>
             <a:r>
               <a:rPr lang="ja-JP" altLang="ja-JP" dirty="0"/>
-              <a:t>選択問題を解答する</a:t>
-            </a:r>
-          </a:p>
-          <a:p>
-            <a:r>
-              <a:rPr lang="ja-JP" altLang="ja-JP" dirty="0" smtClean="0"/>
-              <a:t>自動</a:t>
+              <a:t>問題文を確認する．</a:t>
+            </a:r>
+          </a:p>
+          <a:p>
+            <a:r>
+              <a:rPr lang="en-US" altLang="ja-JP" dirty="0"/>
+              <a:t>Step-3:</a:t>
             </a:r>
             <a:r>
               <a:rPr lang="ja-JP" altLang="ja-JP" dirty="0"/>
-              <a:t>採点を確認する</a:t>
-            </a:r>
-          </a:p>
-          <a:p>
-            <a:r>
-              <a:rPr lang="ja-JP" altLang="ja-JP" dirty="0" smtClean="0"/>
-              <a:t>誤り</a:t>
+              <a:t>ブロックプログラミングで論理的思考力を養う</a:t>
+            </a:r>
+          </a:p>
+          <a:p>
+            <a:r>
+              <a:rPr lang="en-US" altLang="ja-JP" dirty="0"/>
+              <a:t>Step-4:</a:t>
             </a:r>
             <a:r>
               <a:rPr lang="ja-JP" altLang="ja-JP" dirty="0"/>
-              <a:t>がある場合</a:t>
+              <a:t>コーディング力を養うために，生成された穴埋め選択問題を解答する．</a:t>
+            </a:r>
+          </a:p>
+          <a:p>
+            <a:r>
+              <a:rPr lang="en-US" altLang="ja-JP" dirty="0"/>
+              <a:t>Step-5:</a:t>
+            </a:r>
+            <a:r>
+              <a:rPr lang="ja-JP" altLang="ja-JP" dirty="0"/>
+              <a:t>選択した解答からソースコードの実行結果を確認する． </a:t>
+            </a:r>
+          </a:p>
+          <a:p>
+            <a:r>
+              <a:rPr lang="en-US" altLang="ja-JP" dirty="0"/>
+              <a:t>Step-6:</a:t>
+            </a:r>
+            <a:r>
+              <a:rPr lang="ja-JP" altLang="ja-JP" dirty="0"/>
+              <a:t>採点を行う．</a:t>
+            </a:r>
+          </a:p>
+          <a:p>
+            <a:r>
+              <a:rPr lang="en-US" altLang="ja-JP" dirty="0"/>
+              <a:t>Step-6:</a:t>
+            </a:r>
+            <a:r>
+              <a:rPr lang="ja-JP" altLang="ja-JP" dirty="0"/>
+              <a:t>繰り返し問題を解く場合は，難易度ごとの自動生成をもう一度行い，</a:t>
+            </a:r>
+            <a:r>
+              <a:rPr lang="en-US" altLang="ja-JP" dirty="0"/>
+              <a:t>Step-2</a:t>
+            </a:r>
+            <a:r>
+              <a:rPr lang="ja-JP" altLang="ja-JP" dirty="0"/>
+              <a:t>に戻る．</a:t>
+            </a:r>
+          </a:p>
+          <a:p>
+            <a:r>
+              <a:rPr lang="en-US" altLang="ja-JP" dirty="0"/>
+              <a:t>Step-7:</a:t>
+            </a:r>
+            <a:r>
+              <a:rPr lang="ja-JP" altLang="ja-JP" dirty="0"/>
+              <a:t>正答率が上昇した場合には，</a:t>
+            </a:r>
+            <a:r>
+              <a:rPr lang="en-US" altLang="ja-JP" dirty="0"/>
+              <a:t>Step-1:</a:t>
+            </a:r>
+            <a:r>
+              <a:rPr lang="ja-JP" altLang="ja-JP" dirty="0"/>
+              <a:t>に戻る．</a:t>
             </a:r>
           </a:p>
           <a:p>
             <a:pPr lvl="1"/>
             <a:r>
-              <a:rPr lang="ja-JP" altLang="ja-JP" dirty="0" smtClean="0"/>
-              <a:t>同じ</a:t>
-            </a:r>
-            <a:r>
-              <a:rPr lang="ja-JP" altLang="ja-JP" dirty="0"/>
-              <a:t>問題ファイルから新たに問題を自動生成し、解答採点を行う</a:t>
-            </a:r>
-          </a:p>
-          <a:p>
-            <a:r>
-              <a:rPr lang="ja-JP" altLang="ja-JP" dirty="0" smtClean="0"/>
-              <a:t>この</a:t>
-            </a:r>
-            <a:r>
-              <a:rPr lang="ja-JP" altLang="ja-JP" dirty="0"/>
-              <a:t>問題の解答に満足した場合</a:t>
-            </a:r>
-          </a:p>
-          <a:p>
-            <a:pPr lvl="1"/>
-            <a:r>
-              <a:rPr lang="ja-JP" altLang="ja-JP" dirty="0" smtClean="0"/>
-              <a:t>異なる</a:t>
-            </a:r>
-            <a:r>
-              <a:rPr lang="ja-JP" altLang="ja-JP" dirty="0"/>
-              <a:t>問題ファイルより新たに問題を自動生成し、解答採点を行う</a:t>
-            </a:r>
+              <a:rPr lang="en-US" altLang="ja-JP" b="1" dirty="0"/>
+              <a:t/>
+            </a:r>
+            <a:br>
+              <a:rPr lang="en-US" altLang="ja-JP" b="1" dirty="0"/>
+            </a:br>
+            <a:r>
+              <a:rPr lang="en-US" altLang="ja-JP" b="1" dirty="0"/>
+              <a:t> </a:t>
+            </a:r>
+            <a:endParaRPr lang="ja-JP" altLang="ja-JP" b="1" dirty="0"/>
           </a:p>
         </p:txBody>
       </p:sp>
@@ -5196,7 +6889,7 @@
           <a:p>
             <a:fld id="{7A0C0510-5AD5-45F8-B3F1-46CC91AC00B1}" type="slidenum">
               <a:rPr kumimoji="1" lang="ja-JP" altLang="en-US" smtClean="0"/>
-              <a:t>13</a:t>
+              <a:t>15</a:t>
             </a:fld>
             <a:endParaRPr kumimoji="1" lang="ja-JP" altLang="en-US"/>
           </a:p>
@@ -5222,7 +6915,7 @@
 </p:sld>
 </file>
 
-<file path=ppt/slides/slide14.xml><?xml version="1.0" encoding="utf-8"?>
+<file path=ppt/slides/slide16.xml><?xml version="1.0" encoding="utf-8"?>
 <p:sld xmlns:a="http://schemas.openxmlformats.org/drawingml/2006/main" xmlns:r="http://schemas.openxmlformats.org/officeDocument/2006/relationships" xmlns:p="http://schemas.openxmlformats.org/presentationml/2006/main">
   <p:cSld>
     <p:spTree>
@@ -6471,7 +8164,7 @@
           <a:p>
             <a:fld id="{7A0C0510-5AD5-45F8-B3F1-46CC91AC00B1}" type="slidenum">
               <a:rPr kumimoji="1" lang="ja-JP" altLang="en-US" smtClean="0"/>
-              <a:t>14</a:t>
+              <a:t>16</a:t>
             </a:fld>
             <a:endParaRPr kumimoji="1" lang="ja-JP" altLang="en-US"/>
           </a:p>
@@ -6497,7 +8190,7 @@
 </p:sld>
 </file>
 
-<file path=ppt/slides/slide15.xml><?xml version="1.0" encoding="utf-8"?>
+<file path=ppt/slides/slide17.xml><?xml version="1.0" encoding="utf-8"?>
 <p:sld xmlns:a="http://schemas.openxmlformats.org/drawingml/2006/main" xmlns:r="http://schemas.openxmlformats.org/officeDocument/2006/relationships" xmlns:p="http://schemas.openxmlformats.org/presentationml/2006/main">
   <p:cSld>
     <p:spTree>
@@ -6704,7 +8397,7 @@
           <a:p>
             <a:fld id="{7A0C0510-5AD5-45F8-B3F1-46CC91AC00B1}" type="slidenum">
               <a:rPr kumimoji="1" lang="ja-JP" altLang="en-US" smtClean="0"/>
-              <a:t>15</a:t>
+              <a:t>17</a:t>
             </a:fld>
             <a:endParaRPr kumimoji="1" lang="ja-JP" altLang="en-US"/>
           </a:p>
@@ -10307,296 +12000,6 @@
 </p:sld>
 </file>
 
-<file path=ppt/slides/slide16.xml><?xml version="1.0" encoding="utf-8"?>
-<p:sld xmlns:a="http://schemas.openxmlformats.org/drawingml/2006/main" xmlns:r="http://schemas.openxmlformats.org/officeDocument/2006/relationships" xmlns:p="http://schemas.openxmlformats.org/presentationml/2006/main">
-  <p:cSld>
-    <p:spTree>
-      <p:nvGrpSpPr>
-        <p:cNvPr id="1" name=""/>
-        <p:cNvGrpSpPr/>
-        <p:nvPr/>
-      </p:nvGrpSpPr>
-      <p:grpSpPr>
-        <a:xfrm>
-          <a:off x="0" y="0"/>
-          <a:ext cx="0" cy="0"/>
-          <a:chOff x="0" y="0"/>
-          <a:chExt cx="0" cy="0"/>
-        </a:xfrm>
-      </p:grpSpPr>
-      <p:sp>
-        <p:nvSpPr>
-          <p:cNvPr id="2" name="タイトル 1"/>
-          <p:cNvSpPr>
-            <a:spLocks noGrp="1"/>
-          </p:cNvSpPr>
-          <p:nvPr>
-            <p:ph type="title"/>
-          </p:nvPr>
-        </p:nvSpPr>
-        <p:spPr/>
-        <p:txBody>
-          <a:bodyPr/>
-          <a:lstStyle/>
-          <a:p>
-            <a:r>
-              <a:rPr kumimoji="1" lang="ja-JP" altLang="en-US" dirty="0" smtClean="0"/>
-              <a:t>考察</a:t>
-            </a:r>
-            <a:endParaRPr kumimoji="1" lang="ja-JP" altLang="en-US" dirty="0"/>
-          </a:p>
-        </p:txBody>
-      </p:sp>
-      <p:sp>
-        <p:nvSpPr>
-          <p:cNvPr id="3" name="コンテンツ プレースホルダー 2"/>
-          <p:cNvSpPr>
-            <a:spLocks noGrp="1"/>
-          </p:cNvSpPr>
-          <p:nvPr>
-            <p:ph idx="1"/>
-          </p:nvPr>
-        </p:nvSpPr>
-        <p:spPr/>
-        <p:txBody>
-          <a:bodyPr>
-            <a:normAutofit fontScale="85000" lnSpcReduction="10000"/>
-          </a:bodyPr>
-          <a:lstStyle/>
-          <a:p>
-            <a:r>
-              <a:rPr lang="ja-JP" altLang="ja-JP" dirty="0"/>
-              <a:t>評価基準１と評価基準２を満足に満たしたことから，提案システムによる自動生成は正常に行えることが確認できた</a:t>
-            </a:r>
-            <a:r>
-              <a:rPr lang="ja-JP" altLang="ja-JP" dirty="0" smtClean="0"/>
-              <a:t>．</a:t>
-            </a:r>
-            <a:endParaRPr lang="en-US" altLang="ja-JP" dirty="0" smtClean="0"/>
-          </a:p>
-          <a:p>
-            <a:r>
-              <a:rPr lang="ja-JP" altLang="ja-JP" dirty="0" smtClean="0"/>
-              <a:t>評価</a:t>
-            </a:r>
-            <a:r>
-              <a:rPr lang="ja-JP" altLang="ja-JP" dirty="0"/>
-              <a:t>基準３と評価基準５が高い割合で結果が現れていることから，提案システムは論理的思考力とコーディング力を養うための学習支援が行えることが確認できた</a:t>
-            </a:r>
-            <a:r>
-              <a:rPr lang="ja-JP" altLang="ja-JP" dirty="0" smtClean="0"/>
-              <a:t>．</a:t>
-            </a:r>
-            <a:endParaRPr lang="en-US" altLang="ja-JP" dirty="0" smtClean="0"/>
-          </a:p>
-          <a:p>
-            <a:r>
-              <a:rPr lang="ja-JP" altLang="ja-JP" dirty="0" smtClean="0"/>
-              <a:t>評価</a:t>
-            </a:r>
-            <a:r>
-              <a:rPr lang="ja-JP" altLang="ja-JP" dirty="0"/>
-              <a:t>基準４の結果から，出題される問題の種類の分散はある程度に抑えられていることが確認できた</a:t>
-            </a:r>
-            <a:r>
-              <a:rPr lang="ja-JP" altLang="ja-JP" dirty="0" smtClean="0"/>
-              <a:t>．</a:t>
-            </a:r>
-            <a:endParaRPr lang="en-US" altLang="ja-JP" dirty="0" smtClean="0"/>
-          </a:p>
-          <a:p>
-            <a:r>
-              <a:rPr lang="ja-JP" altLang="ja-JP" dirty="0" smtClean="0"/>
-              <a:t>穴埋め</a:t>
-            </a:r>
-            <a:r>
-              <a:rPr lang="ja-JP" altLang="ja-JP" dirty="0"/>
-              <a:t>問題の自動生成によって選択肢が不備なく生成されていること，生成された内容が学習のために利用できる内容であることから，提案システムの実現可能性を示した．</a:t>
-            </a:r>
-          </a:p>
-          <a:p>
-            <a:endParaRPr kumimoji="1" lang="ja-JP" altLang="en-US" dirty="0"/>
-          </a:p>
-        </p:txBody>
-      </p:sp>
-      <p:sp>
-        <p:nvSpPr>
-          <p:cNvPr id="4" name="スライド番号プレースホルダー 3"/>
-          <p:cNvSpPr>
-            <a:spLocks noGrp="1"/>
-          </p:cNvSpPr>
-          <p:nvPr>
-            <p:ph type="sldNum" sz="quarter" idx="12"/>
-          </p:nvPr>
-        </p:nvSpPr>
-        <p:spPr/>
-        <p:txBody>
-          <a:bodyPr/>
-          <a:lstStyle/>
-          <a:p>
-            <a:fld id="{7A0C0510-5AD5-45F8-B3F1-46CC91AC00B1}" type="slidenum">
-              <a:rPr kumimoji="1" lang="ja-JP" altLang="en-US" smtClean="0"/>
-              <a:t>16</a:t>
-            </a:fld>
-            <a:endParaRPr kumimoji="1" lang="ja-JP" altLang="en-US"/>
-          </a:p>
-        </p:txBody>
-      </p:sp>
-    </p:spTree>
-    <p:extLst>
-      <p:ext uri="{BB962C8B-B14F-4D97-AF65-F5344CB8AC3E}">
-        <p14:creationId xmlns:p14="http://schemas.microsoft.com/office/powerpoint/2010/main" val="2713740421"/>
-      </p:ext>
-    </p:extLst>
-  </p:cSld>
-  <p:clrMapOvr>
-    <a:masterClrMapping/>
-  </p:clrMapOvr>
-  <p:timing>
-    <p:tnLst>
-      <p:par>
-        <p:cTn id="1" dur="indefinite" restart="never" nodeType="tmRoot"/>
-      </p:par>
-    </p:tnLst>
-  </p:timing>
-</p:sld>
-</file>
-
-<file path=ppt/slides/slide17.xml><?xml version="1.0" encoding="utf-8"?>
-<p:sld xmlns:a="http://schemas.openxmlformats.org/drawingml/2006/main" xmlns:r="http://schemas.openxmlformats.org/officeDocument/2006/relationships" xmlns:p="http://schemas.openxmlformats.org/presentationml/2006/main">
-  <p:cSld>
-    <p:spTree>
-      <p:nvGrpSpPr>
-        <p:cNvPr id="1" name=""/>
-        <p:cNvGrpSpPr/>
-        <p:nvPr/>
-      </p:nvGrpSpPr>
-      <p:grpSpPr>
-        <a:xfrm>
-          <a:off x="0" y="0"/>
-          <a:ext cx="0" cy="0"/>
-          <a:chOff x="0" y="0"/>
-          <a:chExt cx="0" cy="0"/>
-        </a:xfrm>
-      </p:grpSpPr>
-      <p:sp>
-        <p:nvSpPr>
-          <p:cNvPr id="2" name="タイトル 1"/>
-          <p:cNvSpPr>
-            <a:spLocks noGrp="1"/>
-          </p:cNvSpPr>
-          <p:nvPr>
-            <p:ph type="title"/>
-          </p:nvPr>
-        </p:nvSpPr>
-        <p:spPr/>
-        <p:txBody>
-          <a:bodyPr/>
-          <a:lstStyle/>
-          <a:p>
-            <a:r>
-              <a:rPr kumimoji="1" lang="ja-JP" altLang="en-US" dirty="0" smtClean="0"/>
-              <a:t>まとめ</a:t>
-            </a:r>
-            <a:endParaRPr kumimoji="1" lang="ja-JP" altLang="en-US" dirty="0"/>
-          </a:p>
-        </p:txBody>
-      </p:sp>
-      <p:sp>
-        <p:nvSpPr>
-          <p:cNvPr id="3" name="コンテンツ プレースホルダー 2"/>
-          <p:cNvSpPr>
-            <a:spLocks noGrp="1"/>
-          </p:cNvSpPr>
-          <p:nvPr>
-            <p:ph idx="1"/>
-          </p:nvPr>
-        </p:nvSpPr>
-        <p:spPr/>
-        <p:txBody>
-          <a:bodyPr/>
-          <a:lstStyle/>
-          <a:p>
-            <a:r>
-              <a:rPr lang="ja-JP" altLang="ja-JP" dirty="0"/>
-              <a:t>ブロックプログラミングと連携したソースコードの穴埋め問題生成システムを</a:t>
-            </a:r>
-            <a:r>
-              <a:rPr lang="ja-JP" altLang="ja-JP" dirty="0" smtClean="0"/>
-              <a:t>提案</a:t>
-            </a:r>
-            <a:r>
-              <a:rPr lang="ja-JP" altLang="en-US" dirty="0" smtClean="0"/>
-              <a:t>した</a:t>
-            </a:r>
-            <a:endParaRPr lang="en-US" altLang="ja-JP" dirty="0"/>
-          </a:p>
-          <a:p>
-            <a:endParaRPr lang="en-US" altLang="ja-JP" dirty="0"/>
-          </a:p>
-          <a:p>
-            <a:r>
-              <a:rPr lang="ja-JP" altLang="ja-JP" dirty="0"/>
-              <a:t>ブロックプログラミングからコーディング学習のために適切に問題を生成可能であるかを難易度や出題基準の観点から評価することで提案システムの実現可能性を</a:t>
-            </a:r>
-            <a:r>
-              <a:rPr lang="ja-JP" altLang="ja-JP" dirty="0" smtClean="0"/>
-              <a:t>検証</a:t>
-            </a:r>
-            <a:r>
-              <a:rPr lang="ja-JP" altLang="en-US" dirty="0" smtClean="0"/>
-              <a:t>した</a:t>
-            </a:r>
-            <a:endParaRPr lang="ja-JP" altLang="en-US" dirty="0"/>
-          </a:p>
-          <a:p>
-            <a:endParaRPr kumimoji="1" lang="ja-JP" altLang="en-US" dirty="0"/>
-          </a:p>
-        </p:txBody>
-      </p:sp>
-      <p:sp>
-        <p:nvSpPr>
-          <p:cNvPr id="4" name="スライド番号プレースホルダー 3"/>
-          <p:cNvSpPr>
-            <a:spLocks noGrp="1"/>
-          </p:cNvSpPr>
-          <p:nvPr>
-            <p:ph type="sldNum" sz="quarter" idx="12"/>
-          </p:nvPr>
-        </p:nvSpPr>
-        <p:spPr/>
-        <p:txBody>
-          <a:bodyPr/>
-          <a:lstStyle/>
-          <a:p>
-            <a:fld id="{7A0C0510-5AD5-45F8-B3F1-46CC91AC00B1}" type="slidenum">
-              <a:rPr kumimoji="1" lang="ja-JP" altLang="en-US" smtClean="0"/>
-              <a:t>17</a:t>
-            </a:fld>
-            <a:endParaRPr kumimoji="1" lang="ja-JP" altLang="en-US"/>
-          </a:p>
-        </p:txBody>
-      </p:sp>
-    </p:spTree>
-    <p:extLst>
-      <p:ext uri="{BB962C8B-B14F-4D97-AF65-F5344CB8AC3E}">
-        <p14:creationId xmlns:p14="http://schemas.microsoft.com/office/powerpoint/2010/main" val="2945600331"/>
-      </p:ext>
-    </p:extLst>
-  </p:cSld>
-  <p:clrMapOvr>
-    <a:masterClrMapping/>
-  </p:clrMapOvr>
-  <p:timing>
-    <p:tnLst>
-      <p:par>
-        <p:cTn id="1" dur="indefinite" restart="never" nodeType="tmRoot"/>
-      </p:par>
-    </p:tnLst>
-  </p:timing>
-</p:sld>
-</file>
-
 <file path=ppt/slides/slide18.xml><?xml version="1.0" encoding="utf-8"?>
 <p:sld xmlns:a="http://schemas.openxmlformats.org/drawingml/2006/main" xmlns:r="http://schemas.openxmlformats.org/officeDocument/2006/relationships" xmlns:p="http://schemas.openxmlformats.org/presentationml/2006/main">
   <p:cSld>
@@ -10631,7 +12034,7 @@
           <a:p>
             <a:r>
               <a:rPr kumimoji="1" lang="ja-JP" altLang="en-US" dirty="0" smtClean="0"/>
-              <a:t>今後の展望</a:t>
+              <a:t>考察</a:t>
             </a:r>
             <a:endParaRPr kumimoji="1" lang="ja-JP" altLang="en-US" dirty="0"/>
           </a:p>
@@ -10649,16 +12052,59 @@
         </p:nvSpPr>
         <p:spPr/>
         <p:txBody>
-          <a:bodyPr/>
+          <a:bodyPr>
+            <a:normAutofit fontScale="85000" lnSpcReduction="10000"/>
+          </a:bodyPr>
           <a:lstStyle/>
           <a:p>
             <a:r>
+              <a:rPr lang="ja-JP" altLang="ja-JP" dirty="0"/>
+              <a:t>評価基準１と評価基準２を満足に満たしたことから，提案システムによる自動生成は正常に行えることが確認できた</a:t>
+            </a:r>
+            <a:r>
               <a:rPr lang="ja-JP" altLang="ja-JP" dirty="0" smtClean="0"/>
-              <a:t>プログラミング</a:t>
+              <a:t>．</a:t>
+            </a:r>
+            <a:endParaRPr lang="en-US" altLang="ja-JP" dirty="0" smtClean="0"/>
+          </a:p>
+          <a:p>
+            <a:r>
+              <a:rPr lang="ja-JP" altLang="ja-JP" dirty="0" smtClean="0"/>
+              <a:t>評価</a:t>
             </a:r>
             <a:r>
               <a:rPr lang="ja-JP" altLang="ja-JP" dirty="0"/>
-              <a:t>学習の初学者が，プログラミングに関連して，論理的思考力からコーディング力への学習の移行の際に，実際に利用される学習環境となることが期待される．</a:t>
+              <a:t>基準３と評価基準５が高い割合で結果が現れていることから，提案システムは論理的思考力とコーディング力を養うための学習支援が行えることが確認できた</a:t>
+            </a:r>
+            <a:r>
+              <a:rPr lang="ja-JP" altLang="ja-JP" dirty="0" smtClean="0"/>
+              <a:t>．</a:t>
+            </a:r>
+            <a:endParaRPr lang="en-US" altLang="ja-JP" dirty="0" smtClean="0"/>
+          </a:p>
+          <a:p>
+            <a:r>
+              <a:rPr lang="ja-JP" altLang="ja-JP" dirty="0" smtClean="0"/>
+              <a:t>評価</a:t>
+            </a:r>
+            <a:r>
+              <a:rPr lang="ja-JP" altLang="ja-JP" dirty="0"/>
+              <a:t>基準４の結果から，出題される問題の種類の分散はある程度に抑えられていることが確認できた</a:t>
+            </a:r>
+            <a:r>
+              <a:rPr lang="ja-JP" altLang="ja-JP" dirty="0" smtClean="0"/>
+              <a:t>．</a:t>
+            </a:r>
+            <a:endParaRPr lang="en-US" altLang="ja-JP" dirty="0" smtClean="0"/>
+          </a:p>
+          <a:p>
+            <a:r>
+              <a:rPr lang="ja-JP" altLang="ja-JP" dirty="0" smtClean="0"/>
+              <a:t>穴埋め</a:t>
+            </a:r>
+            <a:r>
+              <a:rPr lang="ja-JP" altLang="ja-JP" dirty="0"/>
+              <a:t>問題の自動生成によって選択肢が不備なく生成されていること，生成された内容が学習のために利用できる内容であることから，提案システムの実現可能性を示した．</a:t>
             </a:r>
           </a:p>
           <a:p>
@@ -10692,7 +12138,7 @@
     </p:spTree>
     <p:extLst>
       <p:ext uri="{BB962C8B-B14F-4D97-AF65-F5344CB8AC3E}">
-        <p14:creationId xmlns:p14="http://schemas.microsoft.com/office/powerpoint/2010/main" val="3059693183"/>
+        <p14:creationId xmlns:p14="http://schemas.microsoft.com/office/powerpoint/2010/main" val="2713740421"/>
       </p:ext>
     </p:extLst>
   </p:cSld>
@@ -10742,8 +12188,8 @@
           <a:lstStyle/>
           <a:p>
             <a:r>
-              <a:rPr lang="ja-JP" altLang="en-US" dirty="0"/>
-              <a:t>参考文献</a:t>
+              <a:rPr kumimoji="1" lang="ja-JP" altLang="en-US" dirty="0" smtClean="0"/>
+              <a:t>まとめ</a:t>
             </a:r>
             <a:endParaRPr kumimoji="1" lang="ja-JP" altLang="en-US" dirty="0"/>
           </a:p>
@@ -10761,147 +12207,43 @@
         </p:nvSpPr>
         <p:spPr/>
         <p:txBody>
-          <a:bodyPr>
-            <a:normAutofit fontScale="85000" lnSpcReduction="20000"/>
-          </a:bodyPr>
+          <a:bodyPr/>
           <a:lstStyle/>
           <a:p>
-            <a:pPr marL="385763" indent="-385763" latinLnBrk="1">
-              <a:buFont typeface="+mj-ea"/>
-              <a:buAutoNum type="circleNumDbPlain"/>
-            </a:pPr>
             <a:r>
               <a:rPr lang="ja-JP" altLang="ja-JP" dirty="0"/>
-              <a:t>文部科学省 初等中等教育局 情報教育・外国語教育課 情報教育振興室</a:t>
-            </a:r>
-            <a:r>
-              <a:rPr lang="en-US" altLang="ja-JP" dirty="0"/>
-              <a:t>, </a:t>
-            </a:r>
+              <a:t>ブロックプログラミングと連携したソースコードの穴埋め問題生成システムを</a:t>
+            </a:r>
+            <a:r>
+              <a:rPr lang="ja-JP" altLang="ja-JP" dirty="0" smtClean="0"/>
+              <a:t>提案</a:t>
+            </a:r>
+            <a:r>
+              <a:rPr lang="ja-JP" altLang="en-US" dirty="0" smtClean="0"/>
+              <a:t>した</a:t>
+            </a:r>
+            <a:endParaRPr lang="en-US" altLang="ja-JP" dirty="0"/>
+          </a:p>
+          <a:p>
+            <a:endParaRPr lang="en-US" altLang="ja-JP" dirty="0"/>
+          </a:p>
+          <a:p>
             <a:r>
               <a:rPr lang="ja-JP" altLang="ja-JP" dirty="0"/>
-              <a:t>小学校プログラミング教育の趣旨と計画的な準備の必要性について，令和元年度 小学校プログラミング教育担当者等セミナー， </a:t>
-            </a:r>
-            <a:r>
-              <a:rPr lang="en-US" altLang="ja-JP" dirty="0"/>
-              <a:t>https://www.mext.go.jp/content/20200210-mxt_jogai01-100013292_01.pdf</a:t>
-            </a:r>
-            <a:r>
-              <a:rPr lang="ja-JP" altLang="ja-JP" dirty="0" err="1" smtClean="0"/>
-              <a:t>，</a:t>
-            </a:r>
-            <a:r>
-              <a:rPr lang="en-US" altLang="ja-JP" dirty="0" smtClean="0"/>
-              <a:t>(</a:t>
-            </a:r>
-            <a:r>
-              <a:rPr lang="en-US" altLang="ja-JP" dirty="0"/>
-              <a:t>2021/12/20)</a:t>
-            </a:r>
-            <a:r>
-              <a:rPr lang="ja-JP" altLang="ja-JP" dirty="0" err="1"/>
-              <a:t>．</a:t>
-            </a:r>
-            <a:endParaRPr lang="ja-JP" altLang="ja-JP" dirty="0"/>
-          </a:p>
-          <a:p>
-            <a:pPr marL="385763" indent="-385763" latinLnBrk="1">
-              <a:buFont typeface="+mj-ea"/>
-              <a:buAutoNum type="circleNumDbPlain"/>
-            </a:pPr>
-            <a:r>
-              <a:rPr lang="ja-JP" altLang="ja-JP" dirty="0"/>
-              <a:t>小学校段階におけるプログラミング教育の在り方について（議論の取りまとめ），</a:t>
-            </a:r>
-            <a:r>
-              <a:rPr lang="en-US" altLang="ja-JP" dirty="0"/>
-              <a:t>https://www.mext.go.jp/b_menu/shingi/chousa/shotou/122/attach/1372525.htm, </a:t>
-            </a:r>
-            <a:r>
-              <a:rPr lang="ja-JP" altLang="ja-JP" dirty="0"/>
-              <a:t>（</a:t>
-            </a:r>
-            <a:r>
-              <a:rPr lang="en-US" altLang="ja-JP" dirty="0"/>
-              <a:t>2021/12/20</a:t>
-            </a:r>
-            <a:r>
-              <a:rPr lang="ja-JP" altLang="ja-JP" dirty="0"/>
-              <a:t>）．</a:t>
-            </a:r>
-          </a:p>
-          <a:p>
-            <a:pPr marL="385763" indent="-385763">
-              <a:buFont typeface="+mj-ea"/>
-              <a:buAutoNum type="circleNumDbPlain"/>
-            </a:pPr>
-            <a:r>
-              <a:rPr lang="ja-JP" altLang="ja-JP" dirty="0"/>
-              <a:t>井上尚美：言語論理教育入門―国語科における思考，</a:t>
-            </a:r>
-            <a:r>
-              <a:rPr lang="en-US" altLang="ja-JP" dirty="0"/>
-              <a:t>pp.32-33</a:t>
-            </a:r>
-            <a:r>
-              <a:rPr lang="ja-JP" altLang="ja-JP" dirty="0" err="1"/>
-              <a:t>，</a:t>
-            </a:r>
-            <a:r>
-              <a:rPr lang="ja-JP" altLang="ja-JP" dirty="0"/>
-              <a:t>明治図書，（</a:t>
-            </a:r>
-            <a:r>
-              <a:rPr lang="en-US" altLang="ja-JP" dirty="0"/>
-              <a:t>1989/7/1</a:t>
-            </a:r>
-            <a:r>
-              <a:rPr lang="ja-JP" altLang="ja-JP" dirty="0"/>
-              <a:t>）．</a:t>
-            </a:r>
-          </a:p>
-          <a:p>
-            <a:pPr marL="385763" indent="-385763">
-              <a:buFont typeface="+mj-ea"/>
-              <a:buAutoNum type="circleNumDbPlain"/>
-            </a:pPr>
-            <a:r>
-              <a:rPr lang="ja-JP" altLang="ja-JP" dirty="0"/>
-              <a:t>道田康司：論理的思考とは何か？ </a:t>
-            </a:r>
-            <a:r>
-              <a:rPr lang="ja-JP" altLang="ja-JP" dirty="0" err="1"/>
-              <a:t>，</a:t>
-            </a:r>
-            <a:r>
-              <a:rPr lang="ja-JP" altLang="ja-JP" dirty="0"/>
-              <a:t>琉球大学教育学部紀要，</a:t>
-            </a:r>
-            <a:r>
-              <a:rPr lang="en-US" altLang="ja-JP" dirty="0"/>
-              <a:t>no.63</a:t>
-            </a:r>
-            <a:r>
-              <a:rPr lang="ja-JP" altLang="ja-JP" dirty="0" err="1"/>
-              <a:t>，</a:t>
-            </a:r>
-            <a:r>
-              <a:rPr lang="en-US" altLang="ja-JP" dirty="0"/>
-              <a:t>pp.181 -193</a:t>
-            </a:r>
-            <a:r>
-              <a:rPr lang="ja-JP" altLang="ja-JP" dirty="0" err="1"/>
-              <a:t>，</a:t>
-            </a:r>
-            <a:r>
-              <a:rPr lang="en-US" altLang="ja-JP" dirty="0"/>
-              <a:t>(2003/9)</a:t>
-            </a:r>
-            <a:r>
-              <a:rPr lang="ja-JP" altLang="ja-JP" dirty="0" err="1" smtClean="0"/>
-              <a:t>．</a:t>
-            </a:r>
-            <a:endParaRPr lang="ja-JP" altLang="ja-JP" dirty="0"/>
+              <a:t>ブロックプログラミングからコーディング学習のために適切に問題を生成可能であるかを難易度や出題基準の観点から評価することで提案システムの実現可能性を</a:t>
+            </a:r>
+            <a:r>
+              <a:rPr lang="ja-JP" altLang="ja-JP" dirty="0" smtClean="0"/>
+              <a:t>検証</a:t>
+            </a:r>
+            <a:r>
+              <a:rPr lang="ja-JP" altLang="en-US" dirty="0" smtClean="0"/>
+              <a:t>した</a:t>
+            </a:r>
+            <a:endParaRPr lang="ja-JP" altLang="en-US" dirty="0"/>
+          </a:p>
+          <a:p>
+            <a:endParaRPr kumimoji="1" lang="ja-JP" altLang="en-US" dirty="0"/>
           </a:p>
         </p:txBody>
       </p:sp>
@@ -10931,7 +12273,7 @@
     </p:spTree>
     <p:extLst>
       <p:ext uri="{BB962C8B-B14F-4D97-AF65-F5344CB8AC3E}">
-        <p14:creationId xmlns:p14="http://schemas.microsoft.com/office/powerpoint/2010/main" val="3266067256"/>
+        <p14:creationId xmlns:p14="http://schemas.microsoft.com/office/powerpoint/2010/main" val="2945600331"/>
       </p:ext>
     </p:extLst>
   </p:cSld>
@@ -11202,6 +12544,357 @@
           <a:lstStyle/>
           <a:p>
             <a:r>
+              <a:rPr kumimoji="1" lang="ja-JP" altLang="en-US" dirty="0" smtClean="0"/>
+              <a:t>今後の展望</a:t>
+            </a:r>
+            <a:endParaRPr kumimoji="1" lang="ja-JP" altLang="en-US" dirty="0"/>
+          </a:p>
+        </p:txBody>
+      </p:sp>
+      <p:sp>
+        <p:nvSpPr>
+          <p:cNvPr id="3" name="コンテンツ プレースホルダー 2"/>
+          <p:cNvSpPr>
+            <a:spLocks noGrp="1"/>
+          </p:cNvSpPr>
+          <p:nvPr>
+            <p:ph idx="1"/>
+          </p:nvPr>
+        </p:nvSpPr>
+        <p:spPr/>
+        <p:txBody>
+          <a:bodyPr/>
+          <a:lstStyle/>
+          <a:p>
+            <a:r>
+              <a:rPr lang="ja-JP" altLang="ja-JP" dirty="0" smtClean="0"/>
+              <a:t>プログラミング</a:t>
+            </a:r>
+            <a:r>
+              <a:rPr lang="ja-JP" altLang="ja-JP" dirty="0"/>
+              <a:t>学習の初学者が，プログラミングに関連して，論理的思考力からコーディング力への学習の移行の際に，実際に利用される学習環境となることが期待される．</a:t>
+            </a:r>
+          </a:p>
+          <a:p>
+            <a:endParaRPr kumimoji="1" lang="ja-JP" altLang="en-US" dirty="0"/>
+          </a:p>
+        </p:txBody>
+      </p:sp>
+      <p:sp>
+        <p:nvSpPr>
+          <p:cNvPr id="4" name="スライド番号プレースホルダー 3"/>
+          <p:cNvSpPr>
+            <a:spLocks noGrp="1"/>
+          </p:cNvSpPr>
+          <p:nvPr>
+            <p:ph type="sldNum" sz="quarter" idx="12"/>
+          </p:nvPr>
+        </p:nvSpPr>
+        <p:spPr/>
+        <p:txBody>
+          <a:bodyPr/>
+          <a:lstStyle/>
+          <a:p>
+            <a:fld id="{7A0C0510-5AD5-45F8-B3F1-46CC91AC00B1}" type="slidenum">
+              <a:rPr kumimoji="1" lang="ja-JP" altLang="en-US" smtClean="0"/>
+              <a:t>20</a:t>
+            </a:fld>
+            <a:endParaRPr kumimoji="1" lang="ja-JP" altLang="en-US"/>
+          </a:p>
+        </p:txBody>
+      </p:sp>
+    </p:spTree>
+    <p:extLst>
+      <p:ext uri="{BB962C8B-B14F-4D97-AF65-F5344CB8AC3E}">
+        <p14:creationId xmlns:p14="http://schemas.microsoft.com/office/powerpoint/2010/main" val="3059693183"/>
+      </p:ext>
+    </p:extLst>
+  </p:cSld>
+  <p:clrMapOvr>
+    <a:masterClrMapping/>
+  </p:clrMapOvr>
+  <p:timing>
+    <p:tnLst>
+      <p:par>
+        <p:cTn id="1" dur="indefinite" restart="never" nodeType="tmRoot"/>
+      </p:par>
+    </p:tnLst>
+  </p:timing>
+</p:sld>
+</file>
+
+<file path=ppt/slides/slide21.xml><?xml version="1.0" encoding="utf-8"?>
+<p:sld xmlns:a="http://schemas.openxmlformats.org/drawingml/2006/main" xmlns:r="http://schemas.openxmlformats.org/officeDocument/2006/relationships" xmlns:p="http://schemas.openxmlformats.org/presentationml/2006/main">
+  <p:cSld>
+    <p:spTree>
+      <p:nvGrpSpPr>
+        <p:cNvPr id="1" name=""/>
+        <p:cNvGrpSpPr/>
+        <p:nvPr/>
+      </p:nvGrpSpPr>
+      <p:grpSpPr>
+        <a:xfrm>
+          <a:off x="0" y="0"/>
+          <a:ext cx="0" cy="0"/>
+          <a:chOff x="0" y="0"/>
+          <a:chExt cx="0" cy="0"/>
+        </a:xfrm>
+      </p:grpSpPr>
+      <p:sp>
+        <p:nvSpPr>
+          <p:cNvPr id="2" name="タイトル 1"/>
+          <p:cNvSpPr>
+            <a:spLocks noGrp="1"/>
+          </p:cNvSpPr>
+          <p:nvPr>
+            <p:ph type="title"/>
+          </p:nvPr>
+        </p:nvSpPr>
+        <p:spPr/>
+        <p:txBody>
+          <a:bodyPr/>
+          <a:lstStyle/>
+          <a:p>
+            <a:r>
+              <a:rPr lang="ja-JP" altLang="en-US" dirty="0"/>
+              <a:t>参考文献</a:t>
+            </a:r>
+            <a:endParaRPr kumimoji="1" lang="ja-JP" altLang="en-US" dirty="0"/>
+          </a:p>
+        </p:txBody>
+      </p:sp>
+      <p:sp>
+        <p:nvSpPr>
+          <p:cNvPr id="3" name="コンテンツ プレースホルダー 2"/>
+          <p:cNvSpPr>
+            <a:spLocks noGrp="1"/>
+          </p:cNvSpPr>
+          <p:nvPr>
+            <p:ph idx="1"/>
+          </p:nvPr>
+        </p:nvSpPr>
+        <p:spPr/>
+        <p:txBody>
+          <a:bodyPr>
+            <a:normAutofit fontScale="85000" lnSpcReduction="20000"/>
+          </a:bodyPr>
+          <a:lstStyle/>
+          <a:p>
+            <a:pPr marL="385763" indent="-385763" latinLnBrk="1">
+              <a:buFont typeface="+mj-ea"/>
+              <a:buAutoNum type="circleNumDbPlain"/>
+            </a:pPr>
+            <a:r>
+              <a:rPr lang="ja-JP" altLang="ja-JP" dirty="0"/>
+              <a:t>文部科学省 初等中等教育局 情報教育・外国語教育課 情報教育振興室</a:t>
+            </a:r>
+            <a:r>
+              <a:rPr lang="en-US" altLang="ja-JP" dirty="0"/>
+              <a:t>, </a:t>
+            </a:r>
+            <a:r>
+              <a:rPr lang="ja-JP" altLang="ja-JP" dirty="0"/>
+              <a:t>小学校プログラミング教育の趣旨と計画的な準備の必要性について，令和元年度 小学校プログラミング教育担当者等セミナー， </a:t>
+            </a:r>
+            <a:r>
+              <a:rPr lang="en-US" altLang="ja-JP" dirty="0"/>
+              <a:t>https://www.mext.go.jp/content/20200210-mxt_jogai01-100013292_01.pdf</a:t>
+            </a:r>
+            <a:r>
+              <a:rPr lang="ja-JP" altLang="ja-JP" dirty="0" err="1" smtClean="0"/>
+              <a:t>，</a:t>
+            </a:r>
+            <a:r>
+              <a:rPr lang="en-US" altLang="ja-JP" dirty="0" smtClean="0"/>
+              <a:t>(</a:t>
+            </a:r>
+            <a:r>
+              <a:rPr lang="en-US" altLang="ja-JP" dirty="0"/>
+              <a:t>2021/12/20)</a:t>
+            </a:r>
+            <a:r>
+              <a:rPr lang="ja-JP" altLang="ja-JP" dirty="0" err="1"/>
+              <a:t>．</a:t>
+            </a:r>
+            <a:endParaRPr lang="ja-JP" altLang="ja-JP" dirty="0"/>
+          </a:p>
+          <a:p>
+            <a:pPr marL="385763" indent="-385763" latinLnBrk="1">
+              <a:buFont typeface="+mj-ea"/>
+              <a:buAutoNum type="circleNumDbPlain"/>
+            </a:pPr>
+            <a:r>
+              <a:rPr lang="ja-JP" altLang="ja-JP" dirty="0"/>
+              <a:t>小学校段階におけるプログラミング教育の在り方について（議論の取りまとめ），</a:t>
+            </a:r>
+            <a:r>
+              <a:rPr lang="en-US" altLang="ja-JP" dirty="0"/>
+              <a:t>https://www.mext.go.jp/b_menu/shingi/chousa/shotou/122/attach/1372525.htm, </a:t>
+            </a:r>
+            <a:r>
+              <a:rPr lang="ja-JP" altLang="ja-JP" dirty="0"/>
+              <a:t>（</a:t>
+            </a:r>
+            <a:r>
+              <a:rPr lang="en-US" altLang="ja-JP" dirty="0"/>
+              <a:t>2021/12/20</a:t>
+            </a:r>
+            <a:r>
+              <a:rPr lang="ja-JP" altLang="ja-JP" dirty="0"/>
+              <a:t>）．</a:t>
+            </a:r>
+          </a:p>
+          <a:p>
+            <a:pPr marL="385763" indent="-385763">
+              <a:buFont typeface="+mj-ea"/>
+              <a:buAutoNum type="circleNumDbPlain"/>
+            </a:pPr>
+            <a:r>
+              <a:rPr lang="ja-JP" altLang="ja-JP" dirty="0"/>
+              <a:t>井上尚美：言語論理教育入門―国語科における思考，</a:t>
+            </a:r>
+            <a:r>
+              <a:rPr lang="en-US" altLang="ja-JP" dirty="0"/>
+              <a:t>pp.32-33</a:t>
+            </a:r>
+            <a:r>
+              <a:rPr lang="ja-JP" altLang="ja-JP" dirty="0" err="1"/>
+              <a:t>，</a:t>
+            </a:r>
+            <a:r>
+              <a:rPr lang="ja-JP" altLang="ja-JP" dirty="0"/>
+              <a:t>明治図書，（</a:t>
+            </a:r>
+            <a:r>
+              <a:rPr lang="en-US" altLang="ja-JP" dirty="0"/>
+              <a:t>1989/7/1</a:t>
+            </a:r>
+            <a:r>
+              <a:rPr lang="ja-JP" altLang="ja-JP" dirty="0"/>
+              <a:t>）．</a:t>
+            </a:r>
+          </a:p>
+          <a:p>
+            <a:pPr marL="385763" indent="-385763">
+              <a:buFont typeface="+mj-ea"/>
+              <a:buAutoNum type="circleNumDbPlain"/>
+            </a:pPr>
+            <a:r>
+              <a:rPr lang="ja-JP" altLang="ja-JP" dirty="0"/>
+              <a:t>道田康司：論理的思考とは何か？ </a:t>
+            </a:r>
+            <a:r>
+              <a:rPr lang="ja-JP" altLang="ja-JP" dirty="0" err="1"/>
+              <a:t>，</a:t>
+            </a:r>
+            <a:r>
+              <a:rPr lang="ja-JP" altLang="ja-JP" dirty="0"/>
+              <a:t>琉球大学教育学部紀要，</a:t>
+            </a:r>
+            <a:r>
+              <a:rPr lang="en-US" altLang="ja-JP" dirty="0"/>
+              <a:t>no.63</a:t>
+            </a:r>
+            <a:r>
+              <a:rPr lang="ja-JP" altLang="ja-JP" dirty="0" err="1"/>
+              <a:t>，</a:t>
+            </a:r>
+            <a:r>
+              <a:rPr lang="en-US" altLang="ja-JP" dirty="0"/>
+              <a:t>pp.181 -193</a:t>
+            </a:r>
+            <a:r>
+              <a:rPr lang="ja-JP" altLang="ja-JP" dirty="0" err="1"/>
+              <a:t>，</a:t>
+            </a:r>
+            <a:r>
+              <a:rPr lang="en-US" altLang="ja-JP" dirty="0"/>
+              <a:t>(2003/9)</a:t>
+            </a:r>
+            <a:r>
+              <a:rPr lang="ja-JP" altLang="ja-JP" dirty="0" err="1" smtClean="0"/>
+              <a:t>．</a:t>
+            </a:r>
+            <a:endParaRPr lang="ja-JP" altLang="ja-JP" dirty="0"/>
+          </a:p>
+        </p:txBody>
+      </p:sp>
+      <p:sp>
+        <p:nvSpPr>
+          <p:cNvPr id="4" name="スライド番号プレースホルダー 3"/>
+          <p:cNvSpPr>
+            <a:spLocks noGrp="1"/>
+          </p:cNvSpPr>
+          <p:nvPr>
+            <p:ph type="sldNum" sz="quarter" idx="12"/>
+          </p:nvPr>
+        </p:nvSpPr>
+        <p:spPr/>
+        <p:txBody>
+          <a:bodyPr/>
+          <a:lstStyle/>
+          <a:p>
+            <a:fld id="{7A0C0510-5AD5-45F8-B3F1-46CC91AC00B1}" type="slidenum">
+              <a:rPr kumimoji="1" lang="ja-JP" altLang="en-US" smtClean="0"/>
+              <a:t>21</a:t>
+            </a:fld>
+            <a:endParaRPr kumimoji="1" lang="ja-JP" altLang="en-US"/>
+          </a:p>
+        </p:txBody>
+      </p:sp>
+    </p:spTree>
+    <p:extLst>
+      <p:ext uri="{BB962C8B-B14F-4D97-AF65-F5344CB8AC3E}">
+        <p14:creationId xmlns:p14="http://schemas.microsoft.com/office/powerpoint/2010/main" val="3266067256"/>
+      </p:ext>
+    </p:extLst>
+  </p:cSld>
+  <p:clrMapOvr>
+    <a:masterClrMapping/>
+  </p:clrMapOvr>
+  <p:timing>
+    <p:tnLst>
+      <p:par>
+        <p:cTn id="1" dur="indefinite" restart="never" nodeType="tmRoot"/>
+      </p:par>
+    </p:tnLst>
+  </p:timing>
+</p:sld>
+</file>
+
+<file path=ppt/slides/slide22.xml><?xml version="1.0" encoding="utf-8"?>
+<p:sld xmlns:a="http://schemas.openxmlformats.org/drawingml/2006/main" xmlns:r="http://schemas.openxmlformats.org/officeDocument/2006/relationships" xmlns:p="http://schemas.openxmlformats.org/presentationml/2006/main">
+  <p:cSld>
+    <p:spTree>
+      <p:nvGrpSpPr>
+        <p:cNvPr id="1" name=""/>
+        <p:cNvGrpSpPr/>
+        <p:nvPr/>
+      </p:nvGrpSpPr>
+      <p:grpSpPr>
+        <a:xfrm>
+          <a:off x="0" y="0"/>
+          <a:ext cx="0" cy="0"/>
+          <a:chOff x="0" y="0"/>
+          <a:chExt cx="0" cy="0"/>
+        </a:xfrm>
+      </p:grpSpPr>
+      <p:sp>
+        <p:nvSpPr>
+          <p:cNvPr id="2" name="タイトル 1"/>
+          <p:cNvSpPr>
+            <a:spLocks noGrp="1"/>
+          </p:cNvSpPr>
+          <p:nvPr>
+            <p:ph type="title"/>
+          </p:nvPr>
+        </p:nvSpPr>
+        <p:spPr/>
+        <p:txBody>
+          <a:bodyPr/>
+          <a:lstStyle/>
+          <a:p>
+            <a:r>
               <a:rPr lang="ja-JP" altLang="en-US" dirty="0"/>
               <a:t>参考</a:t>
             </a:r>
@@ -11519,7 +13212,7 @@
           <a:p>
             <a:fld id="{7A0C0510-5AD5-45F8-B3F1-46CC91AC00B1}" type="slidenum">
               <a:rPr kumimoji="1" lang="ja-JP" altLang="en-US" smtClean="0"/>
-              <a:t>20</a:t>
+              <a:t>22</a:t>
             </a:fld>
             <a:endParaRPr kumimoji="1" lang="ja-JP" altLang="en-US"/>
           </a:p>
@@ -11733,13 +13426,13 @@
         </p:nvSpPr>
         <p:spPr>
           <a:xfrm>
-            <a:off x="628650" y="2226469"/>
-            <a:ext cx="8312630" cy="3263504"/>
+            <a:off x="628650" y="1808252"/>
+            <a:ext cx="8312630" cy="3681721"/>
           </a:xfrm>
         </p:spPr>
         <p:txBody>
           <a:bodyPr>
-            <a:normAutofit fontScale="77500" lnSpcReduction="20000"/>
+            <a:normAutofit fontScale="92500" lnSpcReduction="20000"/>
           </a:bodyPr>
           <a:lstStyle/>
           <a:p>
@@ -12271,93 +13964,74 @@
           <a:bodyPr/>
           <a:lstStyle/>
           <a:p>
-            <a:pPr marL="0" indent="0">
-              <a:buNone/>
-            </a:pPr>
             <a:r>
               <a:rPr lang="en-US" altLang="ja-JP" dirty="0"/>
-              <a:t>Step-1: XML</a:t>
+              <a:t>Step-1:</a:t>
             </a:r>
             <a:r>
               <a:rPr lang="ja-JP" altLang="ja-JP" dirty="0"/>
-              <a:t>状態のコードから</a:t>
-            </a:r>
+              <a:t>教師は問題ファイルを作成する． </a:t>
+            </a:r>
+          </a:p>
+          <a:p>
             <a:r>
               <a:rPr lang="en-US" altLang="ja-JP" dirty="0"/>
-              <a:t>JavaScript</a:t>
+              <a:t>Step-2:XML</a:t>
             </a:r>
             <a:r>
               <a:rPr lang="ja-JP" altLang="ja-JP" dirty="0"/>
-              <a:t>コードを生成する．</a:t>
-            </a:r>
-          </a:p>
-          <a:p>
-            <a:pPr marL="0" indent="0">
-              <a:buNone/>
-            </a:pPr>
+              <a:t>状態のコードからプログラミング言語のコードを生成する．</a:t>
+            </a:r>
+          </a:p>
+          <a:p>
             <a:r>
               <a:rPr lang="en-US" altLang="ja-JP" dirty="0"/>
-              <a:t>Step-2:</a:t>
+              <a:t>Step-3:</a:t>
             </a:r>
             <a:r>
               <a:rPr lang="ja-JP" altLang="ja-JP" dirty="0"/>
-              <a:t>難易度によって選択問題に利用されるワード，問題数を選択する．</a:t>
-            </a:r>
-          </a:p>
-          <a:p>
-            <a:pPr marL="0" indent="0">
-              <a:buNone/>
-            </a:pPr>
-            <a:r>
-              <a:rPr lang="en-US" altLang="ja-JP" dirty="0"/>
-              <a:t>Step-3:JavaScript</a:t>
-            </a:r>
-            <a:r>
-              <a:rPr lang="ja-JP" altLang="ja-JP" dirty="0"/>
-              <a:t>コードから選択問題を自動生成する．</a:t>
-            </a:r>
-          </a:p>
-          <a:p>
-            <a:pPr marL="0" indent="0">
-              <a:buNone/>
-            </a:pPr>
+              <a:t>難易度によって選択問題に利用されるキーワード，問題数を選択する．</a:t>
+            </a:r>
+          </a:p>
+          <a:p>
             <a:r>
               <a:rPr lang="en-US" altLang="ja-JP" dirty="0"/>
               <a:t>Step-4:</a:t>
             </a:r>
             <a:r>
               <a:rPr lang="ja-JP" altLang="ja-JP" dirty="0"/>
-              <a:t>解答の正誤を判別する．</a:t>
-            </a:r>
-          </a:p>
-          <a:p>
-            <a:pPr marL="0" indent="0">
-              <a:buNone/>
-            </a:pPr>
+              <a:t>問題文，選択問題を学習者に出題する．</a:t>
+            </a:r>
+          </a:p>
+          <a:p>
             <a:r>
               <a:rPr lang="en-US" altLang="ja-JP" dirty="0"/>
               <a:t>Step-5:</a:t>
             </a:r>
             <a:r>
               <a:rPr lang="ja-JP" altLang="ja-JP" dirty="0"/>
+              <a:t>学習者は解答を行う．</a:t>
+            </a:r>
+          </a:p>
+          <a:p>
+            <a:r>
+              <a:rPr lang="en-US" altLang="ja-JP" dirty="0"/>
+              <a:t>Step-6:</a:t>
+            </a:r>
+            <a:r>
+              <a:rPr lang="ja-JP" altLang="ja-JP" dirty="0"/>
               <a:t>誤答の解説を行う．</a:t>
             </a:r>
           </a:p>
           <a:p>
-            <a:pPr marL="0" indent="0">
-              <a:buNone/>
-            </a:pPr>
             <a:r>
               <a:rPr lang="en-US" altLang="ja-JP" dirty="0"/>
-              <a:t>Step-6: Step-2</a:t>
+              <a:t>Step-7: Step-2</a:t>
             </a:r>
             <a:r>
               <a:rPr lang="ja-JP" altLang="ja-JP" dirty="0"/>
               <a:t>に戻る．</a:t>
             </a:r>
-          </a:p>
-          <a:p>
-            <a:endParaRPr kumimoji="1" lang="ja-JP" altLang="en-US" dirty="0"/>
           </a:p>
         </p:txBody>
       </p:sp>
@@ -12457,39 +14131,30 @@
         <p:spPr/>
         <p:txBody>
           <a:bodyPr>
-            <a:normAutofit fontScale="92500" lnSpcReduction="20000"/>
+            <a:normAutofit fontScale="85000" lnSpcReduction="20000"/>
           </a:bodyPr>
           <a:lstStyle/>
           <a:p>
-            <a:pPr marL="0" indent="0">
-              <a:buNone/>
-            </a:pPr>
             <a:r>
               <a:rPr lang="en-US" altLang="ja-JP" dirty="0"/>
               <a:t>Step-1:</a:t>
             </a:r>
             <a:r>
               <a:rPr lang="ja-JP" altLang="ja-JP" dirty="0"/>
-              <a:t>コードを単語で区切り，既定のワードとマッチするかを判断し，ヒットした場所とワードを保存するリストを作成する．</a:t>
-            </a:r>
-          </a:p>
-          <a:p>
-            <a:pPr marL="0" indent="0">
-              <a:buNone/>
-            </a:pPr>
+              <a:t>コードを単語で区切り要素をごとに，既定のグループ内の要素とマッチするかを判断し，マッチした箇所と要素を保存するリストを作成する．</a:t>
+            </a:r>
+          </a:p>
+          <a:p>
             <a:r>
               <a:rPr lang="en-US" altLang="ja-JP" dirty="0"/>
               <a:t>Step-2:</a:t>
             </a:r>
             <a:r>
               <a:rPr lang="ja-JP" altLang="ja-JP" dirty="0"/>
-              <a:t>問題の生成数の数Ｎとワードがヒットした数Ｍを比較する．</a:t>
-            </a:r>
-          </a:p>
-          <a:p>
-            <a:pPr marL="0" indent="0">
-              <a:buNone/>
-            </a:pPr>
+              <a:t>問題の生成数の数Ｎと要素がヒットした数Ｍを比較する．</a:t>
+            </a:r>
+          </a:p>
+          <a:p>
             <a:r>
               <a:rPr lang="en-US" altLang="ja-JP" dirty="0"/>
               <a:t>Step-3:</a:t>
@@ -12516,45 +14181,24 @@
             </a:r>
           </a:p>
           <a:p>
-            <a:pPr marL="0" indent="0">
-              <a:buNone/>
-            </a:pPr>
             <a:r>
               <a:rPr lang="en-US" altLang="ja-JP" dirty="0"/>
               <a:t>Step-4:</a:t>
             </a:r>
             <a:r>
               <a:rPr lang="ja-JP" altLang="ja-JP" dirty="0"/>
-              <a:t>問題を生成することが決定したワードのヒットした場所をセレクトボックスに置換する．</a:t>
-            </a:r>
-          </a:p>
-          <a:p>
-            <a:pPr marL="0" indent="0">
-              <a:buNone/>
-            </a:pPr>
+              <a:t>問題を生成することが決定した要素のマッチした箇所をセレクトボックスに置換する．</a:t>
+            </a:r>
+          </a:p>
+          <a:p>
             <a:r>
               <a:rPr lang="en-US" altLang="ja-JP" dirty="0"/>
               <a:t>Step-5:</a:t>
             </a:r>
             <a:r>
               <a:rPr lang="ja-JP" altLang="ja-JP" dirty="0"/>
-              <a:t>セレクトボックスの内容に選択式問題の解答を挿入し，オプションとして，正答の場合には</a:t>
-            </a:r>
-            <a:r>
-              <a:rPr lang="en-US" altLang="ja-JP" dirty="0"/>
-              <a:t>ans</a:t>
-            </a:r>
-            <a:r>
-              <a:rPr lang="ja-JP" altLang="ja-JP" dirty="0" err="1"/>
-              <a:t>，</a:t>
-            </a:r>
-            <a:r>
-              <a:rPr lang="ja-JP" altLang="ja-JP" dirty="0"/>
-              <a:t>それ以外には数字を設定する．</a:t>
-            </a:r>
-          </a:p>
-          <a:p>
-            <a:endParaRPr kumimoji="1" lang="ja-JP" altLang="en-US" dirty="0"/>
+              <a:t>セレクトボックスの内容に選択式問題の選択肢を挿入し，正答かどうかを判断するタグも同時に挿入する．</a:t>
+            </a:r>
           </a:p>
         </p:txBody>
       </p:sp>
@@ -12743,15 +14387,31 @@
             </a:r>
             <a:r>
               <a:rPr lang="ja-JP" altLang="ja-JP" dirty="0"/>
-              <a:t>カテゴリーとは，繰り返し命令カテゴリーで</a:t>
+              <a:t>カテゴリーとは，繰り返し命令カテゴリー</a:t>
+            </a:r>
+            <a:r>
+              <a:rPr lang="ja-JP" altLang="ja-JP" dirty="0" smtClean="0"/>
+              <a:t>で</a:t>
+            </a:r>
+            <a:r>
+              <a:rPr lang="en-US" altLang="ja-JP" dirty="0" smtClean="0"/>
+              <a:t>[for</a:t>
             </a:r>
             <a:r>
               <a:rPr lang="en-US" altLang="ja-JP" dirty="0"/>
-              <a:t>for, while, do</a:t>
+              <a:t>, while, </a:t>
+            </a:r>
+            <a:r>
+              <a:rPr lang="en-US" altLang="ja-JP" dirty="0" smtClean="0"/>
+              <a:t>do]</a:t>
+            </a:r>
+            <a:r>
+              <a:rPr lang="ja-JP" altLang="ja-JP" dirty="0" smtClean="0"/>
+              <a:t>など</a:t>
             </a:r>
             <a:r>
               <a:rPr lang="ja-JP" altLang="ja-JP" dirty="0"/>
-              <a:t>など同じようなタイミングで利用されるキーワードのこと</a:t>
+              <a:t>同じようなタイミングで利用されるキーワードのこと</a:t>
             </a:r>
           </a:p>
           <a:p>

--- a/1821121_shimaoka_thesis.pptx
+++ b/1821121_shimaoka_thesis.pptx
@@ -712,6 +712,82 @@
               <a:tabLst/>
               <a:defRPr/>
             </a:pPr>
+            <a:r>
+              <a:rPr kumimoji="1" lang="ja-JP" altLang="en-US" dirty="0" smtClean="0"/>
+              <a:t>２０２０年度よりプログラミング教育の必修化が全面実施される</a:t>
+            </a:r>
+            <a:endParaRPr kumimoji="1" lang="en-US" altLang="ja-JP" dirty="0" smtClean="0"/>
+          </a:p>
+          <a:p>
+            <a:pPr marL="0" marR="0" lvl="0" indent="0" algn="l" defTabSz="914400" rtl="0" eaLnBrk="1" fontAlgn="auto" latinLnBrk="0" hangingPunct="1">
+              <a:lnSpc>
+                <a:spcPct val="100000"/>
+              </a:lnSpc>
+              <a:spcBef>
+                <a:spcPts val="0"/>
+              </a:spcBef>
+              <a:spcAft>
+                <a:spcPts val="0"/>
+              </a:spcAft>
+              <a:buClrTx/>
+              <a:buSzTx/>
+              <a:buFontTx/>
+              <a:buNone/>
+              <a:tabLst/>
+              <a:defRPr/>
+            </a:pPr>
+            <a:r>
+              <a:rPr kumimoji="1" lang="ja-JP" altLang="en-US" dirty="0" smtClean="0"/>
+              <a:t>プログラミングを学習する導入としてブロックプログラミングと呼ばれるシステムを利用されることがある</a:t>
+            </a:r>
+            <a:endParaRPr kumimoji="1" lang="en-US" altLang="ja-JP" dirty="0" smtClean="0"/>
+          </a:p>
+          <a:p>
+            <a:pPr marL="0" marR="0" lvl="0" indent="0" algn="l" defTabSz="914400" rtl="0" eaLnBrk="1" fontAlgn="auto" latinLnBrk="0" hangingPunct="1">
+              <a:lnSpc>
+                <a:spcPct val="100000"/>
+              </a:lnSpc>
+              <a:spcBef>
+                <a:spcPts val="0"/>
+              </a:spcBef>
+              <a:spcAft>
+                <a:spcPts val="0"/>
+              </a:spcAft>
+              <a:buClrTx/>
+              <a:buSzTx/>
+              <a:buFontTx/>
+              <a:buNone/>
+              <a:tabLst/>
+              <a:defRPr/>
+            </a:pPr>
+            <a:r>
+              <a:rPr kumimoji="1" lang="ja-JP" altLang="en-US" dirty="0" smtClean="0"/>
+              <a:t>しかし、実際にシステム開発の現場ではプログラミング言語を用いたコーディングが必要とされる</a:t>
+            </a:r>
+            <a:endParaRPr kumimoji="1" lang="en-US" altLang="ja-JP" dirty="0" smtClean="0"/>
+          </a:p>
+          <a:p>
+            <a:pPr marL="0" marR="0" lvl="0" indent="0" algn="l" defTabSz="914400" rtl="0" eaLnBrk="1" fontAlgn="auto" latinLnBrk="0" hangingPunct="1">
+              <a:lnSpc>
+                <a:spcPct val="100000"/>
+              </a:lnSpc>
+              <a:spcBef>
+                <a:spcPts val="0"/>
+              </a:spcBef>
+              <a:spcAft>
+                <a:spcPts val="0"/>
+              </a:spcAft>
+              <a:buClrTx/>
+              <a:buSzTx/>
+              <a:buFontTx/>
+              <a:buNone/>
+              <a:tabLst/>
+              <a:defRPr/>
+            </a:pPr>
+            <a:r>
+              <a:rPr kumimoji="1" lang="ja-JP" altLang="en-US" dirty="0" smtClean="0"/>
+              <a:t>ブロックプログラミングによって論理的思考力を鍛えると共に、コーディング力の養成にも円滑に移行できる教育支援を考えていく必要がある</a:t>
+            </a:r>
             <a:endParaRPr kumimoji="1" lang="ja-JP" altLang="en-US" dirty="0"/>
           </a:p>
         </p:txBody>
@@ -1159,57 +1235,11 @@
           <a:p>
             <a:r>
               <a:rPr lang="ja-JP" altLang="ja-JP" dirty="0" smtClean="0"/>
-              <a:t>難易度は３つ　簡単</a:t>
-            </a:r>
-            <a:r>
-              <a:rPr lang="ja-JP" altLang="en-US" dirty="0" smtClean="0"/>
-              <a:t>，</a:t>
+              <a:t>同じ</a:t>
             </a:r>
             <a:r>
               <a:rPr lang="ja-JP" altLang="ja-JP" dirty="0" smtClean="0"/>
-              <a:t>普通</a:t>
-            </a:r>
-            <a:r>
-              <a:rPr lang="ja-JP" altLang="en-US" dirty="0" smtClean="0"/>
-              <a:t>，</a:t>
-            </a:r>
-            <a:r>
-              <a:rPr lang="ja-JP" altLang="ja-JP" dirty="0" smtClean="0"/>
-              <a:t>難しい</a:t>
-            </a:r>
-          </a:p>
-          <a:p>
-            <a:r>
-              <a:rPr lang="ja-JP" altLang="ja-JP" dirty="0" smtClean="0"/>
-              <a:t>初期では簡単が選ばれる</a:t>
-            </a:r>
-          </a:p>
-          <a:p>
-            <a:r>
-              <a:rPr lang="ja-JP" altLang="ja-JP" dirty="0" smtClean="0"/>
-              <a:t>簡単　同じカテゴリーから選ばれる選択問題を３問以下</a:t>
-            </a:r>
-          </a:p>
-          <a:p>
-            <a:r>
-              <a:rPr lang="ja-JP" altLang="ja-JP" dirty="0" smtClean="0"/>
-              <a:t>普通　同じカテゴリーから選ばれる選択問題を６問以下</a:t>
-            </a:r>
-          </a:p>
-          <a:p>
-            <a:r>
-              <a:rPr lang="ja-JP" altLang="ja-JP" dirty="0" smtClean="0"/>
-              <a:t>難しい 異なるカテゴリーから選ばれる選択問題を３問</a:t>
-            </a:r>
-            <a:endParaRPr lang="en-US" altLang="ja-JP" dirty="0" smtClean="0"/>
-          </a:p>
-          <a:p>
-            <a:endParaRPr lang="en-US" altLang="ja-JP" dirty="0" smtClean="0"/>
-          </a:p>
-          <a:p>
-            <a:r>
-              <a:rPr lang="ja-JP" altLang="ja-JP" dirty="0" smtClean="0"/>
-              <a:t>同じカテゴリーとは，繰り返し命令カテゴリーで</a:t>
+              <a:t>カテゴリーとは，繰り返し命令カテゴリーで</a:t>
             </a:r>
             <a:r>
               <a:rPr lang="en-US" altLang="ja-JP" dirty="0" smtClean="0"/>
@@ -1227,6 +1257,27 @@
             </a:r>
           </a:p>
           <a:p>
+            <a:endParaRPr kumimoji="1" lang="en-US" altLang="ja-JP" dirty="0" smtClean="0"/>
+          </a:p>
+          <a:p>
+            <a:r>
+              <a:rPr kumimoji="1" lang="ja-JP" altLang="en-US" dirty="0" smtClean="0"/>
+              <a:t>同じグループから選択肢を決定することで，構文の理解が浅い学習者が理解を深めるために利用できる</a:t>
+            </a:r>
+            <a:endParaRPr kumimoji="1" lang="en-US" altLang="ja-JP" dirty="0" smtClean="0"/>
+          </a:p>
+          <a:p>
+            <a:r>
+              <a:rPr kumimoji="1" lang="ja-JP" altLang="en-US" dirty="0" smtClean="0"/>
+              <a:t>異なるグループから選択肢を決定することで，構文だけでなく、前後を理解して解答を選ぶ必要がある</a:t>
+            </a:r>
+            <a:endParaRPr kumimoji="1" lang="en-US" altLang="ja-JP" dirty="0" smtClean="0"/>
+          </a:p>
+          <a:p>
+            <a:r>
+              <a:rPr kumimoji="1" lang="ja-JP" altLang="en-US" dirty="0" smtClean="0"/>
+              <a:t>この選択肢の決定方法と出題する穴あき個所の個数で学習者にあわせた難易度の調整を行う</a:t>
+            </a:r>
             <a:endParaRPr kumimoji="1" lang="ja-JP" altLang="en-US" dirty="0" smtClean="0"/>
           </a:p>
           <a:p>
@@ -1539,6 +1590,246 @@
           <a:bodyPr/>
           <a:lstStyle/>
           <a:p>
+            <a:pPr rtl="0" eaLnBrk="1" fontAlgn="t" latinLnBrk="0" hangingPunct="1"/>
+            <a:r>
+              <a:rPr kumimoji="1" lang="ja-JP" altLang="ja-JP" sz="1200" b="0" i="0" u="none" strike="noStrike" kern="1200" dirty="0" smtClean="0">
+                <a:solidFill>
+                  <a:schemeClr val="tx1"/>
+                </a:solidFill>
+                <a:effectLst/>
+                <a:latin typeface="+mn-lt"/>
+                <a:ea typeface="+mn-ea"/>
+                <a:cs typeface="+mn-cs"/>
+              </a:rPr>
+              <a:t>１</a:t>
+            </a:r>
+            <a:r>
+              <a:rPr kumimoji="1" lang="en-US" altLang="ja-JP" sz="1200" b="0" i="0" u="none" strike="noStrike" kern="1200" dirty="0" smtClean="0">
+                <a:solidFill>
+                  <a:schemeClr val="tx1"/>
+                </a:solidFill>
+                <a:effectLst/>
+                <a:latin typeface="+mn-lt"/>
+                <a:ea typeface="+mn-ea"/>
+                <a:cs typeface="+mn-cs"/>
+              </a:rPr>
+              <a:t>:</a:t>
+            </a:r>
+            <a:r>
+              <a:rPr kumimoji="1" lang="ja-JP" altLang="ja-JP" sz="1200" b="0" i="0" u="none" strike="noStrike" kern="1200" dirty="0" smtClean="0">
+                <a:solidFill>
+                  <a:schemeClr val="tx1"/>
+                </a:solidFill>
+                <a:effectLst/>
+                <a:latin typeface="+mn-lt"/>
+                <a:ea typeface="+mn-ea"/>
+                <a:cs typeface="+mn-cs"/>
+              </a:rPr>
+              <a:t>正解となる解答が選択肢に入っている．</a:t>
+            </a:r>
+          </a:p>
+          <a:p>
+            <a:pPr rtl="0" eaLnBrk="1" fontAlgn="t" latinLnBrk="0" hangingPunct="1"/>
+            <a:r>
+              <a:rPr kumimoji="1" lang="ja-JP" altLang="ja-JP" sz="1200" b="0" i="0" u="none" strike="noStrike" kern="1200" dirty="0" smtClean="0">
+                <a:solidFill>
+                  <a:schemeClr val="tx1"/>
+                </a:solidFill>
+                <a:effectLst/>
+                <a:latin typeface="+mn-lt"/>
+                <a:ea typeface="+mn-ea"/>
+                <a:cs typeface="+mn-cs"/>
+              </a:rPr>
+              <a:t>２</a:t>
+            </a:r>
+            <a:r>
+              <a:rPr kumimoji="1" lang="en-US" altLang="ja-JP" sz="1200" b="0" i="0" u="none" strike="noStrike" kern="1200" dirty="0" smtClean="0">
+                <a:solidFill>
+                  <a:schemeClr val="tx1"/>
+                </a:solidFill>
+                <a:effectLst/>
+                <a:latin typeface="+mn-lt"/>
+                <a:ea typeface="+mn-ea"/>
+                <a:cs typeface="+mn-cs"/>
+              </a:rPr>
+              <a:t>:</a:t>
+            </a:r>
+            <a:r>
+              <a:rPr kumimoji="1" lang="ja-JP" altLang="ja-JP" sz="1200" b="0" i="0" u="none" strike="noStrike" kern="1200" dirty="0" smtClean="0">
+                <a:solidFill>
+                  <a:schemeClr val="tx1"/>
+                </a:solidFill>
+                <a:effectLst/>
+                <a:latin typeface="+mn-lt"/>
+                <a:ea typeface="+mn-ea"/>
+                <a:cs typeface="+mn-cs"/>
+              </a:rPr>
+              <a:t>設問内で選択肢が複数かぶっていない．</a:t>
+            </a:r>
+          </a:p>
+          <a:p>
+            <a:pPr rtl="0" eaLnBrk="1" fontAlgn="t" latinLnBrk="0" hangingPunct="1"/>
+            <a:r>
+              <a:rPr kumimoji="1" lang="ja-JP" altLang="ja-JP" sz="1200" b="0" i="0" u="none" strike="noStrike" kern="1200" dirty="0" smtClean="0">
+                <a:solidFill>
+                  <a:schemeClr val="tx1"/>
+                </a:solidFill>
+                <a:effectLst/>
+                <a:latin typeface="+mn-lt"/>
+                <a:ea typeface="+mn-ea"/>
+                <a:cs typeface="+mn-cs"/>
+              </a:rPr>
+              <a:t>３</a:t>
+            </a:r>
+            <a:r>
+              <a:rPr kumimoji="1" lang="en-US" altLang="ja-JP" sz="1200" b="0" i="0" u="none" strike="noStrike" kern="1200" dirty="0" smtClean="0">
+                <a:solidFill>
+                  <a:schemeClr val="tx1"/>
+                </a:solidFill>
+                <a:effectLst/>
+                <a:latin typeface="+mn-lt"/>
+                <a:ea typeface="+mn-ea"/>
+                <a:cs typeface="+mn-cs"/>
+              </a:rPr>
+              <a:t>:</a:t>
+            </a:r>
+            <a:r>
+              <a:rPr kumimoji="1" lang="ja-JP" altLang="ja-JP" sz="1200" b="0" i="0" u="none" strike="noStrike" kern="1200" dirty="0" smtClean="0">
+                <a:solidFill>
+                  <a:schemeClr val="tx1"/>
+                </a:solidFill>
+                <a:effectLst/>
+                <a:latin typeface="+mn-lt"/>
+                <a:ea typeface="+mn-ea"/>
+                <a:cs typeface="+mn-cs"/>
+              </a:rPr>
+              <a:t>ブロックプログラミングより解答が推測できる．</a:t>
+            </a:r>
+          </a:p>
+          <a:p>
+            <a:pPr rtl="0" eaLnBrk="1" fontAlgn="t" latinLnBrk="0" hangingPunct="1"/>
+            <a:r>
+              <a:rPr kumimoji="1" lang="ja-JP" altLang="ja-JP" sz="1200" b="0" i="0" u="none" strike="noStrike" kern="1200" dirty="0" smtClean="0">
+                <a:solidFill>
+                  <a:schemeClr val="tx1"/>
+                </a:solidFill>
+                <a:effectLst/>
+                <a:latin typeface="+mn-lt"/>
+                <a:ea typeface="+mn-ea"/>
+                <a:cs typeface="+mn-cs"/>
+              </a:rPr>
+              <a:t>４</a:t>
+            </a:r>
+            <a:r>
+              <a:rPr kumimoji="1" lang="en-US" altLang="ja-JP" sz="1200" b="0" i="0" u="none" strike="noStrike" kern="1200" dirty="0" smtClean="0">
+                <a:solidFill>
+                  <a:schemeClr val="tx1"/>
+                </a:solidFill>
+                <a:effectLst/>
+                <a:latin typeface="+mn-lt"/>
+                <a:ea typeface="+mn-ea"/>
+                <a:cs typeface="+mn-cs"/>
+              </a:rPr>
+              <a:t>:</a:t>
+            </a:r>
+            <a:r>
+              <a:rPr kumimoji="1" lang="ja-JP" altLang="ja-JP" sz="1200" b="0" i="0" u="none" strike="noStrike" kern="1200" dirty="0" smtClean="0">
+                <a:solidFill>
+                  <a:schemeClr val="tx1"/>
+                </a:solidFill>
+                <a:effectLst/>
+                <a:latin typeface="+mn-lt"/>
+                <a:ea typeface="+mn-ea"/>
+                <a:cs typeface="+mn-cs"/>
+              </a:rPr>
+              <a:t>出題内容の種類</a:t>
+            </a:r>
+            <a:r>
+              <a:rPr kumimoji="1" lang="en-US" altLang="ja-JP" sz="1200" b="0" i="0" u="none" strike="noStrike" kern="1200" dirty="0" smtClean="0">
+                <a:solidFill>
+                  <a:schemeClr val="tx1"/>
+                </a:solidFill>
+                <a:effectLst/>
+                <a:latin typeface="+mn-lt"/>
+                <a:ea typeface="+mn-ea"/>
+                <a:cs typeface="+mn-cs"/>
+              </a:rPr>
+              <a:t>(</a:t>
+            </a:r>
+            <a:r>
+              <a:rPr kumimoji="1" lang="ja-JP" altLang="en-US" sz="1200" b="0" i="0" u="none" strike="noStrike" kern="1200" dirty="0" smtClean="0">
+                <a:solidFill>
+                  <a:schemeClr val="tx1"/>
+                </a:solidFill>
+                <a:effectLst/>
+                <a:latin typeface="+mn-lt"/>
+                <a:ea typeface="+mn-ea"/>
+                <a:cs typeface="+mn-cs"/>
+              </a:rPr>
+              <a:t>分散</a:t>
+            </a:r>
+            <a:r>
+              <a:rPr kumimoji="1" lang="en-US" altLang="ja-JP" sz="1200" b="0" i="0" u="none" strike="noStrike" kern="1200" dirty="0" smtClean="0">
+                <a:solidFill>
+                  <a:schemeClr val="tx1"/>
+                </a:solidFill>
+                <a:effectLst/>
+                <a:latin typeface="+mn-lt"/>
+                <a:ea typeface="+mn-ea"/>
+                <a:cs typeface="+mn-cs"/>
+              </a:rPr>
+              <a:t>)</a:t>
+            </a:r>
+            <a:endParaRPr kumimoji="1" lang="ja-JP" altLang="ja-JP" sz="1200" b="0" i="0" u="none" strike="noStrike" kern="1200" dirty="0" smtClean="0">
+              <a:solidFill>
+                <a:schemeClr val="tx1"/>
+              </a:solidFill>
+              <a:effectLst/>
+              <a:latin typeface="+mn-lt"/>
+              <a:ea typeface="+mn-ea"/>
+              <a:cs typeface="+mn-cs"/>
+            </a:endParaRPr>
+          </a:p>
+          <a:p>
+            <a:pPr rtl="0" eaLnBrk="1" fontAlgn="t" latinLnBrk="0" hangingPunct="1"/>
+            <a:r>
+              <a:rPr kumimoji="1" lang="ja-JP" altLang="ja-JP" sz="1200" b="0" i="0" u="none" strike="noStrike" kern="1200" dirty="0" smtClean="0">
+                <a:solidFill>
+                  <a:schemeClr val="tx1"/>
+                </a:solidFill>
+                <a:effectLst/>
+                <a:latin typeface="+mn-lt"/>
+                <a:ea typeface="+mn-ea"/>
+                <a:cs typeface="+mn-cs"/>
+              </a:rPr>
+              <a:t>５</a:t>
+            </a:r>
+            <a:r>
+              <a:rPr kumimoji="1" lang="en-US" altLang="ja-JP" sz="1200" b="0" i="0" u="none" strike="noStrike" kern="1200" dirty="0" smtClean="0">
+                <a:solidFill>
+                  <a:schemeClr val="tx1"/>
+                </a:solidFill>
+                <a:effectLst/>
+                <a:latin typeface="+mn-lt"/>
+                <a:ea typeface="+mn-ea"/>
+                <a:cs typeface="+mn-cs"/>
+              </a:rPr>
+              <a:t>:</a:t>
+            </a:r>
+            <a:r>
+              <a:rPr kumimoji="1" lang="ja-JP" altLang="ja-JP" sz="1200" b="0" i="0" u="none" strike="noStrike" kern="1200" dirty="0" smtClean="0">
+                <a:solidFill>
+                  <a:schemeClr val="tx1"/>
+                </a:solidFill>
+                <a:effectLst/>
+                <a:latin typeface="+mn-lt"/>
+                <a:ea typeface="+mn-ea"/>
+                <a:cs typeface="+mn-cs"/>
+              </a:rPr>
+              <a:t>選択肢のみから正解が推測できない． </a:t>
+            </a:r>
+          </a:p>
+          <a:p>
             <a:endParaRPr kumimoji="1" lang="en-US" altLang="ja-JP" dirty="0" smtClean="0"/>
           </a:p>
         </p:txBody>
@@ -1627,6 +1918,246 @@
         <p:txBody>
           <a:bodyPr/>
           <a:lstStyle/>
+          <a:p>
+            <a:pPr rtl="0" eaLnBrk="1" fontAlgn="t" latinLnBrk="0" hangingPunct="1"/>
+            <a:r>
+              <a:rPr kumimoji="1" lang="ja-JP" altLang="ja-JP" sz="1200" b="0" i="0" u="none" strike="noStrike" kern="1200" dirty="0" smtClean="0">
+                <a:solidFill>
+                  <a:schemeClr val="tx1"/>
+                </a:solidFill>
+                <a:effectLst/>
+                <a:latin typeface="+mn-lt"/>
+                <a:ea typeface="+mn-ea"/>
+                <a:cs typeface="+mn-cs"/>
+              </a:rPr>
+              <a:t>１</a:t>
+            </a:r>
+            <a:r>
+              <a:rPr kumimoji="1" lang="en-US" altLang="ja-JP" sz="1200" b="0" i="0" u="none" strike="noStrike" kern="1200" dirty="0" smtClean="0">
+                <a:solidFill>
+                  <a:schemeClr val="tx1"/>
+                </a:solidFill>
+                <a:effectLst/>
+                <a:latin typeface="+mn-lt"/>
+                <a:ea typeface="+mn-ea"/>
+                <a:cs typeface="+mn-cs"/>
+              </a:rPr>
+              <a:t>:</a:t>
+            </a:r>
+            <a:r>
+              <a:rPr kumimoji="1" lang="ja-JP" altLang="ja-JP" sz="1200" b="0" i="0" u="none" strike="noStrike" kern="1200" dirty="0" smtClean="0">
+                <a:solidFill>
+                  <a:schemeClr val="tx1"/>
+                </a:solidFill>
+                <a:effectLst/>
+                <a:latin typeface="+mn-lt"/>
+                <a:ea typeface="+mn-ea"/>
+                <a:cs typeface="+mn-cs"/>
+              </a:rPr>
+              <a:t>正解となる解答が選択肢に入っている．</a:t>
+            </a:r>
+          </a:p>
+          <a:p>
+            <a:pPr rtl="0" eaLnBrk="1" fontAlgn="t" latinLnBrk="0" hangingPunct="1"/>
+            <a:r>
+              <a:rPr kumimoji="1" lang="ja-JP" altLang="ja-JP" sz="1200" b="0" i="0" u="none" strike="noStrike" kern="1200" dirty="0" smtClean="0">
+                <a:solidFill>
+                  <a:schemeClr val="tx1"/>
+                </a:solidFill>
+                <a:effectLst/>
+                <a:latin typeface="+mn-lt"/>
+                <a:ea typeface="+mn-ea"/>
+                <a:cs typeface="+mn-cs"/>
+              </a:rPr>
+              <a:t>２</a:t>
+            </a:r>
+            <a:r>
+              <a:rPr kumimoji="1" lang="en-US" altLang="ja-JP" sz="1200" b="0" i="0" u="none" strike="noStrike" kern="1200" dirty="0" smtClean="0">
+                <a:solidFill>
+                  <a:schemeClr val="tx1"/>
+                </a:solidFill>
+                <a:effectLst/>
+                <a:latin typeface="+mn-lt"/>
+                <a:ea typeface="+mn-ea"/>
+                <a:cs typeface="+mn-cs"/>
+              </a:rPr>
+              <a:t>:</a:t>
+            </a:r>
+            <a:r>
+              <a:rPr kumimoji="1" lang="ja-JP" altLang="ja-JP" sz="1200" b="0" i="0" u="none" strike="noStrike" kern="1200" dirty="0" smtClean="0">
+                <a:solidFill>
+                  <a:schemeClr val="tx1"/>
+                </a:solidFill>
+                <a:effectLst/>
+                <a:latin typeface="+mn-lt"/>
+                <a:ea typeface="+mn-ea"/>
+                <a:cs typeface="+mn-cs"/>
+              </a:rPr>
+              <a:t>設問内で選択肢が複数かぶっていない．</a:t>
+            </a:r>
+          </a:p>
+          <a:p>
+            <a:pPr rtl="0" eaLnBrk="1" fontAlgn="t" latinLnBrk="0" hangingPunct="1"/>
+            <a:r>
+              <a:rPr kumimoji="1" lang="ja-JP" altLang="ja-JP" sz="1200" b="0" i="0" u="none" strike="noStrike" kern="1200" dirty="0" smtClean="0">
+                <a:solidFill>
+                  <a:schemeClr val="tx1"/>
+                </a:solidFill>
+                <a:effectLst/>
+                <a:latin typeface="+mn-lt"/>
+                <a:ea typeface="+mn-ea"/>
+                <a:cs typeface="+mn-cs"/>
+              </a:rPr>
+              <a:t>３</a:t>
+            </a:r>
+            <a:r>
+              <a:rPr kumimoji="1" lang="en-US" altLang="ja-JP" sz="1200" b="0" i="0" u="none" strike="noStrike" kern="1200" dirty="0" smtClean="0">
+                <a:solidFill>
+                  <a:schemeClr val="tx1"/>
+                </a:solidFill>
+                <a:effectLst/>
+                <a:latin typeface="+mn-lt"/>
+                <a:ea typeface="+mn-ea"/>
+                <a:cs typeface="+mn-cs"/>
+              </a:rPr>
+              <a:t>:</a:t>
+            </a:r>
+            <a:r>
+              <a:rPr kumimoji="1" lang="ja-JP" altLang="ja-JP" sz="1200" b="0" i="0" u="none" strike="noStrike" kern="1200" dirty="0" smtClean="0">
+                <a:solidFill>
+                  <a:schemeClr val="tx1"/>
+                </a:solidFill>
+                <a:effectLst/>
+                <a:latin typeface="+mn-lt"/>
+                <a:ea typeface="+mn-ea"/>
+                <a:cs typeface="+mn-cs"/>
+              </a:rPr>
+              <a:t>ブロックプログラミングより解答が推測できる．</a:t>
+            </a:r>
+          </a:p>
+          <a:p>
+            <a:pPr rtl="0" eaLnBrk="1" fontAlgn="t" latinLnBrk="0" hangingPunct="1"/>
+            <a:r>
+              <a:rPr kumimoji="1" lang="ja-JP" altLang="ja-JP" sz="1200" b="0" i="0" u="none" strike="noStrike" kern="1200" dirty="0" smtClean="0">
+                <a:solidFill>
+                  <a:schemeClr val="tx1"/>
+                </a:solidFill>
+                <a:effectLst/>
+                <a:latin typeface="+mn-lt"/>
+                <a:ea typeface="+mn-ea"/>
+                <a:cs typeface="+mn-cs"/>
+              </a:rPr>
+              <a:t>４</a:t>
+            </a:r>
+            <a:r>
+              <a:rPr kumimoji="1" lang="en-US" altLang="ja-JP" sz="1200" b="0" i="0" u="none" strike="noStrike" kern="1200" dirty="0" smtClean="0">
+                <a:solidFill>
+                  <a:schemeClr val="tx1"/>
+                </a:solidFill>
+                <a:effectLst/>
+                <a:latin typeface="+mn-lt"/>
+                <a:ea typeface="+mn-ea"/>
+                <a:cs typeface="+mn-cs"/>
+              </a:rPr>
+              <a:t>:</a:t>
+            </a:r>
+            <a:r>
+              <a:rPr kumimoji="1" lang="ja-JP" altLang="ja-JP" sz="1200" b="0" i="0" u="none" strike="noStrike" kern="1200" dirty="0" smtClean="0">
+                <a:solidFill>
+                  <a:schemeClr val="tx1"/>
+                </a:solidFill>
+                <a:effectLst/>
+                <a:latin typeface="+mn-lt"/>
+                <a:ea typeface="+mn-ea"/>
+                <a:cs typeface="+mn-cs"/>
+              </a:rPr>
+              <a:t>出題内容の種類</a:t>
+            </a:r>
+            <a:r>
+              <a:rPr kumimoji="1" lang="en-US" altLang="ja-JP" sz="1200" b="0" i="0" u="none" strike="noStrike" kern="1200" dirty="0" smtClean="0">
+                <a:solidFill>
+                  <a:schemeClr val="tx1"/>
+                </a:solidFill>
+                <a:effectLst/>
+                <a:latin typeface="+mn-lt"/>
+                <a:ea typeface="+mn-ea"/>
+                <a:cs typeface="+mn-cs"/>
+              </a:rPr>
+              <a:t>(</a:t>
+            </a:r>
+            <a:r>
+              <a:rPr kumimoji="1" lang="ja-JP" altLang="en-US" sz="1200" b="0" i="0" u="none" strike="noStrike" kern="1200" dirty="0" smtClean="0">
+                <a:solidFill>
+                  <a:schemeClr val="tx1"/>
+                </a:solidFill>
+                <a:effectLst/>
+                <a:latin typeface="+mn-lt"/>
+                <a:ea typeface="+mn-ea"/>
+                <a:cs typeface="+mn-cs"/>
+              </a:rPr>
+              <a:t>分散</a:t>
+            </a:r>
+            <a:r>
+              <a:rPr kumimoji="1" lang="en-US" altLang="ja-JP" sz="1200" b="0" i="0" u="none" strike="noStrike" kern="1200" dirty="0" smtClean="0">
+                <a:solidFill>
+                  <a:schemeClr val="tx1"/>
+                </a:solidFill>
+                <a:effectLst/>
+                <a:latin typeface="+mn-lt"/>
+                <a:ea typeface="+mn-ea"/>
+                <a:cs typeface="+mn-cs"/>
+              </a:rPr>
+              <a:t>)</a:t>
+            </a:r>
+            <a:endParaRPr kumimoji="1" lang="ja-JP" altLang="ja-JP" sz="1200" b="0" i="0" u="none" strike="noStrike" kern="1200" dirty="0" smtClean="0">
+              <a:solidFill>
+                <a:schemeClr val="tx1"/>
+              </a:solidFill>
+              <a:effectLst/>
+              <a:latin typeface="+mn-lt"/>
+              <a:ea typeface="+mn-ea"/>
+              <a:cs typeface="+mn-cs"/>
+            </a:endParaRPr>
+          </a:p>
+          <a:p>
+            <a:pPr rtl="0" eaLnBrk="1" fontAlgn="t" latinLnBrk="0" hangingPunct="1"/>
+            <a:r>
+              <a:rPr kumimoji="1" lang="ja-JP" altLang="ja-JP" sz="1200" b="0" i="0" u="none" strike="noStrike" kern="1200" dirty="0" smtClean="0">
+                <a:solidFill>
+                  <a:schemeClr val="tx1"/>
+                </a:solidFill>
+                <a:effectLst/>
+                <a:latin typeface="+mn-lt"/>
+                <a:ea typeface="+mn-ea"/>
+                <a:cs typeface="+mn-cs"/>
+              </a:rPr>
+              <a:t>５</a:t>
+            </a:r>
+            <a:r>
+              <a:rPr kumimoji="1" lang="en-US" altLang="ja-JP" sz="1200" b="0" i="0" u="none" strike="noStrike" kern="1200" dirty="0" smtClean="0">
+                <a:solidFill>
+                  <a:schemeClr val="tx1"/>
+                </a:solidFill>
+                <a:effectLst/>
+                <a:latin typeface="+mn-lt"/>
+                <a:ea typeface="+mn-ea"/>
+                <a:cs typeface="+mn-cs"/>
+              </a:rPr>
+              <a:t>:</a:t>
+            </a:r>
+            <a:r>
+              <a:rPr kumimoji="1" lang="ja-JP" altLang="ja-JP" sz="1200" b="0" i="0" u="none" strike="noStrike" kern="1200" dirty="0" smtClean="0">
+                <a:solidFill>
+                  <a:schemeClr val="tx1"/>
+                </a:solidFill>
+                <a:effectLst/>
+                <a:latin typeface="+mn-lt"/>
+                <a:ea typeface="+mn-ea"/>
+                <a:cs typeface="+mn-cs"/>
+              </a:rPr>
+              <a:t>選択肢のみから正解が推測できない． </a:t>
+            </a:r>
+          </a:p>
           <a:p>
             <a:endParaRPr kumimoji="1" lang="ja-JP" altLang="en-US" dirty="0"/>
           </a:p>
@@ -5252,7 +5783,7 @@
             <p:ph idx="1"/>
             <p:extLst>
               <p:ext uri="{D42A27DB-BD31-4B8C-83A1-F6EECF244321}">
-                <p14:modId xmlns:p14="http://schemas.microsoft.com/office/powerpoint/2010/main" val="2060745391"/>
+                <p14:modId xmlns:p14="http://schemas.microsoft.com/office/powerpoint/2010/main" val="2860536069"/>
               </p:ext>
             </p:extLst>
           </p:nvPr>
@@ -5982,7 +6513,7 @@
                     <a:p>
                       <a:pPr algn="r" fontAlgn="b"/>
                       <a:r>
-                        <a:rPr lang="en-US" altLang="ja-JP" sz="1600" b="0" i="0" u="none" strike="noStrike">
+                        <a:rPr lang="en-US" altLang="ja-JP" sz="1600" b="0" i="0" u="none" strike="noStrike" dirty="0" smtClean="0">
                           <a:solidFill>
                             <a:srgbClr val="000000"/>
                           </a:solidFill>
@@ -5990,8 +6521,16 @@
                           <a:latin typeface="游ゴシック" panose="020B0400000000000000" pitchFamily="50" charset="-128"/>
                           <a:ea typeface="游ゴシック" panose="020B0400000000000000" pitchFamily="50" charset="-128"/>
                         </a:rPr>
-                        <a:t>0.805877</a:t>
+                        <a:t>0.81</a:t>
                       </a:r>
+                      <a:endParaRPr lang="en-US" altLang="ja-JP" sz="1600" b="0" i="0" u="none" strike="noStrike" dirty="0">
+                        <a:solidFill>
+                          <a:srgbClr val="000000"/>
+                        </a:solidFill>
+                        <a:effectLst/>
+                        <a:latin typeface="游ゴシック" panose="020B0400000000000000" pitchFamily="50" charset="-128"/>
+                        <a:ea typeface="游ゴシック" panose="020B0400000000000000" pitchFamily="50" charset="-128"/>
+                      </a:endParaRPr>
                     </a:p>
                   </a:txBody>
                   <a:tcPr marL="6350" marR="6350" marT="6350" marB="0" anchor="b">
@@ -6110,7 +6649,7 @@
           <p:nvPr>
             <p:extLst>
               <p:ext uri="{D42A27DB-BD31-4B8C-83A1-F6EECF244321}">
-                <p14:modId xmlns:p14="http://schemas.microsoft.com/office/powerpoint/2010/main" val="1058539101"/>
+                <p14:modId xmlns:p14="http://schemas.microsoft.com/office/powerpoint/2010/main" val="1516947886"/>
               </p:ext>
             </p:extLst>
           </p:nvPr>
@@ -6888,7 +7427,7 @@
                     <a:p>
                       <a:pPr algn="r" fontAlgn="b"/>
                       <a:r>
-                        <a:rPr lang="en-US" altLang="ja-JP" sz="1600" b="0" i="0" u="none" strike="noStrike" dirty="0">
+                        <a:rPr lang="en-US" altLang="ja-JP" sz="1600" b="0" i="0" u="none" strike="noStrike" dirty="0" smtClean="0">
                           <a:solidFill>
                             <a:srgbClr val="000000"/>
                           </a:solidFill>
@@ -6896,8 +7435,16 @@
                           <a:latin typeface="游ゴシック" panose="020B0400000000000000" pitchFamily="50" charset="-128"/>
                           <a:ea typeface="游ゴシック" panose="020B0400000000000000" pitchFamily="50" charset="-128"/>
                         </a:rPr>
-                        <a:t>0.740311</a:t>
+                        <a:t>0.74</a:t>
                       </a:r>
+                      <a:endParaRPr lang="en-US" altLang="ja-JP" sz="1600" b="0" i="0" u="none" strike="noStrike" dirty="0">
+                        <a:solidFill>
+                          <a:srgbClr val="000000"/>
+                        </a:solidFill>
+                        <a:effectLst/>
+                        <a:latin typeface="游ゴシック" panose="020B0400000000000000" pitchFamily="50" charset="-128"/>
+                        <a:ea typeface="游ゴシック" panose="020B0400000000000000" pitchFamily="50" charset="-128"/>
+                      </a:endParaRPr>
                     </a:p>
                   </a:txBody>
                   <a:tcPr marL="6350" marR="6350" marT="6350" marB="0" anchor="b">
@@ -7016,7 +7563,7 @@
           <p:nvPr>
             <p:extLst>
               <p:ext uri="{D42A27DB-BD31-4B8C-83A1-F6EECF244321}">
-                <p14:modId xmlns:p14="http://schemas.microsoft.com/office/powerpoint/2010/main" val="3750425894"/>
+                <p14:modId xmlns:p14="http://schemas.microsoft.com/office/powerpoint/2010/main" val="1768987952"/>
               </p:ext>
             </p:extLst>
           </p:nvPr>
@@ -7794,7 +8341,7 @@
                     <a:p>
                       <a:pPr algn="r" fontAlgn="b"/>
                       <a:r>
-                        <a:rPr lang="en-US" altLang="ja-JP" sz="1600" b="0" i="0" u="none" strike="noStrike" dirty="0">
+                        <a:rPr lang="en-US" altLang="ja-JP" sz="1600" b="0" i="0" u="none" strike="noStrike" dirty="0" smtClean="0">
                           <a:solidFill>
                             <a:srgbClr val="000000"/>
                           </a:solidFill>
@@ -7802,8 +8349,16 @@
                           <a:latin typeface="游ゴシック" panose="020B0400000000000000" pitchFamily="50" charset="-128"/>
                           <a:ea typeface="游ゴシック" panose="020B0400000000000000" pitchFamily="50" charset="-128"/>
                         </a:rPr>
-                        <a:t>0.781476</a:t>
+                        <a:t>0.78</a:t>
                       </a:r>
+                      <a:endParaRPr lang="en-US" altLang="ja-JP" sz="1600" b="0" i="0" u="none" strike="noStrike" dirty="0">
+                        <a:solidFill>
+                          <a:srgbClr val="000000"/>
+                        </a:solidFill>
+                        <a:effectLst/>
+                        <a:latin typeface="游ゴシック" panose="020B0400000000000000" pitchFamily="50" charset="-128"/>
+                        <a:ea typeface="游ゴシック" panose="020B0400000000000000" pitchFamily="50" charset="-128"/>
+                      </a:endParaRPr>
                     </a:p>
                   </a:txBody>
                   <a:tcPr marL="6350" marR="6350" marT="6350" marB="0" anchor="b">
@@ -7922,7 +8477,7 @@
           <p:nvPr>
             <p:extLst>
               <p:ext uri="{D42A27DB-BD31-4B8C-83A1-F6EECF244321}">
-                <p14:modId xmlns:p14="http://schemas.microsoft.com/office/powerpoint/2010/main" val="152394451"/>
+                <p14:modId xmlns:p14="http://schemas.microsoft.com/office/powerpoint/2010/main" val="3249686185"/>
               </p:ext>
             </p:extLst>
           </p:nvPr>
@@ -8700,7 +9255,7 @@
                     <a:p>
                       <a:pPr algn="r" fontAlgn="b"/>
                       <a:r>
-                        <a:rPr lang="en-US" altLang="ja-JP" sz="1600" b="0" i="0" u="none" strike="noStrike" dirty="0">
+                        <a:rPr lang="en-US" altLang="ja-JP" sz="1600" b="0" i="0" u="none" strike="noStrike" dirty="0" smtClean="0">
                           <a:solidFill>
                             <a:srgbClr val="000000"/>
                           </a:solidFill>
@@ -8708,8 +9263,16 @@
                           <a:latin typeface="游ゴシック" panose="020B0400000000000000" pitchFamily="50" charset="-128"/>
                           <a:ea typeface="游ゴシック" panose="020B0400000000000000" pitchFamily="50" charset="-128"/>
                         </a:rPr>
-                        <a:t>0.878424</a:t>
+                        <a:t>0.88</a:t>
                       </a:r>
+                      <a:endParaRPr lang="en-US" altLang="ja-JP" sz="1600" b="0" i="0" u="none" strike="noStrike" dirty="0">
+                        <a:solidFill>
+                          <a:srgbClr val="000000"/>
+                        </a:solidFill>
+                        <a:effectLst/>
+                        <a:latin typeface="游ゴシック" panose="020B0400000000000000" pitchFamily="50" charset="-128"/>
+                        <a:ea typeface="游ゴシック" panose="020B0400000000000000" pitchFamily="50" charset="-128"/>
+                      </a:endParaRPr>
                     </a:p>
                   </a:txBody>
                   <a:tcPr marL="6350" marR="6350" marT="6350" marB="0" anchor="b">
@@ -9915,8 +10478,12 @@
           <a:p>
             <a:pPr algn="just"/>
             <a:r>
+              <a:rPr lang="ja-JP" altLang="ja-JP" dirty="0" smtClean="0"/>
+              <a:t>プログラミング</a:t>
+            </a:r>
+            <a:r>
               <a:rPr lang="ja-JP" altLang="ja-JP" dirty="0"/>
-              <a:t>プログラミング教育必修の全面</a:t>
+              <a:t>教育必修の全面</a:t>
             </a:r>
             <a:r>
               <a:rPr lang="ja-JP" altLang="ja-JP" dirty="0" smtClean="0"/>
@@ -10008,7 +10575,7 @@
         <p:spPr>
           <a:xfrm>
             <a:off x="628650" y="4854419"/>
-            <a:ext cx="7886700" cy="738664"/>
+            <a:ext cx="7886700" cy="1384995"/>
           </a:xfrm>
           <a:prstGeom prst="rect">
             <a:avLst/>
@@ -10035,25 +10602,25 @@
           <a:lstStyle/>
           <a:p>
             <a:r>
-              <a:rPr lang="ja-JP" altLang="ja-JP" sz="2100" dirty="0"/>
+              <a:rPr lang="ja-JP" altLang="ja-JP" sz="2800" dirty="0"/>
               <a:t>論理的思考力からコーディング力の養成に</a:t>
             </a:r>
             <a:r>
-              <a:rPr lang="ja-JP" altLang="en-US" sz="2100" dirty="0"/>
+              <a:rPr lang="ja-JP" altLang="en-US" sz="2800" dirty="0"/>
               <a:t>，</a:t>
             </a:r>
-            <a:endParaRPr lang="en-US" altLang="ja-JP" sz="2100" dirty="0"/>
-          </a:p>
-          <a:p>
-            <a:r>
-              <a:rPr lang="ja-JP" altLang="ja-JP" sz="2100" dirty="0"/>
+            <a:endParaRPr lang="en-US" altLang="ja-JP" sz="2800" dirty="0"/>
+          </a:p>
+          <a:p>
+            <a:r>
+              <a:rPr lang="ja-JP" altLang="ja-JP" sz="2800" dirty="0"/>
               <a:t>円滑に移行できるような教育支援も考えていく必要がある</a:t>
             </a:r>
             <a:r>
-              <a:rPr lang="ja-JP" altLang="ja-JP" sz="2100" dirty="0" smtClean="0"/>
+              <a:rPr lang="ja-JP" altLang="ja-JP" sz="2800" dirty="0" smtClean="0"/>
               <a:t>．</a:t>
             </a:r>
-            <a:endParaRPr lang="ja-JP" altLang="ja-JP" sz="2100" dirty="0"/>
+            <a:endParaRPr lang="ja-JP" altLang="ja-JP" sz="2800" dirty="0"/>
           </a:p>
         </p:txBody>
       </p:sp>
@@ -10127,7 +10694,12 @@
             <p:ph idx="1"/>
           </p:nvPr>
         </p:nvSpPr>
-        <p:spPr/>
+        <p:spPr>
+          <a:xfrm>
+            <a:off x="628649" y="1825625"/>
+            <a:ext cx="8073561" cy="4351338"/>
+          </a:xfrm>
+        </p:spPr>
         <p:txBody>
           <a:bodyPr/>
           <a:lstStyle/>
@@ -10152,11 +10724,27 @@
           <a:p>
             <a:r>
               <a:rPr lang="ja-JP" altLang="ja-JP" dirty="0" smtClean="0"/>
-              <a:t>ブロックプログラミング</a:t>
+              <a:t>学習</a:t>
             </a:r>
             <a:r>
               <a:rPr lang="ja-JP" altLang="ja-JP" dirty="0"/>
-              <a:t>からコーディング学習のために適切に問題を生成可能であるかを難易度や出題基準の観点から評価することで提案システムの実現可能性を検証</a:t>
+              <a:t>のために適切に問題を生成可能であるか</a:t>
+            </a:r>
+            <a:r>
+              <a:rPr lang="ja-JP" altLang="ja-JP" dirty="0" smtClean="0"/>
+              <a:t>を難易度</a:t>
+            </a:r>
+            <a:r>
+              <a:rPr lang="ja-JP" altLang="ja-JP" dirty="0"/>
+              <a:t>や出題基準の観点から評価すること</a:t>
+            </a:r>
+            <a:r>
+              <a:rPr lang="ja-JP" altLang="ja-JP" dirty="0" smtClean="0"/>
+              <a:t>で提案</a:t>
+            </a:r>
+            <a:r>
+              <a:rPr lang="ja-JP" altLang="ja-JP" dirty="0"/>
+              <a:t>システムの実現可能性を検証</a:t>
             </a:r>
             <a:r>
               <a:rPr lang="ja-JP" altLang="ja-JP" dirty="0" smtClean="0"/>

--- a/1821121_shimaoka_thesis.pptx
+++ b/1821121_shimaoka_thesis.pptx
@@ -5,7 +5,7 @@
     <p:sldMasterId id="2147483660" r:id="rId1"/>
   </p:sldMasterIdLst>
   <p:notesMasterIdLst>
-    <p:notesMasterId r:id="rId17"/>
+    <p:notesMasterId r:id="rId16"/>
   </p:notesMasterIdLst>
   <p:sldIdLst>
     <p:sldId id="256" r:id="rId2"/>
@@ -14,15 +14,14 @@
     <p:sldId id="284" r:id="rId5"/>
     <p:sldId id="258" r:id="rId6"/>
     <p:sldId id="286" r:id="rId7"/>
-    <p:sldId id="291" r:id="rId8"/>
-    <p:sldId id="292" r:id="rId9"/>
-    <p:sldId id="267" r:id="rId10"/>
-    <p:sldId id="287" r:id="rId11"/>
-    <p:sldId id="288" r:id="rId12"/>
+    <p:sldId id="293" r:id="rId8"/>
+    <p:sldId id="291" r:id="rId9"/>
+    <p:sldId id="292" r:id="rId10"/>
+    <p:sldId id="267" r:id="rId11"/>
+    <p:sldId id="287" r:id="rId12"/>
     <p:sldId id="289" r:id="rId13"/>
     <p:sldId id="290" r:id="rId14"/>
     <p:sldId id="277" r:id="rId15"/>
-    <p:sldId id="278" r:id="rId16"/>
   </p:sldIdLst>
   <p:sldSz cx="9144000" cy="6858000" type="screen4x3"/>
   <p:notesSz cx="6858000" cy="9144000"/>
@@ -211,7 +210,7 @@
           <a:p>
             <a:fld id="{79CC8B41-A965-44F6-A054-64E872A50930}" type="datetimeFigureOut">
               <a:rPr kumimoji="1" lang="ja-JP" altLang="en-US" smtClean="0"/>
-              <a:t>2022/1/17</a:t>
+              <a:t>2022/1/19</a:t>
             </a:fld>
             <a:endParaRPr kumimoji="1" lang="ja-JP" altLang="en-US"/>
           </a:p>
@@ -1234,53 +1233,47 @@
           <a:lstStyle/>
           <a:p>
             <a:r>
-              <a:rPr lang="ja-JP" altLang="ja-JP" dirty="0" smtClean="0"/>
-              <a:t>同じ</a:t>
-            </a:r>
-            <a:r>
-              <a:rPr lang="ja-JP" altLang="ja-JP" dirty="0" smtClean="0"/>
-              <a:t>カテゴリーとは，繰り返し命令カテゴリーで</a:t>
-            </a:r>
-            <a:r>
-              <a:rPr lang="en-US" altLang="ja-JP" dirty="0" smtClean="0"/>
-              <a:t>[for, while, do]</a:t>
-            </a:r>
-            <a:r>
-              <a:rPr lang="ja-JP" altLang="ja-JP" dirty="0" smtClean="0"/>
-              <a:t>など同じようなタイミングで利用されるキーワードのこと</a:t>
-            </a:r>
-          </a:p>
-          <a:p>
-            <a:r>
-              <a:rPr lang="ja-JP" altLang="ja-JP" dirty="0" smtClean="0"/>
-              <a:t>異なるカテゴリーとは，本システムで利用可能な予約語と四則演算と不等号のすべてのことで，同一でないキーワードであればすべてが選択肢として利用される．</a:t>
-            </a:r>
-          </a:p>
-          <a:p>
+              <a:rPr kumimoji="1" lang="ja-JP" altLang="en-US" dirty="0" smtClean="0"/>
+              <a:t>基準３のための補足スライド</a:t>
+            </a:r>
             <a:endParaRPr kumimoji="1" lang="en-US" altLang="ja-JP" dirty="0" smtClean="0"/>
           </a:p>
           <a:p>
             <a:r>
               <a:rPr kumimoji="1" lang="ja-JP" altLang="en-US" dirty="0" smtClean="0"/>
-              <a:t>同じグループから選択肢を決定することで，構文の理解が浅い学習者が理解を深めるために利用できる</a:t>
+              <a:t>ブロックプログラミングを組み合わせる理由</a:t>
             </a:r>
             <a:endParaRPr kumimoji="1" lang="en-US" altLang="ja-JP" dirty="0" smtClean="0"/>
           </a:p>
           <a:p>
+            <a:endParaRPr kumimoji="1" lang="en-US" altLang="ja-JP" dirty="0" smtClean="0"/>
+          </a:p>
+          <a:p>
             <a:r>
               <a:rPr kumimoji="1" lang="ja-JP" altLang="en-US" dirty="0" smtClean="0"/>
-              <a:t>異なるグループから選択肢を決定することで，構文だけでなく、前後を理解して解答を選ぶ必要がある</a:t>
+              <a:t>・ブロックプログラミングを組み合わせることで、論理的思考力を鍛える</a:t>
             </a:r>
             <a:endParaRPr kumimoji="1" lang="en-US" altLang="ja-JP" dirty="0" smtClean="0"/>
           </a:p>
           <a:p>
             <a:r>
               <a:rPr kumimoji="1" lang="ja-JP" altLang="en-US" dirty="0" smtClean="0"/>
-              <a:t>この選択肢の決定方法と出題する穴あき個所の個数で学習者にあわせた難易度の調整を行う</a:t>
-            </a:r>
-            <a:endParaRPr kumimoji="1" lang="ja-JP" altLang="en-US" dirty="0" smtClean="0"/>
-          </a:p>
-          <a:p>
+              <a:t>　・ブロックプログラミングによって視覚的にプログラミングのアルゴリズムに触れられる</a:t>
+            </a:r>
+            <a:endParaRPr kumimoji="1" lang="en-US" altLang="ja-JP" dirty="0" smtClean="0"/>
+          </a:p>
+          <a:p>
+            <a:r>
+              <a:rPr kumimoji="1" lang="ja-JP" altLang="en-US" dirty="0" smtClean="0"/>
+              <a:t>　・ブロックプログラミングによって視覚的にプログラムのスコープがわかる</a:t>
+            </a:r>
+            <a:endParaRPr kumimoji="1" lang="en-US" altLang="ja-JP" dirty="0" smtClean="0"/>
+          </a:p>
+          <a:p>
+            <a:r>
+              <a:rPr kumimoji="1" lang="ja-JP" altLang="en-US" dirty="0" smtClean="0"/>
+              <a:t>・ブロックプログラミングによってその命令が何をしたいのかがわかる</a:t>
+            </a:r>
             <a:endParaRPr kumimoji="1" lang="ja-JP" altLang="en-US" dirty="0"/>
           </a:p>
         </p:txBody>
@@ -1311,7 +1304,7 @@
     </p:spTree>
     <p:extLst>
       <p:ext uri="{BB962C8B-B14F-4D97-AF65-F5344CB8AC3E}">
-        <p14:creationId xmlns:p14="http://schemas.microsoft.com/office/powerpoint/2010/main" val="3443017359"/>
+        <p14:creationId xmlns:p14="http://schemas.microsoft.com/office/powerpoint/2010/main" val="3329529960"/>
       </p:ext>
     </p:extLst>
   </p:cSld>
@@ -1367,138 +1360,45 @@
           <a:p>
             <a:r>
               <a:rPr lang="ja-JP" altLang="ja-JP" dirty="0" smtClean="0"/>
-              <a:t>学習者は，</a:t>
+              <a:t>同じカテゴリーとは，繰り返し命令カテゴリーで</a:t>
             </a:r>
             <a:r>
               <a:rPr lang="en-US" altLang="ja-JP" dirty="0" smtClean="0"/>
-              <a:t>UI</a:t>
+              <a:t>[for, while, do]</a:t>
             </a:r>
             <a:r>
               <a:rPr lang="ja-JP" altLang="ja-JP" dirty="0" smtClean="0"/>
-              <a:t>図に示される</a:t>
-            </a:r>
-            <a:r>
-              <a:rPr lang="en-US" altLang="ja-JP" dirty="0" smtClean="0"/>
-              <a:t>UI</a:t>
-            </a:r>
+              <a:t>など同じようなタイミングで利用されるキーワードのこと</a:t>
+            </a:r>
+          </a:p>
+          <a:p>
             <a:r>
               <a:rPr lang="ja-JP" altLang="ja-JP" dirty="0" smtClean="0"/>
-              <a:t>の提案システムに従って，以下のステップによって学習を行う．</a:t>
-            </a:r>
-          </a:p>
-          <a:p>
-            <a:endParaRPr lang="ja-JP" altLang="ja-JP" dirty="0" smtClean="0"/>
-          </a:p>
-          <a:p>
-            <a:r>
-              <a:rPr lang="en-US" altLang="ja-JP" dirty="0" smtClean="0"/>
-              <a:t>Step-1:</a:t>
-            </a:r>
-            <a:r>
-              <a:rPr lang="ja-JP" altLang="ja-JP" dirty="0" smtClean="0"/>
-              <a:t>問題ファイルを選択する．</a:t>
-            </a:r>
-          </a:p>
-          <a:p>
-            <a:r>
-              <a:rPr lang="en-US" altLang="ja-JP" dirty="0" smtClean="0"/>
-              <a:t>Step-2:</a:t>
-            </a:r>
-            <a:r>
-              <a:rPr lang="ja-JP" altLang="ja-JP" dirty="0" smtClean="0"/>
-              <a:t>問題文を確認する．</a:t>
-            </a:r>
-          </a:p>
-          <a:p>
-            <a:r>
-              <a:rPr lang="en-US" altLang="ja-JP" dirty="0" smtClean="0"/>
-              <a:t>Step-3:</a:t>
-            </a:r>
-            <a:r>
-              <a:rPr lang="ja-JP" altLang="ja-JP" dirty="0" smtClean="0"/>
-              <a:t>ブロックプログラミングで論理的思考力を養う</a:t>
-            </a:r>
-          </a:p>
-          <a:p>
-            <a:r>
-              <a:rPr lang="en-US" altLang="ja-JP" dirty="0" smtClean="0"/>
-              <a:t>Step-4:</a:t>
-            </a:r>
-            <a:r>
-              <a:rPr lang="ja-JP" altLang="ja-JP" dirty="0" smtClean="0"/>
-              <a:t>コーディング力を養うために，生成された穴埋め選択問題を解答する．</a:t>
-            </a:r>
-          </a:p>
-          <a:p>
-            <a:r>
-              <a:rPr lang="en-US" altLang="ja-JP" dirty="0" smtClean="0"/>
-              <a:t>Step-5:</a:t>
-            </a:r>
-            <a:r>
-              <a:rPr lang="ja-JP" altLang="ja-JP" dirty="0" smtClean="0"/>
-              <a:t>選択した解答からソースコードの実行結果を確認する． </a:t>
-            </a:r>
-          </a:p>
-          <a:p>
-            <a:r>
-              <a:rPr lang="en-US" altLang="ja-JP" dirty="0" smtClean="0"/>
-              <a:t>Step-6:</a:t>
-            </a:r>
-            <a:r>
-              <a:rPr lang="ja-JP" altLang="ja-JP" dirty="0" smtClean="0"/>
-              <a:t>採点を行う．</a:t>
-            </a:r>
-          </a:p>
-          <a:p>
-            <a:r>
-              <a:rPr lang="en-US" altLang="ja-JP" dirty="0" smtClean="0"/>
-              <a:t>Step-6:</a:t>
-            </a:r>
-            <a:r>
-              <a:rPr lang="ja-JP" altLang="ja-JP" dirty="0" smtClean="0"/>
-              <a:t>繰り返し問題を解く場合は，難易度ごとの自動生成をもう一度行い，</a:t>
-            </a:r>
-            <a:r>
-              <a:rPr lang="en-US" altLang="ja-JP" dirty="0" smtClean="0"/>
-              <a:t>Step-2</a:t>
-            </a:r>
-            <a:r>
-              <a:rPr lang="ja-JP" altLang="ja-JP" dirty="0" smtClean="0"/>
-              <a:t>に戻る．</a:t>
-            </a:r>
-          </a:p>
-          <a:p>
-            <a:r>
-              <a:rPr lang="en-US" altLang="ja-JP" dirty="0" smtClean="0"/>
-              <a:t>Step-7:</a:t>
-            </a:r>
-            <a:r>
-              <a:rPr lang="ja-JP" altLang="ja-JP" dirty="0" smtClean="0"/>
-              <a:t>正答率が上昇した場合には，</a:t>
-            </a:r>
-            <a:r>
-              <a:rPr lang="en-US" altLang="ja-JP" dirty="0" smtClean="0"/>
-              <a:t>Step-1:</a:t>
-            </a:r>
-            <a:r>
-              <a:rPr lang="ja-JP" altLang="ja-JP" dirty="0" smtClean="0"/>
-              <a:t>に戻る．</a:t>
-            </a:r>
-          </a:p>
-          <a:p>
-            <a:pPr lvl="1"/>
-            <a:r>
-              <a:rPr lang="en-US" altLang="ja-JP" b="1" dirty="0" smtClean="0"/>
-              <a:t/>
-            </a:r>
-            <a:br>
-              <a:rPr lang="en-US" altLang="ja-JP" b="1" dirty="0" smtClean="0"/>
-            </a:br>
-            <a:r>
-              <a:rPr lang="en-US" altLang="ja-JP" b="1" dirty="0" smtClean="0"/>
-              <a:t> </a:t>
-            </a:r>
-            <a:endParaRPr lang="ja-JP" altLang="ja-JP" b="1" dirty="0" smtClean="0"/>
+              <a:t>異なるカテゴリーとは，本システムで利用可能な予約語と四則演算と不等号のすべてのことで，同一でないキーワードであればすべてが選択肢として利用される．</a:t>
+            </a:r>
+          </a:p>
+          <a:p>
+            <a:endParaRPr kumimoji="1" lang="en-US" altLang="ja-JP" dirty="0" smtClean="0"/>
+          </a:p>
+          <a:p>
+            <a:r>
+              <a:rPr kumimoji="1" lang="ja-JP" altLang="en-US" dirty="0" smtClean="0"/>
+              <a:t>同じグループから選択肢を決定することで，構文の理解が浅い学習者が理解を深めるために利用できる</a:t>
+            </a:r>
+            <a:endParaRPr kumimoji="1" lang="en-US" altLang="ja-JP" dirty="0" smtClean="0"/>
+          </a:p>
+          <a:p>
+            <a:r>
+              <a:rPr kumimoji="1" lang="ja-JP" altLang="en-US" dirty="0" smtClean="0"/>
+              <a:t>異なるグループから選択肢を決定することで，構文だけでなく、前後を理解して解答を選ぶ必要がある</a:t>
+            </a:r>
+            <a:endParaRPr kumimoji="1" lang="en-US" altLang="ja-JP" dirty="0" smtClean="0"/>
+          </a:p>
+          <a:p>
+            <a:r>
+              <a:rPr kumimoji="1" lang="ja-JP" altLang="en-US" dirty="0" smtClean="0"/>
+              <a:t>この選択肢の決定方法と出題する穴あき個所の個数で学習者にあわせた難易度の調整を行う</a:t>
+            </a:r>
           </a:p>
           <a:p>
             <a:endParaRPr kumimoji="1" lang="ja-JP" altLang="en-US" dirty="0"/>
@@ -1531,7 +1431,7 @@
     </p:spTree>
     <p:extLst>
       <p:ext uri="{BB962C8B-B14F-4D97-AF65-F5344CB8AC3E}">
-        <p14:creationId xmlns:p14="http://schemas.microsoft.com/office/powerpoint/2010/main" val="62180802"/>
+        <p14:creationId xmlns:p14="http://schemas.microsoft.com/office/powerpoint/2010/main" val="3443017359"/>
       </p:ext>
     </p:extLst>
   </p:cSld>
@@ -1568,12 +1468,7 @@
             <p:ph type="sldImg"/>
           </p:nvPr>
         </p:nvSpPr>
-        <p:spPr>
-          <a:xfrm>
-            <a:off x="1371600" y="1143000"/>
-            <a:ext cx="4114800" cy="3086100"/>
-          </a:xfrm>
-        </p:spPr>
+        <p:spPr/>
       </p:sp>
       <p:sp>
         <p:nvSpPr>
@@ -1590,247 +1485,154 @@
           <a:bodyPr/>
           <a:lstStyle/>
           <a:p>
-            <a:pPr rtl="0" eaLnBrk="1" fontAlgn="t" latinLnBrk="0" hangingPunct="1"/>
-            <a:r>
-              <a:rPr kumimoji="1" lang="ja-JP" altLang="ja-JP" sz="1200" b="0" i="0" u="none" strike="noStrike" kern="1200" dirty="0" smtClean="0">
-                <a:solidFill>
-                  <a:schemeClr val="tx1"/>
-                </a:solidFill>
-                <a:effectLst/>
-                <a:latin typeface="+mn-lt"/>
-                <a:ea typeface="+mn-ea"/>
-                <a:cs typeface="+mn-cs"/>
-              </a:rPr>
-              <a:t>１</a:t>
-            </a:r>
-            <a:r>
-              <a:rPr kumimoji="1" lang="en-US" altLang="ja-JP" sz="1200" b="0" i="0" u="none" strike="noStrike" kern="1200" dirty="0" smtClean="0">
-                <a:solidFill>
-                  <a:schemeClr val="tx1"/>
-                </a:solidFill>
-                <a:effectLst/>
-                <a:latin typeface="+mn-lt"/>
-                <a:ea typeface="+mn-ea"/>
-                <a:cs typeface="+mn-cs"/>
-              </a:rPr>
-              <a:t>:</a:t>
-            </a:r>
-            <a:r>
-              <a:rPr kumimoji="1" lang="ja-JP" altLang="ja-JP" sz="1200" b="0" i="0" u="none" strike="noStrike" kern="1200" dirty="0" smtClean="0">
-                <a:solidFill>
-                  <a:schemeClr val="tx1"/>
-                </a:solidFill>
-                <a:effectLst/>
-                <a:latin typeface="+mn-lt"/>
-                <a:ea typeface="+mn-ea"/>
-                <a:cs typeface="+mn-cs"/>
-              </a:rPr>
-              <a:t>正解となる解答が選択肢に入っている．</a:t>
-            </a:r>
-          </a:p>
-          <a:p>
-            <a:pPr rtl="0" eaLnBrk="1" fontAlgn="t" latinLnBrk="0" hangingPunct="1"/>
-            <a:r>
-              <a:rPr kumimoji="1" lang="ja-JP" altLang="ja-JP" sz="1200" b="0" i="0" u="none" strike="noStrike" kern="1200" dirty="0" smtClean="0">
-                <a:solidFill>
-                  <a:schemeClr val="tx1"/>
-                </a:solidFill>
-                <a:effectLst/>
-                <a:latin typeface="+mn-lt"/>
-                <a:ea typeface="+mn-ea"/>
-                <a:cs typeface="+mn-cs"/>
-              </a:rPr>
-              <a:t>２</a:t>
-            </a:r>
-            <a:r>
-              <a:rPr kumimoji="1" lang="en-US" altLang="ja-JP" sz="1200" b="0" i="0" u="none" strike="noStrike" kern="1200" dirty="0" smtClean="0">
-                <a:solidFill>
-                  <a:schemeClr val="tx1"/>
-                </a:solidFill>
-                <a:effectLst/>
-                <a:latin typeface="+mn-lt"/>
-                <a:ea typeface="+mn-ea"/>
-                <a:cs typeface="+mn-cs"/>
-              </a:rPr>
-              <a:t>:</a:t>
-            </a:r>
-            <a:r>
-              <a:rPr kumimoji="1" lang="ja-JP" altLang="ja-JP" sz="1200" b="0" i="0" u="none" strike="noStrike" kern="1200" dirty="0" smtClean="0">
-                <a:solidFill>
-                  <a:schemeClr val="tx1"/>
-                </a:solidFill>
-                <a:effectLst/>
-                <a:latin typeface="+mn-lt"/>
-                <a:ea typeface="+mn-ea"/>
-                <a:cs typeface="+mn-cs"/>
-              </a:rPr>
-              <a:t>設問内で選択肢が複数かぶっていない．</a:t>
-            </a:r>
-          </a:p>
-          <a:p>
-            <a:pPr rtl="0" eaLnBrk="1" fontAlgn="t" latinLnBrk="0" hangingPunct="1"/>
-            <a:r>
-              <a:rPr kumimoji="1" lang="ja-JP" altLang="ja-JP" sz="1200" b="0" i="0" u="none" strike="noStrike" kern="1200" dirty="0" smtClean="0">
-                <a:solidFill>
-                  <a:schemeClr val="tx1"/>
-                </a:solidFill>
-                <a:effectLst/>
-                <a:latin typeface="+mn-lt"/>
-                <a:ea typeface="+mn-ea"/>
-                <a:cs typeface="+mn-cs"/>
-              </a:rPr>
-              <a:t>３</a:t>
-            </a:r>
-            <a:r>
-              <a:rPr kumimoji="1" lang="en-US" altLang="ja-JP" sz="1200" b="0" i="0" u="none" strike="noStrike" kern="1200" dirty="0" smtClean="0">
-                <a:solidFill>
-                  <a:schemeClr val="tx1"/>
-                </a:solidFill>
-                <a:effectLst/>
-                <a:latin typeface="+mn-lt"/>
-                <a:ea typeface="+mn-ea"/>
-                <a:cs typeface="+mn-cs"/>
-              </a:rPr>
-              <a:t>:</a:t>
-            </a:r>
-            <a:r>
-              <a:rPr kumimoji="1" lang="ja-JP" altLang="ja-JP" sz="1200" b="0" i="0" u="none" strike="noStrike" kern="1200" dirty="0" smtClean="0">
-                <a:solidFill>
-                  <a:schemeClr val="tx1"/>
-                </a:solidFill>
-                <a:effectLst/>
-                <a:latin typeface="+mn-lt"/>
-                <a:ea typeface="+mn-ea"/>
-                <a:cs typeface="+mn-cs"/>
-              </a:rPr>
-              <a:t>ブロックプログラミングより解答が推測できる．</a:t>
-            </a:r>
-          </a:p>
-          <a:p>
-            <a:pPr rtl="0" eaLnBrk="1" fontAlgn="t" latinLnBrk="0" hangingPunct="1"/>
-            <a:r>
-              <a:rPr kumimoji="1" lang="ja-JP" altLang="ja-JP" sz="1200" b="0" i="0" u="none" strike="noStrike" kern="1200" dirty="0" smtClean="0">
-                <a:solidFill>
-                  <a:schemeClr val="tx1"/>
-                </a:solidFill>
-                <a:effectLst/>
-                <a:latin typeface="+mn-lt"/>
-                <a:ea typeface="+mn-ea"/>
-                <a:cs typeface="+mn-cs"/>
-              </a:rPr>
-              <a:t>４</a:t>
-            </a:r>
-            <a:r>
-              <a:rPr kumimoji="1" lang="en-US" altLang="ja-JP" sz="1200" b="0" i="0" u="none" strike="noStrike" kern="1200" dirty="0" smtClean="0">
-                <a:solidFill>
-                  <a:schemeClr val="tx1"/>
-                </a:solidFill>
-                <a:effectLst/>
-                <a:latin typeface="+mn-lt"/>
-                <a:ea typeface="+mn-ea"/>
-                <a:cs typeface="+mn-cs"/>
-              </a:rPr>
-              <a:t>:</a:t>
-            </a:r>
-            <a:r>
-              <a:rPr kumimoji="1" lang="ja-JP" altLang="ja-JP" sz="1200" b="0" i="0" u="none" strike="noStrike" kern="1200" dirty="0" smtClean="0">
-                <a:solidFill>
-                  <a:schemeClr val="tx1"/>
-                </a:solidFill>
-                <a:effectLst/>
-                <a:latin typeface="+mn-lt"/>
-                <a:ea typeface="+mn-ea"/>
-                <a:cs typeface="+mn-cs"/>
-              </a:rPr>
-              <a:t>出題内容の種類</a:t>
-            </a:r>
-            <a:r>
-              <a:rPr kumimoji="1" lang="en-US" altLang="ja-JP" sz="1200" b="0" i="0" u="none" strike="noStrike" kern="1200" dirty="0" smtClean="0">
-                <a:solidFill>
-                  <a:schemeClr val="tx1"/>
-                </a:solidFill>
-                <a:effectLst/>
-                <a:latin typeface="+mn-lt"/>
-                <a:ea typeface="+mn-ea"/>
-                <a:cs typeface="+mn-cs"/>
-              </a:rPr>
-              <a:t>(</a:t>
-            </a:r>
-            <a:r>
-              <a:rPr kumimoji="1" lang="ja-JP" altLang="en-US" sz="1200" b="0" i="0" u="none" strike="noStrike" kern="1200" dirty="0" smtClean="0">
-                <a:solidFill>
-                  <a:schemeClr val="tx1"/>
-                </a:solidFill>
-                <a:effectLst/>
-                <a:latin typeface="+mn-lt"/>
-                <a:ea typeface="+mn-ea"/>
-                <a:cs typeface="+mn-cs"/>
-              </a:rPr>
-              <a:t>分散</a:t>
-            </a:r>
-            <a:r>
-              <a:rPr kumimoji="1" lang="en-US" altLang="ja-JP" sz="1200" b="0" i="0" u="none" strike="noStrike" kern="1200" dirty="0" smtClean="0">
-                <a:solidFill>
-                  <a:schemeClr val="tx1"/>
-                </a:solidFill>
-                <a:effectLst/>
-                <a:latin typeface="+mn-lt"/>
-                <a:ea typeface="+mn-ea"/>
-                <a:cs typeface="+mn-cs"/>
-              </a:rPr>
-              <a:t>)</a:t>
-            </a:r>
-            <a:endParaRPr kumimoji="1" lang="ja-JP" altLang="ja-JP" sz="1200" b="0" i="0" u="none" strike="noStrike" kern="1200" dirty="0" smtClean="0">
-              <a:solidFill>
-                <a:schemeClr val="tx1"/>
-              </a:solidFill>
-              <a:effectLst/>
-              <a:latin typeface="+mn-lt"/>
-              <a:ea typeface="+mn-ea"/>
-              <a:cs typeface="+mn-cs"/>
-            </a:endParaRPr>
-          </a:p>
-          <a:p>
-            <a:pPr rtl="0" eaLnBrk="1" fontAlgn="t" latinLnBrk="0" hangingPunct="1"/>
-            <a:r>
-              <a:rPr kumimoji="1" lang="ja-JP" altLang="ja-JP" sz="1200" b="0" i="0" u="none" strike="noStrike" kern="1200" dirty="0" smtClean="0">
-                <a:solidFill>
-                  <a:schemeClr val="tx1"/>
-                </a:solidFill>
-                <a:effectLst/>
-                <a:latin typeface="+mn-lt"/>
-                <a:ea typeface="+mn-ea"/>
-                <a:cs typeface="+mn-cs"/>
-              </a:rPr>
-              <a:t>５</a:t>
-            </a:r>
-            <a:r>
-              <a:rPr kumimoji="1" lang="en-US" altLang="ja-JP" sz="1200" b="0" i="0" u="none" strike="noStrike" kern="1200" dirty="0" smtClean="0">
-                <a:solidFill>
-                  <a:schemeClr val="tx1"/>
-                </a:solidFill>
-                <a:effectLst/>
-                <a:latin typeface="+mn-lt"/>
-                <a:ea typeface="+mn-ea"/>
-                <a:cs typeface="+mn-cs"/>
-              </a:rPr>
-              <a:t>:</a:t>
-            </a:r>
-            <a:r>
-              <a:rPr kumimoji="1" lang="ja-JP" altLang="ja-JP" sz="1200" b="0" i="0" u="none" strike="noStrike" kern="1200" dirty="0" smtClean="0">
-                <a:solidFill>
-                  <a:schemeClr val="tx1"/>
-                </a:solidFill>
-                <a:effectLst/>
-                <a:latin typeface="+mn-lt"/>
-                <a:ea typeface="+mn-ea"/>
-                <a:cs typeface="+mn-cs"/>
-              </a:rPr>
-              <a:t>選択肢のみから正解が推測できない． </a:t>
-            </a:r>
-          </a:p>
-          <a:p>
-            <a:endParaRPr kumimoji="1" lang="en-US" altLang="ja-JP" dirty="0" smtClean="0"/>
+            <a:r>
+              <a:rPr lang="ja-JP" altLang="ja-JP" dirty="0" smtClean="0"/>
+              <a:t>学習者は，</a:t>
+            </a:r>
+            <a:r>
+              <a:rPr lang="en-US" altLang="ja-JP" dirty="0" smtClean="0"/>
+              <a:t>UI</a:t>
+            </a:r>
+            <a:r>
+              <a:rPr lang="ja-JP" altLang="ja-JP" dirty="0" smtClean="0"/>
+              <a:t>図に示される</a:t>
+            </a:r>
+            <a:r>
+              <a:rPr lang="en-US" altLang="ja-JP" dirty="0" smtClean="0"/>
+              <a:t>UI</a:t>
+            </a:r>
+            <a:r>
+              <a:rPr lang="ja-JP" altLang="ja-JP" dirty="0" smtClean="0"/>
+              <a:t>の提案システムに従って，以下のステップによって学習を行う．</a:t>
+            </a:r>
+          </a:p>
+          <a:p>
+            <a:endParaRPr lang="ja-JP" altLang="ja-JP" dirty="0" smtClean="0"/>
+          </a:p>
+          <a:p>
+            <a:r>
+              <a:rPr lang="en-US" altLang="ja-JP" dirty="0" smtClean="0"/>
+              <a:t>Step-1:</a:t>
+            </a:r>
+            <a:r>
+              <a:rPr lang="ja-JP" altLang="ja-JP" dirty="0" smtClean="0"/>
+              <a:t>問題ファイルを選択する．</a:t>
+            </a:r>
+          </a:p>
+          <a:p>
+            <a:r>
+              <a:rPr lang="en-US" altLang="ja-JP" dirty="0" smtClean="0"/>
+              <a:t>Step-2:</a:t>
+            </a:r>
+            <a:r>
+              <a:rPr lang="ja-JP" altLang="ja-JP" dirty="0" smtClean="0"/>
+              <a:t>問題文を確認する．</a:t>
+            </a:r>
+          </a:p>
+          <a:p>
+            <a:r>
+              <a:rPr lang="en-US" altLang="ja-JP" dirty="0" smtClean="0"/>
+              <a:t>Step-3:</a:t>
+            </a:r>
+            <a:r>
+              <a:rPr lang="ja-JP" altLang="ja-JP" dirty="0" smtClean="0"/>
+              <a:t>ブロックプログラミングで論理的思考力を養う</a:t>
+            </a:r>
+          </a:p>
+          <a:p>
+            <a:r>
+              <a:rPr lang="en-US" altLang="ja-JP" dirty="0" smtClean="0"/>
+              <a:t>Step-4:</a:t>
+            </a:r>
+            <a:r>
+              <a:rPr lang="ja-JP" altLang="ja-JP" dirty="0" smtClean="0"/>
+              <a:t>コーディング力を養うために，生成された穴埋め選択問題を解答する．</a:t>
+            </a:r>
+          </a:p>
+          <a:p>
+            <a:r>
+              <a:rPr lang="en-US" altLang="ja-JP" dirty="0" smtClean="0"/>
+              <a:t>Step-5:</a:t>
+            </a:r>
+            <a:r>
+              <a:rPr lang="ja-JP" altLang="ja-JP" dirty="0" smtClean="0"/>
+              <a:t>選択した解答からソースコードの実行結果を確認する． </a:t>
+            </a:r>
+          </a:p>
+          <a:p>
+            <a:r>
+              <a:rPr lang="en-US" altLang="ja-JP" dirty="0" smtClean="0"/>
+              <a:t>Step-6:</a:t>
+            </a:r>
+            <a:r>
+              <a:rPr lang="ja-JP" altLang="ja-JP" dirty="0" smtClean="0"/>
+              <a:t>採点を行う．</a:t>
+            </a:r>
+          </a:p>
+          <a:p>
+            <a:r>
+              <a:rPr lang="en-US" altLang="ja-JP" dirty="0" smtClean="0"/>
+              <a:t>Step-6:</a:t>
+            </a:r>
+            <a:r>
+              <a:rPr lang="ja-JP" altLang="ja-JP" dirty="0" smtClean="0"/>
+              <a:t>繰り返し問題を解く場合は，難易度ごとの自動生成をもう一度行い，</a:t>
+            </a:r>
+            <a:r>
+              <a:rPr lang="en-US" altLang="ja-JP" dirty="0" smtClean="0"/>
+              <a:t>Step-2</a:t>
+            </a:r>
+            <a:r>
+              <a:rPr lang="ja-JP" altLang="ja-JP" dirty="0" smtClean="0"/>
+              <a:t>に戻る．</a:t>
+            </a:r>
+          </a:p>
+          <a:p>
+            <a:r>
+              <a:rPr lang="en-US" altLang="ja-JP" dirty="0" smtClean="0"/>
+              <a:t>Step-7:</a:t>
+            </a:r>
+            <a:r>
+              <a:rPr lang="ja-JP" altLang="ja-JP" dirty="0" smtClean="0"/>
+              <a:t>正答率が上昇した場合には，</a:t>
+            </a:r>
+            <a:r>
+              <a:rPr lang="en-US" altLang="ja-JP" dirty="0" smtClean="0"/>
+              <a:t>Step-1:</a:t>
+            </a:r>
+            <a:r>
+              <a:rPr lang="ja-JP" altLang="ja-JP" dirty="0" smtClean="0"/>
+              <a:t>に戻る．</a:t>
+            </a:r>
+            <a:endParaRPr lang="en-US" altLang="ja-JP" dirty="0" smtClean="0"/>
+          </a:p>
+          <a:p>
+            <a:endParaRPr lang="en-US" altLang="ja-JP" dirty="0" smtClean="0"/>
+          </a:p>
+          <a:p>
+            <a:r>
+              <a:rPr lang="ja-JP" altLang="en-US" dirty="0" smtClean="0"/>
+              <a:t>ブロックプログラミングと組み合わせることにより、</a:t>
+            </a:r>
+            <a:endParaRPr lang="ja-JP" altLang="ja-JP" dirty="0" smtClean="0"/>
+          </a:p>
+          <a:p>
+            <a:pPr lvl="1"/>
+            <a:r>
+              <a:rPr lang="en-US" altLang="ja-JP" b="1" dirty="0" smtClean="0"/>
+              <a:t/>
+            </a:r>
+            <a:br>
+              <a:rPr lang="en-US" altLang="ja-JP" b="1" dirty="0" smtClean="0"/>
+            </a:br>
+            <a:r>
+              <a:rPr lang="en-US" altLang="ja-JP" b="1" dirty="0" smtClean="0"/>
+              <a:t> </a:t>
+            </a:r>
+            <a:endParaRPr lang="ja-JP" altLang="ja-JP" b="1" dirty="0" smtClean="0"/>
+          </a:p>
+          <a:p>
+            <a:endParaRPr kumimoji="1" lang="ja-JP" altLang="en-US" dirty="0"/>
           </a:p>
         </p:txBody>
       </p:sp>
@@ -1851,7 +1653,7 @@
           <a:p>
             <a:fld id="{82E76DF2-3CDE-4C1E-88A3-A0AA4B439AA4}" type="slidenum">
               <a:rPr kumimoji="1" lang="ja-JP" altLang="en-US" smtClean="0"/>
-              <a:t>10</a:t>
+              <a:t>9</a:t>
             </a:fld>
             <a:endParaRPr kumimoji="1" lang="ja-JP" altLang="en-US"/>
           </a:p>
@@ -1860,7 +1662,7 @@
     </p:spTree>
     <p:extLst>
       <p:ext uri="{BB962C8B-B14F-4D97-AF65-F5344CB8AC3E}">
-        <p14:creationId xmlns:p14="http://schemas.microsoft.com/office/powerpoint/2010/main" val="3570327677"/>
+        <p14:creationId xmlns:p14="http://schemas.microsoft.com/office/powerpoint/2010/main" val="62180802"/>
       </p:ext>
     </p:extLst>
   </p:cSld>
@@ -1919,243 +1721,30 @@
           <a:bodyPr/>
           <a:lstStyle/>
           <a:p>
-            <a:pPr rtl="0" eaLnBrk="1" fontAlgn="t" latinLnBrk="0" hangingPunct="1"/>
-            <a:r>
-              <a:rPr kumimoji="1" lang="ja-JP" altLang="ja-JP" sz="1200" b="0" i="0" u="none" strike="noStrike" kern="1200" dirty="0" smtClean="0">
-                <a:solidFill>
-                  <a:schemeClr val="tx1"/>
-                </a:solidFill>
-                <a:effectLst/>
-                <a:latin typeface="+mn-lt"/>
-                <a:ea typeface="+mn-ea"/>
-                <a:cs typeface="+mn-cs"/>
-              </a:rPr>
-              <a:t>１</a:t>
-            </a:r>
-            <a:r>
-              <a:rPr kumimoji="1" lang="en-US" altLang="ja-JP" sz="1200" b="0" i="0" u="none" strike="noStrike" kern="1200" dirty="0" smtClean="0">
-                <a:solidFill>
-                  <a:schemeClr val="tx1"/>
-                </a:solidFill>
-                <a:effectLst/>
-                <a:latin typeface="+mn-lt"/>
-                <a:ea typeface="+mn-ea"/>
-                <a:cs typeface="+mn-cs"/>
-              </a:rPr>
-              <a:t>:</a:t>
-            </a:r>
-            <a:r>
-              <a:rPr kumimoji="1" lang="ja-JP" altLang="ja-JP" sz="1200" b="0" i="0" u="none" strike="noStrike" kern="1200" dirty="0" smtClean="0">
-                <a:solidFill>
-                  <a:schemeClr val="tx1"/>
-                </a:solidFill>
-                <a:effectLst/>
-                <a:latin typeface="+mn-lt"/>
-                <a:ea typeface="+mn-ea"/>
-                <a:cs typeface="+mn-cs"/>
-              </a:rPr>
-              <a:t>正解となる解答が選択肢に入っている．</a:t>
-            </a:r>
-          </a:p>
-          <a:p>
-            <a:pPr rtl="0" eaLnBrk="1" fontAlgn="t" latinLnBrk="0" hangingPunct="1"/>
-            <a:r>
-              <a:rPr kumimoji="1" lang="ja-JP" altLang="ja-JP" sz="1200" b="0" i="0" u="none" strike="noStrike" kern="1200" dirty="0" smtClean="0">
-                <a:solidFill>
-                  <a:schemeClr val="tx1"/>
-                </a:solidFill>
-                <a:effectLst/>
-                <a:latin typeface="+mn-lt"/>
-                <a:ea typeface="+mn-ea"/>
-                <a:cs typeface="+mn-cs"/>
-              </a:rPr>
-              <a:t>２</a:t>
-            </a:r>
-            <a:r>
-              <a:rPr kumimoji="1" lang="en-US" altLang="ja-JP" sz="1200" b="0" i="0" u="none" strike="noStrike" kern="1200" dirty="0" smtClean="0">
-                <a:solidFill>
-                  <a:schemeClr val="tx1"/>
-                </a:solidFill>
-                <a:effectLst/>
-                <a:latin typeface="+mn-lt"/>
-                <a:ea typeface="+mn-ea"/>
-                <a:cs typeface="+mn-cs"/>
-              </a:rPr>
-              <a:t>:</a:t>
-            </a:r>
-            <a:r>
-              <a:rPr kumimoji="1" lang="ja-JP" altLang="ja-JP" sz="1200" b="0" i="0" u="none" strike="noStrike" kern="1200" dirty="0" smtClean="0">
-                <a:solidFill>
-                  <a:schemeClr val="tx1"/>
-                </a:solidFill>
-                <a:effectLst/>
-                <a:latin typeface="+mn-lt"/>
-                <a:ea typeface="+mn-ea"/>
-                <a:cs typeface="+mn-cs"/>
-              </a:rPr>
-              <a:t>設問内で選択肢が複数かぶっていない．</a:t>
-            </a:r>
-          </a:p>
-          <a:p>
-            <a:pPr rtl="0" eaLnBrk="1" fontAlgn="t" latinLnBrk="0" hangingPunct="1"/>
-            <a:r>
-              <a:rPr kumimoji="1" lang="ja-JP" altLang="ja-JP" sz="1200" b="0" i="0" u="none" strike="noStrike" kern="1200" dirty="0" smtClean="0">
-                <a:solidFill>
-                  <a:schemeClr val="tx1"/>
-                </a:solidFill>
-                <a:effectLst/>
-                <a:latin typeface="+mn-lt"/>
-                <a:ea typeface="+mn-ea"/>
-                <a:cs typeface="+mn-cs"/>
-              </a:rPr>
-              <a:t>３</a:t>
-            </a:r>
-            <a:r>
-              <a:rPr kumimoji="1" lang="en-US" altLang="ja-JP" sz="1200" b="0" i="0" u="none" strike="noStrike" kern="1200" dirty="0" smtClean="0">
-                <a:solidFill>
-                  <a:schemeClr val="tx1"/>
-                </a:solidFill>
-                <a:effectLst/>
-                <a:latin typeface="+mn-lt"/>
-                <a:ea typeface="+mn-ea"/>
-                <a:cs typeface="+mn-cs"/>
-              </a:rPr>
-              <a:t>:</a:t>
-            </a:r>
-            <a:r>
-              <a:rPr kumimoji="1" lang="ja-JP" altLang="ja-JP" sz="1200" b="0" i="0" u="none" strike="noStrike" kern="1200" dirty="0" smtClean="0">
-                <a:solidFill>
-                  <a:schemeClr val="tx1"/>
-                </a:solidFill>
-                <a:effectLst/>
-                <a:latin typeface="+mn-lt"/>
-                <a:ea typeface="+mn-ea"/>
-                <a:cs typeface="+mn-cs"/>
-              </a:rPr>
-              <a:t>ブロックプログラミングより解答が推測できる．</a:t>
-            </a:r>
-          </a:p>
-          <a:p>
-            <a:pPr rtl="0" eaLnBrk="1" fontAlgn="t" latinLnBrk="0" hangingPunct="1"/>
-            <a:r>
-              <a:rPr kumimoji="1" lang="ja-JP" altLang="ja-JP" sz="1200" b="0" i="0" u="none" strike="noStrike" kern="1200" dirty="0" smtClean="0">
-                <a:solidFill>
-                  <a:schemeClr val="tx1"/>
-                </a:solidFill>
-                <a:effectLst/>
-                <a:latin typeface="+mn-lt"/>
-                <a:ea typeface="+mn-ea"/>
-                <a:cs typeface="+mn-cs"/>
-              </a:rPr>
-              <a:t>４</a:t>
-            </a:r>
-            <a:r>
-              <a:rPr kumimoji="1" lang="en-US" altLang="ja-JP" sz="1200" b="0" i="0" u="none" strike="noStrike" kern="1200" dirty="0" smtClean="0">
-                <a:solidFill>
-                  <a:schemeClr val="tx1"/>
-                </a:solidFill>
-                <a:effectLst/>
-                <a:latin typeface="+mn-lt"/>
-                <a:ea typeface="+mn-ea"/>
-                <a:cs typeface="+mn-cs"/>
-              </a:rPr>
-              <a:t>:</a:t>
-            </a:r>
-            <a:r>
-              <a:rPr kumimoji="1" lang="ja-JP" altLang="ja-JP" sz="1200" b="0" i="0" u="none" strike="noStrike" kern="1200" dirty="0" smtClean="0">
-                <a:solidFill>
-                  <a:schemeClr val="tx1"/>
-                </a:solidFill>
-                <a:effectLst/>
-                <a:latin typeface="+mn-lt"/>
-                <a:ea typeface="+mn-ea"/>
-                <a:cs typeface="+mn-cs"/>
-              </a:rPr>
-              <a:t>出題内容の種類</a:t>
-            </a:r>
-            <a:r>
-              <a:rPr kumimoji="1" lang="en-US" altLang="ja-JP" sz="1200" b="0" i="0" u="none" strike="noStrike" kern="1200" dirty="0" smtClean="0">
-                <a:solidFill>
-                  <a:schemeClr val="tx1"/>
-                </a:solidFill>
-                <a:effectLst/>
-                <a:latin typeface="+mn-lt"/>
-                <a:ea typeface="+mn-ea"/>
-                <a:cs typeface="+mn-cs"/>
-              </a:rPr>
-              <a:t>(</a:t>
-            </a:r>
-            <a:r>
-              <a:rPr kumimoji="1" lang="ja-JP" altLang="en-US" sz="1200" b="0" i="0" u="none" strike="noStrike" kern="1200" dirty="0" smtClean="0">
-                <a:solidFill>
-                  <a:schemeClr val="tx1"/>
-                </a:solidFill>
-                <a:effectLst/>
-                <a:latin typeface="+mn-lt"/>
-                <a:ea typeface="+mn-ea"/>
-                <a:cs typeface="+mn-cs"/>
-              </a:rPr>
-              <a:t>分散</a:t>
-            </a:r>
-            <a:r>
-              <a:rPr kumimoji="1" lang="en-US" altLang="ja-JP" sz="1200" b="0" i="0" u="none" strike="noStrike" kern="1200" dirty="0" smtClean="0">
-                <a:solidFill>
-                  <a:schemeClr val="tx1"/>
-                </a:solidFill>
-                <a:effectLst/>
-                <a:latin typeface="+mn-lt"/>
-                <a:ea typeface="+mn-ea"/>
-                <a:cs typeface="+mn-cs"/>
-              </a:rPr>
-              <a:t>)</a:t>
-            </a:r>
-            <a:endParaRPr kumimoji="1" lang="ja-JP" altLang="ja-JP" sz="1200" b="0" i="0" u="none" strike="noStrike" kern="1200" dirty="0" smtClean="0">
-              <a:solidFill>
-                <a:schemeClr val="tx1"/>
-              </a:solidFill>
-              <a:effectLst/>
-              <a:latin typeface="+mn-lt"/>
-              <a:ea typeface="+mn-ea"/>
-              <a:cs typeface="+mn-cs"/>
-            </a:endParaRPr>
-          </a:p>
-          <a:p>
-            <a:pPr rtl="0" eaLnBrk="1" fontAlgn="t" latinLnBrk="0" hangingPunct="1"/>
-            <a:r>
-              <a:rPr kumimoji="1" lang="ja-JP" altLang="ja-JP" sz="1200" b="0" i="0" u="none" strike="noStrike" kern="1200" dirty="0" smtClean="0">
-                <a:solidFill>
-                  <a:schemeClr val="tx1"/>
-                </a:solidFill>
-                <a:effectLst/>
-                <a:latin typeface="+mn-lt"/>
-                <a:ea typeface="+mn-ea"/>
-                <a:cs typeface="+mn-cs"/>
-              </a:rPr>
-              <a:t>５</a:t>
-            </a:r>
-            <a:r>
-              <a:rPr kumimoji="1" lang="en-US" altLang="ja-JP" sz="1200" b="0" i="0" u="none" strike="noStrike" kern="1200" dirty="0" smtClean="0">
-                <a:solidFill>
-                  <a:schemeClr val="tx1"/>
-                </a:solidFill>
-                <a:effectLst/>
-                <a:latin typeface="+mn-lt"/>
-                <a:ea typeface="+mn-ea"/>
-                <a:cs typeface="+mn-cs"/>
-              </a:rPr>
-              <a:t>:</a:t>
-            </a:r>
-            <a:r>
-              <a:rPr kumimoji="1" lang="ja-JP" altLang="ja-JP" sz="1200" b="0" i="0" u="none" strike="noStrike" kern="1200" dirty="0" smtClean="0">
-                <a:solidFill>
-                  <a:schemeClr val="tx1"/>
-                </a:solidFill>
-                <a:effectLst/>
-                <a:latin typeface="+mn-lt"/>
-                <a:ea typeface="+mn-ea"/>
-                <a:cs typeface="+mn-cs"/>
-              </a:rPr>
-              <a:t>選択肢のみから正解が推測できない． </a:t>
+            <a:r>
+              <a:rPr lang="ja-JP" altLang="ja-JP" dirty="0" smtClean="0"/>
+              <a:t>評価基準１と評価基準２を満足に満たしたことから，提案システムによる自動生成は正常に行えることが確認できた．</a:t>
+            </a:r>
+            <a:endParaRPr lang="en-US" altLang="ja-JP" dirty="0" smtClean="0"/>
+          </a:p>
+          <a:p>
+            <a:r>
+              <a:rPr lang="ja-JP" altLang="ja-JP" dirty="0" smtClean="0"/>
+              <a:t>評価基準３と評価基準５が高い割合で結果が現れていることから，提案システムは論理的思考力とコーディング力を養うための学習支援が行えることが確認できた．</a:t>
+            </a:r>
+            <a:endParaRPr lang="en-US" altLang="ja-JP" dirty="0" smtClean="0"/>
+          </a:p>
+          <a:p>
+            <a:r>
+              <a:rPr lang="ja-JP" altLang="ja-JP" dirty="0" smtClean="0"/>
+              <a:t>評価基準４の結果から，出題される問題の種類の分散はある程度に抑えられていることが確認できた．</a:t>
+            </a:r>
+            <a:endParaRPr lang="en-US" altLang="ja-JP" dirty="0" smtClean="0"/>
+          </a:p>
+          <a:p>
+            <a:r>
+              <a:rPr lang="ja-JP" altLang="ja-JP" dirty="0" smtClean="0"/>
+              <a:t>穴埋め問題の自動生成によって選択肢が不備なく生成されていること，生成された内容が学習のために利用できる内容であることから，提案システムの実現可能性を示した．</a:t>
             </a:r>
           </a:p>
           <a:p>
@@ -2189,7 +1778,7 @@
     </p:spTree>
     <p:extLst>
       <p:ext uri="{BB962C8B-B14F-4D97-AF65-F5344CB8AC3E}">
-        <p14:creationId xmlns:p14="http://schemas.microsoft.com/office/powerpoint/2010/main" val="655595636"/>
+        <p14:creationId xmlns:p14="http://schemas.microsoft.com/office/powerpoint/2010/main" val="3570327677"/>
       </p:ext>
     </p:extLst>
   </p:cSld>
@@ -2330,7 +1919,7 @@
           <a:p>
             <a:fld id="{62998336-B3D8-4A03-A7A8-98421380C411}" type="datetime1">
               <a:rPr kumimoji="1" lang="ja-JP" altLang="en-US" smtClean="0"/>
-              <a:t>2022/1/17</a:t>
+              <a:t>2022/1/19</a:t>
             </a:fld>
             <a:endParaRPr kumimoji="1" lang="ja-JP" altLang="en-US"/>
           </a:p>
@@ -2544,7 +2133,7 @@
           <a:p>
             <a:fld id="{C588BEE9-F237-41A9-8549-3FFE47F058E3}" type="datetime1">
               <a:rPr kumimoji="1" lang="ja-JP" altLang="en-US" smtClean="0"/>
-              <a:t>2022/1/17</a:t>
+              <a:t>2022/1/19</a:t>
             </a:fld>
             <a:endParaRPr kumimoji="1" lang="ja-JP" altLang="en-US"/>
           </a:p>
@@ -2756,7 +2345,7 @@
           <a:p>
             <a:fld id="{9BC49434-F0AD-4853-A565-8CE0DB9424F6}" type="datetime1">
               <a:rPr kumimoji="1" lang="ja-JP" altLang="en-US" smtClean="0"/>
-              <a:t>2022/1/17</a:t>
+              <a:t>2022/1/19</a:t>
             </a:fld>
             <a:endParaRPr kumimoji="1" lang="ja-JP" altLang="en-US"/>
           </a:p>
@@ -2958,7 +2547,7 @@
           <a:p>
             <a:fld id="{34CF448A-F207-4C44-990B-BCEAFE1D6D1A}" type="datetime1">
               <a:rPr kumimoji="1" lang="ja-JP" altLang="en-US" smtClean="0"/>
-              <a:t>2022/1/17</a:t>
+              <a:t>2022/1/19</a:t>
             </a:fld>
             <a:endParaRPr kumimoji="1" lang="ja-JP" altLang="en-US"/>
           </a:p>
@@ -3214,7 +2803,7 @@
           <a:p>
             <a:fld id="{D55DCA4D-E17E-4710-BD0F-97F07703CCCE}" type="datetime1">
               <a:rPr kumimoji="1" lang="ja-JP" altLang="en-US" smtClean="0"/>
-              <a:t>2022/1/17</a:t>
+              <a:t>2022/1/19</a:t>
             </a:fld>
             <a:endParaRPr kumimoji="1" lang="ja-JP" altLang="en-US"/>
           </a:p>
@@ -3517,7 +3106,7 @@
           <a:p>
             <a:fld id="{ECA124AC-DF8D-4414-8A83-8C4A3A5BC6D8}" type="datetime1">
               <a:rPr kumimoji="1" lang="ja-JP" altLang="en-US" smtClean="0"/>
-              <a:t>2022/1/17</a:t>
+              <a:t>2022/1/19</a:t>
             </a:fld>
             <a:endParaRPr kumimoji="1" lang="ja-JP" altLang="en-US"/>
           </a:p>
@@ -3948,7 +3537,7 @@
           <a:p>
             <a:fld id="{995C31F4-206F-4561-92B9-CF990D583D10}" type="datetime1">
               <a:rPr kumimoji="1" lang="ja-JP" altLang="en-US" smtClean="0"/>
-              <a:t>2022/1/17</a:t>
+              <a:t>2022/1/19</a:t>
             </a:fld>
             <a:endParaRPr kumimoji="1" lang="ja-JP" altLang="en-US"/>
           </a:p>
@@ -4066,7 +3655,7 @@
           <a:p>
             <a:fld id="{087A34C8-B72C-4C88-90F5-054E72AA126B}" type="datetime1">
               <a:rPr kumimoji="1" lang="ja-JP" altLang="en-US" smtClean="0"/>
-              <a:t>2022/1/17</a:t>
+              <a:t>2022/1/19</a:t>
             </a:fld>
             <a:endParaRPr kumimoji="1" lang="ja-JP" altLang="en-US"/>
           </a:p>
@@ -4161,7 +3750,7 @@
           <a:p>
             <a:fld id="{02AAF6BD-BA6E-4E7D-9900-CDD88774F482}" type="datetime1">
               <a:rPr kumimoji="1" lang="ja-JP" altLang="en-US" smtClean="0"/>
-              <a:t>2022/1/17</a:t>
+              <a:t>2022/1/19</a:t>
             </a:fld>
             <a:endParaRPr kumimoji="1" lang="ja-JP" altLang="en-US"/>
           </a:p>
@@ -4470,7 +4059,7 @@
           <a:p>
             <a:fld id="{E89E35DA-E2A0-42EC-A447-4576C9BA3E6F}" type="datetime1">
               <a:rPr kumimoji="1" lang="ja-JP" altLang="en-US" smtClean="0"/>
-              <a:t>2022/1/17</a:t>
+              <a:t>2022/1/19</a:t>
             </a:fld>
             <a:endParaRPr kumimoji="1" lang="ja-JP" altLang="en-US"/>
           </a:p>
@@ -4727,7 +4316,7 @@
           <a:p>
             <a:fld id="{DEE6902A-E00C-4B09-8F69-8135A2ADC569}" type="datetime1">
               <a:rPr kumimoji="1" lang="ja-JP" altLang="en-US" smtClean="0"/>
-              <a:t>2022/1/17</a:t>
+              <a:t>2022/1/19</a:t>
             </a:fld>
             <a:endParaRPr kumimoji="1" lang="ja-JP" altLang="en-US"/>
           </a:p>
@@ -4972,7 +4561,7 @@
           <a:p>
             <a:fld id="{E69F29F6-FEAF-4263-A4BF-AB93D6A4CA4D}" type="datetime1">
               <a:rPr kumimoji="1" lang="ja-JP" altLang="en-US" smtClean="0"/>
-              <a:t>2022/1/17</a:t>
+              <a:t>2022/1/19</a:t>
             </a:fld>
             <a:endParaRPr kumimoji="1" lang="ja-JP" altLang="en-US"/>
           </a:p>
@@ -5450,7 +5039,7 @@
         </p:nvSpPr>
         <p:spPr>
           <a:xfrm>
-            <a:off x="2233345" y="4464453"/>
+            <a:off x="3163929" y="3849459"/>
             <a:ext cx="5143500" cy="931367"/>
           </a:xfrm>
         </p:spPr>
@@ -5587,9 +5176,1422 @@
             <p:ph type="title"/>
           </p:nvPr>
         </p:nvSpPr>
+        <p:spPr/>
+        <p:txBody>
+          <a:bodyPr/>
+          <a:lstStyle/>
+          <a:p>
+            <a:r>
+              <a:rPr lang="ja-JP" altLang="en-US" dirty="0"/>
+              <a:t>実験</a:t>
+            </a:r>
+            <a:endParaRPr kumimoji="1" lang="ja-JP" altLang="en-US" dirty="0"/>
+          </a:p>
+        </p:txBody>
+      </p:sp>
+      <p:sp>
+        <p:nvSpPr>
+          <p:cNvPr id="3" name="コンテンツ プレースホルダー 2"/>
+          <p:cNvSpPr>
+            <a:spLocks noGrp="1"/>
+          </p:cNvSpPr>
+          <p:nvPr>
+            <p:ph idx="1"/>
+          </p:nvPr>
+        </p:nvSpPr>
+        <p:spPr/>
+        <p:txBody>
+          <a:bodyPr/>
+          <a:lstStyle/>
+          <a:p>
+            <a:r>
+              <a:rPr lang="ja-JP" altLang="ja-JP" dirty="0"/>
+              <a:t>本システムの問題自動生成機能によって生成される穴埋め選択問題は学習のために適切に問題を生成することができているのか，複数の問題ファイルと難易度における実際の出題内容</a:t>
+            </a:r>
+            <a:r>
+              <a:rPr lang="ja-JP" altLang="ja-JP" dirty="0" smtClean="0"/>
+              <a:t>を</a:t>
+            </a:r>
+            <a:r>
+              <a:rPr lang="ja-JP" altLang="en-US" dirty="0"/>
+              <a:t>以下</a:t>
+            </a:r>
+            <a:r>
+              <a:rPr lang="ja-JP" altLang="ja-JP" dirty="0" smtClean="0"/>
+              <a:t>の</a:t>
+            </a:r>
+            <a:r>
+              <a:rPr lang="ja-JP" altLang="ja-JP" dirty="0"/>
+              <a:t>判断基準ごとに評価する．</a:t>
+            </a:r>
+          </a:p>
+        </p:txBody>
+      </p:sp>
+      <p:graphicFrame>
+        <p:nvGraphicFramePr>
+          <p:cNvPr id="5" name="表 4"/>
+          <p:cNvGraphicFramePr>
+            <a:graphicFrameLocks noGrp="1"/>
+          </p:cNvGraphicFramePr>
+          <p:nvPr>
+            <p:extLst>
+              <p:ext uri="{D42A27DB-BD31-4B8C-83A1-F6EECF244321}">
+                <p14:modId xmlns:p14="http://schemas.microsoft.com/office/powerpoint/2010/main" val="592379453"/>
+              </p:ext>
+            </p:extLst>
+          </p:nvPr>
+        </p:nvGraphicFramePr>
+        <p:xfrm>
+          <a:off x="1262359" y="3929243"/>
+          <a:ext cx="6918688" cy="2535247"/>
+        </p:xfrm>
+        <a:graphic>
+          <a:graphicData uri="http://schemas.openxmlformats.org/drawingml/2006/table">
+            <a:tbl>
+              <a:tblPr firstRow="1" firstCol="1" bandRow="1"/>
+              <a:tblGrid>
+                <a:gridCol w="521270">
+                  <a:extLst>
+                    <a:ext uri="{9D8B030D-6E8A-4147-A177-3AD203B41FA5}">
+                      <a16:colId xmlns:a16="http://schemas.microsoft.com/office/drawing/2014/main" val="301573555"/>
+                    </a:ext>
+                  </a:extLst>
+                </a:gridCol>
+                <a:gridCol w="3988761">
+                  <a:extLst>
+                    <a:ext uri="{9D8B030D-6E8A-4147-A177-3AD203B41FA5}">
+                      <a16:colId xmlns:a16="http://schemas.microsoft.com/office/drawing/2014/main" val="2763908087"/>
+                    </a:ext>
+                  </a:extLst>
+                </a:gridCol>
+                <a:gridCol w="2408657">
+                  <a:extLst>
+                    <a:ext uri="{9D8B030D-6E8A-4147-A177-3AD203B41FA5}">
+                      <a16:colId xmlns:a16="http://schemas.microsoft.com/office/drawing/2014/main" val="1970008419"/>
+                    </a:ext>
+                  </a:extLst>
+                </a:gridCol>
+              </a:tblGrid>
+              <a:tr h="335088">
+                <a:tc>
+                  <a:txBody>
+                    <a:bodyPr/>
+                    <a:lstStyle/>
+                    <a:p>
+                      <a:pPr algn="just">
+                        <a:spcAft>
+                          <a:spcPts val="0"/>
+                        </a:spcAft>
+                      </a:pPr>
+                      <a:r>
+                        <a:rPr lang="en-US" sz="1600" kern="100" dirty="0">
+                          <a:effectLst/>
+                          <a:latin typeface="Century" panose="02040604050505020304" pitchFamily="18" charset="0"/>
+                          <a:ea typeface="ＭＳ 明朝" panose="02020609040205080304" pitchFamily="17" charset="-128"/>
+                          <a:cs typeface="Times New Roman" panose="02020603050405020304" pitchFamily="18" charset="0"/>
+                        </a:rPr>
+                        <a:t> </a:t>
+                      </a:r>
+                      <a:endParaRPr lang="ja-JP" sz="1600" kern="100" dirty="0">
+                        <a:effectLst/>
+                        <a:latin typeface="Century" panose="02040604050505020304" pitchFamily="18" charset="0"/>
+                        <a:ea typeface="ＭＳ 明朝" panose="02020609040205080304" pitchFamily="17" charset="-128"/>
+                        <a:cs typeface="Times New Roman" panose="02020603050405020304" pitchFamily="18" charset="0"/>
+                      </a:endParaRPr>
+                    </a:p>
+                  </a:txBody>
+                  <a:tcPr marL="51435" marR="51435" marT="0" marB="0">
+                    <a:lnL w="12700" cap="flat" cmpd="sng" algn="ctr">
+                      <a:solidFill>
+                        <a:schemeClr val="tx1"/>
+                      </a:solidFill>
+                      <a:prstDash val="solid"/>
+                      <a:round/>
+                      <a:headEnd type="none" w="med" len="med"/>
+                      <a:tailEnd type="none" w="med" len="med"/>
+                    </a:lnL>
+                    <a:lnR w="12700" cap="flat" cmpd="sng" algn="ctr">
+                      <a:solidFill>
+                        <a:schemeClr val="tx1"/>
+                      </a:solidFill>
+                      <a:prstDash val="solid"/>
+                      <a:round/>
+                      <a:headEnd type="none" w="med" len="med"/>
+                      <a:tailEnd type="none" w="med" len="med"/>
+                    </a:lnR>
+                    <a:lnT w="12700" cap="flat" cmpd="sng" algn="ctr">
+                      <a:solidFill>
+                        <a:schemeClr val="tx1"/>
+                      </a:solidFill>
+                      <a:prstDash val="solid"/>
+                      <a:round/>
+                      <a:headEnd type="none" w="med" len="med"/>
+                      <a:tailEnd type="none" w="med" len="med"/>
+                    </a:lnT>
+                    <a:lnB w="12700" cap="flat" cmpd="sng" algn="ctr">
+                      <a:solidFill>
+                        <a:schemeClr val="tx1"/>
+                      </a:solidFill>
+                      <a:prstDash val="solid"/>
+                      <a:round/>
+                      <a:headEnd type="none" w="med" len="med"/>
+                      <a:tailEnd type="none" w="med" len="med"/>
+                    </a:lnB>
+                    <a:lnTlToBr w="6350" cap="flat" cmpd="sng" algn="ctr">
+                      <a:solidFill>
+                        <a:srgbClr val="000000"/>
+                      </a:solidFill>
+                      <a:prstDash val="solid"/>
+                      <a:round/>
+                      <a:headEnd type="none" w="med" len="med"/>
+                      <a:tailEnd type="none" w="med" len="med"/>
+                    </a:lnTlToBr>
+                  </a:tcPr>
+                </a:tc>
+                <a:tc>
+                  <a:txBody>
+                    <a:bodyPr/>
+                    <a:lstStyle/>
+                    <a:p>
+                      <a:pPr algn="ctr">
+                        <a:spcAft>
+                          <a:spcPts val="0"/>
+                        </a:spcAft>
+                      </a:pPr>
+                      <a:r>
+                        <a:rPr lang="ja-JP" sz="1600" kern="100">
+                          <a:effectLst/>
+                          <a:latin typeface="Century" panose="02040604050505020304" pitchFamily="18" charset="0"/>
+                          <a:ea typeface="ＭＳ 明朝" panose="02020609040205080304" pitchFamily="17" charset="-128"/>
+                          <a:cs typeface="Times New Roman" panose="02020603050405020304" pitchFamily="18" charset="0"/>
+                        </a:rPr>
+                        <a:t>基準</a:t>
+                      </a:r>
+                    </a:p>
+                  </a:txBody>
+                  <a:tcPr marL="51435" marR="51435" marT="0" marB="0">
+                    <a:lnL w="12700" cap="flat" cmpd="sng" algn="ctr">
+                      <a:solidFill>
+                        <a:schemeClr val="tx1"/>
+                      </a:solidFill>
+                      <a:prstDash val="solid"/>
+                      <a:round/>
+                      <a:headEnd type="none" w="med" len="med"/>
+                      <a:tailEnd type="none" w="med" len="med"/>
+                    </a:lnL>
+                    <a:lnR w="12700" cap="flat" cmpd="sng" algn="ctr">
+                      <a:solidFill>
+                        <a:schemeClr val="tx1"/>
+                      </a:solidFill>
+                      <a:prstDash val="solid"/>
+                      <a:round/>
+                      <a:headEnd type="none" w="med" len="med"/>
+                      <a:tailEnd type="none" w="med" len="med"/>
+                    </a:lnR>
+                    <a:lnT w="12700" cap="flat" cmpd="sng" algn="ctr">
+                      <a:solidFill>
+                        <a:schemeClr val="tx1"/>
+                      </a:solidFill>
+                      <a:prstDash val="solid"/>
+                      <a:round/>
+                      <a:headEnd type="none" w="med" len="med"/>
+                      <a:tailEnd type="none" w="med" len="med"/>
+                    </a:lnT>
+                    <a:lnB w="12700" cap="flat" cmpd="sng" algn="ctr">
+                      <a:solidFill>
+                        <a:schemeClr val="tx1"/>
+                      </a:solidFill>
+                      <a:prstDash val="solid"/>
+                      <a:round/>
+                      <a:headEnd type="none" w="med" len="med"/>
+                      <a:tailEnd type="none" w="med" len="med"/>
+                    </a:lnB>
+                  </a:tcPr>
+                </a:tc>
+                <a:tc>
+                  <a:txBody>
+                    <a:bodyPr/>
+                    <a:lstStyle/>
+                    <a:p>
+                      <a:pPr algn="ctr">
+                        <a:spcAft>
+                          <a:spcPts val="0"/>
+                        </a:spcAft>
+                      </a:pPr>
+                      <a:r>
+                        <a:rPr lang="ja-JP" sz="1600" kern="100" dirty="0">
+                          <a:effectLst/>
+                          <a:latin typeface="Century" panose="02040604050505020304" pitchFamily="18" charset="0"/>
+                          <a:ea typeface="ＭＳ 明朝" panose="02020609040205080304" pitchFamily="17" charset="-128"/>
+                          <a:cs typeface="Times New Roman" panose="02020603050405020304" pitchFamily="18" charset="0"/>
+                        </a:rPr>
+                        <a:t>評価</a:t>
+                      </a:r>
+                    </a:p>
+                  </a:txBody>
+                  <a:tcPr marL="51435" marR="51435" marT="0" marB="0">
+                    <a:lnL w="12700" cap="flat" cmpd="sng" algn="ctr">
+                      <a:solidFill>
+                        <a:schemeClr val="tx1"/>
+                      </a:solidFill>
+                      <a:prstDash val="solid"/>
+                      <a:round/>
+                      <a:headEnd type="none" w="med" len="med"/>
+                      <a:tailEnd type="none" w="med" len="med"/>
+                    </a:lnL>
+                    <a:lnR w="12700" cap="flat" cmpd="sng" algn="ctr">
+                      <a:solidFill>
+                        <a:schemeClr val="tx1"/>
+                      </a:solidFill>
+                      <a:prstDash val="solid"/>
+                      <a:round/>
+                      <a:headEnd type="none" w="med" len="med"/>
+                      <a:tailEnd type="none" w="med" len="med"/>
+                    </a:lnR>
+                    <a:lnT w="12700" cap="flat" cmpd="sng" algn="ctr">
+                      <a:solidFill>
+                        <a:schemeClr val="tx1"/>
+                      </a:solidFill>
+                      <a:prstDash val="solid"/>
+                      <a:round/>
+                      <a:headEnd type="none" w="med" len="med"/>
+                      <a:tailEnd type="none" w="med" len="med"/>
+                    </a:lnT>
+                    <a:lnB w="12700" cap="flat" cmpd="sng" algn="ctr">
+                      <a:solidFill>
+                        <a:schemeClr val="tx1"/>
+                      </a:solidFill>
+                      <a:prstDash val="solid"/>
+                      <a:round/>
+                      <a:headEnd type="none" w="med" len="med"/>
+                      <a:tailEnd type="none" w="med" len="med"/>
+                    </a:lnB>
+                  </a:tcPr>
+                </a:tc>
+                <a:extLst>
+                  <a:ext uri="{0D108BD9-81ED-4DB2-BD59-A6C34878D82A}">
+                    <a16:rowId xmlns:a16="http://schemas.microsoft.com/office/drawing/2014/main" val="2271061721"/>
+                  </a:ext>
+                </a:extLst>
+              </a:tr>
+              <a:tr h="335088">
+                <a:tc>
+                  <a:txBody>
+                    <a:bodyPr/>
+                    <a:lstStyle/>
+                    <a:p>
+                      <a:pPr algn="ctr">
+                        <a:spcAft>
+                          <a:spcPts val="0"/>
+                        </a:spcAft>
+                      </a:pPr>
+                      <a:r>
+                        <a:rPr lang="ja-JP" sz="1600" kern="100" dirty="0">
+                          <a:effectLst/>
+                          <a:latin typeface="Century" panose="02040604050505020304" pitchFamily="18" charset="0"/>
+                          <a:ea typeface="ＭＳ 明朝" panose="02020609040205080304" pitchFamily="17" charset="-128"/>
+                          <a:cs typeface="Times New Roman" panose="02020603050405020304" pitchFamily="18" charset="0"/>
+                        </a:rPr>
+                        <a:t>１</a:t>
+                      </a:r>
+                    </a:p>
+                  </a:txBody>
+                  <a:tcPr marL="51435" marR="51435" marT="0" marB="0">
+                    <a:lnL w="12700" cap="flat" cmpd="sng" algn="ctr">
+                      <a:solidFill>
+                        <a:schemeClr val="tx1"/>
+                      </a:solidFill>
+                      <a:prstDash val="solid"/>
+                      <a:round/>
+                      <a:headEnd type="none" w="med" len="med"/>
+                      <a:tailEnd type="none" w="med" len="med"/>
+                    </a:lnL>
+                    <a:lnR w="12700" cap="flat" cmpd="sng" algn="ctr">
+                      <a:solidFill>
+                        <a:schemeClr val="tx1"/>
+                      </a:solidFill>
+                      <a:prstDash val="solid"/>
+                      <a:round/>
+                      <a:headEnd type="none" w="med" len="med"/>
+                      <a:tailEnd type="none" w="med" len="med"/>
+                    </a:lnR>
+                    <a:lnT w="12700" cap="flat" cmpd="sng" algn="ctr">
+                      <a:solidFill>
+                        <a:schemeClr val="tx1"/>
+                      </a:solidFill>
+                      <a:prstDash val="solid"/>
+                      <a:round/>
+                      <a:headEnd type="none" w="med" len="med"/>
+                      <a:tailEnd type="none" w="med" len="med"/>
+                    </a:lnT>
+                    <a:lnB w="12700" cap="flat" cmpd="sng" algn="ctr">
+                      <a:solidFill>
+                        <a:schemeClr val="tx1"/>
+                      </a:solidFill>
+                      <a:prstDash val="solid"/>
+                      <a:round/>
+                      <a:headEnd type="none" w="med" len="med"/>
+                      <a:tailEnd type="none" w="med" len="med"/>
+                    </a:lnB>
+                  </a:tcPr>
+                </a:tc>
+                <a:tc>
+                  <a:txBody>
+                    <a:bodyPr/>
+                    <a:lstStyle/>
+                    <a:p>
+                      <a:pPr algn="just">
+                        <a:spcAft>
+                          <a:spcPts val="0"/>
+                        </a:spcAft>
+                      </a:pPr>
+                      <a:r>
+                        <a:rPr lang="ja-JP" sz="1600" kern="100" dirty="0">
+                          <a:effectLst/>
+                          <a:latin typeface="Century" panose="02040604050505020304" pitchFamily="18" charset="0"/>
+                          <a:ea typeface="ＭＳ 明朝" panose="02020609040205080304" pitchFamily="17" charset="-128"/>
+                          <a:cs typeface="Times New Roman" panose="02020603050405020304" pitchFamily="18" charset="0"/>
+                        </a:rPr>
+                        <a:t>正解となる解答が選択肢に入っている．</a:t>
+                      </a:r>
+                    </a:p>
+                  </a:txBody>
+                  <a:tcPr marL="51435" marR="51435" marT="0" marB="0">
+                    <a:lnL w="12700" cap="flat" cmpd="sng" algn="ctr">
+                      <a:solidFill>
+                        <a:schemeClr val="tx1"/>
+                      </a:solidFill>
+                      <a:prstDash val="solid"/>
+                      <a:round/>
+                      <a:headEnd type="none" w="med" len="med"/>
+                      <a:tailEnd type="none" w="med" len="med"/>
+                    </a:lnL>
+                    <a:lnR w="12700" cap="flat" cmpd="sng" algn="ctr">
+                      <a:solidFill>
+                        <a:schemeClr val="tx1"/>
+                      </a:solidFill>
+                      <a:prstDash val="solid"/>
+                      <a:round/>
+                      <a:headEnd type="none" w="med" len="med"/>
+                      <a:tailEnd type="none" w="med" len="med"/>
+                    </a:lnR>
+                    <a:lnT w="12700" cap="flat" cmpd="sng" algn="ctr">
+                      <a:solidFill>
+                        <a:schemeClr val="tx1"/>
+                      </a:solidFill>
+                      <a:prstDash val="solid"/>
+                      <a:round/>
+                      <a:headEnd type="none" w="med" len="med"/>
+                      <a:tailEnd type="none" w="med" len="med"/>
+                    </a:lnT>
+                    <a:lnB w="12700" cap="flat" cmpd="sng" algn="ctr">
+                      <a:solidFill>
+                        <a:schemeClr val="tx1"/>
+                      </a:solidFill>
+                      <a:prstDash val="solid"/>
+                      <a:round/>
+                      <a:headEnd type="none" w="med" len="med"/>
+                      <a:tailEnd type="none" w="med" len="med"/>
+                    </a:lnB>
+                  </a:tcPr>
+                </a:tc>
+                <a:tc>
+                  <a:txBody>
+                    <a:bodyPr/>
+                    <a:lstStyle/>
+                    <a:p>
+                      <a:pPr algn="just">
+                        <a:spcAft>
+                          <a:spcPts val="0"/>
+                        </a:spcAft>
+                      </a:pPr>
+                      <a:r>
+                        <a:rPr lang="en-US" sz="1600" kern="100">
+                          <a:effectLst/>
+                          <a:latin typeface="Century" panose="02040604050505020304" pitchFamily="18" charset="0"/>
+                          <a:ea typeface="ＭＳ 明朝" panose="02020609040205080304" pitchFamily="17" charset="-128"/>
+                          <a:cs typeface="Times New Roman" panose="02020603050405020304" pitchFamily="18" charset="0"/>
+                        </a:rPr>
+                        <a:t>Yes / No</a:t>
+                      </a:r>
+                      <a:endParaRPr lang="ja-JP" sz="1600" kern="100">
+                        <a:effectLst/>
+                        <a:latin typeface="Century" panose="02040604050505020304" pitchFamily="18" charset="0"/>
+                        <a:ea typeface="ＭＳ 明朝" panose="02020609040205080304" pitchFamily="17" charset="-128"/>
+                        <a:cs typeface="Times New Roman" panose="02020603050405020304" pitchFamily="18" charset="0"/>
+                      </a:endParaRPr>
+                    </a:p>
+                  </a:txBody>
+                  <a:tcPr marL="51435" marR="51435" marT="0" marB="0">
+                    <a:lnL w="12700" cap="flat" cmpd="sng" algn="ctr">
+                      <a:solidFill>
+                        <a:schemeClr val="tx1"/>
+                      </a:solidFill>
+                      <a:prstDash val="solid"/>
+                      <a:round/>
+                      <a:headEnd type="none" w="med" len="med"/>
+                      <a:tailEnd type="none" w="med" len="med"/>
+                    </a:lnL>
+                    <a:lnR w="12700" cap="flat" cmpd="sng" algn="ctr">
+                      <a:solidFill>
+                        <a:schemeClr val="tx1"/>
+                      </a:solidFill>
+                      <a:prstDash val="solid"/>
+                      <a:round/>
+                      <a:headEnd type="none" w="med" len="med"/>
+                      <a:tailEnd type="none" w="med" len="med"/>
+                    </a:lnR>
+                    <a:lnT w="12700" cap="flat" cmpd="sng" algn="ctr">
+                      <a:solidFill>
+                        <a:schemeClr val="tx1"/>
+                      </a:solidFill>
+                      <a:prstDash val="solid"/>
+                      <a:round/>
+                      <a:headEnd type="none" w="med" len="med"/>
+                      <a:tailEnd type="none" w="med" len="med"/>
+                    </a:lnT>
+                    <a:lnB w="12700" cap="flat" cmpd="sng" algn="ctr">
+                      <a:solidFill>
+                        <a:schemeClr val="tx1"/>
+                      </a:solidFill>
+                      <a:prstDash val="solid"/>
+                      <a:round/>
+                      <a:headEnd type="none" w="med" len="med"/>
+                      <a:tailEnd type="none" w="med" len="med"/>
+                    </a:lnB>
+                  </a:tcPr>
+                </a:tc>
+                <a:extLst>
+                  <a:ext uri="{0D108BD9-81ED-4DB2-BD59-A6C34878D82A}">
+                    <a16:rowId xmlns:a16="http://schemas.microsoft.com/office/drawing/2014/main" val="3341875207"/>
+                  </a:ext>
+                </a:extLst>
+              </a:tr>
+              <a:tr h="335088">
+                <a:tc>
+                  <a:txBody>
+                    <a:bodyPr/>
+                    <a:lstStyle/>
+                    <a:p>
+                      <a:pPr algn="ctr">
+                        <a:spcAft>
+                          <a:spcPts val="0"/>
+                        </a:spcAft>
+                      </a:pPr>
+                      <a:r>
+                        <a:rPr lang="ja-JP" sz="1600" kern="100">
+                          <a:effectLst/>
+                          <a:latin typeface="Century" panose="02040604050505020304" pitchFamily="18" charset="0"/>
+                          <a:ea typeface="ＭＳ 明朝" panose="02020609040205080304" pitchFamily="17" charset="-128"/>
+                          <a:cs typeface="Times New Roman" panose="02020603050405020304" pitchFamily="18" charset="0"/>
+                        </a:rPr>
+                        <a:t>２</a:t>
+                      </a:r>
+                    </a:p>
+                  </a:txBody>
+                  <a:tcPr marL="51435" marR="51435" marT="0" marB="0">
+                    <a:lnL w="12700" cap="flat" cmpd="sng" algn="ctr">
+                      <a:solidFill>
+                        <a:schemeClr val="tx1"/>
+                      </a:solidFill>
+                      <a:prstDash val="solid"/>
+                      <a:round/>
+                      <a:headEnd type="none" w="med" len="med"/>
+                      <a:tailEnd type="none" w="med" len="med"/>
+                    </a:lnL>
+                    <a:lnR w="12700" cap="flat" cmpd="sng" algn="ctr">
+                      <a:solidFill>
+                        <a:schemeClr val="tx1"/>
+                      </a:solidFill>
+                      <a:prstDash val="solid"/>
+                      <a:round/>
+                      <a:headEnd type="none" w="med" len="med"/>
+                      <a:tailEnd type="none" w="med" len="med"/>
+                    </a:lnR>
+                    <a:lnT w="12700" cap="flat" cmpd="sng" algn="ctr">
+                      <a:solidFill>
+                        <a:schemeClr val="tx1"/>
+                      </a:solidFill>
+                      <a:prstDash val="solid"/>
+                      <a:round/>
+                      <a:headEnd type="none" w="med" len="med"/>
+                      <a:tailEnd type="none" w="med" len="med"/>
+                    </a:lnT>
+                    <a:lnB w="12700" cap="flat" cmpd="sng" algn="ctr">
+                      <a:solidFill>
+                        <a:schemeClr val="tx1"/>
+                      </a:solidFill>
+                      <a:prstDash val="solid"/>
+                      <a:round/>
+                      <a:headEnd type="none" w="med" len="med"/>
+                      <a:tailEnd type="none" w="med" len="med"/>
+                    </a:lnB>
+                  </a:tcPr>
+                </a:tc>
+                <a:tc>
+                  <a:txBody>
+                    <a:bodyPr/>
+                    <a:lstStyle/>
+                    <a:p>
+                      <a:pPr algn="just">
+                        <a:spcAft>
+                          <a:spcPts val="0"/>
+                        </a:spcAft>
+                      </a:pPr>
+                      <a:r>
+                        <a:rPr lang="ja-JP" sz="1600" kern="100" dirty="0">
+                          <a:effectLst/>
+                          <a:latin typeface="Century" panose="02040604050505020304" pitchFamily="18" charset="0"/>
+                          <a:ea typeface="ＭＳ 明朝" panose="02020609040205080304" pitchFamily="17" charset="-128"/>
+                          <a:cs typeface="Times New Roman" panose="02020603050405020304" pitchFamily="18" charset="0"/>
+                        </a:rPr>
+                        <a:t>設問内で選択肢が複数かぶっていない．</a:t>
+                      </a:r>
+                    </a:p>
+                  </a:txBody>
+                  <a:tcPr marL="51435" marR="51435" marT="0" marB="0">
+                    <a:lnL w="12700" cap="flat" cmpd="sng" algn="ctr">
+                      <a:solidFill>
+                        <a:schemeClr val="tx1"/>
+                      </a:solidFill>
+                      <a:prstDash val="solid"/>
+                      <a:round/>
+                      <a:headEnd type="none" w="med" len="med"/>
+                      <a:tailEnd type="none" w="med" len="med"/>
+                    </a:lnL>
+                    <a:lnR w="12700" cap="flat" cmpd="sng" algn="ctr">
+                      <a:solidFill>
+                        <a:schemeClr val="tx1"/>
+                      </a:solidFill>
+                      <a:prstDash val="solid"/>
+                      <a:round/>
+                      <a:headEnd type="none" w="med" len="med"/>
+                      <a:tailEnd type="none" w="med" len="med"/>
+                    </a:lnR>
+                    <a:lnT w="12700" cap="flat" cmpd="sng" algn="ctr">
+                      <a:solidFill>
+                        <a:schemeClr val="tx1"/>
+                      </a:solidFill>
+                      <a:prstDash val="solid"/>
+                      <a:round/>
+                      <a:headEnd type="none" w="med" len="med"/>
+                      <a:tailEnd type="none" w="med" len="med"/>
+                    </a:lnT>
+                    <a:lnB w="12700" cap="flat" cmpd="sng" algn="ctr">
+                      <a:solidFill>
+                        <a:schemeClr val="tx1"/>
+                      </a:solidFill>
+                      <a:prstDash val="solid"/>
+                      <a:round/>
+                      <a:headEnd type="none" w="med" len="med"/>
+                      <a:tailEnd type="none" w="med" len="med"/>
+                    </a:lnB>
+                  </a:tcPr>
+                </a:tc>
+                <a:tc>
+                  <a:txBody>
+                    <a:bodyPr/>
+                    <a:lstStyle/>
+                    <a:p>
+                      <a:pPr algn="just">
+                        <a:spcAft>
+                          <a:spcPts val="0"/>
+                        </a:spcAft>
+                      </a:pPr>
+                      <a:r>
+                        <a:rPr lang="en-US" sz="1600" kern="100">
+                          <a:effectLst/>
+                          <a:latin typeface="Century" panose="02040604050505020304" pitchFamily="18" charset="0"/>
+                          <a:ea typeface="ＭＳ 明朝" panose="02020609040205080304" pitchFamily="17" charset="-128"/>
+                          <a:cs typeface="Times New Roman" panose="02020603050405020304" pitchFamily="18" charset="0"/>
+                        </a:rPr>
+                        <a:t>Yes / No</a:t>
+                      </a:r>
+                      <a:endParaRPr lang="ja-JP" sz="1600" kern="100">
+                        <a:effectLst/>
+                        <a:latin typeface="Century" panose="02040604050505020304" pitchFamily="18" charset="0"/>
+                        <a:ea typeface="ＭＳ 明朝" panose="02020609040205080304" pitchFamily="17" charset="-128"/>
+                        <a:cs typeface="Times New Roman" panose="02020603050405020304" pitchFamily="18" charset="0"/>
+                      </a:endParaRPr>
+                    </a:p>
+                  </a:txBody>
+                  <a:tcPr marL="51435" marR="51435" marT="0" marB="0">
+                    <a:lnL w="12700" cap="flat" cmpd="sng" algn="ctr">
+                      <a:solidFill>
+                        <a:schemeClr val="tx1"/>
+                      </a:solidFill>
+                      <a:prstDash val="solid"/>
+                      <a:round/>
+                      <a:headEnd type="none" w="med" len="med"/>
+                      <a:tailEnd type="none" w="med" len="med"/>
+                    </a:lnL>
+                    <a:lnR w="12700" cap="flat" cmpd="sng" algn="ctr">
+                      <a:solidFill>
+                        <a:schemeClr val="tx1"/>
+                      </a:solidFill>
+                      <a:prstDash val="solid"/>
+                      <a:round/>
+                      <a:headEnd type="none" w="med" len="med"/>
+                      <a:tailEnd type="none" w="med" len="med"/>
+                    </a:lnR>
+                    <a:lnT w="12700" cap="flat" cmpd="sng" algn="ctr">
+                      <a:solidFill>
+                        <a:schemeClr val="tx1"/>
+                      </a:solidFill>
+                      <a:prstDash val="solid"/>
+                      <a:round/>
+                      <a:headEnd type="none" w="med" len="med"/>
+                      <a:tailEnd type="none" w="med" len="med"/>
+                    </a:lnT>
+                    <a:lnB w="12700" cap="flat" cmpd="sng" algn="ctr">
+                      <a:solidFill>
+                        <a:schemeClr val="tx1"/>
+                      </a:solidFill>
+                      <a:prstDash val="solid"/>
+                      <a:round/>
+                      <a:headEnd type="none" w="med" len="med"/>
+                      <a:tailEnd type="none" w="med" len="med"/>
+                    </a:lnB>
+                  </a:tcPr>
+                </a:tc>
+                <a:extLst>
+                  <a:ext uri="{0D108BD9-81ED-4DB2-BD59-A6C34878D82A}">
+                    <a16:rowId xmlns:a16="http://schemas.microsoft.com/office/drawing/2014/main" val="1736768437"/>
+                  </a:ext>
+                </a:extLst>
+              </a:tr>
+              <a:tr h="335088">
+                <a:tc>
+                  <a:txBody>
+                    <a:bodyPr/>
+                    <a:lstStyle/>
+                    <a:p>
+                      <a:pPr algn="ctr">
+                        <a:spcAft>
+                          <a:spcPts val="0"/>
+                        </a:spcAft>
+                      </a:pPr>
+                      <a:r>
+                        <a:rPr lang="ja-JP" sz="1600" kern="100">
+                          <a:effectLst/>
+                          <a:latin typeface="Century" panose="02040604050505020304" pitchFamily="18" charset="0"/>
+                          <a:ea typeface="ＭＳ 明朝" panose="02020609040205080304" pitchFamily="17" charset="-128"/>
+                          <a:cs typeface="Times New Roman" panose="02020603050405020304" pitchFamily="18" charset="0"/>
+                        </a:rPr>
+                        <a:t>３</a:t>
+                      </a:r>
+                    </a:p>
+                  </a:txBody>
+                  <a:tcPr marL="51435" marR="51435" marT="0" marB="0">
+                    <a:lnL w="12700" cap="flat" cmpd="sng" algn="ctr">
+                      <a:solidFill>
+                        <a:schemeClr val="tx1"/>
+                      </a:solidFill>
+                      <a:prstDash val="solid"/>
+                      <a:round/>
+                      <a:headEnd type="none" w="med" len="med"/>
+                      <a:tailEnd type="none" w="med" len="med"/>
+                    </a:lnL>
+                    <a:lnR w="12700" cap="flat" cmpd="sng" algn="ctr">
+                      <a:solidFill>
+                        <a:schemeClr val="tx1"/>
+                      </a:solidFill>
+                      <a:prstDash val="solid"/>
+                      <a:round/>
+                      <a:headEnd type="none" w="med" len="med"/>
+                      <a:tailEnd type="none" w="med" len="med"/>
+                    </a:lnR>
+                    <a:lnT w="12700" cap="flat" cmpd="sng" algn="ctr">
+                      <a:solidFill>
+                        <a:schemeClr val="tx1"/>
+                      </a:solidFill>
+                      <a:prstDash val="solid"/>
+                      <a:round/>
+                      <a:headEnd type="none" w="med" len="med"/>
+                      <a:tailEnd type="none" w="med" len="med"/>
+                    </a:lnT>
+                    <a:lnB w="12700" cap="flat" cmpd="sng" algn="ctr">
+                      <a:solidFill>
+                        <a:schemeClr val="tx1"/>
+                      </a:solidFill>
+                      <a:prstDash val="solid"/>
+                      <a:round/>
+                      <a:headEnd type="none" w="med" len="med"/>
+                      <a:tailEnd type="none" w="med" len="med"/>
+                    </a:lnB>
+                  </a:tcPr>
+                </a:tc>
+                <a:tc>
+                  <a:txBody>
+                    <a:bodyPr/>
+                    <a:lstStyle/>
+                    <a:p>
+                      <a:pPr algn="just">
+                        <a:spcAft>
+                          <a:spcPts val="0"/>
+                        </a:spcAft>
+                      </a:pPr>
+                      <a:r>
+                        <a:rPr lang="ja-JP" sz="1600" kern="100" dirty="0">
+                          <a:effectLst/>
+                          <a:latin typeface="Century" panose="02040604050505020304" pitchFamily="18" charset="0"/>
+                          <a:ea typeface="ＭＳ 明朝" panose="02020609040205080304" pitchFamily="17" charset="-128"/>
+                          <a:cs typeface="Times New Roman" panose="02020603050405020304" pitchFamily="18" charset="0"/>
+                        </a:rPr>
+                        <a:t>ブロックプログラミングより解答が推測できる．</a:t>
+                      </a:r>
+                    </a:p>
+                  </a:txBody>
+                  <a:tcPr marL="51435" marR="51435" marT="0" marB="0">
+                    <a:lnL w="12700" cap="flat" cmpd="sng" algn="ctr">
+                      <a:solidFill>
+                        <a:schemeClr val="tx1"/>
+                      </a:solidFill>
+                      <a:prstDash val="solid"/>
+                      <a:round/>
+                      <a:headEnd type="none" w="med" len="med"/>
+                      <a:tailEnd type="none" w="med" len="med"/>
+                    </a:lnL>
+                    <a:lnR w="12700" cap="flat" cmpd="sng" algn="ctr">
+                      <a:solidFill>
+                        <a:schemeClr val="tx1"/>
+                      </a:solidFill>
+                      <a:prstDash val="solid"/>
+                      <a:round/>
+                      <a:headEnd type="none" w="med" len="med"/>
+                      <a:tailEnd type="none" w="med" len="med"/>
+                    </a:lnR>
+                    <a:lnT w="12700" cap="flat" cmpd="sng" algn="ctr">
+                      <a:solidFill>
+                        <a:schemeClr val="tx1"/>
+                      </a:solidFill>
+                      <a:prstDash val="solid"/>
+                      <a:round/>
+                      <a:headEnd type="none" w="med" len="med"/>
+                      <a:tailEnd type="none" w="med" len="med"/>
+                    </a:lnT>
+                    <a:lnB w="12700" cap="flat" cmpd="sng" algn="ctr">
+                      <a:solidFill>
+                        <a:schemeClr val="tx1"/>
+                      </a:solidFill>
+                      <a:prstDash val="solid"/>
+                      <a:round/>
+                      <a:headEnd type="none" w="med" len="med"/>
+                      <a:tailEnd type="none" w="med" len="med"/>
+                    </a:lnB>
+                  </a:tcPr>
+                </a:tc>
+                <a:tc>
+                  <a:txBody>
+                    <a:bodyPr/>
+                    <a:lstStyle/>
+                    <a:p>
+                      <a:pPr algn="just">
+                        <a:spcAft>
+                          <a:spcPts val="0"/>
+                        </a:spcAft>
+                      </a:pPr>
+                      <a:r>
+                        <a:rPr lang="en-US" sz="1600" kern="100">
+                          <a:effectLst/>
+                          <a:latin typeface="Century" panose="02040604050505020304" pitchFamily="18" charset="0"/>
+                          <a:ea typeface="ＭＳ 明朝" panose="02020609040205080304" pitchFamily="17" charset="-128"/>
+                          <a:cs typeface="Times New Roman" panose="02020603050405020304" pitchFamily="18" charset="0"/>
+                        </a:rPr>
+                        <a:t>Yes / No</a:t>
+                      </a:r>
+                      <a:endParaRPr lang="ja-JP" sz="1600" kern="100">
+                        <a:effectLst/>
+                        <a:latin typeface="Century" panose="02040604050505020304" pitchFamily="18" charset="0"/>
+                        <a:ea typeface="ＭＳ 明朝" panose="02020609040205080304" pitchFamily="17" charset="-128"/>
+                        <a:cs typeface="Times New Roman" panose="02020603050405020304" pitchFamily="18" charset="0"/>
+                      </a:endParaRPr>
+                    </a:p>
+                  </a:txBody>
+                  <a:tcPr marL="51435" marR="51435" marT="0" marB="0">
+                    <a:lnL w="12700" cap="flat" cmpd="sng" algn="ctr">
+                      <a:solidFill>
+                        <a:schemeClr val="tx1"/>
+                      </a:solidFill>
+                      <a:prstDash val="solid"/>
+                      <a:round/>
+                      <a:headEnd type="none" w="med" len="med"/>
+                      <a:tailEnd type="none" w="med" len="med"/>
+                    </a:lnL>
+                    <a:lnR w="12700" cap="flat" cmpd="sng" algn="ctr">
+                      <a:solidFill>
+                        <a:schemeClr val="tx1"/>
+                      </a:solidFill>
+                      <a:prstDash val="solid"/>
+                      <a:round/>
+                      <a:headEnd type="none" w="med" len="med"/>
+                      <a:tailEnd type="none" w="med" len="med"/>
+                    </a:lnR>
+                    <a:lnT w="12700" cap="flat" cmpd="sng" algn="ctr">
+                      <a:solidFill>
+                        <a:schemeClr val="tx1"/>
+                      </a:solidFill>
+                      <a:prstDash val="solid"/>
+                      <a:round/>
+                      <a:headEnd type="none" w="med" len="med"/>
+                      <a:tailEnd type="none" w="med" len="med"/>
+                    </a:lnT>
+                    <a:lnB w="12700" cap="flat" cmpd="sng" algn="ctr">
+                      <a:solidFill>
+                        <a:schemeClr val="tx1"/>
+                      </a:solidFill>
+                      <a:prstDash val="solid"/>
+                      <a:round/>
+                      <a:headEnd type="none" w="med" len="med"/>
+                      <a:tailEnd type="none" w="med" len="med"/>
+                    </a:lnB>
+                  </a:tcPr>
+                </a:tc>
+                <a:extLst>
+                  <a:ext uri="{0D108BD9-81ED-4DB2-BD59-A6C34878D82A}">
+                    <a16:rowId xmlns:a16="http://schemas.microsoft.com/office/drawing/2014/main" val="159386025"/>
+                  </a:ext>
+                </a:extLst>
+              </a:tr>
+              <a:tr h="707215">
+                <a:tc>
+                  <a:txBody>
+                    <a:bodyPr/>
+                    <a:lstStyle/>
+                    <a:p>
+                      <a:pPr algn="ctr">
+                        <a:spcAft>
+                          <a:spcPts val="0"/>
+                        </a:spcAft>
+                      </a:pPr>
+                      <a:r>
+                        <a:rPr lang="ja-JP" sz="1600" kern="100">
+                          <a:effectLst/>
+                          <a:latin typeface="Century" panose="02040604050505020304" pitchFamily="18" charset="0"/>
+                          <a:ea typeface="ＭＳ 明朝" panose="02020609040205080304" pitchFamily="17" charset="-128"/>
+                          <a:cs typeface="Times New Roman" panose="02020603050405020304" pitchFamily="18" charset="0"/>
+                        </a:rPr>
+                        <a:t>４</a:t>
+                      </a:r>
+                    </a:p>
+                  </a:txBody>
+                  <a:tcPr marL="51435" marR="51435" marT="0" marB="0">
+                    <a:lnL w="12700" cap="flat" cmpd="sng" algn="ctr">
+                      <a:solidFill>
+                        <a:schemeClr val="tx1"/>
+                      </a:solidFill>
+                      <a:prstDash val="solid"/>
+                      <a:round/>
+                      <a:headEnd type="none" w="med" len="med"/>
+                      <a:tailEnd type="none" w="med" len="med"/>
+                    </a:lnL>
+                    <a:lnR w="12700" cap="flat" cmpd="sng" algn="ctr">
+                      <a:solidFill>
+                        <a:schemeClr val="tx1"/>
+                      </a:solidFill>
+                      <a:prstDash val="solid"/>
+                      <a:round/>
+                      <a:headEnd type="none" w="med" len="med"/>
+                      <a:tailEnd type="none" w="med" len="med"/>
+                    </a:lnR>
+                    <a:lnT w="12700" cap="flat" cmpd="sng" algn="ctr">
+                      <a:solidFill>
+                        <a:schemeClr val="tx1"/>
+                      </a:solidFill>
+                      <a:prstDash val="solid"/>
+                      <a:round/>
+                      <a:headEnd type="none" w="med" len="med"/>
+                      <a:tailEnd type="none" w="med" len="med"/>
+                    </a:lnT>
+                    <a:lnB w="12700" cap="flat" cmpd="sng" algn="ctr">
+                      <a:solidFill>
+                        <a:schemeClr val="tx1"/>
+                      </a:solidFill>
+                      <a:prstDash val="solid"/>
+                      <a:round/>
+                      <a:headEnd type="none" w="med" len="med"/>
+                      <a:tailEnd type="none" w="med" len="med"/>
+                    </a:lnB>
+                  </a:tcPr>
+                </a:tc>
+                <a:tc>
+                  <a:txBody>
+                    <a:bodyPr/>
+                    <a:lstStyle/>
+                    <a:p>
+                      <a:pPr algn="just">
+                        <a:spcAft>
+                          <a:spcPts val="0"/>
+                        </a:spcAft>
+                      </a:pPr>
+                      <a:r>
+                        <a:rPr lang="ja-JP" sz="1600" kern="100" dirty="0">
+                          <a:effectLst/>
+                          <a:latin typeface="Century" panose="02040604050505020304" pitchFamily="18" charset="0"/>
+                          <a:ea typeface="ＭＳ 明朝" panose="02020609040205080304" pitchFamily="17" charset="-128"/>
+                          <a:cs typeface="Times New Roman" panose="02020603050405020304" pitchFamily="18" charset="0"/>
+                        </a:rPr>
+                        <a:t>出題内容の</a:t>
+                      </a:r>
+                      <a:r>
+                        <a:rPr lang="ja-JP" sz="1600" kern="100" dirty="0" smtClean="0">
+                          <a:effectLst/>
+                          <a:latin typeface="Century" panose="02040604050505020304" pitchFamily="18" charset="0"/>
+                          <a:ea typeface="ＭＳ 明朝" panose="02020609040205080304" pitchFamily="17" charset="-128"/>
+                          <a:cs typeface="Times New Roman" panose="02020603050405020304" pitchFamily="18" charset="0"/>
+                        </a:rPr>
+                        <a:t>種類</a:t>
+                      </a:r>
+                      <a:r>
+                        <a:rPr lang="ja-JP" altLang="en-US" sz="1600" kern="100" dirty="0" smtClean="0">
+                          <a:effectLst/>
+                          <a:latin typeface="Century" panose="02040604050505020304" pitchFamily="18" charset="0"/>
+                          <a:ea typeface="ＭＳ 明朝" panose="02020609040205080304" pitchFamily="17" charset="-128"/>
+                          <a:cs typeface="Times New Roman" panose="02020603050405020304" pitchFamily="18" charset="0"/>
+                        </a:rPr>
+                        <a:t>．</a:t>
+                      </a:r>
+                      <a:endParaRPr lang="ja-JP" sz="1600" kern="100" dirty="0">
+                        <a:effectLst/>
+                        <a:latin typeface="Century" panose="02040604050505020304" pitchFamily="18" charset="0"/>
+                        <a:ea typeface="ＭＳ 明朝" panose="02020609040205080304" pitchFamily="17" charset="-128"/>
+                        <a:cs typeface="Times New Roman" panose="02020603050405020304" pitchFamily="18" charset="0"/>
+                      </a:endParaRPr>
+                    </a:p>
+                  </a:txBody>
+                  <a:tcPr marL="51435" marR="51435" marT="0" marB="0">
+                    <a:lnL w="12700" cap="flat" cmpd="sng" algn="ctr">
+                      <a:solidFill>
+                        <a:schemeClr val="tx1"/>
+                      </a:solidFill>
+                      <a:prstDash val="solid"/>
+                      <a:round/>
+                      <a:headEnd type="none" w="med" len="med"/>
+                      <a:tailEnd type="none" w="med" len="med"/>
+                    </a:lnL>
+                    <a:lnR w="12700" cap="flat" cmpd="sng" algn="ctr">
+                      <a:solidFill>
+                        <a:schemeClr val="tx1"/>
+                      </a:solidFill>
+                      <a:prstDash val="solid"/>
+                      <a:round/>
+                      <a:headEnd type="none" w="med" len="med"/>
+                      <a:tailEnd type="none" w="med" len="med"/>
+                    </a:lnR>
+                    <a:lnT w="12700" cap="flat" cmpd="sng" algn="ctr">
+                      <a:solidFill>
+                        <a:schemeClr val="tx1"/>
+                      </a:solidFill>
+                      <a:prstDash val="solid"/>
+                      <a:round/>
+                      <a:headEnd type="none" w="med" len="med"/>
+                      <a:tailEnd type="none" w="med" len="med"/>
+                    </a:lnT>
+                    <a:lnB w="12700" cap="flat" cmpd="sng" algn="ctr">
+                      <a:solidFill>
+                        <a:schemeClr val="tx1"/>
+                      </a:solidFill>
+                      <a:prstDash val="solid"/>
+                      <a:round/>
+                      <a:headEnd type="none" w="med" len="med"/>
+                      <a:tailEnd type="none" w="med" len="med"/>
+                    </a:lnB>
+                  </a:tcPr>
+                </a:tc>
+                <a:tc>
+                  <a:txBody>
+                    <a:bodyPr/>
+                    <a:lstStyle/>
+                    <a:p>
+                      <a:pPr algn="just">
+                        <a:spcAft>
+                          <a:spcPts val="0"/>
+                        </a:spcAft>
+                      </a:pPr>
+                      <a:r>
+                        <a:rPr lang="ja-JP" sz="1600" kern="100" dirty="0">
+                          <a:effectLst/>
+                          <a:latin typeface="Century" panose="02040604050505020304" pitchFamily="18" charset="0"/>
+                          <a:ea typeface="ＭＳ 明朝" panose="02020609040205080304" pitchFamily="17" charset="-128"/>
+                          <a:cs typeface="Times New Roman" panose="02020603050405020304" pitchFamily="18" charset="0"/>
+                        </a:rPr>
+                        <a:t>（予約語，不等号</a:t>
+                      </a:r>
+                      <a:r>
+                        <a:rPr lang="ja-JP" sz="1600" kern="100" dirty="0" smtClean="0">
+                          <a:effectLst/>
+                          <a:latin typeface="Century" panose="02040604050505020304" pitchFamily="18" charset="0"/>
+                          <a:ea typeface="ＭＳ 明朝" panose="02020609040205080304" pitchFamily="17" charset="-128"/>
+                          <a:cs typeface="Times New Roman" panose="02020603050405020304" pitchFamily="18" charset="0"/>
+                        </a:rPr>
+                        <a:t>，</a:t>
+                      </a:r>
+                      <a:endParaRPr lang="en-US" altLang="ja-JP" sz="1600" kern="100" dirty="0" smtClean="0">
+                        <a:effectLst/>
+                        <a:latin typeface="Century" panose="02040604050505020304" pitchFamily="18" charset="0"/>
+                        <a:ea typeface="ＭＳ 明朝" panose="02020609040205080304" pitchFamily="17" charset="-128"/>
+                        <a:cs typeface="Times New Roman" panose="02020603050405020304" pitchFamily="18" charset="0"/>
+                      </a:endParaRPr>
+                    </a:p>
+                    <a:p>
+                      <a:pPr algn="just">
+                        <a:spcAft>
+                          <a:spcPts val="0"/>
+                        </a:spcAft>
+                      </a:pPr>
+                      <a:r>
+                        <a:rPr lang="ja-JP" sz="1600" kern="100" dirty="0" smtClean="0">
+                          <a:effectLst/>
+                          <a:latin typeface="Century" panose="02040604050505020304" pitchFamily="18" charset="0"/>
+                          <a:ea typeface="ＭＳ 明朝" panose="02020609040205080304" pitchFamily="17" charset="-128"/>
+                          <a:cs typeface="Times New Roman" panose="02020603050405020304" pitchFamily="18" charset="0"/>
+                        </a:rPr>
+                        <a:t>四則</a:t>
+                      </a:r>
+                      <a:r>
+                        <a:rPr lang="ja-JP" sz="1600" kern="100" dirty="0">
+                          <a:effectLst/>
+                          <a:latin typeface="Century" panose="02040604050505020304" pitchFamily="18" charset="0"/>
+                          <a:ea typeface="ＭＳ 明朝" panose="02020609040205080304" pitchFamily="17" charset="-128"/>
+                          <a:cs typeface="Times New Roman" panose="02020603050405020304" pitchFamily="18" charset="0"/>
+                        </a:rPr>
+                        <a:t>演算， </a:t>
+                      </a:r>
+                      <a:r>
+                        <a:rPr lang="ja-JP" sz="1600" kern="100" dirty="0" smtClean="0">
+                          <a:effectLst/>
+                          <a:latin typeface="Century" panose="02040604050505020304" pitchFamily="18" charset="0"/>
+                          <a:ea typeface="ＭＳ 明朝" panose="02020609040205080304" pitchFamily="17" charset="-128"/>
+                          <a:cs typeface="Times New Roman" panose="02020603050405020304" pitchFamily="18" charset="0"/>
+                        </a:rPr>
+                        <a:t>特殊</a:t>
+                      </a:r>
+                      <a:r>
+                        <a:rPr lang="ja-JP" sz="1600" kern="100" dirty="0">
+                          <a:effectLst/>
+                          <a:latin typeface="Century" panose="02040604050505020304" pitchFamily="18" charset="0"/>
+                          <a:ea typeface="ＭＳ 明朝" panose="02020609040205080304" pitchFamily="17" charset="-128"/>
+                          <a:cs typeface="Times New Roman" panose="02020603050405020304" pitchFamily="18" charset="0"/>
+                        </a:rPr>
+                        <a:t>記号）</a:t>
+                      </a:r>
+                    </a:p>
+                  </a:txBody>
+                  <a:tcPr marL="51435" marR="51435" marT="0" marB="0">
+                    <a:lnL w="12700" cap="flat" cmpd="sng" algn="ctr">
+                      <a:solidFill>
+                        <a:schemeClr val="tx1"/>
+                      </a:solidFill>
+                      <a:prstDash val="solid"/>
+                      <a:round/>
+                      <a:headEnd type="none" w="med" len="med"/>
+                      <a:tailEnd type="none" w="med" len="med"/>
+                    </a:lnL>
+                    <a:lnR w="12700" cap="flat" cmpd="sng" algn="ctr">
+                      <a:solidFill>
+                        <a:schemeClr val="tx1"/>
+                      </a:solidFill>
+                      <a:prstDash val="solid"/>
+                      <a:round/>
+                      <a:headEnd type="none" w="med" len="med"/>
+                      <a:tailEnd type="none" w="med" len="med"/>
+                    </a:lnR>
+                    <a:lnT w="12700" cap="flat" cmpd="sng" algn="ctr">
+                      <a:solidFill>
+                        <a:schemeClr val="tx1"/>
+                      </a:solidFill>
+                      <a:prstDash val="solid"/>
+                      <a:round/>
+                      <a:headEnd type="none" w="med" len="med"/>
+                      <a:tailEnd type="none" w="med" len="med"/>
+                    </a:lnT>
+                    <a:lnB w="12700" cap="flat" cmpd="sng" algn="ctr">
+                      <a:solidFill>
+                        <a:schemeClr val="tx1"/>
+                      </a:solidFill>
+                      <a:prstDash val="solid"/>
+                      <a:round/>
+                      <a:headEnd type="none" w="med" len="med"/>
+                      <a:tailEnd type="none" w="med" len="med"/>
+                    </a:lnB>
+                  </a:tcPr>
+                </a:tc>
+                <a:extLst>
+                  <a:ext uri="{0D108BD9-81ED-4DB2-BD59-A6C34878D82A}">
+                    <a16:rowId xmlns:a16="http://schemas.microsoft.com/office/drawing/2014/main" val="43454857"/>
+                  </a:ext>
+                </a:extLst>
+              </a:tr>
+              <a:tr h="335088">
+                <a:tc>
+                  <a:txBody>
+                    <a:bodyPr/>
+                    <a:lstStyle/>
+                    <a:p>
+                      <a:pPr algn="ctr">
+                        <a:spcAft>
+                          <a:spcPts val="0"/>
+                        </a:spcAft>
+                      </a:pPr>
+                      <a:r>
+                        <a:rPr lang="ja-JP" sz="1600" kern="100">
+                          <a:effectLst/>
+                          <a:latin typeface="Century" panose="02040604050505020304" pitchFamily="18" charset="0"/>
+                          <a:ea typeface="ＭＳ 明朝" panose="02020609040205080304" pitchFamily="17" charset="-128"/>
+                          <a:cs typeface="Times New Roman" panose="02020603050405020304" pitchFamily="18" charset="0"/>
+                        </a:rPr>
+                        <a:t>５</a:t>
+                      </a:r>
+                    </a:p>
+                  </a:txBody>
+                  <a:tcPr marL="51435" marR="51435" marT="0" marB="0">
+                    <a:lnL w="12700" cap="flat" cmpd="sng" algn="ctr">
+                      <a:solidFill>
+                        <a:schemeClr val="tx1"/>
+                      </a:solidFill>
+                      <a:prstDash val="solid"/>
+                      <a:round/>
+                      <a:headEnd type="none" w="med" len="med"/>
+                      <a:tailEnd type="none" w="med" len="med"/>
+                    </a:lnL>
+                    <a:lnR w="12700" cap="flat" cmpd="sng" algn="ctr">
+                      <a:solidFill>
+                        <a:schemeClr val="tx1"/>
+                      </a:solidFill>
+                      <a:prstDash val="solid"/>
+                      <a:round/>
+                      <a:headEnd type="none" w="med" len="med"/>
+                      <a:tailEnd type="none" w="med" len="med"/>
+                    </a:lnR>
+                    <a:lnT w="12700" cap="flat" cmpd="sng" algn="ctr">
+                      <a:solidFill>
+                        <a:schemeClr val="tx1"/>
+                      </a:solidFill>
+                      <a:prstDash val="solid"/>
+                      <a:round/>
+                      <a:headEnd type="none" w="med" len="med"/>
+                      <a:tailEnd type="none" w="med" len="med"/>
+                    </a:lnT>
+                    <a:lnB w="12700" cap="flat" cmpd="sng" algn="ctr">
+                      <a:solidFill>
+                        <a:schemeClr val="tx1"/>
+                      </a:solidFill>
+                      <a:prstDash val="solid"/>
+                      <a:round/>
+                      <a:headEnd type="none" w="med" len="med"/>
+                      <a:tailEnd type="none" w="med" len="med"/>
+                    </a:lnB>
+                  </a:tcPr>
+                </a:tc>
+                <a:tc>
+                  <a:txBody>
+                    <a:bodyPr/>
+                    <a:lstStyle/>
+                    <a:p>
+                      <a:pPr algn="just">
+                        <a:spcAft>
+                          <a:spcPts val="0"/>
+                        </a:spcAft>
+                      </a:pPr>
+                      <a:r>
+                        <a:rPr lang="ja-JP" sz="1600" kern="100" dirty="0">
+                          <a:effectLst/>
+                          <a:latin typeface="Century" panose="02040604050505020304" pitchFamily="18" charset="0"/>
+                          <a:ea typeface="ＭＳ 明朝" panose="02020609040205080304" pitchFamily="17" charset="-128"/>
+                          <a:cs typeface="Times New Roman" panose="02020603050405020304" pitchFamily="18" charset="0"/>
+                        </a:rPr>
+                        <a:t>選択肢のみから正解が推測できない． </a:t>
+                      </a:r>
+                    </a:p>
+                  </a:txBody>
+                  <a:tcPr marL="51435" marR="51435" marT="0" marB="0">
+                    <a:lnL w="12700" cap="flat" cmpd="sng" algn="ctr">
+                      <a:solidFill>
+                        <a:schemeClr val="tx1"/>
+                      </a:solidFill>
+                      <a:prstDash val="solid"/>
+                      <a:round/>
+                      <a:headEnd type="none" w="med" len="med"/>
+                      <a:tailEnd type="none" w="med" len="med"/>
+                    </a:lnL>
+                    <a:lnR w="12700" cap="flat" cmpd="sng" algn="ctr">
+                      <a:solidFill>
+                        <a:schemeClr val="tx1"/>
+                      </a:solidFill>
+                      <a:prstDash val="solid"/>
+                      <a:round/>
+                      <a:headEnd type="none" w="med" len="med"/>
+                      <a:tailEnd type="none" w="med" len="med"/>
+                    </a:lnR>
+                    <a:lnT w="12700" cap="flat" cmpd="sng" algn="ctr">
+                      <a:solidFill>
+                        <a:schemeClr val="tx1"/>
+                      </a:solidFill>
+                      <a:prstDash val="solid"/>
+                      <a:round/>
+                      <a:headEnd type="none" w="med" len="med"/>
+                      <a:tailEnd type="none" w="med" len="med"/>
+                    </a:lnT>
+                    <a:lnB w="12700" cap="flat" cmpd="sng" algn="ctr">
+                      <a:solidFill>
+                        <a:schemeClr val="tx1"/>
+                      </a:solidFill>
+                      <a:prstDash val="solid"/>
+                      <a:round/>
+                      <a:headEnd type="none" w="med" len="med"/>
+                      <a:tailEnd type="none" w="med" len="med"/>
+                    </a:lnB>
+                  </a:tcPr>
+                </a:tc>
+                <a:tc>
+                  <a:txBody>
+                    <a:bodyPr/>
+                    <a:lstStyle/>
+                    <a:p>
+                      <a:pPr algn="just">
+                        <a:spcAft>
+                          <a:spcPts val="0"/>
+                        </a:spcAft>
+                      </a:pPr>
+                      <a:r>
+                        <a:rPr lang="en-US" sz="1600" kern="100" dirty="0">
+                          <a:effectLst/>
+                          <a:latin typeface="Century" panose="02040604050505020304" pitchFamily="18" charset="0"/>
+                          <a:ea typeface="ＭＳ 明朝" panose="02020609040205080304" pitchFamily="17" charset="-128"/>
+                          <a:cs typeface="Times New Roman" panose="02020603050405020304" pitchFamily="18" charset="0"/>
+                        </a:rPr>
+                        <a:t>Yes / No</a:t>
+                      </a:r>
+                      <a:endParaRPr lang="ja-JP" sz="1600" kern="100" dirty="0">
+                        <a:effectLst/>
+                        <a:latin typeface="Century" panose="02040604050505020304" pitchFamily="18" charset="0"/>
+                        <a:ea typeface="ＭＳ 明朝" panose="02020609040205080304" pitchFamily="17" charset="-128"/>
+                        <a:cs typeface="Times New Roman" panose="02020603050405020304" pitchFamily="18" charset="0"/>
+                      </a:endParaRPr>
+                    </a:p>
+                  </a:txBody>
+                  <a:tcPr marL="51435" marR="51435" marT="0" marB="0">
+                    <a:lnL w="12700" cap="flat" cmpd="sng" algn="ctr">
+                      <a:solidFill>
+                        <a:schemeClr val="tx1"/>
+                      </a:solidFill>
+                      <a:prstDash val="solid"/>
+                      <a:round/>
+                      <a:headEnd type="none" w="med" len="med"/>
+                      <a:tailEnd type="none" w="med" len="med"/>
+                    </a:lnL>
+                    <a:lnR w="12700" cap="flat" cmpd="sng" algn="ctr">
+                      <a:solidFill>
+                        <a:schemeClr val="tx1"/>
+                      </a:solidFill>
+                      <a:prstDash val="solid"/>
+                      <a:round/>
+                      <a:headEnd type="none" w="med" len="med"/>
+                      <a:tailEnd type="none" w="med" len="med"/>
+                    </a:lnR>
+                    <a:lnT w="12700" cap="flat" cmpd="sng" algn="ctr">
+                      <a:solidFill>
+                        <a:schemeClr val="tx1"/>
+                      </a:solidFill>
+                      <a:prstDash val="solid"/>
+                      <a:round/>
+                      <a:headEnd type="none" w="med" len="med"/>
+                      <a:tailEnd type="none" w="med" len="med"/>
+                    </a:lnT>
+                    <a:lnB w="12700" cap="flat" cmpd="sng" algn="ctr">
+                      <a:solidFill>
+                        <a:schemeClr val="tx1"/>
+                      </a:solidFill>
+                      <a:prstDash val="solid"/>
+                      <a:round/>
+                      <a:headEnd type="none" w="med" len="med"/>
+                      <a:tailEnd type="none" w="med" len="med"/>
+                    </a:lnB>
+                  </a:tcPr>
+                </a:tc>
+                <a:extLst>
+                  <a:ext uri="{0D108BD9-81ED-4DB2-BD59-A6C34878D82A}">
+                    <a16:rowId xmlns:a16="http://schemas.microsoft.com/office/drawing/2014/main" val="3966839382"/>
+                  </a:ext>
+                </a:extLst>
+              </a:tr>
+            </a:tbl>
+          </a:graphicData>
+        </a:graphic>
+      </p:graphicFrame>
+      <p:sp>
+        <p:nvSpPr>
+          <p:cNvPr id="6" name="スライド番号プレースホルダー 5"/>
+          <p:cNvSpPr>
+            <a:spLocks noGrp="1"/>
+          </p:cNvSpPr>
+          <p:nvPr>
+            <p:ph type="sldNum" sz="quarter" idx="12"/>
+          </p:nvPr>
+        </p:nvSpPr>
+        <p:spPr/>
+        <p:txBody>
+          <a:bodyPr/>
+          <a:lstStyle/>
+          <a:p>
+            <a:fld id="{7A0C0510-5AD5-45F8-B3F1-46CC91AC00B1}" type="slidenum">
+              <a:rPr kumimoji="1" lang="ja-JP" altLang="en-US" smtClean="0"/>
+              <a:t>10</a:t>
+            </a:fld>
+            <a:endParaRPr kumimoji="1" lang="ja-JP" altLang="en-US"/>
+          </a:p>
+        </p:txBody>
+      </p:sp>
+    </p:spTree>
+    <p:extLst>
+      <p:ext uri="{BB962C8B-B14F-4D97-AF65-F5344CB8AC3E}">
+        <p14:creationId xmlns:p14="http://schemas.microsoft.com/office/powerpoint/2010/main" val="668627849"/>
+      </p:ext>
+    </p:extLst>
+  </p:cSld>
+  <p:clrMapOvr>
+    <a:masterClrMapping/>
+  </p:clrMapOvr>
+  <p:timing>
+    <p:tnLst>
+      <p:par>
+        <p:cTn id="1" dur="indefinite" restart="never" nodeType="tmRoot"/>
+      </p:par>
+    </p:tnLst>
+  </p:timing>
+</p:sld>
+</file>
+
+<file path=ppt/slides/slide11.xml><?xml version="1.0" encoding="utf-8"?>
+<p:sld xmlns:a="http://schemas.openxmlformats.org/drawingml/2006/main" xmlns:r="http://schemas.openxmlformats.org/officeDocument/2006/relationships" xmlns:p="http://schemas.openxmlformats.org/presentationml/2006/main">
+  <p:cSld>
+    <p:spTree>
+      <p:nvGrpSpPr>
+        <p:cNvPr id="1" name=""/>
+        <p:cNvGrpSpPr/>
+        <p:nvPr/>
+      </p:nvGrpSpPr>
+      <p:grpSpPr>
+        <a:xfrm>
+          <a:off x="0" y="0"/>
+          <a:ext cx="0" cy="0"/>
+          <a:chOff x="0" y="0"/>
+          <a:chExt cx="0" cy="0"/>
+        </a:xfrm>
+      </p:grpSpPr>
+      <p:sp>
+        <p:nvSpPr>
+          <p:cNvPr id="2" name="タイトル 1"/>
+          <p:cNvSpPr>
+            <a:spLocks noGrp="1"/>
+          </p:cNvSpPr>
+          <p:nvPr>
+            <p:ph type="title"/>
+          </p:nvPr>
+        </p:nvSpPr>
         <p:spPr>
           <a:xfrm>
-            <a:off x="1146988" y="955873"/>
+            <a:off x="377799" y="470343"/>
             <a:ext cx="7886700" cy="1105599"/>
           </a:xfrm>
         </p:spPr>
@@ -5613,8 +6615,8 @@
         </p:nvSpPr>
         <p:spPr>
           <a:xfrm>
-            <a:off x="1926405" y="2406484"/>
-            <a:ext cx="1223412" cy="300082"/>
+            <a:off x="1602634" y="2690962"/>
+            <a:ext cx="1569660" cy="369332"/>
           </a:xfrm>
           <a:prstGeom prst="rect">
             <a:avLst/>
@@ -5628,10 +6630,10 @@
           <a:lstStyle/>
           <a:p>
             <a:r>
-              <a:rPr lang="ja-JP" altLang="ja-JP" sz="1350" dirty="0"/>
+              <a:rPr lang="ja-JP" altLang="ja-JP" dirty="0"/>
               <a:t>全問題の結果</a:t>
             </a:r>
-            <a:endParaRPr lang="ja-JP" altLang="en-US" sz="1350" dirty="0"/>
+            <a:endParaRPr lang="ja-JP" altLang="en-US" dirty="0"/>
           </a:p>
         </p:txBody>
       </p:sp>
@@ -5643,8 +6645,8 @@
         </p:nvSpPr>
         <p:spPr>
           <a:xfrm>
-            <a:off x="5747175" y="2406484"/>
-            <a:ext cx="1742785" cy="300082"/>
+            <a:off x="5567663" y="2701784"/>
+            <a:ext cx="2262158" cy="369332"/>
           </a:xfrm>
           <a:prstGeom prst="rect">
             <a:avLst/>
@@ -5657,14 +6659,14 @@
           <a:lstStyle/>
           <a:p>
             <a:r>
-              <a:rPr lang="ja-JP" altLang="ja-JP" sz="1350" dirty="0">
+              <a:rPr lang="ja-JP" altLang="ja-JP" dirty="0">
                 <a:latin typeface="Century" panose="02040604050505020304" pitchFamily="18" charset="0"/>
                 <a:ea typeface="ＭＳ 明朝" panose="02020609040205080304" pitchFamily="17" charset="-128"/>
                 <a:cs typeface="Times New Roman" panose="02020603050405020304" pitchFamily="18" charset="0"/>
               </a:rPr>
               <a:t>難易度：簡単の結果</a:t>
             </a:r>
-            <a:endParaRPr lang="ja-JP" altLang="en-US" sz="1350" dirty="0"/>
+            <a:endParaRPr lang="ja-JP" altLang="en-US" dirty="0"/>
           </a:p>
         </p:txBody>
       </p:sp>
@@ -5676,8 +6678,8 @@
         </p:nvSpPr>
         <p:spPr>
           <a:xfrm>
-            <a:off x="1776562" y="4106551"/>
-            <a:ext cx="1742785" cy="300082"/>
+            <a:off x="1561229" y="4619774"/>
+            <a:ext cx="2262158" cy="369332"/>
           </a:xfrm>
           <a:prstGeom prst="rect">
             <a:avLst/>
@@ -5690,14 +6692,14 @@
           <a:lstStyle/>
           <a:p>
             <a:r>
-              <a:rPr lang="ja-JP" altLang="ja-JP" sz="1350" dirty="0">
+              <a:rPr lang="ja-JP" altLang="ja-JP" dirty="0">
                 <a:latin typeface="Century" panose="02040604050505020304" pitchFamily="18" charset="0"/>
                 <a:ea typeface="ＭＳ 明朝" panose="02020609040205080304" pitchFamily="17" charset="-128"/>
                 <a:cs typeface="Times New Roman" panose="02020603050405020304" pitchFamily="18" charset="0"/>
               </a:rPr>
               <a:t>難易度：普通の結果</a:t>
             </a:r>
-            <a:endParaRPr lang="ja-JP" altLang="en-US" sz="1350" dirty="0"/>
+            <a:endParaRPr lang="ja-JP" altLang="en-US" dirty="0"/>
           </a:p>
         </p:txBody>
       </p:sp>
@@ -5709,8 +6711,8 @@
         </p:nvSpPr>
         <p:spPr>
           <a:xfrm>
-            <a:off x="5660613" y="4106551"/>
-            <a:ext cx="1915909" cy="300082"/>
+            <a:off x="5567663" y="4611607"/>
+            <a:ext cx="2492990" cy="369332"/>
           </a:xfrm>
           <a:prstGeom prst="rect">
             <a:avLst/>
@@ -5723,7 +6725,7 @@
           <a:lstStyle/>
           <a:p>
             <a:r>
-              <a:rPr lang="ja-JP" altLang="ja-JP" sz="1350" dirty="0">
+              <a:rPr lang="ja-JP" altLang="ja-JP" dirty="0">
                 <a:latin typeface="Century" panose="02040604050505020304" pitchFamily="18" charset="0"/>
                 <a:ea typeface="ＭＳ 明朝" panose="02020609040205080304" pitchFamily="17" charset="-128"/>
                 <a:cs typeface="Times New Roman" panose="02020603050405020304" pitchFamily="18" charset="0"/>
@@ -5731,7 +6733,7 @@
               <a:t>難易度：</a:t>
             </a:r>
             <a:r>
-              <a:rPr lang="ja-JP" altLang="ja-JP" sz="1350" dirty="0" err="1">
+              <a:rPr lang="ja-JP" altLang="ja-JP" dirty="0" err="1">
                 <a:latin typeface="Century" panose="02040604050505020304" pitchFamily="18" charset="0"/>
                 <a:ea typeface="ＭＳ 明朝" panose="02020609040205080304" pitchFamily="17" charset="-128"/>
                 <a:cs typeface="Times New Roman" panose="02020603050405020304" pitchFamily="18" charset="0"/>
@@ -5739,14 +6741,14 @@
               <a:t>難しいの</a:t>
             </a:r>
             <a:r>
-              <a:rPr lang="ja-JP" altLang="ja-JP" sz="1350" dirty="0">
+              <a:rPr lang="ja-JP" altLang="ja-JP" dirty="0">
                 <a:latin typeface="Century" panose="02040604050505020304" pitchFamily="18" charset="0"/>
                 <a:ea typeface="ＭＳ 明朝" panose="02020609040205080304" pitchFamily="17" charset="-128"/>
                 <a:cs typeface="Times New Roman" panose="02020603050405020304" pitchFamily="18" charset="0"/>
               </a:rPr>
               <a:t>結果</a:t>
             </a:r>
-            <a:endParaRPr lang="ja-JP" altLang="en-US" sz="1350" dirty="0"/>
+            <a:endParaRPr lang="ja-JP" altLang="en-US" dirty="0"/>
           </a:p>
         </p:txBody>
       </p:sp>
@@ -5767,7 +6769,7 @@
           <a:p>
             <a:fld id="{7A0C0510-5AD5-45F8-B3F1-46CC91AC00B1}" type="slidenum">
               <a:rPr kumimoji="1" lang="ja-JP" altLang="en-US" smtClean="0"/>
-              <a:t>10</a:t>
+              <a:t>11</a:t>
             </a:fld>
             <a:endParaRPr kumimoji="1" lang="ja-JP" altLang="en-US"/>
           </a:p>
@@ -5783,13 +6785,13 @@
             <p:ph idx="1"/>
             <p:extLst>
               <p:ext uri="{D42A27DB-BD31-4B8C-83A1-F6EECF244321}">
-                <p14:modId xmlns:p14="http://schemas.microsoft.com/office/powerpoint/2010/main" val="2860536069"/>
+                <p14:modId xmlns:p14="http://schemas.microsoft.com/office/powerpoint/2010/main" val="3124995651"/>
               </p:ext>
             </p:extLst>
           </p:nvPr>
         </p:nvGraphicFramePr>
         <p:xfrm>
-          <a:off x="374647" y="2683484"/>
+          <a:off x="377799" y="3081291"/>
           <a:ext cx="4019330" cy="1117313"/>
         </p:xfrm>
         <a:graphic>
@@ -5919,7 +6921,7 @@
                     <a:p>
                       <a:pPr algn="ctr" fontAlgn="ctr"/>
                       <a:r>
-                        <a:rPr lang="ja-JP" altLang="en-US" sz="1600" b="0" i="0" u="none" strike="noStrike">
+                        <a:rPr lang="ja-JP" altLang="en-US" sz="1600" b="0" i="0" u="none" strike="noStrike" dirty="0">
                           <a:solidFill>
                             <a:srgbClr val="000000"/>
                           </a:solidFill>
@@ -5975,9 +6977,9 @@
                     <a:bodyPr/>
                     <a:lstStyle/>
                     <a:p>
-                      <a:pPr algn="r" fontAlgn="ctr"/>
+                      <a:pPr algn="ctr" fontAlgn="ctr"/>
                       <a:r>
-                        <a:rPr lang="en-US" altLang="ja-JP" sz="1600" b="0" i="0" u="none" strike="noStrike">
+                        <a:rPr lang="en-US" altLang="ja-JP" sz="1600" b="0" i="0" u="none" strike="noStrike" dirty="0">
                           <a:solidFill>
                             <a:srgbClr val="000000"/>
                           </a:solidFill>
@@ -6395,7 +7397,7 @@
                     <a:bodyPr/>
                     <a:lstStyle/>
                     <a:p>
-                      <a:pPr algn="r" fontAlgn="b"/>
+                      <a:pPr algn="ctr" fontAlgn="b"/>
                       <a:r>
                         <a:rPr lang="en-US" altLang="ja-JP" sz="1600" b="0" i="0" u="none" strike="noStrike">
                           <a:solidFill>
@@ -6453,7 +7455,7 @@
                     <a:bodyPr/>
                     <a:lstStyle/>
                     <a:p>
-                      <a:pPr algn="r" fontAlgn="b"/>
+                      <a:pPr algn="ctr" fontAlgn="b"/>
                       <a:r>
                         <a:rPr lang="en-US" altLang="ja-JP" sz="1600" b="0" i="0" u="none" strike="noStrike">
                           <a:solidFill>
@@ -6511,7 +7513,7 @@
                     <a:bodyPr/>
                     <a:lstStyle/>
                     <a:p>
-                      <a:pPr algn="r" fontAlgn="b"/>
+                      <a:pPr algn="ctr" fontAlgn="b"/>
                       <a:r>
                         <a:rPr lang="en-US" altLang="ja-JP" sz="1600" b="0" i="0" u="none" strike="noStrike" dirty="0" smtClean="0">
                           <a:solidFill>
@@ -6577,7 +7579,7 @@
                     <a:bodyPr/>
                     <a:lstStyle/>
                     <a:p>
-                      <a:pPr algn="r" fontAlgn="b"/>
+                      <a:pPr algn="ctr" fontAlgn="b"/>
                       <a:r>
                         <a:rPr lang="en-US" altLang="ja-JP" sz="1600" b="0" i="0" u="none" strike="noStrike" dirty="0">
                           <a:solidFill>
@@ -6649,13 +7651,13 @@
           <p:nvPr>
             <p:extLst>
               <p:ext uri="{D42A27DB-BD31-4B8C-83A1-F6EECF244321}">
-                <p14:modId xmlns:p14="http://schemas.microsoft.com/office/powerpoint/2010/main" val="1516947886"/>
+                <p14:modId xmlns:p14="http://schemas.microsoft.com/office/powerpoint/2010/main" val="3076600014"/>
               </p:ext>
             </p:extLst>
           </p:nvPr>
         </p:nvGraphicFramePr>
         <p:xfrm>
-          <a:off x="4695313" y="2690255"/>
+          <a:off x="4698465" y="3088062"/>
           <a:ext cx="4165465" cy="1110541"/>
         </p:xfrm>
         <a:graphic>
@@ -6773,9 +7775,9 @@
                     <a:bodyPr/>
                     <a:lstStyle/>
                     <a:p>
-                      <a:pPr algn="l" fontAlgn="ctr"/>
+                      <a:pPr algn="ctr" fontAlgn="ctr"/>
                       <a:r>
-                        <a:rPr lang="ja-JP" altLang="en-US" sz="1600" b="0" i="0" u="none" strike="noStrike">
+                        <a:rPr lang="ja-JP" altLang="en-US" sz="1600" b="0" i="0" u="none" strike="noStrike" dirty="0">
                           <a:solidFill>
                             <a:srgbClr val="000000"/>
                           </a:solidFill>
@@ -6889,7 +7891,7 @@
                     <a:bodyPr/>
                     <a:lstStyle/>
                     <a:p>
-                      <a:pPr algn="r" fontAlgn="ctr"/>
+                      <a:pPr algn="ctr" fontAlgn="ctr"/>
                       <a:r>
                         <a:rPr lang="en-US" altLang="ja-JP" sz="1600" b="0" i="0" u="none" strike="noStrike">
                           <a:solidFill>
@@ -7130,7 +8132,7 @@
                     <a:p>
                       <a:pPr algn="ctr" fontAlgn="b"/>
                       <a:r>
-                        <a:rPr lang="ja-JP" altLang="en-US" sz="1600" b="0" i="0" u="none" strike="noStrike">
+                        <a:rPr lang="ja-JP" altLang="en-US" sz="1600" b="0" i="0" u="none" strike="noStrike" dirty="0">
                           <a:solidFill>
                             <a:srgbClr val="000000"/>
                           </a:solidFill>
@@ -7251,7 +8253,7 @@
                     <a:bodyPr/>
                     <a:lstStyle/>
                     <a:p>
-                      <a:pPr algn="r" fontAlgn="b"/>
+                      <a:pPr algn="ctr" fontAlgn="b"/>
                       <a:r>
                         <a:rPr lang="en-US" altLang="ja-JP" sz="1600" b="0" i="0" u="none" strike="noStrike">
                           <a:solidFill>
@@ -7309,7 +8311,7 @@
                     <a:bodyPr/>
                     <a:lstStyle/>
                     <a:p>
-                      <a:pPr algn="r" fontAlgn="b"/>
+                      <a:pPr algn="ctr" fontAlgn="b"/>
                       <a:r>
                         <a:rPr lang="en-US" altLang="ja-JP" sz="1600" b="0" i="0" u="none" strike="noStrike">
                           <a:solidFill>
@@ -7367,7 +8369,7 @@
                     <a:bodyPr/>
                     <a:lstStyle/>
                     <a:p>
-                      <a:pPr algn="r" fontAlgn="b"/>
+                      <a:pPr algn="ctr" fontAlgn="b"/>
                       <a:r>
                         <a:rPr lang="en-US" altLang="ja-JP" sz="1600" b="0" i="0" u="none" strike="noStrike" dirty="0">
                           <a:solidFill>
@@ -7425,7 +8427,7 @@
                     <a:bodyPr/>
                     <a:lstStyle/>
                     <a:p>
-                      <a:pPr algn="r" fontAlgn="b"/>
+                      <a:pPr algn="ctr" fontAlgn="b"/>
                       <a:r>
                         <a:rPr lang="en-US" altLang="ja-JP" sz="1600" b="0" i="0" u="none" strike="noStrike" dirty="0" smtClean="0">
                           <a:solidFill>
@@ -7491,7 +8493,7 @@
                     <a:bodyPr/>
                     <a:lstStyle/>
                     <a:p>
-                      <a:pPr algn="r" fontAlgn="b"/>
+                      <a:pPr algn="ctr" fontAlgn="b"/>
                       <a:r>
                         <a:rPr lang="en-US" altLang="ja-JP" sz="1600" b="0" i="0" u="none" strike="noStrike" dirty="0">
                           <a:solidFill>
@@ -7563,13 +8565,13 @@
           <p:nvPr>
             <p:extLst>
               <p:ext uri="{D42A27DB-BD31-4B8C-83A1-F6EECF244321}">
-                <p14:modId xmlns:p14="http://schemas.microsoft.com/office/powerpoint/2010/main" val="1768987952"/>
+                <p14:modId xmlns:p14="http://schemas.microsoft.com/office/powerpoint/2010/main" val="875635270"/>
               </p:ext>
             </p:extLst>
           </p:nvPr>
         </p:nvGraphicFramePr>
         <p:xfrm>
-          <a:off x="374647" y="4601987"/>
+          <a:off x="377799" y="4999794"/>
           <a:ext cx="4019330" cy="1286862"/>
         </p:xfrm>
         <a:graphic>
@@ -7687,9 +8689,9 @@
                     <a:bodyPr/>
                     <a:lstStyle/>
                     <a:p>
-                      <a:pPr algn="l" fontAlgn="ctr"/>
+                      <a:pPr algn="ctr" fontAlgn="ctr"/>
                       <a:r>
-                        <a:rPr lang="ja-JP" altLang="en-US" sz="1600" b="0" i="0" u="none" strike="noStrike">
+                        <a:rPr lang="ja-JP" altLang="en-US" sz="1600" b="0" i="0" u="none" strike="noStrike" dirty="0">
                           <a:solidFill>
                             <a:srgbClr val="000000"/>
                           </a:solidFill>
@@ -7803,7 +8805,7 @@
                     <a:bodyPr/>
                     <a:lstStyle/>
                     <a:p>
-                      <a:pPr algn="r" fontAlgn="ctr"/>
+                      <a:pPr algn="ctr" fontAlgn="ctr"/>
                       <a:r>
                         <a:rPr lang="en-US" altLang="ja-JP" sz="1600" b="0" i="0" u="none" strike="noStrike">
                           <a:solidFill>
@@ -8044,7 +9046,7 @@
                     <a:p>
                       <a:pPr algn="ctr" fontAlgn="b"/>
                       <a:r>
-                        <a:rPr lang="ja-JP" altLang="en-US" sz="1600" b="0" i="0" u="none" strike="noStrike">
+                        <a:rPr lang="ja-JP" altLang="en-US" sz="1600" b="0" i="0" u="none" strike="noStrike" dirty="0">
                           <a:solidFill>
                             <a:srgbClr val="000000"/>
                           </a:solidFill>
@@ -8165,7 +9167,7 @@
                     <a:bodyPr/>
                     <a:lstStyle/>
                     <a:p>
-                      <a:pPr algn="r" fontAlgn="b"/>
+                      <a:pPr algn="ctr" fontAlgn="b"/>
                       <a:r>
                         <a:rPr lang="en-US" altLang="ja-JP" sz="1600" b="0" i="0" u="none" strike="noStrike">
                           <a:solidFill>
@@ -8223,7 +9225,7 @@
                     <a:bodyPr/>
                     <a:lstStyle/>
                     <a:p>
-                      <a:pPr algn="r" fontAlgn="b"/>
+                      <a:pPr algn="ctr" fontAlgn="b"/>
                       <a:r>
                         <a:rPr lang="en-US" altLang="ja-JP" sz="1600" b="0" i="0" u="none" strike="noStrike">
                           <a:solidFill>
@@ -8281,7 +9283,7 @@
                     <a:bodyPr/>
                     <a:lstStyle/>
                     <a:p>
-                      <a:pPr algn="r" fontAlgn="b"/>
+                      <a:pPr algn="ctr" fontAlgn="b"/>
                       <a:r>
                         <a:rPr lang="en-US" altLang="ja-JP" sz="1600" b="0" i="0" u="none" strike="noStrike" dirty="0">
                           <a:solidFill>
@@ -8339,7 +9341,7 @@
                     <a:bodyPr/>
                     <a:lstStyle/>
                     <a:p>
-                      <a:pPr algn="r" fontAlgn="b"/>
+                      <a:pPr algn="ctr" fontAlgn="b"/>
                       <a:r>
                         <a:rPr lang="en-US" altLang="ja-JP" sz="1600" b="0" i="0" u="none" strike="noStrike" dirty="0" smtClean="0">
                           <a:solidFill>
@@ -8405,7 +9407,7 @@
                     <a:bodyPr/>
                     <a:lstStyle/>
                     <a:p>
-                      <a:pPr algn="r" fontAlgn="b"/>
+                      <a:pPr algn="ctr" fontAlgn="b"/>
                       <a:r>
                         <a:rPr lang="en-US" altLang="ja-JP" sz="1600" b="0" i="0" u="none" strike="noStrike" dirty="0">
                           <a:solidFill>
@@ -8477,13 +9479,13 @@
           <p:nvPr>
             <p:extLst>
               <p:ext uri="{D42A27DB-BD31-4B8C-83A1-F6EECF244321}">
-                <p14:modId xmlns:p14="http://schemas.microsoft.com/office/powerpoint/2010/main" val="3249686185"/>
+                <p14:modId xmlns:p14="http://schemas.microsoft.com/office/powerpoint/2010/main" val="4000945710"/>
               </p:ext>
             </p:extLst>
           </p:nvPr>
         </p:nvGraphicFramePr>
         <p:xfrm>
-          <a:off x="4662947" y="4617025"/>
+          <a:off x="4666099" y="5014832"/>
           <a:ext cx="4296118" cy="1271824"/>
         </p:xfrm>
         <a:graphic>
@@ -8601,7 +9603,7 @@
                     <a:bodyPr/>
                     <a:lstStyle/>
                     <a:p>
-                      <a:pPr algn="l" fontAlgn="ctr"/>
+                      <a:pPr algn="ctr" fontAlgn="ctr"/>
                       <a:r>
                         <a:rPr lang="ja-JP" altLang="en-US" sz="1600" b="0" i="0" u="none" strike="noStrike">
                           <a:solidFill>
@@ -8717,7 +9719,7 @@
                     <a:bodyPr/>
                     <a:lstStyle/>
                     <a:p>
-                      <a:pPr algn="r" fontAlgn="ctr"/>
+                      <a:pPr algn="ctr" fontAlgn="ctr"/>
                       <a:r>
                         <a:rPr lang="en-US" altLang="ja-JP" sz="1600" b="0" i="0" u="none" strike="noStrike">
                           <a:solidFill>
@@ -9079,7 +10081,7 @@
                     <a:bodyPr/>
                     <a:lstStyle/>
                     <a:p>
-                      <a:pPr algn="r" fontAlgn="b"/>
+                      <a:pPr algn="ctr" fontAlgn="b"/>
                       <a:r>
                         <a:rPr lang="en-US" altLang="ja-JP" sz="1600" b="0" i="0" u="none" strike="noStrike">
                           <a:solidFill>
@@ -9137,7 +10139,7 @@
                     <a:bodyPr/>
                     <a:lstStyle/>
                     <a:p>
-                      <a:pPr algn="r" fontAlgn="b"/>
+                      <a:pPr algn="ctr" fontAlgn="b"/>
                       <a:r>
                         <a:rPr lang="en-US" altLang="ja-JP" sz="1600" b="0" i="0" u="none" strike="noStrike">
                           <a:solidFill>
@@ -9195,7 +10197,7 @@
                     <a:bodyPr/>
                     <a:lstStyle/>
                     <a:p>
-                      <a:pPr algn="r" fontAlgn="b"/>
+                      <a:pPr algn="ctr" fontAlgn="b"/>
                       <a:r>
                         <a:rPr lang="en-US" altLang="ja-JP" sz="1600" b="0" i="0" u="none" strike="noStrike" dirty="0">
                           <a:solidFill>
@@ -9253,7 +10255,7 @@
                     <a:bodyPr/>
                     <a:lstStyle/>
                     <a:p>
-                      <a:pPr algn="r" fontAlgn="b"/>
+                      <a:pPr algn="ctr" fontAlgn="b"/>
                       <a:r>
                         <a:rPr lang="en-US" altLang="ja-JP" sz="1600" b="0" i="0" u="none" strike="noStrike" dirty="0" smtClean="0">
                           <a:solidFill>
@@ -9319,7 +10321,7 @@
                     <a:bodyPr/>
                     <a:lstStyle/>
                     <a:p>
-                      <a:pPr algn="r" fontAlgn="b"/>
+                      <a:pPr algn="ctr" fontAlgn="b"/>
                       <a:r>
                         <a:rPr lang="en-US" altLang="ja-JP" sz="1600" b="0" i="0" u="none" strike="noStrike" dirty="0">
                           <a:solidFill>
@@ -9382,165 +10384,829 @@
           </a:graphicData>
         </a:graphic>
       </p:graphicFrame>
+      <p:graphicFrame>
+        <p:nvGraphicFramePr>
+          <p:cNvPr id="3" name="表 2"/>
+          <p:cNvGraphicFramePr>
+            <a:graphicFrameLocks noGrp="1"/>
+          </p:cNvGraphicFramePr>
+          <p:nvPr>
+            <p:extLst>
+              <p:ext uri="{D42A27DB-BD31-4B8C-83A1-F6EECF244321}">
+                <p14:modId xmlns:p14="http://schemas.microsoft.com/office/powerpoint/2010/main" val="661501263"/>
+              </p:ext>
+            </p:extLst>
+          </p:nvPr>
+        </p:nvGraphicFramePr>
+        <p:xfrm>
+          <a:off x="4469258" y="223991"/>
+          <a:ext cx="4346854" cy="2397276"/>
+        </p:xfrm>
+        <a:graphic>
+          <a:graphicData uri="http://schemas.openxmlformats.org/drawingml/2006/table">
+            <a:tbl>
+              <a:tblPr firstRow="1" firstCol="1" bandRow="1"/>
+              <a:tblGrid>
+                <a:gridCol w="502410">
+                  <a:extLst>
+                    <a:ext uri="{9D8B030D-6E8A-4147-A177-3AD203B41FA5}">
+                      <a16:colId xmlns:a16="http://schemas.microsoft.com/office/drawing/2014/main" val="693776343"/>
+                    </a:ext>
+                  </a:extLst>
+                </a:gridCol>
+                <a:gridCol w="3844444">
+                  <a:extLst>
+                    <a:ext uri="{9D8B030D-6E8A-4147-A177-3AD203B41FA5}">
+                      <a16:colId xmlns:a16="http://schemas.microsoft.com/office/drawing/2014/main" val="610107544"/>
+                    </a:ext>
+                  </a:extLst>
+                </a:gridCol>
+              </a:tblGrid>
+              <a:tr h="312509">
+                <a:tc>
+                  <a:txBody>
+                    <a:bodyPr/>
+                    <a:lstStyle/>
+                    <a:p>
+                      <a:pPr algn="just">
+                        <a:spcAft>
+                          <a:spcPts val="0"/>
+                        </a:spcAft>
+                      </a:pPr>
+                      <a:r>
+                        <a:rPr lang="en-US" sz="1600" kern="100" dirty="0">
+                          <a:effectLst/>
+                          <a:latin typeface="Century" panose="02040604050505020304" pitchFamily="18" charset="0"/>
+                          <a:ea typeface="ＭＳ 明朝" panose="02020609040205080304" pitchFamily="17" charset="-128"/>
+                          <a:cs typeface="Times New Roman" panose="02020603050405020304" pitchFamily="18" charset="0"/>
+                        </a:rPr>
+                        <a:t> </a:t>
+                      </a:r>
+                      <a:endParaRPr lang="ja-JP" sz="1600" kern="100" dirty="0">
+                        <a:effectLst/>
+                        <a:latin typeface="Century" panose="02040604050505020304" pitchFamily="18" charset="0"/>
+                        <a:ea typeface="ＭＳ 明朝" panose="02020609040205080304" pitchFamily="17" charset="-128"/>
+                        <a:cs typeface="Times New Roman" panose="02020603050405020304" pitchFamily="18" charset="0"/>
+                      </a:endParaRPr>
+                    </a:p>
+                  </a:txBody>
+                  <a:tcPr marL="51435" marR="51435" marT="0" marB="0">
+                    <a:lnL w="12700" cap="flat" cmpd="sng" algn="ctr">
+                      <a:solidFill>
+                        <a:schemeClr val="tx1"/>
+                      </a:solidFill>
+                      <a:prstDash val="solid"/>
+                      <a:round/>
+                      <a:headEnd type="none" w="med" len="med"/>
+                      <a:tailEnd type="none" w="med" len="med"/>
+                    </a:lnL>
+                    <a:lnR w="12700" cap="flat" cmpd="sng" algn="ctr">
+                      <a:solidFill>
+                        <a:schemeClr val="tx1"/>
+                      </a:solidFill>
+                      <a:prstDash val="solid"/>
+                      <a:round/>
+                      <a:headEnd type="none" w="med" len="med"/>
+                      <a:tailEnd type="none" w="med" len="med"/>
+                    </a:lnR>
+                    <a:lnT w="12700" cap="flat" cmpd="sng" algn="ctr">
+                      <a:solidFill>
+                        <a:schemeClr val="tx1"/>
+                      </a:solidFill>
+                      <a:prstDash val="solid"/>
+                      <a:round/>
+                      <a:headEnd type="none" w="med" len="med"/>
+                      <a:tailEnd type="none" w="med" len="med"/>
+                    </a:lnT>
+                    <a:lnB w="12700" cap="flat" cmpd="sng" algn="ctr">
+                      <a:solidFill>
+                        <a:schemeClr val="tx1"/>
+                      </a:solidFill>
+                      <a:prstDash val="solid"/>
+                      <a:round/>
+                      <a:headEnd type="none" w="med" len="med"/>
+                      <a:tailEnd type="none" w="med" len="med"/>
+                    </a:lnB>
+                    <a:lnTlToBr w="6350" cap="flat" cmpd="sng" algn="ctr">
+                      <a:solidFill>
+                        <a:srgbClr val="000000"/>
+                      </a:solidFill>
+                      <a:prstDash val="solid"/>
+                      <a:round/>
+                      <a:headEnd type="none" w="med" len="med"/>
+                      <a:tailEnd type="none" w="med" len="med"/>
+                    </a:lnTlToBr>
+                  </a:tcPr>
+                </a:tc>
+                <a:tc>
+                  <a:txBody>
+                    <a:bodyPr/>
+                    <a:lstStyle/>
+                    <a:p>
+                      <a:pPr algn="ctr">
+                        <a:spcAft>
+                          <a:spcPts val="0"/>
+                        </a:spcAft>
+                      </a:pPr>
+                      <a:r>
+                        <a:rPr lang="ja-JP" sz="1600" kern="100">
+                          <a:effectLst/>
+                          <a:latin typeface="Century" panose="02040604050505020304" pitchFamily="18" charset="0"/>
+                          <a:ea typeface="ＭＳ 明朝" panose="02020609040205080304" pitchFamily="17" charset="-128"/>
+                          <a:cs typeface="Times New Roman" panose="02020603050405020304" pitchFamily="18" charset="0"/>
+                        </a:rPr>
+                        <a:t>基準</a:t>
+                      </a:r>
+                    </a:p>
+                  </a:txBody>
+                  <a:tcPr marL="51435" marR="51435" marT="0" marB="0">
+                    <a:lnL w="12700" cap="flat" cmpd="sng" algn="ctr">
+                      <a:solidFill>
+                        <a:schemeClr val="tx1"/>
+                      </a:solidFill>
+                      <a:prstDash val="solid"/>
+                      <a:round/>
+                      <a:headEnd type="none" w="med" len="med"/>
+                      <a:tailEnd type="none" w="med" len="med"/>
+                    </a:lnL>
+                    <a:lnR w="12700" cap="flat" cmpd="sng" algn="ctr">
+                      <a:solidFill>
+                        <a:srgbClr val="000000"/>
+                      </a:solidFill>
+                      <a:prstDash val="solid"/>
+                      <a:round/>
+                      <a:headEnd type="none" w="med" len="med"/>
+                      <a:tailEnd type="none" w="med" len="med"/>
+                    </a:lnR>
+                    <a:lnT w="12700" cap="flat" cmpd="sng" algn="ctr">
+                      <a:solidFill>
+                        <a:srgbClr val="000000"/>
+                      </a:solidFill>
+                      <a:prstDash val="solid"/>
+                      <a:round/>
+                      <a:headEnd type="none" w="med" len="med"/>
+                      <a:tailEnd type="none" w="med" len="med"/>
+                    </a:lnT>
+                    <a:lnB w="12700" cap="flat" cmpd="sng" algn="ctr">
+                      <a:solidFill>
+                        <a:srgbClr val="000000"/>
+                      </a:solidFill>
+                      <a:prstDash val="solid"/>
+                      <a:round/>
+                      <a:headEnd type="none" w="med" len="med"/>
+                      <a:tailEnd type="none" w="med" len="med"/>
+                    </a:lnB>
+                  </a:tcPr>
+                </a:tc>
+                <a:extLst>
+                  <a:ext uri="{0D108BD9-81ED-4DB2-BD59-A6C34878D82A}">
+                    <a16:rowId xmlns:a16="http://schemas.microsoft.com/office/drawing/2014/main" val="923324479"/>
+                  </a:ext>
+                </a:extLst>
+              </a:tr>
+              <a:tr h="312509">
+                <a:tc>
+                  <a:txBody>
+                    <a:bodyPr/>
+                    <a:lstStyle/>
+                    <a:p>
+                      <a:pPr algn="ctr">
+                        <a:spcAft>
+                          <a:spcPts val="0"/>
+                        </a:spcAft>
+                      </a:pPr>
+                      <a:r>
+                        <a:rPr lang="ja-JP" sz="1600" kern="100" dirty="0">
+                          <a:effectLst/>
+                          <a:latin typeface="Century" panose="02040604050505020304" pitchFamily="18" charset="0"/>
+                          <a:ea typeface="ＭＳ 明朝" panose="02020609040205080304" pitchFamily="17" charset="-128"/>
+                          <a:cs typeface="Times New Roman" panose="02020603050405020304" pitchFamily="18" charset="0"/>
+                        </a:rPr>
+                        <a:t>１</a:t>
+                      </a:r>
+                    </a:p>
+                  </a:txBody>
+                  <a:tcPr marL="51435" marR="51435" marT="0" marB="0">
+                    <a:lnL w="12700" cap="flat" cmpd="sng" algn="ctr">
+                      <a:solidFill>
+                        <a:schemeClr val="tx1"/>
+                      </a:solidFill>
+                      <a:prstDash val="solid"/>
+                      <a:round/>
+                      <a:headEnd type="none" w="med" len="med"/>
+                      <a:tailEnd type="none" w="med" len="med"/>
+                    </a:lnL>
+                    <a:lnR w="12700" cap="flat" cmpd="sng" algn="ctr">
+                      <a:solidFill>
+                        <a:schemeClr val="tx1"/>
+                      </a:solidFill>
+                      <a:prstDash val="solid"/>
+                      <a:round/>
+                      <a:headEnd type="none" w="med" len="med"/>
+                      <a:tailEnd type="none" w="med" len="med"/>
+                    </a:lnR>
+                    <a:lnT w="12700" cap="flat" cmpd="sng" algn="ctr">
+                      <a:solidFill>
+                        <a:schemeClr val="tx1"/>
+                      </a:solidFill>
+                      <a:prstDash val="solid"/>
+                      <a:round/>
+                      <a:headEnd type="none" w="med" len="med"/>
+                      <a:tailEnd type="none" w="med" len="med"/>
+                    </a:lnT>
+                    <a:lnB w="12700" cap="flat" cmpd="sng" algn="ctr">
+                      <a:solidFill>
+                        <a:schemeClr val="tx1"/>
+                      </a:solidFill>
+                      <a:prstDash val="solid"/>
+                      <a:round/>
+                      <a:headEnd type="none" w="med" len="med"/>
+                      <a:tailEnd type="none" w="med" len="med"/>
+                    </a:lnB>
+                  </a:tcPr>
+                </a:tc>
+                <a:tc>
+                  <a:txBody>
+                    <a:bodyPr/>
+                    <a:lstStyle/>
+                    <a:p>
+                      <a:pPr algn="just">
+                        <a:spcAft>
+                          <a:spcPts val="0"/>
+                        </a:spcAft>
+                      </a:pPr>
+                      <a:r>
+                        <a:rPr lang="ja-JP" sz="1600" kern="100" dirty="0">
+                          <a:effectLst/>
+                          <a:latin typeface="Century" panose="02040604050505020304" pitchFamily="18" charset="0"/>
+                          <a:ea typeface="ＭＳ 明朝" panose="02020609040205080304" pitchFamily="17" charset="-128"/>
+                          <a:cs typeface="Times New Roman" panose="02020603050405020304" pitchFamily="18" charset="0"/>
+                        </a:rPr>
+                        <a:t>正解となる解答が選択肢に入っている．</a:t>
+                      </a:r>
+                    </a:p>
+                  </a:txBody>
+                  <a:tcPr marL="51435" marR="51435" marT="0" marB="0">
+                    <a:lnL w="12700" cap="flat" cmpd="sng" algn="ctr">
+                      <a:solidFill>
+                        <a:schemeClr val="tx1"/>
+                      </a:solidFill>
+                      <a:prstDash val="solid"/>
+                      <a:round/>
+                      <a:headEnd type="none" w="med" len="med"/>
+                      <a:tailEnd type="none" w="med" len="med"/>
+                    </a:lnL>
+                    <a:lnR w="12700" cap="flat" cmpd="sng" algn="ctr">
+                      <a:solidFill>
+                        <a:srgbClr val="000000"/>
+                      </a:solidFill>
+                      <a:prstDash val="solid"/>
+                      <a:round/>
+                      <a:headEnd type="none" w="med" len="med"/>
+                      <a:tailEnd type="none" w="med" len="med"/>
+                    </a:lnR>
+                    <a:lnT w="12700" cap="flat" cmpd="sng" algn="ctr">
+                      <a:solidFill>
+                        <a:srgbClr val="000000"/>
+                      </a:solidFill>
+                      <a:prstDash val="solid"/>
+                      <a:round/>
+                      <a:headEnd type="none" w="med" len="med"/>
+                      <a:tailEnd type="none" w="med" len="med"/>
+                    </a:lnT>
+                    <a:lnB w="12700" cap="flat" cmpd="sng" algn="ctr">
+                      <a:solidFill>
+                        <a:schemeClr val="tx1"/>
+                      </a:solidFill>
+                      <a:prstDash val="solid"/>
+                      <a:round/>
+                      <a:headEnd type="none" w="med" len="med"/>
+                      <a:tailEnd type="none" w="med" len="med"/>
+                    </a:lnB>
+                  </a:tcPr>
+                </a:tc>
+                <a:extLst>
+                  <a:ext uri="{0D108BD9-81ED-4DB2-BD59-A6C34878D82A}">
+                    <a16:rowId xmlns:a16="http://schemas.microsoft.com/office/drawing/2014/main" val="4226922755"/>
+                  </a:ext>
+                </a:extLst>
+              </a:tr>
+              <a:tr h="312509">
+                <a:tc>
+                  <a:txBody>
+                    <a:bodyPr/>
+                    <a:lstStyle/>
+                    <a:p>
+                      <a:pPr algn="ctr">
+                        <a:spcAft>
+                          <a:spcPts val="0"/>
+                        </a:spcAft>
+                      </a:pPr>
+                      <a:r>
+                        <a:rPr lang="ja-JP" sz="1600" kern="100" dirty="0">
+                          <a:effectLst/>
+                          <a:latin typeface="Century" panose="02040604050505020304" pitchFamily="18" charset="0"/>
+                          <a:ea typeface="ＭＳ 明朝" panose="02020609040205080304" pitchFamily="17" charset="-128"/>
+                          <a:cs typeface="Times New Roman" panose="02020603050405020304" pitchFamily="18" charset="0"/>
+                        </a:rPr>
+                        <a:t>２</a:t>
+                      </a:r>
+                    </a:p>
+                  </a:txBody>
+                  <a:tcPr marL="51435" marR="51435" marT="0" marB="0">
+                    <a:lnL w="12700" cap="flat" cmpd="sng" algn="ctr">
+                      <a:solidFill>
+                        <a:schemeClr val="tx1"/>
+                      </a:solidFill>
+                      <a:prstDash val="solid"/>
+                      <a:round/>
+                      <a:headEnd type="none" w="med" len="med"/>
+                      <a:tailEnd type="none" w="med" len="med"/>
+                    </a:lnL>
+                    <a:lnR w="12700" cap="flat" cmpd="sng" algn="ctr">
+                      <a:solidFill>
+                        <a:schemeClr val="tx1"/>
+                      </a:solidFill>
+                      <a:prstDash val="solid"/>
+                      <a:round/>
+                      <a:headEnd type="none" w="med" len="med"/>
+                      <a:tailEnd type="none" w="med" len="med"/>
+                    </a:lnR>
+                    <a:lnT w="12700" cap="flat" cmpd="sng" algn="ctr">
+                      <a:solidFill>
+                        <a:schemeClr val="tx1"/>
+                      </a:solidFill>
+                      <a:prstDash val="solid"/>
+                      <a:round/>
+                      <a:headEnd type="none" w="med" len="med"/>
+                      <a:tailEnd type="none" w="med" len="med"/>
+                    </a:lnT>
+                    <a:lnB w="12700" cap="flat" cmpd="sng" algn="ctr">
+                      <a:solidFill>
+                        <a:schemeClr val="tx1"/>
+                      </a:solidFill>
+                      <a:prstDash val="solid"/>
+                      <a:round/>
+                      <a:headEnd type="none" w="med" len="med"/>
+                      <a:tailEnd type="none" w="med" len="med"/>
+                    </a:lnB>
+                  </a:tcPr>
+                </a:tc>
+                <a:tc>
+                  <a:txBody>
+                    <a:bodyPr/>
+                    <a:lstStyle/>
+                    <a:p>
+                      <a:pPr algn="just">
+                        <a:spcAft>
+                          <a:spcPts val="0"/>
+                        </a:spcAft>
+                      </a:pPr>
+                      <a:r>
+                        <a:rPr lang="ja-JP" sz="1600" kern="100" dirty="0">
+                          <a:effectLst/>
+                          <a:latin typeface="Century" panose="02040604050505020304" pitchFamily="18" charset="0"/>
+                          <a:ea typeface="ＭＳ 明朝" panose="02020609040205080304" pitchFamily="17" charset="-128"/>
+                          <a:cs typeface="Times New Roman" panose="02020603050405020304" pitchFamily="18" charset="0"/>
+                        </a:rPr>
+                        <a:t>設問内で選択肢が複数かぶっていない．</a:t>
+                      </a:r>
+                    </a:p>
+                  </a:txBody>
+                  <a:tcPr marL="51435" marR="51435" marT="0" marB="0">
+                    <a:lnL w="12700" cap="flat" cmpd="sng" algn="ctr">
+                      <a:solidFill>
+                        <a:schemeClr val="tx1"/>
+                      </a:solidFill>
+                      <a:prstDash val="solid"/>
+                      <a:round/>
+                      <a:headEnd type="none" w="med" len="med"/>
+                      <a:tailEnd type="none" w="med" len="med"/>
+                    </a:lnL>
+                    <a:lnR w="12700" cap="flat" cmpd="sng" algn="ctr">
+                      <a:solidFill>
+                        <a:schemeClr val="tx1"/>
+                      </a:solidFill>
+                      <a:prstDash val="solid"/>
+                      <a:round/>
+                      <a:headEnd type="none" w="med" len="med"/>
+                      <a:tailEnd type="none" w="med" len="med"/>
+                    </a:lnR>
+                    <a:lnT w="12700" cap="flat" cmpd="sng" algn="ctr">
+                      <a:solidFill>
+                        <a:schemeClr val="tx1"/>
+                      </a:solidFill>
+                      <a:prstDash val="solid"/>
+                      <a:round/>
+                      <a:headEnd type="none" w="med" len="med"/>
+                      <a:tailEnd type="none" w="med" len="med"/>
+                    </a:lnT>
+                    <a:lnB w="12700" cap="flat" cmpd="sng" algn="ctr">
+                      <a:solidFill>
+                        <a:schemeClr val="tx1"/>
+                      </a:solidFill>
+                      <a:prstDash val="solid"/>
+                      <a:round/>
+                      <a:headEnd type="none" w="med" len="med"/>
+                      <a:tailEnd type="none" w="med" len="med"/>
+                    </a:lnB>
+                  </a:tcPr>
+                </a:tc>
+                <a:extLst>
+                  <a:ext uri="{0D108BD9-81ED-4DB2-BD59-A6C34878D82A}">
+                    <a16:rowId xmlns:a16="http://schemas.microsoft.com/office/drawing/2014/main" val="4015363145"/>
+                  </a:ext>
+                </a:extLst>
+              </a:tr>
+              <a:tr h="454818">
+                <a:tc>
+                  <a:txBody>
+                    <a:bodyPr/>
+                    <a:lstStyle/>
+                    <a:p>
+                      <a:pPr algn="ctr">
+                        <a:spcAft>
+                          <a:spcPts val="0"/>
+                        </a:spcAft>
+                      </a:pPr>
+                      <a:r>
+                        <a:rPr lang="ja-JP" sz="1600" kern="100" dirty="0">
+                          <a:effectLst/>
+                          <a:latin typeface="Century" panose="02040604050505020304" pitchFamily="18" charset="0"/>
+                          <a:ea typeface="ＭＳ 明朝" panose="02020609040205080304" pitchFamily="17" charset="-128"/>
+                          <a:cs typeface="Times New Roman" panose="02020603050405020304" pitchFamily="18" charset="0"/>
+                        </a:rPr>
+                        <a:t>３</a:t>
+                      </a:r>
+                    </a:p>
+                  </a:txBody>
+                  <a:tcPr marL="51435" marR="51435" marT="0" marB="0">
+                    <a:lnL w="12700" cap="flat" cmpd="sng" algn="ctr">
+                      <a:solidFill>
+                        <a:schemeClr val="tx1"/>
+                      </a:solidFill>
+                      <a:prstDash val="solid"/>
+                      <a:round/>
+                      <a:headEnd type="none" w="med" len="med"/>
+                      <a:tailEnd type="none" w="med" len="med"/>
+                    </a:lnL>
+                    <a:lnR w="12700" cap="flat" cmpd="sng" algn="ctr">
+                      <a:solidFill>
+                        <a:schemeClr val="tx1"/>
+                      </a:solidFill>
+                      <a:prstDash val="solid"/>
+                      <a:round/>
+                      <a:headEnd type="none" w="med" len="med"/>
+                      <a:tailEnd type="none" w="med" len="med"/>
+                    </a:lnR>
+                    <a:lnT w="12700" cap="flat" cmpd="sng" algn="ctr">
+                      <a:solidFill>
+                        <a:schemeClr val="tx1"/>
+                      </a:solidFill>
+                      <a:prstDash val="solid"/>
+                      <a:round/>
+                      <a:headEnd type="none" w="med" len="med"/>
+                      <a:tailEnd type="none" w="med" len="med"/>
+                    </a:lnT>
+                    <a:lnB w="12700" cap="flat" cmpd="sng" algn="ctr">
+                      <a:solidFill>
+                        <a:schemeClr val="tx1"/>
+                      </a:solidFill>
+                      <a:prstDash val="solid"/>
+                      <a:round/>
+                      <a:headEnd type="none" w="med" len="med"/>
+                      <a:tailEnd type="none" w="med" len="med"/>
+                    </a:lnB>
+                  </a:tcPr>
+                </a:tc>
+                <a:tc>
+                  <a:txBody>
+                    <a:bodyPr/>
+                    <a:lstStyle/>
+                    <a:p>
+                      <a:pPr algn="just">
+                        <a:spcAft>
+                          <a:spcPts val="0"/>
+                        </a:spcAft>
+                      </a:pPr>
+                      <a:r>
+                        <a:rPr lang="ja-JP" sz="1600" kern="100" dirty="0">
+                          <a:effectLst/>
+                          <a:latin typeface="Century" panose="02040604050505020304" pitchFamily="18" charset="0"/>
+                          <a:ea typeface="ＭＳ 明朝" panose="02020609040205080304" pitchFamily="17" charset="-128"/>
+                          <a:cs typeface="Times New Roman" panose="02020603050405020304" pitchFamily="18" charset="0"/>
+                        </a:rPr>
+                        <a:t>ブロックプログラミングより解答が推測できる．</a:t>
+                      </a:r>
+                    </a:p>
+                  </a:txBody>
+                  <a:tcPr marL="51435" marR="51435" marT="0" marB="0">
+                    <a:lnL w="12700" cap="flat" cmpd="sng" algn="ctr">
+                      <a:solidFill>
+                        <a:schemeClr val="tx1"/>
+                      </a:solidFill>
+                      <a:prstDash val="solid"/>
+                      <a:round/>
+                      <a:headEnd type="none" w="med" len="med"/>
+                      <a:tailEnd type="none" w="med" len="med"/>
+                    </a:lnL>
+                    <a:lnR w="12700" cap="flat" cmpd="sng" algn="ctr">
+                      <a:solidFill>
+                        <a:srgbClr val="000000"/>
+                      </a:solidFill>
+                      <a:prstDash val="solid"/>
+                      <a:round/>
+                      <a:headEnd type="none" w="med" len="med"/>
+                      <a:tailEnd type="none" w="med" len="med"/>
+                    </a:lnR>
+                    <a:lnT w="12700" cap="flat" cmpd="sng" algn="ctr">
+                      <a:solidFill>
+                        <a:schemeClr val="tx1"/>
+                      </a:solidFill>
+                      <a:prstDash val="solid"/>
+                      <a:round/>
+                      <a:headEnd type="none" w="med" len="med"/>
+                      <a:tailEnd type="none" w="med" len="med"/>
+                    </a:lnT>
+                    <a:lnB w="12700" cap="flat" cmpd="sng" algn="ctr">
+                      <a:solidFill>
+                        <a:srgbClr val="000000"/>
+                      </a:solidFill>
+                      <a:prstDash val="solid"/>
+                      <a:round/>
+                      <a:headEnd type="none" w="med" len="med"/>
+                      <a:tailEnd type="none" w="med" len="med"/>
+                    </a:lnB>
+                  </a:tcPr>
+                </a:tc>
+                <a:extLst>
+                  <a:ext uri="{0D108BD9-81ED-4DB2-BD59-A6C34878D82A}">
+                    <a16:rowId xmlns:a16="http://schemas.microsoft.com/office/drawing/2014/main" val="352455215"/>
+                  </a:ext>
+                </a:extLst>
+              </a:tr>
+              <a:tr h="659560">
+                <a:tc>
+                  <a:txBody>
+                    <a:bodyPr/>
+                    <a:lstStyle/>
+                    <a:p>
+                      <a:pPr algn="ctr">
+                        <a:spcAft>
+                          <a:spcPts val="0"/>
+                        </a:spcAft>
+                      </a:pPr>
+                      <a:r>
+                        <a:rPr lang="ja-JP" sz="1600" kern="100" dirty="0">
+                          <a:effectLst/>
+                          <a:latin typeface="Century" panose="02040604050505020304" pitchFamily="18" charset="0"/>
+                          <a:ea typeface="ＭＳ 明朝" panose="02020609040205080304" pitchFamily="17" charset="-128"/>
+                          <a:cs typeface="Times New Roman" panose="02020603050405020304" pitchFamily="18" charset="0"/>
+                        </a:rPr>
+                        <a:t>４</a:t>
+                      </a:r>
+                    </a:p>
+                  </a:txBody>
+                  <a:tcPr marL="51435" marR="51435" marT="0" marB="0">
+                    <a:lnL w="12700" cap="flat" cmpd="sng" algn="ctr">
+                      <a:solidFill>
+                        <a:schemeClr val="tx1"/>
+                      </a:solidFill>
+                      <a:prstDash val="solid"/>
+                      <a:round/>
+                      <a:headEnd type="none" w="med" len="med"/>
+                      <a:tailEnd type="none" w="med" len="med"/>
+                    </a:lnL>
+                    <a:lnR w="12700" cap="flat" cmpd="sng" algn="ctr">
+                      <a:solidFill>
+                        <a:schemeClr val="tx1"/>
+                      </a:solidFill>
+                      <a:prstDash val="solid"/>
+                      <a:round/>
+                      <a:headEnd type="none" w="med" len="med"/>
+                      <a:tailEnd type="none" w="med" len="med"/>
+                    </a:lnR>
+                    <a:lnT w="12700" cap="flat" cmpd="sng" algn="ctr">
+                      <a:solidFill>
+                        <a:schemeClr val="tx1"/>
+                      </a:solidFill>
+                      <a:prstDash val="solid"/>
+                      <a:round/>
+                      <a:headEnd type="none" w="med" len="med"/>
+                      <a:tailEnd type="none" w="med" len="med"/>
+                    </a:lnT>
+                    <a:lnB w="12700" cap="flat" cmpd="sng" algn="ctr">
+                      <a:solidFill>
+                        <a:schemeClr val="tx1"/>
+                      </a:solidFill>
+                      <a:prstDash val="solid"/>
+                      <a:round/>
+                      <a:headEnd type="none" w="med" len="med"/>
+                      <a:tailEnd type="none" w="med" len="med"/>
+                    </a:lnB>
+                  </a:tcPr>
+                </a:tc>
+                <a:tc>
+                  <a:txBody>
+                    <a:bodyPr/>
+                    <a:lstStyle/>
+                    <a:p>
+                      <a:pPr algn="just">
+                        <a:spcAft>
+                          <a:spcPts val="0"/>
+                        </a:spcAft>
+                      </a:pPr>
+                      <a:r>
+                        <a:rPr lang="ja-JP" sz="1600" kern="100" dirty="0">
+                          <a:effectLst/>
+                          <a:latin typeface="Century" panose="02040604050505020304" pitchFamily="18" charset="0"/>
+                          <a:ea typeface="ＭＳ 明朝" panose="02020609040205080304" pitchFamily="17" charset="-128"/>
+                          <a:cs typeface="Times New Roman" panose="02020603050405020304" pitchFamily="18" charset="0"/>
+                        </a:rPr>
+                        <a:t>出題内容の種類</a:t>
+                      </a:r>
+                    </a:p>
+                  </a:txBody>
+                  <a:tcPr marL="51435" marR="51435" marT="0" marB="0">
+                    <a:lnL w="12700" cap="flat" cmpd="sng" algn="ctr">
+                      <a:solidFill>
+                        <a:schemeClr val="tx1"/>
+                      </a:solidFill>
+                      <a:prstDash val="solid"/>
+                      <a:round/>
+                      <a:headEnd type="none" w="med" len="med"/>
+                      <a:tailEnd type="none" w="med" len="med"/>
+                    </a:lnL>
+                    <a:lnR w="12700" cap="flat" cmpd="sng" algn="ctr">
+                      <a:solidFill>
+                        <a:srgbClr val="000000"/>
+                      </a:solidFill>
+                      <a:prstDash val="solid"/>
+                      <a:round/>
+                      <a:headEnd type="none" w="med" len="med"/>
+                      <a:tailEnd type="none" w="med" len="med"/>
+                    </a:lnR>
+                    <a:lnT w="12700" cap="flat" cmpd="sng" algn="ctr">
+                      <a:solidFill>
+                        <a:srgbClr val="000000"/>
+                      </a:solidFill>
+                      <a:prstDash val="solid"/>
+                      <a:round/>
+                      <a:headEnd type="none" w="med" len="med"/>
+                      <a:tailEnd type="none" w="med" len="med"/>
+                    </a:lnT>
+                    <a:lnB w="12700" cap="flat" cmpd="sng" algn="ctr">
+                      <a:solidFill>
+                        <a:srgbClr val="000000"/>
+                      </a:solidFill>
+                      <a:prstDash val="solid"/>
+                      <a:round/>
+                      <a:headEnd type="none" w="med" len="med"/>
+                      <a:tailEnd type="none" w="med" len="med"/>
+                    </a:lnB>
+                  </a:tcPr>
+                </a:tc>
+                <a:extLst>
+                  <a:ext uri="{0D108BD9-81ED-4DB2-BD59-A6C34878D82A}">
+                    <a16:rowId xmlns:a16="http://schemas.microsoft.com/office/drawing/2014/main" val="144218221"/>
+                  </a:ext>
+                </a:extLst>
+              </a:tr>
+              <a:tr h="312509">
+                <a:tc>
+                  <a:txBody>
+                    <a:bodyPr/>
+                    <a:lstStyle/>
+                    <a:p>
+                      <a:pPr algn="ctr">
+                        <a:spcAft>
+                          <a:spcPts val="0"/>
+                        </a:spcAft>
+                      </a:pPr>
+                      <a:r>
+                        <a:rPr lang="ja-JP" sz="1600" kern="100" dirty="0">
+                          <a:effectLst/>
+                          <a:latin typeface="Century" panose="02040604050505020304" pitchFamily="18" charset="0"/>
+                          <a:ea typeface="ＭＳ 明朝" panose="02020609040205080304" pitchFamily="17" charset="-128"/>
+                          <a:cs typeface="Times New Roman" panose="02020603050405020304" pitchFamily="18" charset="0"/>
+                        </a:rPr>
+                        <a:t>５</a:t>
+                      </a:r>
+                    </a:p>
+                  </a:txBody>
+                  <a:tcPr marL="51435" marR="51435" marT="0" marB="0">
+                    <a:lnL w="12700" cap="flat" cmpd="sng" algn="ctr">
+                      <a:solidFill>
+                        <a:schemeClr val="tx1"/>
+                      </a:solidFill>
+                      <a:prstDash val="solid"/>
+                      <a:round/>
+                      <a:headEnd type="none" w="med" len="med"/>
+                      <a:tailEnd type="none" w="med" len="med"/>
+                    </a:lnL>
+                    <a:lnR w="12700" cap="flat" cmpd="sng" algn="ctr">
+                      <a:solidFill>
+                        <a:schemeClr val="tx1"/>
+                      </a:solidFill>
+                      <a:prstDash val="solid"/>
+                      <a:round/>
+                      <a:headEnd type="none" w="med" len="med"/>
+                      <a:tailEnd type="none" w="med" len="med"/>
+                    </a:lnR>
+                    <a:lnT w="12700" cap="flat" cmpd="sng" algn="ctr">
+                      <a:solidFill>
+                        <a:schemeClr val="tx1"/>
+                      </a:solidFill>
+                      <a:prstDash val="solid"/>
+                      <a:round/>
+                      <a:headEnd type="none" w="med" len="med"/>
+                      <a:tailEnd type="none" w="med" len="med"/>
+                    </a:lnT>
+                    <a:lnB w="12700" cap="flat" cmpd="sng" algn="ctr">
+                      <a:solidFill>
+                        <a:schemeClr val="tx1"/>
+                      </a:solidFill>
+                      <a:prstDash val="solid"/>
+                      <a:round/>
+                      <a:headEnd type="none" w="med" len="med"/>
+                      <a:tailEnd type="none" w="med" len="med"/>
+                    </a:lnB>
+                  </a:tcPr>
+                </a:tc>
+                <a:tc>
+                  <a:txBody>
+                    <a:bodyPr/>
+                    <a:lstStyle/>
+                    <a:p>
+                      <a:pPr algn="just">
+                        <a:spcAft>
+                          <a:spcPts val="0"/>
+                        </a:spcAft>
+                      </a:pPr>
+                      <a:r>
+                        <a:rPr lang="ja-JP" sz="1600" kern="100" dirty="0">
+                          <a:effectLst/>
+                          <a:latin typeface="Century" panose="02040604050505020304" pitchFamily="18" charset="0"/>
+                          <a:ea typeface="ＭＳ 明朝" panose="02020609040205080304" pitchFamily="17" charset="-128"/>
+                          <a:cs typeface="Times New Roman" panose="02020603050405020304" pitchFamily="18" charset="0"/>
+                        </a:rPr>
+                        <a:t>選択肢のみから正解が推測できない． </a:t>
+                      </a:r>
+                    </a:p>
+                  </a:txBody>
+                  <a:tcPr marL="51435" marR="51435" marT="0" marB="0">
+                    <a:lnL w="12700" cap="flat" cmpd="sng" algn="ctr">
+                      <a:solidFill>
+                        <a:schemeClr val="tx1"/>
+                      </a:solidFill>
+                      <a:prstDash val="solid"/>
+                      <a:round/>
+                      <a:headEnd type="none" w="med" len="med"/>
+                      <a:tailEnd type="none" w="med" len="med"/>
+                    </a:lnL>
+                    <a:lnR w="12700" cap="flat" cmpd="sng" algn="ctr">
+                      <a:solidFill>
+                        <a:srgbClr val="000000"/>
+                      </a:solidFill>
+                      <a:prstDash val="solid"/>
+                      <a:round/>
+                      <a:headEnd type="none" w="med" len="med"/>
+                      <a:tailEnd type="none" w="med" len="med"/>
+                    </a:lnR>
+                    <a:lnT w="12700" cap="flat" cmpd="sng" algn="ctr">
+                      <a:solidFill>
+                        <a:srgbClr val="000000"/>
+                      </a:solidFill>
+                      <a:prstDash val="solid"/>
+                      <a:round/>
+                      <a:headEnd type="none" w="med" len="med"/>
+                      <a:tailEnd type="none" w="med" len="med"/>
+                    </a:lnT>
+                    <a:lnB w="12700" cap="flat" cmpd="sng" algn="ctr">
+                      <a:solidFill>
+                        <a:srgbClr val="000000"/>
+                      </a:solidFill>
+                      <a:prstDash val="solid"/>
+                      <a:round/>
+                      <a:headEnd type="none" w="med" len="med"/>
+                      <a:tailEnd type="none" w="med" len="med"/>
+                    </a:lnB>
+                  </a:tcPr>
+                </a:tc>
+                <a:extLst>
+                  <a:ext uri="{0D108BD9-81ED-4DB2-BD59-A6C34878D82A}">
+                    <a16:rowId xmlns:a16="http://schemas.microsoft.com/office/drawing/2014/main" val="2563299545"/>
+                  </a:ext>
+                </a:extLst>
+              </a:tr>
+            </a:tbl>
+          </a:graphicData>
+        </a:graphic>
+      </p:graphicFrame>
     </p:spTree>
     <p:extLst>
       <p:ext uri="{BB962C8B-B14F-4D97-AF65-F5344CB8AC3E}">
         <p14:creationId xmlns:p14="http://schemas.microsoft.com/office/powerpoint/2010/main" val="2410995759"/>
-      </p:ext>
-    </p:extLst>
-  </p:cSld>
-  <p:clrMapOvr>
-    <a:masterClrMapping/>
-  </p:clrMapOvr>
-  <p:timing>
-    <p:tnLst>
-      <p:par>
-        <p:cTn id="1" dur="indefinite" restart="never" nodeType="tmRoot"/>
-      </p:par>
-    </p:tnLst>
-  </p:timing>
-</p:sld>
-</file>
-
-<file path=ppt/slides/slide11.xml><?xml version="1.0" encoding="utf-8"?>
-<p:sld xmlns:a="http://schemas.openxmlformats.org/drawingml/2006/main" xmlns:r="http://schemas.openxmlformats.org/officeDocument/2006/relationships" xmlns:p="http://schemas.openxmlformats.org/presentationml/2006/main">
-  <p:cSld>
-    <p:spTree>
-      <p:nvGrpSpPr>
-        <p:cNvPr id="1" name=""/>
-        <p:cNvGrpSpPr/>
-        <p:nvPr/>
-      </p:nvGrpSpPr>
-      <p:grpSpPr>
-        <a:xfrm>
-          <a:off x="0" y="0"/>
-          <a:ext cx="0" cy="0"/>
-          <a:chOff x="0" y="0"/>
-          <a:chExt cx="0" cy="0"/>
-        </a:xfrm>
-      </p:grpSpPr>
-      <p:sp>
-        <p:nvSpPr>
-          <p:cNvPr id="2" name="タイトル 1"/>
-          <p:cNvSpPr>
-            <a:spLocks noGrp="1"/>
-          </p:cNvSpPr>
-          <p:nvPr>
-            <p:ph type="title"/>
-          </p:nvPr>
-        </p:nvSpPr>
-        <p:spPr/>
-        <p:txBody>
-          <a:bodyPr/>
-          <a:lstStyle/>
-          <a:p>
-            <a:r>
-              <a:rPr kumimoji="1" lang="ja-JP" altLang="en-US" dirty="0" smtClean="0"/>
-              <a:t>考察</a:t>
-            </a:r>
-            <a:endParaRPr kumimoji="1" lang="ja-JP" altLang="en-US" dirty="0"/>
-          </a:p>
-        </p:txBody>
-      </p:sp>
-      <p:sp>
-        <p:nvSpPr>
-          <p:cNvPr id="3" name="コンテンツ プレースホルダー 2"/>
-          <p:cNvSpPr>
-            <a:spLocks noGrp="1"/>
-          </p:cNvSpPr>
-          <p:nvPr>
-            <p:ph idx="1"/>
-          </p:nvPr>
-        </p:nvSpPr>
-        <p:spPr/>
-        <p:txBody>
-          <a:bodyPr>
-            <a:normAutofit fontScale="85000" lnSpcReduction="10000"/>
-          </a:bodyPr>
-          <a:lstStyle/>
-          <a:p>
-            <a:r>
-              <a:rPr lang="ja-JP" altLang="ja-JP" dirty="0"/>
-              <a:t>評価基準１と評価基準２を満足に満たしたことから，提案システムによる自動生成は正常に行えることが確認できた</a:t>
-            </a:r>
-            <a:r>
-              <a:rPr lang="ja-JP" altLang="ja-JP" dirty="0" smtClean="0"/>
-              <a:t>．</a:t>
-            </a:r>
-            <a:endParaRPr lang="en-US" altLang="ja-JP" dirty="0" smtClean="0"/>
-          </a:p>
-          <a:p>
-            <a:r>
-              <a:rPr lang="ja-JP" altLang="ja-JP" dirty="0" smtClean="0"/>
-              <a:t>評価</a:t>
-            </a:r>
-            <a:r>
-              <a:rPr lang="ja-JP" altLang="ja-JP" dirty="0"/>
-              <a:t>基準３と評価基準５が高い割合で結果が現れていることから，提案システムは論理的思考力とコーディング力を養うための学習支援が行えることが確認できた</a:t>
-            </a:r>
-            <a:r>
-              <a:rPr lang="ja-JP" altLang="ja-JP" dirty="0" smtClean="0"/>
-              <a:t>．</a:t>
-            </a:r>
-            <a:endParaRPr lang="en-US" altLang="ja-JP" dirty="0" smtClean="0"/>
-          </a:p>
-          <a:p>
-            <a:r>
-              <a:rPr lang="ja-JP" altLang="ja-JP" dirty="0" smtClean="0"/>
-              <a:t>評価</a:t>
-            </a:r>
-            <a:r>
-              <a:rPr lang="ja-JP" altLang="ja-JP" dirty="0"/>
-              <a:t>基準４の結果から，出題される問題の種類の分散はある程度に抑えられていることが確認できた</a:t>
-            </a:r>
-            <a:r>
-              <a:rPr lang="ja-JP" altLang="ja-JP" dirty="0" smtClean="0"/>
-              <a:t>．</a:t>
-            </a:r>
-            <a:endParaRPr lang="en-US" altLang="ja-JP" dirty="0" smtClean="0"/>
-          </a:p>
-          <a:p>
-            <a:r>
-              <a:rPr lang="ja-JP" altLang="ja-JP" dirty="0" smtClean="0"/>
-              <a:t>穴埋め</a:t>
-            </a:r>
-            <a:r>
-              <a:rPr lang="ja-JP" altLang="ja-JP" dirty="0"/>
-              <a:t>問題の自動生成によって選択肢が不備なく生成されていること，生成された内容が学習のために利用できる内容であることから，提案システムの実現可能性を示した．</a:t>
-            </a:r>
-          </a:p>
-          <a:p>
-            <a:endParaRPr kumimoji="1" lang="ja-JP" altLang="en-US" dirty="0"/>
-          </a:p>
-        </p:txBody>
-      </p:sp>
-      <p:sp>
-        <p:nvSpPr>
-          <p:cNvPr id="4" name="スライド番号プレースホルダー 3"/>
-          <p:cNvSpPr>
-            <a:spLocks noGrp="1"/>
-          </p:cNvSpPr>
-          <p:nvPr>
-            <p:ph type="sldNum" sz="quarter" idx="12"/>
-          </p:nvPr>
-        </p:nvSpPr>
-        <p:spPr/>
-        <p:txBody>
-          <a:bodyPr/>
-          <a:lstStyle/>
-          <a:p>
-            <a:fld id="{7A0C0510-5AD5-45F8-B3F1-46CC91AC00B1}" type="slidenum">
-              <a:rPr kumimoji="1" lang="ja-JP" altLang="en-US" smtClean="0"/>
-              <a:t>11</a:t>
-            </a:fld>
-            <a:endParaRPr kumimoji="1" lang="ja-JP" altLang="en-US"/>
-          </a:p>
-        </p:txBody>
-      </p:sp>
-    </p:spTree>
-    <p:extLst>
-      <p:ext uri="{BB962C8B-B14F-4D97-AF65-F5344CB8AC3E}">
-        <p14:creationId xmlns:p14="http://schemas.microsoft.com/office/powerpoint/2010/main" val="2713740421"/>
       </p:ext>
     </p:extLst>
   </p:cSld>
@@ -9622,7 +11288,7 @@
             </a:r>
             <a:r>
               <a:rPr lang="ja-JP" altLang="en-US" dirty="0" smtClean="0"/>
-              <a:t>した</a:t>
+              <a:t>した．</a:t>
             </a:r>
             <a:endParaRPr lang="en-US" altLang="ja-JP" dirty="0"/>
           </a:p>
@@ -9640,7 +11306,7 @@
             </a:r>
             <a:r>
               <a:rPr lang="ja-JP" altLang="en-US" dirty="0" smtClean="0"/>
-              <a:t>した</a:t>
+              <a:t>した．</a:t>
             </a:r>
             <a:endParaRPr lang="ja-JP" altLang="en-US" dirty="0"/>
           </a:p>
@@ -9857,7 +11523,7 @@
         <p:spPr/>
         <p:txBody>
           <a:bodyPr>
-            <a:normAutofit fontScale="85000" lnSpcReduction="20000"/>
+            <a:normAutofit fontScale="55000" lnSpcReduction="20000"/>
           </a:bodyPr>
           <a:lstStyle/>
           <a:p>
@@ -9996,6 +11662,284 @@
               <a:rPr lang="ja-JP" altLang="ja-JP" dirty="0" err="1" smtClean="0"/>
               <a:t>．</a:t>
             </a:r>
+            <a:endParaRPr lang="en-US" altLang="ja-JP" dirty="0" smtClean="0"/>
+          </a:p>
+          <a:p>
+            <a:pPr marL="385763" indent="-385763">
+              <a:buFont typeface="+mj-ea"/>
+              <a:buAutoNum type="circleNumDbPlain" startAt="5"/>
+            </a:pPr>
+            <a:r>
+              <a:rPr lang="ja-JP" altLang="ja-JP" dirty="0"/>
+              <a:t>萱津理佳</a:t>
+            </a:r>
+            <a:r>
+              <a:rPr lang="en-US" altLang="ja-JP" dirty="0"/>
+              <a:t>, </a:t>
+            </a:r>
+            <a:r>
+              <a:rPr lang="ja-JP" altLang="ja-JP" dirty="0"/>
+              <a:t>香山瑞穂</a:t>
+            </a:r>
+            <a:r>
+              <a:rPr lang="en-US" altLang="ja-JP" dirty="0"/>
+              <a:t>, </a:t>
+            </a:r>
+            <a:r>
+              <a:rPr lang="ja-JP" altLang="ja-JP" dirty="0"/>
+              <a:t>國宗永佳</a:t>
+            </a:r>
+            <a:r>
+              <a:rPr lang="en-US" altLang="ja-JP" dirty="0"/>
+              <a:t>, </a:t>
+            </a:r>
+            <a:r>
+              <a:rPr lang="ja-JP" altLang="ja-JP" dirty="0"/>
+              <a:t>永井孝</a:t>
+            </a:r>
+            <a:r>
+              <a:rPr lang="en-US" altLang="ja-JP" dirty="0"/>
+              <a:t>, </a:t>
+            </a:r>
+            <a:r>
+              <a:rPr lang="ja-JP" altLang="ja-JP" dirty="0"/>
+              <a:t>不破泰：アルゴリズム的思考法に関する学習を取り入れた</a:t>
+            </a:r>
+            <a:r>
+              <a:rPr lang="en-US" altLang="ja-JP" dirty="0"/>
+              <a:t>C</a:t>
+            </a:r>
+            <a:r>
+              <a:rPr lang="ja-JP" altLang="ja-JP" dirty="0"/>
+              <a:t>言語によるプログラミング教育の実践と評価</a:t>
+            </a:r>
+            <a:r>
+              <a:rPr lang="en-US" altLang="ja-JP" dirty="0"/>
+              <a:t> : 2010</a:t>
+            </a:r>
+            <a:r>
+              <a:rPr lang="ja-JP" altLang="ja-JP" dirty="0"/>
+              <a:t>年度から</a:t>
+            </a:r>
+            <a:r>
+              <a:rPr lang="en-US" altLang="ja-JP" dirty="0"/>
+              <a:t>2013</a:t>
+            </a:r>
+            <a:r>
+              <a:rPr lang="ja-JP" altLang="ja-JP" dirty="0"/>
+              <a:t>年度の</a:t>
+            </a:r>
+            <a:r>
+              <a:rPr lang="en-US" altLang="ja-JP" dirty="0"/>
+              <a:t>4</a:t>
+            </a:r>
+            <a:r>
+              <a:rPr lang="ja-JP" altLang="ja-JP" dirty="0"/>
+              <a:t>年間の実践より</a:t>
+            </a:r>
+            <a:r>
+              <a:rPr lang="en-US" altLang="ja-JP" dirty="0"/>
+              <a:t> [</a:t>
+            </a:r>
+            <a:r>
+              <a:rPr lang="ja-JP" altLang="ja-JP" dirty="0"/>
+              <a:t>研究ノート</a:t>
+            </a:r>
+            <a:r>
+              <a:rPr lang="en-US" altLang="ja-JP" dirty="0"/>
+              <a:t>]</a:t>
+            </a:r>
+            <a:r>
+              <a:rPr lang="ja-JP" altLang="ja-JP" dirty="0" err="1"/>
+              <a:t>，</a:t>
+            </a:r>
+            <a:r>
+              <a:rPr lang="ja-JP" altLang="ja-JP" dirty="0"/>
+              <a:t>長野県短期大学紀要，</a:t>
+            </a:r>
+            <a:r>
+              <a:rPr lang="en-US" altLang="ja-JP" dirty="0"/>
+              <a:t>Vol.69</a:t>
+            </a:r>
+            <a:r>
+              <a:rPr lang="ja-JP" altLang="ja-JP" dirty="0" err="1"/>
+              <a:t>，</a:t>
+            </a:r>
+            <a:r>
+              <a:rPr lang="en-US" altLang="ja-JP" dirty="0"/>
+              <a:t>pp.69-78</a:t>
+            </a:r>
+            <a:r>
+              <a:rPr lang="ja-JP" altLang="ja-JP" dirty="0" err="1"/>
+              <a:t>，</a:t>
+            </a:r>
+            <a:r>
+              <a:rPr lang="en-US" altLang="ja-JP" dirty="0"/>
+              <a:t>(2015/02)</a:t>
+            </a:r>
+            <a:r>
+              <a:rPr lang="ja-JP" altLang="ja-JP" dirty="0" err="1"/>
+              <a:t>．</a:t>
+            </a:r>
+            <a:endParaRPr lang="ja-JP" altLang="ja-JP" dirty="0"/>
+          </a:p>
+          <a:p>
+            <a:pPr marL="385763" indent="-385763">
+              <a:buFont typeface="+mj-ea"/>
+              <a:buAutoNum type="circleNumDbPlain" startAt="5"/>
+            </a:pPr>
+            <a:r>
+              <a:rPr lang="ja-JP" altLang="ja-JP" dirty="0"/>
+              <a:t>内田保雄：初級プログラミングのための自動作問システム，情報処理学会研究報告コンピュータと教育（</a:t>
+            </a:r>
+            <a:r>
+              <a:rPr lang="en-US" altLang="ja-JP" dirty="0"/>
+              <a:t>CE</a:t>
+            </a:r>
+            <a:r>
+              <a:rPr lang="ja-JP" altLang="ja-JP" dirty="0"/>
+              <a:t>），</a:t>
+            </a:r>
+            <a:r>
+              <a:rPr lang="en-US" altLang="ja-JP" dirty="0"/>
+              <a:t>Vol.2007</a:t>
+            </a:r>
+            <a:r>
+              <a:rPr lang="ja-JP" altLang="ja-JP" dirty="0" err="1"/>
+              <a:t>，</a:t>
+            </a:r>
+            <a:r>
+              <a:rPr lang="en-US" altLang="ja-JP" dirty="0"/>
+              <a:t>123(2007-CE-092)</a:t>
+            </a:r>
+            <a:r>
+              <a:rPr lang="ja-JP" altLang="ja-JP" dirty="0" err="1"/>
+              <a:t>，</a:t>
+            </a:r>
+            <a:r>
+              <a:rPr lang="en-US" altLang="ja-JP" dirty="0"/>
+              <a:t>pp.109-113</a:t>
+            </a:r>
+            <a:r>
+              <a:rPr lang="ja-JP" altLang="ja-JP" dirty="0" err="1"/>
+              <a:t>，</a:t>
+            </a:r>
+            <a:r>
+              <a:rPr lang="en-US" altLang="ja-JP" dirty="0"/>
+              <a:t>(2007/12/08).</a:t>
+            </a:r>
+            <a:endParaRPr lang="ja-JP" altLang="ja-JP" dirty="0"/>
+          </a:p>
+          <a:p>
+            <a:pPr marL="385763" indent="-385763">
+              <a:buFont typeface="+mj-ea"/>
+              <a:buAutoNum type="circleNumDbPlain" startAt="5"/>
+            </a:pPr>
+            <a:r>
+              <a:rPr lang="ja-JP" altLang="ja-JP" dirty="0"/>
+              <a:t>野上裕二，納富一宏：プログラミング学習支援における問題自動生成に関する基礎的検討</a:t>
+            </a:r>
+            <a:r>
+              <a:rPr lang="en-US" altLang="ja-JP" dirty="0"/>
+              <a:t>, </a:t>
+            </a:r>
+            <a:r>
+              <a:rPr lang="ja-JP" altLang="ja-JP" dirty="0"/>
+              <a:t>情報処理学会 第</a:t>
+            </a:r>
+            <a:r>
+              <a:rPr lang="en-US" altLang="ja-JP" dirty="0"/>
+              <a:t>16</a:t>
+            </a:r>
+            <a:r>
+              <a:rPr lang="ja-JP" altLang="ja-JP" dirty="0"/>
+              <a:t>回情報科学技術フォーラム</a:t>
+            </a:r>
+            <a:r>
+              <a:rPr lang="en-US" altLang="ja-JP" dirty="0"/>
+              <a:t>(FIT2017)</a:t>
+            </a:r>
+            <a:r>
+              <a:rPr lang="ja-JP" altLang="ja-JP" dirty="0"/>
+              <a:t>講演論文集</a:t>
+            </a:r>
+            <a:r>
+              <a:rPr lang="en-US" altLang="ja-JP" dirty="0"/>
+              <a:t>, </a:t>
+            </a:r>
+            <a:r>
+              <a:rPr lang="ja-JP" altLang="ja-JP" dirty="0"/>
+              <a:t>第</a:t>
+            </a:r>
+            <a:r>
+              <a:rPr lang="en-US" altLang="ja-JP" dirty="0"/>
+              <a:t>3</a:t>
+            </a:r>
+            <a:r>
+              <a:rPr lang="ja-JP" altLang="ja-JP" dirty="0"/>
+              <a:t>分冊</a:t>
+            </a:r>
+            <a:r>
+              <a:rPr lang="en-US" altLang="ja-JP" dirty="0"/>
+              <a:t>, K-022, pp.465-466, (2017.09).</a:t>
+            </a:r>
+            <a:endParaRPr lang="ja-JP" altLang="ja-JP" dirty="0"/>
+          </a:p>
+          <a:p>
+            <a:pPr marL="385763" indent="-385763">
+              <a:buFont typeface="+mj-ea"/>
+              <a:buAutoNum type="circleNumDbPlain" startAt="5"/>
+            </a:pPr>
+            <a:r>
+              <a:rPr lang="ja-JP" altLang="ja-JP" dirty="0"/>
+              <a:t>福坂祥基，高木正則，山田敬三，佐々木淳：問題自動生成システムを利用した作問演習の実践と評価，</a:t>
+            </a:r>
+            <a:r>
+              <a:rPr lang="en-US" altLang="ja-JP" dirty="0" err="1"/>
+              <a:t>JSiSE</a:t>
+            </a:r>
+            <a:r>
+              <a:rPr lang="ja-JP" altLang="ja-JP" dirty="0"/>
+              <a:t>研究会研究報告</a:t>
+            </a:r>
+            <a:r>
+              <a:rPr lang="en-US" altLang="ja-JP" dirty="0"/>
+              <a:t> 32(5)</a:t>
+            </a:r>
+            <a:r>
+              <a:rPr lang="ja-JP" altLang="ja-JP" dirty="0" err="1"/>
+              <a:t>，</a:t>
+            </a:r>
+            <a:r>
+              <a:rPr lang="en-US" altLang="ja-JP" dirty="0"/>
+              <a:t>pp.107-114</a:t>
+            </a:r>
+            <a:r>
+              <a:rPr lang="ja-JP" altLang="ja-JP" dirty="0" err="1"/>
+              <a:t>，</a:t>
+            </a:r>
+            <a:r>
+              <a:rPr lang="ja-JP" altLang="ja-JP" dirty="0"/>
+              <a:t>（</a:t>
+            </a:r>
+            <a:r>
+              <a:rPr lang="en-US" altLang="ja-JP" dirty="0"/>
+              <a:t>2018-01</a:t>
+            </a:r>
+            <a:r>
+              <a:rPr lang="ja-JP" altLang="ja-JP" dirty="0"/>
+              <a:t>）． </a:t>
+            </a:r>
+            <a:endParaRPr lang="ja-JP" altLang="en-US" dirty="0"/>
+          </a:p>
+          <a:p>
+            <a:endParaRPr lang="ja-JP" altLang="en-US" dirty="0"/>
+          </a:p>
+          <a:p>
+            <a:pPr marL="385763" indent="-385763">
+              <a:buFont typeface="+mj-ea"/>
+              <a:buAutoNum type="circleNumDbPlain"/>
+            </a:pPr>
             <a:endParaRPr lang="ja-JP" altLang="ja-JP" dirty="0"/>
           </a:p>
         </p:txBody>
@@ -10027,382 +11971,6 @@
     <p:extLst>
       <p:ext uri="{BB962C8B-B14F-4D97-AF65-F5344CB8AC3E}">
         <p14:creationId xmlns:p14="http://schemas.microsoft.com/office/powerpoint/2010/main" val="3266067256"/>
-      </p:ext>
-    </p:extLst>
-  </p:cSld>
-  <p:clrMapOvr>
-    <a:masterClrMapping/>
-  </p:clrMapOvr>
-  <p:timing>
-    <p:tnLst>
-      <p:par>
-        <p:cTn id="1" dur="indefinite" restart="never" nodeType="tmRoot"/>
-      </p:par>
-    </p:tnLst>
-  </p:timing>
-</p:sld>
-</file>
-
-<file path=ppt/slides/slide15.xml><?xml version="1.0" encoding="utf-8"?>
-<p:sld xmlns:a="http://schemas.openxmlformats.org/drawingml/2006/main" xmlns:r="http://schemas.openxmlformats.org/officeDocument/2006/relationships" xmlns:p="http://schemas.openxmlformats.org/presentationml/2006/main">
-  <p:cSld>
-    <p:spTree>
-      <p:nvGrpSpPr>
-        <p:cNvPr id="1" name=""/>
-        <p:cNvGrpSpPr/>
-        <p:nvPr/>
-      </p:nvGrpSpPr>
-      <p:grpSpPr>
-        <a:xfrm>
-          <a:off x="0" y="0"/>
-          <a:ext cx="0" cy="0"/>
-          <a:chOff x="0" y="0"/>
-          <a:chExt cx="0" cy="0"/>
-        </a:xfrm>
-      </p:grpSpPr>
-      <p:sp>
-        <p:nvSpPr>
-          <p:cNvPr id="2" name="タイトル 1"/>
-          <p:cNvSpPr>
-            <a:spLocks noGrp="1"/>
-          </p:cNvSpPr>
-          <p:nvPr>
-            <p:ph type="title"/>
-          </p:nvPr>
-        </p:nvSpPr>
-        <p:spPr/>
-        <p:txBody>
-          <a:bodyPr/>
-          <a:lstStyle/>
-          <a:p>
-            <a:r>
-              <a:rPr lang="ja-JP" altLang="en-US" dirty="0"/>
-              <a:t>参考</a:t>
-            </a:r>
-            <a:r>
-              <a:rPr lang="ja-JP" altLang="en-US" dirty="0" smtClean="0"/>
-              <a:t>文献</a:t>
-            </a:r>
-            <a:endParaRPr kumimoji="1" lang="ja-JP" altLang="en-US" dirty="0"/>
-          </a:p>
-        </p:txBody>
-      </p:sp>
-      <p:sp>
-        <p:nvSpPr>
-          <p:cNvPr id="3" name="コンテンツ プレースホルダー 2"/>
-          <p:cNvSpPr>
-            <a:spLocks noGrp="1"/>
-          </p:cNvSpPr>
-          <p:nvPr>
-            <p:ph idx="1"/>
-          </p:nvPr>
-        </p:nvSpPr>
-        <p:spPr/>
-        <p:txBody>
-          <a:bodyPr>
-            <a:normAutofit fontScale="77500" lnSpcReduction="20000"/>
-          </a:bodyPr>
-          <a:lstStyle/>
-          <a:p>
-            <a:pPr marL="385763" indent="-385763">
-              <a:buFont typeface="+mj-ea"/>
-              <a:buAutoNum type="circleNumDbPlain" startAt="5"/>
-            </a:pPr>
-            <a:r>
-              <a:rPr lang="ja-JP" altLang="ja-JP" dirty="0"/>
-              <a:t>萱津理佳</a:t>
-            </a:r>
-            <a:r>
-              <a:rPr lang="en-US" altLang="ja-JP" dirty="0"/>
-              <a:t>, </a:t>
-            </a:r>
-            <a:r>
-              <a:rPr lang="ja-JP" altLang="ja-JP" dirty="0"/>
-              <a:t>香山瑞穂</a:t>
-            </a:r>
-            <a:r>
-              <a:rPr lang="en-US" altLang="ja-JP" dirty="0"/>
-              <a:t>, </a:t>
-            </a:r>
-            <a:r>
-              <a:rPr lang="ja-JP" altLang="ja-JP" dirty="0"/>
-              <a:t>國宗永佳</a:t>
-            </a:r>
-            <a:r>
-              <a:rPr lang="en-US" altLang="ja-JP" dirty="0"/>
-              <a:t>, </a:t>
-            </a:r>
-            <a:r>
-              <a:rPr lang="ja-JP" altLang="ja-JP" dirty="0"/>
-              <a:t>永井孝</a:t>
-            </a:r>
-            <a:r>
-              <a:rPr lang="en-US" altLang="ja-JP" dirty="0"/>
-              <a:t>, </a:t>
-            </a:r>
-            <a:r>
-              <a:rPr lang="ja-JP" altLang="ja-JP" dirty="0"/>
-              <a:t>不破泰：アルゴリズム的思考法に関する学習を取り入れた</a:t>
-            </a:r>
-            <a:r>
-              <a:rPr lang="en-US" altLang="ja-JP" dirty="0"/>
-              <a:t>C</a:t>
-            </a:r>
-            <a:r>
-              <a:rPr lang="ja-JP" altLang="ja-JP" dirty="0"/>
-              <a:t>言語によるプログラミング教育の実践と評価</a:t>
-            </a:r>
-            <a:r>
-              <a:rPr lang="en-US" altLang="ja-JP" dirty="0"/>
-              <a:t> : 2010</a:t>
-            </a:r>
-            <a:r>
-              <a:rPr lang="ja-JP" altLang="ja-JP" dirty="0"/>
-              <a:t>年度から</a:t>
-            </a:r>
-            <a:r>
-              <a:rPr lang="en-US" altLang="ja-JP" dirty="0"/>
-              <a:t>2013</a:t>
-            </a:r>
-            <a:r>
-              <a:rPr lang="ja-JP" altLang="ja-JP" dirty="0"/>
-              <a:t>年度の</a:t>
-            </a:r>
-            <a:r>
-              <a:rPr lang="en-US" altLang="ja-JP" dirty="0"/>
-              <a:t>4</a:t>
-            </a:r>
-            <a:r>
-              <a:rPr lang="ja-JP" altLang="ja-JP" dirty="0"/>
-              <a:t>年間の実践より</a:t>
-            </a:r>
-            <a:r>
-              <a:rPr lang="en-US" altLang="ja-JP" dirty="0"/>
-              <a:t> [</a:t>
-            </a:r>
-            <a:r>
-              <a:rPr lang="ja-JP" altLang="ja-JP" dirty="0"/>
-              <a:t>研究ノート</a:t>
-            </a:r>
-            <a:r>
-              <a:rPr lang="en-US" altLang="ja-JP" dirty="0"/>
-              <a:t>]</a:t>
-            </a:r>
-            <a:r>
-              <a:rPr lang="ja-JP" altLang="ja-JP" dirty="0" err="1"/>
-              <a:t>，</a:t>
-            </a:r>
-            <a:r>
-              <a:rPr lang="ja-JP" altLang="ja-JP" dirty="0"/>
-              <a:t>長野県短期大学紀要，</a:t>
-            </a:r>
-            <a:r>
-              <a:rPr lang="en-US" altLang="ja-JP" dirty="0"/>
-              <a:t>Vol.69</a:t>
-            </a:r>
-            <a:r>
-              <a:rPr lang="ja-JP" altLang="ja-JP" dirty="0" err="1"/>
-              <a:t>，</a:t>
-            </a:r>
-            <a:r>
-              <a:rPr lang="en-US" altLang="ja-JP" dirty="0"/>
-              <a:t>pp.69-78</a:t>
-            </a:r>
-            <a:r>
-              <a:rPr lang="ja-JP" altLang="ja-JP" dirty="0" err="1"/>
-              <a:t>，</a:t>
-            </a:r>
-            <a:r>
-              <a:rPr lang="en-US" altLang="ja-JP" dirty="0"/>
-              <a:t>(2015/02)</a:t>
-            </a:r>
-            <a:r>
-              <a:rPr lang="ja-JP" altLang="ja-JP" dirty="0" err="1"/>
-              <a:t>．</a:t>
-            </a:r>
-            <a:endParaRPr lang="ja-JP" altLang="ja-JP" dirty="0"/>
-          </a:p>
-          <a:p>
-            <a:pPr marL="385763" indent="-385763">
-              <a:buFont typeface="+mj-ea"/>
-              <a:buAutoNum type="circleNumDbPlain" startAt="5"/>
-            </a:pPr>
-            <a:r>
-              <a:rPr lang="ja-JP" altLang="ja-JP" dirty="0"/>
-              <a:t>内田保雄：初級プログラミングのための自動作問システム，情報処理学会研究報告コンピュータと教育（</a:t>
-            </a:r>
-            <a:r>
-              <a:rPr lang="en-US" altLang="ja-JP" dirty="0"/>
-              <a:t>CE</a:t>
-            </a:r>
-            <a:r>
-              <a:rPr lang="ja-JP" altLang="ja-JP" dirty="0"/>
-              <a:t>），</a:t>
-            </a:r>
-            <a:r>
-              <a:rPr lang="en-US" altLang="ja-JP" dirty="0"/>
-              <a:t>Vol.2007</a:t>
-            </a:r>
-            <a:r>
-              <a:rPr lang="ja-JP" altLang="ja-JP" dirty="0" err="1"/>
-              <a:t>，</a:t>
-            </a:r>
-            <a:r>
-              <a:rPr lang="en-US" altLang="ja-JP" dirty="0"/>
-              <a:t>123(2007-CE-092)</a:t>
-            </a:r>
-            <a:r>
-              <a:rPr lang="ja-JP" altLang="ja-JP" dirty="0" err="1"/>
-              <a:t>，</a:t>
-            </a:r>
-            <a:r>
-              <a:rPr lang="en-US" altLang="ja-JP" dirty="0"/>
-              <a:t>pp.109-113</a:t>
-            </a:r>
-            <a:r>
-              <a:rPr lang="ja-JP" altLang="ja-JP" dirty="0" err="1"/>
-              <a:t>，</a:t>
-            </a:r>
-            <a:r>
-              <a:rPr lang="en-US" altLang="ja-JP" dirty="0"/>
-              <a:t>(2007/12/08).</a:t>
-            </a:r>
-            <a:endParaRPr lang="ja-JP" altLang="ja-JP" dirty="0"/>
-          </a:p>
-          <a:p>
-            <a:pPr marL="385763" indent="-385763">
-              <a:buFont typeface="+mj-ea"/>
-              <a:buAutoNum type="circleNumDbPlain" startAt="5"/>
-            </a:pPr>
-            <a:r>
-              <a:rPr lang="ja-JP" altLang="ja-JP" dirty="0"/>
-              <a:t>野上裕二，納富一宏：プログラミング学習支援における問題自動生成に関する基礎的検討</a:t>
-            </a:r>
-            <a:r>
-              <a:rPr lang="en-US" altLang="ja-JP" dirty="0"/>
-              <a:t>, </a:t>
-            </a:r>
-            <a:r>
-              <a:rPr lang="ja-JP" altLang="ja-JP" dirty="0"/>
-              <a:t>情報処理学会 第</a:t>
-            </a:r>
-            <a:r>
-              <a:rPr lang="en-US" altLang="ja-JP" dirty="0"/>
-              <a:t>16</a:t>
-            </a:r>
-            <a:r>
-              <a:rPr lang="ja-JP" altLang="ja-JP" dirty="0"/>
-              <a:t>回情報科学技術フォーラム</a:t>
-            </a:r>
-            <a:r>
-              <a:rPr lang="en-US" altLang="ja-JP" dirty="0"/>
-              <a:t>(FIT2017)</a:t>
-            </a:r>
-            <a:r>
-              <a:rPr lang="ja-JP" altLang="ja-JP" dirty="0"/>
-              <a:t>講演論文集</a:t>
-            </a:r>
-            <a:r>
-              <a:rPr lang="en-US" altLang="ja-JP" dirty="0"/>
-              <a:t>, </a:t>
-            </a:r>
-            <a:r>
-              <a:rPr lang="ja-JP" altLang="ja-JP" dirty="0"/>
-              <a:t>第</a:t>
-            </a:r>
-            <a:r>
-              <a:rPr lang="en-US" altLang="ja-JP" dirty="0"/>
-              <a:t>3</a:t>
-            </a:r>
-            <a:r>
-              <a:rPr lang="ja-JP" altLang="ja-JP" dirty="0"/>
-              <a:t>分冊</a:t>
-            </a:r>
-            <a:r>
-              <a:rPr lang="en-US" altLang="ja-JP" dirty="0"/>
-              <a:t>, K-022, pp.465-466, (2017.09).</a:t>
-            </a:r>
-            <a:endParaRPr lang="ja-JP" altLang="ja-JP" dirty="0"/>
-          </a:p>
-          <a:p>
-            <a:pPr marL="385763" indent="-385763">
-              <a:buFont typeface="+mj-ea"/>
-              <a:buAutoNum type="circleNumDbPlain" startAt="5"/>
-            </a:pPr>
-            <a:r>
-              <a:rPr lang="ja-JP" altLang="ja-JP" dirty="0"/>
-              <a:t>福坂祥基，高木正則，山田敬三，佐々木淳：問題自動生成システムを利用した作問演習の実践と評価，</a:t>
-            </a:r>
-            <a:r>
-              <a:rPr lang="en-US" altLang="ja-JP" dirty="0" err="1"/>
-              <a:t>JSiSE</a:t>
-            </a:r>
-            <a:r>
-              <a:rPr lang="ja-JP" altLang="ja-JP" dirty="0"/>
-              <a:t>研究会研究報告</a:t>
-            </a:r>
-            <a:r>
-              <a:rPr lang="en-US" altLang="ja-JP" dirty="0"/>
-              <a:t> 32(5)</a:t>
-            </a:r>
-            <a:r>
-              <a:rPr lang="ja-JP" altLang="ja-JP" dirty="0" err="1"/>
-              <a:t>，</a:t>
-            </a:r>
-            <a:r>
-              <a:rPr lang="en-US" altLang="ja-JP" dirty="0"/>
-              <a:t>pp.107-114</a:t>
-            </a:r>
-            <a:r>
-              <a:rPr lang="ja-JP" altLang="ja-JP" dirty="0" err="1"/>
-              <a:t>，</a:t>
-            </a:r>
-            <a:r>
-              <a:rPr lang="ja-JP" altLang="ja-JP" dirty="0"/>
-              <a:t>（</a:t>
-            </a:r>
-            <a:r>
-              <a:rPr lang="en-US" altLang="ja-JP" dirty="0"/>
-              <a:t>2018-01</a:t>
-            </a:r>
-            <a:r>
-              <a:rPr lang="ja-JP" altLang="ja-JP" dirty="0"/>
-              <a:t>）． </a:t>
-            </a:r>
-            <a:endParaRPr lang="ja-JP" altLang="en-US" dirty="0"/>
-          </a:p>
-          <a:p>
-            <a:endParaRPr kumimoji="1" lang="ja-JP" altLang="en-US" dirty="0"/>
-          </a:p>
-        </p:txBody>
-      </p:sp>
-      <p:sp>
-        <p:nvSpPr>
-          <p:cNvPr id="4" name="スライド番号プレースホルダー 3"/>
-          <p:cNvSpPr>
-            <a:spLocks noGrp="1"/>
-          </p:cNvSpPr>
-          <p:nvPr>
-            <p:ph type="sldNum" sz="quarter" idx="12"/>
-          </p:nvPr>
-        </p:nvSpPr>
-        <p:spPr/>
-        <p:txBody>
-          <a:bodyPr/>
-          <a:lstStyle/>
-          <a:p>
-            <a:fld id="{7A0C0510-5AD5-45F8-B3F1-46CC91AC00B1}" type="slidenum">
-              <a:rPr kumimoji="1" lang="ja-JP" altLang="en-US" smtClean="0"/>
-              <a:t>15</a:t>
-            </a:fld>
-            <a:endParaRPr kumimoji="1" lang="ja-JP" altLang="en-US"/>
-          </a:p>
-        </p:txBody>
-      </p:sp>
-    </p:spTree>
-    <p:extLst>
-      <p:ext uri="{BB962C8B-B14F-4D97-AF65-F5344CB8AC3E}">
-        <p14:creationId xmlns:p14="http://schemas.microsoft.com/office/powerpoint/2010/main" val="532979977"/>
       </p:ext>
     </p:extLst>
   </p:cSld>
@@ -10479,15 +12047,31 @@
             <a:pPr algn="just"/>
             <a:r>
               <a:rPr lang="ja-JP" altLang="ja-JP" dirty="0" smtClean="0"/>
-              <a:t>プログラミング</a:t>
-            </a:r>
-            <a:r>
-              <a:rPr lang="ja-JP" altLang="ja-JP" dirty="0"/>
-              <a:t>教育必修の全面</a:t>
+              <a:t>プログラミング教育</a:t>
+            </a:r>
+            <a:r>
+              <a:rPr lang="ja-JP" altLang="en-US" dirty="0" smtClean="0"/>
+              <a:t>の</a:t>
             </a:r>
             <a:r>
               <a:rPr lang="ja-JP" altLang="ja-JP" dirty="0" smtClean="0"/>
-              <a:t>実施</a:t>
+              <a:t>必修</a:t>
+            </a:r>
+            <a:r>
+              <a:rPr lang="ja-JP" altLang="en-US" dirty="0" smtClean="0"/>
+              <a:t>化</a:t>
+            </a:r>
+            <a:r>
+              <a:rPr lang="ja-JP" altLang="en-US" dirty="0"/>
+              <a:t>が</a:t>
+            </a:r>
+            <a:r>
+              <a:rPr lang="ja-JP" altLang="ja-JP" dirty="0" smtClean="0"/>
+              <a:t>全面実施</a:t>
+            </a:r>
+            <a:r>
+              <a:rPr lang="ja-JP" altLang="en-US" dirty="0" smtClean="0"/>
+              <a:t>．</a:t>
             </a:r>
             <a:endParaRPr lang="en-US" altLang="ja-JP" dirty="0" smtClean="0"/>
           </a:p>
@@ -10504,6 +12088,10 @@
             <a:r>
               <a:rPr lang="ja-JP" altLang="ja-JP" dirty="0" smtClean="0"/>
               <a:t>する</a:t>
+            </a:r>
+            <a:r>
+              <a:rPr lang="ja-JP" altLang="en-US" dirty="0" smtClean="0"/>
+              <a:t>．</a:t>
             </a:r>
             <a:endParaRPr lang="en-US" altLang="ja-JP" dirty="0" smtClean="0"/>
           </a:p>
@@ -10728,11 +12316,35 @@
             </a:r>
             <a:r>
               <a:rPr lang="ja-JP" altLang="ja-JP" dirty="0"/>
-              <a:t>のために適切に問題を生成可能であるか</a:t>
+              <a:t>のため</a:t>
             </a:r>
             <a:r>
               <a:rPr lang="ja-JP" altLang="ja-JP" dirty="0" smtClean="0"/>
-              <a:t>を難易度</a:t>
+              <a:t>に</a:t>
+            </a:r>
+            <a:r>
+              <a:rPr lang="ja-JP" altLang="en-US" dirty="0" smtClean="0"/>
+              <a:t>，</a:t>
+            </a:r>
+            <a:r>
+              <a:rPr lang="ja-JP" altLang="ja-JP" dirty="0" smtClean="0"/>
+              <a:t>適切</a:t>
+            </a:r>
+            <a:r>
+              <a:rPr lang="ja-JP" altLang="ja-JP" dirty="0"/>
+              <a:t>に問題を生成可能であるか</a:t>
+            </a:r>
+            <a:r>
+              <a:rPr lang="ja-JP" altLang="ja-JP" dirty="0" smtClean="0"/>
+              <a:t>を</a:t>
+            </a:r>
+            <a:r>
+              <a:rPr lang="ja-JP" altLang="en-US" dirty="0" smtClean="0"/>
+              <a:t>，</a:t>
+            </a:r>
+            <a:r>
+              <a:rPr lang="ja-JP" altLang="ja-JP" dirty="0" smtClean="0"/>
+              <a:t>難易度</a:t>
             </a:r>
             <a:r>
               <a:rPr lang="ja-JP" altLang="ja-JP" dirty="0"/>
@@ -10740,7 +12352,15 @@
             </a:r>
             <a:r>
               <a:rPr lang="ja-JP" altLang="ja-JP" dirty="0" smtClean="0"/>
-              <a:t>で提案</a:t>
+              <a:t>で</a:t>
+            </a:r>
+            <a:r>
+              <a:rPr lang="ja-JP" altLang="en-US" dirty="0" smtClean="0"/>
+              <a:t>，</a:t>
+            </a:r>
+            <a:r>
+              <a:rPr lang="ja-JP" altLang="ja-JP" dirty="0" smtClean="0"/>
+              <a:t>提案</a:t>
             </a:r>
             <a:r>
               <a:rPr lang="ja-JP" altLang="ja-JP" dirty="0"/>
@@ -10859,7 +12479,7 @@
         </p:spPr>
         <p:txBody>
           <a:bodyPr>
-            <a:normAutofit fontScale="92500" lnSpcReduction="20000"/>
+            <a:normAutofit fontScale="92500" lnSpcReduction="10000"/>
           </a:bodyPr>
           <a:lstStyle/>
           <a:p>
@@ -10937,38 +12557,6 @@
             </a:r>
             <a:r>
               <a:rPr lang="en-US" altLang="ja-JP" dirty="0" smtClean="0"/>
-              <a:t>, </a:t>
-            </a:r>
-            <a:r>
-              <a:rPr lang="ja-JP" altLang="ja-JP" dirty="0" smtClean="0"/>
-              <a:t>香山</a:t>
-            </a:r>
-            <a:r>
-              <a:rPr lang="en-US" altLang="ja-JP" dirty="0" smtClean="0"/>
-              <a:t>, </a:t>
-            </a:r>
-            <a:r>
-              <a:rPr lang="ja-JP" altLang="ja-JP" dirty="0" smtClean="0"/>
-              <a:t>國宗</a:t>
-            </a:r>
-            <a:r>
-              <a:rPr lang="en-US" altLang="ja-JP" dirty="0" smtClean="0"/>
-              <a:t>, </a:t>
-            </a:r>
-            <a:r>
-              <a:rPr lang="ja-JP" altLang="ja-JP" dirty="0" smtClean="0"/>
-              <a:t>永井</a:t>
-            </a:r>
-            <a:r>
-              <a:rPr lang="en-US" altLang="ja-JP" dirty="0" smtClean="0"/>
-              <a:t>, </a:t>
-            </a:r>
-            <a:r>
-              <a:rPr lang="ja-JP" altLang="ja-JP" dirty="0" smtClean="0"/>
-              <a:t>不破</a:t>
-            </a:r>
-            <a:r>
-              <a:rPr lang="en-US" altLang="ja-JP" dirty="0" smtClean="0"/>
               <a:t>]</a:t>
             </a:r>
           </a:p>
@@ -11015,16 +12603,12 @@
               <a:t>野上</a:t>
             </a:r>
             <a:r>
-              <a:rPr lang="ja-JP" altLang="en-US" dirty="0" smtClean="0"/>
-              <a:t>，納富</a:t>
-            </a:r>
-            <a:r>
               <a:rPr lang="en-US" altLang="ja-JP" dirty="0" smtClean="0"/>
               <a:t>], [2018 </a:t>
             </a:r>
             <a:r>
               <a:rPr lang="ja-JP" altLang="ja-JP" dirty="0" smtClean="0"/>
-              <a:t>福坂，高木，山田，佐々木</a:t>
+              <a:t>福坂</a:t>
             </a:r>
             <a:r>
               <a:rPr lang="en-US" altLang="ja-JP" dirty="0" smtClean="0"/>
@@ -11136,37 +12720,57 @@
           <a:p>
             <a:r>
               <a:rPr lang="ja-JP" altLang="en-US" dirty="0"/>
-              <a:t>単純に問題を生成する機能を作成すると、ワンパターンな選択肢や単純な穴埋め問題</a:t>
+              <a:t>単純に問題を生成する機能を作成する</a:t>
             </a:r>
             <a:r>
               <a:rPr lang="ja-JP" altLang="en-US" dirty="0" smtClean="0"/>
-              <a:t>に</a:t>
+              <a:t>と，ワンパターン</a:t>
             </a:r>
             <a:r>
               <a:rPr lang="ja-JP" altLang="en-US" dirty="0"/>
-              <a:t>なる</a:t>
+              <a:t>な選択肢や単純な穴埋め問題</a:t>
+            </a:r>
+            <a:r>
+              <a:rPr lang="ja-JP" altLang="en-US" dirty="0" smtClean="0"/>
+              <a:t>になる．</a:t>
             </a:r>
             <a:endParaRPr lang="en-US" altLang="ja-JP" dirty="0"/>
           </a:p>
           <a:p>
             <a:r>
               <a:rPr lang="ja-JP" altLang="en-US" dirty="0"/>
-              <a:t>選択肢を自動で生成することで</a:t>
+              <a:t>選択肢を自動で生成すること</a:t>
             </a:r>
             <a:r>
               <a:rPr lang="ja-JP" altLang="en-US" dirty="0" smtClean="0"/>
-              <a:t>、</a:t>
+              <a:t>で</a:t>
+            </a:r>
+            <a:r>
+              <a:rPr lang="ja-JP" altLang="en-US" dirty="0"/>
+              <a:t>，</a:t>
+            </a:r>
+            <a:r>
+              <a:rPr lang="ja-JP" altLang="ja-JP" dirty="0" smtClean="0"/>
+              <a:t>変化</a:t>
             </a:r>
             <a:r>
               <a:rPr lang="ja-JP" altLang="ja-JP" dirty="0"/>
-              <a:t>変化に富んだ問題を生成できる</a:t>
+              <a:t>に富んだ問題を生成</a:t>
+            </a:r>
+            <a:r>
+              <a:rPr lang="ja-JP" altLang="ja-JP" dirty="0" smtClean="0"/>
+              <a:t>できる</a:t>
+            </a:r>
+            <a:r>
+              <a:rPr lang="ja-JP" altLang="en-US" dirty="0" smtClean="0"/>
+              <a:t>．</a:t>
             </a:r>
             <a:endParaRPr lang="ja-JP" altLang="en-US" dirty="0"/>
           </a:p>
           <a:p>
             <a:r>
               <a:rPr lang="ja-JP" altLang="en-US" dirty="0" smtClean="0"/>
-              <a:t>選択肢をどのように生成するかが課題となる</a:t>
+              <a:t>選択肢をどのように生成するかが課題となる．</a:t>
             </a:r>
             <a:endParaRPr lang="en-US" altLang="ja-JP" dirty="0" smtClean="0"/>
           </a:p>
@@ -11249,7 +12853,7 @@
           <a:p>
             <a:r>
               <a:rPr kumimoji="1" lang="ja-JP" altLang="en-US" dirty="0" smtClean="0"/>
-              <a:t>提案方式</a:t>
+              <a:t>提案システム</a:t>
             </a:r>
             <a:endParaRPr kumimoji="1" lang="ja-JP" altLang="en-US" dirty="0"/>
           </a:p>
@@ -11391,6 +12995,241 @@
             <p:ph type="title"/>
           </p:nvPr>
         </p:nvSpPr>
+        <p:spPr>
+          <a:xfrm>
+            <a:off x="628649" y="365126"/>
+            <a:ext cx="8042739" cy="1325563"/>
+          </a:xfrm>
+        </p:spPr>
+        <p:txBody>
+          <a:bodyPr/>
+          <a:lstStyle/>
+          <a:p>
+            <a:r>
+              <a:rPr kumimoji="1" lang="ja-JP" altLang="en-US" dirty="0" smtClean="0"/>
+              <a:t>ブロックプログラミングと連携</a:t>
+            </a:r>
+            <a:endParaRPr kumimoji="1" lang="ja-JP" altLang="en-US" dirty="0"/>
+          </a:p>
+        </p:txBody>
+      </p:sp>
+      <p:sp>
+        <p:nvSpPr>
+          <p:cNvPr id="3" name="コンテンツ プレースホルダー 2"/>
+          <p:cNvSpPr>
+            <a:spLocks noGrp="1"/>
+          </p:cNvSpPr>
+          <p:nvPr>
+            <p:ph idx="1"/>
+          </p:nvPr>
+        </p:nvSpPr>
+        <p:spPr>
+          <a:xfrm>
+            <a:off x="628650" y="1825625"/>
+            <a:ext cx="8248222" cy="4351338"/>
+          </a:xfrm>
+        </p:spPr>
+        <p:txBody>
+          <a:bodyPr/>
+          <a:lstStyle/>
+          <a:p>
+            <a:r>
+              <a:rPr lang="ja-JP" altLang="en-US" dirty="0" smtClean="0"/>
+              <a:t>ブロックプログラミング</a:t>
+            </a:r>
+            <a:r>
+              <a:rPr lang="ja-JP" altLang="en-US" dirty="0"/>
+              <a:t>を組み合わせることで、論理的思考力を鍛える</a:t>
+            </a:r>
+            <a:endParaRPr lang="en-US" altLang="ja-JP" dirty="0"/>
+          </a:p>
+          <a:p>
+            <a:pPr lvl="1"/>
+            <a:r>
+              <a:rPr lang="ja-JP" altLang="en-US" dirty="0" smtClean="0"/>
+              <a:t>ブロックプログラミング</a:t>
+            </a:r>
+            <a:r>
+              <a:rPr lang="ja-JP" altLang="en-US" dirty="0"/>
+              <a:t>によって視覚的</a:t>
+            </a:r>
+            <a:r>
+              <a:rPr lang="ja-JP" altLang="en-US" dirty="0" smtClean="0"/>
+              <a:t>にプログラミング</a:t>
+            </a:r>
+            <a:r>
+              <a:rPr lang="ja-JP" altLang="en-US" dirty="0"/>
+              <a:t>のアルゴリズムに触れられる</a:t>
+            </a:r>
+            <a:endParaRPr lang="en-US" altLang="ja-JP" dirty="0"/>
+          </a:p>
+          <a:p>
+            <a:pPr lvl="1"/>
+            <a:r>
+              <a:rPr lang="ja-JP" altLang="en-US" dirty="0" smtClean="0"/>
+              <a:t>ブロックプログラミング</a:t>
+            </a:r>
+            <a:r>
+              <a:rPr lang="ja-JP" altLang="en-US" dirty="0"/>
+              <a:t>によって視覚的にプログラムのスコープがわかる</a:t>
+            </a:r>
+            <a:endParaRPr lang="en-US" altLang="ja-JP" dirty="0"/>
+          </a:p>
+          <a:p>
+            <a:r>
+              <a:rPr lang="ja-JP" altLang="en-US" dirty="0" smtClean="0"/>
+              <a:t>ブロックプログラミング</a:t>
+            </a:r>
+            <a:r>
+              <a:rPr lang="ja-JP" altLang="en-US" dirty="0"/>
+              <a:t>によってその命令が何をしたいのかがわかる</a:t>
+            </a:r>
+          </a:p>
+          <a:p>
+            <a:endParaRPr kumimoji="1" lang="ja-JP" altLang="en-US" dirty="0"/>
+          </a:p>
+        </p:txBody>
+      </p:sp>
+      <p:sp>
+        <p:nvSpPr>
+          <p:cNvPr id="4" name="スライド番号プレースホルダー 3"/>
+          <p:cNvSpPr>
+            <a:spLocks noGrp="1"/>
+          </p:cNvSpPr>
+          <p:nvPr>
+            <p:ph type="sldNum" sz="quarter" idx="12"/>
+          </p:nvPr>
+        </p:nvSpPr>
+        <p:spPr/>
+        <p:txBody>
+          <a:bodyPr/>
+          <a:lstStyle/>
+          <a:p>
+            <a:fld id="{7A0C0510-5AD5-45F8-B3F1-46CC91AC00B1}" type="slidenum">
+              <a:rPr kumimoji="1" lang="ja-JP" altLang="en-US" smtClean="0"/>
+              <a:pPr/>
+              <a:t>7</a:t>
+            </a:fld>
+            <a:endParaRPr kumimoji="1" lang="ja-JP" altLang="en-US" dirty="0"/>
+          </a:p>
+        </p:txBody>
+      </p:sp>
+    </p:spTree>
+    <p:extLst>
+      <p:ext uri="{BB962C8B-B14F-4D97-AF65-F5344CB8AC3E}">
+        <p14:creationId xmlns:p14="http://schemas.microsoft.com/office/powerpoint/2010/main" val="1586254963"/>
+      </p:ext>
+    </p:extLst>
+  </p:cSld>
+  <p:clrMapOvr>
+    <a:masterClrMapping/>
+  </p:clrMapOvr>
+</p:sld>
+</file>
+
+<file path=ppt/slides/slide8.xml><?xml version="1.0" encoding="utf-8"?>
+<p:sld xmlns:a="http://schemas.openxmlformats.org/drawingml/2006/main" xmlns:r="http://schemas.openxmlformats.org/officeDocument/2006/relationships" xmlns:p="http://schemas.openxmlformats.org/presentationml/2006/main">
+  <p:cSld>
+    <p:spTree>
+      <p:nvGrpSpPr>
+        <p:cNvPr id="1" name=""/>
+        <p:cNvGrpSpPr/>
+        <p:nvPr/>
+      </p:nvGrpSpPr>
+      <p:grpSpPr>
+        <a:xfrm>
+          <a:off x="0" y="0"/>
+          <a:ext cx="0" cy="0"/>
+          <a:chOff x="0" y="0"/>
+          <a:chExt cx="0" cy="0"/>
+        </a:xfrm>
+      </p:grpSpPr>
+      <p:sp>
+        <p:nvSpPr>
+          <p:cNvPr id="15" name="正方形/長方形 14"/>
+          <p:cNvSpPr/>
+          <p:nvPr/>
+        </p:nvSpPr>
+        <p:spPr>
+          <a:xfrm>
+            <a:off x="4646430" y="4275649"/>
+            <a:ext cx="3655089" cy="1447057"/>
+          </a:xfrm>
+          <a:prstGeom prst="rect">
+            <a:avLst/>
+          </a:prstGeom>
+        </p:spPr>
+        <p:style>
+          <a:lnRef idx="2">
+            <a:schemeClr val="dk1"/>
+          </a:lnRef>
+          <a:fillRef idx="1">
+            <a:schemeClr val="lt1"/>
+          </a:fillRef>
+          <a:effectRef idx="0">
+            <a:schemeClr val="dk1"/>
+          </a:effectRef>
+          <a:fontRef idx="minor">
+            <a:schemeClr val="dk1"/>
+          </a:fontRef>
+        </p:style>
+        <p:txBody>
+          <a:bodyPr rtlCol="0" anchor="ctr"/>
+          <a:lstStyle/>
+          <a:p>
+            <a:pPr algn="ctr"/>
+            <a:endParaRPr kumimoji="1" lang="ja-JP" altLang="en-US"/>
+          </a:p>
+        </p:txBody>
+      </p:sp>
+      <p:sp>
+        <p:nvSpPr>
+          <p:cNvPr id="7" name="正方形/長方形 6"/>
+          <p:cNvSpPr/>
+          <p:nvPr/>
+        </p:nvSpPr>
+        <p:spPr>
+          <a:xfrm>
+            <a:off x="660714" y="4275649"/>
+            <a:ext cx="3798272" cy="1447057"/>
+          </a:xfrm>
+          <a:prstGeom prst="rect">
+            <a:avLst/>
+          </a:prstGeom>
+        </p:spPr>
+        <p:style>
+          <a:lnRef idx="2">
+            <a:schemeClr val="dk1"/>
+          </a:lnRef>
+          <a:fillRef idx="1">
+            <a:schemeClr val="lt1"/>
+          </a:fillRef>
+          <a:effectRef idx="0">
+            <a:schemeClr val="dk1"/>
+          </a:effectRef>
+          <a:fontRef idx="minor">
+            <a:schemeClr val="dk1"/>
+          </a:fontRef>
+        </p:style>
+        <p:txBody>
+          <a:bodyPr rtlCol="0" anchor="ctr"/>
+          <a:lstStyle/>
+          <a:p>
+            <a:pPr algn="ctr"/>
+            <a:endParaRPr kumimoji="1" lang="ja-JP" altLang="en-US"/>
+          </a:p>
+        </p:txBody>
+      </p:sp>
+      <p:sp>
+        <p:nvSpPr>
+          <p:cNvPr id="2" name="タイトル 1"/>
+          <p:cNvSpPr>
+            <a:spLocks noGrp="1"/>
+          </p:cNvSpPr>
+          <p:nvPr>
+            <p:ph type="title"/>
+          </p:nvPr>
+        </p:nvSpPr>
         <p:spPr/>
         <p:txBody>
           <a:bodyPr/>
@@ -11414,13 +13253,13 @@
             <p:ph idx="1"/>
             <p:extLst>
               <p:ext uri="{D42A27DB-BD31-4B8C-83A1-F6EECF244321}">
-                <p14:modId xmlns:p14="http://schemas.microsoft.com/office/powerpoint/2010/main" val="1495902852"/>
+                <p14:modId xmlns:p14="http://schemas.microsoft.com/office/powerpoint/2010/main" val="363933158"/>
               </p:ext>
             </p:extLst>
           </p:nvPr>
         </p:nvGraphicFramePr>
         <p:xfrm>
-          <a:off x="1845776" y="2321054"/>
+          <a:off x="1816630" y="1955316"/>
           <a:ext cx="5483860" cy="1097280"/>
         </p:xfrm>
         <a:graphic>
@@ -11455,14 +13294,29 @@
                         </a:spcAft>
                       </a:pPr>
                       <a:r>
-                        <a:rPr lang="ja-JP" sz="1800" kern="100" dirty="0">
+                        <a:rPr lang="ja-JP" sz="1800" kern="100" dirty="0" smtClean="0">
                           <a:effectLst/>
                           <a:latin typeface="Century" panose="02040604050505020304" pitchFamily="18" charset="0"/>
                           <a:ea typeface="ＭＳ 明朝" panose="02020609040205080304" pitchFamily="17" charset="-128"/>
                           <a:cs typeface="Times New Roman" panose="02020603050405020304" pitchFamily="18" charset="0"/>
                         </a:rPr>
-                        <a:t>グループ２</a:t>
+                        <a:t>グループ</a:t>
                       </a:r>
+                      <a:r>
+                        <a:rPr lang="ja-JP" altLang="en-US" sz="1800" kern="100" dirty="0" smtClean="0">
+                          <a:effectLst/>
+                          <a:latin typeface="Century" panose="02040604050505020304" pitchFamily="18" charset="0"/>
+                          <a:ea typeface="ＭＳ 明朝" panose="02020609040205080304" pitchFamily="17" charset="-128"/>
+                          <a:cs typeface="Times New Roman" panose="02020603050405020304" pitchFamily="18" charset="0"/>
+                        </a:rPr>
+                        <a:t>１</a:t>
+                      </a:r>
+                      <a:endParaRPr lang="ja-JP" sz="1800" kern="100" dirty="0">
+                        <a:effectLst/>
+                        <a:latin typeface="Century" panose="02040604050505020304" pitchFamily="18" charset="0"/>
+                        <a:ea typeface="ＭＳ 明朝" panose="02020609040205080304" pitchFamily="17" charset="-128"/>
+                        <a:cs typeface="Times New Roman" panose="02020603050405020304" pitchFamily="18" charset="0"/>
+                      </a:endParaRPr>
                     </a:p>
                   </a:txBody>
                   <a:tcPr marL="68580" marR="68580" marT="0" marB="0">
@@ -11648,14 +13502,29 @@
                         </a:spcAft>
                       </a:pPr>
                       <a:r>
-                        <a:rPr lang="ja-JP" sz="1800" kern="100" dirty="0">
+                        <a:rPr lang="ja-JP" sz="1800" kern="100" dirty="0" smtClean="0">
                           <a:effectLst/>
                           <a:latin typeface="Century" panose="02040604050505020304" pitchFamily="18" charset="0"/>
                           <a:ea typeface="ＭＳ 明朝" panose="02020609040205080304" pitchFamily="17" charset="-128"/>
                           <a:cs typeface="Times New Roman" panose="02020603050405020304" pitchFamily="18" charset="0"/>
                         </a:rPr>
-                        <a:t>グループ３</a:t>
+                        <a:t>グループ</a:t>
                       </a:r>
+                      <a:r>
+                        <a:rPr lang="ja-JP" altLang="en-US" sz="1800" kern="100" dirty="0" smtClean="0">
+                          <a:effectLst/>
+                          <a:latin typeface="Century" panose="02040604050505020304" pitchFamily="18" charset="0"/>
+                          <a:ea typeface="ＭＳ 明朝" panose="02020609040205080304" pitchFamily="17" charset="-128"/>
+                          <a:cs typeface="Times New Roman" panose="02020603050405020304" pitchFamily="18" charset="0"/>
+                        </a:rPr>
+                        <a:t>２</a:t>
+                      </a:r>
+                      <a:endParaRPr lang="ja-JP" sz="1800" kern="100" dirty="0">
+                        <a:effectLst/>
+                        <a:latin typeface="Century" panose="02040604050505020304" pitchFamily="18" charset="0"/>
+                        <a:ea typeface="ＭＳ 明朝" panose="02020609040205080304" pitchFamily="17" charset="-128"/>
+                        <a:cs typeface="Times New Roman" panose="02020603050405020304" pitchFamily="18" charset="0"/>
+                      </a:endParaRPr>
                     </a:p>
                   </a:txBody>
                   <a:tcPr marL="68580" marR="68580" marT="0" marB="0">
@@ -11769,14 +13638,29 @@
                         </a:spcAft>
                       </a:pPr>
                       <a:r>
-                        <a:rPr lang="ja-JP" sz="1800" kern="100" dirty="0">
+                        <a:rPr lang="ja-JP" sz="1800" kern="100" dirty="0" smtClean="0">
                           <a:effectLst/>
                           <a:latin typeface="Century" panose="02040604050505020304" pitchFamily="18" charset="0"/>
                           <a:ea typeface="ＭＳ 明朝" panose="02020609040205080304" pitchFamily="17" charset="-128"/>
                           <a:cs typeface="Times New Roman" panose="02020603050405020304" pitchFamily="18" charset="0"/>
                         </a:rPr>
-                        <a:t>グループ４</a:t>
+                        <a:t>グループ</a:t>
                       </a:r>
+                      <a:r>
+                        <a:rPr lang="ja-JP" altLang="en-US" sz="1800" kern="100" dirty="0" smtClean="0">
+                          <a:effectLst/>
+                          <a:latin typeface="Century" panose="02040604050505020304" pitchFamily="18" charset="0"/>
+                          <a:ea typeface="ＭＳ 明朝" panose="02020609040205080304" pitchFamily="17" charset="-128"/>
+                          <a:cs typeface="Times New Roman" panose="02020603050405020304" pitchFamily="18" charset="0"/>
+                        </a:rPr>
+                        <a:t>３</a:t>
+                      </a:r>
+                      <a:endParaRPr lang="ja-JP" sz="1800" kern="100" dirty="0">
+                        <a:effectLst/>
+                        <a:latin typeface="Century" panose="02040604050505020304" pitchFamily="18" charset="0"/>
+                        <a:ea typeface="ＭＳ 明朝" panose="02020609040205080304" pitchFamily="17" charset="-128"/>
+                        <a:cs typeface="Times New Roman" panose="02020603050405020304" pitchFamily="18" charset="0"/>
+                      </a:endParaRPr>
                     </a:p>
                   </a:txBody>
                   <a:tcPr marL="68580" marR="68580" marT="0" marB="0">
@@ -11890,14 +13774,29 @@
                         </a:spcAft>
                       </a:pPr>
                       <a:r>
-                        <a:rPr lang="ja-JP" sz="1800" kern="100">
+                        <a:rPr lang="ja-JP" sz="1800" kern="100" dirty="0" smtClean="0">
                           <a:effectLst/>
                           <a:latin typeface="Century" panose="02040604050505020304" pitchFamily="18" charset="0"/>
                           <a:ea typeface="ＭＳ 明朝" panose="02020609040205080304" pitchFamily="17" charset="-128"/>
                           <a:cs typeface="Times New Roman" panose="02020603050405020304" pitchFamily="18" charset="0"/>
                         </a:rPr>
-                        <a:t>グループ５</a:t>
+                        <a:t>グループ</a:t>
                       </a:r>
+                      <a:r>
+                        <a:rPr lang="ja-JP" altLang="en-US" sz="1800" kern="100" dirty="0" smtClean="0">
+                          <a:effectLst/>
+                          <a:latin typeface="Century" panose="02040604050505020304" pitchFamily="18" charset="0"/>
+                          <a:ea typeface="ＭＳ 明朝" panose="02020609040205080304" pitchFamily="17" charset="-128"/>
+                          <a:cs typeface="Times New Roman" panose="02020603050405020304" pitchFamily="18" charset="0"/>
+                        </a:rPr>
+                        <a:t>４</a:t>
+                      </a:r>
+                      <a:endParaRPr lang="ja-JP" sz="1800" kern="100" dirty="0">
+                        <a:effectLst/>
+                        <a:latin typeface="Century" panose="02040604050505020304" pitchFamily="18" charset="0"/>
+                        <a:ea typeface="ＭＳ 明朝" panose="02020609040205080304" pitchFamily="17" charset="-128"/>
+                        <a:cs typeface="Times New Roman" panose="02020603050405020304" pitchFamily="18" charset="0"/>
+                      </a:endParaRPr>
                     </a:p>
                   </a:txBody>
                   <a:tcPr marL="68580" marR="68580" marT="0" marB="0">
@@ -12030,7 +13929,7 @@
             <a:fld id="{7A0C0510-5AD5-45F8-B3F1-46CC91AC00B1}" type="slidenum">
               <a:rPr kumimoji="1" lang="ja-JP" altLang="en-US" smtClean="0"/>
               <a:pPr/>
-              <a:t>7</a:t>
+              <a:t>8</a:t>
             </a:fld>
             <a:endParaRPr kumimoji="1" lang="ja-JP" altLang="en-US" dirty="0"/>
           </a:p>
@@ -12045,13 +13944,13 @@
           <p:nvPr>
             <p:extLst>
               <p:ext uri="{D42A27DB-BD31-4B8C-83A1-F6EECF244321}">
-                <p14:modId xmlns:p14="http://schemas.microsoft.com/office/powerpoint/2010/main" val="2190623018"/>
+                <p14:modId xmlns:p14="http://schemas.microsoft.com/office/powerpoint/2010/main" val="470273453"/>
               </p:ext>
             </p:extLst>
           </p:nvPr>
         </p:nvGraphicFramePr>
         <p:xfrm>
-          <a:off x="1106150" y="4618831"/>
+          <a:off x="1095875" y="4501051"/>
           <a:ext cx="3048913" cy="274320"/>
         </p:xfrm>
         <a:graphic>
@@ -12110,12 +14009,18 @@
                     </a:p>
                   </a:txBody>
                   <a:tcPr marL="68580" marR="68580" marT="0" marB="0">
-                    <a:lnL>
-                      <a:noFill/>
+                    <a:lnL w="12700" cap="flat" cmpd="sng" algn="ctr">
+                      <a:solidFill>
+                        <a:schemeClr val="tx1"/>
+                      </a:solidFill>
+                      <a:prstDash val="solid"/>
+                      <a:round/>
+                      <a:headEnd type="none" w="med" len="med"/>
+                      <a:tailEnd type="none" w="med" len="med"/>
                     </a:lnL>
                     <a:lnR w="12700" cap="flat" cmpd="sng" algn="ctr">
                       <a:solidFill>
-                        <a:srgbClr val="000000"/>
+                        <a:schemeClr val="tx1"/>
                       </a:solidFill>
                       <a:prstDash val="solid"/>
                       <a:round/>
@@ -12124,7 +14029,7 @@
                     </a:lnR>
                     <a:lnT w="12700" cap="flat" cmpd="sng" algn="ctr">
                       <a:solidFill>
-                        <a:srgbClr val="000000"/>
+                        <a:schemeClr val="tx1"/>
                       </a:solidFill>
                       <a:prstDash val="solid"/>
                       <a:round/>
@@ -12133,7 +14038,7 @@
                     </a:lnT>
                     <a:lnB w="12700" cap="flat" cmpd="sng" algn="ctr">
                       <a:solidFill>
-                        <a:srgbClr val="000000"/>
+                        <a:schemeClr val="tx1"/>
                       </a:solidFill>
                       <a:prstDash val="solid"/>
                       <a:round/>
@@ -12172,7 +14077,7 @@
                   <a:tcPr marL="68580" marR="68580" marT="0" marB="0">
                     <a:lnL w="12700" cap="flat" cmpd="sng" algn="ctr">
                       <a:solidFill>
-                        <a:srgbClr val="000000"/>
+                        <a:schemeClr val="tx1"/>
                       </a:solidFill>
                       <a:prstDash val="solid"/>
                       <a:round/>
@@ -12181,7 +14086,7 @@
                     </a:lnL>
                     <a:lnR w="12700" cap="flat" cmpd="sng" algn="ctr">
                       <a:solidFill>
-                        <a:srgbClr val="000000"/>
+                        <a:schemeClr val="tx1"/>
                       </a:solidFill>
                       <a:prstDash val="solid"/>
                       <a:round/>
@@ -12190,7 +14095,7 @@
                     </a:lnR>
                     <a:lnT w="12700" cap="flat" cmpd="sng" algn="ctr">
                       <a:solidFill>
-                        <a:srgbClr val="000000"/>
+                        <a:schemeClr val="tx1"/>
                       </a:solidFill>
                       <a:prstDash val="solid"/>
                       <a:round/>
@@ -12199,7 +14104,7 @@
                     </a:lnT>
                     <a:lnB w="12700" cap="flat" cmpd="sng" algn="ctr">
                       <a:solidFill>
-                        <a:srgbClr val="000000"/>
+                        <a:schemeClr val="tx1"/>
                       </a:solidFill>
                       <a:prstDash val="solid"/>
                       <a:round/>
@@ -12238,19 +14143,25 @@
                   <a:tcPr marL="68580" marR="68580" marT="0" marB="0">
                     <a:lnL w="12700" cap="flat" cmpd="sng" algn="ctr">
                       <a:solidFill>
-                        <a:srgbClr val="000000"/>
+                        <a:schemeClr val="tx1"/>
                       </a:solidFill>
                       <a:prstDash val="solid"/>
                       <a:round/>
                       <a:headEnd type="none" w="med" len="med"/>
                       <a:tailEnd type="none" w="med" len="med"/>
                     </a:lnL>
-                    <a:lnR>
-                      <a:noFill/>
+                    <a:lnR w="12700" cap="flat" cmpd="sng" algn="ctr">
+                      <a:solidFill>
+                        <a:schemeClr val="tx1"/>
+                      </a:solidFill>
+                      <a:prstDash val="solid"/>
+                      <a:round/>
+                      <a:headEnd type="none" w="med" len="med"/>
+                      <a:tailEnd type="none" w="med" len="med"/>
                     </a:lnR>
                     <a:lnT w="12700" cap="flat" cmpd="sng" algn="ctr">
                       <a:solidFill>
-                        <a:srgbClr val="000000"/>
+                        <a:schemeClr val="tx1"/>
                       </a:solidFill>
                       <a:prstDash val="solid"/>
                       <a:round/>
@@ -12259,7 +14170,7 @@
                     </a:lnT>
                     <a:lnB w="12700" cap="flat" cmpd="sng" algn="ctr">
                       <a:solidFill>
-                        <a:srgbClr val="000000"/>
+                        <a:schemeClr val="tx1"/>
                       </a:solidFill>
                       <a:prstDash val="solid"/>
                       <a:round/>
@@ -12287,13 +14198,13 @@
           <p:nvPr>
             <p:extLst>
               <p:ext uri="{D42A27DB-BD31-4B8C-83A1-F6EECF244321}">
-                <p14:modId xmlns:p14="http://schemas.microsoft.com/office/powerpoint/2010/main" val="3152856240"/>
+                <p14:modId xmlns:p14="http://schemas.microsoft.com/office/powerpoint/2010/main" val="1466998378"/>
               </p:ext>
             </p:extLst>
           </p:nvPr>
         </p:nvGraphicFramePr>
         <p:xfrm>
-          <a:off x="4769720" y="4618831"/>
+          <a:off x="4752898" y="4497494"/>
           <a:ext cx="3410104" cy="274320"/>
         </p:xfrm>
         <a:graphic>
@@ -12352,12 +14263,18 @@
                     </a:p>
                   </a:txBody>
                   <a:tcPr marL="68580" marR="68580" marT="0" marB="0">
-                    <a:lnL>
-                      <a:noFill/>
+                    <a:lnL w="12700" cap="flat" cmpd="sng" algn="ctr">
+                      <a:solidFill>
+                        <a:schemeClr val="tx1"/>
+                      </a:solidFill>
+                      <a:prstDash val="solid"/>
+                      <a:round/>
+                      <a:headEnd type="none" w="med" len="med"/>
+                      <a:tailEnd type="none" w="med" len="med"/>
                     </a:lnL>
                     <a:lnR w="12700" cap="flat" cmpd="sng" algn="ctr">
                       <a:solidFill>
-                        <a:srgbClr val="000000"/>
+                        <a:schemeClr val="tx1"/>
                       </a:solidFill>
                       <a:prstDash val="solid"/>
                       <a:round/>
@@ -12366,7 +14283,7 @@
                     </a:lnR>
                     <a:lnT w="12700" cap="flat" cmpd="sng" algn="ctr">
                       <a:solidFill>
-                        <a:srgbClr val="000000"/>
+                        <a:schemeClr val="tx1"/>
                       </a:solidFill>
                       <a:prstDash val="solid"/>
                       <a:round/>
@@ -12375,7 +14292,7 @@
                     </a:lnT>
                     <a:lnB w="12700" cap="flat" cmpd="sng" algn="ctr">
                       <a:solidFill>
-                        <a:srgbClr val="000000"/>
+                        <a:schemeClr val="tx1"/>
                       </a:solidFill>
                       <a:prstDash val="solid"/>
                       <a:round/>
@@ -12395,7 +14312,7 @@
                         </a:spcAft>
                       </a:pPr>
                       <a:r>
-                        <a:rPr lang="en-US" sz="1800" kern="100">
+                        <a:rPr lang="en-US" sz="1800" kern="100" dirty="0">
                           <a:effectLst/>
                           <a:latin typeface="Century" panose="02040604050505020304" pitchFamily="18" charset="0"/>
                           <a:ea typeface="ＭＳ 明朝" panose="02020609040205080304" pitchFamily="17" charset="-128"/>
@@ -12403,7 +14320,7 @@
                         </a:rPr>
                         <a:t>if</a:t>
                       </a:r>
-                      <a:endParaRPr lang="ja-JP" sz="1800" kern="100">
+                      <a:endParaRPr lang="ja-JP" sz="1800" kern="100" dirty="0">
                         <a:effectLst/>
                         <a:latin typeface="Century" panose="02040604050505020304" pitchFamily="18" charset="0"/>
                         <a:ea typeface="ＭＳ 明朝" panose="02020609040205080304" pitchFamily="17" charset="-128"/>
@@ -12414,7 +14331,7 @@
                   <a:tcPr marL="68580" marR="68580" marT="0" marB="0">
                     <a:lnL w="12700" cap="flat" cmpd="sng" algn="ctr">
                       <a:solidFill>
-                        <a:srgbClr val="000000"/>
+                        <a:schemeClr val="tx1"/>
                       </a:solidFill>
                       <a:prstDash val="solid"/>
                       <a:round/>
@@ -12423,7 +14340,7 @@
                     </a:lnL>
                     <a:lnR w="12700" cap="flat" cmpd="sng" algn="ctr">
                       <a:solidFill>
-                        <a:srgbClr val="000000"/>
+                        <a:schemeClr val="tx1"/>
                       </a:solidFill>
                       <a:prstDash val="solid"/>
                       <a:round/>
@@ -12432,7 +14349,7 @@
                     </a:lnR>
                     <a:lnT w="12700" cap="flat" cmpd="sng" algn="ctr">
                       <a:solidFill>
-                        <a:srgbClr val="000000"/>
+                        <a:schemeClr val="tx1"/>
                       </a:solidFill>
                       <a:prstDash val="solid"/>
                       <a:round/>
@@ -12441,7 +14358,7 @@
                     </a:lnT>
                     <a:lnB w="12700" cap="flat" cmpd="sng" algn="ctr">
                       <a:solidFill>
-                        <a:srgbClr val="000000"/>
+                        <a:schemeClr val="tx1"/>
                       </a:solidFill>
                       <a:prstDash val="solid"/>
                       <a:round/>
@@ -12480,19 +14397,25 @@
                   <a:tcPr marL="68580" marR="68580" marT="0" marB="0">
                     <a:lnL w="12700" cap="flat" cmpd="sng" algn="ctr">
                       <a:solidFill>
-                        <a:srgbClr val="000000"/>
+                        <a:schemeClr val="tx1"/>
                       </a:solidFill>
                       <a:prstDash val="solid"/>
                       <a:round/>
                       <a:headEnd type="none" w="med" len="med"/>
                       <a:tailEnd type="none" w="med" len="med"/>
                     </a:lnL>
-                    <a:lnR>
-                      <a:noFill/>
+                    <a:lnR w="12700" cap="flat" cmpd="sng" algn="ctr">
+                      <a:solidFill>
+                        <a:schemeClr val="tx1"/>
+                      </a:solidFill>
+                      <a:prstDash val="solid"/>
+                      <a:round/>
+                      <a:headEnd type="none" w="med" len="med"/>
+                      <a:tailEnd type="none" w="med" len="med"/>
                     </a:lnR>
                     <a:lnT w="12700" cap="flat" cmpd="sng" algn="ctr">
                       <a:solidFill>
-                        <a:srgbClr val="000000"/>
+                        <a:schemeClr val="tx1"/>
                       </a:solidFill>
                       <a:prstDash val="solid"/>
                       <a:round/>
@@ -12501,7 +14424,7 @@
                     </a:lnT>
                     <a:lnB w="12700" cap="flat" cmpd="sng" algn="ctr">
                       <a:solidFill>
-                        <a:srgbClr val="000000"/>
+                        <a:schemeClr val="tx1"/>
                       </a:solidFill>
                       <a:prstDash val="solid"/>
                       <a:round/>
@@ -12528,7 +14451,7 @@
         </p:nvSpPr>
         <p:spPr>
           <a:xfrm>
-            <a:off x="3702534" y="1860541"/>
+            <a:off x="3673388" y="1494803"/>
             <a:ext cx="1338828" cy="369332"/>
           </a:xfrm>
           <a:prstGeom prst="rect">
@@ -12565,8 +14488,8 @@
         </p:nvSpPr>
         <p:spPr>
           <a:xfrm>
-            <a:off x="1845776" y="4953938"/>
-            <a:ext cx="1569660" cy="369332"/>
+            <a:off x="1634063" y="3816383"/>
+            <a:ext cx="1851789" cy="369332"/>
           </a:xfrm>
           <a:prstGeom prst="rect">
             <a:avLst/>
@@ -12579,12 +14502,12 @@
           <a:lstStyle/>
           <a:p>
             <a:r>
-              <a:rPr lang="ja-JP" altLang="ja-JP" dirty="0">
+              <a:rPr lang="en-US" altLang="ja-JP" dirty="0" smtClean="0">
                 <a:latin typeface="Century" panose="02040604050505020304" pitchFamily="18" charset="0"/>
                 <a:ea typeface="ＭＳ 明朝" panose="02020609040205080304" pitchFamily="17" charset="-128"/>
                 <a:cs typeface="Times New Roman" panose="02020603050405020304" pitchFamily="18" charset="0"/>
               </a:rPr>
-              <a:t>同じ</a:t>
+              <a:t>(a)</a:t>
             </a:r>
             <a:r>
               <a:rPr lang="ja-JP" altLang="ja-JP" dirty="0" smtClean="0">
@@ -12592,7 +14515,7 @@
                 <a:ea typeface="ＭＳ 明朝" panose="02020609040205080304" pitchFamily="17" charset="-128"/>
                 <a:cs typeface="Times New Roman" panose="02020603050405020304" pitchFamily="18" charset="0"/>
               </a:rPr>
-              <a:t>グループ</a:t>
+              <a:t>同じグループ</a:t>
             </a:r>
             <a:endParaRPr lang="ja-JP" altLang="en-US" dirty="0"/>
           </a:p>
@@ -12606,8 +14529,8 @@
         </p:nvSpPr>
         <p:spPr>
           <a:xfrm>
-            <a:off x="5499997" y="4984332"/>
-            <a:ext cx="1800493" cy="369332"/>
+            <a:off x="5383102" y="3829240"/>
+            <a:ext cx="2082621" cy="369332"/>
           </a:xfrm>
           <a:prstGeom prst="rect">
             <a:avLst/>
@@ -12620,12 +14543,12 @@
           <a:lstStyle/>
           <a:p>
             <a:r>
-              <a:rPr lang="ja-JP" altLang="ja-JP" dirty="0">
+              <a:rPr lang="en-US" altLang="ja-JP" dirty="0" smtClean="0">
                 <a:latin typeface="Century" panose="02040604050505020304" pitchFamily="18" charset="0"/>
                 <a:ea typeface="ＭＳ 明朝" panose="02020609040205080304" pitchFamily="17" charset="-128"/>
                 <a:cs typeface="Times New Roman" panose="02020603050405020304" pitchFamily="18" charset="0"/>
               </a:rPr>
-              <a:t>異なる</a:t>
+              <a:t>(b)</a:t>
             </a:r>
             <a:r>
               <a:rPr lang="ja-JP" altLang="ja-JP" dirty="0" smtClean="0">
@@ -12633,7 +14556,7 @@
                 <a:ea typeface="ＭＳ 明朝" panose="02020609040205080304" pitchFamily="17" charset="-128"/>
                 <a:cs typeface="Times New Roman" panose="02020603050405020304" pitchFamily="18" charset="0"/>
               </a:rPr>
-              <a:t>グループ</a:t>
+              <a:t>異なるグループ</a:t>
             </a:r>
             <a:endParaRPr lang="ja-JP" altLang="en-US" dirty="0"/>
           </a:p>
@@ -12647,7 +14570,7 @@
         </p:nvSpPr>
         <p:spPr>
           <a:xfrm>
-            <a:off x="3222765" y="4107102"/>
+            <a:off x="3212491" y="3400239"/>
             <a:ext cx="2492990" cy="369332"/>
           </a:xfrm>
           <a:prstGeom prst="rect">
@@ -12672,124 +14595,98 @@
           </a:p>
         </p:txBody>
       </p:sp>
+      <p:sp>
+        <p:nvSpPr>
+          <p:cNvPr id="5" name="正方形/長方形 4"/>
+          <p:cNvSpPr/>
+          <p:nvPr/>
+        </p:nvSpPr>
+        <p:spPr>
+          <a:xfrm>
+            <a:off x="917723" y="4824850"/>
+            <a:ext cx="4572000" cy="646331"/>
+          </a:xfrm>
+          <a:prstGeom prst="rect">
+            <a:avLst/>
+          </a:prstGeom>
+        </p:spPr>
+        <p:txBody>
+          <a:bodyPr>
+            <a:spAutoFit/>
+          </a:bodyPr>
+          <a:lstStyle/>
+          <a:p>
+            <a:r>
+              <a:rPr kumimoji="1" lang="ja-JP" altLang="en-US" dirty="0"/>
+              <a:t>構文の理解が浅い学習者</a:t>
+            </a:r>
+            <a:r>
+              <a:rPr kumimoji="1" lang="ja-JP" altLang="en-US" dirty="0" smtClean="0"/>
+              <a:t>が</a:t>
+            </a:r>
+            <a:endParaRPr kumimoji="1" lang="en-US" altLang="ja-JP" dirty="0" smtClean="0"/>
+          </a:p>
+          <a:p>
+            <a:r>
+              <a:rPr kumimoji="1" lang="ja-JP" altLang="en-US" dirty="0" smtClean="0"/>
+              <a:t>理解</a:t>
+            </a:r>
+            <a:r>
+              <a:rPr kumimoji="1" lang="ja-JP" altLang="en-US" dirty="0"/>
+              <a:t>を深めるために利用できる</a:t>
+            </a:r>
+            <a:endParaRPr lang="ja-JP" altLang="en-US" dirty="0"/>
+          </a:p>
+        </p:txBody>
+      </p:sp>
+      <p:sp>
+        <p:nvSpPr>
+          <p:cNvPr id="6" name="正方形/長方形 5"/>
+          <p:cNvSpPr/>
+          <p:nvPr/>
+        </p:nvSpPr>
+        <p:spPr>
+          <a:xfrm>
+            <a:off x="4646430" y="4820418"/>
+            <a:ext cx="4572000" cy="646331"/>
+          </a:xfrm>
+          <a:prstGeom prst="rect">
+            <a:avLst/>
+          </a:prstGeom>
+        </p:spPr>
+        <p:txBody>
+          <a:bodyPr>
+            <a:spAutoFit/>
+          </a:bodyPr>
+          <a:lstStyle/>
+          <a:p>
+            <a:r>
+              <a:rPr kumimoji="1" lang="ja-JP" altLang="en-US" dirty="0"/>
+              <a:t>構文だけでなく、前後を理解</a:t>
+            </a:r>
+            <a:r>
+              <a:rPr kumimoji="1" lang="ja-JP" altLang="en-US" dirty="0" smtClean="0"/>
+              <a:t>して</a:t>
+            </a:r>
+            <a:endParaRPr kumimoji="1" lang="en-US" altLang="ja-JP" dirty="0" smtClean="0"/>
+          </a:p>
+          <a:p>
+            <a:r>
+              <a:rPr kumimoji="1" lang="ja-JP" altLang="en-US" dirty="0" smtClean="0"/>
+              <a:t>解答</a:t>
+            </a:r>
+            <a:r>
+              <a:rPr kumimoji="1" lang="ja-JP" altLang="en-US" dirty="0"/>
+              <a:t>を選ぶ必要がある</a:t>
+            </a:r>
+            <a:endParaRPr kumimoji="1" lang="en-US" altLang="ja-JP" dirty="0"/>
+          </a:p>
+        </p:txBody>
+      </p:sp>
     </p:spTree>
     <p:extLst>
       <p:ext uri="{BB962C8B-B14F-4D97-AF65-F5344CB8AC3E}">
         <p14:creationId xmlns:p14="http://schemas.microsoft.com/office/powerpoint/2010/main" val="3934619989"/>
-      </p:ext>
-    </p:extLst>
-  </p:cSld>
-  <p:clrMapOvr>
-    <a:masterClrMapping/>
-  </p:clrMapOvr>
-</p:sld>
-</file>
-
-<file path=ppt/slides/slide8.xml><?xml version="1.0" encoding="utf-8"?>
-<p:sld xmlns:a="http://schemas.openxmlformats.org/drawingml/2006/main" xmlns:r="http://schemas.openxmlformats.org/officeDocument/2006/relationships" xmlns:p="http://schemas.openxmlformats.org/presentationml/2006/main">
-  <p:cSld>
-    <p:spTree>
-      <p:nvGrpSpPr>
-        <p:cNvPr id="1" name=""/>
-        <p:cNvGrpSpPr/>
-        <p:nvPr/>
-      </p:nvGrpSpPr>
-      <p:grpSpPr>
-        <a:xfrm>
-          <a:off x="0" y="0"/>
-          <a:ext cx="0" cy="0"/>
-          <a:chOff x="0" y="0"/>
-          <a:chExt cx="0" cy="0"/>
-        </a:xfrm>
-      </p:grpSpPr>
-      <p:sp>
-        <p:nvSpPr>
-          <p:cNvPr id="2" name="タイトル 1"/>
-          <p:cNvSpPr>
-            <a:spLocks noGrp="1"/>
-          </p:cNvSpPr>
-          <p:nvPr>
-            <p:ph type="title"/>
-          </p:nvPr>
-        </p:nvSpPr>
-        <p:spPr/>
-        <p:txBody>
-          <a:bodyPr/>
-          <a:lstStyle/>
-          <a:p>
-            <a:r>
-              <a:rPr kumimoji="1" lang="en-US" altLang="ja-JP" dirty="0" smtClean="0"/>
-              <a:t>UI</a:t>
-            </a:r>
-            <a:r>
-              <a:rPr kumimoji="1" lang="ja-JP" altLang="en-US" dirty="0" smtClean="0"/>
-              <a:t>図</a:t>
-            </a:r>
-            <a:endParaRPr kumimoji="1" lang="ja-JP" altLang="en-US" dirty="0"/>
-          </a:p>
-        </p:txBody>
-      </p:sp>
-      <p:sp>
-        <p:nvSpPr>
-          <p:cNvPr id="4" name="スライド番号プレースホルダー 3"/>
-          <p:cNvSpPr>
-            <a:spLocks noGrp="1"/>
-          </p:cNvSpPr>
-          <p:nvPr>
-            <p:ph type="sldNum" sz="quarter" idx="12"/>
-          </p:nvPr>
-        </p:nvSpPr>
-        <p:spPr/>
-        <p:txBody>
-          <a:bodyPr/>
-          <a:lstStyle/>
-          <a:p>
-            <a:fld id="{7A0C0510-5AD5-45F8-B3F1-46CC91AC00B1}" type="slidenum">
-              <a:rPr kumimoji="1" lang="ja-JP" altLang="en-US" smtClean="0"/>
-              <a:pPr/>
-              <a:t>8</a:t>
-            </a:fld>
-            <a:endParaRPr kumimoji="1" lang="ja-JP" altLang="en-US" dirty="0"/>
-          </a:p>
-        </p:txBody>
-      </p:sp>
-      <p:pic>
-        <p:nvPicPr>
-          <p:cNvPr id="5" name="図 4"/>
-          <p:cNvPicPr/>
-          <p:nvPr/>
-        </p:nvPicPr>
-        <p:blipFill>
-          <a:blip r:embed="rId3" cstate="print">
-            <a:extLst>
-              <a:ext uri="{28A0092B-C50C-407E-A947-70E740481C1C}">
-                <a14:useLocalDpi xmlns:a14="http://schemas.microsoft.com/office/drawing/2010/main" val="0"/>
-              </a:ext>
-            </a:extLst>
-          </a:blip>
-          <a:srcRect/>
-          <a:stretch>
-            <a:fillRect/>
-          </a:stretch>
-        </p:blipFill>
-        <p:spPr bwMode="auto">
-          <a:xfrm>
-            <a:off x="628650" y="2049465"/>
-            <a:ext cx="7886700" cy="4306886"/>
-          </a:xfrm>
-          <a:prstGeom prst="rect">
-            <a:avLst/>
-          </a:prstGeom>
-          <a:noFill/>
-          <a:ln>
-            <a:noFill/>
-          </a:ln>
-        </p:spPr>
-      </p:pic>
-    </p:spTree>
-    <p:extLst>
-      <p:ext uri="{BB962C8B-B14F-4D97-AF65-F5344CB8AC3E}">
-        <p14:creationId xmlns:p14="http://schemas.microsoft.com/office/powerpoint/2010/main" val="4006035017"/>
       </p:ext>
     </p:extLst>
   </p:cSld>
@@ -12839,8 +14736,12 @@
           <a:lstStyle/>
           <a:p>
             <a:r>
+              <a:rPr kumimoji="1" lang="en-US" altLang="ja-JP" dirty="0" smtClean="0"/>
+              <a:t>UI</a:t>
+            </a:r>
+            <a:r>
               <a:rPr lang="ja-JP" altLang="en-US" dirty="0"/>
-              <a:t>実験</a:t>
+              <a:t>設計</a:t>
             </a:r>
             <a:endParaRPr kumimoji="1" lang="ja-JP" altLang="en-US" dirty="0"/>
           </a:p>
@@ -12848,1241 +14749,7 @@
       </p:sp>
       <p:sp>
         <p:nvSpPr>
-          <p:cNvPr id="3" name="コンテンツ プレースホルダー 2"/>
-          <p:cNvSpPr>
-            <a:spLocks noGrp="1"/>
-          </p:cNvSpPr>
-          <p:nvPr>
-            <p:ph idx="1"/>
-          </p:nvPr>
-        </p:nvSpPr>
-        <p:spPr/>
-        <p:txBody>
-          <a:bodyPr/>
-          <a:lstStyle/>
-          <a:p>
-            <a:r>
-              <a:rPr lang="ja-JP" altLang="ja-JP" dirty="0"/>
-              <a:t>本システムの問題自動生成機能によって生成される穴埋め選択問題は学習のために適切に問題を生成することができているのか，複数の問題ファイルと難易度における実際の出題内容</a:t>
-            </a:r>
-            <a:r>
-              <a:rPr lang="ja-JP" altLang="ja-JP" dirty="0" smtClean="0"/>
-              <a:t>を</a:t>
-            </a:r>
-            <a:r>
-              <a:rPr lang="ja-JP" altLang="en-US" dirty="0"/>
-              <a:t>以下</a:t>
-            </a:r>
-            <a:r>
-              <a:rPr lang="ja-JP" altLang="ja-JP" dirty="0" smtClean="0"/>
-              <a:t>の</a:t>
-            </a:r>
-            <a:r>
-              <a:rPr lang="ja-JP" altLang="ja-JP" dirty="0"/>
-              <a:t>判断基準ごとに評価する．</a:t>
-            </a:r>
-          </a:p>
-        </p:txBody>
-      </p:sp>
-      <p:graphicFrame>
-        <p:nvGraphicFramePr>
-          <p:cNvPr id="5" name="表 4"/>
-          <p:cNvGraphicFramePr>
-            <a:graphicFrameLocks noGrp="1"/>
-          </p:cNvGraphicFramePr>
-          <p:nvPr>
-            <p:extLst>
-              <p:ext uri="{D42A27DB-BD31-4B8C-83A1-F6EECF244321}">
-                <p14:modId xmlns:p14="http://schemas.microsoft.com/office/powerpoint/2010/main" val="1092956108"/>
-              </p:ext>
-            </p:extLst>
-          </p:nvPr>
-        </p:nvGraphicFramePr>
-        <p:xfrm>
-          <a:off x="1262359" y="3929243"/>
-          <a:ext cx="6918688" cy="2535247"/>
-        </p:xfrm>
-        <a:graphic>
-          <a:graphicData uri="http://schemas.openxmlformats.org/drawingml/2006/table">
-            <a:tbl>
-              <a:tblPr firstRow="1" firstCol="1" bandRow="1"/>
-              <a:tblGrid>
-                <a:gridCol w="521270">
-                  <a:extLst>
-                    <a:ext uri="{9D8B030D-6E8A-4147-A177-3AD203B41FA5}">
-                      <a16:colId xmlns:a16="http://schemas.microsoft.com/office/drawing/2014/main" val="301573555"/>
-                    </a:ext>
-                  </a:extLst>
-                </a:gridCol>
-                <a:gridCol w="3988761">
-                  <a:extLst>
-                    <a:ext uri="{9D8B030D-6E8A-4147-A177-3AD203B41FA5}">
-                      <a16:colId xmlns:a16="http://schemas.microsoft.com/office/drawing/2014/main" val="2763908087"/>
-                    </a:ext>
-                  </a:extLst>
-                </a:gridCol>
-                <a:gridCol w="2408657">
-                  <a:extLst>
-                    <a:ext uri="{9D8B030D-6E8A-4147-A177-3AD203B41FA5}">
-                      <a16:colId xmlns:a16="http://schemas.microsoft.com/office/drawing/2014/main" val="1970008419"/>
-                    </a:ext>
-                  </a:extLst>
-                </a:gridCol>
-              </a:tblGrid>
-              <a:tr h="335088">
-                <a:tc>
-                  <a:txBody>
-                    <a:bodyPr/>
-                    <a:lstStyle/>
-                    <a:p>
-                      <a:pPr algn="just">
-                        <a:spcAft>
-                          <a:spcPts val="0"/>
-                        </a:spcAft>
-                      </a:pPr>
-                      <a:r>
-                        <a:rPr lang="en-US" sz="1600" kern="100">
-                          <a:effectLst/>
-                          <a:latin typeface="Century" panose="02040604050505020304" pitchFamily="18" charset="0"/>
-                          <a:ea typeface="ＭＳ 明朝" panose="02020609040205080304" pitchFamily="17" charset="-128"/>
-                          <a:cs typeface="Times New Roman" panose="02020603050405020304" pitchFamily="18" charset="0"/>
-                        </a:rPr>
-                        <a:t> </a:t>
-                      </a:r>
-                      <a:endParaRPr lang="ja-JP" sz="1600" kern="100">
-                        <a:effectLst/>
-                        <a:latin typeface="Century" panose="02040604050505020304" pitchFamily="18" charset="0"/>
-                        <a:ea typeface="ＭＳ 明朝" panose="02020609040205080304" pitchFamily="17" charset="-128"/>
-                        <a:cs typeface="Times New Roman" panose="02020603050405020304" pitchFamily="18" charset="0"/>
-                      </a:endParaRPr>
-                    </a:p>
-                  </a:txBody>
-                  <a:tcPr marL="51435" marR="51435" marT="0" marB="0">
-                    <a:lnL>
-                      <a:noFill/>
-                    </a:lnL>
-                    <a:lnR w="12700" cap="flat" cmpd="sng" algn="ctr">
-                      <a:solidFill>
-                        <a:srgbClr val="000000"/>
-                      </a:solidFill>
-                      <a:prstDash val="solid"/>
-                      <a:round/>
-                      <a:headEnd type="none" w="med" len="med"/>
-                      <a:tailEnd type="none" w="med" len="med"/>
-                    </a:lnR>
-                    <a:lnT w="12700" cap="flat" cmpd="sng" algn="ctr">
-                      <a:solidFill>
-                        <a:srgbClr val="000000"/>
-                      </a:solidFill>
-                      <a:prstDash val="solid"/>
-                      <a:round/>
-                      <a:headEnd type="none" w="med" len="med"/>
-                      <a:tailEnd type="none" w="med" len="med"/>
-                    </a:lnT>
-                    <a:lnB w="12700" cap="flat" cmpd="sng" algn="ctr">
-                      <a:solidFill>
-                        <a:srgbClr val="000000"/>
-                      </a:solidFill>
-                      <a:prstDash val="solid"/>
-                      <a:round/>
-                      <a:headEnd type="none" w="med" len="med"/>
-                      <a:tailEnd type="none" w="med" len="med"/>
-                    </a:lnB>
-                    <a:lnTlToBr w="6350" cap="flat" cmpd="sng" algn="ctr">
-                      <a:solidFill>
-                        <a:srgbClr val="000000"/>
-                      </a:solidFill>
-                      <a:prstDash val="solid"/>
-                      <a:round/>
-                      <a:headEnd type="none" w="med" len="med"/>
-                      <a:tailEnd type="none" w="med" len="med"/>
-                    </a:lnTlToBr>
-                  </a:tcPr>
-                </a:tc>
-                <a:tc>
-                  <a:txBody>
-                    <a:bodyPr/>
-                    <a:lstStyle/>
-                    <a:p>
-                      <a:pPr algn="ctr">
-                        <a:spcAft>
-                          <a:spcPts val="0"/>
-                        </a:spcAft>
-                      </a:pPr>
-                      <a:r>
-                        <a:rPr lang="ja-JP" sz="1600" kern="100">
-                          <a:effectLst/>
-                          <a:latin typeface="Century" panose="02040604050505020304" pitchFamily="18" charset="0"/>
-                          <a:ea typeface="ＭＳ 明朝" panose="02020609040205080304" pitchFamily="17" charset="-128"/>
-                          <a:cs typeface="Times New Roman" panose="02020603050405020304" pitchFamily="18" charset="0"/>
-                        </a:rPr>
-                        <a:t>基準</a:t>
-                      </a:r>
-                    </a:p>
-                  </a:txBody>
-                  <a:tcPr marL="51435" marR="51435" marT="0" marB="0">
-                    <a:lnL w="12700" cap="flat" cmpd="sng" algn="ctr">
-                      <a:solidFill>
-                        <a:srgbClr val="000000"/>
-                      </a:solidFill>
-                      <a:prstDash val="solid"/>
-                      <a:round/>
-                      <a:headEnd type="none" w="med" len="med"/>
-                      <a:tailEnd type="none" w="med" len="med"/>
-                    </a:lnL>
-                    <a:lnR w="12700" cap="flat" cmpd="sng" algn="ctr">
-                      <a:solidFill>
-                        <a:srgbClr val="000000"/>
-                      </a:solidFill>
-                      <a:prstDash val="solid"/>
-                      <a:round/>
-                      <a:headEnd type="none" w="med" len="med"/>
-                      <a:tailEnd type="none" w="med" len="med"/>
-                    </a:lnR>
-                    <a:lnT w="12700" cap="flat" cmpd="sng" algn="ctr">
-                      <a:solidFill>
-                        <a:srgbClr val="000000"/>
-                      </a:solidFill>
-                      <a:prstDash val="solid"/>
-                      <a:round/>
-                      <a:headEnd type="none" w="med" len="med"/>
-                      <a:tailEnd type="none" w="med" len="med"/>
-                    </a:lnT>
-                    <a:lnB w="12700" cap="flat" cmpd="sng" algn="ctr">
-                      <a:solidFill>
-                        <a:srgbClr val="000000"/>
-                      </a:solidFill>
-                      <a:prstDash val="solid"/>
-                      <a:round/>
-                      <a:headEnd type="none" w="med" len="med"/>
-                      <a:tailEnd type="none" w="med" len="med"/>
-                    </a:lnB>
-                  </a:tcPr>
-                </a:tc>
-                <a:tc>
-                  <a:txBody>
-                    <a:bodyPr/>
-                    <a:lstStyle/>
-                    <a:p>
-                      <a:pPr algn="ctr">
-                        <a:spcAft>
-                          <a:spcPts val="0"/>
-                        </a:spcAft>
-                      </a:pPr>
-                      <a:r>
-                        <a:rPr lang="ja-JP" sz="1600" kern="100" dirty="0">
-                          <a:effectLst/>
-                          <a:latin typeface="Century" panose="02040604050505020304" pitchFamily="18" charset="0"/>
-                          <a:ea typeface="ＭＳ 明朝" panose="02020609040205080304" pitchFamily="17" charset="-128"/>
-                          <a:cs typeface="Times New Roman" panose="02020603050405020304" pitchFamily="18" charset="0"/>
-                        </a:rPr>
-                        <a:t>評価</a:t>
-                      </a:r>
-                    </a:p>
-                  </a:txBody>
-                  <a:tcPr marL="51435" marR="51435" marT="0" marB="0">
-                    <a:lnL w="12700" cap="flat" cmpd="sng" algn="ctr">
-                      <a:solidFill>
-                        <a:srgbClr val="000000"/>
-                      </a:solidFill>
-                      <a:prstDash val="solid"/>
-                      <a:round/>
-                      <a:headEnd type="none" w="med" len="med"/>
-                      <a:tailEnd type="none" w="med" len="med"/>
-                    </a:lnL>
-                    <a:lnR>
-                      <a:noFill/>
-                    </a:lnR>
-                    <a:lnT w="12700" cap="flat" cmpd="sng" algn="ctr">
-                      <a:solidFill>
-                        <a:srgbClr val="000000"/>
-                      </a:solidFill>
-                      <a:prstDash val="solid"/>
-                      <a:round/>
-                      <a:headEnd type="none" w="med" len="med"/>
-                      <a:tailEnd type="none" w="med" len="med"/>
-                    </a:lnT>
-                    <a:lnB w="12700" cap="flat" cmpd="sng" algn="ctr">
-                      <a:solidFill>
-                        <a:srgbClr val="000000"/>
-                      </a:solidFill>
-                      <a:prstDash val="solid"/>
-                      <a:round/>
-                      <a:headEnd type="none" w="med" len="med"/>
-                      <a:tailEnd type="none" w="med" len="med"/>
-                    </a:lnB>
-                  </a:tcPr>
-                </a:tc>
-                <a:extLst>
-                  <a:ext uri="{0D108BD9-81ED-4DB2-BD59-A6C34878D82A}">
-                    <a16:rowId xmlns:a16="http://schemas.microsoft.com/office/drawing/2014/main" val="2271061721"/>
-                  </a:ext>
-                </a:extLst>
-              </a:tr>
-              <a:tr h="335088">
-                <a:tc>
-                  <a:txBody>
-                    <a:bodyPr/>
-                    <a:lstStyle/>
-                    <a:p>
-                      <a:pPr algn="ctr">
-                        <a:spcAft>
-                          <a:spcPts val="0"/>
-                        </a:spcAft>
-                      </a:pPr>
-                      <a:r>
-                        <a:rPr lang="ja-JP" sz="1600" kern="100">
-                          <a:effectLst/>
-                          <a:latin typeface="Century" panose="02040604050505020304" pitchFamily="18" charset="0"/>
-                          <a:ea typeface="ＭＳ 明朝" panose="02020609040205080304" pitchFamily="17" charset="-128"/>
-                          <a:cs typeface="Times New Roman" panose="02020603050405020304" pitchFamily="18" charset="0"/>
-                        </a:rPr>
-                        <a:t>１</a:t>
-                      </a:r>
-                    </a:p>
-                  </a:txBody>
-                  <a:tcPr marL="51435" marR="51435" marT="0" marB="0">
-                    <a:lnL>
-                      <a:noFill/>
-                    </a:lnL>
-                    <a:lnR w="12700" cap="flat" cmpd="sng" algn="ctr">
-                      <a:solidFill>
-                        <a:srgbClr val="000000"/>
-                      </a:solidFill>
-                      <a:prstDash val="solid"/>
-                      <a:round/>
-                      <a:headEnd type="none" w="med" len="med"/>
-                      <a:tailEnd type="none" w="med" len="med"/>
-                    </a:lnR>
-                    <a:lnT w="12700" cap="flat" cmpd="sng" algn="ctr">
-                      <a:solidFill>
-                        <a:srgbClr val="000000"/>
-                      </a:solidFill>
-                      <a:prstDash val="solid"/>
-                      <a:round/>
-                      <a:headEnd type="none" w="med" len="med"/>
-                      <a:tailEnd type="none" w="med" len="med"/>
-                    </a:lnT>
-                    <a:lnB w="12700" cap="flat" cmpd="sng" algn="ctr">
-                      <a:solidFill>
-                        <a:srgbClr val="000000"/>
-                      </a:solidFill>
-                      <a:prstDash val="solid"/>
-                      <a:round/>
-                      <a:headEnd type="none" w="med" len="med"/>
-                      <a:tailEnd type="none" w="med" len="med"/>
-                    </a:lnB>
-                  </a:tcPr>
-                </a:tc>
-                <a:tc>
-                  <a:txBody>
-                    <a:bodyPr/>
-                    <a:lstStyle/>
-                    <a:p>
-                      <a:pPr algn="just">
-                        <a:spcAft>
-                          <a:spcPts val="0"/>
-                        </a:spcAft>
-                      </a:pPr>
-                      <a:r>
-                        <a:rPr lang="ja-JP" sz="1600" kern="100">
-                          <a:effectLst/>
-                          <a:latin typeface="Century" panose="02040604050505020304" pitchFamily="18" charset="0"/>
-                          <a:ea typeface="ＭＳ 明朝" panose="02020609040205080304" pitchFamily="17" charset="-128"/>
-                          <a:cs typeface="Times New Roman" panose="02020603050405020304" pitchFamily="18" charset="0"/>
-                        </a:rPr>
-                        <a:t>正解となる解答が選択肢に入っている．</a:t>
-                      </a:r>
-                    </a:p>
-                  </a:txBody>
-                  <a:tcPr marL="51435" marR="51435" marT="0" marB="0">
-                    <a:lnL w="12700" cap="flat" cmpd="sng" algn="ctr">
-                      <a:solidFill>
-                        <a:srgbClr val="000000"/>
-                      </a:solidFill>
-                      <a:prstDash val="solid"/>
-                      <a:round/>
-                      <a:headEnd type="none" w="med" len="med"/>
-                      <a:tailEnd type="none" w="med" len="med"/>
-                    </a:lnL>
-                    <a:lnR w="12700" cap="flat" cmpd="sng" algn="ctr">
-                      <a:solidFill>
-                        <a:srgbClr val="000000"/>
-                      </a:solidFill>
-                      <a:prstDash val="solid"/>
-                      <a:round/>
-                      <a:headEnd type="none" w="med" len="med"/>
-                      <a:tailEnd type="none" w="med" len="med"/>
-                    </a:lnR>
-                    <a:lnT w="12700" cap="flat" cmpd="sng" algn="ctr">
-                      <a:solidFill>
-                        <a:srgbClr val="000000"/>
-                      </a:solidFill>
-                      <a:prstDash val="solid"/>
-                      <a:round/>
-                      <a:headEnd type="none" w="med" len="med"/>
-                      <a:tailEnd type="none" w="med" len="med"/>
-                    </a:lnT>
-                    <a:lnB w="12700" cap="flat" cmpd="sng" algn="ctr">
-                      <a:solidFill>
-                        <a:srgbClr val="000000"/>
-                      </a:solidFill>
-                      <a:prstDash val="solid"/>
-                      <a:round/>
-                      <a:headEnd type="none" w="med" len="med"/>
-                      <a:tailEnd type="none" w="med" len="med"/>
-                    </a:lnB>
-                  </a:tcPr>
-                </a:tc>
-                <a:tc>
-                  <a:txBody>
-                    <a:bodyPr/>
-                    <a:lstStyle/>
-                    <a:p>
-                      <a:pPr algn="just">
-                        <a:spcAft>
-                          <a:spcPts val="0"/>
-                        </a:spcAft>
-                      </a:pPr>
-                      <a:r>
-                        <a:rPr lang="en-US" sz="1600" kern="100">
-                          <a:effectLst/>
-                          <a:latin typeface="Century" panose="02040604050505020304" pitchFamily="18" charset="0"/>
-                          <a:ea typeface="ＭＳ 明朝" panose="02020609040205080304" pitchFamily="17" charset="-128"/>
-                          <a:cs typeface="Times New Roman" panose="02020603050405020304" pitchFamily="18" charset="0"/>
-                        </a:rPr>
-                        <a:t>Yes / No</a:t>
-                      </a:r>
-                      <a:endParaRPr lang="ja-JP" sz="1600" kern="100">
-                        <a:effectLst/>
-                        <a:latin typeface="Century" panose="02040604050505020304" pitchFamily="18" charset="0"/>
-                        <a:ea typeface="ＭＳ 明朝" panose="02020609040205080304" pitchFamily="17" charset="-128"/>
-                        <a:cs typeface="Times New Roman" panose="02020603050405020304" pitchFamily="18" charset="0"/>
-                      </a:endParaRPr>
-                    </a:p>
-                  </a:txBody>
-                  <a:tcPr marL="51435" marR="51435" marT="0" marB="0">
-                    <a:lnL w="12700" cap="flat" cmpd="sng" algn="ctr">
-                      <a:solidFill>
-                        <a:srgbClr val="000000"/>
-                      </a:solidFill>
-                      <a:prstDash val="solid"/>
-                      <a:round/>
-                      <a:headEnd type="none" w="med" len="med"/>
-                      <a:tailEnd type="none" w="med" len="med"/>
-                    </a:lnL>
-                    <a:lnR>
-                      <a:noFill/>
-                    </a:lnR>
-                    <a:lnT w="12700" cap="flat" cmpd="sng" algn="ctr">
-                      <a:solidFill>
-                        <a:srgbClr val="000000"/>
-                      </a:solidFill>
-                      <a:prstDash val="solid"/>
-                      <a:round/>
-                      <a:headEnd type="none" w="med" len="med"/>
-                      <a:tailEnd type="none" w="med" len="med"/>
-                    </a:lnT>
-                    <a:lnB w="12700" cap="flat" cmpd="sng" algn="ctr">
-                      <a:solidFill>
-                        <a:srgbClr val="000000"/>
-                      </a:solidFill>
-                      <a:prstDash val="solid"/>
-                      <a:round/>
-                      <a:headEnd type="none" w="med" len="med"/>
-                      <a:tailEnd type="none" w="med" len="med"/>
-                    </a:lnB>
-                  </a:tcPr>
-                </a:tc>
-                <a:extLst>
-                  <a:ext uri="{0D108BD9-81ED-4DB2-BD59-A6C34878D82A}">
-                    <a16:rowId xmlns:a16="http://schemas.microsoft.com/office/drawing/2014/main" val="3341875207"/>
-                  </a:ext>
-                </a:extLst>
-              </a:tr>
-              <a:tr h="335088">
-                <a:tc>
-                  <a:txBody>
-                    <a:bodyPr/>
-                    <a:lstStyle/>
-                    <a:p>
-                      <a:pPr algn="ctr">
-                        <a:spcAft>
-                          <a:spcPts val="0"/>
-                        </a:spcAft>
-                      </a:pPr>
-                      <a:r>
-                        <a:rPr lang="ja-JP" sz="1600" kern="100">
-                          <a:effectLst/>
-                          <a:latin typeface="Century" panose="02040604050505020304" pitchFamily="18" charset="0"/>
-                          <a:ea typeface="ＭＳ 明朝" panose="02020609040205080304" pitchFamily="17" charset="-128"/>
-                          <a:cs typeface="Times New Roman" panose="02020603050405020304" pitchFamily="18" charset="0"/>
-                        </a:rPr>
-                        <a:t>２</a:t>
-                      </a:r>
-                    </a:p>
-                  </a:txBody>
-                  <a:tcPr marL="51435" marR="51435" marT="0" marB="0">
-                    <a:lnL>
-                      <a:noFill/>
-                    </a:lnL>
-                    <a:lnR w="12700" cap="flat" cmpd="sng" algn="ctr">
-                      <a:solidFill>
-                        <a:srgbClr val="000000"/>
-                      </a:solidFill>
-                      <a:prstDash val="solid"/>
-                      <a:round/>
-                      <a:headEnd type="none" w="med" len="med"/>
-                      <a:tailEnd type="none" w="med" len="med"/>
-                    </a:lnR>
-                    <a:lnT w="12700" cap="flat" cmpd="sng" algn="ctr">
-                      <a:solidFill>
-                        <a:srgbClr val="000000"/>
-                      </a:solidFill>
-                      <a:prstDash val="solid"/>
-                      <a:round/>
-                      <a:headEnd type="none" w="med" len="med"/>
-                      <a:tailEnd type="none" w="med" len="med"/>
-                    </a:lnT>
-                    <a:lnB w="12700" cap="flat" cmpd="sng" algn="ctr">
-                      <a:solidFill>
-                        <a:srgbClr val="000000"/>
-                      </a:solidFill>
-                      <a:prstDash val="solid"/>
-                      <a:round/>
-                      <a:headEnd type="none" w="med" len="med"/>
-                      <a:tailEnd type="none" w="med" len="med"/>
-                    </a:lnB>
-                  </a:tcPr>
-                </a:tc>
-                <a:tc>
-                  <a:txBody>
-                    <a:bodyPr/>
-                    <a:lstStyle/>
-                    <a:p>
-                      <a:pPr algn="just">
-                        <a:spcAft>
-                          <a:spcPts val="0"/>
-                        </a:spcAft>
-                      </a:pPr>
-                      <a:r>
-                        <a:rPr lang="ja-JP" sz="1600" kern="100">
-                          <a:effectLst/>
-                          <a:latin typeface="Century" panose="02040604050505020304" pitchFamily="18" charset="0"/>
-                          <a:ea typeface="ＭＳ 明朝" panose="02020609040205080304" pitchFamily="17" charset="-128"/>
-                          <a:cs typeface="Times New Roman" panose="02020603050405020304" pitchFamily="18" charset="0"/>
-                        </a:rPr>
-                        <a:t>設問内で選択肢が複数かぶっていない．</a:t>
-                      </a:r>
-                    </a:p>
-                  </a:txBody>
-                  <a:tcPr marL="51435" marR="51435" marT="0" marB="0">
-                    <a:lnL w="12700" cap="flat" cmpd="sng" algn="ctr">
-                      <a:solidFill>
-                        <a:srgbClr val="000000"/>
-                      </a:solidFill>
-                      <a:prstDash val="solid"/>
-                      <a:round/>
-                      <a:headEnd type="none" w="med" len="med"/>
-                      <a:tailEnd type="none" w="med" len="med"/>
-                    </a:lnL>
-                    <a:lnR w="12700" cap="flat" cmpd="sng" algn="ctr">
-                      <a:solidFill>
-                        <a:srgbClr val="000000"/>
-                      </a:solidFill>
-                      <a:prstDash val="solid"/>
-                      <a:round/>
-                      <a:headEnd type="none" w="med" len="med"/>
-                      <a:tailEnd type="none" w="med" len="med"/>
-                    </a:lnR>
-                    <a:lnT w="12700" cap="flat" cmpd="sng" algn="ctr">
-                      <a:solidFill>
-                        <a:srgbClr val="000000"/>
-                      </a:solidFill>
-                      <a:prstDash val="solid"/>
-                      <a:round/>
-                      <a:headEnd type="none" w="med" len="med"/>
-                      <a:tailEnd type="none" w="med" len="med"/>
-                    </a:lnT>
-                    <a:lnB w="12700" cap="flat" cmpd="sng" algn="ctr">
-                      <a:solidFill>
-                        <a:srgbClr val="000000"/>
-                      </a:solidFill>
-                      <a:prstDash val="solid"/>
-                      <a:round/>
-                      <a:headEnd type="none" w="med" len="med"/>
-                      <a:tailEnd type="none" w="med" len="med"/>
-                    </a:lnB>
-                  </a:tcPr>
-                </a:tc>
-                <a:tc>
-                  <a:txBody>
-                    <a:bodyPr/>
-                    <a:lstStyle/>
-                    <a:p>
-                      <a:pPr algn="just">
-                        <a:spcAft>
-                          <a:spcPts val="0"/>
-                        </a:spcAft>
-                      </a:pPr>
-                      <a:r>
-                        <a:rPr lang="en-US" sz="1600" kern="100">
-                          <a:effectLst/>
-                          <a:latin typeface="Century" panose="02040604050505020304" pitchFamily="18" charset="0"/>
-                          <a:ea typeface="ＭＳ 明朝" panose="02020609040205080304" pitchFamily="17" charset="-128"/>
-                          <a:cs typeface="Times New Roman" panose="02020603050405020304" pitchFamily="18" charset="0"/>
-                        </a:rPr>
-                        <a:t>Yes / No</a:t>
-                      </a:r>
-                      <a:endParaRPr lang="ja-JP" sz="1600" kern="100">
-                        <a:effectLst/>
-                        <a:latin typeface="Century" panose="02040604050505020304" pitchFamily="18" charset="0"/>
-                        <a:ea typeface="ＭＳ 明朝" panose="02020609040205080304" pitchFamily="17" charset="-128"/>
-                        <a:cs typeface="Times New Roman" panose="02020603050405020304" pitchFamily="18" charset="0"/>
-                      </a:endParaRPr>
-                    </a:p>
-                  </a:txBody>
-                  <a:tcPr marL="51435" marR="51435" marT="0" marB="0">
-                    <a:lnL w="12700" cap="flat" cmpd="sng" algn="ctr">
-                      <a:solidFill>
-                        <a:srgbClr val="000000"/>
-                      </a:solidFill>
-                      <a:prstDash val="solid"/>
-                      <a:round/>
-                      <a:headEnd type="none" w="med" len="med"/>
-                      <a:tailEnd type="none" w="med" len="med"/>
-                    </a:lnL>
-                    <a:lnR>
-                      <a:noFill/>
-                    </a:lnR>
-                    <a:lnT w="12700" cap="flat" cmpd="sng" algn="ctr">
-                      <a:solidFill>
-                        <a:srgbClr val="000000"/>
-                      </a:solidFill>
-                      <a:prstDash val="solid"/>
-                      <a:round/>
-                      <a:headEnd type="none" w="med" len="med"/>
-                      <a:tailEnd type="none" w="med" len="med"/>
-                    </a:lnT>
-                    <a:lnB w="12700" cap="flat" cmpd="sng" algn="ctr">
-                      <a:solidFill>
-                        <a:srgbClr val="000000"/>
-                      </a:solidFill>
-                      <a:prstDash val="solid"/>
-                      <a:round/>
-                      <a:headEnd type="none" w="med" len="med"/>
-                      <a:tailEnd type="none" w="med" len="med"/>
-                    </a:lnB>
-                  </a:tcPr>
-                </a:tc>
-                <a:extLst>
-                  <a:ext uri="{0D108BD9-81ED-4DB2-BD59-A6C34878D82A}">
-                    <a16:rowId xmlns:a16="http://schemas.microsoft.com/office/drawing/2014/main" val="1736768437"/>
-                  </a:ext>
-                </a:extLst>
-              </a:tr>
-              <a:tr h="335088">
-                <a:tc>
-                  <a:txBody>
-                    <a:bodyPr/>
-                    <a:lstStyle/>
-                    <a:p>
-                      <a:pPr algn="ctr">
-                        <a:spcAft>
-                          <a:spcPts val="0"/>
-                        </a:spcAft>
-                      </a:pPr>
-                      <a:r>
-                        <a:rPr lang="ja-JP" sz="1600" kern="100">
-                          <a:effectLst/>
-                          <a:latin typeface="Century" panose="02040604050505020304" pitchFamily="18" charset="0"/>
-                          <a:ea typeface="ＭＳ 明朝" panose="02020609040205080304" pitchFamily="17" charset="-128"/>
-                          <a:cs typeface="Times New Roman" panose="02020603050405020304" pitchFamily="18" charset="0"/>
-                        </a:rPr>
-                        <a:t>３</a:t>
-                      </a:r>
-                    </a:p>
-                  </a:txBody>
-                  <a:tcPr marL="51435" marR="51435" marT="0" marB="0">
-                    <a:lnL>
-                      <a:noFill/>
-                    </a:lnL>
-                    <a:lnR w="12700" cap="flat" cmpd="sng" algn="ctr">
-                      <a:solidFill>
-                        <a:srgbClr val="000000"/>
-                      </a:solidFill>
-                      <a:prstDash val="solid"/>
-                      <a:round/>
-                      <a:headEnd type="none" w="med" len="med"/>
-                      <a:tailEnd type="none" w="med" len="med"/>
-                    </a:lnR>
-                    <a:lnT w="12700" cap="flat" cmpd="sng" algn="ctr">
-                      <a:solidFill>
-                        <a:srgbClr val="000000"/>
-                      </a:solidFill>
-                      <a:prstDash val="solid"/>
-                      <a:round/>
-                      <a:headEnd type="none" w="med" len="med"/>
-                      <a:tailEnd type="none" w="med" len="med"/>
-                    </a:lnT>
-                    <a:lnB w="12700" cap="flat" cmpd="sng" algn="ctr">
-                      <a:solidFill>
-                        <a:srgbClr val="000000"/>
-                      </a:solidFill>
-                      <a:prstDash val="solid"/>
-                      <a:round/>
-                      <a:headEnd type="none" w="med" len="med"/>
-                      <a:tailEnd type="none" w="med" len="med"/>
-                    </a:lnB>
-                  </a:tcPr>
-                </a:tc>
-                <a:tc>
-                  <a:txBody>
-                    <a:bodyPr/>
-                    <a:lstStyle/>
-                    <a:p>
-                      <a:pPr algn="just">
-                        <a:spcAft>
-                          <a:spcPts val="0"/>
-                        </a:spcAft>
-                      </a:pPr>
-                      <a:r>
-                        <a:rPr lang="ja-JP" sz="1600" kern="100">
-                          <a:effectLst/>
-                          <a:latin typeface="Century" panose="02040604050505020304" pitchFamily="18" charset="0"/>
-                          <a:ea typeface="ＭＳ 明朝" panose="02020609040205080304" pitchFamily="17" charset="-128"/>
-                          <a:cs typeface="Times New Roman" panose="02020603050405020304" pitchFamily="18" charset="0"/>
-                        </a:rPr>
-                        <a:t>ブロックプログラミングより解答が推測できる．</a:t>
-                      </a:r>
-                    </a:p>
-                  </a:txBody>
-                  <a:tcPr marL="51435" marR="51435" marT="0" marB="0">
-                    <a:lnL w="12700" cap="flat" cmpd="sng" algn="ctr">
-                      <a:solidFill>
-                        <a:srgbClr val="000000"/>
-                      </a:solidFill>
-                      <a:prstDash val="solid"/>
-                      <a:round/>
-                      <a:headEnd type="none" w="med" len="med"/>
-                      <a:tailEnd type="none" w="med" len="med"/>
-                    </a:lnL>
-                    <a:lnR w="12700" cap="flat" cmpd="sng" algn="ctr">
-                      <a:solidFill>
-                        <a:srgbClr val="000000"/>
-                      </a:solidFill>
-                      <a:prstDash val="solid"/>
-                      <a:round/>
-                      <a:headEnd type="none" w="med" len="med"/>
-                      <a:tailEnd type="none" w="med" len="med"/>
-                    </a:lnR>
-                    <a:lnT w="12700" cap="flat" cmpd="sng" algn="ctr">
-                      <a:solidFill>
-                        <a:srgbClr val="000000"/>
-                      </a:solidFill>
-                      <a:prstDash val="solid"/>
-                      <a:round/>
-                      <a:headEnd type="none" w="med" len="med"/>
-                      <a:tailEnd type="none" w="med" len="med"/>
-                    </a:lnT>
-                    <a:lnB w="12700" cap="flat" cmpd="sng" algn="ctr">
-                      <a:solidFill>
-                        <a:srgbClr val="000000"/>
-                      </a:solidFill>
-                      <a:prstDash val="solid"/>
-                      <a:round/>
-                      <a:headEnd type="none" w="med" len="med"/>
-                      <a:tailEnd type="none" w="med" len="med"/>
-                    </a:lnB>
-                  </a:tcPr>
-                </a:tc>
-                <a:tc>
-                  <a:txBody>
-                    <a:bodyPr/>
-                    <a:lstStyle/>
-                    <a:p>
-                      <a:pPr algn="just">
-                        <a:spcAft>
-                          <a:spcPts val="0"/>
-                        </a:spcAft>
-                      </a:pPr>
-                      <a:r>
-                        <a:rPr lang="en-US" sz="1600" kern="100">
-                          <a:effectLst/>
-                          <a:latin typeface="Century" panose="02040604050505020304" pitchFamily="18" charset="0"/>
-                          <a:ea typeface="ＭＳ 明朝" panose="02020609040205080304" pitchFamily="17" charset="-128"/>
-                          <a:cs typeface="Times New Roman" panose="02020603050405020304" pitchFamily="18" charset="0"/>
-                        </a:rPr>
-                        <a:t>Yes / No</a:t>
-                      </a:r>
-                      <a:endParaRPr lang="ja-JP" sz="1600" kern="100">
-                        <a:effectLst/>
-                        <a:latin typeface="Century" panose="02040604050505020304" pitchFamily="18" charset="0"/>
-                        <a:ea typeface="ＭＳ 明朝" panose="02020609040205080304" pitchFamily="17" charset="-128"/>
-                        <a:cs typeface="Times New Roman" panose="02020603050405020304" pitchFamily="18" charset="0"/>
-                      </a:endParaRPr>
-                    </a:p>
-                  </a:txBody>
-                  <a:tcPr marL="51435" marR="51435" marT="0" marB="0">
-                    <a:lnL w="12700" cap="flat" cmpd="sng" algn="ctr">
-                      <a:solidFill>
-                        <a:srgbClr val="000000"/>
-                      </a:solidFill>
-                      <a:prstDash val="solid"/>
-                      <a:round/>
-                      <a:headEnd type="none" w="med" len="med"/>
-                      <a:tailEnd type="none" w="med" len="med"/>
-                    </a:lnL>
-                    <a:lnR>
-                      <a:noFill/>
-                    </a:lnR>
-                    <a:lnT w="12700" cap="flat" cmpd="sng" algn="ctr">
-                      <a:solidFill>
-                        <a:srgbClr val="000000"/>
-                      </a:solidFill>
-                      <a:prstDash val="solid"/>
-                      <a:round/>
-                      <a:headEnd type="none" w="med" len="med"/>
-                      <a:tailEnd type="none" w="med" len="med"/>
-                    </a:lnT>
-                    <a:lnB w="12700" cap="flat" cmpd="sng" algn="ctr">
-                      <a:solidFill>
-                        <a:srgbClr val="000000"/>
-                      </a:solidFill>
-                      <a:prstDash val="solid"/>
-                      <a:round/>
-                      <a:headEnd type="none" w="med" len="med"/>
-                      <a:tailEnd type="none" w="med" len="med"/>
-                    </a:lnB>
-                  </a:tcPr>
-                </a:tc>
-                <a:extLst>
-                  <a:ext uri="{0D108BD9-81ED-4DB2-BD59-A6C34878D82A}">
-                    <a16:rowId xmlns:a16="http://schemas.microsoft.com/office/drawing/2014/main" val="159386025"/>
-                  </a:ext>
-                </a:extLst>
-              </a:tr>
-              <a:tr h="707215">
-                <a:tc>
-                  <a:txBody>
-                    <a:bodyPr/>
-                    <a:lstStyle/>
-                    <a:p>
-                      <a:pPr algn="ctr">
-                        <a:spcAft>
-                          <a:spcPts val="0"/>
-                        </a:spcAft>
-                      </a:pPr>
-                      <a:r>
-                        <a:rPr lang="ja-JP" sz="1600" kern="100">
-                          <a:effectLst/>
-                          <a:latin typeface="Century" panose="02040604050505020304" pitchFamily="18" charset="0"/>
-                          <a:ea typeface="ＭＳ 明朝" panose="02020609040205080304" pitchFamily="17" charset="-128"/>
-                          <a:cs typeface="Times New Roman" panose="02020603050405020304" pitchFamily="18" charset="0"/>
-                        </a:rPr>
-                        <a:t>４</a:t>
-                      </a:r>
-                    </a:p>
-                  </a:txBody>
-                  <a:tcPr marL="51435" marR="51435" marT="0" marB="0">
-                    <a:lnL>
-                      <a:noFill/>
-                    </a:lnL>
-                    <a:lnR w="12700" cap="flat" cmpd="sng" algn="ctr">
-                      <a:solidFill>
-                        <a:srgbClr val="000000"/>
-                      </a:solidFill>
-                      <a:prstDash val="solid"/>
-                      <a:round/>
-                      <a:headEnd type="none" w="med" len="med"/>
-                      <a:tailEnd type="none" w="med" len="med"/>
-                    </a:lnR>
-                    <a:lnT w="12700" cap="flat" cmpd="sng" algn="ctr">
-                      <a:solidFill>
-                        <a:srgbClr val="000000"/>
-                      </a:solidFill>
-                      <a:prstDash val="solid"/>
-                      <a:round/>
-                      <a:headEnd type="none" w="med" len="med"/>
-                      <a:tailEnd type="none" w="med" len="med"/>
-                    </a:lnT>
-                    <a:lnB w="12700" cap="flat" cmpd="sng" algn="ctr">
-                      <a:solidFill>
-                        <a:srgbClr val="000000"/>
-                      </a:solidFill>
-                      <a:prstDash val="solid"/>
-                      <a:round/>
-                      <a:headEnd type="none" w="med" len="med"/>
-                      <a:tailEnd type="none" w="med" len="med"/>
-                    </a:lnB>
-                  </a:tcPr>
-                </a:tc>
-                <a:tc>
-                  <a:txBody>
-                    <a:bodyPr/>
-                    <a:lstStyle/>
-                    <a:p>
-                      <a:pPr algn="just">
-                        <a:spcAft>
-                          <a:spcPts val="0"/>
-                        </a:spcAft>
-                      </a:pPr>
-                      <a:r>
-                        <a:rPr lang="ja-JP" sz="1600" kern="100" dirty="0">
-                          <a:effectLst/>
-                          <a:latin typeface="Century" panose="02040604050505020304" pitchFamily="18" charset="0"/>
-                          <a:ea typeface="ＭＳ 明朝" panose="02020609040205080304" pitchFamily="17" charset="-128"/>
-                          <a:cs typeface="Times New Roman" panose="02020603050405020304" pitchFamily="18" charset="0"/>
-                        </a:rPr>
-                        <a:t>出題内容の種類</a:t>
-                      </a:r>
-                    </a:p>
-                  </a:txBody>
-                  <a:tcPr marL="51435" marR="51435" marT="0" marB="0">
-                    <a:lnL w="12700" cap="flat" cmpd="sng" algn="ctr">
-                      <a:solidFill>
-                        <a:srgbClr val="000000"/>
-                      </a:solidFill>
-                      <a:prstDash val="solid"/>
-                      <a:round/>
-                      <a:headEnd type="none" w="med" len="med"/>
-                      <a:tailEnd type="none" w="med" len="med"/>
-                    </a:lnL>
-                    <a:lnR w="12700" cap="flat" cmpd="sng" algn="ctr">
-                      <a:solidFill>
-                        <a:srgbClr val="000000"/>
-                      </a:solidFill>
-                      <a:prstDash val="solid"/>
-                      <a:round/>
-                      <a:headEnd type="none" w="med" len="med"/>
-                      <a:tailEnd type="none" w="med" len="med"/>
-                    </a:lnR>
-                    <a:lnT w="12700" cap="flat" cmpd="sng" algn="ctr">
-                      <a:solidFill>
-                        <a:srgbClr val="000000"/>
-                      </a:solidFill>
-                      <a:prstDash val="solid"/>
-                      <a:round/>
-                      <a:headEnd type="none" w="med" len="med"/>
-                      <a:tailEnd type="none" w="med" len="med"/>
-                    </a:lnT>
-                    <a:lnB w="12700" cap="flat" cmpd="sng" algn="ctr">
-                      <a:solidFill>
-                        <a:srgbClr val="000000"/>
-                      </a:solidFill>
-                      <a:prstDash val="solid"/>
-                      <a:round/>
-                      <a:headEnd type="none" w="med" len="med"/>
-                      <a:tailEnd type="none" w="med" len="med"/>
-                    </a:lnB>
-                  </a:tcPr>
-                </a:tc>
-                <a:tc>
-                  <a:txBody>
-                    <a:bodyPr/>
-                    <a:lstStyle/>
-                    <a:p>
-                      <a:pPr algn="just">
-                        <a:spcAft>
-                          <a:spcPts val="0"/>
-                        </a:spcAft>
-                      </a:pPr>
-                      <a:r>
-                        <a:rPr lang="ja-JP" sz="1600" kern="100" dirty="0">
-                          <a:effectLst/>
-                          <a:latin typeface="Century" panose="02040604050505020304" pitchFamily="18" charset="0"/>
-                          <a:ea typeface="ＭＳ 明朝" panose="02020609040205080304" pitchFamily="17" charset="-128"/>
-                          <a:cs typeface="Times New Roman" panose="02020603050405020304" pitchFamily="18" charset="0"/>
-                        </a:rPr>
-                        <a:t>（予約語，不等号</a:t>
-                      </a:r>
-                      <a:r>
-                        <a:rPr lang="ja-JP" sz="1600" kern="100" dirty="0" smtClean="0">
-                          <a:effectLst/>
-                          <a:latin typeface="Century" panose="02040604050505020304" pitchFamily="18" charset="0"/>
-                          <a:ea typeface="ＭＳ 明朝" panose="02020609040205080304" pitchFamily="17" charset="-128"/>
-                          <a:cs typeface="Times New Roman" panose="02020603050405020304" pitchFamily="18" charset="0"/>
-                        </a:rPr>
-                        <a:t>，</a:t>
-                      </a:r>
-                      <a:endParaRPr lang="en-US" altLang="ja-JP" sz="1600" kern="100" dirty="0" smtClean="0">
-                        <a:effectLst/>
-                        <a:latin typeface="Century" panose="02040604050505020304" pitchFamily="18" charset="0"/>
-                        <a:ea typeface="ＭＳ 明朝" panose="02020609040205080304" pitchFamily="17" charset="-128"/>
-                        <a:cs typeface="Times New Roman" panose="02020603050405020304" pitchFamily="18" charset="0"/>
-                      </a:endParaRPr>
-                    </a:p>
-                    <a:p>
-                      <a:pPr algn="just">
-                        <a:spcAft>
-                          <a:spcPts val="0"/>
-                        </a:spcAft>
-                      </a:pPr>
-                      <a:r>
-                        <a:rPr lang="ja-JP" sz="1600" kern="100" dirty="0" smtClean="0">
-                          <a:effectLst/>
-                          <a:latin typeface="Century" panose="02040604050505020304" pitchFamily="18" charset="0"/>
-                          <a:ea typeface="ＭＳ 明朝" panose="02020609040205080304" pitchFamily="17" charset="-128"/>
-                          <a:cs typeface="Times New Roman" panose="02020603050405020304" pitchFamily="18" charset="0"/>
-                        </a:rPr>
-                        <a:t>四則</a:t>
-                      </a:r>
-                      <a:r>
-                        <a:rPr lang="ja-JP" sz="1600" kern="100" dirty="0">
-                          <a:effectLst/>
-                          <a:latin typeface="Century" panose="02040604050505020304" pitchFamily="18" charset="0"/>
-                          <a:ea typeface="ＭＳ 明朝" panose="02020609040205080304" pitchFamily="17" charset="-128"/>
-                          <a:cs typeface="Times New Roman" panose="02020603050405020304" pitchFamily="18" charset="0"/>
-                        </a:rPr>
-                        <a:t>演算， </a:t>
-                      </a:r>
-                      <a:r>
-                        <a:rPr lang="ja-JP" sz="1600" kern="100" dirty="0" smtClean="0">
-                          <a:effectLst/>
-                          <a:latin typeface="Century" panose="02040604050505020304" pitchFamily="18" charset="0"/>
-                          <a:ea typeface="ＭＳ 明朝" panose="02020609040205080304" pitchFamily="17" charset="-128"/>
-                          <a:cs typeface="Times New Roman" panose="02020603050405020304" pitchFamily="18" charset="0"/>
-                        </a:rPr>
-                        <a:t>特殊</a:t>
-                      </a:r>
-                      <a:r>
-                        <a:rPr lang="ja-JP" sz="1600" kern="100" dirty="0">
-                          <a:effectLst/>
-                          <a:latin typeface="Century" panose="02040604050505020304" pitchFamily="18" charset="0"/>
-                          <a:ea typeface="ＭＳ 明朝" panose="02020609040205080304" pitchFamily="17" charset="-128"/>
-                          <a:cs typeface="Times New Roman" panose="02020603050405020304" pitchFamily="18" charset="0"/>
-                        </a:rPr>
-                        <a:t>記号）</a:t>
-                      </a:r>
-                    </a:p>
-                  </a:txBody>
-                  <a:tcPr marL="51435" marR="51435" marT="0" marB="0">
-                    <a:lnL w="12700" cap="flat" cmpd="sng" algn="ctr">
-                      <a:solidFill>
-                        <a:srgbClr val="000000"/>
-                      </a:solidFill>
-                      <a:prstDash val="solid"/>
-                      <a:round/>
-                      <a:headEnd type="none" w="med" len="med"/>
-                      <a:tailEnd type="none" w="med" len="med"/>
-                    </a:lnL>
-                    <a:lnR>
-                      <a:noFill/>
-                    </a:lnR>
-                    <a:lnT w="12700" cap="flat" cmpd="sng" algn="ctr">
-                      <a:solidFill>
-                        <a:srgbClr val="000000"/>
-                      </a:solidFill>
-                      <a:prstDash val="solid"/>
-                      <a:round/>
-                      <a:headEnd type="none" w="med" len="med"/>
-                      <a:tailEnd type="none" w="med" len="med"/>
-                    </a:lnT>
-                    <a:lnB w="12700" cap="flat" cmpd="sng" algn="ctr">
-                      <a:solidFill>
-                        <a:srgbClr val="000000"/>
-                      </a:solidFill>
-                      <a:prstDash val="solid"/>
-                      <a:round/>
-                      <a:headEnd type="none" w="med" len="med"/>
-                      <a:tailEnd type="none" w="med" len="med"/>
-                    </a:lnB>
-                  </a:tcPr>
-                </a:tc>
-                <a:extLst>
-                  <a:ext uri="{0D108BD9-81ED-4DB2-BD59-A6C34878D82A}">
-                    <a16:rowId xmlns:a16="http://schemas.microsoft.com/office/drawing/2014/main" val="43454857"/>
-                  </a:ext>
-                </a:extLst>
-              </a:tr>
-              <a:tr h="335088">
-                <a:tc>
-                  <a:txBody>
-                    <a:bodyPr/>
-                    <a:lstStyle/>
-                    <a:p>
-                      <a:pPr algn="ctr">
-                        <a:spcAft>
-                          <a:spcPts val="0"/>
-                        </a:spcAft>
-                      </a:pPr>
-                      <a:r>
-                        <a:rPr lang="ja-JP" sz="1600" kern="100">
-                          <a:effectLst/>
-                          <a:latin typeface="Century" panose="02040604050505020304" pitchFamily="18" charset="0"/>
-                          <a:ea typeface="ＭＳ 明朝" panose="02020609040205080304" pitchFamily="17" charset="-128"/>
-                          <a:cs typeface="Times New Roman" panose="02020603050405020304" pitchFamily="18" charset="0"/>
-                        </a:rPr>
-                        <a:t>５</a:t>
-                      </a:r>
-                    </a:p>
-                  </a:txBody>
-                  <a:tcPr marL="51435" marR="51435" marT="0" marB="0">
-                    <a:lnL>
-                      <a:noFill/>
-                    </a:lnL>
-                    <a:lnR w="12700" cap="flat" cmpd="sng" algn="ctr">
-                      <a:solidFill>
-                        <a:srgbClr val="000000"/>
-                      </a:solidFill>
-                      <a:prstDash val="solid"/>
-                      <a:round/>
-                      <a:headEnd type="none" w="med" len="med"/>
-                      <a:tailEnd type="none" w="med" len="med"/>
-                    </a:lnR>
-                    <a:lnT w="12700" cap="flat" cmpd="sng" algn="ctr">
-                      <a:solidFill>
-                        <a:srgbClr val="000000"/>
-                      </a:solidFill>
-                      <a:prstDash val="solid"/>
-                      <a:round/>
-                      <a:headEnd type="none" w="med" len="med"/>
-                      <a:tailEnd type="none" w="med" len="med"/>
-                    </a:lnT>
-                    <a:lnB w="12700" cap="flat" cmpd="sng" algn="ctr">
-                      <a:solidFill>
-                        <a:srgbClr val="000000"/>
-                      </a:solidFill>
-                      <a:prstDash val="solid"/>
-                      <a:round/>
-                      <a:headEnd type="none" w="med" len="med"/>
-                      <a:tailEnd type="none" w="med" len="med"/>
-                    </a:lnB>
-                  </a:tcPr>
-                </a:tc>
-                <a:tc>
-                  <a:txBody>
-                    <a:bodyPr/>
-                    <a:lstStyle/>
-                    <a:p>
-                      <a:pPr algn="just">
-                        <a:spcAft>
-                          <a:spcPts val="0"/>
-                        </a:spcAft>
-                      </a:pPr>
-                      <a:r>
-                        <a:rPr lang="ja-JP" sz="1600" kern="100" dirty="0">
-                          <a:effectLst/>
-                          <a:latin typeface="Century" panose="02040604050505020304" pitchFamily="18" charset="0"/>
-                          <a:ea typeface="ＭＳ 明朝" panose="02020609040205080304" pitchFamily="17" charset="-128"/>
-                          <a:cs typeface="Times New Roman" panose="02020603050405020304" pitchFamily="18" charset="0"/>
-                        </a:rPr>
-                        <a:t>選択肢のみから正解が推測できない． </a:t>
-                      </a:r>
-                    </a:p>
-                  </a:txBody>
-                  <a:tcPr marL="51435" marR="51435" marT="0" marB="0">
-                    <a:lnL w="12700" cap="flat" cmpd="sng" algn="ctr">
-                      <a:solidFill>
-                        <a:srgbClr val="000000"/>
-                      </a:solidFill>
-                      <a:prstDash val="solid"/>
-                      <a:round/>
-                      <a:headEnd type="none" w="med" len="med"/>
-                      <a:tailEnd type="none" w="med" len="med"/>
-                    </a:lnL>
-                    <a:lnR w="12700" cap="flat" cmpd="sng" algn="ctr">
-                      <a:solidFill>
-                        <a:srgbClr val="000000"/>
-                      </a:solidFill>
-                      <a:prstDash val="solid"/>
-                      <a:round/>
-                      <a:headEnd type="none" w="med" len="med"/>
-                      <a:tailEnd type="none" w="med" len="med"/>
-                    </a:lnR>
-                    <a:lnT w="12700" cap="flat" cmpd="sng" algn="ctr">
-                      <a:solidFill>
-                        <a:srgbClr val="000000"/>
-                      </a:solidFill>
-                      <a:prstDash val="solid"/>
-                      <a:round/>
-                      <a:headEnd type="none" w="med" len="med"/>
-                      <a:tailEnd type="none" w="med" len="med"/>
-                    </a:lnT>
-                    <a:lnB w="12700" cap="flat" cmpd="sng" algn="ctr">
-                      <a:solidFill>
-                        <a:srgbClr val="000000"/>
-                      </a:solidFill>
-                      <a:prstDash val="solid"/>
-                      <a:round/>
-                      <a:headEnd type="none" w="med" len="med"/>
-                      <a:tailEnd type="none" w="med" len="med"/>
-                    </a:lnB>
-                  </a:tcPr>
-                </a:tc>
-                <a:tc>
-                  <a:txBody>
-                    <a:bodyPr/>
-                    <a:lstStyle/>
-                    <a:p>
-                      <a:pPr algn="just">
-                        <a:spcAft>
-                          <a:spcPts val="0"/>
-                        </a:spcAft>
-                      </a:pPr>
-                      <a:r>
-                        <a:rPr lang="en-US" sz="1600" kern="100" dirty="0">
-                          <a:effectLst/>
-                          <a:latin typeface="Century" panose="02040604050505020304" pitchFamily="18" charset="0"/>
-                          <a:ea typeface="ＭＳ 明朝" panose="02020609040205080304" pitchFamily="17" charset="-128"/>
-                          <a:cs typeface="Times New Roman" panose="02020603050405020304" pitchFamily="18" charset="0"/>
-                        </a:rPr>
-                        <a:t>Yes / No</a:t>
-                      </a:r>
-                      <a:endParaRPr lang="ja-JP" sz="1600" kern="100" dirty="0">
-                        <a:effectLst/>
-                        <a:latin typeface="Century" panose="02040604050505020304" pitchFamily="18" charset="0"/>
-                        <a:ea typeface="ＭＳ 明朝" panose="02020609040205080304" pitchFamily="17" charset="-128"/>
-                        <a:cs typeface="Times New Roman" panose="02020603050405020304" pitchFamily="18" charset="0"/>
-                      </a:endParaRPr>
-                    </a:p>
-                  </a:txBody>
-                  <a:tcPr marL="51435" marR="51435" marT="0" marB="0">
-                    <a:lnL w="12700" cap="flat" cmpd="sng" algn="ctr">
-                      <a:solidFill>
-                        <a:srgbClr val="000000"/>
-                      </a:solidFill>
-                      <a:prstDash val="solid"/>
-                      <a:round/>
-                      <a:headEnd type="none" w="med" len="med"/>
-                      <a:tailEnd type="none" w="med" len="med"/>
-                    </a:lnL>
-                    <a:lnR>
-                      <a:noFill/>
-                    </a:lnR>
-                    <a:lnT w="12700" cap="flat" cmpd="sng" algn="ctr">
-                      <a:solidFill>
-                        <a:srgbClr val="000000"/>
-                      </a:solidFill>
-                      <a:prstDash val="solid"/>
-                      <a:round/>
-                      <a:headEnd type="none" w="med" len="med"/>
-                      <a:tailEnd type="none" w="med" len="med"/>
-                    </a:lnT>
-                    <a:lnB w="12700" cap="flat" cmpd="sng" algn="ctr">
-                      <a:solidFill>
-                        <a:srgbClr val="000000"/>
-                      </a:solidFill>
-                      <a:prstDash val="solid"/>
-                      <a:round/>
-                      <a:headEnd type="none" w="med" len="med"/>
-                      <a:tailEnd type="none" w="med" len="med"/>
-                    </a:lnB>
-                  </a:tcPr>
-                </a:tc>
-                <a:extLst>
-                  <a:ext uri="{0D108BD9-81ED-4DB2-BD59-A6C34878D82A}">
-                    <a16:rowId xmlns:a16="http://schemas.microsoft.com/office/drawing/2014/main" val="3966839382"/>
-                  </a:ext>
-                </a:extLst>
-              </a:tr>
-            </a:tbl>
-          </a:graphicData>
-        </a:graphic>
-      </p:graphicFrame>
-      <p:sp>
-        <p:nvSpPr>
-          <p:cNvPr id="6" name="スライド番号プレースホルダー 5"/>
+          <p:cNvPr id="4" name="スライド番号プレースホルダー 3"/>
           <p:cNvSpPr>
             <a:spLocks noGrp="1"/>
           </p:cNvSpPr>
@@ -14097,16 +14764,268 @@
           <a:p>
             <a:fld id="{7A0C0510-5AD5-45F8-B3F1-46CC91AC00B1}" type="slidenum">
               <a:rPr kumimoji="1" lang="ja-JP" altLang="en-US" smtClean="0"/>
+              <a:pPr/>
               <a:t>9</a:t>
             </a:fld>
-            <a:endParaRPr kumimoji="1" lang="ja-JP" altLang="en-US"/>
+            <a:endParaRPr kumimoji="1" lang="ja-JP" altLang="en-US" dirty="0"/>
+          </a:p>
+        </p:txBody>
+      </p:sp>
+      <p:pic>
+        <p:nvPicPr>
+          <p:cNvPr id="5" name="図 4"/>
+          <p:cNvPicPr/>
+          <p:nvPr/>
+        </p:nvPicPr>
+        <p:blipFill>
+          <a:blip r:embed="rId3" cstate="print">
+            <a:extLst>
+              <a:ext uri="{28A0092B-C50C-407E-A947-70E740481C1C}">
+                <a14:useLocalDpi xmlns:a14="http://schemas.microsoft.com/office/drawing/2010/main" val="0"/>
+              </a:ext>
+            </a:extLst>
+          </a:blip>
+          <a:srcRect/>
+          <a:stretch>
+            <a:fillRect/>
+          </a:stretch>
+        </p:blipFill>
+        <p:spPr bwMode="auto">
+          <a:xfrm>
+            <a:off x="628650" y="2049465"/>
+            <a:ext cx="7886700" cy="4306886"/>
+          </a:xfrm>
+          <a:prstGeom prst="rect">
+            <a:avLst/>
+          </a:prstGeom>
+          <a:noFill/>
+          <a:ln>
+            <a:noFill/>
+          </a:ln>
+        </p:spPr>
+      </p:pic>
+      <p:sp>
+        <p:nvSpPr>
+          <p:cNvPr id="3" name="テキスト ボックス 2"/>
+          <p:cNvSpPr txBox="1"/>
+          <p:nvPr/>
+        </p:nvSpPr>
+        <p:spPr>
+          <a:xfrm>
+            <a:off x="1140976" y="1594132"/>
+            <a:ext cx="744468" cy="369332"/>
+          </a:xfrm>
+          <a:prstGeom prst="rect">
+            <a:avLst/>
+          </a:prstGeom>
+        </p:spPr>
+        <p:style>
+          <a:lnRef idx="2">
+            <a:schemeClr val="dk1"/>
+          </a:lnRef>
+          <a:fillRef idx="1">
+            <a:schemeClr val="lt1"/>
+          </a:fillRef>
+          <a:effectRef idx="0">
+            <a:schemeClr val="dk1"/>
+          </a:effectRef>
+          <a:fontRef idx="minor">
+            <a:schemeClr val="dk1"/>
+          </a:fontRef>
+        </p:style>
+        <p:txBody>
+          <a:bodyPr wrap="square" rtlCol="0">
+            <a:spAutoFit/>
+          </a:bodyPr>
+          <a:lstStyle/>
+          <a:p>
+            <a:r>
+              <a:rPr kumimoji="1" lang="en-US" altLang="ja-JP" dirty="0" smtClean="0"/>
+              <a:t>Step1</a:t>
+            </a:r>
+            <a:endParaRPr kumimoji="1" lang="ja-JP" altLang="en-US" dirty="0"/>
+          </a:p>
+        </p:txBody>
+      </p:sp>
+      <p:sp>
+        <p:nvSpPr>
+          <p:cNvPr id="6" name="テキスト ボックス 5"/>
+          <p:cNvSpPr txBox="1"/>
+          <p:nvPr/>
+        </p:nvSpPr>
+        <p:spPr>
+          <a:xfrm>
+            <a:off x="4999529" y="2268418"/>
+            <a:ext cx="778185" cy="369332"/>
+          </a:xfrm>
+          <a:prstGeom prst="rect">
+            <a:avLst/>
+          </a:prstGeom>
+        </p:spPr>
+        <p:style>
+          <a:lnRef idx="2">
+            <a:schemeClr val="dk1"/>
+          </a:lnRef>
+          <a:fillRef idx="1">
+            <a:schemeClr val="lt1"/>
+          </a:fillRef>
+          <a:effectRef idx="0">
+            <a:schemeClr val="dk1"/>
+          </a:effectRef>
+          <a:fontRef idx="minor">
+            <a:schemeClr val="dk1"/>
+          </a:fontRef>
+        </p:style>
+        <p:txBody>
+          <a:bodyPr wrap="square" rtlCol="0">
+            <a:spAutoFit/>
+          </a:bodyPr>
+          <a:lstStyle/>
+          <a:p>
+            <a:r>
+              <a:rPr kumimoji="1" lang="en-US" altLang="ja-JP" dirty="0" smtClean="0"/>
+              <a:t>Step</a:t>
+            </a:r>
+            <a:r>
+              <a:rPr kumimoji="1" lang="en-US" altLang="ja-JP" dirty="0"/>
+              <a:t>2</a:t>
+            </a:r>
+            <a:endParaRPr kumimoji="1" lang="ja-JP" altLang="en-US" dirty="0"/>
+          </a:p>
+        </p:txBody>
+      </p:sp>
+      <p:sp>
+        <p:nvSpPr>
+          <p:cNvPr id="7" name="テキスト ボックス 6"/>
+          <p:cNvSpPr txBox="1"/>
+          <p:nvPr/>
+        </p:nvSpPr>
+        <p:spPr>
+          <a:xfrm>
+            <a:off x="2304880" y="5590248"/>
+            <a:ext cx="753910" cy="369332"/>
+          </a:xfrm>
+          <a:prstGeom prst="rect">
+            <a:avLst/>
+          </a:prstGeom>
+        </p:spPr>
+        <p:style>
+          <a:lnRef idx="2">
+            <a:schemeClr val="dk1"/>
+          </a:lnRef>
+          <a:fillRef idx="1">
+            <a:schemeClr val="lt1"/>
+          </a:fillRef>
+          <a:effectRef idx="0">
+            <a:schemeClr val="dk1"/>
+          </a:effectRef>
+          <a:fontRef idx="minor">
+            <a:schemeClr val="dk1"/>
+          </a:fontRef>
+        </p:style>
+        <p:txBody>
+          <a:bodyPr wrap="square" rtlCol="0">
+            <a:spAutoFit/>
+          </a:bodyPr>
+          <a:lstStyle/>
+          <a:p>
+            <a:r>
+              <a:rPr kumimoji="1" lang="en-US" altLang="ja-JP" dirty="0" smtClean="0"/>
+              <a:t>Step3</a:t>
+            </a:r>
+            <a:endParaRPr kumimoji="1" lang="ja-JP" altLang="en-US" dirty="0"/>
+          </a:p>
+        </p:txBody>
+      </p:sp>
+      <p:sp>
+        <p:nvSpPr>
+          <p:cNvPr id="8" name="テキスト ボックス 7"/>
+          <p:cNvSpPr txBox="1"/>
+          <p:nvPr/>
+        </p:nvSpPr>
+        <p:spPr>
+          <a:xfrm>
+            <a:off x="6068857" y="5027154"/>
+            <a:ext cx="778185" cy="369332"/>
+          </a:xfrm>
+          <a:prstGeom prst="rect">
+            <a:avLst/>
+          </a:prstGeom>
+        </p:spPr>
+        <p:style>
+          <a:lnRef idx="2">
+            <a:schemeClr val="dk1"/>
+          </a:lnRef>
+          <a:fillRef idx="1">
+            <a:schemeClr val="lt1"/>
+          </a:fillRef>
+          <a:effectRef idx="0">
+            <a:schemeClr val="dk1"/>
+          </a:effectRef>
+          <a:fontRef idx="minor">
+            <a:schemeClr val="dk1"/>
+          </a:fontRef>
+        </p:style>
+        <p:txBody>
+          <a:bodyPr wrap="square" rtlCol="0">
+            <a:spAutoFit/>
+          </a:bodyPr>
+          <a:lstStyle/>
+          <a:p>
+            <a:r>
+              <a:rPr kumimoji="1" lang="en-US" altLang="ja-JP" dirty="0" smtClean="0"/>
+              <a:t>Step4</a:t>
+            </a:r>
+          </a:p>
+        </p:txBody>
+      </p:sp>
+      <p:sp>
+        <p:nvSpPr>
+          <p:cNvPr id="9" name="テキスト ボックス 8"/>
+          <p:cNvSpPr txBox="1"/>
+          <p:nvPr/>
+        </p:nvSpPr>
+        <p:spPr>
+          <a:xfrm>
+            <a:off x="4999529" y="2996526"/>
+            <a:ext cx="778185" cy="369332"/>
+          </a:xfrm>
+          <a:prstGeom prst="rect">
+            <a:avLst/>
+          </a:prstGeom>
+        </p:spPr>
+        <p:style>
+          <a:lnRef idx="2">
+            <a:schemeClr val="dk1"/>
+          </a:lnRef>
+          <a:fillRef idx="1">
+            <a:schemeClr val="lt1"/>
+          </a:fillRef>
+          <a:effectRef idx="0">
+            <a:schemeClr val="dk1"/>
+          </a:effectRef>
+          <a:fontRef idx="minor">
+            <a:schemeClr val="dk1"/>
+          </a:fontRef>
+        </p:style>
+        <p:txBody>
+          <a:bodyPr wrap="square" rtlCol="0">
+            <a:spAutoFit/>
+          </a:bodyPr>
+          <a:lstStyle/>
+          <a:p>
+            <a:r>
+              <a:rPr kumimoji="1" lang="en-US" altLang="ja-JP" dirty="0" smtClean="0"/>
+              <a:t>Step5</a:t>
+            </a:r>
+            <a:endParaRPr kumimoji="1" lang="ja-JP" altLang="en-US" dirty="0"/>
           </a:p>
         </p:txBody>
       </p:sp>
     </p:spTree>
     <p:extLst>
       <p:ext uri="{BB962C8B-B14F-4D97-AF65-F5344CB8AC3E}">
-        <p14:creationId xmlns:p14="http://schemas.microsoft.com/office/powerpoint/2010/main" val="668627849"/>
+        <p14:creationId xmlns:p14="http://schemas.microsoft.com/office/powerpoint/2010/main" val="4006035017"/>
       </p:ext>
     </p:extLst>
   </p:cSld>

--- a/1821121_shimaoka_thesis.pptx
+++ b/1821121_shimaoka_thesis.pptx
@@ -5002,26 +5002,58 @@
           <a:lstStyle/>
           <a:p>
             <a:r>
-              <a:rPr lang="ja-JP" altLang="en-US" sz="4000" dirty="0"/>
-              <a:t>日本語環境ブロックプログラミングと連携したソースコード</a:t>
-            </a:r>
-            <a:r>
-              <a:rPr lang="ja-JP" altLang="en-US" sz="4000" dirty="0" smtClean="0"/>
+              <a:rPr lang="ja-JP" altLang="en-US" sz="3600" dirty="0">
+                <a:latin typeface="ＭＳ Ｐゴシック" panose="020B0600070205080204" pitchFamily="50" charset="-128"/>
+                <a:ea typeface="ＭＳ Ｐゴシック" panose="020B0600070205080204" pitchFamily="50" charset="-128"/>
+              </a:rPr>
+              <a:t>日本語環境ブロックプログラミング</a:t>
+            </a:r>
+            <a:r>
+              <a:rPr lang="ja-JP" altLang="en-US" sz="3600" dirty="0" smtClean="0">
+                <a:latin typeface="ＭＳ Ｐゴシック" panose="020B0600070205080204" pitchFamily="50" charset="-128"/>
+                <a:ea typeface="ＭＳ Ｐゴシック" panose="020B0600070205080204" pitchFamily="50" charset="-128"/>
+              </a:rPr>
+              <a:t>と連携</a:t>
+            </a:r>
+            <a:r>
+              <a:rPr lang="ja-JP" altLang="en-US" sz="3600" dirty="0">
+                <a:latin typeface="ＭＳ Ｐゴシック" panose="020B0600070205080204" pitchFamily="50" charset="-128"/>
+                <a:ea typeface="ＭＳ Ｐゴシック" panose="020B0600070205080204" pitchFamily="50" charset="-128"/>
+              </a:rPr>
+              <a:t>したソースコード</a:t>
+            </a:r>
+            <a:r>
+              <a:rPr lang="ja-JP" altLang="en-US" sz="3600" dirty="0" smtClean="0">
+                <a:latin typeface="ＭＳ Ｐゴシック" panose="020B0600070205080204" pitchFamily="50" charset="-128"/>
+                <a:ea typeface="ＭＳ Ｐゴシック" panose="020B0600070205080204" pitchFamily="50" charset="-128"/>
+              </a:rPr>
               <a:t>の</a:t>
             </a:r>
             <a:r>
-              <a:rPr lang="en-US" altLang="ja-JP" sz="4000" dirty="0" smtClean="0"/>
+              <a:rPr lang="en-US" altLang="ja-JP" sz="3600" dirty="0" smtClean="0">
+                <a:latin typeface="ＭＳ Ｐゴシック" panose="020B0600070205080204" pitchFamily="50" charset="-128"/>
+                <a:ea typeface="ＭＳ Ｐゴシック" panose="020B0600070205080204" pitchFamily="50" charset="-128"/>
+              </a:rPr>
               <a:t/>
             </a:r>
             <a:br>
-              <a:rPr lang="en-US" altLang="ja-JP" sz="4000" dirty="0" smtClean="0"/>
+              <a:rPr lang="en-US" altLang="ja-JP" sz="3600" dirty="0" smtClean="0">
+                <a:latin typeface="ＭＳ Ｐゴシック" panose="020B0600070205080204" pitchFamily="50" charset="-128"/>
+                <a:ea typeface="ＭＳ Ｐゴシック" panose="020B0600070205080204" pitchFamily="50" charset="-128"/>
+              </a:rPr>
             </a:br>
             <a:r>
-              <a:rPr lang="ja-JP" altLang="en-US" sz="4000" dirty="0" smtClean="0"/>
+              <a:rPr lang="ja-JP" altLang="en-US" sz="3600" dirty="0" smtClean="0">
+                <a:latin typeface="ＭＳ Ｐゴシック" panose="020B0600070205080204" pitchFamily="50" charset="-128"/>
+                <a:ea typeface="ＭＳ Ｐゴシック" panose="020B0600070205080204" pitchFamily="50" charset="-128"/>
+              </a:rPr>
               <a:t>穴埋め</a:t>
             </a:r>
             <a:r>
-              <a:rPr lang="ja-JP" altLang="en-US" sz="4000" dirty="0"/>
+              <a:rPr lang="ja-JP" altLang="en-US" sz="3600" dirty="0">
+                <a:latin typeface="ＭＳ Ｐゴシック" panose="020B0600070205080204" pitchFamily="50" charset="-128"/>
+                <a:ea typeface="ＭＳ Ｐゴシック" panose="020B0600070205080204" pitchFamily="50" charset="-128"/>
+              </a:rPr>
               <a:t>選択問題生成システム</a:t>
             </a:r>
           </a:p>
@@ -5040,7 +5072,7 @@
         <p:spPr>
           <a:xfrm>
             <a:off x="3163929" y="3849459"/>
-            <a:ext cx="5143500" cy="931367"/>
+            <a:ext cx="4135087" cy="931367"/>
           </a:xfrm>
         </p:spPr>
         <p:txBody>
@@ -13035,54 +13067,21 @@
           <a:p>
             <a:r>
               <a:rPr lang="ja-JP" altLang="en-US" dirty="0" smtClean="0"/>
-              <a:t>ブロックプログラミング</a:t>
-            </a:r>
-            <a:r>
-              <a:rPr lang="ja-JP" altLang="en-US" dirty="0"/>
-              <a:t>を組み合わせることで、論理的思考力を鍛える</a:t>
-            </a:r>
-            <a:endParaRPr lang="en-US" altLang="ja-JP" dirty="0"/>
-          </a:p>
-          <a:p>
-            <a:pPr lvl="1"/>
+              <a:t>ブロックプログラミングによって，視覚的にプログラミングのアルゴリズムに触れられる．</a:t>
+            </a:r>
+            <a:endParaRPr lang="en-US" altLang="ja-JP" dirty="0" smtClean="0"/>
+          </a:p>
+          <a:p>
             <a:r>
               <a:rPr lang="ja-JP" altLang="en-US" dirty="0" smtClean="0"/>
-              <a:t>ブロックプログラミング</a:t>
-            </a:r>
-            <a:r>
-              <a:rPr lang="ja-JP" altLang="en-US" dirty="0"/>
-              <a:t>によって視覚的</a:t>
-            </a:r>
+              <a:t>ブロックプログラミングによって，視覚的にプログラムのスコープがわかる．</a:t>
+            </a:r>
+            <a:endParaRPr lang="en-US" altLang="ja-JP" dirty="0" smtClean="0"/>
+          </a:p>
+          <a:p>
             <a:r>
               <a:rPr lang="ja-JP" altLang="en-US" dirty="0" smtClean="0"/>
-              <a:t>にプログラミング</a:t>
-            </a:r>
-            <a:r>
-              <a:rPr lang="ja-JP" altLang="en-US" dirty="0"/>
-              <a:t>のアルゴリズムに触れられる</a:t>
-            </a:r>
-            <a:endParaRPr lang="en-US" altLang="ja-JP" dirty="0"/>
-          </a:p>
-          <a:p>
-            <a:pPr lvl="1"/>
-            <a:r>
-              <a:rPr lang="ja-JP" altLang="en-US" dirty="0" smtClean="0"/>
-              <a:t>ブロックプログラミング</a:t>
-            </a:r>
-            <a:r>
-              <a:rPr lang="ja-JP" altLang="en-US" dirty="0"/>
-              <a:t>によって視覚的にプログラムのスコープがわかる</a:t>
-            </a:r>
-            <a:endParaRPr lang="en-US" altLang="ja-JP" dirty="0"/>
-          </a:p>
-          <a:p>
-            <a:r>
-              <a:rPr lang="ja-JP" altLang="en-US" dirty="0" smtClean="0"/>
-              <a:t>ブロックプログラミング</a:t>
-            </a:r>
-            <a:r>
-              <a:rPr lang="ja-JP" altLang="en-US" dirty="0"/>
-              <a:t>によってその命令が何をしたいのかがわかる</a:t>
+              <a:t>ブロックプログラミングによって，その命令が何をしたいのかがわかる．</a:t>
             </a:r>
           </a:p>
           <a:p>
@@ -13111,6 +13110,49 @@
               <a:t>7</a:t>
             </a:fld>
             <a:endParaRPr kumimoji="1" lang="ja-JP" altLang="en-US" dirty="0"/>
+          </a:p>
+        </p:txBody>
+      </p:sp>
+      <p:sp>
+        <p:nvSpPr>
+          <p:cNvPr id="5" name="正方形/長方形 4"/>
+          <p:cNvSpPr/>
+          <p:nvPr/>
+        </p:nvSpPr>
+        <p:spPr>
+          <a:xfrm>
+            <a:off x="857756" y="4999371"/>
+            <a:ext cx="7889734" cy="954107"/>
+          </a:xfrm>
+          <a:prstGeom prst="rect">
+            <a:avLst/>
+          </a:prstGeom>
+        </p:spPr>
+        <p:style>
+          <a:lnRef idx="2">
+            <a:schemeClr val="dk1"/>
+          </a:lnRef>
+          <a:fillRef idx="1">
+            <a:schemeClr val="lt1"/>
+          </a:fillRef>
+          <a:effectRef idx="0">
+            <a:schemeClr val="dk1"/>
+          </a:effectRef>
+          <a:fontRef idx="minor">
+            <a:schemeClr val="dk1"/>
+          </a:fontRef>
+        </p:style>
+        <p:txBody>
+          <a:bodyPr wrap="square">
+            <a:spAutoFit/>
+          </a:bodyPr>
+          <a:lstStyle/>
+          <a:p>
+            <a:r>
+              <a:rPr lang="ja-JP" altLang="en-US" sz="2800" b="1" dirty="0"/>
+              <a:t>ブロックプログラミングを組み合わせることで，論理的思考力を鍛える．</a:t>
+            </a:r>
+            <a:endParaRPr lang="en-US" altLang="ja-JP" sz="2800" b="1" dirty="0"/>
           </a:p>
         </p:txBody>
       </p:sp>

--- a/1821121_shimaoka_thesis.pptx
+++ b/1821121_shimaoka_thesis.pptx
@@ -5,7 +5,7 @@
     <p:sldMasterId id="2147483660" r:id="rId1"/>
   </p:sldMasterIdLst>
   <p:notesMasterIdLst>
-    <p:notesMasterId r:id="rId16"/>
+    <p:notesMasterId r:id="rId15"/>
   </p:notesMasterIdLst>
   <p:sldIdLst>
     <p:sldId id="256" r:id="rId2"/>
@@ -14,14 +14,13 @@
     <p:sldId id="284" r:id="rId5"/>
     <p:sldId id="258" r:id="rId6"/>
     <p:sldId id="286" r:id="rId7"/>
-    <p:sldId id="293" r:id="rId8"/>
+    <p:sldId id="292" r:id="rId8"/>
     <p:sldId id="291" r:id="rId9"/>
-    <p:sldId id="292" r:id="rId10"/>
-    <p:sldId id="267" r:id="rId11"/>
-    <p:sldId id="287" r:id="rId12"/>
-    <p:sldId id="289" r:id="rId13"/>
-    <p:sldId id="290" r:id="rId14"/>
-    <p:sldId id="277" r:id="rId15"/>
+    <p:sldId id="267" r:id="rId10"/>
+    <p:sldId id="287" r:id="rId11"/>
+    <p:sldId id="289" r:id="rId12"/>
+    <p:sldId id="290" r:id="rId13"/>
+    <p:sldId id="277" r:id="rId14"/>
   </p:sldIdLst>
   <p:sldSz cx="9144000" cy="6858000" type="screen4x3"/>
   <p:notesSz cx="6858000" cy="9144000"/>
@@ -124,6 +123,9 @@
     <p:ext uri="{EFAFB233-063F-42B5-8137-9DF3F51BA10A}">
       <p15:sldGuideLst xmlns:p15="http://schemas.microsoft.com/office/powerpoint/2012/main"/>
     </p:ext>
+    <p:ext uri="{2D200454-40CA-4A62-9FC3-DE9A4176ACB9}">
+      <p15:notesGuideLst xmlns:p15="http://schemas.microsoft.com/office/powerpoint/2012/main"/>
+    </p:ext>
   </p:extLst>
 </p:presentation>
 </file>
@@ -210,7 +212,7 @@
           <a:p>
             <a:fld id="{79CC8B41-A965-44F6-A054-64E872A50930}" type="datetimeFigureOut">
               <a:rPr kumimoji="1" lang="ja-JP" altLang="en-US" smtClean="0"/>
-              <a:t>2022/1/19</a:t>
+              <a:t>2022/1/21</a:t>
             </a:fld>
             <a:endParaRPr kumimoji="1" lang="ja-JP" altLang="en-US"/>
           </a:p>
@@ -1079,6 +1081,16 @@
           <a:lstStyle/>
           <a:p>
             <a:r>
+              <a:rPr lang="ja-JP" altLang="en-US" dirty="0" smtClean="0"/>
+              <a:t>ブロックプログラミングと連携してコーディング用の穴埋めとアルゴリズムの提案をしていることがポイント</a:t>
+            </a:r>
+            <a:endParaRPr lang="en-US" altLang="ja-JP" dirty="0" smtClean="0"/>
+          </a:p>
+          <a:p>
+            <a:endParaRPr lang="en-US" altLang="ja-JP" dirty="0" smtClean="0"/>
+          </a:p>
+          <a:p>
+            <a:r>
               <a:rPr lang="en-US" altLang="ja-JP" dirty="0" smtClean="0"/>
               <a:t>Step-1:</a:t>
             </a:r>
@@ -1233,47 +1245,189 @@
           <a:lstStyle/>
           <a:p>
             <a:r>
-              <a:rPr kumimoji="1" lang="ja-JP" altLang="en-US" dirty="0" smtClean="0"/>
-              <a:t>基準３のための補足スライド</a:t>
-            </a:r>
-            <a:endParaRPr kumimoji="1" lang="en-US" altLang="ja-JP" dirty="0" smtClean="0"/>
-          </a:p>
-          <a:p>
-            <a:r>
-              <a:rPr kumimoji="1" lang="ja-JP" altLang="en-US" dirty="0" smtClean="0"/>
-              <a:t>ブロックプログラミングを組み合わせる理由</a:t>
-            </a:r>
-            <a:endParaRPr kumimoji="1" lang="en-US" altLang="ja-JP" dirty="0" smtClean="0"/>
-          </a:p>
-          <a:p>
-            <a:endParaRPr kumimoji="1" lang="en-US" altLang="ja-JP" dirty="0" smtClean="0"/>
-          </a:p>
-          <a:p>
-            <a:r>
-              <a:rPr kumimoji="1" lang="ja-JP" altLang="en-US" dirty="0" smtClean="0"/>
-              <a:t>・ブロックプログラミングを組み合わせることで、論理的思考力を鍛える</a:t>
-            </a:r>
-            <a:endParaRPr kumimoji="1" lang="en-US" altLang="ja-JP" dirty="0" smtClean="0"/>
-          </a:p>
-          <a:p>
-            <a:r>
-              <a:rPr kumimoji="1" lang="ja-JP" altLang="en-US" dirty="0" smtClean="0"/>
-              <a:t>　・ブロックプログラミングによって視覚的にプログラミングのアルゴリズムに触れられる</a:t>
-            </a:r>
-            <a:endParaRPr kumimoji="1" lang="en-US" altLang="ja-JP" dirty="0" smtClean="0"/>
-          </a:p>
-          <a:p>
-            <a:r>
-              <a:rPr kumimoji="1" lang="ja-JP" altLang="en-US" dirty="0" smtClean="0"/>
-              <a:t>　・ブロックプログラミングによって視覚的にプログラムのスコープがわかる</a:t>
-            </a:r>
-            <a:endParaRPr kumimoji="1" lang="en-US" altLang="ja-JP" dirty="0" smtClean="0"/>
-          </a:p>
-          <a:p>
-            <a:r>
-              <a:rPr kumimoji="1" lang="ja-JP" altLang="en-US" dirty="0" smtClean="0"/>
-              <a:t>・ブロックプログラミングによってその命令が何をしたいのかがわかる</a:t>
-            </a:r>
+              <a:rPr lang="ja-JP" altLang="ja-JP" dirty="0" smtClean="0"/>
+              <a:t>学習者は，</a:t>
+            </a:r>
+            <a:r>
+              <a:rPr lang="en-US" altLang="ja-JP" dirty="0" smtClean="0"/>
+              <a:t>UI</a:t>
+            </a:r>
+            <a:r>
+              <a:rPr lang="ja-JP" altLang="ja-JP" dirty="0" smtClean="0"/>
+              <a:t>図に示される</a:t>
+            </a:r>
+            <a:r>
+              <a:rPr lang="en-US" altLang="ja-JP" dirty="0" smtClean="0"/>
+              <a:t>UI</a:t>
+            </a:r>
+            <a:r>
+              <a:rPr lang="ja-JP" altLang="ja-JP" dirty="0" smtClean="0"/>
+              <a:t>の提案システムに従って，以下のステップによって学習を行う</a:t>
+            </a:r>
+            <a:r>
+              <a:rPr lang="ja-JP" altLang="ja-JP" dirty="0" smtClean="0"/>
+              <a:t>．</a:t>
+            </a:r>
+            <a:endParaRPr lang="en-US" altLang="ja-JP" dirty="0" smtClean="0"/>
+          </a:p>
+          <a:p>
+            <a:endParaRPr lang="en-US" altLang="ja-JP" dirty="0" smtClean="0"/>
+          </a:p>
+          <a:p>
+            <a:r>
+              <a:rPr lang="ja-JP" altLang="en-US" dirty="0" smtClean="0"/>
+              <a:t>視覚的にプログラミングのアルゴリズムに触れられる．</a:t>
+            </a:r>
+            <a:endParaRPr lang="en-US" altLang="ja-JP" dirty="0" smtClean="0"/>
+          </a:p>
+          <a:p>
+            <a:pPr algn="just"/>
+            <a:r>
+              <a:rPr lang="ja-JP" altLang="en-US" dirty="0" smtClean="0"/>
+              <a:t>視覚的にプログラムのスコープがわかる．</a:t>
+            </a:r>
+            <a:endParaRPr lang="en-US" altLang="ja-JP" dirty="0" smtClean="0"/>
+          </a:p>
+          <a:p>
+            <a:pPr>
+              <a:lnSpc>
+                <a:spcPct val="100000"/>
+              </a:lnSpc>
+            </a:pPr>
+            <a:r>
+              <a:rPr lang="ja-JP" altLang="en-US" dirty="0" smtClean="0"/>
+              <a:t>その命令が何をしたいのかがわかる．</a:t>
+            </a:r>
+          </a:p>
+          <a:p>
+            <a:endParaRPr lang="ja-JP" altLang="ja-JP" dirty="0" smtClean="0"/>
+          </a:p>
+          <a:p>
+            <a:endParaRPr lang="ja-JP" altLang="ja-JP" dirty="0" smtClean="0"/>
+          </a:p>
+          <a:p>
+            <a:r>
+              <a:rPr lang="en-US" altLang="ja-JP" dirty="0" smtClean="0"/>
+              <a:t>Step-1:</a:t>
+            </a:r>
+            <a:r>
+              <a:rPr lang="ja-JP" altLang="ja-JP" dirty="0" smtClean="0"/>
+              <a:t>問題ファイルを選択する．</a:t>
+            </a:r>
+          </a:p>
+          <a:p>
+            <a:r>
+              <a:rPr lang="en-US" altLang="ja-JP" dirty="0" smtClean="0"/>
+              <a:t>Step-2:</a:t>
+            </a:r>
+            <a:r>
+              <a:rPr lang="ja-JP" altLang="ja-JP" dirty="0" smtClean="0"/>
+              <a:t>問題文を確認する．</a:t>
+            </a:r>
+          </a:p>
+          <a:p>
+            <a:r>
+              <a:rPr lang="en-US" altLang="ja-JP" dirty="0" smtClean="0"/>
+              <a:t>Step-3:</a:t>
+            </a:r>
+            <a:r>
+              <a:rPr lang="ja-JP" altLang="ja-JP" dirty="0" smtClean="0"/>
+              <a:t>ブロックプログラミングで論理的思考力を養う</a:t>
+            </a:r>
+          </a:p>
+          <a:p>
+            <a:r>
+              <a:rPr lang="en-US" altLang="ja-JP" dirty="0" smtClean="0"/>
+              <a:t>Step-4:</a:t>
+            </a:r>
+            <a:r>
+              <a:rPr lang="ja-JP" altLang="ja-JP" dirty="0" smtClean="0"/>
+              <a:t>コーディング力を養うために，生成された穴埋め選択問題を解答する．</a:t>
+            </a:r>
+          </a:p>
+          <a:p>
+            <a:r>
+              <a:rPr lang="en-US" altLang="ja-JP" dirty="0" smtClean="0"/>
+              <a:t>Step-5:</a:t>
+            </a:r>
+            <a:r>
+              <a:rPr lang="ja-JP" altLang="ja-JP" dirty="0" smtClean="0"/>
+              <a:t>選択した解答からソースコードの実行結果を確認する． </a:t>
+            </a:r>
+          </a:p>
+          <a:p>
+            <a:r>
+              <a:rPr lang="en-US" altLang="ja-JP" dirty="0" smtClean="0"/>
+              <a:t>Step-6:</a:t>
+            </a:r>
+            <a:r>
+              <a:rPr lang="ja-JP" altLang="ja-JP" dirty="0" smtClean="0"/>
+              <a:t>採点を行う．</a:t>
+            </a:r>
+          </a:p>
+          <a:p>
+            <a:r>
+              <a:rPr lang="en-US" altLang="ja-JP" dirty="0" smtClean="0"/>
+              <a:t>Step-6:</a:t>
+            </a:r>
+            <a:r>
+              <a:rPr lang="ja-JP" altLang="ja-JP" dirty="0" smtClean="0"/>
+              <a:t>繰り返し問題を解く場合は，難易度ごとの自動生成をもう一度行い，</a:t>
+            </a:r>
+            <a:r>
+              <a:rPr lang="en-US" altLang="ja-JP" dirty="0" smtClean="0"/>
+              <a:t>Step-2</a:t>
+            </a:r>
+            <a:r>
+              <a:rPr lang="ja-JP" altLang="ja-JP" dirty="0" smtClean="0"/>
+              <a:t>に戻る．</a:t>
+            </a:r>
+          </a:p>
+          <a:p>
+            <a:r>
+              <a:rPr lang="en-US" altLang="ja-JP" dirty="0" smtClean="0"/>
+              <a:t>Step-7:</a:t>
+            </a:r>
+            <a:r>
+              <a:rPr lang="ja-JP" altLang="ja-JP" dirty="0" smtClean="0"/>
+              <a:t>正答率が上昇した場合には，</a:t>
+            </a:r>
+            <a:r>
+              <a:rPr lang="en-US" altLang="ja-JP" dirty="0" smtClean="0"/>
+              <a:t>Step-1:</a:t>
+            </a:r>
+            <a:r>
+              <a:rPr lang="ja-JP" altLang="ja-JP" dirty="0" smtClean="0"/>
+              <a:t>に戻る．</a:t>
+            </a:r>
+            <a:endParaRPr lang="en-US" altLang="ja-JP" dirty="0" smtClean="0"/>
+          </a:p>
+          <a:p>
+            <a:endParaRPr lang="en-US" altLang="ja-JP" dirty="0" smtClean="0"/>
+          </a:p>
+          <a:p>
+            <a:r>
+              <a:rPr lang="ja-JP" altLang="en-US" dirty="0" smtClean="0"/>
+              <a:t>ブロックプログラミングと組み合わせることにより、</a:t>
+            </a:r>
+            <a:endParaRPr lang="ja-JP" altLang="ja-JP" dirty="0" smtClean="0"/>
+          </a:p>
+          <a:p>
+            <a:pPr lvl="1"/>
+            <a:r>
+              <a:rPr lang="en-US" altLang="ja-JP" b="1" dirty="0" smtClean="0"/>
+              <a:t/>
+            </a:r>
+            <a:br>
+              <a:rPr lang="en-US" altLang="ja-JP" b="1" dirty="0" smtClean="0"/>
+            </a:br>
+            <a:r>
+              <a:rPr lang="en-US" altLang="ja-JP" b="1" dirty="0" smtClean="0"/>
+              <a:t> </a:t>
+            </a:r>
+            <a:endParaRPr lang="ja-JP" altLang="ja-JP" b="1" dirty="0" smtClean="0"/>
+          </a:p>
+          <a:p>
             <a:endParaRPr kumimoji="1" lang="ja-JP" altLang="en-US" dirty="0"/>
           </a:p>
         </p:txBody>
@@ -1304,7 +1458,7 @@
     </p:spTree>
     <p:extLst>
       <p:ext uri="{BB962C8B-B14F-4D97-AF65-F5344CB8AC3E}">
-        <p14:creationId xmlns:p14="http://schemas.microsoft.com/office/powerpoint/2010/main" val="3329529960"/>
+        <p14:creationId xmlns:p14="http://schemas.microsoft.com/office/powerpoint/2010/main" val="62180802"/>
       </p:ext>
     </p:extLst>
   </p:cSld>
@@ -1468,237 +1622,6 @@
             <p:ph type="sldImg"/>
           </p:nvPr>
         </p:nvSpPr>
-        <p:spPr/>
-      </p:sp>
-      <p:sp>
-        <p:nvSpPr>
-          <p:cNvPr id="3" name="ノート プレースホルダー 2"/>
-          <p:cNvSpPr>
-            <a:spLocks noGrp="1"/>
-          </p:cNvSpPr>
-          <p:nvPr>
-            <p:ph type="body" idx="1"/>
-          </p:nvPr>
-        </p:nvSpPr>
-        <p:spPr/>
-        <p:txBody>
-          <a:bodyPr/>
-          <a:lstStyle/>
-          <a:p>
-            <a:r>
-              <a:rPr lang="ja-JP" altLang="ja-JP" dirty="0" smtClean="0"/>
-              <a:t>学習者は，</a:t>
-            </a:r>
-            <a:r>
-              <a:rPr lang="en-US" altLang="ja-JP" dirty="0" smtClean="0"/>
-              <a:t>UI</a:t>
-            </a:r>
-            <a:r>
-              <a:rPr lang="ja-JP" altLang="ja-JP" dirty="0" smtClean="0"/>
-              <a:t>図に示される</a:t>
-            </a:r>
-            <a:r>
-              <a:rPr lang="en-US" altLang="ja-JP" dirty="0" smtClean="0"/>
-              <a:t>UI</a:t>
-            </a:r>
-            <a:r>
-              <a:rPr lang="ja-JP" altLang="ja-JP" dirty="0" smtClean="0"/>
-              <a:t>の提案システムに従って，以下のステップによって学習を行う．</a:t>
-            </a:r>
-          </a:p>
-          <a:p>
-            <a:endParaRPr lang="ja-JP" altLang="ja-JP" dirty="0" smtClean="0"/>
-          </a:p>
-          <a:p>
-            <a:r>
-              <a:rPr lang="en-US" altLang="ja-JP" dirty="0" smtClean="0"/>
-              <a:t>Step-1:</a:t>
-            </a:r>
-            <a:r>
-              <a:rPr lang="ja-JP" altLang="ja-JP" dirty="0" smtClean="0"/>
-              <a:t>問題ファイルを選択する．</a:t>
-            </a:r>
-          </a:p>
-          <a:p>
-            <a:r>
-              <a:rPr lang="en-US" altLang="ja-JP" dirty="0" smtClean="0"/>
-              <a:t>Step-2:</a:t>
-            </a:r>
-            <a:r>
-              <a:rPr lang="ja-JP" altLang="ja-JP" dirty="0" smtClean="0"/>
-              <a:t>問題文を確認する．</a:t>
-            </a:r>
-          </a:p>
-          <a:p>
-            <a:r>
-              <a:rPr lang="en-US" altLang="ja-JP" dirty="0" smtClean="0"/>
-              <a:t>Step-3:</a:t>
-            </a:r>
-            <a:r>
-              <a:rPr lang="ja-JP" altLang="ja-JP" dirty="0" smtClean="0"/>
-              <a:t>ブロックプログラミングで論理的思考力を養う</a:t>
-            </a:r>
-          </a:p>
-          <a:p>
-            <a:r>
-              <a:rPr lang="en-US" altLang="ja-JP" dirty="0" smtClean="0"/>
-              <a:t>Step-4:</a:t>
-            </a:r>
-            <a:r>
-              <a:rPr lang="ja-JP" altLang="ja-JP" dirty="0" smtClean="0"/>
-              <a:t>コーディング力を養うために，生成された穴埋め選択問題を解答する．</a:t>
-            </a:r>
-          </a:p>
-          <a:p>
-            <a:r>
-              <a:rPr lang="en-US" altLang="ja-JP" dirty="0" smtClean="0"/>
-              <a:t>Step-5:</a:t>
-            </a:r>
-            <a:r>
-              <a:rPr lang="ja-JP" altLang="ja-JP" dirty="0" smtClean="0"/>
-              <a:t>選択した解答からソースコードの実行結果を確認する． </a:t>
-            </a:r>
-          </a:p>
-          <a:p>
-            <a:r>
-              <a:rPr lang="en-US" altLang="ja-JP" dirty="0" smtClean="0"/>
-              <a:t>Step-6:</a:t>
-            </a:r>
-            <a:r>
-              <a:rPr lang="ja-JP" altLang="ja-JP" dirty="0" smtClean="0"/>
-              <a:t>採点を行う．</a:t>
-            </a:r>
-          </a:p>
-          <a:p>
-            <a:r>
-              <a:rPr lang="en-US" altLang="ja-JP" dirty="0" smtClean="0"/>
-              <a:t>Step-6:</a:t>
-            </a:r>
-            <a:r>
-              <a:rPr lang="ja-JP" altLang="ja-JP" dirty="0" smtClean="0"/>
-              <a:t>繰り返し問題を解く場合は，難易度ごとの自動生成をもう一度行い，</a:t>
-            </a:r>
-            <a:r>
-              <a:rPr lang="en-US" altLang="ja-JP" dirty="0" smtClean="0"/>
-              <a:t>Step-2</a:t>
-            </a:r>
-            <a:r>
-              <a:rPr lang="ja-JP" altLang="ja-JP" dirty="0" smtClean="0"/>
-              <a:t>に戻る．</a:t>
-            </a:r>
-          </a:p>
-          <a:p>
-            <a:r>
-              <a:rPr lang="en-US" altLang="ja-JP" dirty="0" smtClean="0"/>
-              <a:t>Step-7:</a:t>
-            </a:r>
-            <a:r>
-              <a:rPr lang="ja-JP" altLang="ja-JP" dirty="0" smtClean="0"/>
-              <a:t>正答率が上昇した場合には，</a:t>
-            </a:r>
-            <a:r>
-              <a:rPr lang="en-US" altLang="ja-JP" dirty="0" smtClean="0"/>
-              <a:t>Step-1:</a:t>
-            </a:r>
-            <a:r>
-              <a:rPr lang="ja-JP" altLang="ja-JP" dirty="0" smtClean="0"/>
-              <a:t>に戻る．</a:t>
-            </a:r>
-            <a:endParaRPr lang="en-US" altLang="ja-JP" dirty="0" smtClean="0"/>
-          </a:p>
-          <a:p>
-            <a:endParaRPr lang="en-US" altLang="ja-JP" dirty="0" smtClean="0"/>
-          </a:p>
-          <a:p>
-            <a:r>
-              <a:rPr lang="ja-JP" altLang="en-US" dirty="0" smtClean="0"/>
-              <a:t>ブロックプログラミングと組み合わせることにより、</a:t>
-            </a:r>
-            <a:endParaRPr lang="ja-JP" altLang="ja-JP" dirty="0" smtClean="0"/>
-          </a:p>
-          <a:p>
-            <a:pPr lvl="1"/>
-            <a:r>
-              <a:rPr lang="en-US" altLang="ja-JP" b="1" dirty="0" smtClean="0"/>
-              <a:t/>
-            </a:r>
-            <a:br>
-              <a:rPr lang="en-US" altLang="ja-JP" b="1" dirty="0" smtClean="0"/>
-            </a:br>
-            <a:r>
-              <a:rPr lang="en-US" altLang="ja-JP" b="1" dirty="0" smtClean="0"/>
-              <a:t> </a:t>
-            </a:r>
-            <a:endParaRPr lang="ja-JP" altLang="ja-JP" b="1" dirty="0" smtClean="0"/>
-          </a:p>
-          <a:p>
-            <a:endParaRPr kumimoji="1" lang="ja-JP" altLang="en-US" dirty="0"/>
-          </a:p>
-        </p:txBody>
-      </p:sp>
-      <p:sp>
-        <p:nvSpPr>
-          <p:cNvPr id="4" name="スライド番号プレースホルダー 3"/>
-          <p:cNvSpPr>
-            <a:spLocks noGrp="1"/>
-          </p:cNvSpPr>
-          <p:nvPr>
-            <p:ph type="sldNum" sz="quarter" idx="10"/>
-          </p:nvPr>
-        </p:nvSpPr>
-        <p:spPr/>
-        <p:txBody>
-          <a:bodyPr/>
-          <a:lstStyle/>
-          <a:p>
-            <a:fld id="{82E76DF2-3CDE-4C1E-88A3-A0AA4B439AA4}" type="slidenum">
-              <a:rPr kumimoji="1" lang="ja-JP" altLang="en-US" smtClean="0"/>
-              <a:t>9</a:t>
-            </a:fld>
-            <a:endParaRPr kumimoji="1" lang="ja-JP" altLang="en-US"/>
-          </a:p>
-        </p:txBody>
-      </p:sp>
-    </p:spTree>
-    <p:extLst>
-      <p:ext uri="{BB962C8B-B14F-4D97-AF65-F5344CB8AC3E}">
-        <p14:creationId xmlns:p14="http://schemas.microsoft.com/office/powerpoint/2010/main" val="62180802"/>
-      </p:ext>
-    </p:extLst>
-  </p:cSld>
-  <p:clrMapOvr>
-    <a:masterClrMapping/>
-  </p:clrMapOvr>
-</p:notes>
-</file>
-
-<file path=ppt/notesSlides/notesSlide9.xml><?xml version="1.0" encoding="utf-8"?>
-<p:notes xmlns:a="http://schemas.openxmlformats.org/drawingml/2006/main" xmlns:r="http://schemas.openxmlformats.org/officeDocument/2006/relationships" xmlns:p="http://schemas.openxmlformats.org/presentationml/2006/main">
-  <p:cSld>
-    <p:spTree>
-      <p:nvGrpSpPr>
-        <p:cNvPr id="1" name=""/>
-        <p:cNvGrpSpPr/>
-        <p:nvPr/>
-      </p:nvGrpSpPr>
-      <p:grpSpPr>
-        <a:xfrm>
-          <a:off x="0" y="0"/>
-          <a:ext cx="0" cy="0"/>
-          <a:chOff x="0" y="0"/>
-          <a:chExt cx="0" cy="0"/>
-        </a:xfrm>
-      </p:grpSpPr>
-      <p:sp>
-        <p:nvSpPr>
-          <p:cNvPr id="2" name="スライド イメージ プレースホルダー 1"/>
-          <p:cNvSpPr>
-            <a:spLocks noGrp="1" noRot="1" noChangeAspect="1"/>
-          </p:cNvSpPr>
-          <p:nvPr>
-            <p:ph type="sldImg"/>
-          </p:nvPr>
-        </p:nvSpPr>
         <p:spPr>
           <a:xfrm>
             <a:off x="1371600" y="1143000"/>
@@ -1769,7 +1692,7 @@
           <a:p>
             <a:fld id="{82E76DF2-3CDE-4C1E-88A3-A0AA4B439AA4}" type="slidenum">
               <a:rPr kumimoji="1" lang="ja-JP" altLang="en-US" smtClean="0"/>
-              <a:t>11</a:t>
+              <a:t>10</a:t>
             </a:fld>
             <a:endParaRPr kumimoji="1" lang="ja-JP" altLang="en-US"/>
           </a:p>
@@ -1919,7 +1842,7 @@
           <a:p>
             <a:fld id="{62998336-B3D8-4A03-A7A8-98421380C411}" type="datetime1">
               <a:rPr kumimoji="1" lang="ja-JP" altLang="en-US" smtClean="0"/>
-              <a:t>2022/1/19</a:t>
+              <a:t>2022/1/21</a:t>
             </a:fld>
             <a:endParaRPr kumimoji="1" lang="ja-JP" altLang="en-US"/>
           </a:p>
@@ -2133,7 +2056,7 @@
           <a:p>
             <a:fld id="{C588BEE9-F237-41A9-8549-3FFE47F058E3}" type="datetime1">
               <a:rPr kumimoji="1" lang="ja-JP" altLang="en-US" smtClean="0"/>
-              <a:t>2022/1/19</a:t>
+              <a:t>2022/1/21</a:t>
             </a:fld>
             <a:endParaRPr kumimoji="1" lang="ja-JP" altLang="en-US"/>
           </a:p>
@@ -2345,7 +2268,7 @@
           <a:p>
             <a:fld id="{9BC49434-F0AD-4853-A565-8CE0DB9424F6}" type="datetime1">
               <a:rPr kumimoji="1" lang="ja-JP" altLang="en-US" smtClean="0"/>
-              <a:t>2022/1/19</a:t>
+              <a:t>2022/1/21</a:t>
             </a:fld>
             <a:endParaRPr kumimoji="1" lang="ja-JP" altLang="en-US"/>
           </a:p>
@@ -2547,7 +2470,7 @@
           <a:p>
             <a:fld id="{34CF448A-F207-4C44-990B-BCEAFE1D6D1A}" type="datetime1">
               <a:rPr kumimoji="1" lang="ja-JP" altLang="en-US" smtClean="0"/>
-              <a:t>2022/1/19</a:t>
+              <a:t>2022/1/21</a:t>
             </a:fld>
             <a:endParaRPr kumimoji="1" lang="ja-JP" altLang="en-US"/>
           </a:p>
@@ -2803,7 +2726,7 @@
           <a:p>
             <a:fld id="{D55DCA4D-E17E-4710-BD0F-97F07703CCCE}" type="datetime1">
               <a:rPr kumimoji="1" lang="ja-JP" altLang="en-US" smtClean="0"/>
-              <a:t>2022/1/19</a:t>
+              <a:t>2022/1/21</a:t>
             </a:fld>
             <a:endParaRPr kumimoji="1" lang="ja-JP" altLang="en-US"/>
           </a:p>
@@ -3106,7 +3029,7 @@
           <a:p>
             <a:fld id="{ECA124AC-DF8D-4414-8A83-8C4A3A5BC6D8}" type="datetime1">
               <a:rPr kumimoji="1" lang="ja-JP" altLang="en-US" smtClean="0"/>
-              <a:t>2022/1/19</a:t>
+              <a:t>2022/1/21</a:t>
             </a:fld>
             <a:endParaRPr kumimoji="1" lang="ja-JP" altLang="en-US"/>
           </a:p>
@@ -3537,7 +3460,7 @@
           <a:p>
             <a:fld id="{995C31F4-206F-4561-92B9-CF990D583D10}" type="datetime1">
               <a:rPr kumimoji="1" lang="ja-JP" altLang="en-US" smtClean="0"/>
-              <a:t>2022/1/19</a:t>
+              <a:t>2022/1/21</a:t>
             </a:fld>
             <a:endParaRPr kumimoji="1" lang="ja-JP" altLang="en-US"/>
           </a:p>
@@ -3655,7 +3578,7 @@
           <a:p>
             <a:fld id="{087A34C8-B72C-4C88-90F5-054E72AA126B}" type="datetime1">
               <a:rPr kumimoji="1" lang="ja-JP" altLang="en-US" smtClean="0"/>
-              <a:t>2022/1/19</a:t>
+              <a:t>2022/1/21</a:t>
             </a:fld>
             <a:endParaRPr kumimoji="1" lang="ja-JP" altLang="en-US"/>
           </a:p>
@@ -3750,7 +3673,7 @@
           <a:p>
             <a:fld id="{02AAF6BD-BA6E-4E7D-9900-CDD88774F482}" type="datetime1">
               <a:rPr kumimoji="1" lang="ja-JP" altLang="en-US" smtClean="0"/>
-              <a:t>2022/1/19</a:t>
+              <a:t>2022/1/21</a:t>
             </a:fld>
             <a:endParaRPr kumimoji="1" lang="ja-JP" altLang="en-US"/>
           </a:p>
@@ -4059,7 +3982,7 @@
           <a:p>
             <a:fld id="{E89E35DA-E2A0-42EC-A447-4576C9BA3E6F}" type="datetime1">
               <a:rPr kumimoji="1" lang="ja-JP" altLang="en-US" smtClean="0"/>
-              <a:t>2022/1/19</a:t>
+              <a:t>2022/1/21</a:t>
             </a:fld>
             <a:endParaRPr kumimoji="1" lang="ja-JP" altLang="en-US"/>
           </a:p>
@@ -4316,7 +4239,7 @@
           <a:p>
             <a:fld id="{DEE6902A-E00C-4B09-8F69-8135A2ADC569}" type="datetime1">
               <a:rPr kumimoji="1" lang="ja-JP" altLang="en-US" smtClean="0"/>
-              <a:t>2022/1/19</a:t>
+              <a:t>2022/1/21</a:t>
             </a:fld>
             <a:endParaRPr kumimoji="1" lang="ja-JP" altLang="en-US"/>
           </a:p>
@@ -4561,7 +4484,7 @@
           <a:p>
             <a:fld id="{E69F29F6-FEAF-4263-A4BF-AB93D6A4CA4D}" type="datetime1">
               <a:rPr kumimoji="1" lang="ja-JP" altLang="en-US" smtClean="0"/>
-              <a:t>2022/1/19</a:t>
+              <a:t>2022/1/21</a:t>
             </a:fld>
             <a:endParaRPr kumimoji="1" lang="ja-JP" altLang="en-US"/>
           </a:p>
@@ -5001,6 +4924,11 @@
           </a:bodyPr>
           <a:lstStyle/>
           <a:p>
+            <a:pPr>
+              <a:lnSpc>
+                <a:spcPct val="100000"/>
+              </a:lnSpc>
+            </a:pPr>
             <a:r>
               <a:rPr lang="ja-JP" altLang="en-US" sz="3600" dirty="0">
                 <a:latin typeface="ＭＳ Ｐゴシック" panose="020B0600070205080204" pitchFamily="50" charset="-128"/>
@@ -5208,1419 +5136,6 @@
             <p:ph type="title"/>
           </p:nvPr>
         </p:nvSpPr>
-        <p:spPr/>
-        <p:txBody>
-          <a:bodyPr/>
-          <a:lstStyle/>
-          <a:p>
-            <a:r>
-              <a:rPr lang="ja-JP" altLang="en-US" dirty="0"/>
-              <a:t>実験</a:t>
-            </a:r>
-            <a:endParaRPr kumimoji="1" lang="ja-JP" altLang="en-US" dirty="0"/>
-          </a:p>
-        </p:txBody>
-      </p:sp>
-      <p:sp>
-        <p:nvSpPr>
-          <p:cNvPr id="3" name="コンテンツ プレースホルダー 2"/>
-          <p:cNvSpPr>
-            <a:spLocks noGrp="1"/>
-          </p:cNvSpPr>
-          <p:nvPr>
-            <p:ph idx="1"/>
-          </p:nvPr>
-        </p:nvSpPr>
-        <p:spPr/>
-        <p:txBody>
-          <a:bodyPr/>
-          <a:lstStyle/>
-          <a:p>
-            <a:r>
-              <a:rPr lang="ja-JP" altLang="ja-JP" dirty="0"/>
-              <a:t>本システムの問題自動生成機能によって生成される穴埋め選択問題は学習のために適切に問題を生成することができているのか，複数の問題ファイルと難易度における実際の出題内容</a:t>
-            </a:r>
-            <a:r>
-              <a:rPr lang="ja-JP" altLang="ja-JP" dirty="0" smtClean="0"/>
-              <a:t>を</a:t>
-            </a:r>
-            <a:r>
-              <a:rPr lang="ja-JP" altLang="en-US" dirty="0"/>
-              <a:t>以下</a:t>
-            </a:r>
-            <a:r>
-              <a:rPr lang="ja-JP" altLang="ja-JP" dirty="0" smtClean="0"/>
-              <a:t>の</a:t>
-            </a:r>
-            <a:r>
-              <a:rPr lang="ja-JP" altLang="ja-JP" dirty="0"/>
-              <a:t>判断基準ごとに評価する．</a:t>
-            </a:r>
-          </a:p>
-        </p:txBody>
-      </p:sp>
-      <p:graphicFrame>
-        <p:nvGraphicFramePr>
-          <p:cNvPr id="5" name="表 4"/>
-          <p:cNvGraphicFramePr>
-            <a:graphicFrameLocks noGrp="1"/>
-          </p:cNvGraphicFramePr>
-          <p:nvPr>
-            <p:extLst>
-              <p:ext uri="{D42A27DB-BD31-4B8C-83A1-F6EECF244321}">
-                <p14:modId xmlns:p14="http://schemas.microsoft.com/office/powerpoint/2010/main" val="592379453"/>
-              </p:ext>
-            </p:extLst>
-          </p:nvPr>
-        </p:nvGraphicFramePr>
-        <p:xfrm>
-          <a:off x="1262359" y="3929243"/>
-          <a:ext cx="6918688" cy="2535247"/>
-        </p:xfrm>
-        <a:graphic>
-          <a:graphicData uri="http://schemas.openxmlformats.org/drawingml/2006/table">
-            <a:tbl>
-              <a:tblPr firstRow="1" firstCol="1" bandRow="1"/>
-              <a:tblGrid>
-                <a:gridCol w="521270">
-                  <a:extLst>
-                    <a:ext uri="{9D8B030D-6E8A-4147-A177-3AD203B41FA5}">
-                      <a16:colId xmlns:a16="http://schemas.microsoft.com/office/drawing/2014/main" val="301573555"/>
-                    </a:ext>
-                  </a:extLst>
-                </a:gridCol>
-                <a:gridCol w="3988761">
-                  <a:extLst>
-                    <a:ext uri="{9D8B030D-6E8A-4147-A177-3AD203B41FA5}">
-                      <a16:colId xmlns:a16="http://schemas.microsoft.com/office/drawing/2014/main" val="2763908087"/>
-                    </a:ext>
-                  </a:extLst>
-                </a:gridCol>
-                <a:gridCol w="2408657">
-                  <a:extLst>
-                    <a:ext uri="{9D8B030D-6E8A-4147-A177-3AD203B41FA5}">
-                      <a16:colId xmlns:a16="http://schemas.microsoft.com/office/drawing/2014/main" val="1970008419"/>
-                    </a:ext>
-                  </a:extLst>
-                </a:gridCol>
-              </a:tblGrid>
-              <a:tr h="335088">
-                <a:tc>
-                  <a:txBody>
-                    <a:bodyPr/>
-                    <a:lstStyle/>
-                    <a:p>
-                      <a:pPr algn="just">
-                        <a:spcAft>
-                          <a:spcPts val="0"/>
-                        </a:spcAft>
-                      </a:pPr>
-                      <a:r>
-                        <a:rPr lang="en-US" sz="1600" kern="100" dirty="0">
-                          <a:effectLst/>
-                          <a:latin typeface="Century" panose="02040604050505020304" pitchFamily="18" charset="0"/>
-                          <a:ea typeface="ＭＳ 明朝" panose="02020609040205080304" pitchFamily="17" charset="-128"/>
-                          <a:cs typeface="Times New Roman" panose="02020603050405020304" pitchFamily="18" charset="0"/>
-                        </a:rPr>
-                        <a:t> </a:t>
-                      </a:r>
-                      <a:endParaRPr lang="ja-JP" sz="1600" kern="100" dirty="0">
-                        <a:effectLst/>
-                        <a:latin typeface="Century" panose="02040604050505020304" pitchFamily="18" charset="0"/>
-                        <a:ea typeface="ＭＳ 明朝" panose="02020609040205080304" pitchFamily="17" charset="-128"/>
-                        <a:cs typeface="Times New Roman" panose="02020603050405020304" pitchFamily="18" charset="0"/>
-                      </a:endParaRPr>
-                    </a:p>
-                  </a:txBody>
-                  <a:tcPr marL="51435" marR="51435" marT="0" marB="0">
-                    <a:lnL w="12700" cap="flat" cmpd="sng" algn="ctr">
-                      <a:solidFill>
-                        <a:schemeClr val="tx1"/>
-                      </a:solidFill>
-                      <a:prstDash val="solid"/>
-                      <a:round/>
-                      <a:headEnd type="none" w="med" len="med"/>
-                      <a:tailEnd type="none" w="med" len="med"/>
-                    </a:lnL>
-                    <a:lnR w="12700" cap="flat" cmpd="sng" algn="ctr">
-                      <a:solidFill>
-                        <a:schemeClr val="tx1"/>
-                      </a:solidFill>
-                      <a:prstDash val="solid"/>
-                      <a:round/>
-                      <a:headEnd type="none" w="med" len="med"/>
-                      <a:tailEnd type="none" w="med" len="med"/>
-                    </a:lnR>
-                    <a:lnT w="12700" cap="flat" cmpd="sng" algn="ctr">
-                      <a:solidFill>
-                        <a:schemeClr val="tx1"/>
-                      </a:solidFill>
-                      <a:prstDash val="solid"/>
-                      <a:round/>
-                      <a:headEnd type="none" w="med" len="med"/>
-                      <a:tailEnd type="none" w="med" len="med"/>
-                    </a:lnT>
-                    <a:lnB w="12700" cap="flat" cmpd="sng" algn="ctr">
-                      <a:solidFill>
-                        <a:schemeClr val="tx1"/>
-                      </a:solidFill>
-                      <a:prstDash val="solid"/>
-                      <a:round/>
-                      <a:headEnd type="none" w="med" len="med"/>
-                      <a:tailEnd type="none" w="med" len="med"/>
-                    </a:lnB>
-                    <a:lnTlToBr w="6350" cap="flat" cmpd="sng" algn="ctr">
-                      <a:solidFill>
-                        <a:srgbClr val="000000"/>
-                      </a:solidFill>
-                      <a:prstDash val="solid"/>
-                      <a:round/>
-                      <a:headEnd type="none" w="med" len="med"/>
-                      <a:tailEnd type="none" w="med" len="med"/>
-                    </a:lnTlToBr>
-                  </a:tcPr>
-                </a:tc>
-                <a:tc>
-                  <a:txBody>
-                    <a:bodyPr/>
-                    <a:lstStyle/>
-                    <a:p>
-                      <a:pPr algn="ctr">
-                        <a:spcAft>
-                          <a:spcPts val="0"/>
-                        </a:spcAft>
-                      </a:pPr>
-                      <a:r>
-                        <a:rPr lang="ja-JP" sz="1600" kern="100">
-                          <a:effectLst/>
-                          <a:latin typeface="Century" panose="02040604050505020304" pitchFamily="18" charset="0"/>
-                          <a:ea typeface="ＭＳ 明朝" panose="02020609040205080304" pitchFamily="17" charset="-128"/>
-                          <a:cs typeface="Times New Roman" panose="02020603050405020304" pitchFamily="18" charset="0"/>
-                        </a:rPr>
-                        <a:t>基準</a:t>
-                      </a:r>
-                    </a:p>
-                  </a:txBody>
-                  <a:tcPr marL="51435" marR="51435" marT="0" marB="0">
-                    <a:lnL w="12700" cap="flat" cmpd="sng" algn="ctr">
-                      <a:solidFill>
-                        <a:schemeClr val="tx1"/>
-                      </a:solidFill>
-                      <a:prstDash val="solid"/>
-                      <a:round/>
-                      <a:headEnd type="none" w="med" len="med"/>
-                      <a:tailEnd type="none" w="med" len="med"/>
-                    </a:lnL>
-                    <a:lnR w="12700" cap="flat" cmpd="sng" algn="ctr">
-                      <a:solidFill>
-                        <a:schemeClr val="tx1"/>
-                      </a:solidFill>
-                      <a:prstDash val="solid"/>
-                      <a:round/>
-                      <a:headEnd type="none" w="med" len="med"/>
-                      <a:tailEnd type="none" w="med" len="med"/>
-                    </a:lnR>
-                    <a:lnT w="12700" cap="flat" cmpd="sng" algn="ctr">
-                      <a:solidFill>
-                        <a:schemeClr val="tx1"/>
-                      </a:solidFill>
-                      <a:prstDash val="solid"/>
-                      <a:round/>
-                      <a:headEnd type="none" w="med" len="med"/>
-                      <a:tailEnd type="none" w="med" len="med"/>
-                    </a:lnT>
-                    <a:lnB w="12700" cap="flat" cmpd="sng" algn="ctr">
-                      <a:solidFill>
-                        <a:schemeClr val="tx1"/>
-                      </a:solidFill>
-                      <a:prstDash val="solid"/>
-                      <a:round/>
-                      <a:headEnd type="none" w="med" len="med"/>
-                      <a:tailEnd type="none" w="med" len="med"/>
-                    </a:lnB>
-                  </a:tcPr>
-                </a:tc>
-                <a:tc>
-                  <a:txBody>
-                    <a:bodyPr/>
-                    <a:lstStyle/>
-                    <a:p>
-                      <a:pPr algn="ctr">
-                        <a:spcAft>
-                          <a:spcPts val="0"/>
-                        </a:spcAft>
-                      </a:pPr>
-                      <a:r>
-                        <a:rPr lang="ja-JP" sz="1600" kern="100" dirty="0">
-                          <a:effectLst/>
-                          <a:latin typeface="Century" panose="02040604050505020304" pitchFamily="18" charset="0"/>
-                          <a:ea typeface="ＭＳ 明朝" panose="02020609040205080304" pitchFamily="17" charset="-128"/>
-                          <a:cs typeface="Times New Roman" panose="02020603050405020304" pitchFamily="18" charset="0"/>
-                        </a:rPr>
-                        <a:t>評価</a:t>
-                      </a:r>
-                    </a:p>
-                  </a:txBody>
-                  <a:tcPr marL="51435" marR="51435" marT="0" marB="0">
-                    <a:lnL w="12700" cap="flat" cmpd="sng" algn="ctr">
-                      <a:solidFill>
-                        <a:schemeClr val="tx1"/>
-                      </a:solidFill>
-                      <a:prstDash val="solid"/>
-                      <a:round/>
-                      <a:headEnd type="none" w="med" len="med"/>
-                      <a:tailEnd type="none" w="med" len="med"/>
-                    </a:lnL>
-                    <a:lnR w="12700" cap="flat" cmpd="sng" algn="ctr">
-                      <a:solidFill>
-                        <a:schemeClr val="tx1"/>
-                      </a:solidFill>
-                      <a:prstDash val="solid"/>
-                      <a:round/>
-                      <a:headEnd type="none" w="med" len="med"/>
-                      <a:tailEnd type="none" w="med" len="med"/>
-                    </a:lnR>
-                    <a:lnT w="12700" cap="flat" cmpd="sng" algn="ctr">
-                      <a:solidFill>
-                        <a:schemeClr val="tx1"/>
-                      </a:solidFill>
-                      <a:prstDash val="solid"/>
-                      <a:round/>
-                      <a:headEnd type="none" w="med" len="med"/>
-                      <a:tailEnd type="none" w="med" len="med"/>
-                    </a:lnT>
-                    <a:lnB w="12700" cap="flat" cmpd="sng" algn="ctr">
-                      <a:solidFill>
-                        <a:schemeClr val="tx1"/>
-                      </a:solidFill>
-                      <a:prstDash val="solid"/>
-                      <a:round/>
-                      <a:headEnd type="none" w="med" len="med"/>
-                      <a:tailEnd type="none" w="med" len="med"/>
-                    </a:lnB>
-                  </a:tcPr>
-                </a:tc>
-                <a:extLst>
-                  <a:ext uri="{0D108BD9-81ED-4DB2-BD59-A6C34878D82A}">
-                    <a16:rowId xmlns:a16="http://schemas.microsoft.com/office/drawing/2014/main" val="2271061721"/>
-                  </a:ext>
-                </a:extLst>
-              </a:tr>
-              <a:tr h="335088">
-                <a:tc>
-                  <a:txBody>
-                    <a:bodyPr/>
-                    <a:lstStyle/>
-                    <a:p>
-                      <a:pPr algn="ctr">
-                        <a:spcAft>
-                          <a:spcPts val="0"/>
-                        </a:spcAft>
-                      </a:pPr>
-                      <a:r>
-                        <a:rPr lang="ja-JP" sz="1600" kern="100" dirty="0">
-                          <a:effectLst/>
-                          <a:latin typeface="Century" panose="02040604050505020304" pitchFamily="18" charset="0"/>
-                          <a:ea typeface="ＭＳ 明朝" panose="02020609040205080304" pitchFamily="17" charset="-128"/>
-                          <a:cs typeface="Times New Roman" panose="02020603050405020304" pitchFamily="18" charset="0"/>
-                        </a:rPr>
-                        <a:t>１</a:t>
-                      </a:r>
-                    </a:p>
-                  </a:txBody>
-                  <a:tcPr marL="51435" marR="51435" marT="0" marB="0">
-                    <a:lnL w="12700" cap="flat" cmpd="sng" algn="ctr">
-                      <a:solidFill>
-                        <a:schemeClr val="tx1"/>
-                      </a:solidFill>
-                      <a:prstDash val="solid"/>
-                      <a:round/>
-                      <a:headEnd type="none" w="med" len="med"/>
-                      <a:tailEnd type="none" w="med" len="med"/>
-                    </a:lnL>
-                    <a:lnR w="12700" cap="flat" cmpd="sng" algn="ctr">
-                      <a:solidFill>
-                        <a:schemeClr val="tx1"/>
-                      </a:solidFill>
-                      <a:prstDash val="solid"/>
-                      <a:round/>
-                      <a:headEnd type="none" w="med" len="med"/>
-                      <a:tailEnd type="none" w="med" len="med"/>
-                    </a:lnR>
-                    <a:lnT w="12700" cap="flat" cmpd="sng" algn="ctr">
-                      <a:solidFill>
-                        <a:schemeClr val="tx1"/>
-                      </a:solidFill>
-                      <a:prstDash val="solid"/>
-                      <a:round/>
-                      <a:headEnd type="none" w="med" len="med"/>
-                      <a:tailEnd type="none" w="med" len="med"/>
-                    </a:lnT>
-                    <a:lnB w="12700" cap="flat" cmpd="sng" algn="ctr">
-                      <a:solidFill>
-                        <a:schemeClr val="tx1"/>
-                      </a:solidFill>
-                      <a:prstDash val="solid"/>
-                      <a:round/>
-                      <a:headEnd type="none" w="med" len="med"/>
-                      <a:tailEnd type="none" w="med" len="med"/>
-                    </a:lnB>
-                  </a:tcPr>
-                </a:tc>
-                <a:tc>
-                  <a:txBody>
-                    <a:bodyPr/>
-                    <a:lstStyle/>
-                    <a:p>
-                      <a:pPr algn="just">
-                        <a:spcAft>
-                          <a:spcPts val="0"/>
-                        </a:spcAft>
-                      </a:pPr>
-                      <a:r>
-                        <a:rPr lang="ja-JP" sz="1600" kern="100" dirty="0">
-                          <a:effectLst/>
-                          <a:latin typeface="Century" panose="02040604050505020304" pitchFamily="18" charset="0"/>
-                          <a:ea typeface="ＭＳ 明朝" panose="02020609040205080304" pitchFamily="17" charset="-128"/>
-                          <a:cs typeface="Times New Roman" panose="02020603050405020304" pitchFamily="18" charset="0"/>
-                        </a:rPr>
-                        <a:t>正解となる解答が選択肢に入っている．</a:t>
-                      </a:r>
-                    </a:p>
-                  </a:txBody>
-                  <a:tcPr marL="51435" marR="51435" marT="0" marB="0">
-                    <a:lnL w="12700" cap="flat" cmpd="sng" algn="ctr">
-                      <a:solidFill>
-                        <a:schemeClr val="tx1"/>
-                      </a:solidFill>
-                      <a:prstDash val="solid"/>
-                      <a:round/>
-                      <a:headEnd type="none" w="med" len="med"/>
-                      <a:tailEnd type="none" w="med" len="med"/>
-                    </a:lnL>
-                    <a:lnR w="12700" cap="flat" cmpd="sng" algn="ctr">
-                      <a:solidFill>
-                        <a:schemeClr val="tx1"/>
-                      </a:solidFill>
-                      <a:prstDash val="solid"/>
-                      <a:round/>
-                      <a:headEnd type="none" w="med" len="med"/>
-                      <a:tailEnd type="none" w="med" len="med"/>
-                    </a:lnR>
-                    <a:lnT w="12700" cap="flat" cmpd="sng" algn="ctr">
-                      <a:solidFill>
-                        <a:schemeClr val="tx1"/>
-                      </a:solidFill>
-                      <a:prstDash val="solid"/>
-                      <a:round/>
-                      <a:headEnd type="none" w="med" len="med"/>
-                      <a:tailEnd type="none" w="med" len="med"/>
-                    </a:lnT>
-                    <a:lnB w="12700" cap="flat" cmpd="sng" algn="ctr">
-                      <a:solidFill>
-                        <a:schemeClr val="tx1"/>
-                      </a:solidFill>
-                      <a:prstDash val="solid"/>
-                      <a:round/>
-                      <a:headEnd type="none" w="med" len="med"/>
-                      <a:tailEnd type="none" w="med" len="med"/>
-                    </a:lnB>
-                  </a:tcPr>
-                </a:tc>
-                <a:tc>
-                  <a:txBody>
-                    <a:bodyPr/>
-                    <a:lstStyle/>
-                    <a:p>
-                      <a:pPr algn="just">
-                        <a:spcAft>
-                          <a:spcPts val="0"/>
-                        </a:spcAft>
-                      </a:pPr>
-                      <a:r>
-                        <a:rPr lang="en-US" sz="1600" kern="100">
-                          <a:effectLst/>
-                          <a:latin typeface="Century" panose="02040604050505020304" pitchFamily="18" charset="0"/>
-                          <a:ea typeface="ＭＳ 明朝" panose="02020609040205080304" pitchFamily="17" charset="-128"/>
-                          <a:cs typeface="Times New Roman" panose="02020603050405020304" pitchFamily="18" charset="0"/>
-                        </a:rPr>
-                        <a:t>Yes / No</a:t>
-                      </a:r>
-                      <a:endParaRPr lang="ja-JP" sz="1600" kern="100">
-                        <a:effectLst/>
-                        <a:latin typeface="Century" panose="02040604050505020304" pitchFamily="18" charset="0"/>
-                        <a:ea typeface="ＭＳ 明朝" panose="02020609040205080304" pitchFamily="17" charset="-128"/>
-                        <a:cs typeface="Times New Roman" panose="02020603050405020304" pitchFamily="18" charset="0"/>
-                      </a:endParaRPr>
-                    </a:p>
-                  </a:txBody>
-                  <a:tcPr marL="51435" marR="51435" marT="0" marB="0">
-                    <a:lnL w="12700" cap="flat" cmpd="sng" algn="ctr">
-                      <a:solidFill>
-                        <a:schemeClr val="tx1"/>
-                      </a:solidFill>
-                      <a:prstDash val="solid"/>
-                      <a:round/>
-                      <a:headEnd type="none" w="med" len="med"/>
-                      <a:tailEnd type="none" w="med" len="med"/>
-                    </a:lnL>
-                    <a:lnR w="12700" cap="flat" cmpd="sng" algn="ctr">
-                      <a:solidFill>
-                        <a:schemeClr val="tx1"/>
-                      </a:solidFill>
-                      <a:prstDash val="solid"/>
-                      <a:round/>
-                      <a:headEnd type="none" w="med" len="med"/>
-                      <a:tailEnd type="none" w="med" len="med"/>
-                    </a:lnR>
-                    <a:lnT w="12700" cap="flat" cmpd="sng" algn="ctr">
-                      <a:solidFill>
-                        <a:schemeClr val="tx1"/>
-                      </a:solidFill>
-                      <a:prstDash val="solid"/>
-                      <a:round/>
-                      <a:headEnd type="none" w="med" len="med"/>
-                      <a:tailEnd type="none" w="med" len="med"/>
-                    </a:lnT>
-                    <a:lnB w="12700" cap="flat" cmpd="sng" algn="ctr">
-                      <a:solidFill>
-                        <a:schemeClr val="tx1"/>
-                      </a:solidFill>
-                      <a:prstDash val="solid"/>
-                      <a:round/>
-                      <a:headEnd type="none" w="med" len="med"/>
-                      <a:tailEnd type="none" w="med" len="med"/>
-                    </a:lnB>
-                  </a:tcPr>
-                </a:tc>
-                <a:extLst>
-                  <a:ext uri="{0D108BD9-81ED-4DB2-BD59-A6C34878D82A}">
-                    <a16:rowId xmlns:a16="http://schemas.microsoft.com/office/drawing/2014/main" val="3341875207"/>
-                  </a:ext>
-                </a:extLst>
-              </a:tr>
-              <a:tr h="335088">
-                <a:tc>
-                  <a:txBody>
-                    <a:bodyPr/>
-                    <a:lstStyle/>
-                    <a:p>
-                      <a:pPr algn="ctr">
-                        <a:spcAft>
-                          <a:spcPts val="0"/>
-                        </a:spcAft>
-                      </a:pPr>
-                      <a:r>
-                        <a:rPr lang="ja-JP" sz="1600" kern="100">
-                          <a:effectLst/>
-                          <a:latin typeface="Century" panose="02040604050505020304" pitchFamily="18" charset="0"/>
-                          <a:ea typeface="ＭＳ 明朝" panose="02020609040205080304" pitchFamily="17" charset="-128"/>
-                          <a:cs typeface="Times New Roman" panose="02020603050405020304" pitchFamily="18" charset="0"/>
-                        </a:rPr>
-                        <a:t>２</a:t>
-                      </a:r>
-                    </a:p>
-                  </a:txBody>
-                  <a:tcPr marL="51435" marR="51435" marT="0" marB="0">
-                    <a:lnL w="12700" cap="flat" cmpd="sng" algn="ctr">
-                      <a:solidFill>
-                        <a:schemeClr val="tx1"/>
-                      </a:solidFill>
-                      <a:prstDash val="solid"/>
-                      <a:round/>
-                      <a:headEnd type="none" w="med" len="med"/>
-                      <a:tailEnd type="none" w="med" len="med"/>
-                    </a:lnL>
-                    <a:lnR w="12700" cap="flat" cmpd="sng" algn="ctr">
-                      <a:solidFill>
-                        <a:schemeClr val="tx1"/>
-                      </a:solidFill>
-                      <a:prstDash val="solid"/>
-                      <a:round/>
-                      <a:headEnd type="none" w="med" len="med"/>
-                      <a:tailEnd type="none" w="med" len="med"/>
-                    </a:lnR>
-                    <a:lnT w="12700" cap="flat" cmpd="sng" algn="ctr">
-                      <a:solidFill>
-                        <a:schemeClr val="tx1"/>
-                      </a:solidFill>
-                      <a:prstDash val="solid"/>
-                      <a:round/>
-                      <a:headEnd type="none" w="med" len="med"/>
-                      <a:tailEnd type="none" w="med" len="med"/>
-                    </a:lnT>
-                    <a:lnB w="12700" cap="flat" cmpd="sng" algn="ctr">
-                      <a:solidFill>
-                        <a:schemeClr val="tx1"/>
-                      </a:solidFill>
-                      <a:prstDash val="solid"/>
-                      <a:round/>
-                      <a:headEnd type="none" w="med" len="med"/>
-                      <a:tailEnd type="none" w="med" len="med"/>
-                    </a:lnB>
-                  </a:tcPr>
-                </a:tc>
-                <a:tc>
-                  <a:txBody>
-                    <a:bodyPr/>
-                    <a:lstStyle/>
-                    <a:p>
-                      <a:pPr algn="just">
-                        <a:spcAft>
-                          <a:spcPts val="0"/>
-                        </a:spcAft>
-                      </a:pPr>
-                      <a:r>
-                        <a:rPr lang="ja-JP" sz="1600" kern="100" dirty="0">
-                          <a:effectLst/>
-                          <a:latin typeface="Century" panose="02040604050505020304" pitchFamily="18" charset="0"/>
-                          <a:ea typeface="ＭＳ 明朝" panose="02020609040205080304" pitchFamily="17" charset="-128"/>
-                          <a:cs typeface="Times New Roman" panose="02020603050405020304" pitchFamily="18" charset="0"/>
-                        </a:rPr>
-                        <a:t>設問内で選択肢が複数かぶっていない．</a:t>
-                      </a:r>
-                    </a:p>
-                  </a:txBody>
-                  <a:tcPr marL="51435" marR="51435" marT="0" marB="0">
-                    <a:lnL w="12700" cap="flat" cmpd="sng" algn="ctr">
-                      <a:solidFill>
-                        <a:schemeClr val="tx1"/>
-                      </a:solidFill>
-                      <a:prstDash val="solid"/>
-                      <a:round/>
-                      <a:headEnd type="none" w="med" len="med"/>
-                      <a:tailEnd type="none" w="med" len="med"/>
-                    </a:lnL>
-                    <a:lnR w="12700" cap="flat" cmpd="sng" algn="ctr">
-                      <a:solidFill>
-                        <a:schemeClr val="tx1"/>
-                      </a:solidFill>
-                      <a:prstDash val="solid"/>
-                      <a:round/>
-                      <a:headEnd type="none" w="med" len="med"/>
-                      <a:tailEnd type="none" w="med" len="med"/>
-                    </a:lnR>
-                    <a:lnT w="12700" cap="flat" cmpd="sng" algn="ctr">
-                      <a:solidFill>
-                        <a:schemeClr val="tx1"/>
-                      </a:solidFill>
-                      <a:prstDash val="solid"/>
-                      <a:round/>
-                      <a:headEnd type="none" w="med" len="med"/>
-                      <a:tailEnd type="none" w="med" len="med"/>
-                    </a:lnT>
-                    <a:lnB w="12700" cap="flat" cmpd="sng" algn="ctr">
-                      <a:solidFill>
-                        <a:schemeClr val="tx1"/>
-                      </a:solidFill>
-                      <a:prstDash val="solid"/>
-                      <a:round/>
-                      <a:headEnd type="none" w="med" len="med"/>
-                      <a:tailEnd type="none" w="med" len="med"/>
-                    </a:lnB>
-                  </a:tcPr>
-                </a:tc>
-                <a:tc>
-                  <a:txBody>
-                    <a:bodyPr/>
-                    <a:lstStyle/>
-                    <a:p>
-                      <a:pPr algn="just">
-                        <a:spcAft>
-                          <a:spcPts val="0"/>
-                        </a:spcAft>
-                      </a:pPr>
-                      <a:r>
-                        <a:rPr lang="en-US" sz="1600" kern="100">
-                          <a:effectLst/>
-                          <a:latin typeface="Century" panose="02040604050505020304" pitchFamily="18" charset="0"/>
-                          <a:ea typeface="ＭＳ 明朝" panose="02020609040205080304" pitchFamily="17" charset="-128"/>
-                          <a:cs typeface="Times New Roman" panose="02020603050405020304" pitchFamily="18" charset="0"/>
-                        </a:rPr>
-                        <a:t>Yes / No</a:t>
-                      </a:r>
-                      <a:endParaRPr lang="ja-JP" sz="1600" kern="100">
-                        <a:effectLst/>
-                        <a:latin typeface="Century" panose="02040604050505020304" pitchFamily="18" charset="0"/>
-                        <a:ea typeface="ＭＳ 明朝" panose="02020609040205080304" pitchFamily="17" charset="-128"/>
-                        <a:cs typeface="Times New Roman" panose="02020603050405020304" pitchFamily="18" charset="0"/>
-                      </a:endParaRPr>
-                    </a:p>
-                  </a:txBody>
-                  <a:tcPr marL="51435" marR="51435" marT="0" marB="0">
-                    <a:lnL w="12700" cap="flat" cmpd="sng" algn="ctr">
-                      <a:solidFill>
-                        <a:schemeClr val="tx1"/>
-                      </a:solidFill>
-                      <a:prstDash val="solid"/>
-                      <a:round/>
-                      <a:headEnd type="none" w="med" len="med"/>
-                      <a:tailEnd type="none" w="med" len="med"/>
-                    </a:lnL>
-                    <a:lnR w="12700" cap="flat" cmpd="sng" algn="ctr">
-                      <a:solidFill>
-                        <a:schemeClr val="tx1"/>
-                      </a:solidFill>
-                      <a:prstDash val="solid"/>
-                      <a:round/>
-                      <a:headEnd type="none" w="med" len="med"/>
-                      <a:tailEnd type="none" w="med" len="med"/>
-                    </a:lnR>
-                    <a:lnT w="12700" cap="flat" cmpd="sng" algn="ctr">
-                      <a:solidFill>
-                        <a:schemeClr val="tx1"/>
-                      </a:solidFill>
-                      <a:prstDash val="solid"/>
-                      <a:round/>
-                      <a:headEnd type="none" w="med" len="med"/>
-                      <a:tailEnd type="none" w="med" len="med"/>
-                    </a:lnT>
-                    <a:lnB w="12700" cap="flat" cmpd="sng" algn="ctr">
-                      <a:solidFill>
-                        <a:schemeClr val="tx1"/>
-                      </a:solidFill>
-                      <a:prstDash val="solid"/>
-                      <a:round/>
-                      <a:headEnd type="none" w="med" len="med"/>
-                      <a:tailEnd type="none" w="med" len="med"/>
-                    </a:lnB>
-                  </a:tcPr>
-                </a:tc>
-                <a:extLst>
-                  <a:ext uri="{0D108BD9-81ED-4DB2-BD59-A6C34878D82A}">
-                    <a16:rowId xmlns:a16="http://schemas.microsoft.com/office/drawing/2014/main" val="1736768437"/>
-                  </a:ext>
-                </a:extLst>
-              </a:tr>
-              <a:tr h="335088">
-                <a:tc>
-                  <a:txBody>
-                    <a:bodyPr/>
-                    <a:lstStyle/>
-                    <a:p>
-                      <a:pPr algn="ctr">
-                        <a:spcAft>
-                          <a:spcPts val="0"/>
-                        </a:spcAft>
-                      </a:pPr>
-                      <a:r>
-                        <a:rPr lang="ja-JP" sz="1600" kern="100">
-                          <a:effectLst/>
-                          <a:latin typeface="Century" panose="02040604050505020304" pitchFamily="18" charset="0"/>
-                          <a:ea typeface="ＭＳ 明朝" panose="02020609040205080304" pitchFamily="17" charset="-128"/>
-                          <a:cs typeface="Times New Roman" panose="02020603050405020304" pitchFamily="18" charset="0"/>
-                        </a:rPr>
-                        <a:t>３</a:t>
-                      </a:r>
-                    </a:p>
-                  </a:txBody>
-                  <a:tcPr marL="51435" marR="51435" marT="0" marB="0">
-                    <a:lnL w="12700" cap="flat" cmpd="sng" algn="ctr">
-                      <a:solidFill>
-                        <a:schemeClr val="tx1"/>
-                      </a:solidFill>
-                      <a:prstDash val="solid"/>
-                      <a:round/>
-                      <a:headEnd type="none" w="med" len="med"/>
-                      <a:tailEnd type="none" w="med" len="med"/>
-                    </a:lnL>
-                    <a:lnR w="12700" cap="flat" cmpd="sng" algn="ctr">
-                      <a:solidFill>
-                        <a:schemeClr val="tx1"/>
-                      </a:solidFill>
-                      <a:prstDash val="solid"/>
-                      <a:round/>
-                      <a:headEnd type="none" w="med" len="med"/>
-                      <a:tailEnd type="none" w="med" len="med"/>
-                    </a:lnR>
-                    <a:lnT w="12700" cap="flat" cmpd="sng" algn="ctr">
-                      <a:solidFill>
-                        <a:schemeClr val="tx1"/>
-                      </a:solidFill>
-                      <a:prstDash val="solid"/>
-                      <a:round/>
-                      <a:headEnd type="none" w="med" len="med"/>
-                      <a:tailEnd type="none" w="med" len="med"/>
-                    </a:lnT>
-                    <a:lnB w="12700" cap="flat" cmpd="sng" algn="ctr">
-                      <a:solidFill>
-                        <a:schemeClr val="tx1"/>
-                      </a:solidFill>
-                      <a:prstDash val="solid"/>
-                      <a:round/>
-                      <a:headEnd type="none" w="med" len="med"/>
-                      <a:tailEnd type="none" w="med" len="med"/>
-                    </a:lnB>
-                  </a:tcPr>
-                </a:tc>
-                <a:tc>
-                  <a:txBody>
-                    <a:bodyPr/>
-                    <a:lstStyle/>
-                    <a:p>
-                      <a:pPr algn="just">
-                        <a:spcAft>
-                          <a:spcPts val="0"/>
-                        </a:spcAft>
-                      </a:pPr>
-                      <a:r>
-                        <a:rPr lang="ja-JP" sz="1600" kern="100" dirty="0">
-                          <a:effectLst/>
-                          <a:latin typeface="Century" panose="02040604050505020304" pitchFamily="18" charset="0"/>
-                          <a:ea typeface="ＭＳ 明朝" panose="02020609040205080304" pitchFamily="17" charset="-128"/>
-                          <a:cs typeface="Times New Roman" panose="02020603050405020304" pitchFamily="18" charset="0"/>
-                        </a:rPr>
-                        <a:t>ブロックプログラミングより解答が推測できる．</a:t>
-                      </a:r>
-                    </a:p>
-                  </a:txBody>
-                  <a:tcPr marL="51435" marR="51435" marT="0" marB="0">
-                    <a:lnL w="12700" cap="flat" cmpd="sng" algn="ctr">
-                      <a:solidFill>
-                        <a:schemeClr val="tx1"/>
-                      </a:solidFill>
-                      <a:prstDash val="solid"/>
-                      <a:round/>
-                      <a:headEnd type="none" w="med" len="med"/>
-                      <a:tailEnd type="none" w="med" len="med"/>
-                    </a:lnL>
-                    <a:lnR w="12700" cap="flat" cmpd="sng" algn="ctr">
-                      <a:solidFill>
-                        <a:schemeClr val="tx1"/>
-                      </a:solidFill>
-                      <a:prstDash val="solid"/>
-                      <a:round/>
-                      <a:headEnd type="none" w="med" len="med"/>
-                      <a:tailEnd type="none" w="med" len="med"/>
-                    </a:lnR>
-                    <a:lnT w="12700" cap="flat" cmpd="sng" algn="ctr">
-                      <a:solidFill>
-                        <a:schemeClr val="tx1"/>
-                      </a:solidFill>
-                      <a:prstDash val="solid"/>
-                      <a:round/>
-                      <a:headEnd type="none" w="med" len="med"/>
-                      <a:tailEnd type="none" w="med" len="med"/>
-                    </a:lnT>
-                    <a:lnB w="12700" cap="flat" cmpd="sng" algn="ctr">
-                      <a:solidFill>
-                        <a:schemeClr val="tx1"/>
-                      </a:solidFill>
-                      <a:prstDash val="solid"/>
-                      <a:round/>
-                      <a:headEnd type="none" w="med" len="med"/>
-                      <a:tailEnd type="none" w="med" len="med"/>
-                    </a:lnB>
-                  </a:tcPr>
-                </a:tc>
-                <a:tc>
-                  <a:txBody>
-                    <a:bodyPr/>
-                    <a:lstStyle/>
-                    <a:p>
-                      <a:pPr algn="just">
-                        <a:spcAft>
-                          <a:spcPts val="0"/>
-                        </a:spcAft>
-                      </a:pPr>
-                      <a:r>
-                        <a:rPr lang="en-US" sz="1600" kern="100">
-                          <a:effectLst/>
-                          <a:latin typeface="Century" panose="02040604050505020304" pitchFamily="18" charset="0"/>
-                          <a:ea typeface="ＭＳ 明朝" panose="02020609040205080304" pitchFamily="17" charset="-128"/>
-                          <a:cs typeface="Times New Roman" panose="02020603050405020304" pitchFamily="18" charset="0"/>
-                        </a:rPr>
-                        <a:t>Yes / No</a:t>
-                      </a:r>
-                      <a:endParaRPr lang="ja-JP" sz="1600" kern="100">
-                        <a:effectLst/>
-                        <a:latin typeface="Century" panose="02040604050505020304" pitchFamily="18" charset="0"/>
-                        <a:ea typeface="ＭＳ 明朝" panose="02020609040205080304" pitchFamily="17" charset="-128"/>
-                        <a:cs typeface="Times New Roman" panose="02020603050405020304" pitchFamily="18" charset="0"/>
-                      </a:endParaRPr>
-                    </a:p>
-                  </a:txBody>
-                  <a:tcPr marL="51435" marR="51435" marT="0" marB="0">
-                    <a:lnL w="12700" cap="flat" cmpd="sng" algn="ctr">
-                      <a:solidFill>
-                        <a:schemeClr val="tx1"/>
-                      </a:solidFill>
-                      <a:prstDash val="solid"/>
-                      <a:round/>
-                      <a:headEnd type="none" w="med" len="med"/>
-                      <a:tailEnd type="none" w="med" len="med"/>
-                    </a:lnL>
-                    <a:lnR w="12700" cap="flat" cmpd="sng" algn="ctr">
-                      <a:solidFill>
-                        <a:schemeClr val="tx1"/>
-                      </a:solidFill>
-                      <a:prstDash val="solid"/>
-                      <a:round/>
-                      <a:headEnd type="none" w="med" len="med"/>
-                      <a:tailEnd type="none" w="med" len="med"/>
-                    </a:lnR>
-                    <a:lnT w="12700" cap="flat" cmpd="sng" algn="ctr">
-                      <a:solidFill>
-                        <a:schemeClr val="tx1"/>
-                      </a:solidFill>
-                      <a:prstDash val="solid"/>
-                      <a:round/>
-                      <a:headEnd type="none" w="med" len="med"/>
-                      <a:tailEnd type="none" w="med" len="med"/>
-                    </a:lnT>
-                    <a:lnB w="12700" cap="flat" cmpd="sng" algn="ctr">
-                      <a:solidFill>
-                        <a:schemeClr val="tx1"/>
-                      </a:solidFill>
-                      <a:prstDash val="solid"/>
-                      <a:round/>
-                      <a:headEnd type="none" w="med" len="med"/>
-                      <a:tailEnd type="none" w="med" len="med"/>
-                    </a:lnB>
-                  </a:tcPr>
-                </a:tc>
-                <a:extLst>
-                  <a:ext uri="{0D108BD9-81ED-4DB2-BD59-A6C34878D82A}">
-                    <a16:rowId xmlns:a16="http://schemas.microsoft.com/office/drawing/2014/main" val="159386025"/>
-                  </a:ext>
-                </a:extLst>
-              </a:tr>
-              <a:tr h="707215">
-                <a:tc>
-                  <a:txBody>
-                    <a:bodyPr/>
-                    <a:lstStyle/>
-                    <a:p>
-                      <a:pPr algn="ctr">
-                        <a:spcAft>
-                          <a:spcPts val="0"/>
-                        </a:spcAft>
-                      </a:pPr>
-                      <a:r>
-                        <a:rPr lang="ja-JP" sz="1600" kern="100">
-                          <a:effectLst/>
-                          <a:latin typeface="Century" panose="02040604050505020304" pitchFamily="18" charset="0"/>
-                          <a:ea typeface="ＭＳ 明朝" panose="02020609040205080304" pitchFamily="17" charset="-128"/>
-                          <a:cs typeface="Times New Roman" panose="02020603050405020304" pitchFamily="18" charset="0"/>
-                        </a:rPr>
-                        <a:t>４</a:t>
-                      </a:r>
-                    </a:p>
-                  </a:txBody>
-                  <a:tcPr marL="51435" marR="51435" marT="0" marB="0">
-                    <a:lnL w="12700" cap="flat" cmpd="sng" algn="ctr">
-                      <a:solidFill>
-                        <a:schemeClr val="tx1"/>
-                      </a:solidFill>
-                      <a:prstDash val="solid"/>
-                      <a:round/>
-                      <a:headEnd type="none" w="med" len="med"/>
-                      <a:tailEnd type="none" w="med" len="med"/>
-                    </a:lnL>
-                    <a:lnR w="12700" cap="flat" cmpd="sng" algn="ctr">
-                      <a:solidFill>
-                        <a:schemeClr val="tx1"/>
-                      </a:solidFill>
-                      <a:prstDash val="solid"/>
-                      <a:round/>
-                      <a:headEnd type="none" w="med" len="med"/>
-                      <a:tailEnd type="none" w="med" len="med"/>
-                    </a:lnR>
-                    <a:lnT w="12700" cap="flat" cmpd="sng" algn="ctr">
-                      <a:solidFill>
-                        <a:schemeClr val="tx1"/>
-                      </a:solidFill>
-                      <a:prstDash val="solid"/>
-                      <a:round/>
-                      <a:headEnd type="none" w="med" len="med"/>
-                      <a:tailEnd type="none" w="med" len="med"/>
-                    </a:lnT>
-                    <a:lnB w="12700" cap="flat" cmpd="sng" algn="ctr">
-                      <a:solidFill>
-                        <a:schemeClr val="tx1"/>
-                      </a:solidFill>
-                      <a:prstDash val="solid"/>
-                      <a:round/>
-                      <a:headEnd type="none" w="med" len="med"/>
-                      <a:tailEnd type="none" w="med" len="med"/>
-                    </a:lnB>
-                  </a:tcPr>
-                </a:tc>
-                <a:tc>
-                  <a:txBody>
-                    <a:bodyPr/>
-                    <a:lstStyle/>
-                    <a:p>
-                      <a:pPr algn="just">
-                        <a:spcAft>
-                          <a:spcPts val="0"/>
-                        </a:spcAft>
-                      </a:pPr>
-                      <a:r>
-                        <a:rPr lang="ja-JP" sz="1600" kern="100" dirty="0">
-                          <a:effectLst/>
-                          <a:latin typeface="Century" panose="02040604050505020304" pitchFamily="18" charset="0"/>
-                          <a:ea typeface="ＭＳ 明朝" panose="02020609040205080304" pitchFamily="17" charset="-128"/>
-                          <a:cs typeface="Times New Roman" panose="02020603050405020304" pitchFamily="18" charset="0"/>
-                        </a:rPr>
-                        <a:t>出題内容の</a:t>
-                      </a:r>
-                      <a:r>
-                        <a:rPr lang="ja-JP" sz="1600" kern="100" dirty="0" smtClean="0">
-                          <a:effectLst/>
-                          <a:latin typeface="Century" panose="02040604050505020304" pitchFamily="18" charset="0"/>
-                          <a:ea typeface="ＭＳ 明朝" panose="02020609040205080304" pitchFamily="17" charset="-128"/>
-                          <a:cs typeface="Times New Roman" panose="02020603050405020304" pitchFamily="18" charset="0"/>
-                        </a:rPr>
-                        <a:t>種類</a:t>
-                      </a:r>
-                      <a:r>
-                        <a:rPr lang="ja-JP" altLang="en-US" sz="1600" kern="100" dirty="0" smtClean="0">
-                          <a:effectLst/>
-                          <a:latin typeface="Century" panose="02040604050505020304" pitchFamily="18" charset="0"/>
-                          <a:ea typeface="ＭＳ 明朝" panose="02020609040205080304" pitchFamily="17" charset="-128"/>
-                          <a:cs typeface="Times New Roman" panose="02020603050405020304" pitchFamily="18" charset="0"/>
-                        </a:rPr>
-                        <a:t>．</a:t>
-                      </a:r>
-                      <a:endParaRPr lang="ja-JP" sz="1600" kern="100" dirty="0">
-                        <a:effectLst/>
-                        <a:latin typeface="Century" panose="02040604050505020304" pitchFamily="18" charset="0"/>
-                        <a:ea typeface="ＭＳ 明朝" panose="02020609040205080304" pitchFamily="17" charset="-128"/>
-                        <a:cs typeface="Times New Roman" panose="02020603050405020304" pitchFamily="18" charset="0"/>
-                      </a:endParaRPr>
-                    </a:p>
-                  </a:txBody>
-                  <a:tcPr marL="51435" marR="51435" marT="0" marB="0">
-                    <a:lnL w="12700" cap="flat" cmpd="sng" algn="ctr">
-                      <a:solidFill>
-                        <a:schemeClr val="tx1"/>
-                      </a:solidFill>
-                      <a:prstDash val="solid"/>
-                      <a:round/>
-                      <a:headEnd type="none" w="med" len="med"/>
-                      <a:tailEnd type="none" w="med" len="med"/>
-                    </a:lnL>
-                    <a:lnR w="12700" cap="flat" cmpd="sng" algn="ctr">
-                      <a:solidFill>
-                        <a:schemeClr val="tx1"/>
-                      </a:solidFill>
-                      <a:prstDash val="solid"/>
-                      <a:round/>
-                      <a:headEnd type="none" w="med" len="med"/>
-                      <a:tailEnd type="none" w="med" len="med"/>
-                    </a:lnR>
-                    <a:lnT w="12700" cap="flat" cmpd="sng" algn="ctr">
-                      <a:solidFill>
-                        <a:schemeClr val="tx1"/>
-                      </a:solidFill>
-                      <a:prstDash val="solid"/>
-                      <a:round/>
-                      <a:headEnd type="none" w="med" len="med"/>
-                      <a:tailEnd type="none" w="med" len="med"/>
-                    </a:lnT>
-                    <a:lnB w="12700" cap="flat" cmpd="sng" algn="ctr">
-                      <a:solidFill>
-                        <a:schemeClr val="tx1"/>
-                      </a:solidFill>
-                      <a:prstDash val="solid"/>
-                      <a:round/>
-                      <a:headEnd type="none" w="med" len="med"/>
-                      <a:tailEnd type="none" w="med" len="med"/>
-                    </a:lnB>
-                  </a:tcPr>
-                </a:tc>
-                <a:tc>
-                  <a:txBody>
-                    <a:bodyPr/>
-                    <a:lstStyle/>
-                    <a:p>
-                      <a:pPr algn="just">
-                        <a:spcAft>
-                          <a:spcPts val="0"/>
-                        </a:spcAft>
-                      </a:pPr>
-                      <a:r>
-                        <a:rPr lang="ja-JP" sz="1600" kern="100" dirty="0">
-                          <a:effectLst/>
-                          <a:latin typeface="Century" panose="02040604050505020304" pitchFamily="18" charset="0"/>
-                          <a:ea typeface="ＭＳ 明朝" panose="02020609040205080304" pitchFamily="17" charset="-128"/>
-                          <a:cs typeface="Times New Roman" panose="02020603050405020304" pitchFamily="18" charset="0"/>
-                        </a:rPr>
-                        <a:t>（予約語，不等号</a:t>
-                      </a:r>
-                      <a:r>
-                        <a:rPr lang="ja-JP" sz="1600" kern="100" dirty="0" smtClean="0">
-                          <a:effectLst/>
-                          <a:latin typeface="Century" panose="02040604050505020304" pitchFamily="18" charset="0"/>
-                          <a:ea typeface="ＭＳ 明朝" panose="02020609040205080304" pitchFamily="17" charset="-128"/>
-                          <a:cs typeface="Times New Roman" panose="02020603050405020304" pitchFamily="18" charset="0"/>
-                        </a:rPr>
-                        <a:t>，</a:t>
-                      </a:r>
-                      <a:endParaRPr lang="en-US" altLang="ja-JP" sz="1600" kern="100" dirty="0" smtClean="0">
-                        <a:effectLst/>
-                        <a:latin typeface="Century" panose="02040604050505020304" pitchFamily="18" charset="0"/>
-                        <a:ea typeface="ＭＳ 明朝" panose="02020609040205080304" pitchFamily="17" charset="-128"/>
-                        <a:cs typeface="Times New Roman" panose="02020603050405020304" pitchFamily="18" charset="0"/>
-                      </a:endParaRPr>
-                    </a:p>
-                    <a:p>
-                      <a:pPr algn="just">
-                        <a:spcAft>
-                          <a:spcPts val="0"/>
-                        </a:spcAft>
-                      </a:pPr>
-                      <a:r>
-                        <a:rPr lang="ja-JP" sz="1600" kern="100" dirty="0" smtClean="0">
-                          <a:effectLst/>
-                          <a:latin typeface="Century" panose="02040604050505020304" pitchFamily="18" charset="0"/>
-                          <a:ea typeface="ＭＳ 明朝" panose="02020609040205080304" pitchFamily="17" charset="-128"/>
-                          <a:cs typeface="Times New Roman" panose="02020603050405020304" pitchFamily="18" charset="0"/>
-                        </a:rPr>
-                        <a:t>四則</a:t>
-                      </a:r>
-                      <a:r>
-                        <a:rPr lang="ja-JP" sz="1600" kern="100" dirty="0">
-                          <a:effectLst/>
-                          <a:latin typeface="Century" panose="02040604050505020304" pitchFamily="18" charset="0"/>
-                          <a:ea typeface="ＭＳ 明朝" panose="02020609040205080304" pitchFamily="17" charset="-128"/>
-                          <a:cs typeface="Times New Roman" panose="02020603050405020304" pitchFamily="18" charset="0"/>
-                        </a:rPr>
-                        <a:t>演算， </a:t>
-                      </a:r>
-                      <a:r>
-                        <a:rPr lang="ja-JP" sz="1600" kern="100" dirty="0" smtClean="0">
-                          <a:effectLst/>
-                          <a:latin typeface="Century" panose="02040604050505020304" pitchFamily="18" charset="0"/>
-                          <a:ea typeface="ＭＳ 明朝" panose="02020609040205080304" pitchFamily="17" charset="-128"/>
-                          <a:cs typeface="Times New Roman" panose="02020603050405020304" pitchFamily="18" charset="0"/>
-                        </a:rPr>
-                        <a:t>特殊</a:t>
-                      </a:r>
-                      <a:r>
-                        <a:rPr lang="ja-JP" sz="1600" kern="100" dirty="0">
-                          <a:effectLst/>
-                          <a:latin typeface="Century" panose="02040604050505020304" pitchFamily="18" charset="0"/>
-                          <a:ea typeface="ＭＳ 明朝" panose="02020609040205080304" pitchFamily="17" charset="-128"/>
-                          <a:cs typeface="Times New Roman" panose="02020603050405020304" pitchFamily="18" charset="0"/>
-                        </a:rPr>
-                        <a:t>記号）</a:t>
-                      </a:r>
-                    </a:p>
-                  </a:txBody>
-                  <a:tcPr marL="51435" marR="51435" marT="0" marB="0">
-                    <a:lnL w="12700" cap="flat" cmpd="sng" algn="ctr">
-                      <a:solidFill>
-                        <a:schemeClr val="tx1"/>
-                      </a:solidFill>
-                      <a:prstDash val="solid"/>
-                      <a:round/>
-                      <a:headEnd type="none" w="med" len="med"/>
-                      <a:tailEnd type="none" w="med" len="med"/>
-                    </a:lnL>
-                    <a:lnR w="12700" cap="flat" cmpd="sng" algn="ctr">
-                      <a:solidFill>
-                        <a:schemeClr val="tx1"/>
-                      </a:solidFill>
-                      <a:prstDash val="solid"/>
-                      <a:round/>
-                      <a:headEnd type="none" w="med" len="med"/>
-                      <a:tailEnd type="none" w="med" len="med"/>
-                    </a:lnR>
-                    <a:lnT w="12700" cap="flat" cmpd="sng" algn="ctr">
-                      <a:solidFill>
-                        <a:schemeClr val="tx1"/>
-                      </a:solidFill>
-                      <a:prstDash val="solid"/>
-                      <a:round/>
-                      <a:headEnd type="none" w="med" len="med"/>
-                      <a:tailEnd type="none" w="med" len="med"/>
-                    </a:lnT>
-                    <a:lnB w="12700" cap="flat" cmpd="sng" algn="ctr">
-                      <a:solidFill>
-                        <a:schemeClr val="tx1"/>
-                      </a:solidFill>
-                      <a:prstDash val="solid"/>
-                      <a:round/>
-                      <a:headEnd type="none" w="med" len="med"/>
-                      <a:tailEnd type="none" w="med" len="med"/>
-                    </a:lnB>
-                  </a:tcPr>
-                </a:tc>
-                <a:extLst>
-                  <a:ext uri="{0D108BD9-81ED-4DB2-BD59-A6C34878D82A}">
-                    <a16:rowId xmlns:a16="http://schemas.microsoft.com/office/drawing/2014/main" val="43454857"/>
-                  </a:ext>
-                </a:extLst>
-              </a:tr>
-              <a:tr h="335088">
-                <a:tc>
-                  <a:txBody>
-                    <a:bodyPr/>
-                    <a:lstStyle/>
-                    <a:p>
-                      <a:pPr algn="ctr">
-                        <a:spcAft>
-                          <a:spcPts val="0"/>
-                        </a:spcAft>
-                      </a:pPr>
-                      <a:r>
-                        <a:rPr lang="ja-JP" sz="1600" kern="100">
-                          <a:effectLst/>
-                          <a:latin typeface="Century" panose="02040604050505020304" pitchFamily="18" charset="0"/>
-                          <a:ea typeface="ＭＳ 明朝" panose="02020609040205080304" pitchFamily="17" charset="-128"/>
-                          <a:cs typeface="Times New Roman" panose="02020603050405020304" pitchFamily="18" charset="0"/>
-                        </a:rPr>
-                        <a:t>５</a:t>
-                      </a:r>
-                    </a:p>
-                  </a:txBody>
-                  <a:tcPr marL="51435" marR="51435" marT="0" marB="0">
-                    <a:lnL w="12700" cap="flat" cmpd="sng" algn="ctr">
-                      <a:solidFill>
-                        <a:schemeClr val="tx1"/>
-                      </a:solidFill>
-                      <a:prstDash val="solid"/>
-                      <a:round/>
-                      <a:headEnd type="none" w="med" len="med"/>
-                      <a:tailEnd type="none" w="med" len="med"/>
-                    </a:lnL>
-                    <a:lnR w="12700" cap="flat" cmpd="sng" algn="ctr">
-                      <a:solidFill>
-                        <a:schemeClr val="tx1"/>
-                      </a:solidFill>
-                      <a:prstDash val="solid"/>
-                      <a:round/>
-                      <a:headEnd type="none" w="med" len="med"/>
-                      <a:tailEnd type="none" w="med" len="med"/>
-                    </a:lnR>
-                    <a:lnT w="12700" cap="flat" cmpd="sng" algn="ctr">
-                      <a:solidFill>
-                        <a:schemeClr val="tx1"/>
-                      </a:solidFill>
-                      <a:prstDash val="solid"/>
-                      <a:round/>
-                      <a:headEnd type="none" w="med" len="med"/>
-                      <a:tailEnd type="none" w="med" len="med"/>
-                    </a:lnT>
-                    <a:lnB w="12700" cap="flat" cmpd="sng" algn="ctr">
-                      <a:solidFill>
-                        <a:schemeClr val="tx1"/>
-                      </a:solidFill>
-                      <a:prstDash val="solid"/>
-                      <a:round/>
-                      <a:headEnd type="none" w="med" len="med"/>
-                      <a:tailEnd type="none" w="med" len="med"/>
-                    </a:lnB>
-                  </a:tcPr>
-                </a:tc>
-                <a:tc>
-                  <a:txBody>
-                    <a:bodyPr/>
-                    <a:lstStyle/>
-                    <a:p>
-                      <a:pPr algn="just">
-                        <a:spcAft>
-                          <a:spcPts val="0"/>
-                        </a:spcAft>
-                      </a:pPr>
-                      <a:r>
-                        <a:rPr lang="ja-JP" sz="1600" kern="100" dirty="0">
-                          <a:effectLst/>
-                          <a:latin typeface="Century" panose="02040604050505020304" pitchFamily="18" charset="0"/>
-                          <a:ea typeface="ＭＳ 明朝" panose="02020609040205080304" pitchFamily="17" charset="-128"/>
-                          <a:cs typeface="Times New Roman" panose="02020603050405020304" pitchFamily="18" charset="0"/>
-                        </a:rPr>
-                        <a:t>選択肢のみから正解が推測できない． </a:t>
-                      </a:r>
-                    </a:p>
-                  </a:txBody>
-                  <a:tcPr marL="51435" marR="51435" marT="0" marB="0">
-                    <a:lnL w="12700" cap="flat" cmpd="sng" algn="ctr">
-                      <a:solidFill>
-                        <a:schemeClr val="tx1"/>
-                      </a:solidFill>
-                      <a:prstDash val="solid"/>
-                      <a:round/>
-                      <a:headEnd type="none" w="med" len="med"/>
-                      <a:tailEnd type="none" w="med" len="med"/>
-                    </a:lnL>
-                    <a:lnR w="12700" cap="flat" cmpd="sng" algn="ctr">
-                      <a:solidFill>
-                        <a:schemeClr val="tx1"/>
-                      </a:solidFill>
-                      <a:prstDash val="solid"/>
-                      <a:round/>
-                      <a:headEnd type="none" w="med" len="med"/>
-                      <a:tailEnd type="none" w="med" len="med"/>
-                    </a:lnR>
-                    <a:lnT w="12700" cap="flat" cmpd="sng" algn="ctr">
-                      <a:solidFill>
-                        <a:schemeClr val="tx1"/>
-                      </a:solidFill>
-                      <a:prstDash val="solid"/>
-                      <a:round/>
-                      <a:headEnd type="none" w="med" len="med"/>
-                      <a:tailEnd type="none" w="med" len="med"/>
-                    </a:lnT>
-                    <a:lnB w="12700" cap="flat" cmpd="sng" algn="ctr">
-                      <a:solidFill>
-                        <a:schemeClr val="tx1"/>
-                      </a:solidFill>
-                      <a:prstDash val="solid"/>
-                      <a:round/>
-                      <a:headEnd type="none" w="med" len="med"/>
-                      <a:tailEnd type="none" w="med" len="med"/>
-                    </a:lnB>
-                  </a:tcPr>
-                </a:tc>
-                <a:tc>
-                  <a:txBody>
-                    <a:bodyPr/>
-                    <a:lstStyle/>
-                    <a:p>
-                      <a:pPr algn="just">
-                        <a:spcAft>
-                          <a:spcPts val="0"/>
-                        </a:spcAft>
-                      </a:pPr>
-                      <a:r>
-                        <a:rPr lang="en-US" sz="1600" kern="100" dirty="0">
-                          <a:effectLst/>
-                          <a:latin typeface="Century" panose="02040604050505020304" pitchFamily="18" charset="0"/>
-                          <a:ea typeface="ＭＳ 明朝" panose="02020609040205080304" pitchFamily="17" charset="-128"/>
-                          <a:cs typeface="Times New Roman" panose="02020603050405020304" pitchFamily="18" charset="0"/>
-                        </a:rPr>
-                        <a:t>Yes / No</a:t>
-                      </a:r>
-                      <a:endParaRPr lang="ja-JP" sz="1600" kern="100" dirty="0">
-                        <a:effectLst/>
-                        <a:latin typeface="Century" panose="02040604050505020304" pitchFamily="18" charset="0"/>
-                        <a:ea typeface="ＭＳ 明朝" panose="02020609040205080304" pitchFamily="17" charset="-128"/>
-                        <a:cs typeface="Times New Roman" panose="02020603050405020304" pitchFamily="18" charset="0"/>
-                      </a:endParaRPr>
-                    </a:p>
-                  </a:txBody>
-                  <a:tcPr marL="51435" marR="51435" marT="0" marB="0">
-                    <a:lnL w="12700" cap="flat" cmpd="sng" algn="ctr">
-                      <a:solidFill>
-                        <a:schemeClr val="tx1"/>
-                      </a:solidFill>
-                      <a:prstDash val="solid"/>
-                      <a:round/>
-                      <a:headEnd type="none" w="med" len="med"/>
-                      <a:tailEnd type="none" w="med" len="med"/>
-                    </a:lnL>
-                    <a:lnR w="12700" cap="flat" cmpd="sng" algn="ctr">
-                      <a:solidFill>
-                        <a:schemeClr val="tx1"/>
-                      </a:solidFill>
-                      <a:prstDash val="solid"/>
-                      <a:round/>
-                      <a:headEnd type="none" w="med" len="med"/>
-                      <a:tailEnd type="none" w="med" len="med"/>
-                    </a:lnR>
-                    <a:lnT w="12700" cap="flat" cmpd="sng" algn="ctr">
-                      <a:solidFill>
-                        <a:schemeClr val="tx1"/>
-                      </a:solidFill>
-                      <a:prstDash val="solid"/>
-                      <a:round/>
-                      <a:headEnd type="none" w="med" len="med"/>
-                      <a:tailEnd type="none" w="med" len="med"/>
-                    </a:lnT>
-                    <a:lnB w="12700" cap="flat" cmpd="sng" algn="ctr">
-                      <a:solidFill>
-                        <a:schemeClr val="tx1"/>
-                      </a:solidFill>
-                      <a:prstDash val="solid"/>
-                      <a:round/>
-                      <a:headEnd type="none" w="med" len="med"/>
-                      <a:tailEnd type="none" w="med" len="med"/>
-                    </a:lnB>
-                  </a:tcPr>
-                </a:tc>
-                <a:extLst>
-                  <a:ext uri="{0D108BD9-81ED-4DB2-BD59-A6C34878D82A}">
-                    <a16:rowId xmlns:a16="http://schemas.microsoft.com/office/drawing/2014/main" val="3966839382"/>
-                  </a:ext>
-                </a:extLst>
-              </a:tr>
-            </a:tbl>
-          </a:graphicData>
-        </a:graphic>
-      </p:graphicFrame>
-      <p:sp>
-        <p:nvSpPr>
-          <p:cNvPr id="6" name="スライド番号プレースホルダー 5"/>
-          <p:cNvSpPr>
-            <a:spLocks noGrp="1"/>
-          </p:cNvSpPr>
-          <p:nvPr>
-            <p:ph type="sldNum" sz="quarter" idx="12"/>
-          </p:nvPr>
-        </p:nvSpPr>
-        <p:spPr/>
-        <p:txBody>
-          <a:bodyPr/>
-          <a:lstStyle/>
-          <a:p>
-            <a:fld id="{7A0C0510-5AD5-45F8-B3F1-46CC91AC00B1}" type="slidenum">
-              <a:rPr kumimoji="1" lang="ja-JP" altLang="en-US" smtClean="0"/>
-              <a:t>10</a:t>
-            </a:fld>
-            <a:endParaRPr kumimoji="1" lang="ja-JP" altLang="en-US"/>
-          </a:p>
-        </p:txBody>
-      </p:sp>
-    </p:spTree>
-    <p:extLst>
-      <p:ext uri="{BB962C8B-B14F-4D97-AF65-F5344CB8AC3E}">
-        <p14:creationId xmlns:p14="http://schemas.microsoft.com/office/powerpoint/2010/main" val="668627849"/>
-      </p:ext>
-    </p:extLst>
-  </p:cSld>
-  <p:clrMapOvr>
-    <a:masterClrMapping/>
-  </p:clrMapOvr>
-  <p:timing>
-    <p:tnLst>
-      <p:par>
-        <p:cTn id="1" dur="indefinite" restart="never" nodeType="tmRoot"/>
-      </p:par>
-    </p:tnLst>
-  </p:timing>
-</p:sld>
-</file>
-
-<file path=ppt/slides/slide11.xml><?xml version="1.0" encoding="utf-8"?>
-<p:sld xmlns:a="http://schemas.openxmlformats.org/drawingml/2006/main" xmlns:r="http://schemas.openxmlformats.org/officeDocument/2006/relationships" xmlns:p="http://schemas.openxmlformats.org/presentationml/2006/main">
-  <p:cSld>
-    <p:spTree>
-      <p:nvGrpSpPr>
-        <p:cNvPr id="1" name=""/>
-        <p:cNvGrpSpPr/>
-        <p:nvPr/>
-      </p:nvGrpSpPr>
-      <p:grpSpPr>
-        <a:xfrm>
-          <a:off x="0" y="0"/>
-          <a:ext cx="0" cy="0"/>
-          <a:chOff x="0" y="0"/>
-          <a:chExt cx="0" cy="0"/>
-        </a:xfrm>
-      </p:grpSpPr>
-      <p:sp>
-        <p:nvSpPr>
-          <p:cNvPr id="2" name="タイトル 1"/>
-          <p:cNvSpPr>
-            <a:spLocks noGrp="1"/>
-          </p:cNvSpPr>
-          <p:nvPr>
-            <p:ph type="title"/>
-          </p:nvPr>
-        </p:nvSpPr>
         <p:spPr>
           <a:xfrm>
             <a:off x="377799" y="470343"/>
@@ -6801,7 +5316,7 @@
           <a:p>
             <a:fld id="{7A0C0510-5AD5-45F8-B3F1-46CC91AC00B1}" type="slidenum">
               <a:rPr kumimoji="1" lang="ja-JP" altLang="en-US" smtClean="0"/>
-              <a:t>11</a:t>
+              <a:t>10</a:t>
             </a:fld>
             <a:endParaRPr kumimoji="1" lang="ja-JP" altLang="en-US"/>
           </a:p>
@@ -10425,28 +8940,28 @@
           <p:nvPr>
             <p:extLst>
               <p:ext uri="{D42A27DB-BD31-4B8C-83A1-F6EECF244321}">
-                <p14:modId xmlns:p14="http://schemas.microsoft.com/office/powerpoint/2010/main" val="661501263"/>
+                <p14:modId xmlns:p14="http://schemas.microsoft.com/office/powerpoint/2010/main" val="1116482672"/>
               </p:ext>
             </p:extLst>
           </p:nvPr>
         </p:nvGraphicFramePr>
         <p:xfrm>
-          <a:off x="4469258" y="223991"/>
-          <a:ext cx="4346854" cy="2397276"/>
+          <a:off x="4370311" y="314342"/>
+          <a:ext cx="4591906" cy="1950720"/>
         </p:xfrm>
         <a:graphic>
           <a:graphicData uri="http://schemas.openxmlformats.org/drawingml/2006/table">
             <a:tbl>
               <a:tblPr firstRow="1" firstCol="1" bandRow="1"/>
               <a:tblGrid>
-                <a:gridCol w="502410">
+                <a:gridCol w="530732">
                   <a:extLst>
                     <a:ext uri="{9D8B030D-6E8A-4147-A177-3AD203B41FA5}">
                       <a16:colId xmlns:a16="http://schemas.microsoft.com/office/drawing/2014/main" val="693776343"/>
                     </a:ext>
                   </a:extLst>
                 </a:gridCol>
-                <a:gridCol w="3844444">
+                <a:gridCol w="4061174">
                   <a:extLst>
                     <a:ext uri="{9D8B030D-6E8A-4147-A177-3AD203B41FA5}">
                       <a16:colId xmlns:a16="http://schemas.microsoft.com/office/drawing/2014/main" val="610107544"/>
@@ -10454,7 +8969,7 @@
                   </a:extLst>
                 </a:gridCol>
               </a:tblGrid>
-              <a:tr h="312509">
+              <a:tr h="231776">
                 <a:tc>
                   <a:txBody>
                     <a:bodyPr/>
@@ -10596,7 +9111,7 @@
                   </a:ext>
                 </a:extLst>
               </a:tr>
-              <a:tr h="312509">
+              <a:tr h="231776">
                 <a:tc>
                   <a:txBody>
                     <a:bodyPr/>
@@ -10723,7 +9238,7 @@
                   </a:ext>
                 </a:extLst>
               </a:tr>
-              <a:tr h="312509">
+              <a:tr h="231776">
                 <a:tc>
                   <a:txBody>
                     <a:bodyPr/>
@@ -10850,7 +9365,7 @@
                   </a:ext>
                 </a:extLst>
               </a:tr>
-              <a:tr h="454818">
+              <a:tr h="463552">
                 <a:tc>
                   <a:txBody>
                     <a:bodyPr/>
@@ -10977,7 +9492,7 @@
                   </a:ext>
                 </a:extLst>
               </a:tr>
-              <a:tr h="659560">
+              <a:tr h="473649">
                 <a:tc>
                   <a:txBody>
                     <a:bodyPr/>
@@ -11055,7 +9570,38 @@
                           <a:ea typeface="ＭＳ 明朝" panose="02020609040205080304" pitchFamily="17" charset="-128"/>
                           <a:cs typeface="Times New Roman" panose="02020603050405020304" pitchFamily="18" charset="0"/>
                         </a:rPr>
-                        <a:t>出題内容の種類</a:t>
+                        <a:t>出題内容の</a:t>
+                      </a:r>
+                      <a:r>
+                        <a:rPr lang="ja-JP" sz="1600" kern="100" dirty="0" smtClean="0">
+                          <a:effectLst/>
+                          <a:latin typeface="Century" panose="02040604050505020304" pitchFamily="18" charset="0"/>
+                          <a:ea typeface="ＭＳ 明朝" panose="02020609040205080304" pitchFamily="17" charset="-128"/>
+                          <a:cs typeface="Times New Roman" panose="02020603050405020304" pitchFamily="18" charset="0"/>
+                        </a:rPr>
+                        <a:t>種類</a:t>
+                      </a:r>
+                      <a:endParaRPr lang="en-US" altLang="ja-JP" sz="1600" kern="100" dirty="0" smtClean="0">
+                        <a:effectLst/>
+                        <a:latin typeface="Century" panose="02040604050505020304" pitchFamily="18" charset="0"/>
+                        <a:ea typeface="ＭＳ 明朝" panose="02020609040205080304" pitchFamily="17" charset="-128"/>
+                        <a:cs typeface="Times New Roman" panose="02020603050405020304" pitchFamily="18" charset="0"/>
+                      </a:endParaRPr>
+                    </a:p>
+                    <a:p>
+                      <a:pPr algn="just">
+                        <a:spcAft>
+                          <a:spcPts val="0"/>
+                        </a:spcAft>
+                      </a:pPr>
+                      <a:r>
+                        <a:rPr lang="ja-JP" altLang="ja-JP" sz="1600" kern="100" dirty="0" smtClean="0">
+                          <a:effectLst/>
+                          <a:latin typeface="Century" panose="02040604050505020304" pitchFamily="18" charset="0"/>
+                          <a:ea typeface="ＭＳ 明朝" panose="02020609040205080304" pitchFamily="17" charset="-128"/>
+                          <a:cs typeface="Times New Roman" panose="02020603050405020304" pitchFamily="18" charset="0"/>
+                        </a:rPr>
+                        <a:t>（予約語，不等号，四則演算， 特殊記号）</a:t>
                       </a:r>
                     </a:p>
                   </a:txBody>
@@ -11104,7 +9650,7 @@
                   </a:ext>
                 </a:extLst>
               </a:tr>
-              <a:tr h="312509">
+              <a:tr h="231776">
                 <a:tc>
                   <a:txBody>
                     <a:bodyPr/>
@@ -11235,10 +9781,217 @@
           </a:graphicData>
         </a:graphic>
       </p:graphicFrame>
+      <p:sp>
+        <p:nvSpPr>
+          <p:cNvPr id="4" name="テキスト ボックス 3"/>
+          <p:cNvSpPr txBox="1"/>
+          <p:nvPr/>
+        </p:nvSpPr>
+        <p:spPr>
+          <a:xfrm>
+            <a:off x="513846" y="1469636"/>
+            <a:ext cx="3010328" cy="1200329"/>
+          </a:xfrm>
+          <a:prstGeom prst="rect">
+            <a:avLst/>
+          </a:prstGeom>
+        </p:spPr>
+        <p:style>
+          <a:lnRef idx="2">
+            <a:schemeClr val="dk1"/>
+          </a:lnRef>
+          <a:fillRef idx="1">
+            <a:schemeClr val="lt1"/>
+          </a:fillRef>
+          <a:effectRef idx="0">
+            <a:schemeClr val="dk1"/>
+          </a:effectRef>
+          <a:fontRef idx="minor">
+            <a:schemeClr val="dk1"/>
+          </a:fontRef>
+        </p:style>
+        <p:txBody>
+          <a:bodyPr wrap="square" rtlCol="0">
+            <a:spAutoFit/>
+          </a:bodyPr>
+          <a:lstStyle/>
+          <a:p>
+            <a:pPr marL="285750" indent="-285750">
+              <a:buFont typeface="Arial" panose="020B0604020202020204" pitchFamily="34" charset="0"/>
+              <a:buChar char="•"/>
+            </a:pPr>
+            <a:r>
+              <a:rPr kumimoji="1" lang="ja-JP" altLang="en-US" dirty="0" smtClean="0"/>
+              <a:t>問題生成システムが正しく動作している</a:t>
+            </a:r>
+            <a:endParaRPr kumimoji="1" lang="en-US" altLang="ja-JP" dirty="0" smtClean="0"/>
+          </a:p>
+          <a:p>
+            <a:pPr marL="285750" indent="-285750">
+              <a:buFont typeface="Arial" panose="020B0604020202020204" pitchFamily="34" charset="0"/>
+              <a:buChar char="•"/>
+            </a:pPr>
+            <a:r>
+              <a:rPr kumimoji="1" lang="ja-JP" altLang="en-US" dirty="0" smtClean="0"/>
+              <a:t>選択肢生成は約８割が基準を超えた精度で生成</a:t>
+            </a:r>
+            <a:endParaRPr kumimoji="1" lang="ja-JP" altLang="en-US" dirty="0"/>
+          </a:p>
+        </p:txBody>
+      </p:sp>
     </p:spTree>
     <p:extLst>
       <p:ext uri="{BB962C8B-B14F-4D97-AF65-F5344CB8AC3E}">
         <p14:creationId xmlns:p14="http://schemas.microsoft.com/office/powerpoint/2010/main" val="2410995759"/>
+      </p:ext>
+    </p:extLst>
+  </p:cSld>
+  <p:clrMapOvr>
+    <a:masterClrMapping/>
+  </p:clrMapOvr>
+  <p:timing>
+    <p:tnLst>
+      <p:par>
+        <p:cTn id="1" dur="indefinite" restart="never" nodeType="tmRoot"/>
+      </p:par>
+    </p:tnLst>
+  </p:timing>
+</p:sld>
+</file>
+
+<file path=ppt/slides/slide11.xml><?xml version="1.0" encoding="utf-8"?>
+<p:sld xmlns:a="http://schemas.openxmlformats.org/drawingml/2006/main" xmlns:r="http://schemas.openxmlformats.org/officeDocument/2006/relationships" xmlns:p="http://schemas.openxmlformats.org/presentationml/2006/main">
+  <p:cSld>
+    <p:spTree>
+      <p:nvGrpSpPr>
+        <p:cNvPr id="1" name=""/>
+        <p:cNvGrpSpPr/>
+        <p:nvPr/>
+      </p:nvGrpSpPr>
+      <p:grpSpPr>
+        <a:xfrm>
+          <a:off x="0" y="0"/>
+          <a:ext cx="0" cy="0"/>
+          <a:chOff x="0" y="0"/>
+          <a:chExt cx="0" cy="0"/>
+        </a:xfrm>
+      </p:grpSpPr>
+      <p:sp>
+        <p:nvSpPr>
+          <p:cNvPr id="2" name="タイトル 1"/>
+          <p:cNvSpPr>
+            <a:spLocks noGrp="1"/>
+          </p:cNvSpPr>
+          <p:nvPr>
+            <p:ph type="title"/>
+          </p:nvPr>
+        </p:nvSpPr>
+        <p:spPr/>
+        <p:txBody>
+          <a:bodyPr/>
+          <a:lstStyle/>
+          <a:p>
+            <a:r>
+              <a:rPr kumimoji="1" lang="ja-JP" altLang="en-US" dirty="0" smtClean="0"/>
+              <a:t>まとめ</a:t>
+            </a:r>
+            <a:endParaRPr kumimoji="1" lang="ja-JP" altLang="en-US" dirty="0"/>
+          </a:p>
+        </p:txBody>
+      </p:sp>
+      <p:sp>
+        <p:nvSpPr>
+          <p:cNvPr id="3" name="コンテンツ プレースホルダー 2"/>
+          <p:cNvSpPr>
+            <a:spLocks noGrp="1"/>
+          </p:cNvSpPr>
+          <p:nvPr>
+            <p:ph idx="1"/>
+          </p:nvPr>
+        </p:nvSpPr>
+        <p:spPr/>
+        <p:txBody>
+          <a:bodyPr/>
+          <a:lstStyle/>
+          <a:p>
+            <a:pPr>
+              <a:lnSpc>
+                <a:spcPct val="100000"/>
+              </a:lnSpc>
+            </a:pPr>
+            <a:r>
+              <a:rPr lang="ja-JP" altLang="ja-JP" dirty="0"/>
+              <a:t>ブロックプログラミングと連携したソースコードの穴埋め問題生成システムを</a:t>
+            </a:r>
+            <a:r>
+              <a:rPr lang="ja-JP" altLang="ja-JP" dirty="0" smtClean="0"/>
+              <a:t>提案</a:t>
+            </a:r>
+            <a:r>
+              <a:rPr lang="ja-JP" altLang="en-US" dirty="0" smtClean="0"/>
+              <a:t>した．</a:t>
+            </a:r>
+            <a:endParaRPr lang="en-US" altLang="ja-JP" dirty="0"/>
+          </a:p>
+          <a:p>
+            <a:pPr algn="just"/>
+            <a:endParaRPr lang="en-US" altLang="ja-JP" dirty="0"/>
+          </a:p>
+          <a:p>
+            <a:r>
+              <a:rPr lang="ja-JP" altLang="en-US" dirty="0" smtClean="0"/>
+              <a:t>実験で，</a:t>
+            </a:r>
+            <a:r>
+              <a:rPr lang="ja-JP" altLang="ja-JP" dirty="0" smtClean="0"/>
+              <a:t>ブロックプログラミング</a:t>
+            </a:r>
+            <a:r>
+              <a:rPr lang="ja-JP" altLang="ja-JP" dirty="0"/>
+              <a:t>からコーディング学習のために適切に問題を生成可能であるかを難易度や出題基準の観点から評価することで提案システムの実現可能性を</a:t>
+            </a:r>
+            <a:r>
+              <a:rPr lang="ja-JP" altLang="ja-JP" dirty="0" smtClean="0"/>
+              <a:t>検証</a:t>
+            </a:r>
+            <a:r>
+              <a:rPr lang="ja-JP" altLang="en-US" dirty="0" smtClean="0"/>
+              <a:t>した．</a:t>
+            </a:r>
+            <a:endParaRPr lang="ja-JP" altLang="en-US" dirty="0"/>
+          </a:p>
+          <a:p>
+            <a:endParaRPr kumimoji="1" lang="ja-JP" altLang="en-US" dirty="0"/>
+          </a:p>
+        </p:txBody>
+      </p:sp>
+      <p:sp>
+        <p:nvSpPr>
+          <p:cNvPr id="4" name="スライド番号プレースホルダー 3"/>
+          <p:cNvSpPr>
+            <a:spLocks noGrp="1"/>
+          </p:cNvSpPr>
+          <p:nvPr>
+            <p:ph type="sldNum" sz="quarter" idx="12"/>
+          </p:nvPr>
+        </p:nvSpPr>
+        <p:spPr/>
+        <p:txBody>
+          <a:bodyPr/>
+          <a:lstStyle/>
+          <a:p>
+            <a:fld id="{7A0C0510-5AD5-45F8-B3F1-46CC91AC00B1}" type="slidenum">
+              <a:rPr kumimoji="1" lang="ja-JP" altLang="en-US" smtClean="0"/>
+              <a:t>11</a:t>
+            </a:fld>
+            <a:endParaRPr kumimoji="1" lang="ja-JP" altLang="en-US"/>
+          </a:p>
+        </p:txBody>
+      </p:sp>
+    </p:spTree>
+    <p:extLst>
+      <p:ext uri="{BB962C8B-B14F-4D97-AF65-F5344CB8AC3E}">
+        <p14:creationId xmlns:p14="http://schemas.microsoft.com/office/powerpoint/2010/main" val="2945600331"/>
       </p:ext>
     </p:extLst>
   </p:cSld>
@@ -11289,7 +10042,7 @@
           <a:p>
             <a:r>
               <a:rPr kumimoji="1" lang="ja-JP" altLang="en-US" dirty="0" smtClean="0"/>
-              <a:t>まとめ</a:t>
+              <a:t>今後の展望</a:t>
             </a:r>
             <a:endParaRPr kumimoji="1" lang="ja-JP" altLang="en-US" dirty="0"/>
           </a:p>
@@ -11310,39 +10063,22 @@
           <a:bodyPr/>
           <a:lstStyle/>
           <a:p>
+            <a:pPr>
+              <a:lnSpc>
+                <a:spcPct val="100000"/>
+              </a:lnSpc>
+            </a:pPr>
+            <a:r>
+              <a:rPr lang="ja-JP" altLang="ja-JP" dirty="0" smtClean="0"/>
+              <a:t>プログラミング</a:t>
+            </a:r>
             <a:r>
               <a:rPr lang="ja-JP" altLang="ja-JP" dirty="0"/>
-              <a:t>ブロックプログラミングと連携したソースコードの穴埋め問題生成システムを</a:t>
-            </a:r>
-            <a:r>
-              <a:rPr lang="ja-JP" altLang="ja-JP" dirty="0" smtClean="0"/>
-              <a:t>提案</a:t>
-            </a:r>
-            <a:r>
-              <a:rPr lang="ja-JP" altLang="en-US" dirty="0" smtClean="0"/>
-              <a:t>した．</a:t>
-            </a:r>
-            <a:endParaRPr lang="en-US" altLang="ja-JP" dirty="0"/>
-          </a:p>
-          <a:p>
-            <a:endParaRPr lang="en-US" altLang="ja-JP" dirty="0"/>
-          </a:p>
-          <a:p>
-            <a:r>
-              <a:rPr lang="ja-JP" altLang="ja-JP" dirty="0"/>
-              <a:t>ブロックプログラミングからコーディング学習のために適切に問題を生成可能であるかを難易度や出題基準の観点から評価することで提案システムの実現可能性を</a:t>
-            </a:r>
-            <a:r>
-              <a:rPr lang="ja-JP" altLang="ja-JP" dirty="0" smtClean="0"/>
-              <a:t>検証</a:t>
-            </a:r>
-            <a:r>
-              <a:rPr lang="ja-JP" altLang="en-US" dirty="0" smtClean="0"/>
-              <a:t>した．</a:t>
-            </a:r>
-            <a:endParaRPr lang="ja-JP" altLang="en-US" dirty="0"/>
-          </a:p>
-          <a:p>
+              <a:t>学習の初学者が，プログラミングに関連して，論理的思考力からコーディング力への学習の移行の際に，実際に利用される学習環境となることが期待される．</a:t>
+            </a:r>
+          </a:p>
+          <a:p>
+            <a:pPr algn="just"/>
             <a:endParaRPr kumimoji="1" lang="ja-JP" altLang="en-US" dirty="0"/>
           </a:p>
         </p:txBody>
@@ -11373,7 +10109,7 @@
     </p:spTree>
     <p:extLst>
       <p:ext uri="{BB962C8B-B14F-4D97-AF65-F5344CB8AC3E}">
-        <p14:creationId xmlns:p14="http://schemas.microsoft.com/office/powerpoint/2010/main" val="2945600331"/>
+        <p14:creationId xmlns:p14="http://schemas.microsoft.com/office/powerpoint/2010/main" val="3059693183"/>
       </p:ext>
     </p:extLst>
   </p:cSld>
@@ -11423,118 +10159,6 @@
           <a:lstStyle/>
           <a:p>
             <a:r>
-              <a:rPr kumimoji="1" lang="ja-JP" altLang="en-US" dirty="0" smtClean="0"/>
-              <a:t>今後の展望</a:t>
-            </a:r>
-            <a:endParaRPr kumimoji="1" lang="ja-JP" altLang="en-US" dirty="0"/>
-          </a:p>
-        </p:txBody>
-      </p:sp>
-      <p:sp>
-        <p:nvSpPr>
-          <p:cNvPr id="3" name="コンテンツ プレースホルダー 2"/>
-          <p:cNvSpPr>
-            <a:spLocks noGrp="1"/>
-          </p:cNvSpPr>
-          <p:nvPr>
-            <p:ph idx="1"/>
-          </p:nvPr>
-        </p:nvSpPr>
-        <p:spPr/>
-        <p:txBody>
-          <a:bodyPr/>
-          <a:lstStyle/>
-          <a:p>
-            <a:r>
-              <a:rPr lang="ja-JP" altLang="ja-JP" dirty="0" smtClean="0"/>
-              <a:t>プログラミング</a:t>
-            </a:r>
-            <a:r>
-              <a:rPr lang="ja-JP" altLang="ja-JP" dirty="0"/>
-              <a:t>学習の初学者が，プログラミングに関連して，論理的思考力からコーディング力への学習の移行の際に，実際に利用される学習環境となることが期待される．</a:t>
-            </a:r>
-          </a:p>
-          <a:p>
-            <a:endParaRPr kumimoji="1" lang="ja-JP" altLang="en-US" dirty="0"/>
-          </a:p>
-        </p:txBody>
-      </p:sp>
-      <p:sp>
-        <p:nvSpPr>
-          <p:cNvPr id="4" name="スライド番号プレースホルダー 3"/>
-          <p:cNvSpPr>
-            <a:spLocks noGrp="1"/>
-          </p:cNvSpPr>
-          <p:nvPr>
-            <p:ph type="sldNum" sz="quarter" idx="12"/>
-          </p:nvPr>
-        </p:nvSpPr>
-        <p:spPr/>
-        <p:txBody>
-          <a:bodyPr/>
-          <a:lstStyle/>
-          <a:p>
-            <a:fld id="{7A0C0510-5AD5-45F8-B3F1-46CC91AC00B1}" type="slidenum">
-              <a:rPr kumimoji="1" lang="ja-JP" altLang="en-US" smtClean="0"/>
-              <a:t>13</a:t>
-            </a:fld>
-            <a:endParaRPr kumimoji="1" lang="ja-JP" altLang="en-US"/>
-          </a:p>
-        </p:txBody>
-      </p:sp>
-    </p:spTree>
-    <p:extLst>
-      <p:ext uri="{BB962C8B-B14F-4D97-AF65-F5344CB8AC3E}">
-        <p14:creationId xmlns:p14="http://schemas.microsoft.com/office/powerpoint/2010/main" val="3059693183"/>
-      </p:ext>
-    </p:extLst>
-  </p:cSld>
-  <p:clrMapOvr>
-    <a:masterClrMapping/>
-  </p:clrMapOvr>
-  <p:timing>
-    <p:tnLst>
-      <p:par>
-        <p:cTn id="1" dur="indefinite" restart="never" nodeType="tmRoot"/>
-      </p:par>
-    </p:tnLst>
-  </p:timing>
-</p:sld>
-</file>
-
-<file path=ppt/slides/slide14.xml><?xml version="1.0" encoding="utf-8"?>
-<p:sld xmlns:a="http://schemas.openxmlformats.org/drawingml/2006/main" xmlns:r="http://schemas.openxmlformats.org/officeDocument/2006/relationships" xmlns:p="http://schemas.openxmlformats.org/presentationml/2006/main">
-  <p:cSld>
-    <p:spTree>
-      <p:nvGrpSpPr>
-        <p:cNvPr id="1" name=""/>
-        <p:cNvGrpSpPr/>
-        <p:nvPr/>
-      </p:nvGrpSpPr>
-      <p:grpSpPr>
-        <a:xfrm>
-          <a:off x="0" y="0"/>
-          <a:ext cx="0" cy="0"/>
-          <a:chOff x="0" y="0"/>
-          <a:chExt cx="0" cy="0"/>
-        </a:xfrm>
-      </p:grpSpPr>
-      <p:sp>
-        <p:nvSpPr>
-          <p:cNvPr id="2" name="タイトル 1"/>
-          <p:cNvSpPr>
-            <a:spLocks noGrp="1"/>
-          </p:cNvSpPr>
-          <p:nvPr>
-            <p:ph type="title"/>
-          </p:nvPr>
-        </p:nvSpPr>
-        <p:spPr/>
-        <p:txBody>
-          <a:bodyPr/>
-          <a:lstStyle/>
-          <a:p>
-            <a:r>
               <a:rPr lang="ja-JP" altLang="en-US" dirty="0"/>
               <a:t>参考文献</a:t>
             </a:r>
@@ -11624,7 +10248,7 @@
             </a:r>
           </a:p>
           <a:p>
-            <a:pPr marL="385763" indent="-385763">
+            <a:pPr marL="385763" indent="-385763" algn="just">
               <a:buFont typeface="+mj-ea"/>
               <a:buAutoNum type="circleNumDbPlain"/>
             </a:pPr>
@@ -11993,7 +10617,7 @@
           <a:p>
             <a:fld id="{7A0C0510-5AD5-45F8-B3F1-46CC91AC00B1}" type="slidenum">
               <a:rPr kumimoji="1" lang="ja-JP" altLang="en-US" smtClean="0"/>
-              <a:t>14</a:t>
+              <a:t>13</a:t>
             </a:fld>
             <a:endParaRPr kumimoji="1" lang="ja-JP" altLang="en-US"/>
           </a:p>
@@ -12091,24 +10715,20 @@
             </a:r>
             <a:r>
               <a:rPr lang="ja-JP" altLang="en-US" dirty="0" smtClean="0"/>
-              <a:t>化</a:t>
-            </a:r>
-            <a:r>
-              <a:rPr lang="ja-JP" altLang="en-US" dirty="0"/>
-              <a:t>が</a:t>
-            </a:r>
-            <a:r>
-              <a:rPr lang="ja-JP" altLang="ja-JP" dirty="0" smtClean="0"/>
-              <a:t>全面実施</a:t>
+              <a:t>化と</a:t>
             </a:r>
             <a:r>
               <a:rPr lang="ja-JP" altLang="en-US" dirty="0" smtClean="0"/>
-              <a:t>．</a:t>
+              <a:t>なっている．</a:t>
             </a:r>
             <a:endParaRPr lang="en-US" altLang="ja-JP" dirty="0" smtClean="0"/>
           </a:p>
           <a:p>
-            <a:pPr algn="just"/>
+            <a:pPr algn="just">
+              <a:lnSpc>
+                <a:spcPct val="100000"/>
+              </a:lnSpc>
+            </a:pPr>
             <a:r>
               <a:rPr lang="ja-JP" altLang="ja-JP" dirty="0" smtClean="0"/>
               <a:t>ブロックプログラミング</a:t>
@@ -12232,6 +10852,7 @@
             <a:endParaRPr lang="en-US" altLang="ja-JP" sz="2800" dirty="0"/>
           </a:p>
           <a:p>
+            <a:pPr algn="just"/>
             <a:r>
               <a:rPr lang="ja-JP" altLang="ja-JP" sz="2800" dirty="0"/>
               <a:t>円滑に移行できるような教育支援も考えていく必要がある</a:t>
@@ -12324,6 +10945,11 @@
           <a:bodyPr/>
           <a:lstStyle/>
           <a:p>
+            <a:pPr algn="just">
+              <a:lnSpc>
+                <a:spcPct val="100000"/>
+              </a:lnSpc>
+            </a:pPr>
             <a:r>
               <a:rPr lang="ja-JP" altLang="ja-JP" dirty="0"/>
               <a:t>ブロックプログラミングと連携したソースコードの穴埋め問題生成システム</a:t>
@@ -12515,6 +11141,7 @@
           </a:bodyPr>
           <a:lstStyle/>
           <a:p>
+            <a:pPr algn="just"/>
             <a:r>
               <a:rPr lang="ja-JP" altLang="en-US" dirty="0" smtClean="0"/>
               <a:t>論理的</a:t>
@@ -12531,6 +11158,9 @@
           </a:p>
           <a:p>
             <a:pPr marL="0" indent="0">
+              <a:lnSpc>
+                <a:spcPct val="110000"/>
+              </a:lnSpc>
               <a:buNone/>
             </a:pPr>
             <a:r>
@@ -12750,6 +11380,7 @@
           </a:bodyPr>
           <a:lstStyle/>
           <a:p>
+            <a:pPr algn="just"/>
             <a:r>
               <a:rPr lang="ja-JP" altLang="en-US" dirty="0"/>
               <a:t>単純に問題を生成する機能を作成する</a:t>
@@ -12769,6 +11400,11 @@
             <a:endParaRPr lang="en-US" altLang="ja-JP" dirty="0"/>
           </a:p>
           <a:p>
+            <a:pPr>
+              <a:lnSpc>
+                <a:spcPct val="100000"/>
+              </a:lnSpc>
+            </a:pPr>
             <a:r>
               <a:rPr lang="ja-JP" altLang="en-US" dirty="0"/>
               <a:t>選択肢を自動で生成すること</a:t>
@@ -12949,16 +11585,53 @@
           <a:bodyPr rtlCol="0" anchor="ctr"/>
           <a:lstStyle/>
           <a:p>
-            <a:r>
-              <a:rPr lang="ja-JP" altLang="ja-JP" dirty="0"/>
-              <a:t>ブロックプログラミングからコーディング用の練習問題を自動生成することに着目し，本研究ではブロックプログラミングと連携したソースコードの穴埋め問題生成システムを構築する．</a:t>
+            <a:pPr algn="just"/>
+            <a:r>
+              <a:rPr lang="ja-JP" altLang="ja-JP" sz="2400" dirty="0" smtClean="0"/>
+              <a:t>本研究</a:t>
+            </a:r>
+            <a:r>
+              <a:rPr lang="ja-JP" altLang="ja-JP" sz="2400" dirty="0"/>
+              <a:t>で</a:t>
+            </a:r>
+            <a:r>
+              <a:rPr lang="ja-JP" altLang="ja-JP" sz="2400" dirty="0" smtClean="0"/>
+              <a:t>は</a:t>
+            </a:r>
+            <a:r>
+              <a:rPr lang="ja-JP" altLang="en-US" sz="2400" dirty="0" smtClean="0"/>
+              <a:t>，</a:t>
+            </a:r>
+            <a:r>
+              <a:rPr lang="ja-JP" altLang="ja-JP" sz="2400" dirty="0" smtClean="0"/>
+              <a:t>ブロックプログラミング</a:t>
+            </a:r>
+            <a:r>
+              <a:rPr lang="ja-JP" altLang="ja-JP" sz="2400" dirty="0"/>
+              <a:t>と連携したソースコードの穴埋め問題生成システム</a:t>
+            </a:r>
+            <a:r>
+              <a:rPr lang="ja-JP" altLang="ja-JP" sz="2400" dirty="0" smtClean="0"/>
+              <a:t>を</a:t>
+            </a:r>
+            <a:r>
+              <a:rPr lang="ja-JP" altLang="en-US" sz="2400" dirty="0"/>
+              <a:t>提案</a:t>
+            </a:r>
+            <a:r>
+              <a:rPr lang="ja-JP" altLang="ja-JP" sz="2400" dirty="0" smtClean="0"/>
+              <a:t>する</a:t>
+            </a:r>
+            <a:r>
+              <a:rPr lang="ja-JP" altLang="ja-JP" sz="2400" dirty="0"/>
+              <a:t>．</a:t>
             </a:r>
           </a:p>
         </p:txBody>
       </p:sp>
       <p:pic>
         <p:nvPicPr>
-          <p:cNvPr id="11" name="図 10"/>
+          <p:cNvPr id="5" name="図 4"/>
           <p:cNvPicPr>
             <a:picLocks noChangeAspect="1"/>
           </p:cNvPicPr>
@@ -12972,14 +11645,68 @@
         </p:blipFill>
         <p:spPr>
           <a:xfrm>
-            <a:off x="880340" y="2135337"/>
-            <a:ext cx="7981322" cy="3983220"/>
+            <a:off x="505920" y="2274329"/>
+            <a:ext cx="8638080" cy="4523896"/>
           </a:xfrm>
           <a:prstGeom prst="rect">
             <a:avLst/>
           </a:prstGeom>
         </p:spPr>
       </p:pic>
+      <p:pic>
+        <p:nvPicPr>
+          <p:cNvPr id="6" name="図 5"/>
+          <p:cNvPicPr>
+            <a:picLocks noChangeAspect="1"/>
+          </p:cNvPicPr>
+          <p:nvPr/>
+        </p:nvPicPr>
+        <p:blipFill>
+          <a:blip r:embed="rId4"/>
+          <a:stretch>
+            <a:fillRect/>
+          </a:stretch>
+        </p:blipFill>
+        <p:spPr>
+          <a:xfrm>
+            <a:off x="161841" y="1551124"/>
+            <a:ext cx="4006921" cy="1446409"/>
+          </a:xfrm>
+          <a:prstGeom prst="rect">
+            <a:avLst/>
+          </a:prstGeom>
+        </p:spPr>
+      </p:pic>
+      <p:sp>
+        <p:nvSpPr>
+          <p:cNvPr id="38" name="テキスト ボックス 37"/>
+          <p:cNvSpPr txBox="1"/>
+          <p:nvPr/>
+        </p:nvSpPr>
+        <p:spPr>
+          <a:xfrm>
+            <a:off x="8284532" y="5116531"/>
+            <a:ext cx="697627" cy="400110"/>
+          </a:xfrm>
+          <a:prstGeom prst="rect">
+            <a:avLst/>
+          </a:prstGeom>
+          <a:noFill/>
+        </p:spPr>
+        <p:txBody>
+          <a:bodyPr wrap="none" rtlCol="0">
+            <a:spAutoFit/>
+          </a:bodyPr>
+          <a:lstStyle/>
+          <a:p>
+            <a:r>
+              <a:rPr kumimoji="1" lang="ja-JP" altLang="en-US" sz="2000" dirty="0" smtClean="0"/>
+              <a:t>教師</a:t>
+            </a:r>
+            <a:endParaRPr kumimoji="1" lang="ja-JP" altLang="en-US" sz="2000" dirty="0"/>
+          </a:p>
+        </p:txBody>
+      </p:sp>
     </p:spTree>
     <p:extLst>
       <p:ext uri="{BB962C8B-B14F-4D97-AF65-F5344CB8AC3E}">
@@ -13027,64 +11754,19 @@
             <p:ph type="title"/>
           </p:nvPr>
         </p:nvSpPr>
-        <p:spPr>
-          <a:xfrm>
-            <a:off x="628649" y="365126"/>
-            <a:ext cx="8042739" cy="1325563"/>
-          </a:xfrm>
-        </p:spPr>
+        <p:spPr/>
         <p:txBody>
           <a:bodyPr/>
           <a:lstStyle/>
           <a:p>
             <a:r>
-              <a:rPr kumimoji="1" lang="ja-JP" altLang="en-US" dirty="0" smtClean="0"/>
-              <a:t>ブロックプログラミングと連携</a:t>
-            </a:r>
-            <a:endParaRPr kumimoji="1" lang="ja-JP" altLang="en-US" dirty="0"/>
-          </a:p>
-        </p:txBody>
-      </p:sp>
-      <p:sp>
-        <p:nvSpPr>
-          <p:cNvPr id="3" name="コンテンツ プレースホルダー 2"/>
-          <p:cNvSpPr>
-            <a:spLocks noGrp="1"/>
-          </p:cNvSpPr>
-          <p:nvPr>
-            <p:ph idx="1"/>
-          </p:nvPr>
-        </p:nvSpPr>
-        <p:spPr>
-          <a:xfrm>
-            <a:off x="628650" y="1825625"/>
-            <a:ext cx="8248222" cy="4351338"/>
-          </a:xfrm>
-        </p:spPr>
-        <p:txBody>
-          <a:bodyPr/>
-          <a:lstStyle/>
-          <a:p>
-            <a:r>
               <a:rPr lang="ja-JP" altLang="en-US" dirty="0" smtClean="0"/>
-              <a:t>ブロックプログラミングによって，視覚的にプログラミングのアルゴリズムに触れられる．</a:t>
-            </a:r>
-            <a:endParaRPr lang="en-US" altLang="ja-JP" dirty="0" smtClean="0"/>
-          </a:p>
-          <a:p>
+              <a:t>ブロックプログラミング</a:t>
+            </a:r>
             <a:r>
               <a:rPr lang="ja-JP" altLang="en-US" dirty="0" smtClean="0"/>
-              <a:t>ブロックプログラミングによって，視覚的にプログラムのスコープがわかる．</a:t>
-            </a:r>
-            <a:endParaRPr lang="en-US" altLang="ja-JP" dirty="0" smtClean="0"/>
-          </a:p>
-          <a:p>
-            <a:r>
-              <a:rPr lang="ja-JP" altLang="en-US" dirty="0" smtClean="0"/>
-              <a:t>ブロックプログラミングによって，その命令が何をしたいのかがわかる．</a:t>
-            </a:r>
-          </a:p>
-          <a:p>
+              <a:t>との連携</a:t>
+            </a:r>
             <a:endParaRPr kumimoji="1" lang="ja-JP" altLang="en-US" dirty="0"/>
           </a:p>
         </p:txBody>
@@ -13113,16 +11795,267 @@
           </a:p>
         </p:txBody>
       </p:sp>
+      <p:pic>
+        <p:nvPicPr>
+          <p:cNvPr id="5" name="図 4"/>
+          <p:cNvPicPr/>
+          <p:nvPr/>
+        </p:nvPicPr>
+        <p:blipFill>
+          <a:blip r:embed="rId3" cstate="print">
+            <a:extLst>
+              <a:ext uri="{28A0092B-C50C-407E-A947-70E740481C1C}">
+                <a14:useLocalDpi xmlns:a14="http://schemas.microsoft.com/office/drawing/2010/main" val="0"/>
+              </a:ext>
+            </a:extLst>
+          </a:blip>
+          <a:srcRect/>
+          <a:stretch>
+            <a:fillRect/>
+          </a:stretch>
+        </p:blipFill>
+        <p:spPr bwMode="auto">
+          <a:xfrm>
+            <a:off x="628650" y="2049465"/>
+            <a:ext cx="7886700" cy="4306886"/>
+          </a:xfrm>
+          <a:prstGeom prst="rect">
+            <a:avLst/>
+          </a:prstGeom>
+          <a:noFill/>
+          <a:ln>
+            <a:noFill/>
+          </a:ln>
+        </p:spPr>
+      </p:pic>
       <p:sp>
         <p:nvSpPr>
-          <p:cNvPr id="5" name="正方形/長方形 4"/>
+          <p:cNvPr id="3" name="テキスト ボックス 2"/>
+          <p:cNvSpPr txBox="1"/>
+          <p:nvPr/>
+        </p:nvSpPr>
+        <p:spPr>
+          <a:xfrm>
+            <a:off x="1140976" y="1594132"/>
+            <a:ext cx="744468" cy="369332"/>
+          </a:xfrm>
+          <a:prstGeom prst="rect">
+            <a:avLst/>
+          </a:prstGeom>
+        </p:spPr>
+        <p:style>
+          <a:lnRef idx="2">
+            <a:schemeClr val="dk1"/>
+          </a:lnRef>
+          <a:fillRef idx="1">
+            <a:schemeClr val="lt1"/>
+          </a:fillRef>
+          <a:effectRef idx="0">
+            <a:schemeClr val="dk1"/>
+          </a:effectRef>
+          <a:fontRef idx="minor">
+            <a:schemeClr val="dk1"/>
+          </a:fontRef>
+        </p:style>
+        <p:txBody>
+          <a:bodyPr wrap="square" rtlCol="0">
+            <a:spAutoFit/>
+          </a:bodyPr>
+          <a:lstStyle/>
+          <a:p>
+            <a:r>
+              <a:rPr kumimoji="1" lang="en-US" altLang="ja-JP" dirty="0" smtClean="0"/>
+              <a:t>Step1</a:t>
+            </a:r>
+            <a:endParaRPr kumimoji="1" lang="ja-JP" altLang="en-US" dirty="0"/>
+          </a:p>
+        </p:txBody>
+      </p:sp>
+      <p:sp>
+        <p:nvSpPr>
+          <p:cNvPr id="6" name="テキスト ボックス 5"/>
+          <p:cNvSpPr txBox="1"/>
+          <p:nvPr/>
+        </p:nvSpPr>
+        <p:spPr>
+          <a:xfrm>
+            <a:off x="4999529" y="2268418"/>
+            <a:ext cx="778185" cy="369332"/>
+          </a:xfrm>
+          <a:prstGeom prst="rect">
+            <a:avLst/>
+          </a:prstGeom>
+        </p:spPr>
+        <p:style>
+          <a:lnRef idx="2">
+            <a:schemeClr val="dk1"/>
+          </a:lnRef>
+          <a:fillRef idx="1">
+            <a:schemeClr val="lt1"/>
+          </a:fillRef>
+          <a:effectRef idx="0">
+            <a:schemeClr val="dk1"/>
+          </a:effectRef>
+          <a:fontRef idx="minor">
+            <a:schemeClr val="dk1"/>
+          </a:fontRef>
+        </p:style>
+        <p:txBody>
+          <a:bodyPr wrap="square" rtlCol="0">
+            <a:spAutoFit/>
+          </a:bodyPr>
+          <a:lstStyle/>
+          <a:p>
+            <a:r>
+              <a:rPr kumimoji="1" lang="en-US" altLang="ja-JP" dirty="0" smtClean="0"/>
+              <a:t>Step</a:t>
+            </a:r>
+            <a:r>
+              <a:rPr kumimoji="1" lang="en-US" altLang="ja-JP" dirty="0"/>
+              <a:t>2</a:t>
+            </a:r>
+            <a:endParaRPr kumimoji="1" lang="ja-JP" altLang="en-US" dirty="0"/>
+          </a:p>
+        </p:txBody>
+      </p:sp>
+      <p:sp>
+        <p:nvSpPr>
+          <p:cNvPr id="7" name="テキスト ボックス 6"/>
+          <p:cNvSpPr txBox="1"/>
+          <p:nvPr/>
+        </p:nvSpPr>
+        <p:spPr>
+          <a:xfrm>
+            <a:off x="2304880" y="5590248"/>
+            <a:ext cx="753910" cy="369332"/>
+          </a:xfrm>
+          <a:prstGeom prst="rect">
+            <a:avLst/>
+          </a:prstGeom>
+        </p:spPr>
+        <p:style>
+          <a:lnRef idx="2">
+            <a:schemeClr val="dk1"/>
+          </a:lnRef>
+          <a:fillRef idx="1">
+            <a:schemeClr val="lt1"/>
+          </a:fillRef>
+          <a:effectRef idx="0">
+            <a:schemeClr val="dk1"/>
+          </a:effectRef>
+          <a:fontRef idx="minor">
+            <a:schemeClr val="dk1"/>
+          </a:fontRef>
+        </p:style>
+        <p:txBody>
+          <a:bodyPr wrap="square" rtlCol="0">
+            <a:spAutoFit/>
+          </a:bodyPr>
+          <a:lstStyle/>
+          <a:p>
+            <a:r>
+              <a:rPr kumimoji="1" lang="en-US" altLang="ja-JP" dirty="0" smtClean="0"/>
+              <a:t>Step3</a:t>
+            </a:r>
+            <a:endParaRPr kumimoji="1" lang="ja-JP" altLang="en-US" dirty="0"/>
+          </a:p>
+        </p:txBody>
+      </p:sp>
+      <p:sp>
+        <p:nvSpPr>
+          <p:cNvPr id="8" name="テキスト ボックス 7"/>
+          <p:cNvSpPr txBox="1"/>
+          <p:nvPr/>
+        </p:nvSpPr>
+        <p:spPr>
+          <a:xfrm>
+            <a:off x="6068857" y="5027154"/>
+            <a:ext cx="778185" cy="369332"/>
+          </a:xfrm>
+          <a:prstGeom prst="rect">
+            <a:avLst/>
+          </a:prstGeom>
+        </p:spPr>
+        <p:style>
+          <a:lnRef idx="2">
+            <a:schemeClr val="dk1"/>
+          </a:lnRef>
+          <a:fillRef idx="1">
+            <a:schemeClr val="lt1"/>
+          </a:fillRef>
+          <a:effectRef idx="0">
+            <a:schemeClr val="dk1"/>
+          </a:effectRef>
+          <a:fontRef idx="minor">
+            <a:schemeClr val="dk1"/>
+          </a:fontRef>
+        </p:style>
+        <p:txBody>
+          <a:bodyPr wrap="square" rtlCol="0">
+            <a:spAutoFit/>
+          </a:bodyPr>
+          <a:lstStyle/>
+          <a:p>
+            <a:r>
+              <a:rPr kumimoji="1" lang="en-US" altLang="ja-JP" dirty="0" smtClean="0"/>
+              <a:t>Step4</a:t>
+            </a:r>
+          </a:p>
+        </p:txBody>
+      </p:sp>
+      <p:sp>
+        <p:nvSpPr>
+          <p:cNvPr id="9" name="テキスト ボックス 8"/>
+          <p:cNvSpPr txBox="1"/>
+          <p:nvPr/>
+        </p:nvSpPr>
+        <p:spPr>
+          <a:xfrm>
+            <a:off x="4999529" y="2996526"/>
+            <a:ext cx="778185" cy="369332"/>
+          </a:xfrm>
+          <a:prstGeom prst="rect">
+            <a:avLst/>
+          </a:prstGeom>
+        </p:spPr>
+        <p:style>
+          <a:lnRef idx="2">
+            <a:schemeClr val="dk1"/>
+          </a:lnRef>
+          <a:fillRef idx="1">
+            <a:schemeClr val="lt1"/>
+          </a:fillRef>
+          <a:effectRef idx="0">
+            <a:schemeClr val="dk1"/>
+          </a:effectRef>
+          <a:fontRef idx="minor">
+            <a:schemeClr val="dk1"/>
+          </a:fontRef>
+        </p:style>
+        <p:txBody>
+          <a:bodyPr wrap="square" rtlCol="0">
+            <a:spAutoFit/>
+          </a:bodyPr>
+          <a:lstStyle/>
+          <a:p>
+            <a:r>
+              <a:rPr kumimoji="1" lang="en-US" altLang="ja-JP" dirty="0" smtClean="0"/>
+              <a:t>Step5</a:t>
+            </a:r>
+            <a:endParaRPr kumimoji="1" lang="ja-JP" altLang="en-US" dirty="0"/>
+          </a:p>
+        </p:txBody>
+      </p:sp>
+      <p:sp>
+        <p:nvSpPr>
+          <p:cNvPr id="10" name="正方形/長方形 9"/>
           <p:cNvSpPr/>
           <p:nvPr/>
         </p:nvSpPr>
         <p:spPr>
           <a:xfrm>
-            <a:off x="857756" y="4999371"/>
-            <a:ext cx="7889734" cy="954107"/>
+            <a:off x="487319" y="5000394"/>
+            <a:ext cx="8169361" cy="954107"/>
           </a:xfrm>
           <a:prstGeom prst="rect">
             <a:avLst/>
@@ -13159,13 +12092,20 @@
     </p:spTree>
     <p:extLst>
       <p:ext uri="{BB962C8B-B14F-4D97-AF65-F5344CB8AC3E}">
-        <p14:creationId xmlns:p14="http://schemas.microsoft.com/office/powerpoint/2010/main" val="1586254963"/>
+        <p14:creationId xmlns:p14="http://schemas.microsoft.com/office/powerpoint/2010/main" val="4006035017"/>
       </p:ext>
     </p:extLst>
   </p:cSld>
   <p:clrMapOvr>
     <a:masterClrMapping/>
   </p:clrMapOvr>
+  <p:timing>
+    <p:tnLst>
+      <p:par>
+        <p:cTn id="1" dur="indefinite" restart="never" nodeType="tmRoot"/>
+      </p:par>
+    </p:tnLst>
+  </p:timing>
 </p:sld>
 </file>
 
@@ -13279,7 +12219,7 @@
           <a:p>
             <a:r>
               <a:rPr lang="ja-JP" altLang="en-US" dirty="0" smtClean="0"/>
-              <a:t>選択肢生成</a:t>
+              <a:t>選択肢生成方法</a:t>
             </a:r>
             <a:endParaRPr kumimoji="1" lang="ja-JP" altLang="en-US" dirty="0"/>
           </a:p>
@@ -14778,12 +13718,8 @@
           <a:lstStyle/>
           <a:p>
             <a:r>
-              <a:rPr kumimoji="1" lang="en-US" altLang="ja-JP" dirty="0" smtClean="0"/>
-              <a:t>UI</a:t>
-            </a:r>
-            <a:r>
               <a:rPr lang="ja-JP" altLang="en-US" dirty="0"/>
-              <a:t>設計</a:t>
+              <a:t>実験</a:t>
             </a:r>
             <a:endParaRPr kumimoji="1" lang="ja-JP" altLang="en-US" dirty="0"/>
           </a:p>
@@ -14791,7 +13727,1347 @@
       </p:sp>
       <p:sp>
         <p:nvSpPr>
-          <p:cNvPr id="4" name="スライド番号プレースホルダー 3"/>
+          <p:cNvPr id="3" name="コンテンツ プレースホルダー 2"/>
+          <p:cNvSpPr>
+            <a:spLocks noGrp="1"/>
+          </p:cNvSpPr>
+          <p:nvPr>
+            <p:ph idx="1"/>
+          </p:nvPr>
+        </p:nvSpPr>
+        <p:spPr>
+          <a:xfrm>
+            <a:off x="628650" y="1690689"/>
+            <a:ext cx="7886700" cy="4351338"/>
+          </a:xfrm>
+        </p:spPr>
+        <p:txBody>
+          <a:bodyPr/>
+          <a:lstStyle/>
+          <a:p>
+            <a:pPr algn="just">
+              <a:lnSpc>
+                <a:spcPct val="100000"/>
+              </a:lnSpc>
+            </a:pPr>
+            <a:r>
+              <a:rPr lang="ja-JP" altLang="ja-JP" dirty="0"/>
+              <a:t>本システムの問題自動生成機能によって生成される穴埋め選択問題は学習のために適切に問題を生成することができているのか，複数の問題ファイルと難易度における実際の出題内容</a:t>
+            </a:r>
+            <a:r>
+              <a:rPr lang="ja-JP" altLang="ja-JP" dirty="0" smtClean="0"/>
+              <a:t>を</a:t>
+            </a:r>
+            <a:r>
+              <a:rPr lang="ja-JP" altLang="en-US" dirty="0"/>
+              <a:t>以下</a:t>
+            </a:r>
+            <a:r>
+              <a:rPr lang="ja-JP" altLang="ja-JP" dirty="0" smtClean="0"/>
+              <a:t>の</a:t>
+            </a:r>
+            <a:r>
+              <a:rPr lang="ja-JP" altLang="ja-JP" dirty="0"/>
+              <a:t>判断基準ごとに評価する．</a:t>
+            </a:r>
+          </a:p>
+        </p:txBody>
+      </p:sp>
+      <p:graphicFrame>
+        <p:nvGraphicFramePr>
+          <p:cNvPr id="5" name="表 4"/>
+          <p:cNvGraphicFramePr>
+            <a:graphicFrameLocks noGrp="1"/>
+          </p:cNvGraphicFramePr>
+          <p:nvPr>
+            <p:extLst>
+              <p:ext uri="{D42A27DB-BD31-4B8C-83A1-F6EECF244321}">
+                <p14:modId xmlns:p14="http://schemas.microsoft.com/office/powerpoint/2010/main" val="592379453"/>
+              </p:ext>
+            </p:extLst>
+          </p:nvPr>
+        </p:nvGraphicFramePr>
+        <p:xfrm>
+          <a:off x="1262359" y="3929243"/>
+          <a:ext cx="6918688" cy="2535247"/>
+        </p:xfrm>
+        <a:graphic>
+          <a:graphicData uri="http://schemas.openxmlformats.org/drawingml/2006/table">
+            <a:tbl>
+              <a:tblPr firstRow="1" firstCol="1" bandRow="1"/>
+              <a:tblGrid>
+                <a:gridCol w="521270">
+                  <a:extLst>
+                    <a:ext uri="{9D8B030D-6E8A-4147-A177-3AD203B41FA5}">
+                      <a16:colId xmlns:a16="http://schemas.microsoft.com/office/drawing/2014/main" val="301573555"/>
+                    </a:ext>
+                  </a:extLst>
+                </a:gridCol>
+                <a:gridCol w="3988761">
+                  <a:extLst>
+                    <a:ext uri="{9D8B030D-6E8A-4147-A177-3AD203B41FA5}">
+                      <a16:colId xmlns:a16="http://schemas.microsoft.com/office/drawing/2014/main" val="2763908087"/>
+                    </a:ext>
+                  </a:extLst>
+                </a:gridCol>
+                <a:gridCol w="2408657">
+                  <a:extLst>
+                    <a:ext uri="{9D8B030D-6E8A-4147-A177-3AD203B41FA5}">
+                      <a16:colId xmlns:a16="http://schemas.microsoft.com/office/drawing/2014/main" val="1970008419"/>
+                    </a:ext>
+                  </a:extLst>
+                </a:gridCol>
+              </a:tblGrid>
+              <a:tr h="335088">
+                <a:tc>
+                  <a:txBody>
+                    <a:bodyPr/>
+                    <a:lstStyle/>
+                    <a:p>
+                      <a:pPr algn="just">
+                        <a:spcAft>
+                          <a:spcPts val="0"/>
+                        </a:spcAft>
+                      </a:pPr>
+                      <a:r>
+                        <a:rPr lang="en-US" sz="1600" kern="100" dirty="0">
+                          <a:effectLst/>
+                          <a:latin typeface="Century" panose="02040604050505020304" pitchFamily="18" charset="0"/>
+                          <a:ea typeface="ＭＳ 明朝" panose="02020609040205080304" pitchFamily="17" charset="-128"/>
+                          <a:cs typeface="Times New Roman" panose="02020603050405020304" pitchFamily="18" charset="0"/>
+                        </a:rPr>
+                        <a:t> </a:t>
+                      </a:r>
+                      <a:endParaRPr lang="ja-JP" sz="1600" kern="100" dirty="0">
+                        <a:effectLst/>
+                        <a:latin typeface="Century" panose="02040604050505020304" pitchFamily="18" charset="0"/>
+                        <a:ea typeface="ＭＳ 明朝" panose="02020609040205080304" pitchFamily="17" charset="-128"/>
+                        <a:cs typeface="Times New Roman" panose="02020603050405020304" pitchFamily="18" charset="0"/>
+                      </a:endParaRPr>
+                    </a:p>
+                  </a:txBody>
+                  <a:tcPr marL="51435" marR="51435" marT="0" marB="0">
+                    <a:lnL w="12700" cap="flat" cmpd="sng" algn="ctr">
+                      <a:solidFill>
+                        <a:schemeClr val="tx1"/>
+                      </a:solidFill>
+                      <a:prstDash val="solid"/>
+                      <a:round/>
+                      <a:headEnd type="none" w="med" len="med"/>
+                      <a:tailEnd type="none" w="med" len="med"/>
+                    </a:lnL>
+                    <a:lnR w="12700" cap="flat" cmpd="sng" algn="ctr">
+                      <a:solidFill>
+                        <a:schemeClr val="tx1"/>
+                      </a:solidFill>
+                      <a:prstDash val="solid"/>
+                      <a:round/>
+                      <a:headEnd type="none" w="med" len="med"/>
+                      <a:tailEnd type="none" w="med" len="med"/>
+                    </a:lnR>
+                    <a:lnT w="12700" cap="flat" cmpd="sng" algn="ctr">
+                      <a:solidFill>
+                        <a:schemeClr val="tx1"/>
+                      </a:solidFill>
+                      <a:prstDash val="solid"/>
+                      <a:round/>
+                      <a:headEnd type="none" w="med" len="med"/>
+                      <a:tailEnd type="none" w="med" len="med"/>
+                    </a:lnT>
+                    <a:lnB w="12700" cap="flat" cmpd="sng" algn="ctr">
+                      <a:solidFill>
+                        <a:schemeClr val="tx1"/>
+                      </a:solidFill>
+                      <a:prstDash val="solid"/>
+                      <a:round/>
+                      <a:headEnd type="none" w="med" len="med"/>
+                      <a:tailEnd type="none" w="med" len="med"/>
+                    </a:lnB>
+                    <a:lnTlToBr w="6350" cap="flat" cmpd="sng" algn="ctr">
+                      <a:solidFill>
+                        <a:srgbClr val="000000"/>
+                      </a:solidFill>
+                      <a:prstDash val="solid"/>
+                      <a:round/>
+                      <a:headEnd type="none" w="med" len="med"/>
+                      <a:tailEnd type="none" w="med" len="med"/>
+                    </a:lnTlToBr>
+                  </a:tcPr>
+                </a:tc>
+                <a:tc>
+                  <a:txBody>
+                    <a:bodyPr/>
+                    <a:lstStyle/>
+                    <a:p>
+                      <a:pPr algn="ctr">
+                        <a:spcAft>
+                          <a:spcPts val="0"/>
+                        </a:spcAft>
+                      </a:pPr>
+                      <a:r>
+                        <a:rPr lang="ja-JP" sz="1600" kern="100">
+                          <a:effectLst/>
+                          <a:latin typeface="Century" panose="02040604050505020304" pitchFamily="18" charset="0"/>
+                          <a:ea typeface="ＭＳ 明朝" panose="02020609040205080304" pitchFamily="17" charset="-128"/>
+                          <a:cs typeface="Times New Roman" panose="02020603050405020304" pitchFamily="18" charset="0"/>
+                        </a:rPr>
+                        <a:t>基準</a:t>
+                      </a:r>
+                    </a:p>
+                  </a:txBody>
+                  <a:tcPr marL="51435" marR="51435" marT="0" marB="0">
+                    <a:lnL w="12700" cap="flat" cmpd="sng" algn="ctr">
+                      <a:solidFill>
+                        <a:schemeClr val="tx1"/>
+                      </a:solidFill>
+                      <a:prstDash val="solid"/>
+                      <a:round/>
+                      <a:headEnd type="none" w="med" len="med"/>
+                      <a:tailEnd type="none" w="med" len="med"/>
+                    </a:lnL>
+                    <a:lnR w="12700" cap="flat" cmpd="sng" algn="ctr">
+                      <a:solidFill>
+                        <a:schemeClr val="tx1"/>
+                      </a:solidFill>
+                      <a:prstDash val="solid"/>
+                      <a:round/>
+                      <a:headEnd type="none" w="med" len="med"/>
+                      <a:tailEnd type="none" w="med" len="med"/>
+                    </a:lnR>
+                    <a:lnT w="12700" cap="flat" cmpd="sng" algn="ctr">
+                      <a:solidFill>
+                        <a:schemeClr val="tx1"/>
+                      </a:solidFill>
+                      <a:prstDash val="solid"/>
+                      <a:round/>
+                      <a:headEnd type="none" w="med" len="med"/>
+                      <a:tailEnd type="none" w="med" len="med"/>
+                    </a:lnT>
+                    <a:lnB w="12700" cap="flat" cmpd="sng" algn="ctr">
+                      <a:solidFill>
+                        <a:schemeClr val="tx1"/>
+                      </a:solidFill>
+                      <a:prstDash val="solid"/>
+                      <a:round/>
+                      <a:headEnd type="none" w="med" len="med"/>
+                      <a:tailEnd type="none" w="med" len="med"/>
+                    </a:lnB>
+                  </a:tcPr>
+                </a:tc>
+                <a:tc>
+                  <a:txBody>
+                    <a:bodyPr/>
+                    <a:lstStyle/>
+                    <a:p>
+                      <a:pPr algn="ctr">
+                        <a:spcAft>
+                          <a:spcPts val="0"/>
+                        </a:spcAft>
+                      </a:pPr>
+                      <a:r>
+                        <a:rPr lang="ja-JP" sz="1600" kern="100" dirty="0">
+                          <a:effectLst/>
+                          <a:latin typeface="Century" panose="02040604050505020304" pitchFamily="18" charset="0"/>
+                          <a:ea typeface="ＭＳ 明朝" panose="02020609040205080304" pitchFamily="17" charset="-128"/>
+                          <a:cs typeface="Times New Roman" panose="02020603050405020304" pitchFamily="18" charset="0"/>
+                        </a:rPr>
+                        <a:t>評価</a:t>
+                      </a:r>
+                    </a:p>
+                  </a:txBody>
+                  <a:tcPr marL="51435" marR="51435" marT="0" marB="0">
+                    <a:lnL w="12700" cap="flat" cmpd="sng" algn="ctr">
+                      <a:solidFill>
+                        <a:schemeClr val="tx1"/>
+                      </a:solidFill>
+                      <a:prstDash val="solid"/>
+                      <a:round/>
+                      <a:headEnd type="none" w="med" len="med"/>
+                      <a:tailEnd type="none" w="med" len="med"/>
+                    </a:lnL>
+                    <a:lnR w="12700" cap="flat" cmpd="sng" algn="ctr">
+                      <a:solidFill>
+                        <a:schemeClr val="tx1"/>
+                      </a:solidFill>
+                      <a:prstDash val="solid"/>
+                      <a:round/>
+                      <a:headEnd type="none" w="med" len="med"/>
+                      <a:tailEnd type="none" w="med" len="med"/>
+                    </a:lnR>
+                    <a:lnT w="12700" cap="flat" cmpd="sng" algn="ctr">
+                      <a:solidFill>
+                        <a:schemeClr val="tx1"/>
+                      </a:solidFill>
+                      <a:prstDash val="solid"/>
+                      <a:round/>
+                      <a:headEnd type="none" w="med" len="med"/>
+                      <a:tailEnd type="none" w="med" len="med"/>
+                    </a:lnT>
+                    <a:lnB w="12700" cap="flat" cmpd="sng" algn="ctr">
+                      <a:solidFill>
+                        <a:schemeClr val="tx1"/>
+                      </a:solidFill>
+                      <a:prstDash val="solid"/>
+                      <a:round/>
+                      <a:headEnd type="none" w="med" len="med"/>
+                      <a:tailEnd type="none" w="med" len="med"/>
+                    </a:lnB>
+                  </a:tcPr>
+                </a:tc>
+                <a:extLst>
+                  <a:ext uri="{0D108BD9-81ED-4DB2-BD59-A6C34878D82A}">
+                    <a16:rowId xmlns:a16="http://schemas.microsoft.com/office/drawing/2014/main" val="2271061721"/>
+                  </a:ext>
+                </a:extLst>
+              </a:tr>
+              <a:tr h="335088">
+                <a:tc>
+                  <a:txBody>
+                    <a:bodyPr/>
+                    <a:lstStyle/>
+                    <a:p>
+                      <a:pPr algn="ctr">
+                        <a:spcAft>
+                          <a:spcPts val="0"/>
+                        </a:spcAft>
+                      </a:pPr>
+                      <a:r>
+                        <a:rPr lang="ja-JP" sz="1600" kern="100" dirty="0">
+                          <a:effectLst/>
+                          <a:latin typeface="Century" panose="02040604050505020304" pitchFamily="18" charset="0"/>
+                          <a:ea typeface="ＭＳ 明朝" panose="02020609040205080304" pitchFamily="17" charset="-128"/>
+                          <a:cs typeface="Times New Roman" panose="02020603050405020304" pitchFamily="18" charset="0"/>
+                        </a:rPr>
+                        <a:t>１</a:t>
+                      </a:r>
+                    </a:p>
+                  </a:txBody>
+                  <a:tcPr marL="51435" marR="51435" marT="0" marB="0">
+                    <a:lnL w="12700" cap="flat" cmpd="sng" algn="ctr">
+                      <a:solidFill>
+                        <a:schemeClr val="tx1"/>
+                      </a:solidFill>
+                      <a:prstDash val="solid"/>
+                      <a:round/>
+                      <a:headEnd type="none" w="med" len="med"/>
+                      <a:tailEnd type="none" w="med" len="med"/>
+                    </a:lnL>
+                    <a:lnR w="12700" cap="flat" cmpd="sng" algn="ctr">
+                      <a:solidFill>
+                        <a:schemeClr val="tx1"/>
+                      </a:solidFill>
+                      <a:prstDash val="solid"/>
+                      <a:round/>
+                      <a:headEnd type="none" w="med" len="med"/>
+                      <a:tailEnd type="none" w="med" len="med"/>
+                    </a:lnR>
+                    <a:lnT w="12700" cap="flat" cmpd="sng" algn="ctr">
+                      <a:solidFill>
+                        <a:schemeClr val="tx1"/>
+                      </a:solidFill>
+                      <a:prstDash val="solid"/>
+                      <a:round/>
+                      <a:headEnd type="none" w="med" len="med"/>
+                      <a:tailEnd type="none" w="med" len="med"/>
+                    </a:lnT>
+                    <a:lnB w="12700" cap="flat" cmpd="sng" algn="ctr">
+                      <a:solidFill>
+                        <a:schemeClr val="tx1"/>
+                      </a:solidFill>
+                      <a:prstDash val="solid"/>
+                      <a:round/>
+                      <a:headEnd type="none" w="med" len="med"/>
+                      <a:tailEnd type="none" w="med" len="med"/>
+                    </a:lnB>
+                  </a:tcPr>
+                </a:tc>
+                <a:tc>
+                  <a:txBody>
+                    <a:bodyPr/>
+                    <a:lstStyle/>
+                    <a:p>
+                      <a:pPr algn="just">
+                        <a:spcAft>
+                          <a:spcPts val="0"/>
+                        </a:spcAft>
+                      </a:pPr>
+                      <a:r>
+                        <a:rPr lang="ja-JP" sz="1600" kern="100" dirty="0">
+                          <a:effectLst/>
+                          <a:latin typeface="Century" panose="02040604050505020304" pitchFamily="18" charset="0"/>
+                          <a:ea typeface="ＭＳ 明朝" panose="02020609040205080304" pitchFamily="17" charset="-128"/>
+                          <a:cs typeface="Times New Roman" panose="02020603050405020304" pitchFamily="18" charset="0"/>
+                        </a:rPr>
+                        <a:t>正解となる解答が選択肢に入っている．</a:t>
+                      </a:r>
+                    </a:p>
+                  </a:txBody>
+                  <a:tcPr marL="51435" marR="51435" marT="0" marB="0">
+                    <a:lnL w="12700" cap="flat" cmpd="sng" algn="ctr">
+                      <a:solidFill>
+                        <a:schemeClr val="tx1"/>
+                      </a:solidFill>
+                      <a:prstDash val="solid"/>
+                      <a:round/>
+                      <a:headEnd type="none" w="med" len="med"/>
+                      <a:tailEnd type="none" w="med" len="med"/>
+                    </a:lnL>
+                    <a:lnR w="12700" cap="flat" cmpd="sng" algn="ctr">
+                      <a:solidFill>
+                        <a:schemeClr val="tx1"/>
+                      </a:solidFill>
+                      <a:prstDash val="solid"/>
+                      <a:round/>
+                      <a:headEnd type="none" w="med" len="med"/>
+                      <a:tailEnd type="none" w="med" len="med"/>
+                    </a:lnR>
+                    <a:lnT w="12700" cap="flat" cmpd="sng" algn="ctr">
+                      <a:solidFill>
+                        <a:schemeClr val="tx1"/>
+                      </a:solidFill>
+                      <a:prstDash val="solid"/>
+                      <a:round/>
+                      <a:headEnd type="none" w="med" len="med"/>
+                      <a:tailEnd type="none" w="med" len="med"/>
+                    </a:lnT>
+                    <a:lnB w="12700" cap="flat" cmpd="sng" algn="ctr">
+                      <a:solidFill>
+                        <a:schemeClr val="tx1"/>
+                      </a:solidFill>
+                      <a:prstDash val="solid"/>
+                      <a:round/>
+                      <a:headEnd type="none" w="med" len="med"/>
+                      <a:tailEnd type="none" w="med" len="med"/>
+                    </a:lnB>
+                  </a:tcPr>
+                </a:tc>
+                <a:tc>
+                  <a:txBody>
+                    <a:bodyPr/>
+                    <a:lstStyle/>
+                    <a:p>
+                      <a:pPr algn="just">
+                        <a:spcAft>
+                          <a:spcPts val="0"/>
+                        </a:spcAft>
+                      </a:pPr>
+                      <a:r>
+                        <a:rPr lang="en-US" sz="1600" kern="100">
+                          <a:effectLst/>
+                          <a:latin typeface="Century" panose="02040604050505020304" pitchFamily="18" charset="0"/>
+                          <a:ea typeface="ＭＳ 明朝" panose="02020609040205080304" pitchFamily="17" charset="-128"/>
+                          <a:cs typeface="Times New Roman" panose="02020603050405020304" pitchFamily="18" charset="0"/>
+                        </a:rPr>
+                        <a:t>Yes / No</a:t>
+                      </a:r>
+                      <a:endParaRPr lang="ja-JP" sz="1600" kern="100">
+                        <a:effectLst/>
+                        <a:latin typeface="Century" panose="02040604050505020304" pitchFamily="18" charset="0"/>
+                        <a:ea typeface="ＭＳ 明朝" panose="02020609040205080304" pitchFamily="17" charset="-128"/>
+                        <a:cs typeface="Times New Roman" panose="02020603050405020304" pitchFamily="18" charset="0"/>
+                      </a:endParaRPr>
+                    </a:p>
+                  </a:txBody>
+                  <a:tcPr marL="51435" marR="51435" marT="0" marB="0">
+                    <a:lnL w="12700" cap="flat" cmpd="sng" algn="ctr">
+                      <a:solidFill>
+                        <a:schemeClr val="tx1"/>
+                      </a:solidFill>
+                      <a:prstDash val="solid"/>
+                      <a:round/>
+                      <a:headEnd type="none" w="med" len="med"/>
+                      <a:tailEnd type="none" w="med" len="med"/>
+                    </a:lnL>
+                    <a:lnR w="12700" cap="flat" cmpd="sng" algn="ctr">
+                      <a:solidFill>
+                        <a:schemeClr val="tx1"/>
+                      </a:solidFill>
+                      <a:prstDash val="solid"/>
+                      <a:round/>
+                      <a:headEnd type="none" w="med" len="med"/>
+                      <a:tailEnd type="none" w="med" len="med"/>
+                    </a:lnR>
+                    <a:lnT w="12700" cap="flat" cmpd="sng" algn="ctr">
+                      <a:solidFill>
+                        <a:schemeClr val="tx1"/>
+                      </a:solidFill>
+                      <a:prstDash val="solid"/>
+                      <a:round/>
+                      <a:headEnd type="none" w="med" len="med"/>
+                      <a:tailEnd type="none" w="med" len="med"/>
+                    </a:lnT>
+                    <a:lnB w="12700" cap="flat" cmpd="sng" algn="ctr">
+                      <a:solidFill>
+                        <a:schemeClr val="tx1"/>
+                      </a:solidFill>
+                      <a:prstDash val="solid"/>
+                      <a:round/>
+                      <a:headEnd type="none" w="med" len="med"/>
+                      <a:tailEnd type="none" w="med" len="med"/>
+                    </a:lnB>
+                  </a:tcPr>
+                </a:tc>
+                <a:extLst>
+                  <a:ext uri="{0D108BD9-81ED-4DB2-BD59-A6C34878D82A}">
+                    <a16:rowId xmlns:a16="http://schemas.microsoft.com/office/drawing/2014/main" val="3341875207"/>
+                  </a:ext>
+                </a:extLst>
+              </a:tr>
+              <a:tr h="335088">
+                <a:tc>
+                  <a:txBody>
+                    <a:bodyPr/>
+                    <a:lstStyle/>
+                    <a:p>
+                      <a:pPr algn="ctr">
+                        <a:spcAft>
+                          <a:spcPts val="0"/>
+                        </a:spcAft>
+                      </a:pPr>
+                      <a:r>
+                        <a:rPr lang="ja-JP" sz="1600" kern="100">
+                          <a:effectLst/>
+                          <a:latin typeface="Century" panose="02040604050505020304" pitchFamily="18" charset="0"/>
+                          <a:ea typeface="ＭＳ 明朝" panose="02020609040205080304" pitchFamily="17" charset="-128"/>
+                          <a:cs typeface="Times New Roman" panose="02020603050405020304" pitchFamily="18" charset="0"/>
+                        </a:rPr>
+                        <a:t>２</a:t>
+                      </a:r>
+                    </a:p>
+                  </a:txBody>
+                  <a:tcPr marL="51435" marR="51435" marT="0" marB="0">
+                    <a:lnL w="12700" cap="flat" cmpd="sng" algn="ctr">
+                      <a:solidFill>
+                        <a:schemeClr val="tx1"/>
+                      </a:solidFill>
+                      <a:prstDash val="solid"/>
+                      <a:round/>
+                      <a:headEnd type="none" w="med" len="med"/>
+                      <a:tailEnd type="none" w="med" len="med"/>
+                    </a:lnL>
+                    <a:lnR w="12700" cap="flat" cmpd="sng" algn="ctr">
+                      <a:solidFill>
+                        <a:schemeClr val="tx1"/>
+                      </a:solidFill>
+                      <a:prstDash val="solid"/>
+                      <a:round/>
+                      <a:headEnd type="none" w="med" len="med"/>
+                      <a:tailEnd type="none" w="med" len="med"/>
+                    </a:lnR>
+                    <a:lnT w="12700" cap="flat" cmpd="sng" algn="ctr">
+                      <a:solidFill>
+                        <a:schemeClr val="tx1"/>
+                      </a:solidFill>
+                      <a:prstDash val="solid"/>
+                      <a:round/>
+                      <a:headEnd type="none" w="med" len="med"/>
+                      <a:tailEnd type="none" w="med" len="med"/>
+                    </a:lnT>
+                    <a:lnB w="12700" cap="flat" cmpd="sng" algn="ctr">
+                      <a:solidFill>
+                        <a:schemeClr val="tx1"/>
+                      </a:solidFill>
+                      <a:prstDash val="solid"/>
+                      <a:round/>
+                      <a:headEnd type="none" w="med" len="med"/>
+                      <a:tailEnd type="none" w="med" len="med"/>
+                    </a:lnB>
+                  </a:tcPr>
+                </a:tc>
+                <a:tc>
+                  <a:txBody>
+                    <a:bodyPr/>
+                    <a:lstStyle/>
+                    <a:p>
+                      <a:pPr algn="just">
+                        <a:spcAft>
+                          <a:spcPts val="0"/>
+                        </a:spcAft>
+                      </a:pPr>
+                      <a:r>
+                        <a:rPr lang="ja-JP" sz="1600" kern="100" dirty="0">
+                          <a:effectLst/>
+                          <a:latin typeface="Century" panose="02040604050505020304" pitchFamily="18" charset="0"/>
+                          <a:ea typeface="ＭＳ 明朝" panose="02020609040205080304" pitchFamily="17" charset="-128"/>
+                          <a:cs typeface="Times New Roman" panose="02020603050405020304" pitchFamily="18" charset="0"/>
+                        </a:rPr>
+                        <a:t>設問内で選択肢が複数かぶっていない．</a:t>
+                      </a:r>
+                    </a:p>
+                  </a:txBody>
+                  <a:tcPr marL="51435" marR="51435" marT="0" marB="0">
+                    <a:lnL w="12700" cap="flat" cmpd="sng" algn="ctr">
+                      <a:solidFill>
+                        <a:schemeClr val="tx1"/>
+                      </a:solidFill>
+                      <a:prstDash val="solid"/>
+                      <a:round/>
+                      <a:headEnd type="none" w="med" len="med"/>
+                      <a:tailEnd type="none" w="med" len="med"/>
+                    </a:lnL>
+                    <a:lnR w="12700" cap="flat" cmpd="sng" algn="ctr">
+                      <a:solidFill>
+                        <a:schemeClr val="tx1"/>
+                      </a:solidFill>
+                      <a:prstDash val="solid"/>
+                      <a:round/>
+                      <a:headEnd type="none" w="med" len="med"/>
+                      <a:tailEnd type="none" w="med" len="med"/>
+                    </a:lnR>
+                    <a:lnT w="12700" cap="flat" cmpd="sng" algn="ctr">
+                      <a:solidFill>
+                        <a:schemeClr val="tx1"/>
+                      </a:solidFill>
+                      <a:prstDash val="solid"/>
+                      <a:round/>
+                      <a:headEnd type="none" w="med" len="med"/>
+                      <a:tailEnd type="none" w="med" len="med"/>
+                    </a:lnT>
+                    <a:lnB w="12700" cap="flat" cmpd="sng" algn="ctr">
+                      <a:solidFill>
+                        <a:schemeClr val="tx1"/>
+                      </a:solidFill>
+                      <a:prstDash val="solid"/>
+                      <a:round/>
+                      <a:headEnd type="none" w="med" len="med"/>
+                      <a:tailEnd type="none" w="med" len="med"/>
+                    </a:lnB>
+                  </a:tcPr>
+                </a:tc>
+                <a:tc>
+                  <a:txBody>
+                    <a:bodyPr/>
+                    <a:lstStyle/>
+                    <a:p>
+                      <a:pPr algn="just">
+                        <a:spcAft>
+                          <a:spcPts val="0"/>
+                        </a:spcAft>
+                      </a:pPr>
+                      <a:r>
+                        <a:rPr lang="en-US" sz="1600" kern="100">
+                          <a:effectLst/>
+                          <a:latin typeface="Century" panose="02040604050505020304" pitchFamily="18" charset="0"/>
+                          <a:ea typeface="ＭＳ 明朝" panose="02020609040205080304" pitchFamily="17" charset="-128"/>
+                          <a:cs typeface="Times New Roman" panose="02020603050405020304" pitchFamily="18" charset="0"/>
+                        </a:rPr>
+                        <a:t>Yes / No</a:t>
+                      </a:r>
+                      <a:endParaRPr lang="ja-JP" sz="1600" kern="100">
+                        <a:effectLst/>
+                        <a:latin typeface="Century" panose="02040604050505020304" pitchFamily="18" charset="0"/>
+                        <a:ea typeface="ＭＳ 明朝" panose="02020609040205080304" pitchFamily="17" charset="-128"/>
+                        <a:cs typeface="Times New Roman" panose="02020603050405020304" pitchFamily="18" charset="0"/>
+                      </a:endParaRPr>
+                    </a:p>
+                  </a:txBody>
+                  <a:tcPr marL="51435" marR="51435" marT="0" marB="0">
+                    <a:lnL w="12700" cap="flat" cmpd="sng" algn="ctr">
+                      <a:solidFill>
+                        <a:schemeClr val="tx1"/>
+                      </a:solidFill>
+                      <a:prstDash val="solid"/>
+                      <a:round/>
+                      <a:headEnd type="none" w="med" len="med"/>
+                      <a:tailEnd type="none" w="med" len="med"/>
+                    </a:lnL>
+                    <a:lnR w="12700" cap="flat" cmpd="sng" algn="ctr">
+                      <a:solidFill>
+                        <a:schemeClr val="tx1"/>
+                      </a:solidFill>
+                      <a:prstDash val="solid"/>
+                      <a:round/>
+                      <a:headEnd type="none" w="med" len="med"/>
+                      <a:tailEnd type="none" w="med" len="med"/>
+                    </a:lnR>
+                    <a:lnT w="12700" cap="flat" cmpd="sng" algn="ctr">
+                      <a:solidFill>
+                        <a:schemeClr val="tx1"/>
+                      </a:solidFill>
+                      <a:prstDash val="solid"/>
+                      <a:round/>
+                      <a:headEnd type="none" w="med" len="med"/>
+                      <a:tailEnd type="none" w="med" len="med"/>
+                    </a:lnT>
+                    <a:lnB w="12700" cap="flat" cmpd="sng" algn="ctr">
+                      <a:solidFill>
+                        <a:schemeClr val="tx1"/>
+                      </a:solidFill>
+                      <a:prstDash val="solid"/>
+                      <a:round/>
+                      <a:headEnd type="none" w="med" len="med"/>
+                      <a:tailEnd type="none" w="med" len="med"/>
+                    </a:lnB>
+                  </a:tcPr>
+                </a:tc>
+                <a:extLst>
+                  <a:ext uri="{0D108BD9-81ED-4DB2-BD59-A6C34878D82A}">
+                    <a16:rowId xmlns:a16="http://schemas.microsoft.com/office/drawing/2014/main" val="1736768437"/>
+                  </a:ext>
+                </a:extLst>
+              </a:tr>
+              <a:tr h="335088">
+                <a:tc>
+                  <a:txBody>
+                    <a:bodyPr/>
+                    <a:lstStyle/>
+                    <a:p>
+                      <a:pPr algn="ctr">
+                        <a:spcAft>
+                          <a:spcPts val="0"/>
+                        </a:spcAft>
+                      </a:pPr>
+                      <a:r>
+                        <a:rPr lang="ja-JP" sz="1600" kern="100">
+                          <a:effectLst/>
+                          <a:latin typeface="Century" panose="02040604050505020304" pitchFamily="18" charset="0"/>
+                          <a:ea typeface="ＭＳ 明朝" panose="02020609040205080304" pitchFamily="17" charset="-128"/>
+                          <a:cs typeface="Times New Roman" panose="02020603050405020304" pitchFamily="18" charset="0"/>
+                        </a:rPr>
+                        <a:t>３</a:t>
+                      </a:r>
+                    </a:p>
+                  </a:txBody>
+                  <a:tcPr marL="51435" marR="51435" marT="0" marB="0">
+                    <a:lnL w="12700" cap="flat" cmpd="sng" algn="ctr">
+                      <a:solidFill>
+                        <a:schemeClr val="tx1"/>
+                      </a:solidFill>
+                      <a:prstDash val="solid"/>
+                      <a:round/>
+                      <a:headEnd type="none" w="med" len="med"/>
+                      <a:tailEnd type="none" w="med" len="med"/>
+                    </a:lnL>
+                    <a:lnR w="12700" cap="flat" cmpd="sng" algn="ctr">
+                      <a:solidFill>
+                        <a:schemeClr val="tx1"/>
+                      </a:solidFill>
+                      <a:prstDash val="solid"/>
+                      <a:round/>
+                      <a:headEnd type="none" w="med" len="med"/>
+                      <a:tailEnd type="none" w="med" len="med"/>
+                    </a:lnR>
+                    <a:lnT w="12700" cap="flat" cmpd="sng" algn="ctr">
+                      <a:solidFill>
+                        <a:schemeClr val="tx1"/>
+                      </a:solidFill>
+                      <a:prstDash val="solid"/>
+                      <a:round/>
+                      <a:headEnd type="none" w="med" len="med"/>
+                      <a:tailEnd type="none" w="med" len="med"/>
+                    </a:lnT>
+                    <a:lnB w="12700" cap="flat" cmpd="sng" algn="ctr">
+                      <a:solidFill>
+                        <a:schemeClr val="tx1"/>
+                      </a:solidFill>
+                      <a:prstDash val="solid"/>
+                      <a:round/>
+                      <a:headEnd type="none" w="med" len="med"/>
+                      <a:tailEnd type="none" w="med" len="med"/>
+                    </a:lnB>
+                  </a:tcPr>
+                </a:tc>
+                <a:tc>
+                  <a:txBody>
+                    <a:bodyPr/>
+                    <a:lstStyle/>
+                    <a:p>
+                      <a:pPr algn="just">
+                        <a:spcAft>
+                          <a:spcPts val="0"/>
+                        </a:spcAft>
+                      </a:pPr>
+                      <a:r>
+                        <a:rPr lang="ja-JP" sz="1600" kern="100" dirty="0">
+                          <a:effectLst/>
+                          <a:latin typeface="Century" panose="02040604050505020304" pitchFamily="18" charset="0"/>
+                          <a:ea typeface="ＭＳ 明朝" panose="02020609040205080304" pitchFamily="17" charset="-128"/>
+                          <a:cs typeface="Times New Roman" panose="02020603050405020304" pitchFamily="18" charset="0"/>
+                        </a:rPr>
+                        <a:t>ブロックプログラミングより解答が推測できる．</a:t>
+                      </a:r>
+                    </a:p>
+                  </a:txBody>
+                  <a:tcPr marL="51435" marR="51435" marT="0" marB="0">
+                    <a:lnL w="12700" cap="flat" cmpd="sng" algn="ctr">
+                      <a:solidFill>
+                        <a:schemeClr val="tx1"/>
+                      </a:solidFill>
+                      <a:prstDash val="solid"/>
+                      <a:round/>
+                      <a:headEnd type="none" w="med" len="med"/>
+                      <a:tailEnd type="none" w="med" len="med"/>
+                    </a:lnL>
+                    <a:lnR w="12700" cap="flat" cmpd="sng" algn="ctr">
+                      <a:solidFill>
+                        <a:schemeClr val="tx1"/>
+                      </a:solidFill>
+                      <a:prstDash val="solid"/>
+                      <a:round/>
+                      <a:headEnd type="none" w="med" len="med"/>
+                      <a:tailEnd type="none" w="med" len="med"/>
+                    </a:lnR>
+                    <a:lnT w="12700" cap="flat" cmpd="sng" algn="ctr">
+                      <a:solidFill>
+                        <a:schemeClr val="tx1"/>
+                      </a:solidFill>
+                      <a:prstDash val="solid"/>
+                      <a:round/>
+                      <a:headEnd type="none" w="med" len="med"/>
+                      <a:tailEnd type="none" w="med" len="med"/>
+                    </a:lnT>
+                    <a:lnB w="12700" cap="flat" cmpd="sng" algn="ctr">
+                      <a:solidFill>
+                        <a:schemeClr val="tx1"/>
+                      </a:solidFill>
+                      <a:prstDash val="solid"/>
+                      <a:round/>
+                      <a:headEnd type="none" w="med" len="med"/>
+                      <a:tailEnd type="none" w="med" len="med"/>
+                    </a:lnB>
+                  </a:tcPr>
+                </a:tc>
+                <a:tc>
+                  <a:txBody>
+                    <a:bodyPr/>
+                    <a:lstStyle/>
+                    <a:p>
+                      <a:pPr algn="just">
+                        <a:spcAft>
+                          <a:spcPts val="0"/>
+                        </a:spcAft>
+                      </a:pPr>
+                      <a:r>
+                        <a:rPr lang="en-US" sz="1600" kern="100">
+                          <a:effectLst/>
+                          <a:latin typeface="Century" panose="02040604050505020304" pitchFamily="18" charset="0"/>
+                          <a:ea typeface="ＭＳ 明朝" panose="02020609040205080304" pitchFamily="17" charset="-128"/>
+                          <a:cs typeface="Times New Roman" panose="02020603050405020304" pitchFamily="18" charset="0"/>
+                        </a:rPr>
+                        <a:t>Yes / No</a:t>
+                      </a:r>
+                      <a:endParaRPr lang="ja-JP" sz="1600" kern="100">
+                        <a:effectLst/>
+                        <a:latin typeface="Century" panose="02040604050505020304" pitchFamily="18" charset="0"/>
+                        <a:ea typeface="ＭＳ 明朝" panose="02020609040205080304" pitchFamily="17" charset="-128"/>
+                        <a:cs typeface="Times New Roman" panose="02020603050405020304" pitchFamily="18" charset="0"/>
+                      </a:endParaRPr>
+                    </a:p>
+                  </a:txBody>
+                  <a:tcPr marL="51435" marR="51435" marT="0" marB="0">
+                    <a:lnL w="12700" cap="flat" cmpd="sng" algn="ctr">
+                      <a:solidFill>
+                        <a:schemeClr val="tx1"/>
+                      </a:solidFill>
+                      <a:prstDash val="solid"/>
+                      <a:round/>
+                      <a:headEnd type="none" w="med" len="med"/>
+                      <a:tailEnd type="none" w="med" len="med"/>
+                    </a:lnL>
+                    <a:lnR w="12700" cap="flat" cmpd="sng" algn="ctr">
+                      <a:solidFill>
+                        <a:schemeClr val="tx1"/>
+                      </a:solidFill>
+                      <a:prstDash val="solid"/>
+                      <a:round/>
+                      <a:headEnd type="none" w="med" len="med"/>
+                      <a:tailEnd type="none" w="med" len="med"/>
+                    </a:lnR>
+                    <a:lnT w="12700" cap="flat" cmpd="sng" algn="ctr">
+                      <a:solidFill>
+                        <a:schemeClr val="tx1"/>
+                      </a:solidFill>
+                      <a:prstDash val="solid"/>
+                      <a:round/>
+                      <a:headEnd type="none" w="med" len="med"/>
+                      <a:tailEnd type="none" w="med" len="med"/>
+                    </a:lnT>
+                    <a:lnB w="12700" cap="flat" cmpd="sng" algn="ctr">
+                      <a:solidFill>
+                        <a:schemeClr val="tx1"/>
+                      </a:solidFill>
+                      <a:prstDash val="solid"/>
+                      <a:round/>
+                      <a:headEnd type="none" w="med" len="med"/>
+                      <a:tailEnd type="none" w="med" len="med"/>
+                    </a:lnB>
+                  </a:tcPr>
+                </a:tc>
+                <a:extLst>
+                  <a:ext uri="{0D108BD9-81ED-4DB2-BD59-A6C34878D82A}">
+                    <a16:rowId xmlns:a16="http://schemas.microsoft.com/office/drawing/2014/main" val="159386025"/>
+                  </a:ext>
+                </a:extLst>
+              </a:tr>
+              <a:tr h="707215">
+                <a:tc>
+                  <a:txBody>
+                    <a:bodyPr/>
+                    <a:lstStyle/>
+                    <a:p>
+                      <a:pPr algn="ctr">
+                        <a:spcAft>
+                          <a:spcPts val="0"/>
+                        </a:spcAft>
+                      </a:pPr>
+                      <a:r>
+                        <a:rPr lang="ja-JP" sz="1600" kern="100">
+                          <a:effectLst/>
+                          <a:latin typeface="Century" panose="02040604050505020304" pitchFamily="18" charset="0"/>
+                          <a:ea typeface="ＭＳ 明朝" panose="02020609040205080304" pitchFamily="17" charset="-128"/>
+                          <a:cs typeface="Times New Roman" panose="02020603050405020304" pitchFamily="18" charset="0"/>
+                        </a:rPr>
+                        <a:t>４</a:t>
+                      </a:r>
+                    </a:p>
+                  </a:txBody>
+                  <a:tcPr marL="51435" marR="51435" marT="0" marB="0">
+                    <a:lnL w="12700" cap="flat" cmpd="sng" algn="ctr">
+                      <a:solidFill>
+                        <a:schemeClr val="tx1"/>
+                      </a:solidFill>
+                      <a:prstDash val="solid"/>
+                      <a:round/>
+                      <a:headEnd type="none" w="med" len="med"/>
+                      <a:tailEnd type="none" w="med" len="med"/>
+                    </a:lnL>
+                    <a:lnR w="12700" cap="flat" cmpd="sng" algn="ctr">
+                      <a:solidFill>
+                        <a:schemeClr val="tx1"/>
+                      </a:solidFill>
+                      <a:prstDash val="solid"/>
+                      <a:round/>
+                      <a:headEnd type="none" w="med" len="med"/>
+                      <a:tailEnd type="none" w="med" len="med"/>
+                    </a:lnR>
+                    <a:lnT w="12700" cap="flat" cmpd="sng" algn="ctr">
+                      <a:solidFill>
+                        <a:schemeClr val="tx1"/>
+                      </a:solidFill>
+                      <a:prstDash val="solid"/>
+                      <a:round/>
+                      <a:headEnd type="none" w="med" len="med"/>
+                      <a:tailEnd type="none" w="med" len="med"/>
+                    </a:lnT>
+                    <a:lnB w="12700" cap="flat" cmpd="sng" algn="ctr">
+                      <a:solidFill>
+                        <a:schemeClr val="tx1"/>
+                      </a:solidFill>
+                      <a:prstDash val="solid"/>
+                      <a:round/>
+                      <a:headEnd type="none" w="med" len="med"/>
+                      <a:tailEnd type="none" w="med" len="med"/>
+                    </a:lnB>
+                  </a:tcPr>
+                </a:tc>
+                <a:tc>
+                  <a:txBody>
+                    <a:bodyPr/>
+                    <a:lstStyle/>
+                    <a:p>
+                      <a:pPr algn="just">
+                        <a:spcAft>
+                          <a:spcPts val="0"/>
+                        </a:spcAft>
+                      </a:pPr>
+                      <a:r>
+                        <a:rPr lang="ja-JP" sz="1600" kern="100" dirty="0">
+                          <a:effectLst/>
+                          <a:latin typeface="Century" panose="02040604050505020304" pitchFamily="18" charset="0"/>
+                          <a:ea typeface="ＭＳ 明朝" panose="02020609040205080304" pitchFamily="17" charset="-128"/>
+                          <a:cs typeface="Times New Roman" panose="02020603050405020304" pitchFamily="18" charset="0"/>
+                        </a:rPr>
+                        <a:t>出題内容の</a:t>
+                      </a:r>
+                      <a:r>
+                        <a:rPr lang="ja-JP" sz="1600" kern="100" dirty="0" smtClean="0">
+                          <a:effectLst/>
+                          <a:latin typeface="Century" panose="02040604050505020304" pitchFamily="18" charset="0"/>
+                          <a:ea typeface="ＭＳ 明朝" panose="02020609040205080304" pitchFamily="17" charset="-128"/>
+                          <a:cs typeface="Times New Roman" panose="02020603050405020304" pitchFamily="18" charset="0"/>
+                        </a:rPr>
+                        <a:t>種類</a:t>
+                      </a:r>
+                      <a:r>
+                        <a:rPr lang="ja-JP" altLang="en-US" sz="1600" kern="100" dirty="0" smtClean="0">
+                          <a:effectLst/>
+                          <a:latin typeface="Century" panose="02040604050505020304" pitchFamily="18" charset="0"/>
+                          <a:ea typeface="ＭＳ 明朝" panose="02020609040205080304" pitchFamily="17" charset="-128"/>
+                          <a:cs typeface="Times New Roman" panose="02020603050405020304" pitchFamily="18" charset="0"/>
+                        </a:rPr>
+                        <a:t>．</a:t>
+                      </a:r>
+                      <a:endParaRPr lang="ja-JP" sz="1600" kern="100" dirty="0">
+                        <a:effectLst/>
+                        <a:latin typeface="Century" panose="02040604050505020304" pitchFamily="18" charset="0"/>
+                        <a:ea typeface="ＭＳ 明朝" panose="02020609040205080304" pitchFamily="17" charset="-128"/>
+                        <a:cs typeface="Times New Roman" panose="02020603050405020304" pitchFamily="18" charset="0"/>
+                      </a:endParaRPr>
+                    </a:p>
+                  </a:txBody>
+                  <a:tcPr marL="51435" marR="51435" marT="0" marB="0">
+                    <a:lnL w="12700" cap="flat" cmpd="sng" algn="ctr">
+                      <a:solidFill>
+                        <a:schemeClr val="tx1"/>
+                      </a:solidFill>
+                      <a:prstDash val="solid"/>
+                      <a:round/>
+                      <a:headEnd type="none" w="med" len="med"/>
+                      <a:tailEnd type="none" w="med" len="med"/>
+                    </a:lnL>
+                    <a:lnR w="12700" cap="flat" cmpd="sng" algn="ctr">
+                      <a:solidFill>
+                        <a:schemeClr val="tx1"/>
+                      </a:solidFill>
+                      <a:prstDash val="solid"/>
+                      <a:round/>
+                      <a:headEnd type="none" w="med" len="med"/>
+                      <a:tailEnd type="none" w="med" len="med"/>
+                    </a:lnR>
+                    <a:lnT w="12700" cap="flat" cmpd="sng" algn="ctr">
+                      <a:solidFill>
+                        <a:schemeClr val="tx1"/>
+                      </a:solidFill>
+                      <a:prstDash val="solid"/>
+                      <a:round/>
+                      <a:headEnd type="none" w="med" len="med"/>
+                      <a:tailEnd type="none" w="med" len="med"/>
+                    </a:lnT>
+                    <a:lnB w="12700" cap="flat" cmpd="sng" algn="ctr">
+                      <a:solidFill>
+                        <a:schemeClr val="tx1"/>
+                      </a:solidFill>
+                      <a:prstDash val="solid"/>
+                      <a:round/>
+                      <a:headEnd type="none" w="med" len="med"/>
+                      <a:tailEnd type="none" w="med" len="med"/>
+                    </a:lnB>
+                  </a:tcPr>
+                </a:tc>
+                <a:tc>
+                  <a:txBody>
+                    <a:bodyPr/>
+                    <a:lstStyle/>
+                    <a:p>
+                      <a:pPr algn="just">
+                        <a:spcAft>
+                          <a:spcPts val="0"/>
+                        </a:spcAft>
+                      </a:pPr>
+                      <a:r>
+                        <a:rPr lang="ja-JP" sz="1600" kern="100" dirty="0">
+                          <a:effectLst/>
+                          <a:latin typeface="Century" panose="02040604050505020304" pitchFamily="18" charset="0"/>
+                          <a:ea typeface="ＭＳ 明朝" panose="02020609040205080304" pitchFamily="17" charset="-128"/>
+                          <a:cs typeface="Times New Roman" panose="02020603050405020304" pitchFamily="18" charset="0"/>
+                        </a:rPr>
+                        <a:t>（予約語，不等号</a:t>
+                      </a:r>
+                      <a:r>
+                        <a:rPr lang="ja-JP" sz="1600" kern="100" dirty="0" smtClean="0">
+                          <a:effectLst/>
+                          <a:latin typeface="Century" panose="02040604050505020304" pitchFamily="18" charset="0"/>
+                          <a:ea typeface="ＭＳ 明朝" panose="02020609040205080304" pitchFamily="17" charset="-128"/>
+                          <a:cs typeface="Times New Roman" panose="02020603050405020304" pitchFamily="18" charset="0"/>
+                        </a:rPr>
+                        <a:t>，</a:t>
+                      </a:r>
+                      <a:endParaRPr lang="en-US" altLang="ja-JP" sz="1600" kern="100" dirty="0" smtClean="0">
+                        <a:effectLst/>
+                        <a:latin typeface="Century" panose="02040604050505020304" pitchFamily="18" charset="0"/>
+                        <a:ea typeface="ＭＳ 明朝" panose="02020609040205080304" pitchFamily="17" charset="-128"/>
+                        <a:cs typeface="Times New Roman" panose="02020603050405020304" pitchFamily="18" charset="0"/>
+                      </a:endParaRPr>
+                    </a:p>
+                    <a:p>
+                      <a:pPr algn="just">
+                        <a:spcAft>
+                          <a:spcPts val="0"/>
+                        </a:spcAft>
+                      </a:pPr>
+                      <a:r>
+                        <a:rPr lang="ja-JP" sz="1600" kern="100" dirty="0" smtClean="0">
+                          <a:effectLst/>
+                          <a:latin typeface="Century" panose="02040604050505020304" pitchFamily="18" charset="0"/>
+                          <a:ea typeface="ＭＳ 明朝" panose="02020609040205080304" pitchFamily="17" charset="-128"/>
+                          <a:cs typeface="Times New Roman" panose="02020603050405020304" pitchFamily="18" charset="0"/>
+                        </a:rPr>
+                        <a:t>四則</a:t>
+                      </a:r>
+                      <a:r>
+                        <a:rPr lang="ja-JP" sz="1600" kern="100" dirty="0">
+                          <a:effectLst/>
+                          <a:latin typeface="Century" panose="02040604050505020304" pitchFamily="18" charset="0"/>
+                          <a:ea typeface="ＭＳ 明朝" panose="02020609040205080304" pitchFamily="17" charset="-128"/>
+                          <a:cs typeface="Times New Roman" panose="02020603050405020304" pitchFamily="18" charset="0"/>
+                        </a:rPr>
+                        <a:t>演算， </a:t>
+                      </a:r>
+                      <a:r>
+                        <a:rPr lang="ja-JP" sz="1600" kern="100" dirty="0" smtClean="0">
+                          <a:effectLst/>
+                          <a:latin typeface="Century" panose="02040604050505020304" pitchFamily="18" charset="0"/>
+                          <a:ea typeface="ＭＳ 明朝" panose="02020609040205080304" pitchFamily="17" charset="-128"/>
+                          <a:cs typeface="Times New Roman" panose="02020603050405020304" pitchFamily="18" charset="0"/>
+                        </a:rPr>
+                        <a:t>特殊</a:t>
+                      </a:r>
+                      <a:r>
+                        <a:rPr lang="ja-JP" sz="1600" kern="100" dirty="0">
+                          <a:effectLst/>
+                          <a:latin typeface="Century" panose="02040604050505020304" pitchFamily="18" charset="0"/>
+                          <a:ea typeface="ＭＳ 明朝" panose="02020609040205080304" pitchFamily="17" charset="-128"/>
+                          <a:cs typeface="Times New Roman" panose="02020603050405020304" pitchFamily="18" charset="0"/>
+                        </a:rPr>
+                        <a:t>記号）</a:t>
+                      </a:r>
+                    </a:p>
+                  </a:txBody>
+                  <a:tcPr marL="51435" marR="51435" marT="0" marB="0">
+                    <a:lnL w="12700" cap="flat" cmpd="sng" algn="ctr">
+                      <a:solidFill>
+                        <a:schemeClr val="tx1"/>
+                      </a:solidFill>
+                      <a:prstDash val="solid"/>
+                      <a:round/>
+                      <a:headEnd type="none" w="med" len="med"/>
+                      <a:tailEnd type="none" w="med" len="med"/>
+                    </a:lnL>
+                    <a:lnR w="12700" cap="flat" cmpd="sng" algn="ctr">
+                      <a:solidFill>
+                        <a:schemeClr val="tx1"/>
+                      </a:solidFill>
+                      <a:prstDash val="solid"/>
+                      <a:round/>
+                      <a:headEnd type="none" w="med" len="med"/>
+                      <a:tailEnd type="none" w="med" len="med"/>
+                    </a:lnR>
+                    <a:lnT w="12700" cap="flat" cmpd="sng" algn="ctr">
+                      <a:solidFill>
+                        <a:schemeClr val="tx1"/>
+                      </a:solidFill>
+                      <a:prstDash val="solid"/>
+                      <a:round/>
+                      <a:headEnd type="none" w="med" len="med"/>
+                      <a:tailEnd type="none" w="med" len="med"/>
+                    </a:lnT>
+                    <a:lnB w="12700" cap="flat" cmpd="sng" algn="ctr">
+                      <a:solidFill>
+                        <a:schemeClr val="tx1"/>
+                      </a:solidFill>
+                      <a:prstDash val="solid"/>
+                      <a:round/>
+                      <a:headEnd type="none" w="med" len="med"/>
+                      <a:tailEnd type="none" w="med" len="med"/>
+                    </a:lnB>
+                  </a:tcPr>
+                </a:tc>
+                <a:extLst>
+                  <a:ext uri="{0D108BD9-81ED-4DB2-BD59-A6C34878D82A}">
+                    <a16:rowId xmlns:a16="http://schemas.microsoft.com/office/drawing/2014/main" val="43454857"/>
+                  </a:ext>
+                </a:extLst>
+              </a:tr>
+              <a:tr h="335088">
+                <a:tc>
+                  <a:txBody>
+                    <a:bodyPr/>
+                    <a:lstStyle/>
+                    <a:p>
+                      <a:pPr algn="ctr">
+                        <a:spcAft>
+                          <a:spcPts val="0"/>
+                        </a:spcAft>
+                      </a:pPr>
+                      <a:r>
+                        <a:rPr lang="ja-JP" sz="1600" kern="100">
+                          <a:effectLst/>
+                          <a:latin typeface="Century" panose="02040604050505020304" pitchFamily="18" charset="0"/>
+                          <a:ea typeface="ＭＳ 明朝" panose="02020609040205080304" pitchFamily="17" charset="-128"/>
+                          <a:cs typeface="Times New Roman" panose="02020603050405020304" pitchFamily="18" charset="0"/>
+                        </a:rPr>
+                        <a:t>５</a:t>
+                      </a:r>
+                    </a:p>
+                  </a:txBody>
+                  <a:tcPr marL="51435" marR="51435" marT="0" marB="0">
+                    <a:lnL w="12700" cap="flat" cmpd="sng" algn="ctr">
+                      <a:solidFill>
+                        <a:schemeClr val="tx1"/>
+                      </a:solidFill>
+                      <a:prstDash val="solid"/>
+                      <a:round/>
+                      <a:headEnd type="none" w="med" len="med"/>
+                      <a:tailEnd type="none" w="med" len="med"/>
+                    </a:lnL>
+                    <a:lnR w="12700" cap="flat" cmpd="sng" algn="ctr">
+                      <a:solidFill>
+                        <a:schemeClr val="tx1"/>
+                      </a:solidFill>
+                      <a:prstDash val="solid"/>
+                      <a:round/>
+                      <a:headEnd type="none" w="med" len="med"/>
+                      <a:tailEnd type="none" w="med" len="med"/>
+                    </a:lnR>
+                    <a:lnT w="12700" cap="flat" cmpd="sng" algn="ctr">
+                      <a:solidFill>
+                        <a:schemeClr val="tx1"/>
+                      </a:solidFill>
+                      <a:prstDash val="solid"/>
+                      <a:round/>
+                      <a:headEnd type="none" w="med" len="med"/>
+                      <a:tailEnd type="none" w="med" len="med"/>
+                    </a:lnT>
+                    <a:lnB w="12700" cap="flat" cmpd="sng" algn="ctr">
+                      <a:solidFill>
+                        <a:schemeClr val="tx1"/>
+                      </a:solidFill>
+                      <a:prstDash val="solid"/>
+                      <a:round/>
+                      <a:headEnd type="none" w="med" len="med"/>
+                      <a:tailEnd type="none" w="med" len="med"/>
+                    </a:lnB>
+                  </a:tcPr>
+                </a:tc>
+                <a:tc>
+                  <a:txBody>
+                    <a:bodyPr/>
+                    <a:lstStyle/>
+                    <a:p>
+                      <a:pPr algn="just">
+                        <a:spcAft>
+                          <a:spcPts val="0"/>
+                        </a:spcAft>
+                      </a:pPr>
+                      <a:r>
+                        <a:rPr lang="ja-JP" sz="1600" kern="100" dirty="0">
+                          <a:effectLst/>
+                          <a:latin typeface="Century" panose="02040604050505020304" pitchFamily="18" charset="0"/>
+                          <a:ea typeface="ＭＳ 明朝" panose="02020609040205080304" pitchFamily="17" charset="-128"/>
+                          <a:cs typeface="Times New Roman" panose="02020603050405020304" pitchFamily="18" charset="0"/>
+                        </a:rPr>
+                        <a:t>選択肢のみから正解が推測できない． </a:t>
+                      </a:r>
+                    </a:p>
+                  </a:txBody>
+                  <a:tcPr marL="51435" marR="51435" marT="0" marB="0">
+                    <a:lnL w="12700" cap="flat" cmpd="sng" algn="ctr">
+                      <a:solidFill>
+                        <a:schemeClr val="tx1"/>
+                      </a:solidFill>
+                      <a:prstDash val="solid"/>
+                      <a:round/>
+                      <a:headEnd type="none" w="med" len="med"/>
+                      <a:tailEnd type="none" w="med" len="med"/>
+                    </a:lnL>
+                    <a:lnR w="12700" cap="flat" cmpd="sng" algn="ctr">
+                      <a:solidFill>
+                        <a:schemeClr val="tx1"/>
+                      </a:solidFill>
+                      <a:prstDash val="solid"/>
+                      <a:round/>
+                      <a:headEnd type="none" w="med" len="med"/>
+                      <a:tailEnd type="none" w="med" len="med"/>
+                    </a:lnR>
+                    <a:lnT w="12700" cap="flat" cmpd="sng" algn="ctr">
+                      <a:solidFill>
+                        <a:schemeClr val="tx1"/>
+                      </a:solidFill>
+                      <a:prstDash val="solid"/>
+                      <a:round/>
+                      <a:headEnd type="none" w="med" len="med"/>
+                      <a:tailEnd type="none" w="med" len="med"/>
+                    </a:lnT>
+                    <a:lnB w="12700" cap="flat" cmpd="sng" algn="ctr">
+                      <a:solidFill>
+                        <a:schemeClr val="tx1"/>
+                      </a:solidFill>
+                      <a:prstDash val="solid"/>
+                      <a:round/>
+                      <a:headEnd type="none" w="med" len="med"/>
+                      <a:tailEnd type="none" w="med" len="med"/>
+                    </a:lnB>
+                  </a:tcPr>
+                </a:tc>
+                <a:tc>
+                  <a:txBody>
+                    <a:bodyPr/>
+                    <a:lstStyle/>
+                    <a:p>
+                      <a:pPr algn="just">
+                        <a:spcAft>
+                          <a:spcPts val="0"/>
+                        </a:spcAft>
+                      </a:pPr>
+                      <a:r>
+                        <a:rPr lang="en-US" sz="1600" kern="100" dirty="0">
+                          <a:effectLst/>
+                          <a:latin typeface="Century" panose="02040604050505020304" pitchFamily="18" charset="0"/>
+                          <a:ea typeface="ＭＳ 明朝" panose="02020609040205080304" pitchFamily="17" charset="-128"/>
+                          <a:cs typeface="Times New Roman" panose="02020603050405020304" pitchFamily="18" charset="0"/>
+                        </a:rPr>
+                        <a:t>Yes / No</a:t>
+                      </a:r>
+                      <a:endParaRPr lang="ja-JP" sz="1600" kern="100" dirty="0">
+                        <a:effectLst/>
+                        <a:latin typeface="Century" panose="02040604050505020304" pitchFamily="18" charset="0"/>
+                        <a:ea typeface="ＭＳ 明朝" panose="02020609040205080304" pitchFamily="17" charset="-128"/>
+                        <a:cs typeface="Times New Roman" panose="02020603050405020304" pitchFamily="18" charset="0"/>
+                      </a:endParaRPr>
+                    </a:p>
+                  </a:txBody>
+                  <a:tcPr marL="51435" marR="51435" marT="0" marB="0">
+                    <a:lnL w="12700" cap="flat" cmpd="sng" algn="ctr">
+                      <a:solidFill>
+                        <a:schemeClr val="tx1"/>
+                      </a:solidFill>
+                      <a:prstDash val="solid"/>
+                      <a:round/>
+                      <a:headEnd type="none" w="med" len="med"/>
+                      <a:tailEnd type="none" w="med" len="med"/>
+                    </a:lnL>
+                    <a:lnR w="12700" cap="flat" cmpd="sng" algn="ctr">
+                      <a:solidFill>
+                        <a:schemeClr val="tx1"/>
+                      </a:solidFill>
+                      <a:prstDash val="solid"/>
+                      <a:round/>
+                      <a:headEnd type="none" w="med" len="med"/>
+                      <a:tailEnd type="none" w="med" len="med"/>
+                    </a:lnR>
+                    <a:lnT w="12700" cap="flat" cmpd="sng" algn="ctr">
+                      <a:solidFill>
+                        <a:schemeClr val="tx1"/>
+                      </a:solidFill>
+                      <a:prstDash val="solid"/>
+                      <a:round/>
+                      <a:headEnd type="none" w="med" len="med"/>
+                      <a:tailEnd type="none" w="med" len="med"/>
+                    </a:lnT>
+                    <a:lnB w="12700" cap="flat" cmpd="sng" algn="ctr">
+                      <a:solidFill>
+                        <a:schemeClr val="tx1"/>
+                      </a:solidFill>
+                      <a:prstDash val="solid"/>
+                      <a:round/>
+                      <a:headEnd type="none" w="med" len="med"/>
+                      <a:tailEnd type="none" w="med" len="med"/>
+                    </a:lnB>
+                  </a:tcPr>
+                </a:tc>
+                <a:extLst>
+                  <a:ext uri="{0D108BD9-81ED-4DB2-BD59-A6C34878D82A}">
+                    <a16:rowId xmlns:a16="http://schemas.microsoft.com/office/drawing/2014/main" val="3966839382"/>
+                  </a:ext>
+                </a:extLst>
+              </a:tr>
+            </a:tbl>
+          </a:graphicData>
+        </a:graphic>
+      </p:graphicFrame>
+      <p:sp>
+        <p:nvSpPr>
+          <p:cNvPr id="6" name="スライド番号プレースホルダー 5"/>
           <p:cNvSpPr>
             <a:spLocks noGrp="1"/>
           </p:cNvSpPr>
@@ -14806,268 +15082,16 @@
           <a:p>
             <a:fld id="{7A0C0510-5AD5-45F8-B3F1-46CC91AC00B1}" type="slidenum">
               <a:rPr kumimoji="1" lang="ja-JP" altLang="en-US" smtClean="0"/>
-              <a:pPr/>
               <a:t>9</a:t>
             </a:fld>
-            <a:endParaRPr kumimoji="1" lang="ja-JP" altLang="en-US" dirty="0"/>
-          </a:p>
-        </p:txBody>
-      </p:sp>
-      <p:pic>
-        <p:nvPicPr>
-          <p:cNvPr id="5" name="図 4"/>
-          <p:cNvPicPr/>
-          <p:nvPr/>
-        </p:nvPicPr>
-        <p:blipFill>
-          <a:blip r:embed="rId3" cstate="print">
-            <a:extLst>
-              <a:ext uri="{28A0092B-C50C-407E-A947-70E740481C1C}">
-                <a14:useLocalDpi xmlns:a14="http://schemas.microsoft.com/office/drawing/2010/main" val="0"/>
-              </a:ext>
-            </a:extLst>
-          </a:blip>
-          <a:srcRect/>
-          <a:stretch>
-            <a:fillRect/>
-          </a:stretch>
-        </p:blipFill>
-        <p:spPr bwMode="auto">
-          <a:xfrm>
-            <a:off x="628650" y="2049465"/>
-            <a:ext cx="7886700" cy="4306886"/>
-          </a:xfrm>
-          <a:prstGeom prst="rect">
-            <a:avLst/>
-          </a:prstGeom>
-          <a:noFill/>
-          <a:ln>
-            <a:noFill/>
-          </a:ln>
-        </p:spPr>
-      </p:pic>
-      <p:sp>
-        <p:nvSpPr>
-          <p:cNvPr id="3" name="テキスト ボックス 2"/>
-          <p:cNvSpPr txBox="1"/>
-          <p:nvPr/>
-        </p:nvSpPr>
-        <p:spPr>
-          <a:xfrm>
-            <a:off x="1140976" y="1594132"/>
-            <a:ext cx="744468" cy="369332"/>
-          </a:xfrm>
-          <a:prstGeom prst="rect">
-            <a:avLst/>
-          </a:prstGeom>
-        </p:spPr>
-        <p:style>
-          <a:lnRef idx="2">
-            <a:schemeClr val="dk1"/>
-          </a:lnRef>
-          <a:fillRef idx="1">
-            <a:schemeClr val="lt1"/>
-          </a:fillRef>
-          <a:effectRef idx="0">
-            <a:schemeClr val="dk1"/>
-          </a:effectRef>
-          <a:fontRef idx="minor">
-            <a:schemeClr val="dk1"/>
-          </a:fontRef>
-        </p:style>
-        <p:txBody>
-          <a:bodyPr wrap="square" rtlCol="0">
-            <a:spAutoFit/>
-          </a:bodyPr>
-          <a:lstStyle/>
-          <a:p>
-            <a:r>
-              <a:rPr kumimoji="1" lang="en-US" altLang="ja-JP" dirty="0" smtClean="0"/>
-              <a:t>Step1</a:t>
-            </a:r>
-            <a:endParaRPr kumimoji="1" lang="ja-JP" altLang="en-US" dirty="0"/>
-          </a:p>
-        </p:txBody>
-      </p:sp>
-      <p:sp>
-        <p:nvSpPr>
-          <p:cNvPr id="6" name="テキスト ボックス 5"/>
-          <p:cNvSpPr txBox="1"/>
-          <p:nvPr/>
-        </p:nvSpPr>
-        <p:spPr>
-          <a:xfrm>
-            <a:off x="4999529" y="2268418"/>
-            <a:ext cx="778185" cy="369332"/>
-          </a:xfrm>
-          <a:prstGeom prst="rect">
-            <a:avLst/>
-          </a:prstGeom>
-        </p:spPr>
-        <p:style>
-          <a:lnRef idx="2">
-            <a:schemeClr val="dk1"/>
-          </a:lnRef>
-          <a:fillRef idx="1">
-            <a:schemeClr val="lt1"/>
-          </a:fillRef>
-          <a:effectRef idx="0">
-            <a:schemeClr val="dk1"/>
-          </a:effectRef>
-          <a:fontRef idx="minor">
-            <a:schemeClr val="dk1"/>
-          </a:fontRef>
-        </p:style>
-        <p:txBody>
-          <a:bodyPr wrap="square" rtlCol="0">
-            <a:spAutoFit/>
-          </a:bodyPr>
-          <a:lstStyle/>
-          <a:p>
-            <a:r>
-              <a:rPr kumimoji="1" lang="en-US" altLang="ja-JP" dirty="0" smtClean="0"/>
-              <a:t>Step</a:t>
-            </a:r>
-            <a:r>
-              <a:rPr kumimoji="1" lang="en-US" altLang="ja-JP" dirty="0"/>
-              <a:t>2</a:t>
-            </a:r>
-            <a:endParaRPr kumimoji="1" lang="ja-JP" altLang="en-US" dirty="0"/>
-          </a:p>
-        </p:txBody>
-      </p:sp>
-      <p:sp>
-        <p:nvSpPr>
-          <p:cNvPr id="7" name="テキスト ボックス 6"/>
-          <p:cNvSpPr txBox="1"/>
-          <p:nvPr/>
-        </p:nvSpPr>
-        <p:spPr>
-          <a:xfrm>
-            <a:off x="2304880" y="5590248"/>
-            <a:ext cx="753910" cy="369332"/>
-          </a:xfrm>
-          <a:prstGeom prst="rect">
-            <a:avLst/>
-          </a:prstGeom>
-        </p:spPr>
-        <p:style>
-          <a:lnRef idx="2">
-            <a:schemeClr val="dk1"/>
-          </a:lnRef>
-          <a:fillRef idx="1">
-            <a:schemeClr val="lt1"/>
-          </a:fillRef>
-          <a:effectRef idx="0">
-            <a:schemeClr val="dk1"/>
-          </a:effectRef>
-          <a:fontRef idx="minor">
-            <a:schemeClr val="dk1"/>
-          </a:fontRef>
-        </p:style>
-        <p:txBody>
-          <a:bodyPr wrap="square" rtlCol="0">
-            <a:spAutoFit/>
-          </a:bodyPr>
-          <a:lstStyle/>
-          <a:p>
-            <a:r>
-              <a:rPr kumimoji="1" lang="en-US" altLang="ja-JP" dirty="0" smtClean="0"/>
-              <a:t>Step3</a:t>
-            </a:r>
-            <a:endParaRPr kumimoji="1" lang="ja-JP" altLang="en-US" dirty="0"/>
-          </a:p>
-        </p:txBody>
-      </p:sp>
-      <p:sp>
-        <p:nvSpPr>
-          <p:cNvPr id="8" name="テキスト ボックス 7"/>
-          <p:cNvSpPr txBox="1"/>
-          <p:nvPr/>
-        </p:nvSpPr>
-        <p:spPr>
-          <a:xfrm>
-            <a:off x="6068857" y="5027154"/>
-            <a:ext cx="778185" cy="369332"/>
-          </a:xfrm>
-          <a:prstGeom prst="rect">
-            <a:avLst/>
-          </a:prstGeom>
-        </p:spPr>
-        <p:style>
-          <a:lnRef idx="2">
-            <a:schemeClr val="dk1"/>
-          </a:lnRef>
-          <a:fillRef idx="1">
-            <a:schemeClr val="lt1"/>
-          </a:fillRef>
-          <a:effectRef idx="0">
-            <a:schemeClr val="dk1"/>
-          </a:effectRef>
-          <a:fontRef idx="minor">
-            <a:schemeClr val="dk1"/>
-          </a:fontRef>
-        </p:style>
-        <p:txBody>
-          <a:bodyPr wrap="square" rtlCol="0">
-            <a:spAutoFit/>
-          </a:bodyPr>
-          <a:lstStyle/>
-          <a:p>
-            <a:r>
-              <a:rPr kumimoji="1" lang="en-US" altLang="ja-JP" dirty="0" smtClean="0"/>
-              <a:t>Step4</a:t>
-            </a:r>
-          </a:p>
-        </p:txBody>
-      </p:sp>
-      <p:sp>
-        <p:nvSpPr>
-          <p:cNvPr id="9" name="テキスト ボックス 8"/>
-          <p:cNvSpPr txBox="1"/>
-          <p:nvPr/>
-        </p:nvSpPr>
-        <p:spPr>
-          <a:xfrm>
-            <a:off x="4999529" y="2996526"/>
-            <a:ext cx="778185" cy="369332"/>
-          </a:xfrm>
-          <a:prstGeom prst="rect">
-            <a:avLst/>
-          </a:prstGeom>
-        </p:spPr>
-        <p:style>
-          <a:lnRef idx="2">
-            <a:schemeClr val="dk1"/>
-          </a:lnRef>
-          <a:fillRef idx="1">
-            <a:schemeClr val="lt1"/>
-          </a:fillRef>
-          <a:effectRef idx="0">
-            <a:schemeClr val="dk1"/>
-          </a:effectRef>
-          <a:fontRef idx="minor">
-            <a:schemeClr val="dk1"/>
-          </a:fontRef>
-        </p:style>
-        <p:txBody>
-          <a:bodyPr wrap="square" rtlCol="0">
-            <a:spAutoFit/>
-          </a:bodyPr>
-          <a:lstStyle/>
-          <a:p>
-            <a:r>
-              <a:rPr kumimoji="1" lang="en-US" altLang="ja-JP" dirty="0" smtClean="0"/>
-              <a:t>Step5</a:t>
-            </a:r>
-            <a:endParaRPr kumimoji="1" lang="ja-JP" altLang="en-US" dirty="0"/>
+            <a:endParaRPr kumimoji="1" lang="ja-JP" altLang="en-US"/>
           </a:p>
         </p:txBody>
       </p:sp>
     </p:spTree>
     <p:extLst>
       <p:ext uri="{BB962C8B-B14F-4D97-AF65-F5344CB8AC3E}">
-        <p14:creationId xmlns:p14="http://schemas.microsoft.com/office/powerpoint/2010/main" val="4006035017"/>
+        <p14:creationId xmlns:p14="http://schemas.microsoft.com/office/powerpoint/2010/main" val="668627849"/>
       </p:ext>
     </p:extLst>
   </p:cSld>

--- a/1821121_shimaoka_thesis.pptx
+++ b/1821121_shimaoka_thesis.pptx
@@ -1596,6 +1596,90 @@
 </file>
 
 <file path=ppt/notesSlides/notesSlide8.xml><?xml version="1.0" encoding="utf-8"?>
+<p:notes xmlns:a="http://schemas.openxmlformats.org/drawingml/2006/main" xmlns:r="http://schemas.openxmlformats.org/officeDocument/2006/relationships" xmlns:p="http://schemas.openxmlformats.org/presentationml/2006/main">
+  <p:cSld>
+    <p:spTree>
+      <p:nvGrpSpPr>
+        <p:cNvPr id="1" name=""/>
+        <p:cNvGrpSpPr/>
+        <p:nvPr/>
+      </p:nvGrpSpPr>
+      <p:grpSpPr>
+        <a:xfrm>
+          <a:off x="0" y="0"/>
+          <a:ext cx="0" cy="0"/>
+          <a:chOff x="0" y="0"/>
+          <a:chExt cx="0" cy="0"/>
+        </a:xfrm>
+      </p:grpSpPr>
+      <p:sp>
+        <p:nvSpPr>
+          <p:cNvPr id="2" name="スライド イメージ プレースホルダー 1"/>
+          <p:cNvSpPr>
+            <a:spLocks noGrp="1" noRot="1" noChangeAspect="1"/>
+          </p:cNvSpPr>
+          <p:nvPr>
+            <p:ph type="sldImg"/>
+          </p:nvPr>
+        </p:nvSpPr>
+        <p:spPr/>
+      </p:sp>
+      <p:sp>
+        <p:nvSpPr>
+          <p:cNvPr id="3" name="ノート プレースホルダー 2"/>
+          <p:cNvSpPr>
+            <a:spLocks noGrp="1"/>
+          </p:cNvSpPr>
+          <p:nvPr>
+            <p:ph type="body" idx="1"/>
+          </p:nvPr>
+        </p:nvSpPr>
+        <p:spPr/>
+        <p:txBody>
+          <a:bodyPr/>
+          <a:lstStyle/>
+          <a:p>
+            <a:endParaRPr kumimoji="1" lang="ja-JP" altLang="en-US" dirty="0"/>
+          </a:p>
+        </p:txBody>
+      </p:sp>
+      <p:sp>
+        <p:nvSpPr>
+          <p:cNvPr id="4" name="スライド番号プレースホルダー 3"/>
+          <p:cNvSpPr>
+            <a:spLocks noGrp="1"/>
+          </p:cNvSpPr>
+          <p:nvPr>
+            <p:ph type="sldNum" sz="quarter" idx="10"/>
+          </p:nvPr>
+        </p:nvSpPr>
+        <p:spPr/>
+        <p:txBody>
+          <a:bodyPr/>
+          <a:lstStyle/>
+          <a:p>
+            <a:fld id="{82E76DF2-3CDE-4C1E-88A3-A0AA4B439AA4}" type="slidenum">
+              <a:rPr kumimoji="1" lang="ja-JP" altLang="en-US" smtClean="0"/>
+              <a:t>9</a:t>
+            </a:fld>
+            <a:endParaRPr kumimoji="1" lang="ja-JP" altLang="en-US"/>
+          </a:p>
+        </p:txBody>
+      </p:sp>
+    </p:spTree>
+    <p:extLst>
+      <p:ext uri="{BB962C8B-B14F-4D97-AF65-F5344CB8AC3E}">
+        <p14:creationId xmlns:p14="http://schemas.microsoft.com/office/powerpoint/2010/main" val="2661048904"/>
+      </p:ext>
+    </p:extLst>
+  </p:cSld>
+  <p:clrMapOvr>
+    <a:masterClrMapping/>
+  </p:clrMapOvr>
+</p:notes>
+</file>
+
+<file path=ppt/notesSlides/notesSlide9.xml><?xml version="1.0" encoding="utf-8"?>
 <p:notes xmlns:a="http://schemas.openxmlformats.org/drawingml/2006/main" xmlns:r="http://schemas.openxmlformats.org/officeDocument/2006/relationships" xmlns:p="http://schemas.openxmlformats.org/presentationml/2006/main">
   <p:cSld>
     <p:spTree>
@@ -9789,8 +9873,8 @@
         </p:nvSpPr>
         <p:spPr>
           <a:xfrm>
-            <a:off x="513846" y="1469636"/>
-            <a:ext cx="3010328" cy="1200329"/>
+            <a:off x="513845" y="1469636"/>
+            <a:ext cx="3309541" cy="1200329"/>
           </a:xfrm>
           <a:prstGeom prst="rect">
             <a:avLst/>
@@ -11754,20 +11838,27 @@
             <p:ph type="title"/>
           </p:nvPr>
         </p:nvSpPr>
-        <p:spPr/>
+        <p:spPr>
+          <a:xfrm>
+            <a:off x="628650" y="30042"/>
+            <a:ext cx="7886700" cy="1325563"/>
+          </a:xfrm>
+        </p:spPr>
         <p:txBody>
-          <a:bodyPr/>
+          <a:bodyPr>
+            <a:normAutofit/>
+          </a:bodyPr>
           <a:lstStyle/>
           <a:p>
             <a:r>
-              <a:rPr lang="ja-JP" altLang="en-US" dirty="0" smtClean="0"/>
+              <a:rPr lang="ja-JP" altLang="en-US" sz="4000" dirty="0" smtClean="0"/>
               <a:t>ブロックプログラミング</a:t>
             </a:r>
             <a:r>
-              <a:rPr lang="ja-JP" altLang="en-US" dirty="0" smtClean="0"/>
+              <a:rPr lang="ja-JP" altLang="en-US" sz="4000" dirty="0" smtClean="0"/>
               <a:t>との連携</a:t>
             </a:r>
-            <a:endParaRPr kumimoji="1" lang="ja-JP" altLang="en-US" dirty="0"/>
+            <a:endParaRPr kumimoji="1" lang="ja-JP" altLang="en-US" sz="4000" dirty="0"/>
           </a:p>
         </p:txBody>
       </p:sp>
@@ -11816,7 +11907,7 @@
         </p:blipFill>
         <p:spPr bwMode="auto">
           <a:xfrm>
-            <a:off x="628650" y="2049465"/>
+            <a:off x="628649" y="2049465"/>
             <a:ext cx="7886700" cy="4306886"/>
           </a:xfrm>
           <a:prstGeom prst="rect">
@@ -11830,231 +11921,13 @@
       </p:pic>
       <p:sp>
         <p:nvSpPr>
-          <p:cNvPr id="3" name="テキスト ボックス 2"/>
-          <p:cNvSpPr txBox="1"/>
-          <p:nvPr/>
-        </p:nvSpPr>
-        <p:spPr>
-          <a:xfrm>
-            <a:off x="1140976" y="1594132"/>
-            <a:ext cx="744468" cy="369332"/>
-          </a:xfrm>
-          <a:prstGeom prst="rect">
-            <a:avLst/>
-          </a:prstGeom>
-        </p:spPr>
-        <p:style>
-          <a:lnRef idx="2">
-            <a:schemeClr val="dk1"/>
-          </a:lnRef>
-          <a:fillRef idx="1">
-            <a:schemeClr val="lt1"/>
-          </a:fillRef>
-          <a:effectRef idx="0">
-            <a:schemeClr val="dk1"/>
-          </a:effectRef>
-          <a:fontRef idx="minor">
-            <a:schemeClr val="dk1"/>
-          </a:fontRef>
-        </p:style>
-        <p:txBody>
-          <a:bodyPr wrap="square" rtlCol="0">
-            <a:spAutoFit/>
-          </a:bodyPr>
-          <a:lstStyle/>
-          <a:p>
-            <a:r>
-              <a:rPr kumimoji="1" lang="en-US" altLang="ja-JP" dirty="0" smtClean="0"/>
-              <a:t>Step1</a:t>
-            </a:r>
-            <a:endParaRPr kumimoji="1" lang="ja-JP" altLang="en-US" dirty="0"/>
-          </a:p>
-        </p:txBody>
-      </p:sp>
-      <p:sp>
-        <p:nvSpPr>
-          <p:cNvPr id="6" name="テキスト ボックス 5"/>
-          <p:cNvSpPr txBox="1"/>
-          <p:nvPr/>
-        </p:nvSpPr>
-        <p:spPr>
-          <a:xfrm>
-            <a:off x="4999529" y="2268418"/>
-            <a:ext cx="778185" cy="369332"/>
-          </a:xfrm>
-          <a:prstGeom prst="rect">
-            <a:avLst/>
-          </a:prstGeom>
-        </p:spPr>
-        <p:style>
-          <a:lnRef idx="2">
-            <a:schemeClr val="dk1"/>
-          </a:lnRef>
-          <a:fillRef idx="1">
-            <a:schemeClr val="lt1"/>
-          </a:fillRef>
-          <a:effectRef idx="0">
-            <a:schemeClr val="dk1"/>
-          </a:effectRef>
-          <a:fontRef idx="minor">
-            <a:schemeClr val="dk1"/>
-          </a:fontRef>
-        </p:style>
-        <p:txBody>
-          <a:bodyPr wrap="square" rtlCol="0">
-            <a:spAutoFit/>
-          </a:bodyPr>
-          <a:lstStyle/>
-          <a:p>
-            <a:r>
-              <a:rPr kumimoji="1" lang="en-US" altLang="ja-JP" dirty="0" smtClean="0"/>
-              <a:t>Step</a:t>
-            </a:r>
-            <a:r>
-              <a:rPr kumimoji="1" lang="en-US" altLang="ja-JP" dirty="0"/>
-              <a:t>2</a:t>
-            </a:r>
-            <a:endParaRPr kumimoji="1" lang="ja-JP" altLang="en-US" dirty="0"/>
-          </a:p>
-        </p:txBody>
-      </p:sp>
-      <p:sp>
-        <p:nvSpPr>
-          <p:cNvPr id="7" name="テキスト ボックス 6"/>
-          <p:cNvSpPr txBox="1"/>
-          <p:nvPr/>
-        </p:nvSpPr>
-        <p:spPr>
-          <a:xfrm>
-            <a:off x="2304880" y="5590248"/>
-            <a:ext cx="753910" cy="369332"/>
-          </a:xfrm>
-          <a:prstGeom prst="rect">
-            <a:avLst/>
-          </a:prstGeom>
-        </p:spPr>
-        <p:style>
-          <a:lnRef idx="2">
-            <a:schemeClr val="dk1"/>
-          </a:lnRef>
-          <a:fillRef idx="1">
-            <a:schemeClr val="lt1"/>
-          </a:fillRef>
-          <a:effectRef idx="0">
-            <a:schemeClr val="dk1"/>
-          </a:effectRef>
-          <a:fontRef idx="minor">
-            <a:schemeClr val="dk1"/>
-          </a:fontRef>
-        </p:style>
-        <p:txBody>
-          <a:bodyPr wrap="square" rtlCol="0">
-            <a:spAutoFit/>
-          </a:bodyPr>
-          <a:lstStyle/>
-          <a:p>
-            <a:r>
-              <a:rPr kumimoji="1" lang="en-US" altLang="ja-JP" dirty="0" smtClean="0"/>
-              <a:t>Step3</a:t>
-            </a:r>
-            <a:endParaRPr kumimoji="1" lang="ja-JP" altLang="en-US" dirty="0"/>
-          </a:p>
-        </p:txBody>
-      </p:sp>
-      <p:sp>
-        <p:nvSpPr>
-          <p:cNvPr id="8" name="テキスト ボックス 7"/>
-          <p:cNvSpPr txBox="1"/>
-          <p:nvPr/>
-        </p:nvSpPr>
-        <p:spPr>
-          <a:xfrm>
-            <a:off x="6068857" y="5027154"/>
-            <a:ext cx="778185" cy="369332"/>
-          </a:xfrm>
-          <a:prstGeom prst="rect">
-            <a:avLst/>
-          </a:prstGeom>
-        </p:spPr>
-        <p:style>
-          <a:lnRef idx="2">
-            <a:schemeClr val="dk1"/>
-          </a:lnRef>
-          <a:fillRef idx="1">
-            <a:schemeClr val="lt1"/>
-          </a:fillRef>
-          <a:effectRef idx="0">
-            <a:schemeClr val="dk1"/>
-          </a:effectRef>
-          <a:fontRef idx="minor">
-            <a:schemeClr val="dk1"/>
-          </a:fontRef>
-        </p:style>
-        <p:txBody>
-          <a:bodyPr wrap="square" rtlCol="0">
-            <a:spAutoFit/>
-          </a:bodyPr>
-          <a:lstStyle/>
-          <a:p>
-            <a:r>
-              <a:rPr kumimoji="1" lang="en-US" altLang="ja-JP" dirty="0" smtClean="0"/>
-              <a:t>Step4</a:t>
-            </a:r>
-          </a:p>
-        </p:txBody>
-      </p:sp>
-      <p:sp>
-        <p:nvSpPr>
-          <p:cNvPr id="9" name="テキスト ボックス 8"/>
-          <p:cNvSpPr txBox="1"/>
-          <p:nvPr/>
-        </p:nvSpPr>
-        <p:spPr>
-          <a:xfrm>
-            <a:off x="4999529" y="2996526"/>
-            <a:ext cx="778185" cy="369332"/>
-          </a:xfrm>
-          <a:prstGeom prst="rect">
-            <a:avLst/>
-          </a:prstGeom>
-        </p:spPr>
-        <p:style>
-          <a:lnRef idx="2">
-            <a:schemeClr val="dk1"/>
-          </a:lnRef>
-          <a:fillRef idx="1">
-            <a:schemeClr val="lt1"/>
-          </a:fillRef>
-          <a:effectRef idx="0">
-            <a:schemeClr val="dk1"/>
-          </a:effectRef>
-          <a:fontRef idx="minor">
-            <a:schemeClr val="dk1"/>
-          </a:fontRef>
-        </p:style>
-        <p:txBody>
-          <a:bodyPr wrap="square" rtlCol="0">
-            <a:spAutoFit/>
-          </a:bodyPr>
-          <a:lstStyle/>
-          <a:p>
-            <a:r>
-              <a:rPr kumimoji="1" lang="en-US" altLang="ja-JP" dirty="0" smtClean="0"/>
-              <a:t>Step5</a:t>
-            </a:r>
-            <a:endParaRPr kumimoji="1" lang="ja-JP" altLang="en-US" dirty="0"/>
-          </a:p>
-        </p:txBody>
-      </p:sp>
-      <p:sp>
-        <p:nvSpPr>
           <p:cNvPr id="10" name="正方形/長方形 9"/>
           <p:cNvSpPr/>
           <p:nvPr/>
         </p:nvSpPr>
         <p:spPr>
           <a:xfrm>
-            <a:off x="487319" y="5000394"/>
+            <a:off x="487319" y="979227"/>
             <a:ext cx="8169361" cy="954107"/>
           </a:xfrm>
           <a:prstGeom prst="rect">
@@ -12134,7 +12007,7 @@
         </p:nvSpPr>
         <p:spPr>
           <a:xfrm>
-            <a:off x="4646430" y="4275649"/>
+            <a:off x="4492317" y="4418650"/>
             <a:ext cx="3655089" cy="1447057"/>
           </a:xfrm>
           <a:prstGeom prst="rect">
@@ -12172,8 +12045,8 @@
         </p:nvSpPr>
         <p:spPr>
           <a:xfrm>
-            <a:off x="660714" y="4275649"/>
-            <a:ext cx="3798272" cy="1447057"/>
+            <a:off x="772377" y="4418650"/>
+            <a:ext cx="3532495" cy="1447057"/>
           </a:xfrm>
           <a:prstGeom prst="rect">
             <a:avLst/>
@@ -12926,13 +12799,13 @@
           <p:nvPr>
             <p:extLst>
               <p:ext uri="{D42A27DB-BD31-4B8C-83A1-F6EECF244321}">
-                <p14:modId xmlns:p14="http://schemas.microsoft.com/office/powerpoint/2010/main" val="470273453"/>
+                <p14:modId xmlns:p14="http://schemas.microsoft.com/office/powerpoint/2010/main" val="2666894657"/>
               </p:ext>
             </p:extLst>
           </p:nvPr>
         </p:nvGraphicFramePr>
         <p:xfrm>
-          <a:off x="1095875" y="4501051"/>
+          <a:off x="941762" y="4644052"/>
           <a:ext cx="3048913" cy="274320"/>
         </p:xfrm>
         <a:graphic>
@@ -13180,13 +13053,13 @@
           <p:nvPr>
             <p:extLst>
               <p:ext uri="{D42A27DB-BD31-4B8C-83A1-F6EECF244321}">
-                <p14:modId xmlns:p14="http://schemas.microsoft.com/office/powerpoint/2010/main" val="1466998378"/>
+                <p14:modId xmlns:p14="http://schemas.microsoft.com/office/powerpoint/2010/main" val="255529913"/>
               </p:ext>
             </p:extLst>
           </p:nvPr>
         </p:nvGraphicFramePr>
         <p:xfrm>
-          <a:off x="4752898" y="4497494"/>
+          <a:off x="4598785" y="4640495"/>
           <a:ext cx="3410104" cy="274320"/>
         </p:xfrm>
         <a:graphic>
@@ -13470,7 +13343,7 @@
         </p:nvSpPr>
         <p:spPr>
           <a:xfrm>
-            <a:off x="1634063" y="3816383"/>
+            <a:off x="1479950" y="3959384"/>
             <a:ext cx="1851789" cy="369332"/>
           </a:xfrm>
           <a:prstGeom prst="rect">
@@ -13511,7 +13384,7 @@
         </p:nvSpPr>
         <p:spPr>
           <a:xfrm>
-            <a:off x="5383102" y="3829240"/>
+            <a:off x="5228989" y="3972241"/>
             <a:ext cx="2082621" cy="369332"/>
           </a:xfrm>
           <a:prstGeom prst="rect">
@@ -13552,7 +13425,7 @@
         </p:nvSpPr>
         <p:spPr>
           <a:xfrm>
-            <a:off x="3212491" y="3400239"/>
+            <a:off x="3058378" y="3543240"/>
             <a:ext cx="2492990" cy="369332"/>
           </a:xfrm>
           <a:prstGeom prst="rect">
@@ -13585,15 +13458,15 @@
         </p:nvSpPr>
         <p:spPr>
           <a:xfrm>
-            <a:off x="917723" y="4824850"/>
-            <a:ext cx="4572000" cy="646331"/>
+            <a:off x="772378" y="5134226"/>
+            <a:ext cx="3419478" cy="646331"/>
           </a:xfrm>
           <a:prstGeom prst="rect">
             <a:avLst/>
           </a:prstGeom>
         </p:spPr>
         <p:txBody>
-          <a:bodyPr>
+          <a:bodyPr wrap="square">
             <a:spAutoFit/>
           </a:bodyPr>
           <a:lstStyle/>
@@ -13629,33 +13502,30 @@
         </p:nvSpPr>
         <p:spPr>
           <a:xfrm>
-            <a:off x="4646430" y="4820418"/>
-            <a:ext cx="4572000" cy="646331"/>
+            <a:off x="4561574" y="5093613"/>
+            <a:ext cx="3773275" cy="646331"/>
           </a:xfrm>
           <a:prstGeom prst="rect">
             <a:avLst/>
           </a:prstGeom>
         </p:spPr>
         <p:txBody>
-          <a:bodyPr>
+          <a:bodyPr wrap="square">
             <a:spAutoFit/>
           </a:bodyPr>
           <a:lstStyle/>
           <a:p>
             <a:r>
+              <a:rPr kumimoji="1" lang="ja-JP" altLang="en-US" dirty="0" smtClean="0"/>
+              <a:t>文章の前後</a:t>
+            </a:r>
+            <a:r>
               <a:rPr kumimoji="1" lang="ja-JP" altLang="en-US" dirty="0"/>
-              <a:t>構文だけでなく、前後を理解</a:t>
+              <a:t>を理解</a:t>
             </a:r>
             <a:r>
               <a:rPr kumimoji="1" lang="ja-JP" altLang="en-US" dirty="0" smtClean="0"/>
-              <a:t>して</a:t>
-            </a:r>
-            <a:endParaRPr kumimoji="1" lang="en-US" altLang="ja-JP" dirty="0" smtClean="0"/>
-          </a:p>
-          <a:p>
-            <a:r>
-              <a:rPr kumimoji="1" lang="ja-JP" altLang="en-US" dirty="0" smtClean="0"/>
-              <a:t>解答</a:t>
+              <a:t>して解答</a:t>
             </a:r>
             <a:r>
               <a:rPr kumimoji="1" lang="ja-JP" altLang="en-US" dirty="0"/>
@@ -13752,24 +13622,29 @@
             </a:pPr>
             <a:r>
               <a:rPr lang="ja-JP" altLang="ja-JP" dirty="0"/>
-              <a:t>本システムの問題自動生成機能によって生成される穴埋め選択問題は学習のために適切に問題を生成することができているのか，複数の問題ファイルと難易度における実際の出題内容</a:t>
+              <a:t>本システムの問題自動生成機能によって生成される穴埋め選択</a:t>
+            </a:r>
+            <a:r>
+              <a:rPr lang="ja-JP" altLang="ja-JP" dirty="0" smtClean="0"/>
+              <a:t>問題</a:t>
             </a:r>
             <a:r>
               <a:rPr lang="ja-JP" altLang="ja-JP" dirty="0" smtClean="0"/>
               <a:t>を</a:t>
             </a:r>
             <a:r>
-              <a:rPr lang="ja-JP" altLang="en-US" dirty="0"/>
-              <a:t>以下</a:t>
+              <a:rPr lang="ja-JP" altLang="en-US" dirty="0" smtClean="0"/>
+              <a:t>，以下</a:t>
+            </a:r>
+            <a:r>
+              <a:rPr lang="ja-JP" altLang="ja-JP" dirty="0"/>
+              <a:t>の判断基準ごとに評価する</a:t>
             </a:r>
             <a:r>
               <a:rPr lang="ja-JP" altLang="ja-JP" dirty="0" smtClean="0"/>
-              <a:t>の</a:t>
-            </a:r>
-            <a:r>
-              <a:rPr lang="ja-JP" altLang="ja-JP" dirty="0"/>
-              <a:t>判断基準ごとに評価する．</a:t>
-            </a:r>
+              <a:t>．</a:t>
+            </a:r>
+            <a:endParaRPr lang="en-US" altLang="ja-JP" dirty="0" smtClean="0"/>
           </a:p>
         </p:txBody>
       </p:sp>
@@ -13782,13 +13657,13 @@
           <p:nvPr>
             <p:extLst>
               <p:ext uri="{D42A27DB-BD31-4B8C-83A1-F6EECF244321}">
-                <p14:modId xmlns:p14="http://schemas.microsoft.com/office/powerpoint/2010/main" val="592379453"/>
+                <p14:modId xmlns:p14="http://schemas.microsoft.com/office/powerpoint/2010/main" val="706151257"/>
               </p:ext>
             </p:extLst>
           </p:nvPr>
         </p:nvGraphicFramePr>
         <p:xfrm>
-          <a:off x="1262359" y="3929243"/>
+          <a:off x="1221263" y="3752460"/>
           <a:ext cx="6918688" cy="2535247"/>
         </p:xfrm>
         <a:graphic>

--- a/1821121_shimaoka_thesis.pptx
+++ b/1821121_shimaoka_thesis.pptx
@@ -5,7 +5,7 @@
     <p:sldMasterId id="2147483660" r:id="rId1"/>
   </p:sldMasterIdLst>
   <p:notesMasterIdLst>
-    <p:notesMasterId r:id="rId15"/>
+    <p:notesMasterId r:id="rId16"/>
   </p:notesMasterIdLst>
   <p:sldIdLst>
     <p:sldId id="256" r:id="rId2"/>
@@ -17,10 +17,11 @@
     <p:sldId id="292" r:id="rId8"/>
     <p:sldId id="291" r:id="rId9"/>
     <p:sldId id="267" r:id="rId10"/>
-    <p:sldId id="287" r:id="rId11"/>
-    <p:sldId id="289" r:id="rId12"/>
-    <p:sldId id="290" r:id="rId13"/>
-    <p:sldId id="277" r:id="rId14"/>
+    <p:sldId id="293" r:id="rId11"/>
+    <p:sldId id="287" r:id="rId12"/>
+    <p:sldId id="289" r:id="rId13"/>
+    <p:sldId id="290" r:id="rId14"/>
+    <p:sldId id="277" r:id="rId15"/>
   </p:sldIdLst>
   <p:sldSz cx="9144000" cy="6858000" type="screen4x3"/>
   <p:notesSz cx="6858000" cy="9144000"/>
@@ -647,6 +648,122 @@
 </p:notes>
 </file>
 
+<file path=ppt/notesSlides/notesSlide10.xml><?xml version="1.0" encoding="utf-8"?>
+<p:notes xmlns:a="http://schemas.openxmlformats.org/drawingml/2006/main" xmlns:r="http://schemas.openxmlformats.org/officeDocument/2006/relationships" xmlns:p="http://schemas.openxmlformats.org/presentationml/2006/main">
+  <p:cSld>
+    <p:spTree>
+      <p:nvGrpSpPr>
+        <p:cNvPr id="1" name=""/>
+        <p:cNvGrpSpPr/>
+        <p:nvPr/>
+      </p:nvGrpSpPr>
+      <p:grpSpPr>
+        <a:xfrm>
+          <a:off x="0" y="0"/>
+          <a:ext cx="0" cy="0"/>
+          <a:chOff x="0" y="0"/>
+          <a:chExt cx="0" cy="0"/>
+        </a:xfrm>
+      </p:grpSpPr>
+      <p:sp>
+        <p:nvSpPr>
+          <p:cNvPr id="2" name="スライド イメージ プレースホルダー 1"/>
+          <p:cNvSpPr>
+            <a:spLocks noGrp="1" noRot="1" noChangeAspect="1"/>
+          </p:cNvSpPr>
+          <p:nvPr>
+            <p:ph type="sldImg"/>
+          </p:nvPr>
+        </p:nvSpPr>
+        <p:spPr>
+          <a:xfrm>
+            <a:off x="1371600" y="1143000"/>
+            <a:ext cx="4114800" cy="3086100"/>
+          </a:xfrm>
+        </p:spPr>
+      </p:sp>
+      <p:sp>
+        <p:nvSpPr>
+          <p:cNvPr id="3" name="ノート プレースホルダー 2"/>
+          <p:cNvSpPr>
+            <a:spLocks noGrp="1"/>
+          </p:cNvSpPr>
+          <p:nvPr>
+            <p:ph type="body" idx="1"/>
+          </p:nvPr>
+        </p:nvSpPr>
+        <p:spPr/>
+        <p:txBody>
+          <a:bodyPr/>
+          <a:lstStyle/>
+          <a:p>
+            <a:r>
+              <a:rPr lang="ja-JP" altLang="ja-JP" dirty="0" smtClean="0"/>
+              <a:t>評価基準１と評価基準２を満足に満たしたことから，提案システムによる自動生成は正常に行えることが確認できた．</a:t>
+            </a:r>
+            <a:endParaRPr lang="en-US" altLang="ja-JP" dirty="0" smtClean="0"/>
+          </a:p>
+          <a:p>
+            <a:r>
+              <a:rPr lang="ja-JP" altLang="ja-JP" dirty="0" smtClean="0"/>
+              <a:t>評価基準３と評価基準５が高い割合で結果が現れていることから，提案システムは論理的思考力とコーディング力を養うための学習支援が行えることが確認できた．</a:t>
+            </a:r>
+            <a:endParaRPr lang="en-US" altLang="ja-JP" dirty="0" smtClean="0"/>
+          </a:p>
+          <a:p>
+            <a:r>
+              <a:rPr lang="ja-JP" altLang="ja-JP" dirty="0" smtClean="0"/>
+              <a:t>評価基準４の結果から，出題される問題の種類の分散はある程度に抑えられていることが確認できた．</a:t>
+            </a:r>
+            <a:endParaRPr lang="en-US" altLang="ja-JP" dirty="0" smtClean="0"/>
+          </a:p>
+          <a:p>
+            <a:r>
+              <a:rPr lang="ja-JP" altLang="ja-JP" dirty="0" smtClean="0"/>
+              <a:t>穴埋め問題の自動生成によって選択肢が不備なく生成されていること，生成された内容が学習のために利用できる内容であることから，提案システムの実現可能性を示した．</a:t>
+            </a:r>
+          </a:p>
+          <a:p>
+            <a:endParaRPr kumimoji="1" lang="ja-JP" altLang="en-US" dirty="0"/>
+          </a:p>
+        </p:txBody>
+      </p:sp>
+      <p:sp>
+        <p:nvSpPr>
+          <p:cNvPr id="4" name="スライド番号プレースホルダー 3"/>
+          <p:cNvSpPr>
+            <a:spLocks noGrp="1"/>
+          </p:cNvSpPr>
+          <p:nvPr>
+            <p:ph type="sldNum" sz="quarter" idx="10"/>
+          </p:nvPr>
+        </p:nvSpPr>
+        <p:spPr/>
+        <p:txBody>
+          <a:bodyPr/>
+          <a:lstStyle/>
+          <a:p>
+            <a:fld id="{82E76DF2-3CDE-4C1E-88A3-A0AA4B439AA4}" type="slidenum">
+              <a:rPr kumimoji="1" lang="ja-JP" altLang="en-US" smtClean="0"/>
+              <a:t>11</a:t>
+            </a:fld>
+            <a:endParaRPr kumimoji="1" lang="ja-JP" altLang="en-US"/>
+          </a:p>
+        </p:txBody>
+      </p:sp>
+    </p:spTree>
+    <p:extLst>
+      <p:ext uri="{BB962C8B-B14F-4D97-AF65-F5344CB8AC3E}">
+        <p14:creationId xmlns:p14="http://schemas.microsoft.com/office/powerpoint/2010/main" val="3570327677"/>
+      </p:ext>
+    </p:extLst>
+  </p:cSld>
+  <p:clrMapOvr>
+    <a:masterClrMapping/>
+  </p:clrMapOvr>
+</p:notes>
+</file>
+
 <file path=ppt/notesSlides/notesSlide2.xml><?xml version="1.0" encoding="utf-8"?>
 <p:notes xmlns:a="http://schemas.openxmlformats.org/drawingml/2006/main" xmlns:r="http://schemas.openxmlformats.org/officeDocument/2006/relationships" xmlns:p="http://schemas.openxmlformats.org/presentationml/2006/main">
   <p:cSld>
@@ -1245,36 +1362,6 @@
           <a:lstStyle/>
           <a:p>
             <a:r>
-              <a:rPr lang="ja-JP" altLang="ja-JP" dirty="0" smtClean="0"/>
-              <a:t>学習者は，</a:t>
-            </a:r>
-            <a:r>
-              <a:rPr lang="en-US" altLang="ja-JP" dirty="0" smtClean="0"/>
-              <a:t>UI</a:t>
-            </a:r>
-            <a:r>
-              <a:rPr lang="ja-JP" altLang="ja-JP" dirty="0" smtClean="0"/>
-              <a:t>図に示される</a:t>
-            </a:r>
-            <a:r>
-              <a:rPr lang="en-US" altLang="ja-JP" dirty="0" smtClean="0"/>
-              <a:t>UI</a:t>
-            </a:r>
-            <a:r>
-              <a:rPr lang="ja-JP" altLang="ja-JP" dirty="0" smtClean="0"/>
-              <a:t>の提案システムに従って，以下のステップによって学習を行う</a:t>
-            </a:r>
-            <a:r>
-              <a:rPr lang="ja-JP" altLang="ja-JP" dirty="0" smtClean="0"/>
-              <a:t>．</a:t>
-            </a:r>
-            <a:endParaRPr lang="en-US" altLang="ja-JP" dirty="0" smtClean="0"/>
-          </a:p>
-          <a:p>
-            <a:endParaRPr lang="en-US" altLang="ja-JP" dirty="0" smtClean="0"/>
-          </a:p>
-          <a:p>
-            <a:r>
               <a:rPr lang="ja-JP" altLang="en-US" dirty="0" smtClean="0"/>
               <a:t>視覚的にプログラミングのアルゴリズムに触れられる．</a:t>
             </a:r>
@@ -1303,6 +1390,43 @@
             <a:endParaRPr lang="ja-JP" altLang="ja-JP" dirty="0" smtClean="0"/>
           </a:p>
           <a:p>
+            <a:pPr marL="0" marR="0" lvl="0" indent="0" algn="l" defTabSz="914400" rtl="0" eaLnBrk="1" fontAlgn="auto" latinLnBrk="0" hangingPunct="1">
+              <a:lnSpc>
+                <a:spcPct val="100000"/>
+              </a:lnSpc>
+              <a:spcBef>
+                <a:spcPts val="0"/>
+              </a:spcBef>
+              <a:spcAft>
+                <a:spcPts val="0"/>
+              </a:spcAft>
+              <a:buClrTx/>
+              <a:buSzTx/>
+              <a:buFontTx/>
+              <a:buNone/>
+              <a:tabLst/>
+              <a:defRPr/>
+            </a:pPr>
+            <a:r>
+              <a:rPr lang="ja-JP" altLang="ja-JP" dirty="0" smtClean="0"/>
+              <a:t>学習者は，</a:t>
+            </a:r>
+            <a:r>
+              <a:rPr lang="en-US" altLang="ja-JP" dirty="0" smtClean="0"/>
+              <a:t>UI</a:t>
+            </a:r>
+            <a:r>
+              <a:rPr lang="ja-JP" altLang="ja-JP" dirty="0" smtClean="0"/>
+              <a:t>図に示される</a:t>
+            </a:r>
+            <a:r>
+              <a:rPr lang="en-US" altLang="ja-JP" dirty="0" smtClean="0"/>
+              <a:t>UI</a:t>
+            </a:r>
+            <a:r>
+              <a:rPr lang="ja-JP" altLang="ja-JP" dirty="0" smtClean="0"/>
+              <a:t>の提案システムに従って，以下のステップによって学習を行う．</a:t>
+            </a:r>
             <a:endParaRPr lang="ja-JP" altLang="ja-JP" dirty="0" smtClean="0"/>
           </a:p>
           <a:p>
@@ -1404,28 +1528,6 @@
           </a:p>
           <a:p>
             <a:endParaRPr lang="en-US" altLang="ja-JP" dirty="0" smtClean="0"/>
-          </a:p>
-          <a:p>
-            <a:r>
-              <a:rPr lang="ja-JP" altLang="en-US" dirty="0" smtClean="0"/>
-              <a:t>ブロックプログラミングと組み合わせることにより、</a:t>
-            </a:r>
-            <a:endParaRPr lang="ja-JP" altLang="ja-JP" dirty="0" smtClean="0"/>
-          </a:p>
-          <a:p>
-            <a:pPr lvl="1"/>
-            <a:r>
-              <a:rPr lang="en-US" altLang="ja-JP" b="1" dirty="0" smtClean="0"/>
-              <a:t/>
-            </a:r>
-            <a:br>
-              <a:rPr lang="en-US" altLang="ja-JP" b="1" dirty="0" smtClean="0"/>
-            </a:br>
-            <a:r>
-              <a:rPr lang="en-US" altLang="ja-JP" b="1" dirty="0" smtClean="0"/>
-              <a:t> </a:t>
-            </a:r>
-            <a:endParaRPr lang="ja-JP" altLang="ja-JP" b="1" dirty="0" smtClean="0"/>
           </a:p>
           <a:p>
             <a:endParaRPr kumimoji="1" lang="ja-JP" altLang="en-US" dirty="0"/>
@@ -1706,12 +1808,7 @@
             <p:ph type="sldImg"/>
           </p:nvPr>
         </p:nvSpPr>
-        <p:spPr>
-          <a:xfrm>
-            <a:off x="1371600" y="1143000"/>
-            <a:ext cx="4114800" cy="3086100"/>
-          </a:xfrm>
-        </p:spPr>
+        <p:spPr/>
       </p:sp>
       <p:sp>
         <p:nvSpPr>
@@ -1728,33 +1825,6 @@
           <a:bodyPr/>
           <a:lstStyle/>
           <a:p>
-            <a:r>
-              <a:rPr lang="ja-JP" altLang="ja-JP" dirty="0" smtClean="0"/>
-              <a:t>評価基準１と評価基準２を満足に満たしたことから，提案システムによる自動生成は正常に行えることが確認できた．</a:t>
-            </a:r>
-            <a:endParaRPr lang="en-US" altLang="ja-JP" dirty="0" smtClean="0"/>
-          </a:p>
-          <a:p>
-            <a:r>
-              <a:rPr lang="ja-JP" altLang="ja-JP" dirty="0" smtClean="0"/>
-              <a:t>評価基準３と評価基準５が高い割合で結果が現れていることから，提案システムは論理的思考力とコーディング力を養うための学習支援が行えることが確認できた．</a:t>
-            </a:r>
-            <a:endParaRPr lang="en-US" altLang="ja-JP" dirty="0" smtClean="0"/>
-          </a:p>
-          <a:p>
-            <a:r>
-              <a:rPr lang="ja-JP" altLang="ja-JP" dirty="0" smtClean="0"/>
-              <a:t>評価基準４の結果から，出題される問題の種類の分散はある程度に抑えられていることが確認できた．</a:t>
-            </a:r>
-            <a:endParaRPr lang="en-US" altLang="ja-JP" dirty="0" smtClean="0"/>
-          </a:p>
-          <a:p>
-            <a:r>
-              <a:rPr lang="ja-JP" altLang="ja-JP" dirty="0" smtClean="0"/>
-              <a:t>穴埋め問題の自動生成によって選択肢が不備なく生成されていること，生成された内容が学習のために利用できる内容であることから，提案システムの実現可能性を示した．</a:t>
-            </a:r>
-          </a:p>
-          <a:p>
             <a:endParaRPr kumimoji="1" lang="ja-JP" altLang="en-US" dirty="0"/>
           </a:p>
         </p:txBody>
@@ -1785,7 +1855,7 @@
     </p:spTree>
     <p:extLst>
       <p:ext uri="{BB962C8B-B14F-4D97-AF65-F5344CB8AC3E}">
-        <p14:creationId xmlns:p14="http://schemas.microsoft.com/office/powerpoint/2010/main" val="3570327677"/>
+        <p14:creationId xmlns:p14="http://schemas.microsoft.com/office/powerpoint/2010/main" val="4167357674"/>
       </p:ext>
     </p:extLst>
   </p:cSld>
@@ -5083,8 +5153,8 @@
         </p:nvSpPr>
         <p:spPr>
           <a:xfrm>
-            <a:off x="3163929" y="3849459"/>
-            <a:ext cx="4135087" cy="931367"/>
+            <a:off x="1853189" y="3849459"/>
+            <a:ext cx="5648016" cy="931367"/>
           </a:xfrm>
         </p:spPr>
         <p:txBody>
@@ -5093,31 +5163,85 @@
           </a:bodyPr>
           <a:lstStyle/>
           <a:p>
-            <a:pPr algn="l"/>
-            <a:r>
-              <a:rPr lang="ja-JP" altLang="en-US" dirty="0" smtClean="0"/>
+            <a:r>
+              <a:rPr lang="ja-JP" altLang="en-US" dirty="0" smtClean="0">
+                <a:latin typeface="ＭＳ ゴシック" panose="020B0609070205080204" pitchFamily="49" charset="-128"/>
+                <a:ea typeface="ＭＳ ゴシック" panose="020B0609070205080204" pitchFamily="49" charset="-128"/>
+              </a:rPr>
               <a:t>鷹野研究室</a:t>
             </a:r>
-            <a:endParaRPr lang="en-US" altLang="ja-JP" dirty="0"/>
-          </a:p>
-          <a:p>
-            <a:pPr algn="l"/>
-            <a:r>
-              <a:rPr kumimoji="1" lang="ja-JP" altLang="en-US" dirty="0" smtClean="0"/>
-              <a:t>学籍番号：</a:t>
-            </a:r>
-            <a:r>
-              <a:rPr kumimoji="1" lang="en-US" altLang="ja-JP" dirty="0" smtClean="0"/>
+            <a:endParaRPr lang="en-US" altLang="ja-JP" dirty="0">
+              <a:latin typeface="ＭＳ ゴシック" panose="020B0609070205080204" pitchFamily="49" charset="-128"/>
+              <a:ea typeface="ＭＳ ゴシック" panose="020B0609070205080204" pitchFamily="49" charset="-128"/>
+            </a:endParaRPr>
+          </a:p>
+          <a:p>
+            <a:r>
+              <a:rPr kumimoji="1" lang="ja-JP" altLang="en-US" dirty="0" smtClean="0">
+                <a:latin typeface="ＭＳ ゴシック" panose="020B0609070205080204" pitchFamily="49" charset="-128"/>
+                <a:ea typeface="ＭＳ ゴシック" panose="020B0609070205080204" pitchFamily="49" charset="-128"/>
+              </a:rPr>
+              <a:t>学籍</a:t>
+            </a:r>
+            <a:r>
+              <a:rPr kumimoji="1" lang="ja-JP" altLang="en-US" dirty="0" smtClean="0">
+                <a:latin typeface="ＭＳ ゴシック" panose="020B0609070205080204" pitchFamily="49" charset="-128"/>
+                <a:ea typeface="ＭＳ ゴシック" panose="020B0609070205080204" pitchFamily="49" charset="-128"/>
+              </a:rPr>
+              <a:t>番号：</a:t>
+            </a:r>
+            <a:r>
+              <a:rPr kumimoji="1" lang="en-US" altLang="ja-JP" dirty="0" smtClean="0">
+                <a:latin typeface="ＭＳ ゴシック" panose="020B0609070205080204" pitchFamily="49" charset="-128"/>
+                <a:ea typeface="ＭＳ ゴシック" panose="020B0609070205080204" pitchFamily="49" charset="-128"/>
+              </a:rPr>
               <a:t>1821121</a:t>
             </a:r>
-          </a:p>
-          <a:p>
-            <a:pPr algn="l"/>
-            <a:r>
-              <a:rPr lang="ja-JP" altLang="en-US" dirty="0" smtClean="0"/>
-              <a:t>氏名：島岡慎也</a:t>
-            </a:r>
-            <a:endParaRPr kumimoji="1" lang="ja-JP" altLang="en-US" dirty="0"/>
+            <a:r>
+              <a:rPr lang="ja-JP" altLang="en-US" dirty="0" smtClean="0">
+                <a:latin typeface="ＭＳ ゴシック" panose="020B0609070205080204" pitchFamily="49" charset="-128"/>
+                <a:ea typeface="ＭＳ ゴシック" panose="020B0609070205080204" pitchFamily="49" charset="-128"/>
+              </a:rPr>
+              <a:t> 氏名：島岡慎也</a:t>
+            </a:r>
+            <a:endParaRPr lang="en-US" altLang="ja-JP" dirty="0" smtClean="0">
+              <a:latin typeface="ＭＳ ゴシック" panose="020B0609070205080204" pitchFamily="49" charset="-128"/>
+              <a:ea typeface="ＭＳ ゴシック" panose="020B0609070205080204" pitchFamily="49" charset="-128"/>
+            </a:endParaRPr>
+          </a:p>
+          <a:p>
+            <a:r>
+              <a:rPr kumimoji="1" lang="ja-JP" altLang="en-US" dirty="0" smtClean="0">
+                <a:latin typeface="ＭＳ ゴシック" panose="020B0609070205080204" pitchFamily="49" charset="-128"/>
+                <a:ea typeface="ＭＳ ゴシック" panose="020B0609070205080204" pitchFamily="49" charset="-128"/>
+              </a:rPr>
+              <a:t>指導教員：</a:t>
+            </a:r>
+            <a:r>
+              <a:rPr lang="ja-JP" altLang="ja-JP" dirty="0">
+                <a:latin typeface="ＭＳ ゴシック" panose="020B0609070205080204" pitchFamily="49" charset="-128"/>
+                <a:ea typeface="ＭＳ ゴシック" panose="020B0609070205080204" pitchFamily="49" charset="-128"/>
+              </a:rPr>
+              <a:t>鷹野孝</a:t>
+            </a:r>
+            <a:r>
+              <a:rPr lang="ja-JP" altLang="ja-JP" dirty="0" smtClean="0">
+                <a:latin typeface="ＭＳ ゴシック" panose="020B0609070205080204" pitchFamily="49" charset="-128"/>
+                <a:ea typeface="ＭＳ ゴシック" panose="020B0609070205080204" pitchFamily="49" charset="-128"/>
+              </a:rPr>
+              <a:t>典</a:t>
+            </a:r>
+            <a:r>
+              <a:rPr lang="ja-JP" altLang="en-US" dirty="0" smtClean="0">
+                <a:latin typeface="ＭＳ ゴシック" panose="020B0609070205080204" pitchFamily="49" charset="-128"/>
+                <a:ea typeface="ＭＳ ゴシック" panose="020B0609070205080204" pitchFamily="49" charset="-128"/>
+              </a:rPr>
+              <a:t>教授</a:t>
+            </a:r>
+            <a:endParaRPr kumimoji="1" lang="ja-JP" altLang="en-US" dirty="0">
+              <a:latin typeface="ＭＳ ゴシック" panose="020B0609070205080204" pitchFamily="49" charset="-128"/>
+              <a:ea typeface="ＭＳ ゴシック" panose="020B0609070205080204" pitchFamily="49" charset="-128"/>
+            </a:endParaRPr>
           </a:p>
         </p:txBody>
       </p:sp>
@@ -5152,8 +5276,8 @@
         </p:nvSpPr>
         <p:spPr>
           <a:xfrm>
-            <a:off x="2111339" y="88351"/>
-            <a:ext cx="5810036" cy="646331"/>
+            <a:off x="1941988" y="88351"/>
+            <a:ext cx="5470418" cy="646331"/>
           </a:xfrm>
           <a:prstGeom prst="rect">
             <a:avLst/>
@@ -5166,10 +5290,30 @@
           <a:lstStyle/>
           <a:p>
             <a:r>
-              <a:rPr kumimoji="1" lang="ja-JP" altLang="en-US" dirty="0"/>
-              <a:t>２０２１年度　神奈川工科大学情報学部情報工学科　１月２５日卒業研究発表会</a:t>
-            </a:r>
-            <a:endParaRPr kumimoji="1" lang="en-US" altLang="ja-JP" dirty="0"/>
+              <a:rPr kumimoji="1" lang="ja-JP" altLang="en-US" dirty="0">
+                <a:latin typeface="ＭＳ ゴシック" panose="020B0609070205080204" pitchFamily="49" charset="-128"/>
+                <a:ea typeface="ＭＳ ゴシック" panose="020B0609070205080204" pitchFamily="49" charset="-128"/>
+              </a:rPr>
+              <a:t>２０２１年度　神奈川工科大学情報学部情報工学科　</a:t>
+            </a:r>
+            <a:r>
+              <a:rPr kumimoji="1" lang="ja-JP" altLang="en-US" dirty="0" smtClean="0">
+                <a:latin typeface="ＭＳ ゴシック" panose="020B0609070205080204" pitchFamily="49" charset="-128"/>
+                <a:ea typeface="ＭＳ ゴシック" panose="020B0609070205080204" pitchFamily="49" charset="-128"/>
+              </a:rPr>
+              <a:t>１月</a:t>
+            </a:r>
+            <a:r>
+              <a:rPr kumimoji="1" lang="ja-JP" altLang="en-US" dirty="0">
+                <a:latin typeface="ＭＳ ゴシック" panose="020B0609070205080204" pitchFamily="49" charset="-128"/>
+                <a:ea typeface="ＭＳ ゴシック" panose="020B0609070205080204" pitchFamily="49" charset="-128"/>
+              </a:rPr>
+              <a:t>２５日卒業研究発表会</a:t>
+            </a:r>
+            <a:endParaRPr kumimoji="1" lang="en-US" altLang="ja-JP" dirty="0">
+              <a:latin typeface="ＭＳ ゴシック" panose="020B0609070205080204" pitchFamily="49" charset="-128"/>
+              <a:ea typeface="ＭＳ ゴシック" panose="020B0609070205080204" pitchFamily="49" charset="-128"/>
+            </a:endParaRPr>
           </a:p>
         </p:txBody>
       </p:sp>
@@ -5220,6 +5364,316 @@
             <p:ph type="title"/>
           </p:nvPr>
         </p:nvSpPr>
+        <p:spPr/>
+        <p:txBody>
+          <a:bodyPr/>
+          <a:lstStyle/>
+          <a:p>
+            <a:r>
+              <a:rPr kumimoji="1" lang="ja-JP" altLang="en-US" dirty="0" smtClean="0"/>
+              <a:t>実験 生成された問題</a:t>
+            </a:r>
+            <a:endParaRPr kumimoji="1" lang="ja-JP" altLang="en-US" dirty="0"/>
+          </a:p>
+        </p:txBody>
+      </p:sp>
+      <p:sp>
+        <p:nvSpPr>
+          <p:cNvPr id="4" name="スライド番号プレースホルダー 3"/>
+          <p:cNvSpPr>
+            <a:spLocks noGrp="1"/>
+          </p:cNvSpPr>
+          <p:nvPr>
+            <p:ph type="sldNum" sz="quarter" idx="12"/>
+          </p:nvPr>
+        </p:nvSpPr>
+        <p:spPr/>
+        <p:txBody>
+          <a:bodyPr/>
+          <a:lstStyle/>
+          <a:p>
+            <a:fld id="{7A0C0510-5AD5-45F8-B3F1-46CC91AC00B1}" type="slidenum">
+              <a:rPr kumimoji="1" lang="ja-JP" altLang="en-US" smtClean="0"/>
+              <a:pPr/>
+              <a:t>10</a:t>
+            </a:fld>
+            <a:endParaRPr kumimoji="1" lang="ja-JP" altLang="en-US" dirty="0"/>
+          </a:p>
+        </p:txBody>
+      </p:sp>
+      <p:pic>
+        <p:nvPicPr>
+          <p:cNvPr id="5" name="図 4"/>
+          <p:cNvPicPr>
+            <a:picLocks noChangeAspect="1"/>
+          </p:cNvPicPr>
+          <p:nvPr/>
+        </p:nvPicPr>
+        <p:blipFill rotWithShape="1">
+          <a:blip r:embed="rId3"/>
+          <a:srcRect l="47238" t="47614" r="12528" b="16678"/>
+          <a:stretch/>
+        </p:blipFill>
+        <p:spPr>
+          <a:xfrm>
+            <a:off x="4258014" y="2262859"/>
+            <a:ext cx="4710689" cy="2747748"/>
+          </a:xfrm>
+          <a:prstGeom prst="rect">
+            <a:avLst/>
+          </a:prstGeom>
+        </p:spPr>
+      </p:pic>
+      <p:pic>
+        <p:nvPicPr>
+          <p:cNvPr id="7" name="図 6"/>
+          <p:cNvPicPr>
+            <a:picLocks noChangeAspect="1"/>
+          </p:cNvPicPr>
+          <p:nvPr/>
+        </p:nvPicPr>
+        <p:blipFill rotWithShape="1">
+          <a:blip r:embed="rId4"/>
+          <a:srcRect l="47630" t="49623" r="14638" b="8587"/>
+          <a:stretch/>
+        </p:blipFill>
+        <p:spPr>
+          <a:xfrm>
+            <a:off x="139540" y="2262860"/>
+            <a:ext cx="3969485" cy="2747747"/>
+          </a:xfrm>
+          <a:prstGeom prst="rect">
+            <a:avLst/>
+          </a:prstGeom>
+        </p:spPr>
+      </p:pic>
+      <p:sp>
+        <p:nvSpPr>
+          <p:cNvPr id="8" name="テキスト ボックス 7"/>
+          <p:cNvSpPr txBox="1"/>
+          <p:nvPr/>
+        </p:nvSpPr>
+        <p:spPr>
+          <a:xfrm>
+            <a:off x="1198387" y="5211423"/>
+            <a:ext cx="1851789" cy="369332"/>
+          </a:xfrm>
+          <a:prstGeom prst="rect">
+            <a:avLst/>
+          </a:prstGeom>
+          <a:noFill/>
+        </p:spPr>
+        <p:txBody>
+          <a:bodyPr wrap="none" rtlCol="0">
+            <a:spAutoFit/>
+          </a:bodyPr>
+          <a:lstStyle/>
+          <a:p>
+            <a:r>
+              <a:rPr lang="en-US" altLang="ja-JP" dirty="0">
+                <a:latin typeface="Century" panose="02040604050505020304" pitchFamily="18" charset="0"/>
+                <a:ea typeface="ＭＳ 明朝" panose="02020609040205080304" pitchFamily="17" charset="-128"/>
+                <a:cs typeface="Times New Roman" panose="02020603050405020304" pitchFamily="18" charset="0"/>
+              </a:rPr>
+              <a:t>(a)</a:t>
+            </a:r>
+            <a:r>
+              <a:rPr lang="ja-JP" altLang="ja-JP" dirty="0">
+                <a:latin typeface="Century" panose="02040604050505020304" pitchFamily="18" charset="0"/>
+                <a:ea typeface="ＭＳ 明朝" panose="02020609040205080304" pitchFamily="17" charset="-128"/>
+                <a:cs typeface="Times New Roman" panose="02020603050405020304" pitchFamily="18" charset="0"/>
+              </a:rPr>
+              <a:t>同じグループ</a:t>
+            </a:r>
+            <a:endParaRPr lang="ja-JP" altLang="en-US" dirty="0"/>
+          </a:p>
+        </p:txBody>
+      </p:sp>
+      <p:sp>
+        <p:nvSpPr>
+          <p:cNvPr id="9" name="テキスト ボックス 8"/>
+          <p:cNvSpPr txBox="1"/>
+          <p:nvPr/>
+        </p:nvSpPr>
+        <p:spPr>
+          <a:xfrm flipH="1">
+            <a:off x="5554351" y="5211423"/>
+            <a:ext cx="2118013" cy="369332"/>
+          </a:xfrm>
+          <a:prstGeom prst="rect">
+            <a:avLst/>
+          </a:prstGeom>
+          <a:noFill/>
+        </p:spPr>
+        <p:txBody>
+          <a:bodyPr wrap="square" rtlCol="0">
+            <a:spAutoFit/>
+          </a:bodyPr>
+          <a:lstStyle/>
+          <a:p>
+            <a:r>
+              <a:rPr lang="en-US" altLang="ja-JP" dirty="0">
+                <a:latin typeface="Century" panose="02040604050505020304" pitchFamily="18" charset="0"/>
+                <a:ea typeface="ＭＳ 明朝" panose="02020609040205080304" pitchFamily="17" charset="-128"/>
+                <a:cs typeface="Times New Roman" panose="02020603050405020304" pitchFamily="18" charset="0"/>
+              </a:rPr>
+              <a:t>(b)</a:t>
+            </a:r>
+            <a:r>
+              <a:rPr lang="ja-JP" altLang="ja-JP" dirty="0">
+                <a:latin typeface="Century" panose="02040604050505020304" pitchFamily="18" charset="0"/>
+                <a:ea typeface="ＭＳ 明朝" panose="02020609040205080304" pitchFamily="17" charset="-128"/>
+                <a:cs typeface="Times New Roman" panose="02020603050405020304" pitchFamily="18" charset="0"/>
+              </a:rPr>
+              <a:t>異なるグループ</a:t>
+            </a:r>
+            <a:endParaRPr lang="ja-JP" altLang="en-US" dirty="0"/>
+          </a:p>
+        </p:txBody>
+      </p:sp>
+      <p:sp>
+        <p:nvSpPr>
+          <p:cNvPr id="10" name="正方形/長方形 9"/>
+          <p:cNvSpPr/>
+          <p:nvPr/>
+        </p:nvSpPr>
+        <p:spPr>
+          <a:xfrm>
+            <a:off x="308225" y="2915920"/>
+            <a:ext cx="503433" cy="536197"/>
+          </a:xfrm>
+          <a:prstGeom prst="rect">
+            <a:avLst/>
+          </a:prstGeom>
+          <a:solidFill>
+            <a:schemeClr val="lt1">
+              <a:alpha val="0"/>
+            </a:schemeClr>
+          </a:solidFill>
+          <a:ln w="57150">
+            <a:solidFill>
+              <a:srgbClr val="FF0000"/>
+            </a:solidFill>
+          </a:ln>
+        </p:spPr>
+        <p:style>
+          <a:lnRef idx="2">
+            <a:schemeClr val="dk1"/>
+          </a:lnRef>
+          <a:fillRef idx="1">
+            <a:schemeClr val="lt1"/>
+          </a:fillRef>
+          <a:effectRef idx="0">
+            <a:schemeClr val="dk1"/>
+          </a:effectRef>
+          <a:fontRef idx="minor">
+            <a:schemeClr val="dk1"/>
+          </a:fontRef>
+        </p:style>
+        <p:txBody>
+          <a:bodyPr rtlCol="0" anchor="ctr"/>
+          <a:lstStyle/>
+          <a:p>
+            <a:pPr algn="ctr"/>
+            <a:endParaRPr kumimoji="1" lang="ja-JP" altLang="en-US"/>
+          </a:p>
+        </p:txBody>
+      </p:sp>
+      <p:sp>
+        <p:nvSpPr>
+          <p:cNvPr id="11" name="正方形/長方形 10"/>
+          <p:cNvSpPr/>
+          <p:nvPr/>
+        </p:nvSpPr>
+        <p:spPr>
+          <a:xfrm>
+            <a:off x="4729481" y="3542872"/>
+            <a:ext cx="503433" cy="585627"/>
+          </a:xfrm>
+          <a:prstGeom prst="rect">
+            <a:avLst/>
+          </a:prstGeom>
+          <a:solidFill>
+            <a:schemeClr val="lt1">
+              <a:alpha val="0"/>
+            </a:schemeClr>
+          </a:solidFill>
+          <a:ln w="57150">
+            <a:solidFill>
+              <a:srgbClr val="FF0000"/>
+            </a:solidFill>
+          </a:ln>
+        </p:spPr>
+        <p:style>
+          <a:lnRef idx="2">
+            <a:schemeClr val="dk1"/>
+          </a:lnRef>
+          <a:fillRef idx="1">
+            <a:schemeClr val="lt1"/>
+          </a:fillRef>
+          <a:effectRef idx="0">
+            <a:schemeClr val="dk1"/>
+          </a:effectRef>
+          <a:fontRef idx="minor">
+            <a:schemeClr val="dk1"/>
+          </a:fontRef>
+        </p:style>
+        <p:txBody>
+          <a:bodyPr rtlCol="0" anchor="ctr"/>
+          <a:lstStyle/>
+          <a:p>
+            <a:pPr algn="ctr"/>
+            <a:endParaRPr kumimoji="1" lang="ja-JP" altLang="en-US"/>
+          </a:p>
+        </p:txBody>
+      </p:sp>
+    </p:spTree>
+    <p:extLst>
+      <p:ext uri="{BB962C8B-B14F-4D97-AF65-F5344CB8AC3E}">
+        <p14:creationId xmlns:p14="http://schemas.microsoft.com/office/powerpoint/2010/main" val="3880336834"/>
+      </p:ext>
+    </p:extLst>
+  </p:cSld>
+  <p:clrMapOvr>
+    <a:masterClrMapping/>
+  </p:clrMapOvr>
+  <p:timing>
+    <p:tnLst>
+      <p:par>
+        <p:cTn id="1" dur="indefinite" restart="never" nodeType="tmRoot"/>
+      </p:par>
+    </p:tnLst>
+  </p:timing>
+</p:sld>
+</file>
+
+<file path=ppt/slides/slide11.xml><?xml version="1.0" encoding="utf-8"?>
+<p:sld xmlns:a="http://schemas.openxmlformats.org/drawingml/2006/main" xmlns:r="http://schemas.openxmlformats.org/officeDocument/2006/relationships" xmlns:p="http://schemas.openxmlformats.org/presentationml/2006/main">
+  <p:cSld>
+    <p:spTree>
+      <p:nvGrpSpPr>
+        <p:cNvPr id="1" name=""/>
+        <p:cNvGrpSpPr/>
+        <p:nvPr/>
+      </p:nvGrpSpPr>
+      <p:grpSpPr>
+        <a:xfrm>
+          <a:off x="0" y="0"/>
+          <a:ext cx="0" cy="0"/>
+          <a:chOff x="0" y="0"/>
+          <a:chExt cx="0" cy="0"/>
+        </a:xfrm>
+      </p:grpSpPr>
+      <p:sp>
+        <p:nvSpPr>
+          <p:cNvPr id="2" name="タイトル 1"/>
+          <p:cNvSpPr>
+            <a:spLocks noGrp="1"/>
+          </p:cNvSpPr>
+          <p:nvPr>
+            <p:ph type="title"/>
+          </p:nvPr>
+        </p:nvSpPr>
         <p:spPr>
           <a:xfrm>
             <a:off x="377799" y="470343"/>
@@ -5400,7 +5854,7 @@
           <a:p>
             <a:fld id="{7A0C0510-5AD5-45F8-B3F1-46CC91AC00B1}" type="slidenum">
               <a:rPr kumimoji="1" lang="ja-JP" altLang="en-US" smtClean="0"/>
-              <a:t>10</a:t>
+              <a:t>11</a:t>
             </a:fld>
             <a:endParaRPr kumimoji="1" lang="ja-JP" altLang="en-US"/>
           </a:p>
@@ -9943,155 +10397,6 @@
 </p:sld>
 </file>
 
-<file path=ppt/slides/slide11.xml><?xml version="1.0" encoding="utf-8"?>
-<p:sld xmlns:a="http://schemas.openxmlformats.org/drawingml/2006/main" xmlns:r="http://schemas.openxmlformats.org/officeDocument/2006/relationships" xmlns:p="http://schemas.openxmlformats.org/presentationml/2006/main">
-  <p:cSld>
-    <p:spTree>
-      <p:nvGrpSpPr>
-        <p:cNvPr id="1" name=""/>
-        <p:cNvGrpSpPr/>
-        <p:nvPr/>
-      </p:nvGrpSpPr>
-      <p:grpSpPr>
-        <a:xfrm>
-          <a:off x="0" y="0"/>
-          <a:ext cx="0" cy="0"/>
-          <a:chOff x="0" y="0"/>
-          <a:chExt cx="0" cy="0"/>
-        </a:xfrm>
-      </p:grpSpPr>
-      <p:sp>
-        <p:nvSpPr>
-          <p:cNvPr id="2" name="タイトル 1"/>
-          <p:cNvSpPr>
-            <a:spLocks noGrp="1"/>
-          </p:cNvSpPr>
-          <p:nvPr>
-            <p:ph type="title"/>
-          </p:nvPr>
-        </p:nvSpPr>
-        <p:spPr/>
-        <p:txBody>
-          <a:bodyPr/>
-          <a:lstStyle/>
-          <a:p>
-            <a:r>
-              <a:rPr kumimoji="1" lang="ja-JP" altLang="en-US" dirty="0" smtClean="0"/>
-              <a:t>まとめ</a:t>
-            </a:r>
-            <a:endParaRPr kumimoji="1" lang="ja-JP" altLang="en-US" dirty="0"/>
-          </a:p>
-        </p:txBody>
-      </p:sp>
-      <p:sp>
-        <p:nvSpPr>
-          <p:cNvPr id="3" name="コンテンツ プレースホルダー 2"/>
-          <p:cNvSpPr>
-            <a:spLocks noGrp="1"/>
-          </p:cNvSpPr>
-          <p:nvPr>
-            <p:ph idx="1"/>
-          </p:nvPr>
-        </p:nvSpPr>
-        <p:spPr/>
-        <p:txBody>
-          <a:bodyPr/>
-          <a:lstStyle/>
-          <a:p>
-            <a:pPr>
-              <a:lnSpc>
-                <a:spcPct val="100000"/>
-              </a:lnSpc>
-            </a:pPr>
-            <a:r>
-              <a:rPr lang="ja-JP" altLang="ja-JP" dirty="0"/>
-              <a:t>ブロックプログラミングと連携したソースコードの穴埋め問題生成システムを</a:t>
-            </a:r>
-            <a:r>
-              <a:rPr lang="ja-JP" altLang="ja-JP" dirty="0" smtClean="0"/>
-              <a:t>提案</a:t>
-            </a:r>
-            <a:r>
-              <a:rPr lang="ja-JP" altLang="en-US" dirty="0" smtClean="0"/>
-              <a:t>した．</a:t>
-            </a:r>
-            <a:endParaRPr lang="en-US" altLang="ja-JP" dirty="0"/>
-          </a:p>
-          <a:p>
-            <a:pPr algn="just"/>
-            <a:endParaRPr lang="en-US" altLang="ja-JP" dirty="0"/>
-          </a:p>
-          <a:p>
-            <a:r>
-              <a:rPr lang="ja-JP" altLang="en-US" dirty="0" smtClean="0"/>
-              <a:t>実験で，</a:t>
-            </a:r>
-            <a:r>
-              <a:rPr lang="ja-JP" altLang="ja-JP" dirty="0" smtClean="0"/>
-              <a:t>ブロックプログラミング</a:t>
-            </a:r>
-            <a:r>
-              <a:rPr lang="ja-JP" altLang="ja-JP" dirty="0"/>
-              <a:t>からコーディング学習のために適切に問題を生成可能であるかを難易度や出題基準の観点から評価することで提案システムの実現可能性を</a:t>
-            </a:r>
-            <a:r>
-              <a:rPr lang="ja-JP" altLang="ja-JP" dirty="0" smtClean="0"/>
-              <a:t>検証</a:t>
-            </a:r>
-            <a:r>
-              <a:rPr lang="ja-JP" altLang="en-US" dirty="0" smtClean="0"/>
-              <a:t>した．</a:t>
-            </a:r>
-            <a:endParaRPr lang="ja-JP" altLang="en-US" dirty="0"/>
-          </a:p>
-          <a:p>
-            <a:endParaRPr kumimoji="1" lang="ja-JP" altLang="en-US" dirty="0"/>
-          </a:p>
-        </p:txBody>
-      </p:sp>
-      <p:sp>
-        <p:nvSpPr>
-          <p:cNvPr id="4" name="スライド番号プレースホルダー 3"/>
-          <p:cNvSpPr>
-            <a:spLocks noGrp="1"/>
-          </p:cNvSpPr>
-          <p:nvPr>
-            <p:ph type="sldNum" sz="quarter" idx="12"/>
-          </p:nvPr>
-        </p:nvSpPr>
-        <p:spPr/>
-        <p:txBody>
-          <a:bodyPr/>
-          <a:lstStyle/>
-          <a:p>
-            <a:fld id="{7A0C0510-5AD5-45F8-B3F1-46CC91AC00B1}" type="slidenum">
-              <a:rPr kumimoji="1" lang="ja-JP" altLang="en-US" smtClean="0"/>
-              <a:t>11</a:t>
-            </a:fld>
-            <a:endParaRPr kumimoji="1" lang="ja-JP" altLang="en-US"/>
-          </a:p>
-        </p:txBody>
-      </p:sp>
-    </p:spTree>
-    <p:extLst>
-      <p:ext uri="{BB962C8B-B14F-4D97-AF65-F5344CB8AC3E}">
-        <p14:creationId xmlns:p14="http://schemas.microsoft.com/office/powerpoint/2010/main" val="2945600331"/>
-      </p:ext>
-    </p:extLst>
-  </p:cSld>
-  <p:clrMapOvr>
-    <a:masterClrMapping/>
-  </p:clrMapOvr>
-  <p:timing>
-    <p:tnLst>
-      <p:par>
-        <p:cTn id="1" dur="indefinite" restart="never" nodeType="tmRoot"/>
-      </p:par>
-    </p:tnLst>
-  </p:timing>
-</p:sld>
-</file>
-
 <file path=ppt/slides/slide12.xml><?xml version="1.0" encoding="utf-8"?>
 <p:sld xmlns:a="http://schemas.openxmlformats.org/drawingml/2006/main" xmlns:r="http://schemas.openxmlformats.org/officeDocument/2006/relationships" xmlns:p="http://schemas.openxmlformats.org/presentationml/2006/main">
   <p:cSld>
@@ -10126,7 +10431,7 @@
           <a:p>
             <a:r>
               <a:rPr kumimoji="1" lang="ja-JP" altLang="en-US" dirty="0" smtClean="0"/>
-              <a:t>今後の展望</a:t>
+              <a:t>まとめ</a:t>
             </a:r>
             <a:endParaRPr kumimoji="1" lang="ja-JP" altLang="en-US" dirty="0"/>
           </a:p>
@@ -10153,16 +10458,87 @@
               </a:lnSpc>
             </a:pPr>
             <a:r>
+              <a:rPr lang="ja-JP" altLang="ja-JP" dirty="0"/>
+              <a:t>ブロックプログラミングと連携したソースコードの穴埋め問題生成システムを</a:t>
+            </a:r>
+            <a:r>
               <a:rPr lang="ja-JP" altLang="ja-JP" dirty="0" smtClean="0"/>
-              <a:t>プログラミング</a:t>
+              <a:t>提案</a:t>
+            </a:r>
+            <a:r>
+              <a:rPr lang="ja-JP" altLang="en-US" dirty="0" smtClean="0"/>
+              <a:t>した．</a:t>
+            </a:r>
+            <a:endParaRPr lang="en-US" altLang="ja-JP" dirty="0"/>
+          </a:p>
+          <a:p>
+            <a:pPr algn="just"/>
+            <a:endParaRPr lang="en-US" altLang="ja-JP" dirty="0"/>
+          </a:p>
+          <a:p>
+            <a:r>
+              <a:rPr lang="ja-JP" altLang="en-US" dirty="0" smtClean="0"/>
+              <a:t>実験で，</a:t>
+            </a:r>
+            <a:r>
+              <a:rPr lang="ja-JP" altLang="ja-JP" dirty="0" smtClean="0"/>
+              <a:t>ブロックプログラミング</a:t>
             </a:r>
             <a:r>
               <a:rPr lang="ja-JP" altLang="ja-JP" dirty="0"/>
-              <a:t>学習の初学者が，プログラミングに関連して，論理的思考力からコーディング力への学習の移行の際に，実際に利用される学習環境となることが期待される．</a:t>
-            </a:r>
-          </a:p>
-          <a:p>
-            <a:pPr algn="just"/>
+              <a:t>からコーディング学習</a:t>
+            </a:r>
+            <a:r>
+              <a:rPr lang="ja-JP" altLang="ja-JP" dirty="0" smtClean="0"/>
+              <a:t>の</a:t>
+            </a:r>
+            <a:r>
+              <a:rPr lang="ja-JP" altLang="en-US" dirty="0" smtClean="0"/>
+              <a:t>移行の</a:t>
+            </a:r>
+            <a:r>
+              <a:rPr lang="ja-JP" altLang="ja-JP" dirty="0" smtClean="0"/>
+              <a:t>ため</a:t>
+            </a:r>
+            <a:r>
+              <a:rPr lang="ja-JP" altLang="ja-JP" dirty="0"/>
+              <a:t>に適切に問題を生成可能であるか</a:t>
+            </a:r>
+            <a:r>
+              <a:rPr lang="ja-JP" altLang="ja-JP" dirty="0" smtClean="0"/>
+              <a:t>を</a:t>
+            </a:r>
+            <a:r>
+              <a:rPr lang="ja-JP" altLang="en-US" dirty="0" smtClean="0"/>
+              <a:t>，</a:t>
+            </a:r>
+            <a:r>
+              <a:rPr lang="ja-JP" altLang="ja-JP" dirty="0" smtClean="0"/>
+              <a:t>難易度</a:t>
+            </a:r>
+            <a:r>
+              <a:rPr lang="ja-JP" altLang="ja-JP" dirty="0"/>
+              <a:t>や出題基準の観点から評価することで提案システムの実現可能性</a:t>
+            </a:r>
+            <a:r>
+              <a:rPr lang="ja-JP" altLang="ja-JP" dirty="0" smtClean="0"/>
+              <a:t>を</a:t>
+            </a:r>
+            <a:r>
+              <a:rPr lang="ja-JP" altLang="en-US" dirty="0" smtClean="0"/>
+              <a:t>示</a:t>
+            </a:r>
+            <a:r>
+              <a:rPr lang="ja-JP" altLang="en-US" dirty="0" smtClean="0"/>
+              <a:t>した</a:t>
+            </a:r>
+            <a:r>
+              <a:rPr lang="ja-JP" altLang="en-US" dirty="0" smtClean="0"/>
+              <a:t>．</a:t>
+            </a:r>
+            <a:endParaRPr lang="ja-JP" altLang="en-US" dirty="0"/>
+          </a:p>
+          <a:p>
             <a:endParaRPr kumimoji="1" lang="ja-JP" altLang="en-US" dirty="0"/>
           </a:p>
         </p:txBody>
@@ -10193,7 +10569,7 @@
     </p:spTree>
     <p:extLst>
       <p:ext uri="{BB962C8B-B14F-4D97-AF65-F5344CB8AC3E}">
-        <p14:creationId xmlns:p14="http://schemas.microsoft.com/office/powerpoint/2010/main" val="3059693183"/>
+        <p14:creationId xmlns:p14="http://schemas.microsoft.com/office/powerpoint/2010/main" val="2945600331"/>
       </p:ext>
     </p:extLst>
   </p:cSld>
@@ -10243,8 +10619,8 @@
           <a:lstStyle/>
           <a:p>
             <a:r>
-              <a:rPr lang="ja-JP" altLang="en-US" dirty="0"/>
-              <a:t>参考文献</a:t>
+              <a:rPr kumimoji="1" lang="ja-JP" altLang="en-US" dirty="0" smtClean="0"/>
+              <a:t>今後の展望</a:t>
             </a:r>
             <a:endParaRPr kumimoji="1" lang="ja-JP" altLang="en-US" dirty="0"/>
           </a:p>
@@ -10262,425 +10638,26 @@
         </p:nvSpPr>
         <p:spPr/>
         <p:txBody>
-          <a:bodyPr>
-            <a:normAutofit fontScale="55000" lnSpcReduction="20000"/>
-          </a:bodyPr>
+          <a:bodyPr/>
           <a:lstStyle/>
           <a:p>
-            <a:pPr marL="385763" indent="-385763" latinLnBrk="1">
-              <a:buFont typeface="+mj-ea"/>
-              <a:buAutoNum type="circleNumDbPlain"/>
+            <a:pPr>
+              <a:lnSpc>
+                <a:spcPct val="100000"/>
+              </a:lnSpc>
             </a:pPr>
             <a:r>
+              <a:rPr lang="ja-JP" altLang="ja-JP" dirty="0" smtClean="0"/>
+              <a:t>プログラミング</a:t>
+            </a:r>
+            <a:r>
               <a:rPr lang="ja-JP" altLang="ja-JP" dirty="0"/>
-              <a:t>文部科学省 初等中等教育局 情報教育・外国語教育課 情報教育振興室</a:t>
-            </a:r>
-            <a:r>
-              <a:rPr lang="en-US" altLang="ja-JP" dirty="0"/>
-              <a:t>, </a:t>
-            </a:r>
-            <a:r>
-              <a:rPr lang="ja-JP" altLang="ja-JP" dirty="0"/>
-              <a:t>小学校プログラミング教育の趣旨と計画的な準備の必要性について，令和元年度 小学校プログラミング教育担当者等セミナー， </a:t>
-            </a:r>
-            <a:r>
-              <a:rPr lang="en-US" altLang="ja-JP" dirty="0"/>
-              <a:t>https://www.mext.go.jp/content/20200210-mxt_jogai01-100013292_01.pdf</a:t>
-            </a:r>
-            <a:r>
-              <a:rPr lang="ja-JP" altLang="ja-JP" dirty="0" err="1" smtClean="0"/>
-              <a:t>，</a:t>
-            </a:r>
-            <a:r>
-              <a:rPr lang="en-US" altLang="ja-JP" dirty="0" smtClean="0"/>
-              <a:t>(</a:t>
-            </a:r>
-            <a:r>
-              <a:rPr lang="en-US" altLang="ja-JP" dirty="0"/>
-              <a:t>2021/12/20)</a:t>
-            </a:r>
-            <a:r>
-              <a:rPr lang="ja-JP" altLang="ja-JP" dirty="0" err="1"/>
-              <a:t>．</a:t>
-            </a:r>
-            <a:endParaRPr lang="ja-JP" altLang="ja-JP" dirty="0"/>
-          </a:p>
-          <a:p>
-            <a:pPr marL="385763" indent="-385763" latinLnBrk="1">
-              <a:buFont typeface="+mj-ea"/>
-              <a:buAutoNum type="circleNumDbPlain"/>
-            </a:pPr>
-            <a:r>
-              <a:rPr lang="ja-JP" altLang="ja-JP" dirty="0"/>
-              <a:t>小学校段階におけるプログラミング教育の在り方について（議論の取りまとめ），</a:t>
-            </a:r>
-            <a:r>
-              <a:rPr lang="en-US" altLang="ja-JP" dirty="0"/>
-              <a:t>https://www.mext.go.jp/b_menu/shingi/chousa/shotou/122/attach/1372525.htm, </a:t>
-            </a:r>
-            <a:r>
-              <a:rPr lang="ja-JP" altLang="ja-JP" dirty="0"/>
-              <a:t>（</a:t>
-            </a:r>
-            <a:r>
-              <a:rPr lang="en-US" altLang="ja-JP" dirty="0"/>
-              <a:t>2021/12/20</a:t>
-            </a:r>
-            <a:r>
-              <a:rPr lang="ja-JP" altLang="ja-JP" dirty="0"/>
-              <a:t>）．</a:t>
-            </a:r>
-          </a:p>
-          <a:p>
-            <a:pPr marL="385763" indent="-385763" algn="just">
-              <a:buFont typeface="+mj-ea"/>
-              <a:buAutoNum type="circleNumDbPlain"/>
-            </a:pPr>
-            <a:r>
-              <a:rPr lang="ja-JP" altLang="ja-JP" dirty="0"/>
-              <a:t>井上尚美：言語論理教育入門―国語科における思考，</a:t>
-            </a:r>
-            <a:r>
-              <a:rPr lang="en-US" altLang="ja-JP" dirty="0"/>
-              <a:t>pp.32-33</a:t>
-            </a:r>
-            <a:r>
-              <a:rPr lang="ja-JP" altLang="ja-JP" dirty="0" err="1"/>
-              <a:t>，</a:t>
-            </a:r>
-            <a:r>
-              <a:rPr lang="ja-JP" altLang="ja-JP" dirty="0"/>
-              <a:t>明治図書，（</a:t>
-            </a:r>
-            <a:r>
-              <a:rPr lang="en-US" altLang="ja-JP" dirty="0"/>
-              <a:t>1989/7/1</a:t>
-            </a:r>
-            <a:r>
-              <a:rPr lang="ja-JP" altLang="ja-JP" dirty="0"/>
-              <a:t>）．</a:t>
-            </a:r>
-          </a:p>
-          <a:p>
-            <a:pPr marL="385763" indent="-385763">
-              <a:buFont typeface="+mj-ea"/>
-              <a:buAutoNum type="circleNumDbPlain"/>
-            </a:pPr>
-            <a:r>
-              <a:rPr lang="ja-JP" altLang="ja-JP" dirty="0"/>
-              <a:t>道田康司：論理的思考とは何か？ </a:t>
-            </a:r>
-            <a:r>
-              <a:rPr lang="ja-JP" altLang="ja-JP" dirty="0" err="1"/>
-              <a:t>，</a:t>
-            </a:r>
-            <a:r>
-              <a:rPr lang="ja-JP" altLang="ja-JP" dirty="0"/>
-              <a:t>琉球大学教育学部紀要，</a:t>
-            </a:r>
-            <a:r>
-              <a:rPr lang="en-US" altLang="ja-JP" dirty="0"/>
-              <a:t>no.63</a:t>
-            </a:r>
-            <a:r>
-              <a:rPr lang="ja-JP" altLang="ja-JP" dirty="0" err="1"/>
-              <a:t>，</a:t>
-            </a:r>
-            <a:r>
-              <a:rPr lang="en-US" altLang="ja-JP" dirty="0"/>
-              <a:t>pp.181 -193</a:t>
-            </a:r>
-            <a:r>
-              <a:rPr lang="ja-JP" altLang="ja-JP" dirty="0" err="1"/>
-              <a:t>，</a:t>
-            </a:r>
-            <a:r>
-              <a:rPr lang="en-US" altLang="ja-JP" dirty="0"/>
-              <a:t>(2003/9)</a:t>
-            </a:r>
-            <a:r>
-              <a:rPr lang="ja-JP" altLang="ja-JP" dirty="0" err="1" smtClean="0"/>
-              <a:t>．</a:t>
-            </a:r>
-            <a:endParaRPr lang="en-US" altLang="ja-JP" dirty="0" smtClean="0"/>
-          </a:p>
-          <a:p>
-            <a:pPr marL="385763" indent="-385763">
-              <a:buFont typeface="+mj-ea"/>
-              <a:buAutoNum type="circleNumDbPlain" startAt="5"/>
-            </a:pPr>
-            <a:r>
-              <a:rPr lang="ja-JP" altLang="ja-JP" dirty="0"/>
-              <a:t>萱津理佳</a:t>
-            </a:r>
-            <a:r>
-              <a:rPr lang="en-US" altLang="ja-JP" dirty="0"/>
-              <a:t>, </a:t>
-            </a:r>
-            <a:r>
-              <a:rPr lang="ja-JP" altLang="ja-JP" dirty="0"/>
-              <a:t>香山瑞穂</a:t>
-            </a:r>
-            <a:r>
-              <a:rPr lang="en-US" altLang="ja-JP" dirty="0"/>
-              <a:t>, </a:t>
-            </a:r>
-            <a:r>
-              <a:rPr lang="ja-JP" altLang="ja-JP" dirty="0"/>
-              <a:t>國宗永佳</a:t>
-            </a:r>
-            <a:r>
-              <a:rPr lang="en-US" altLang="ja-JP" dirty="0"/>
-              <a:t>, </a:t>
-            </a:r>
-            <a:r>
-              <a:rPr lang="ja-JP" altLang="ja-JP" dirty="0"/>
-              <a:t>永井孝</a:t>
-            </a:r>
-            <a:r>
-              <a:rPr lang="en-US" altLang="ja-JP" dirty="0"/>
-              <a:t>, </a:t>
-            </a:r>
-            <a:r>
-              <a:rPr lang="ja-JP" altLang="ja-JP" dirty="0"/>
-              <a:t>不破泰：アルゴリズム的思考法に関する学習を取り入れた</a:t>
-            </a:r>
-            <a:r>
-              <a:rPr lang="en-US" altLang="ja-JP" dirty="0"/>
-              <a:t>C</a:t>
-            </a:r>
-            <a:r>
-              <a:rPr lang="ja-JP" altLang="ja-JP" dirty="0"/>
-              <a:t>言語によるプログラミング教育の実践と評価</a:t>
-            </a:r>
-            <a:r>
-              <a:rPr lang="en-US" altLang="ja-JP" dirty="0"/>
-              <a:t> : 2010</a:t>
-            </a:r>
-            <a:r>
-              <a:rPr lang="ja-JP" altLang="ja-JP" dirty="0"/>
-              <a:t>年度から</a:t>
-            </a:r>
-            <a:r>
-              <a:rPr lang="en-US" altLang="ja-JP" dirty="0"/>
-              <a:t>2013</a:t>
-            </a:r>
-            <a:r>
-              <a:rPr lang="ja-JP" altLang="ja-JP" dirty="0"/>
-              <a:t>年度の</a:t>
-            </a:r>
-            <a:r>
-              <a:rPr lang="en-US" altLang="ja-JP" dirty="0"/>
-              <a:t>4</a:t>
-            </a:r>
-            <a:r>
-              <a:rPr lang="ja-JP" altLang="ja-JP" dirty="0"/>
-              <a:t>年間の実践より</a:t>
-            </a:r>
-            <a:r>
-              <a:rPr lang="en-US" altLang="ja-JP" dirty="0"/>
-              <a:t> [</a:t>
-            </a:r>
-            <a:r>
-              <a:rPr lang="ja-JP" altLang="ja-JP" dirty="0"/>
-              <a:t>研究ノート</a:t>
-            </a:r>
-            <a:r>
-              <a:rPr lang="en-US" altLang="ja-JP" dirty="0"/>
-              <a:t>]</a:t>
-            </a:r>
-            <a:r>
-              <a:rPr lang="ja-JP" altLang="ja-JP" dirty="0" err="1"/>
-              <a:t>，</a:t>
-            </a:r>
-            <a:r>
-              <a:rPr lang="ja-JP" altLang="ja-JP" dirty="0"/>
-              <a:t>長野県短期大学紀要，</a:t>
-            </a:r>
-            <a:r>
-              <a:rPr lang="en-US" altLang="ja-JP" dirty="0"/>
-              <a:t>Vol.69</a:t>
-            </a:r>
-            <a:r>
-              <a:rPr lang="ja-JP" altLang="ja-JP" dirty="0" err="1"/>
-              <a:t>，</a:t>
-            </a:r>
-            <a:r>
-              <a:rPr lang="en-US" altLang="ja-JP" dirty="0"/>
-              <a:t>pp.69-78</a:t>
-            </a:r>
-            <a:r>
-              <a:rPr lang="ja-JP" altLang="ja-JP" dirty="0" err="1"/>
-              <a:t>，</a:t>
-            </a:r>
-            <a:r>
-              <a:rPr lang="en-US" altLang="ja-JP" dirty="0"/>
-              <a:t>(2015/02)</a:t>
-            </a:r>
-            <a:r>
-              <a:rPr lang="ja-JP" altLang="ja-JP" dirty="0" err="1"/>
-              <a:t>．</a:t>
-            </a:r>
-            <a:endParaRPr lang="ja-JP" altLang="ja-JP" dirty="0"/>
-          </a:p>
-          <a:p>
-            <a:pPr marL="385763" indent="-385763">
-              <a:buFont typeface="+mj-ea"/>
-              <a:buAutoNum type="circleNumDbPlain" startAt="5"/>
-            </a:pPr>
-            <a:r>
-              <a:rPr lang="ja-JP" altLang="ja-JP" dirty="0"/>
-              <a:t>内田保雄：初級プログラミングのための自動作問システム，情報処理学会研究報告コンピュータと教育（</a:t>
-            </a:r>
-            <a:r>
-              <a:rPr lang="en-US" altLang="ja-JP" dirty="0"/>
-              <a:t>CE</a:t>
-            </a:r>
-            <a:r>
-              <a:rPr lang="ja-JP" altLang="ja-JP" dirty="0"/>
-              <a:t>），</a:t>
-            </a:r>
-            <a:r>
-              <a:rPr lang="en-US" altLang="ja-JP" dirty="0"/>
-              <a:t>Vol.2007</a:t>
-            </a:r>
-            <a:r>
-              <a:rPr lang="ja-JP" altLang="ja-JP" dirty="0" err="1"/>
-              <a:t>，</a:t>
-            </a:r>
-            <a:r>
-              <a:rPr lang="en-US" altLang="ja-JP" dirty="0"/>
-              <a:t>123(2007-CE-092)</a:t>
-            </a:r>
-            <a:r>
-              <a:rPr lang="ja-JP" altLang="ja-JP" dirty="0" err="1"/>
-              <a:t>，</a:t>
-            </a:r>
-            <a:r>
-              <a:rPr lang="en-US" altLang="ja-JP" dirty="0"/>
-              <a:t>pp.109-113</a:t>
-            </a:r>
-            <a:r>
-              <a:rPr lang="ja-JP" altLang="ja-JP" dirty="0" err="1"/>
-              <a:t>，</a:t>
-            </a:r>
-            <a:r>
-              <a:rPr lang="en-US" altLang="ja-JP" dirty="0"/>
-              <a:t>(2007/12/08).</a:t>
-            </a:r>
-            <a:endParaRPr lang="ja-JP" altLang="ja-JP" dirty="0"/>
-          </a:p>
-          <a:p>
-            <a:pPr marL="385763" indent="-385763">
-              <a:buFont typeface="+mj-ea"/>
-              <a:buAutoNum type="circleNumDbPlain" startAt="5"/>
-            </a:pPr>
-            <a:r>
-              <a:rPr lang="ja-JP" altLang="ja-JP" dirty="0"/>
-              <a:t>野上裕二，納富一宏：プログラミング学習支援における問題自動生成に関する基礎的検討</a:t>
-            </a:r>
-            <a:r>
-              <a:rPr lang="en-US" altLang="ja-JP" dirty="0"/>
-              <a:t>, </a:t>
-            </a:r>
-            <a:r>
-              <a:rPr lang="ja-JP" altLang="ja-JP" dirty="0"/>
-              <a:t>情報処理学会 第</a:t>
-            </a:r>
-            <a:r>
-              <a:rPr lang="en-US" altLang="ja-JP" dirty="0"/>
-              <a:t>16</a:t>
-            </a:r>
-            <a:r>
-              <a:rPr lang="ja-JP" altLang="ja-JP" dirty="0"/>
-              <a:t>回情報科学技術フォーラム</a:t>
-            </a:r>
-            <a:r>
-              <a:rPr lang="en-US" altLang="ja-JP" dirty="0"/>
-              <a:t>(FIT2017)</a:t>
-            </a:r>
-            <a:r>
-              <a:rPr lang="ja-JP" altLang="ja-JP" dirty="0"/>
-              <a:t>講演論文集</a:t>
-            </a:r>
-            <a:r>
-              <a:rPr lang="en-US" altLang="ja-JP" dirty="0"/>
-              <a:t>, </a:t>
-            </a:r>
-            <a:r>
-              <a:rPr lang="ja-JP" altLang="ja-JP" dirty="0"/>
-              <a:t>第</a:t>
-            </a:r>
-            <a:r>
-              <a:rPr lang="en-US" altLang="ja-JP" dirty="0"/>
-              <a:t>3</a:t>
-            </a:r>
-            <a:r>
-              <a:rPr lang="ja-JP" altLang="ja-JP" dirty="0"/>
-              <a:t>分冊</a:t>
-            </a:r>
-            <a:r>
-              <a:rPr lang="en-US" altLang="ja-JP" dirty="0"/>
-              <a:t>, K-022, pp.465-466, (2017.09).</a:t>
-            </a:r>
-            <a:endParaRPr lang="ja-JP" altLang="ja-JP" dirty="0"/>
-          </a:p>
-          <a:p>
-            <a:pPr marL="385763" indent="-385763">
-              <a:buFont typeface="+mj-ea"/>
-              <a:buAutoNum type="circleNumDbPlain" startAt="5"/>
-            </a:pPr>
-            <a:r>
-              <a:rPr lang="ja-JP" altLang="ja-JP" dirty="0"/>
-              <a:t>福坂祥基，高木正則，山田敬三，佐々木淳：問題自動生成システムを利用した作問演習の実践と評価，</a:t>
-            </a:r>
-            <a:r>
-              <a:rPr lang="en-US" altLang="ja-JP" dirty="0" err="1"/>
-              <a:t>JSiSE</a:t>
-            </a:r>
-            <a:r>
-              <a:rPr lang="ja-JP" altLang="ja-JP" dirty="0"/>
-              <a:t>研究会研究報告</a:t>
-            </a:r>
-            <a:r>
-              <a:rPr lang="en-US" altLang="ja-JP" dirty="0"/>
-              <a:t> 32(5)</a:t>
-            </a:r>
-            <a:r>
-              <a:rPr lang="ja-JP" altLang="ja-JP" dirty="0" err="1"/>
-              <a:t>，</a:t>
-            </a:r>
-            <a:r>
-              <a:rPr lang="en-US" altLang="ja-JP" dirty="0"/>
-              <a:t>pp.107-114</a:t>
-            </a:r>
-            <a:r>
-              <a:rPr lang="ja-JP" altLang="ja-JP" dirty="0" err="1"/>
-              <a:t>，</a:t>
-            </a:r>
-            <a:r>
-              <a:rPr lang="ja-JP" altLang="ja-JP" dirty="0"/>
-              <a:t>（</a:t>
-            </a:r>
-            <a:r>
-              <a:rPr lang="en-US" altLang="ja-JP" dirty="0"/>
-              <a:t>2018-01</a:t>
-            </a:r>
-            <a:r>
-              <a:rPr lang="ja-JP" altLang="ja-JP" dirty="0"/>
-              <a:t>）． </a:t>
-            </a:r>
-            <a:endParaRPr lang="ja-JP" altLang="en-US" dirty="0"/>
-          </a:p>
-          <a:p>
-            <a:endParaRPr lang="ja-JP" altLang="en-US" dirty="0"/>
-          </a:p>
-          <a:p>
-            <a:pPr marL="385763" indent="-385763">
-              <a:buFont typeface="+mj-ea"/>
-              <a:buAutoNum type="circleNumDbPlain"/>
-            </a:pPr>
-            <a:endParaRPr lang="ja-JP" altLang="ja-JP" dirty="0"/>
+              <a:t>学習の初学者が，プログラミングに関連して，論理的思考力からコーディング力への学習の移行の際に，実際に利用される学習環境となることが期待される．</a:t>
+            </a:r>
+          </a:p>
+          <a:p>
+            <a:pPr algn="just"/>
+            <a:endParaRPr kumimoji="1" lang="ja-JP" altLang="en-US" dirty="0"/>
           </a:p>
         </p:txBody>
       </p:sp>
@@ -10702,6 +10679,523 @@
             <a:fld id="{7A0C0510-5AD5-45F8-B3F1-46CC91AC00B1}" type="slidenum">
               <a:rPr kumimoji="1" lang="ja-JP" altLang="en-US" smtClean="0"/>
               <a:t>13</a:t>
+            </a:fld>
+            <a:endParaRPr kumimoji="1" lang="ja-JP" altLang="en-US"/>
+          </a:p>
+        </p:txBody>
+      </p:sp>
+    </p:spTree>
+    <p:extLst>
+      <p:ext uri="{BB962C8B-B14F-4D97-AF65-F5344CB8AC3E}">
+        <p14:creationId xmlns:p14="http://schemas.microsoft.com/office/powerpoint/2010/main" val="3059693183"/>
+      </p:ext>
+    </p:extLst>
+  </p:cSld>
+  <p:clrMapOvr>
+    <a:masterClrMapping/>
+  </p:clrMapOvr>
+  <p:timing>
+    <p:tnLst>
+      <p:par>
+        <p:cTn id="1" dur="indefinite" restart="never" nodeType="tmRoot"/>
+      </p:par>
+    </p:tnLst>
+  </p:timing>
+</p:sld>
+</file>
+
+<file path=ppt/slides/slide14.xml><?xml version="1.0" encoding="utf-8"?>
+<p:sld xmlns:a="http://schemas.openxmlformats.org/drawingml/2006/main" xmlns:r="http://schemas.openxmlformats.org/officeDocument/2006/relationships" xmlns:p="http://schemas.openxmlformats.org/presentationml/2006/main">
+  <p:cSld>
+    <p:spTree>
+      <p:nvGrpSpPr>
+        <p:cNvPr id="1" name=""/>
+        <p:cNvGrpSpPr/>
+        <p:nvPr/>
+      </p:nvGrpSpPr>
+      <p:grpSpPr>
+        <a:xfrm>
+          <a:off x="0" y="0"/>
+          <a:ext cx="0" cy="0"/>
+          <a:chOff x="0" y="0"/>
+          <a:chExt cx="0" cy="0"/>
+        </a:xfrm>
+      </p:grpSpPr>
+      <p:sp>
+        <p:nvSpPr>
+          <p:cNvPr id="2" name="タイトル 1"/>
+          <p:cNvSpPr>
+            <a:spLocks noGrp="1"/>
+          </p:cNvSpPr>
+          <p:nvPr>
+            <p:ph type="title"/>
+          </p:nvPr>
+        </p:nvSpPr>
+        <p:spPr/>
+        <p:txBody>
+          <a:bodyPr/>
+          <a:lstStyle/>
+          <a:p>
+            <a:r>
+              <a:rPr lang="ja-JP" altLang="en-US" dirty="0"/>
+              <a:t>参考文献</a:t>
+            </a:r>
+            <a:endParaRPr kumimoji="1" lang="ja-JP" altLang="en-US" dirty="0"/>
+          </a:p>
+        </p:txBody>
+      </p:sp>
+      <p:sp>
+        <p:nvSpPr>
+          <p:cNvPr id="3" name="コンテンツ プレースホルダー 2"/>
+          <p:cNvSpPr>
+            <a:spLocks noGrp="1"/>
+          </p:cNvSpPr>
+          <p:nvPr>
+            <p:ph idx="1"/>
+          </p:nvPr>
+        </p:nvSpPr>
+        <p:spPr/>
+        <p:txBody>
+          <a:bodyPr>
+            <a:normAutofit fontScale="55000" lnSpcReduction="20000"/>
+          </a:bodyPr>
+          <a:lstStyle/>
+          <a:p>
+            <a:pPr marL="385763" indent="-385763" latinLnBrk="1">
+              <a:buFont typeface="+mj-ea"/>
+              <a:buAutoNum type="circleNumDbPlain"/>
+            </a:pPr>
+            <a:r>
+              <a:rPr lang="ja-JP" altLang="ja-JP" dirty="0"/>
+              <a:t>文部科学省 初等中等教育局 情報教育・外国語教育課 情報教育振興室</a:t>
+            </a:r>
+            <a:r>
+              <a:rPr lang="en-US" altLang="ja-JP" dirty="0"/>
+              <a:t>, </a:t>
+            </a:r>
+            <a:r>
+              <a:rPr lang="ja-JP" altLang="ja-JP" dirty="0"/>
+              <a:t>小学校プログラミング教育の趣旨と計画的な準備の必要性について，令和元年度 小学校プログラミング教育担当者等セミナー， </a:t>
+            </a:r>
+            <a:r>
+              <a:rPr lang="en-US" altLang="ja-JP" dirty="0"/>
+              <a:t>https://www.mext.go.jp/content/20200210-mxt_jogai01-100013292_01.pdf</a:t>
+            </a:r>
+            <a:r>
+              <a:rPr lang="ja-JP" altLang="ja-JP" dirty="0" err="1" smtClean="0"/>
+              <a:t>，</a:t>
+            </a:r>
+            <a:r>
+              <a:rPr lang="en-US" altLang="ja-JP" dirty="0" smtClean="0"/>
+              <a:t>(</a:t>
+            </a:r>
+            <a:r>
+              <a:rPr lang="en-US" altLang="ja-JP" dirty="0"/>
+              <a:t>2021/12/20)</a:t>
+            </a:r>
+            <a:r>
+              <a:rPr lang="ja-JP" altLang="ja-JP" dirty="0" err="1"/>
+              <a:t>．</a:t>
+            </a:r>
+            <a:endParaRPr lang="ja-JP" altLang="ja-JP" dirty="0"/>
+          </a:p>
+          <a:p>
+            <a:pPr marL="385763" indent="-385763" latinLnBrk="1">
+              <a:buFont typeface="+mj-ea"/>
+              <a:buAutoNum type="circleNumDbPlain"/>
+            </a:pPr>
+            <a:r>
+              <a:rPr lang="ja-JP" altLang="ja-JP" dirty="0"/>
+              <a:t>小学校段階におけるプログラミング教育の在り方について（議論の取りまとめ），</a:t>
+            </a:r>
+            <a:r>
+              <a:rPr lang="en-US" altLang="ja-JP" dirty="0"/>
+              <a:t>https://www.mext.go.jp/b_menu/shingi/chousa/shotou/122/attach/1372525.htm, </a:t>
+            </a:r>
+            <a:r>
+              <a:rPr lang="ja-JP" altLang="ja-JP" dirty="0"/>
+              <a:t>（</a:t>
+            </a:r>
+            <a:r>
+              <a:rPr lang="en-US" altLang="ja-JP" dirty="0"/>
+              <a:t>2021/12/20</a:t>
+            </a:r>
+            <a:r>
+              <a:rPr lang="ja-JP" altLang="ja-JP" dirty="0"/>
+              <a:t>）．</a:t>
+            </a:r>
+          </a:p>
+          <a:p>
+            <a:pPr marL="385763" indent="-385763" algn="just">
+              <a:buFont typeface="+mj-ea"/>
+              <a:buAutoNum type="circleNumDbPlain"/>
+            </a:pPr>
+            <a:r>
+              <a:rPr lang="ja-JP" altLang="ja-JP" dirty="0"/>
+              <a:t>井上尚美：言語論理教育入門―国語科における思考，</a:t>
+            </a:r>
+            <a:r>
+              <a:rPr lang="en-US" altLang="ja-JP" dirty="0"/>
+              <a:t>pp.32-33</a:t>
+            </a:r>
+            <a:r>
+              <a:rPr lang="ja-JP" altLang="ja-JP" dirty="0" err="1"/>
+              <a:t>，</a:t>
+            </a:r>
+            <a:r>
+              <a:rPr lang="ja-JP" altLang="ja-JP" dirty="0"/>
+              <a:t>明治図書，（</a:t>
+            </a:r>
+            <a:r>
+              <a:rPr lang="en-US" altLang="ja-JP" dirty="0"/>
+              <a:t>1989/7/1</a:t>
+            </a:r>
+            <a:r>
+              <a:rPr lang="ja-JP" altLang="ja-JP" dirty="0"/>
+              <a:t>）．</a:t>
+            </a:r>
+          </a:p>
+          <a:p>
+            <a:pPr marL="385763" indent="-385763">
+              <a:buFont typeface="+mj-ea"/>
+              <a:buAutoNum type="circleNumDbPlain"/>
+            </a:pPr>
+            <a:r>
+              <a:rPr lang="ja-JP" altLang="ja-JP" dirty="0"/>
+              <a:t>道田康司：論理的思考とは何か？ </a:t>
+            </a:r>
+            <a:r>
+              <a:rPr lang="ja-JP" altLang="ja-JP" dirty="0" err="1"/>
+              <a:t>，</a:t>
+            </a:r>
+            <a:r>
+              <a:rPr lang="ja-JP" altLang="ja-JP" dirty="0"/>
+              <a:t>琉球大学教育学部紀要，</a:t>
+            </a:r>
+            <a:r>
+              <a:rPr lang="en-US" altLang="ja-JP" dirty="0"/>
+              <a:t>no.63</a:t>
+            </a:r>
+            <a:r>
+              <a:rPr lang="ja-JP" altLang="ja-JP" dirty="0" err="1"/>
+              <a:t>，</a:t>
+            </a:r>
+            <a:r>
+              <a:rPr lang="en-US" altLang="ja-JP" dirty="0"/>
+              <a:t>pp.181 -193</a:t>
+            </a:r>
+            <a:r>
+              <a:rPr lang="ja-JP" altLang="ja-JP" dirty="0" err="1"/>
+              <a:t>，</a:t>
+            </a:r>
+            <a:r>
+              <a:rPr lang="en-US" altLang="ja-JP" dirty="0"/>
+              <a:t>(2003/9)</a:t>
+            </a:r>
+            <a:r>
+              <a:rPr lang="ja-JP" altLang="ja-JP" dirty="0" err="1" smtClean="0"/>
+              <a:t>．</a:t>
+            </a:r>
+            <a:endParaRPr lang="en-US" altLang="ja-JP" dirty="0" smtClean="0"/>
+          </a:p>
+          <a:p>
+            <a:pPr marL="385763" indent="-385763">
+              <a:buFont typeface="+mj-ea"/>
+              <a:buAutoNum type="circleNumDbPlain" startAt="5"/>
+            </a:pPr>
+            <a:r>
+              <a:rPr lang="ja-JP" altLang="ja-JP" dirty="0"/>
+              <a:t>萱津理佳</a:t>
+            </a:r>
+            <a:r>
+              <a:rPr lang="en-US" altLang="ja-JP" dirty="0"/>
+              <a:t>, </a:t>
+            </a:r>
+            <a:r>
+              <a:rPr lang="ja-JP" altLang="ja-JP" dirty="0"/>
+              <a:t>香山瑞穂</a:t>
+            </a:r>
+            <a:r>
+              <a:rPr lang="en-US" altLang="ja-JP" dirty="0"/>
+              <a:t>, </a:t>
+            </a:r>
+            <a:r>
+              <a:rPr lang="ja-JP" altLang="ja-JP" dirty="0"/>
+              <a:t>國宗永佳</a:t>
+            </a:r>
+            <a:r>
+              <a:rPr lang="en-US" altLang="ja-JP" dirty="0"/>
+              <a:t>, </a:t>
+            </a:r>
+            <a:r>
+              <a:rPr lang="ja-JP" altLang="ja-JP" dirty="0"/>
+              <a:t>永井孝</a:t>
+            </a:r>
+            <a:r>
+              <a:rPr lang="en-US" altLang="ja-JP" dirty="0"/>
+              <a:t>, </a:t>
+            </a:r>
+            <a:r>
+              <a:rPr lang="ja-JP" altLang="ja-JP" dirty="0"/>
+              <a:t>不破泰：アルゴリズム的思考法に関する学習を取り入れた</a:t>
+            </a:r>
+            <a:r>
+              <a:rPr lang="en-US" altLang="ja-JP" dirty="0"/>
+              <a:t>C</a:t>
+            </a:r>
+            <a:r>
+              <a:rPr lang="ja-JP" altLang="ja-JP" dirty="0"/>
+              <a:t>言語によるプログラミング教育の実践と評価</a:t>
+            </a:r>
+            <a:r>
+              <a:rPr lang="en-US" altLang="ja-JP" dirty="0"/>
+              <a:t> : 2010</a:t>
+            </a:r>
+            <a:r>
+              <a:rPr lang="ja-JP" altLang="ja-JP" dirty="0"/>
+              <a:t>年度から</a:t>
+            </a:r>
+            <a:r>
+              <a:rPr lang="en-US" altLang="ja-JP" dirty="0"/>
+              <a:t>2013</a:t>
+            </a:r>
+            <a:r>
+              <a:rPr lang="ja-JP" altLang="ja-JP" dirty="0"/>
+              <a:t>年度の</a:t>
+            </a:r>
+            <a:r>
+              <a:rPr lang="en-US" altLang="ja-JP" dirty="0"/>
+              <a:t>4</a:t>
+            </a:r>
+            <a:r>
+              <a:rPr lang="ja-JP" altLang="ja-JP" dirty="0"/>
+              <a:t>年間の実践より</a:t>
+            </a:r>
+            <a:r>
+              <a:rPr lang="en-US" altLang="ja-JP" dirty="0"/>
+              <a:t> [</a:t>
+            </a:r>
+            <a:r>
+              <a:rPr lang="ja-JP" altLang="ja-JP" dirty="0"/>
+              <a:t>研究ノート</a:t>
+            </a:r>
+            <a:r>
+              <a:rPr lang="en-US" altLang="ja-JP" dirty="0"/>
+              <a:t>]</a:t>
+            </a:r>
+            <a:r>
+              <a:rPr lang="ja-JP" altLang="ja-JP" dirty="0" err="1"/>
+              <a:t>，</a:t>
+            </a:r>
+            <a:r>
+              <a:rPr lang="ja-JP" altLang="ja-JP" dirty="0"/>
+              <a:t>長野県短期大学紀要，</a:t>
+            </a:r>
+            <a:r>
+              <a:rPr lang="en-US" altLang="ja-JP" dirty="0"/>
+              <a:t>Vol.69</a:t>
+            </a:r>
+            <a:r>
+              <a:rPr lang="ja-JP" altLang="ja-JP" dirty="0" err="1"/>
+              <a:t>，</a:t>
+            </a:r>
+            <a:r>
+              <a:rPr lang="en-US" altLang="ja-JP" dirty="0"/>
+              <a:t>pp.69-78</a:t>
+            </a:r>
+            <a:r>
+              <a:rPr lang="ja-JP" altLang="ja-JP" dirty="0" err="1"/>
+              <a:t>，</a:t>
+            </a:r>
+            <a:r>
+              <a:rPr lang="en-US" altLang="ja-JP" dirty="0"/>
+              <a:t>(2015/02)</a:t>
+            </a:r>
+            <a:r>
+              <a:rPr lang="ja-JP" altLang="ja-JP" dirty="0" err="1"/>
+              <a:t>．</a:t>
+            </a:r>
+            <a:endParaRPr lang="ja-JP" altLang="ja-JP" dirty="0"/>
+          </a:p>
+          <a:p>
+            <a:pPr marL="385763" indent="-385763">
+              <a:buFont typeface="+mj-ea"/>
+              <a:buAutoNum type="circleNumDbPlain" startAt="5"/>
+            </a:pPr>
+            <a:r>
+              <a:rPr lang="ja-JP" altLang="ja-JP" dirty="0"/>
+              <a:t>内田保雄：初級プログラミングのための自動作問システム，情報処理学会研究報告コンピュータと教育（</a:t>
+            </a:r>
+            <a:r>
+              <a:rPr lang="en-US" altLang="ja-JP" dirty="0"/>
+              <a:t>CE</a:t>
+            </a:r>
+            <a:r>
+              <a:rPr lang="ja-JP" altLang="ja-JP" dirty="0"/>
+              <a:t>），</a:t>
+            </a:r>
+            <a:r>
+              <a:rPr lang="en-US" altLang="ja-JP" dirty="0"/>
+              <a:t>Vol.2007</a:t>
+            </a:r>
+            <a:r>
+              <a:rPr lang="ja-JP" altLang="ja-JP" dirty="0" err="1"/>
+              <a:t>，</a:t>
+            </a:r>
+            <a:r>
+              <a:rPr lang="en-US" altLang="ja-JP" dirty="0"/>
+              <a:t>123(2007-CE-092)</a:t>
+            </a:r>
+            <a:r>
+              <a:rPr lang="ja-JP" altLang="ja-JP" dirty="0" err="1"/>
+              <a:t>，</a:t>
+            </a:r>
+            <a:r>
+              <a:rPr lang="en-US" altLang="ja-JP" dirty="0"/>
+              <a:t>pp.109-113</a:t>
+            </a:r>
+            <a:r>
+              <a:rPr lang="ja-JP" altLang="ja-JP" dirty="0" err="1"/>
+              <a:t>，</a:t>
+            </a:r>
+            <a:r>
+              <a:rPr lang="en-US" altLang="ja-JP" dirty="0"/>
+              <a:t>(2007/12/08).</a:t>
+            </a:r>
+            <a:endParaRPr lang="ja-JP" altLang="ja-JP" dirty="0"/>
+          </a:p>
+          <a:p>
+            <a:pPr marL="385763" indent="-385763">
+              <a:buFont typeface="+mj-ea"/>
+              <a:buAutoNum type="circleNumDbPlain" startAt="5"/>
+            </a:pPr>
+            <a:r>
+              <a:rPr lang="ja-JP" altLang="ja-JP" dirty="0"/>
+              <a:t>野上裕二，納富一宏：プログラミング学習支援における問題自動生成に関する基礎的検討</a:t>
+            </a:r>
+            <a:r>
+              <a:rPr lang="en-US" altLang="ja-JP" dirty="0"/>
+              <a:t>, </a:t>
+            </a:r>
+            <a:r>
+              <a:rPr lang="ja-JP" altLang="ja-JP" dirty="0"/>
+              <a:t>情報処理学会 第</a:t>
+            </a:r>
+            <a:r>
+              <a:rPr lang="en-US" altLang="ja-JP" dirty="0"/>
+              <a:t>16</a:t>
+            </a:r>
+            <a:r>
+              <a:rPr lang="ja-JP" altLang="ja-JP" dirty="0"/>
+              <a:t>回情報科学技術フォーラム</a:t>
+            </a:r>
+            <a:r>
+              <a:rPr lang="en-US" altLang="ja-JP" dirty="0"/>
+              <a:t>(FIT2017)</a:t>
+            </a:r>
+            <a:r>
+              <a:rPr lang="ja-JP" altLang="ja-JP" dirty="0"/>
+              <a:t>講演論文集</a:t>
+            </a:r>
+            <a:r>
+              <a:rPr lang="en-US" altLang="ja-JP" dirty="0"/>
+              <a:t>, </a:t>
+            </a:r>
+            <a:r>
+              <a:rPr lang="ja-JP" altLang="ja-JP" dirty="0"/>
+              <a:t>第</a:t>
+            </a:r>
+            <a:r>
+              <a:rPr lang="en-US" altLang="ja-JP" dirty="0"/>
+              <a:t>3</a:t>
+            </a:r>
+            <a:r>
+              <a:rPr lang="ja-JP" altLang="ja-JP" dirty="0"/>
+              <a:t>分冊</a:t>
+            </a:r>
+            <a:r>
+              <a:rPr lang="en-US" altLang="ja-JP" dirty="0"/>
+              <a:t>, K-022, pp.465-466, (2017.09).</a:t>
+            </a:r>
+            <a:endParaRPr lang="ja-JP" altLang="ja-JP" dirty="0"/>
+          </a:p>
+          <a:p>
+            <a:pPr marL="385763" indent="-385763">
+              <a:buFont typeface="+mj-ea"/>
+              <a:buAutoNum type="circleNumDbPlain" startAt="5"/>
+            </a:pPr>
+            <a:r>
+              <a:rPr lang="ja-JP" altLang="ja-JP" dirty="0"/>
+              <a:t>福坂祥基，高木正則，山田敬三，佐々木淳：問題自動生成システムを利用した作問演習の実践と評価，</a:t>
+            </a:r>
+            <a:r>
+              <a:rPr lang="en-US" altLang="ja-JP" dirty="0" err="1"/>
+              <a:t>JSiSE</a:t>
+            </a:r>
+            <a:r>
+              <a:rPr lang="ja-JP" altLang="ja-JP" dirty="0"/>
+              <a:t>研究会研究報告</a:t>
+            </a:r>
+            <a:r>
+              <a:rPr lang="en-US" altLang="ja-JP" dirty="0"/>
+              <a:t> 32(5)</a:t>
+            </a:r>
+            <a:r>
+              <a:rPr lang="ja-JP" altLang="ja-JP" dirty="0" err="1"/>
+              <a:t>，</a:t>
+            </a:r>
+            <a:r>
+              <a:rPr lang="en-US" altLang="ja-JP" dirty="0"/>
+              <a:t>pp.107-114</a:t>
+            </a:r>
+            <a:r>
+              <a:rPr lang="ja-JP" altLang="ja-JP" dirty="0" err="1"/>
+              <a:t>，</a:t>
+            </a:r>
+            <a:r>
+              <a:rPr lang="ja-JP" altLang="ja-JP" dirty="0"/>
+              <a:t>（</a:t>
+            </a:r>
+            <a:r>
+              <a:rPr lang="en-US" altLang="ja-JP" dirty="0"/>
+              <a:t>2018-01</a:t>
+            </a:r>
+            <a:r>
+              <a:rPr lang="ja-JP" altLang="ja-JP" dirty="0"/>
+              <a:t>）． </a:t>
+            </a:r>
+            <a:endParaRPr lang="ja-JP" altLang="en-US" dirty="0"/>
+          </a:p>
+          <a:p>
+            <a:endParaRPr lang="ja-JP" altLang="en-US" dirty="0"/>
+          </a:p>
+          <a:p>
+            <a:pPr marL="385763" indent="-385763">
+              <a:buFont typeface="+mj-ea"/>
+              <a:buAutoNum type="circleNumDbPlain"/>
+            </a:pPr>
+            <a:endParaRPr lang="ja-JP" altLang="ja-JP" dirty="0"/>
+          </a:p>
+        </p:txBody>
+      </p:sp>
+      <p:sp>
+        <p:nvSpPr>
+          <p:cNvPr id="4" name="スライド番号プレースホルダー 3"/>
+          <p:cNvSpPr>
+            <a:spLocks noGrp="1"/>
+          </p:cNvSpPr>
+          <p:nvPr>
+            <p:ph type="sldNum" sz="quarter" idx="12"/>
+          </p:nvPr>
+        </p:nvSpPr>
+        <p:spPr/>
+        <p:txBody>
+          <a:bodyPr/>
+          <a:lstStyle/>
+          <a:p>
+            <a:fld id="{7A0C0510-5AD5-45F8-B3F1-46CC91AC00B1}" type="slidenum">
+              <a:rPr kumimoji="1" lang="ja-JP" altLang="en-US" smtClean="0"/>
+              <a:t>14</a:t>
             </a:fld>
             <a:endParaRPr kumimoji="1" lang="ja-JP" altLang="en-US"/>
           </a:p>
@@ -10787,11 +11281,15 @@
             <a:pPr algn="just"/>
             <a:r>
               <a:rPr lang="ja-JP" altLang="ja-JP" dirty="0" smtClean="0"/>
-              <a:t>プログラミング教育</a:t>
-            </a:r>
-            <a:r>
-              <a:rPr lang="ja-JP" altLang="en-US" dirty="0" smtClean="0"/>
-              <a:t>の</a:t>
+              <a:t>プログラミング</a:t>
+            </a:r>
+            <a:r>
+              <a:rPr lang="ja-JP" altLang="ja-JP" dirty="0" smtClean="0"/>
+              <a:t>教育</a:t>
+            </a:r>
+            <a:r>
+              <a:rPr lang="ja-JP" altLang="en-US" dirty="0"/>
+              <a:t>が</a:t>
             </a:r>
             <a:r>
               <a:rPr lang="ja-JP" altLang="ja-JP" dirty="0" smtClean="0"/>
@@ -10799,11 +11297,7 @@
             </a:r>
             <a:r>
               <a:rPr lang="ja-JP" altLang="en-US" dirty="0" smtClean="0"/>
-              <a:t>化と</a:t>
-            </a:r>
-            <a:r>
-              <a:rPr lang="ja-JP" altLang="en-US" dirty="0" smtClean="0"/>
-              <a:t>なっている．</a:t>
+              <a:t>化となった．</a:t>
             </a:r>
             <a:endParaRPr lang="en-US" altLang="ja-JP" dirty="0" smtClean="0"/>
           </a:p>
@@ -11062,15 +11556,7 @@
             </a:r>
             <a:r>
               <a:rPr lang="ja-JP" altLang="ja-JP" dirty="0" smtClean="0"/>
-              <a:t>に</a:t>
-            </a:r>
-            <a:r>
-              <a:rPr lang="ja-JP" altLang="en-US" dirty="0" smtClean="0"/>
-              <a:t>，</a:t>
-            </a:r>
-            <a:r>
-              <a:rPr lang="ja-JP" altLang="ja-JP" dirty="0" smtClean="0"/>
-              <a:t>適切</a:t>
+              <a:t>に適切</a:t>
             </a:r>
             <a:r>
               <a:rPr lang="ja-JP" altLang="ja-JP" dirty="0"/>
@@ -11426,6 +11912,82 @@
       </p:grpSpPr>
       <p:sp>
         <p:nvSpPr>
+          <p:cNvPr id="27" name="正方形/長方形 26"/>
+          <p:cNvSpPr/>
+          <p:nvPr/>
+        </p:nvSpPr>
+        <p:spPr>
+          <a:xfrm>
+            <a:off x="4738899" y="4232953"/>
+            <a:ext cx="3500975" cy="2246296"/>
+          </a:xfrm>
+          <a:prstGeom prst="rect">
+            <a:avLst/>
+          </a:prstGeom>
+        </p:spPr>
+        <p:style>
+          <a:lnRef idx="2">
+            <a:schemeClr val="accent5"/>
+          </a:lnRef>
+          <a:fillRef idx="1">
+            <a:schemeClr val="lt1"/>
+          </a:fillRef>
+          <a:effectRef idx="0">
+            <a:schemeClr val="accent5"/>
+          </a:effectRef>
+          <a:fontRef idx="minor">
+            <a:schemeClr val="dk1"/>
+          </a:fontRef>
+        </p:style>
+        <p:txBody>
+          <a:bodyPr rtlCol="0" anchor="ctr"/>
+          <a:lstStyle/>
+          <a:p>
+            <a:pPr algn="ctr"/>
+            <a:endParaRPr kumimoji="1" lang="ja-JP" altLang="en-US"/>
+          </a:p>
+        </p:txBody>
+      </p:sp>
+      <p:sp>
+        <p:nvSpPr>
+          <p:cNvPr id="26" name="正方形/長方形 25"/>
+          <p:cNvSpPr/>
+          <p:nvPr/>
+        </p:nvSpPr>
+        <p:spPr>
+          <a:xfrm>
+            <a:off x="628650" y="4232953"/>
+            <a:ext cx="4032711" cy="2246295"/>
+          </a:xfrm>
+          <a:prstGeom prst="rect">
+            <a:avLst/>
+          </a:prstGeom>
+        </p:spPr>
+        <p:style>
+          <a:lnRef idx="2">
+            <a:schemeClr val="accent5"/>
+          </a:lnRef>
+          <a:fillRef idx="1">
+            <a:schemeClr val="lt1"/>
+          </a:fillRef>
+          <a:effectRef idx="0">
+            <a:schemeClr val="accent5"/>
+          </a:effectRef>
+          <a:fontRef idx="minor">
+            <a:schemeClr val="dk1"/>
+          </a:fontRef>
+        </p:style>
+        <p:txBody>
+          <a:bodyPr rtlCol="0" anchor="ctr"/>
+          <a:lstStyle/>
+          <a:p>
+            <a:pPr algn="ctr"/>
+            <a:endParaRPr kumimoji="1" lang="ja-JP" altLang="en-US"/>
+          </a:p>
+        </p:txBody>
+      </p:sp>
+      <p:sp>
+        <p:nvSpPr>
           <p:cNvPr id="2" name="タイトル 1"/>
           <p:cNvSpPr>
             <a:spLocks noGrp="1"/>
@@ -11466,20 +12028,40 @@
           <a:p>
             <a:pPr algn="just"/>
             <a:r>
+              <a:rPr lang="ja-JP" altLang="en-US" dirty="0" smtClean="0"/>
+              <a:t>単純に問題</a:t>
+            </a:r>
+            <a:r>
               <a:rPr lang="ja-JP" altLang="en-US" dirty="0"/>
-              <a:t>単純に問題を生成する機能を作成する</a:t>
+              <a:t>を生成する機能を作成する</a:t>
             </a:r>
             <a:r>
               <a:rPr lang="ja-JP" altLang="en-US" dirty="0" smtClean="0"/>
-              <a:t>と，ワンパターン</a:t>
+              <a:t>と</a:t>
+            </a:r>
+            <a:r>
+              <a:rPr lang="ja-JP" altLang="en-US" dirty="0" smtClean="0"/>
+              <a:t>，空欄の穴埋め</a:t>
+            </a:r>
+            <a:r>
+              <a:rPr lang="ja-JP" altLang="en-US" dirty="0" smtClean="0"/>
+              <a:t>問題やワンパターン</a:t>
             </a:r>
             <a:r>
               <a:rPr lang="ja-JP" altLang="en-US" dirty="0"/>
-              <a:t>な選択肢や単純な穴埋め問題</a:t>
+              <a:t>な</a:t>
             </a:r>
             <a:r>
               <a:rPr lang="ja-JP" altLang="en-US" dirty="0" smtClean="0"/>
-              <a:t>になる．</a:t>
+              <a:t>選択肢</a:t>
+            </a:r>
+            <a:r>
+              <a:rPr lang="ja-JP" altLang="en-US" dirty="0"/>
+              <a:t>と</a:t>
+            </a:r>
+            <a:r>
+              <a:rPr lang="ja-JP" altLang="en-US" dirty="0" smtClean="0"/>
+              <a:t>なる．</a:t>
             </a:r>
             <a:endParaRPr lang="en-US" altLang="ja-JP" dirty="0"/>
           </a:p>
@@ -11538,7 +12120,12 @@
             <p:ph type="sldNum" sz="quarter" idx="12"/>
           </p:nvPr>
         </p:nvSpPr>
-        <p:spPr/>
+        <p:spPr>
+          <a:xfrm>
+            <a:off x="6457950" y="6479248"/>
+            <a:ext cx="2057400" cy="365125"/>
+          </a:xfrm>
+        </p:spPr>
         <p:txBody>
           <a:bodyPr/>
           <a:lstStyle/>
@@ -11548,6 +12135,508 @@
               <a:t>5</a:t>
             </a:fld>
             <a:endParaRPr kumimoji="1" lang="ja-JP" altLang="en-US"/>
+          </a:p>
+        </p:txBody>
+      </p:sp>
+      <p:grpSp>
+        <p:nvGrpSpPr>
+          <p:cNvPr id="9" name="グループ化 8"/>
+          <p:cNvGrpSpPr/>
+          <p:nvPr/>
+        </p:nvGrpSpPr>
+        <p:grpSpPr>
+          <a:xfrm>
+            <a:off x="4787738" y="4341626"/>
+            <a:ext cx="1802471" cy="1986479"/>
+            <a:chOff x="5609689" y="4142485"/>
+            <a:chExt cx="2077200" cy="2578991"/>
+          </a:xfrm>
+        </p:grpSpPr>
+        <p:pic>
+          <p:nvPicPr>
+            <p:cNvPr id="7" name="図 6"/>
+            <p:cNvPicPr>
+              <a:picLocks noChangeAspect="1"/>
+            </p:cNvPicPr>
+            <p:nvPr/>
+          </p:nvPicPr>
+          <p:blipFill rotWithShape="1">
+            <a:blip r:embed="rId3"/>
+            <a:srcRect l="10214" b="9607"/>
+            <a:stretch/>
+          </p:blipFill>
+          <p:spPr>
+            <a:xfrm>
+              <a:off x="5609689" y="4142485"/>
+              <a:ext cx="2077200" cy="2578991"/>
+            </a:xfrm>
+            <a:prstGeom prst="rect">
+              <a:avLst/>
+            </a:prstGeom>
+          </p:spPr>
+        </p:pic>
+        <p:sp>
+          <p:nvSpPr>
+            <p:cNvPr id="8" name="正方形/長方形 7"/>
+            <p:cNvSpPr/>
+            <p:nvPr/>
+          </p:nvSpPr>
+          <p:spPr>
+            <a:xfrm>
+              <a:off x="5743253" y="6214856"/>
+              <a:ext cx="745519" cy="309234"/>
+            </a:xfrm>
+            <a:prstGeom prst="rect">
+              <a:avLst/>
+            </a:prstGeom>
+            <a:ln w="38100"/>
+          </p:spPr>
+          <p:style>
+            <a:lnRef idx="2">
+              <a:schemeClr val="dk1"/>
+            </a:lnRef>
+            <a:fillRef idx="1">
+              <a:schemeClr val="lt1"/>
+            </a:fillRef>
+            <a:effectRef idx="0">
+              <a:schemeClr val="dk1"/>
+            </a:effectRef>
+            <a:fontRef idx="minor">
+              <a:schemeClr val="dk1"/>
+            </a:fontRef>
+          </p:style>
+          <p:txBody>
+            <a:bodyPr rtlCol="0" anchor="ctr"/>
+            <a:lstStyle/>
+            <a:p>
+              <a:pPr algn="ctr"/>
+              <a:endParaRPr kumimoji="1" lang="ja-JP" altLang="en-US"/>
+            </a:p>
+          </p:txBody>
+        </p:sp>
+      </p:grpSp>
+      <p:sp>
+        <p:nvSpPr>
+          <p:cNvPr id="11" name="正方形/長方形 10"/>
+          <p:cNvSpPr/>
+          <p:nvPr/>
+        </p:nvSpPr>
+        <p:spPr>
+          <a:xfrm>
+            <a:off x="6829423" y="4453131"/>
+            <a:ext cx="1233864" cy="563635"/>
+          </a:xfrm>
+          <a:prstGeom prst="rect">
+            <a:avLst/>
+          </a:prstGeom>
+          <a:ln w="38100"/>
+        </p:spPr>
+        <p:style>
+          <a:lnRef idx="2">
+            <a:schemeClr val="dk1"/>
+          </a:lnRef>
+          <a:fillRef idx="1">
+            <a:schemeClr val="lt1"/>
+          </a:fillRef>
+          <a:effectRef idx="0">
+            <a:schemeClr val="dk1"/>
+          </a:effectRef>
+          <a:fontRef idx="minor">
+            <a:schemeClr val="dk1"/>
+          </a:fontRef>
+        </p:style>
+        <p:txBody>
+          <a:bodyPr rtlCol="0" anchor="ctr"/>
+          <a:lstStyle/>
+          <a:p>
+            <a:pPr algn="ctr"/>
+            <a:r>
+              <a:rPr kumimoji="1" lang="en-US" altLang="ja-JP" sz="2000" dirty="0" smtClean="0"/>
+              <a:t>1.print</a:t>
+            </a:r>
+            <a:endParaRPr kumimoji="1" lang="ja-JP" altLang="en-US" sz="2000" dirty="0"/>
+          </a:p>
+        </p:txBody>
+      </p:sp>
+      <p:sp>
+        <p:nvSpPr>
+          <p:cNvPr id="12" name="正方形/長方形 11"/>
+          <p:cNvSpPr/>
+          <p:nvPr/>
+        </p:nvSpPr>
+        <p:spPr>
+          <a:xfrm>
+            <a:off x="6829423" y="5051349"/>
+            <a:ext cx="1233863" cy="570142"/>
+          </a:xfrm>
+          <a:prstGeom prst="rect">
+            <a:avLst/>
+          </a:prstGeom>
+          <a:ln w="38100"/>
+        </p:spPr>
+        <p:style>
+          <a:lnRef idx="2">
+            <a:schemeClr val="dk1"/>
+          </a:lnRef>
+          <a:fillRef idx="1">
+            <a:schemeClr val="lt1"/>
+          </a:fillRef>
+          <a:effectRef idx="0">
+            <a:schemeClr val="dk1"/>
+          </a:effectRef>
+          <a:fontRef idx="minor">
+            <a:schemeClr val="dk1"/>
+          </a:fontRef>
+        </p:style>
+        <p:txBody>
+          <a:bodyPr rtlCol="0" anchor="ctr"/>
+          <a:lstStyle/>
+          <a:p>
+            <a:pPr algn="ctr"/>
+            <a:r>
+              <a:rPr kumimoji="1" lang="en-US" altLang="ja-JP" sz="2000" dirty="0" smtClean="0"/>
+              <a:t>2.scan</a:t>
+            </a:r>
+            <a:endParaRPr kumimoji="1" lang="ja-JP" altLang="en-US" sz="2000" dirty="0"/>
+          </a:p>
+        </p:txBody>
+      </p:sp>
+      <p:sp>
+        <p:nvSpPr>
+          <p:cNvPr id="13" name="正方形/長方形 12"/>
+          <p:cNvSpPr/>
+          <p:nvPr/>
+        </p:nvSpPr>
+        <p:spPr>
+          <a:xfrm>
+            <a:off x="6829422" y="5656074"/>
+            <a:ext cx="1233864" cy="575618"/>
+          </a:xfrm>
+          <a:prstGeom prst="rect">
+            <a:avLst/>
+          </a:prstGeom>
+          <a:ln w="38100"/>
+        </p:spPr>
+        <p:style>
+          <a:lnRef idx="2">
+            <a:schemeClr val="dk1"/>
+          </a:lnRef>
+          <a:fillRef idx="1">
+            <a:schemeClr val="lt1"/>
+          </a:fillRef>
+          <a:effectRef idx="0">
+            <a:schemeClr val="dk1"/>
+          </a:effectRef>
+          <a:fontRef idx="minor">
+            <a:schemeClr val="dk1"/>
+          </a:fontRef>
+        </p:style>
+        <p:txBody>
+          <a:bodyPr rtlCol="0" anchor="ctr"/>
+          <a:lstStyle/>
+          <a:p>
+            <a:pPr algn="ctr"/>
+            <a:r>
+              <a:rPr kumimoji="1" lang="en-US" altLang="ja-JP" sz="2000" dirty="0" smtClean="0"/>
+              <a:t>3.write</a:t>
+            </a:r>
+            <a:endParaRPr kumimoji="1" lang="ja-JP" altLang="en-US" sz="2000" dirty="0"/>
+          </a:p>
+        </p:txBody>
+      </p:sp>
+      <p:cxnSp>
+        <p:nvCxnSpPr>
+          <p:cNvPr id="17" name="直線矢印コネクタ 16"/>
+          <p:cNvCxnSpPr>
+            <a:endCxn id="11" idx="1"/>
+          </p:cNvCxnSpPr>
+          <p:nvPr/>
+        </p:nvCxnSpPr>
+        <p:spPr>
+          <a:xfrm flipV="1">
+            <a:off x="5241382" y="4734949"/>
+            <a:ext cx="1588041" cy="1172611"/>
+          </a:xfrm>
+          <a:prstGeom prst="straightConnector1">
+            <a:avLst/>
+          </a:prstGeom>
+          <a:ln w="38100">
+            <a:tailEnd type="triangle"/>
+          </a:ln>
+        </p:spPr>
+        <p:style>
+          <a:lnRef idx="3">
+            <a:schemeClr val="dk1"/>
+          </a:lnRef>
+          <a:fillRef idx="0">
+            <a:schemeClr val="dk1"/>
+          </a:fillRef>
+          <a:effectRef idx="2">
+            <a:schemeClr val="dk1"/>
+          </a:effectRef>
+          <a:fontRef idx="minor">
+            <a:schemeClr val="tx1"/>
+          </a:fontRef>
+        </p:style>
+      </p:cxnSp>
+      <p:grpSp>
+        <p:nvGrpSpPr>
+          <p:cNvPr id="19" name="グループ化 18"/>
+          <p:cNvGrpSpPr/>
+          <p:nvPr/>
+        </p:nvGrpSpPr>
+        <p:grpSpPr>
+          <a:xfrm>
+            <a:off x="801701" y="4338671"/>
+            <a:ext cx="1802471" cy="1986479"/>
+            <a:chOff x="5609689" y="4142485"/>
+            <a:chExt cx="2077200" cy="2578991"/>
+          </a:xfrm>
+        </p:grpSpPr>
+        <p:pic>
+          <p:nvPicPr>
+            <p:cNvPr id="20" name="図 19"/>
+            <p:cNvPicPr>
+              <a:picLocks noChangeAspect="1"/>
+            </p:cNvPicPr>
+            <p:nvPr/>
+          </p:nvPicPr>
+          <p:blipFill rotWithShape="1">
+            <a:blip r:embed="rId3"/>
+            <a:srcRect l="10214" b="9607"/>
+            <a:stretch/>
+          </p:blipFill>
+          <p:spPr>
+            <a:xfrm>
+              <a:off x="5609689" y="4142485"/>
+              <a:ext cx="2077200" cy="2578991"/>
+            </a:xfrm>
+            <a:prstGeom prst="rect">
+              <a:avLst/>
+            </a:prstGeom>
+          </p:spPr>
+        </p:pic>
+        <p:sp>
+          <p:nvSpPr>
+            <p:cNvPr id="21" name="正方形/長方形 20"/>
+            <p:cNvSpPr/>
+            <p:nvPr/>
+          </p:nvSpPr>
+          <p:spPr>
+            <a:xfrm>
+              <a:off x="5743253" y="6196535"/>
+              <a:ext cx="706719" cy="327557"/>
+            </a:xfrm>
+            <a:prstGeom prst="rect">
+              <a:avLst/>
+            </a:prstGeom>
+            <a:ln w="38100"/>
+          </p:spPr>
+          <p:style>
+            <a:lnRef idx="2">
+              <a:schemeClr val="dk1"/>
+            </a:lnRef>
+            <a:fillRef idx="1">
+              <a:schemeClr val="lt1"/>
+            </a:fillRef>
+            <a:effectRef idx="0">
+              <a:schemeClr val="dk1"/>
+            </a:effectRef>
+            <a:fontRef idx="minor">
+              <a:schemeClr val="dk1"/>
+            </a:fontRef>
+          </p:style>
+          <p:txBody>
+            <a:bodyPr rtlCol="0" anchor="ctr"/>
+            <a:lstStyle/>
+            <a:p>
+              <a:pPr algn="ctr"/>
+              <a:endParaRPr kumimoji="1" lang="ja-JP" altLang="en-US" dirty="0"/>
+            </a:p>
+          </p:txBody>
+        </p:sp>
+      </p:grpSp>
+      <p:sp>
+        <p:nvSpPr>
+          <p:cNvPr id="23" name="テキスト ボックス 22"/>
+          <p:cNvSpPr txBox="1"/>
+          <p:nvPr/>
+        </p:nvSpPr>
+        <p:spPr>
+          <a:xfrm>
+            <a:off x="933481" y="5875611"/>
+            <a:ext cx="646331" cy="369332"/>
+          </a:xfrm>
+          <a:prstGeom prst="rect">
+            <a:avLst/>
+          </a:prstGeom>
+          <a:noFill/>
+        </p:spPr>
+        <p:txBody>
+          <a:bodyPr wrap="none" rtlCol="0">
+            <a:spAutoFit/>
+          </a:bodyPr>
+          <a:lstStyle/>
+          <a:p>
+            <a:r>
+              <a:rPr kumimoji="1" lang="ja-JP" altLang="en-US" dirty="0" smtClean="0"/>
+              <a:t>問１</a:t>
+            </a:r>
+            <a:endParaRPr kumimoji="1" lang="ja-JP" altLang="en-US" dirty="0"/>
+          </a:p>
+        </p:txBody>
+      </p:sp>
+      <p:sp>
+        <p:nvSpPr>
+          <p:cNvPr id="24" name="正方形/長方形 23"/>
+          <p:cNvSpPr/>
+          <p:nvPr/>
+        </p:nvSpPr>
+        <p:spPr>
+          <a:xfrm>
+            <a:off x="2681710" y="5875611"/>
+            <a:ext cx="1530850" cy="432952"/>
+          </a:xfrm>
+          <a:prstGeom prst="rect">
+            <a:avLst/>
+          </a:prstGeom>
+          <a:ln w="38100"/>
+        </p:spPr>
+        <p:style>
+          <a:lnRef idx="2">
+            <a:schemeClr val="dk1"/>
+          </a:lnRef>
+          <a:fillRef idx="1">
+            <a:schemeClr val="lt1"/>
+          </a:fillRef>
+          <a:effectRef idx="0">
+            <a:schemeClr val="dk1"/>
+          </a:effectRef>
+          <a:fontRef idx="minor">
+            <a:schemeClr val="dk1"/>
+          </a:fontRef>
+        </p:style>
+        <p:txBody>
+          <a:bodyPr rtlCol="0" anchor="ctr"/>
+          <a:lstStyle/>
+          <a:p>
+            <a:pPr algn="ctr"/>
+            <a:endParaRPr kumimoji="1" lang="ja-JP" altLang="en-US"/>
+          </a:p>
+        </p:txBody>
+      </p:sp>
+      <p:sp>
+        <p:nvSpPr>
+          <p:cNvPr id="25" name="テキスト ボックス 24"/>
+          <p:cNvSpPr txBox="1"/>
+          <p:nvPr/>
+        </p:nvSpPr>
+        <p:spPr>
+          <a:xfrm>
+            <a:off x="2399203" y="4518287"/>
+            <a:ext cx="2262158" cy="1200329"/>
+          </a:xfrm>
+          <a:prstGeom prst="rect">
+            <a:avLst/>
+          </a:prstGeom>
+          <a:noFill/>
+        </p:spPr>
+        <p:txBody>
+          <a:bodyPr wrap="none" rtlCol="0">
+            <a:spAutoFit/>
+          </a:bodyPr>
+          <a:lstStyle/>
+          <a:p>
+            <a:r>
+              <a:rPr kumimoji="1" lang="ja-JP" altLang="en-US" dirty="0" smtClean="0"/>
+              <a:t>問１</a:t>
+            </a:r>
+            <a:endParaRPr kumimoji="1" lang="en-US" altLang="ja-JP" dirty="0" smtClean="0"/>
+          </a:p>
+          <a:p>
+            <a:r>
+              <a:rPr kumimoji="1" lang="ja-JP" altLang="en-US" dirty="0"/>
+              <a:t>文字</a:t>
+            </a:r>
+            <a:r>
+              <a:rPr kumimoji="1" lang="ja-JP" altLang="en-US" dirty="0" smtClean="0"/>
+              <a:t>を表示する際に</a:t>
+            </a:r>
+            <a:endParaRPr kumimoji="1" lang="en-US" altLang="ja-JP" dirty="0" smtClean="0"/>
+          </a:p>
+          <a:p>
+            <a:r>
+              <a:rPr kumimoji="1" lang="ja-JP" altLang="en-US" dirty="0" smtClean="0"/>
+              <a:t>利用する予約語を埋</a:t>
+            </a:r>
+            <a:endParaRPr kumimoji="1" lang="en-US" altLang="ja-JP" dirty="0" smtClean="0"/>
+          </a:p>
+          <a:p>
+            <a:r>
+              <a:rPr kumimoji="1" lang="ja-JP" altLang="en-US" dirty="0" smtClean="0"/>
+              <a:t>めよ。</a:t>
+            </a:r>
+            <a:endParaRPr kumimoji="1" lang="en-US" altLang="ja-JP" dirty="0" smtClean="0"/>
+          </a:p>
+        </p:txBody>
+      </p:sp>
+      <p:sp>
+        <p:nvSpPr>
+          <p:cNvPr id="28" name="テキスト ボックス 27"/>
+          <p:cNvSpPr txBox="1"/>
+          <p:nvPr/>
+        </p:nvSpPr>
+        <p:spPr>
+          <a:xfrm>
+            <a:off x="1395081" y="6488668"/>
+            <a:ext cx="2031325" cy="369332"/>
+          </a:xfrm>
+          <a:prstGeom prst="rect">
+            <a:avLst/>
+          </a:prstGeom>
+          <a:noFill/>
+        </p:spPr>
+        <p:txBody>
+          <a:bodyPr wrap="none" rtlCol="0">
+            <a:spAutoFit/>
+          </a:bodyPr>
+          <a:lstStyle/>
+          <a:p>
+            <a:r>
+              <a:rPr kumimoji="1" lang="ja-JP" altLang="en-US" dirty="0" smtClean="0"/>
+              <a:t>空欄の穴埋め問題</a:t>
+            </a:r>
+            <a:endParaRPr kumimoji="1" lang="ja-JP" altLang="en-US" dirty="0"/>
+          </a:p>
+        </p:txBody>
+      </p:sp>
+      <p:sp>
+        <p:nvSpPr>
+          <p:cNvPr id="29" name="テキスト ボックス 28"/>
+          <p:cNvSpPr txBox="1"/>
+          <p:nvPr/>
+        </p:nvSpPr>
+        <p:spPr>
+          <a:xfrm>
+            <a:off x="5222995" y="6509568"/>
+            <a:ext cx="2492990" cy="369332"/>
+          </a:xfrm>
+          <a:prstGeom prst="rect">
+            <a:avLst/>
+          </a:prstGeom>
+          <a:noFill/>
+        </p:spPr>
+        <p:txBody>
+          <a:bodyPr wrap="none" rtlCol="0">
+            <a:spAutoFit/>
+          </a:bodyPr>
+          <a:lstStyle/>
+          <a:p>
+            <a:r>
+              <a:rPr kumimoji="1" lang="ja-JP" altLang="en-US" dirty="0" smtClean="0"/>
+              <a:t>ワンパターンな選択肢</a:t>
+            </a:r>
+            <a:endParaRPr kumimoji="1" lang="ja-JP" altLang="en-US" dirty="0"/>
           </a:p>
         </p:txBody>
       </p:sp>
@@ -11737,30 +12826,6 @@
           </a:prstGeom>
         </p:spPr>
       </p:pic>
-      <p:pic>
-        <p:nvPicPr>
-          <p:cNvPr id="6" name="図 5"/>
-          <p:cNvPicPr>
-            <a:picLocks noChangeAspect="1"/>
-          </p:cNvPicPr>
-          <p:nvPr/>
-        </p:nvPicPr>
-        <p:blipFill>
-          <a:blip r:embed="rId4"/>
-          <a:stretch>
-            <a:fillRect/>
-          </a:stretch>
-        </p:blipFill>
-        <p:spPr>
-          <a:xfrm>
-            <a:off x="161841" y="1551124"/>
-            <a:ext cx="4006921" cy="1446409"/>
-          </a:xfrm>
-          <a:prstGeom prst="rect">
-            <a:avLst/>
-          </a:prstGeom>
-        </p:spPr>
-      </p:pic>
       <p:sp>
         <p:nvSpPr>
           <p:cNvPr id="38" name="テキスト ボックス 37"/>
@@ -11791,6 +12856,30 @@
           </a:p>
         </p:txBody>
       </p:sp>
+      <p:pic>
+        <p:nvPicPr>
+          <p:cNvPr id="39" name="図 38"/>
+          <p:cNvPicPr>
+            <a:picLocks noChangeAspect="1"/>
+          </p:cNvPicPr>
+          <p:nvPr/>
+        </p:nvPicPr>
+        <p:blipFill>
+          <a:blip r:embed="rId4"/>
+          <a:stretch>
+            <a:fillRect/>
+          </a:stretch>
+        </p:blipFill>
+        <p:spPr>
+          <a:xfrm>
+            <a:off x="217932" y="1904238"/>
+            <a:ext cx="3943911" cy="1381128"/>
+          </a:xfrm>
+          <a:prstGeom prst="rect">
+            <a:avLst/>
+          </a:prstGeom>
+        </p:spPr>
+      </p:pic>
     </p:spTree>
     <p:extLst>
       <p:ext uri="{BB962C8B-B14F-4D97-AF65-F5344CB8AC3E}">
@@ -11907,7 +12996,7 @@
         </p:blipFill>
         <p:spPr bwMode="auto">
           <a:xfrm>
-            <a:off x="628649" y="2049465"/>
+            <a:off x="628649" y="1754973"/>
             <a:ext cx="7886700" cy="4306886"/>
           </a:xfrm>
           <a:prstGeom prst="rect">
@@ -11927,8 +13016,8 @@
         </p:nvSpPr>
         <p:spPr>
           <a:xfrm>
-            <a:off x="487319" y="979227"/>
-            <a:ext cx="8169361" cy="954107"/>
+            <a:off x="513709" y="1896383"/>
+            <a:ext cx="8284302" cy="954107"/>
           </a:xfrm>
           <a:prstGeom prst="rect">
             <a:avLst/>
@@ -11975,9 +13064,80 @@
   <p:timing>
     <p:tnLst>
       <p:par>
-        <p:cTn id="1" dur="indefinite" restart="never" nodeType="tmRoot"/>
+        <p:cTn id="1" dur="indefinite" restart="never" nodeType="tmRoot">
+          <p:childTnLst>
+            <p:seq concurrent="1" nextAc="seek">
+              <p:cTn id="2" dur="indefinite" nodeType="mainSeq">
+                <p:childTnLst>
+                  <p:par>
+                    <p:cTn id="3" fill="hold">
+                      <p:stCondLst>
+                        <p:cond delay="indefinite"/>
+                      </p:stCondLst>
+                      <p:childTnLst>
+                        <p:par>
+                          <p:cTn id="4" fill="hold">
+                            <p:stCondLst>
+                              <p:cond delay="0"/>
+                            </p:stCondLst>
+                            <p:childTnLst>
+                              <p:par>
+                                <p:cTn id="5" presetID="1" presetClass="entr" presetSubtype="0" fill="hold" grpId="0" nodeType="clickEffect">
+                                  <p:stCondLst>
+                                    <p:cond delay="0"/>
+                                  </p:stCondLst>
+                                  <p:childTnLst>
+                                    <p:set>
+                                      <p:cBhvr>
+                                        <p:cTn id="6" dur="1" fill="hold">
+                                          <p:stCondLst>
+                                            <p:cond delay="0"/>
+                                          </p:stCondLst>
+                                        </p:cTn>
+                                        <p:tgtEl>
+                                          <p:spTgt spid="10"/>
+                                        </p:tgtEl>
+                                        <p:attrNameLst>
+                                          <p:attrName>style.visibility</p:attrName>
+                                        </p:attrNameLst>
+                                      </p:cBhvr>
+                                      <p:to>
+                                        <p:strVal val="visible"/>
+                                      </p:to>
+                                    </p:set>
+                                  </p:childTnLst>
+                                </p:cTn>
+                              </p:par>
+                            </p:childTnLst>
+                          </p:cTn>
+                        </p:par>
+                      </p:childTnLst>
+                    </p:cTn>
+                  </p:par>
+                </p:childTnLst>
+              </p:cTn>
+              <p:prevCondLst>
+                <p:cond evt="onPrev" delay="0">
+                  <p:tgtEl>
+                    <p:sldTgt/>
+                  </p:tgtEl>
+                </p:cond>
+              </p:prevCondLst>
+              <p:nextCondLst>
+                <p:cond evt="onNext" delay="0">
+                  <p:tgtEl>
+                    <p:sldTgt/>
+                  </p:tgtEl>
+                </p:cond>
+              </p:nextCondLst>
+            </p:seq>
+          </p:childTnLst>
+        </p:cTn>
       </p:par>
     </p:tnLst>
+    <p:bldLst>
+      <p:bldP spid="10" grpId="0" animBg="1"/>
+    </p:bldLst>
   </p:timing>
 </p:sld>
 </file>
@@ -12007,8 +13167,8 @@
         </p:nvSpPr>
         <p:spPr>
           <a:xfrm>
-            <a:off x="4492317" y="4418650"/>
-            <a:ext cx="3655089" cy="1447057"/>
+            <a:off x="4572000" y="4352677"/>
+            <a:ext cx="3789910" cy="1226684"/>
           </a:xfrm>
           <a:prstGeom prst="rect">
             <a:avLst/>
@@ -12045,8 +13205,8 @@
         </p:nvSpPr>
         <p:spPr>
           <a:xfrm>
-            <a:off x="772377" y="4418650"/>
-            <a:ext cx="3532495" cy="1447057"/>
+            <a:off x="730452" y="4375528"/>
+            <a:ext cx="3532495" cy="1203832"/>
           </a:xfrm>
           <a:prstGeom prst="rect">
             <a:avLst/>
@@ -12108,28 +13268,28 @@
             <p:ph idx="1"/>
             <p:extLst>
               <p:ext uri="{D42A27DB-BD31-4B8C-83A1-F6EECF244321}">
-                <p14:modId xmlns:p14="http://schemas.microsoft.com/office/powerpoint/2010/main" val="363933158"/>
+                <p14:modId xmlns:p14="http://schemas.microsoft.com/office/powerpoint/2010/main" val="3973252375"/>
               </p:ext>
             </p:extLst>
           </p:nvPr>
         </p:nvGraphicFramePr>
         <p:xfrm>
-          <a:off x="1816630" y="1955316"/>
-          <a:ext cx="5483860" cy="1097280"/>
+          <a:off x="1658405" y="2013088"/>
+          <a:ext cx="6132572" cy="1189404"/>
         </p:xfrm>
         <a:graphic>
           <a:graphicData uri="http://schemas.openxmlformats.org/drawingml/2006/table">
             <a:tbl>
               <a:tblPr firstRow="1" firstCol="1" bandRow="1"/>
               <a:tblGrid>
-                <a:gridCol w="2741930">
+                <a:gridCol w="3066286">
                   <a:extLst>
                     <a:ext uri="{9D8B030D-6E8A-4147-A177-3AD203B41FA5}">
                       <a16:colId xmlns:a16="http://schemas.microsoft.com/office/drawing/2014/main" val="852515768"/>
                     </a:ext>
                   </a:extLst>
                 </a:gridCol>
-                <a:gridCol w="2741930">
+                <a:gridCol w="3066286">
                   <a:extLst>
                     <a:ext uri="{9D8B030D-6E8A-4147-A177-3AD203B41FA5}">
                       <a16:colId xmlns:a16="http://schemas.microsoft.com/office/drawing/2014/main" val="2046067211"/>
@@ -12137,13 +13297,13 @@
                   </a:extLst>
                 </a:gridCol>
               </a:tblGrid>
-              <a:tr h="0">
+              <a:tr h="396468">
                 <a:tc>
                   <a:txBody>
                     <a:bodyPr/>
                     <a:lstStyle/>
                     <a:p>
-                      <a:pPr algn="just">
+                      <a:pPr algn="ctr">
                         <a:spcAft>
                           <a:spcPts val="0"/>
                         </a:spcAft>
@@ -12174,13 +13334,19 @@
                       </a:endParaRPr>
                     </a:p>
                   </a:txBody>
-                  <a:tcPr marL="68580" marR="68580" marT="0" marB="0">
-                    <a:lnL>
-                      <a:noFill/>
+                  <a:tcPr marL="68580" marR="68580" marT="0" marB="0" anchor="ctr">
+                    <a:lnL w="12700" cap="flat" cmpd="sng" algn="ctr">
+                      <a:solidFill>
+                        <a:schemeClr val="tx1"/>
+                      </a:solidFill>
+                      <a:prstDash val="solid"/>
+                      <a:round/>
+                      <a:headEnd type="none" w="med" len="med"/>
+                      <a:tailEnd type="none" w="med" len="med"/>
                     </a:lnL>
                     <a:lnR w="12700" cap="flat" cmpd="sng" algn="ctr">
                       <a:solidFill>
-                        <a:srgbClr val="000000"/>
+                        <a:schemeClr val="tx1"/>
                       </a:solidFill>
                       <a:prstDash val="solid"/>
                       <a:round/>
@@ -12189,7 +13355,7 @@
                     </a:lnR>
                     <a:lnT w="12700" cap="flat" cmpd="sng" algn="ctr">
                       <a:solidFill>
-                        <a:srgbClr val="000000"/>
+                        <a:schemeClr val="tx1"/>
                       </a:solidFill>
                       <a:prstDash val="solid"/>
                       <a:round/>
@@ -12198,7 +13364,7 @@
                     </a:lnT>
                     <a:lnB w="12700" cap="flat" cmpd="sng" algn="ctr">
                       <a:solidFill>
-                        <a:srgbClr val="000000"/>
+                        <a:schemeClr val="tx1"/>
                       </a:solidFill>
                       <a:prstDash val="solid"/>
                       <a:round/>
@@ -12212,93 +13378,21 @@
                     <a:bodyPr/>
                     <a:lstStyle/>
                     <a:p>
-                      <a:pPr algn="just">
+                      <a:pPr algn="ctr">
                         <a:spcAft>
                           <a:spcPts val="0"/>
                         </a:spcAft>
                       </a:pPr>
                       <a:r>
-                        <a:rPr lang="en-US" sz="1800" kern="100">
+                        <a:rPr lang="en-US" sz="1800" kern="100" dirty="0">
                           <a:effectLst/>
                           <a:latin typeface="Century" panose="02040604050505020304" pitchFamily="18" charset="0"/>
                           <a:ea typeface="ＭＳ 明朝" panose="02020609040205080304" pitchFamily="17" charset="-128"/>
                           <a:cs typeface="Times New Roman" panose="02020603050405020304" pitchFamily="18" charset="0"/>
                         </a:rPr>
-                        <a:t>"+"</a:t>
+                        <a:t>'for', 'while', 'do'</a:t>
                       </a:r>
-                      <a:r>
-                        <a:rPr lang="ja-JP" sz="1800" kern="100">
-                          <a:effectLst/>
-                          <a:latin typeface="Century" panose="02040604050505020304" pitchFamily="18" charset="0"/>
-                          <a:ea typeface="ＭＳ 明朝" panose="02020609040205080304" pitchFamily="17" charset="-128"/>
-                          <a:cs typeface="Times New Roman" panose="02020603050405020304" pitchFamily="18" charset="0"/>
-                        </a:rPr>
-                        <a:t>，</a:t>
-                      </a:r>
-                      <a:r>
-                        <a:rPr lang="en-US" sz="1800" kern="100">
-                          <a:effectLst/>
-                          <a:latin typeface="Century" panose="02040604050505020304" pitchFamily="18" charset="0"/>
-                          <a:ea typeface="ＭＳ 明朝" panose="02020609040205080304" pitchFamily="17" charset="-128"/>
-                          <a:cs typeface="Times New Roman" panose="02020603050405020304" pitchFamily="18" charset="0"/>
-                        </a:rPr>
-                        <a:t>"-"</a:t>
-                      </a:r>
-                      <a:r>
-                        <a:rPr lang="ja-JP" sz="1800" kern="100">
-                          <a:effectLst/>
-                          <a:latin typeface="Century" panose="02040604050505020304" pitchFamily="18" charset="0"/>
-                          <a:ea typeface="ＭＳ 明朝" panose="02020609040205080304" pitchFamily="17" charset="-128"/>
-                          <a:cs typeface="Times New Roman" panose="02020603050405020304" pitchFamily="18" charset="0"/>
-                        </a:rPr>
-                        <a:t>，</a:t>
-                      </a:r>
-                      <a:r>
-                        <a:rPr lang="en-US" sz="1800" kern="100">
-                          <a:effectLst/>
-                          <a:latin typeface="Century" panose="02040604050505020304" pitchFamily="18" charset="0"/>
-                          <a:ea typeface="ＭＳ 明朝" panose="02020609040205080304" pitchFamily="17" charset="-128"/>
-                          <a:cs typeface="Times New Roman" panose="02020603050405020304" pitchFamily="18" charset="0"/>
-                        </a:rPr>
-                        <a:t>"*"</a:t>
-                      </a:r>
-                      <a:r>
-                        <a:rPr lang="ja-JP" sz="1800" kern="100">
-                          <a:effectLst/>
-                          <a:latin typeface="Century" panose="02040604050505020304" pitchFamily="18" charset="0"/>
-                          <a:ea typeface="ＭＳ 明朝" panose="02020609040205080304" pitchFamily="17" charset="-128"/>
-                          <a:cs typeface="Times New Roman" panose="02020603050405020304" pitchFamily="18" charset="0"/>
-                        </a:rPr>
-                        <a:t>，</a:t>
-                      </a:r>
-                      <a:r>
-                        <a:rPr lang="en-US" sz="1800" kern="100">
-                          <a:effectLst/>
-                          <a:latin typeface="Century" panose="02040604050505020304" pitchFamily="18" charset="0"/>
-                          <a:ea typeface="ＭＳ 明朝" panose="02020609040205080304" pitchFamily="17" charset="-128"/>
-                          <a:cs typeface="Times New Roman" panose="02020603050405020304" pitchFamily="18" charset="0"/>
-                        </a:rPr>
-                        <a:t>"/"</a:t>
-                      </a:r>
-                      <a:r>
-                        <a:rPr lang="ja-JP" sz="1800" kern="100">
-                          <a:effectLst/>
-                          <a:latin typeface="Century" panose="02040604050505020304" pitchFamily="18" charset="0"/>
-                          <a:ea typeface="ＭＳ 明朝" panose="02020609040205080304" pitchFamily="17" charset="-128"/>
-                          <a:cs typeface="Times New Roman" panose="02020603050405020304" pitchFamily="18" charset="0"/>
-                        </a:rPr>
-                        <a:t>，</a:t>
-                      </a:r>
-                      <a:r>
-                        <a:rPr lang="en-US" sz="1800" kern="100">
-                          <a:effectLst/>
-                          <a:latin typeface="Century" panose="02040604050505020304" pitchFamily="18" charset="0"/>
-                          <a:ea typeface="ＭＳ 明朝" panose="02020609040205080304" pitchFamily="17" charset="-128"/>
-                          <a:cs typeface="Times New Roman" panose="02020603050405020304" pitchFamily="18" charset="0"/>
-                        </a:rPr>
-                        <a:t>"%"</a:t>
-                      </a:r>
-                      <a:endParaRPr lang="ja-JP" sz="1800" kern="100">
+                      <a:endParaRPr lang="ja-JP" sz="1800" kern="100" dirty="0">
                         <a:effectLst/>
                         <a:latin typeface="Century" panose="02040604050505020304" pitchFamily="18" charset="0"/>
                         <a:ea typeface="ＭＳ 明朝" panose="02020609040205080304" pitchFamily="17" charset="-128"/>
@@ -12306,22 +13400,28 @@
                       </a:endParaRPr>
                     </a:p>
                   </a:txBody>
-                  <a:tcPr marL="68580" marR="68580" marT="0" marB="0">
+                  <a:tcPr marL="68580" marR="68580" marT="0" marB="0" anchor="ctr">
                     <a:lnL w="12700" cap="flat" cmpd="sng" algn="ctr">
                       <a:solidFill>
-                        <a:srgbClr val="000000"/>
+                        <a:schemeClr val="tx1"/>
                       </a:solidFill>
                       <a:prstDash val="solid"/>
                       <a:round/>
                       <a:headEnd type="none" w="med" len="med"/>
                       <a:tailEnd type="none" w="med" len="med"/>
                     </a:lnL>
-                    <a:lnR>
-                      <a:noFill/>
+                    <a:lnR w="12700" cap="flat" cmpd="sng" algn="ctr">
+                      <a:solidFill>
+                        <a:schemeClr val="tx1"/>
+                      </a:solidFill>
+                      <a:prstDash val="solid"/>
+                      <a:round/>
+                      <a:headEnd type="none" w="med" len="med"/>
+                      <a:tailEnd type="none" w="med" len="med"/>
                     </a:lnR>
                     <a:lnT w="12700" cap="flat" cmpd="sng" algn="ctr">
                       <a:solidFill>
-                        <a:srgbClr val="000000"/>
+                        <a:schemeClr val="tx1"/>
                       </a:solidFill>
                       <a:prstDash val="solid"/>
                       <a:round/>
@@ -12330,7 +13430,7 @@
                     </a:lnT>
                     <a:lnB w="12700" cap="flat" cmpd="sng" algn="ctr">
                       <a:solidFill>
-                        <a:srgbClr val="000000"/>
+                        <a:schemeClr val="tx1"/>
                       </a:solidFill>
                       <a:prstDash val="solid"/>
                       <a:round/>
@@ -12341,17 +13441,17 @@
                 </a:tc>
                 <a:extLst>
                   <a:ext uri="{0D108BD9-81ED-4DB2-BD59-A6C34878D82A}">
-                    <a16:rowId xmlns:a16="http://schemas.microsoft.com/office/drawing/2014/main" val="2043932297"/>
+                    <a16:rowId xmlns:a16="http://schemas.microsoft.com/office/drawing/2014/main" val="131624758"/>
                   </a:ext>
                 </a:extLst>
               </a:tr>
-              <a:tr h="0">
+              <a:tr h="396468">
                 <a:tc>
                   <a:txBody>
                     <a:bodyPr/>
                     <a:lstStyle/>
                     <a:p>
-                      <a:pPr algn="just">
+                      <a:pPr algn="ctr">
                         <a:spcAft>
                           <a:spcPts val="0"/>
                         </a:spcAft>
@@ -12382,13 +13482,19 @@
                       </a:endParaRPr>
                     </a:p>
                   </a:txBody>
-                  <a:tcPr marL="68580" marR="68580" marT="0" marB="0">
-                    <a:lnL>
-                      <a:noFill/>
+                  <a:tcPr marL="68580" marR="68580" marT="0" marB="0" anchor="ctr">
+                    <a:lnL w="12700" cap="flat" cmpd="sng" algn="ctr">
+                      <a:solidFill>
+                        <a:schemeClr val="tx1"/>
+                      </a:solidFill>
+                      <a:prstDash val="solid"/>
+                      <a:round/>
+                      <a:headEnd type="none" w="med" len="med"/>
+                      <a:tailEnd type="none" w="med" len="med"/>
                     </a:lnL>
                     <a:lnR w="12700" cap="flat" cmpd="sng" algn="ctr">
                       <a:solidFill>
-                        <a:srgbClr val="000000"/>
+                        <a:schemeClr val="tx1"/>
                       </a:solidFill>
                       <a:prstDash val="solid"/>
                       <a:round/>
@@ -12397,7 +13503,7 @@
                     </a:lnR>
                     <a:lnT w="12700" cap="flat" cmpd="sng" algn="ctr">
                       <a:solidFill>
-                        <a:srgbClr val="000000"/>
+                        <a:schemeClr val="tx1"/>
                       </a:solidFill>
                       <a:prstDash val="solid"/>
                       <a:round/>
@@ -12406,7 +13512,7 @@
                     </a:lnT>
                     <a:lnB w="12700" cap="flat" cmpd="sng" algn="ctr">
                       <a:solidFill>
-                        <a:srgbClr val="000000"/>
+                        <a:schemeClr val="tx1"/>
                       </a:solidFill>
                       <a:prstDash val="solid"/>
                       <a:round/>
@@ -12420,7 +13526,7 @@
                     <a:bodyPr/>
                     <a:lstStyle/>
                     <a:p>
-                      <a:pPr algn="just">
+                      <a:pPr algn="ctr">
                         <a:spcAft>
                           <a:spcPts val="0"/>
                         </a:spcAft>
@@ -12432,7 +13538,7 @@
                           <a:ea typeface="ＭＳ 明朝" panose="02020609040205080304" pitchFamily="17" charset="-128"/>
                           <a:cs typeface="Times New Roman" panose="02020603050405020304" pitchFamily="18" charset="0"/>
                         </a:rPr>
-                        <a:t>'for', 'while', 'do'</a:t>
+                        <a:t>'if', 'else', 'switch'</a:t>
                       </a:r>
                       <a:endParaRPr lang="ja-JP" sz="1800" kern="100" dirty="0">
                         <a:effectLst/>
@@ -12442,22 +13548,28 @@
                       </a:endParaRPr>
                     </a:p>
                   </a:txBody>
-                  <a:tcPr marL="68580" marR="68580" marT="0" marB="0">
+                  <a:tcPr marL="68580" marR="68580" marT="0" marB="0" anchor="ctr">
                     <a:lnL w="12700" cap="flat" cmpd="sng" algn="ctr">
                       <a:solidFill>
-                        <a:srgbClr val="000000"/>
+                        <a:schemeClr val="tx1"/>
                       </a:solidFill>
                       <a:prstDash val="solid"/>
                       <a:round/>
                       <a:headEnd type="none" w="med" len="med"/>
                       <a:tailEnd type="none" w="med" len="med"/>
                     </a:lnL>
-                    <a:lnR>
-                      <a:noFill/>
+                    <a:lnR w="12700" cap="flat" cmpd="sng" algn="ctr">
+                      <a:solidFill>
+                        <a:schemeClr val="tx1"/>
+                      </a:solidFill>
+                      <a:prstDash val="solid"/>
+                      <a:round/>
+                      <a:headEnd type="none" w="med" len="med"/>
+                      <a:tailEnd type="none" w="med" len="med"/>
                     </a:lnR>
                     <a:lnT w="12700" cap="flat" cmpd="sng" algn="ctr">
                       <a:solidFill>
-                        <a:srgbClr val="000000"/>
+                        <a:schemeClr val="tx1"/>
                       </a:solidFill>
                       <a:prstDash val="solid"/>
                       <a:round/>
@@ -12466,7 +13578,7 @@
                     </a:lnT>
                     <a:lnB w="12700" cap="flat" cmpd="sng" algn="ctr">
                       <a:solidFill>
-                        <a:srgbClr val="000000"/>
+                        <a:schemeClr val="tx1"/>
                       </a:solidFill>
                       <a:prstDash val="solid"/>
                       <a:round/>
@@ -12477,17 +13589,17 @@
                 </a:tc>
                 <a:extLst>
                   <a:ext uri="{0D108BD9-81ED-4DB2-BD59-A6C34878D82A}">
-                    <a16:rowId xmlns:a16="http://schemas.microsoft.com/office/drawing/2014/main" val="131624758"/>
+                    <a16:rowId xmlns:a16="http://schemas.microsoft.com/office/drawing/2014/main" val="1869542225"/>
                   </a:ext>
                 </a:extLst>
               </a:tr>
-              <a:tr h="0">
+              <a:tr h="396468">
                 <a:tc>
                   <a:txBody>
                     <a:bodyPr/>
                     <a:lstStyle/>
                     <a:p>
-                      <a:pPr algn="just">
+                      <a:pPr algn="ctr">
                         <a:spcAft>
                           <a:spcPts val="0"/>
                         </a:spcAft>
@@ -12510,7 +13622,7 @@
                         </a:rPr>
                         <a:t>３</a:t>
                       </a:r>
-                      <a:endParaRPr lang="ja-JP" sz="1800" kern="100" dirty="0">
+                      <a:endParaRPr lang="en-US" altLang="ja-JP" sz="1800" kern="100" dirty="0" smtClean="0">
                         <a:effectLst/>
                         <a:latin typeface="Century" panose="02040604050505020304" pitchFamily="18" charset="0"/>
                         <a:ea typeface="ＭＳ 明朝" panose="02020609040205080304" pitchFamily="17" charset="-128"/>
@@ -12518,13 +13630,19 @@
                       </a:endParaRPr>
                     </a:p>
                   </a:txBody>
-                  <a:tcPr marL="68580" marR="68580" marT="0" marB="0">
-                    <a:lnL>
-                      <a:noFill/>
+                  <a:tcPr marL="68580" marR="68580" marT="0" marB="0" anchor="ctr">
+                    <a:lnL w="12700" cap="flat" cmpd="sng" algn="ctr">
+                      <a:solidFill>
+                        <a:schemeClr val="tx1"/>
+                      </a:solidFill>
+                      <a:prstDash val="solid"/>
+                      <a:round/>
+                      <a:headEnd type="none" w="med" len="med"/>
+                      <a:tailEnd type="none" w="med" len="med"/>
                     </a:lnL>
                     <a:lnR w="12700" cap="flat" cmpd="sng" algn="ctr">
                       <a:solidFill>
-                        <a:srgbClr val="000000"/>
+                        <a:schemeClr val="tx1"/>
                       </a:solidFill>
                       <a:prstDash val="solid"/>
                       <a:round/>
@@ -12533,7 +13651,7 @@
                     </a:lnR>
                     <a:lnT w="12700" cap="flat" cmpd="sng" algn="ctr">
                       <a:solidFill>
-                        <a:srgbClr val="000000"/>
+                        <a:schemeClr val="tx1"/>
                       </a:solidFill>
                       <a:prstDash val="solid"/>
                       <a:round/>
@@ -12542,7 +13660,7 @@
                     </a:lnT>
                     <a:lnB w="12700" cap="flat" cmpd="sng" algn="ctr">
                       <a:solidFill>
-                        <a:srgbClr val="000000"/>
+                        <a:schemeClr val="tx1"/>
                       </a:solidFill>
                       <a:prstDash val="solid"/>
                       <a:round/>
@@ -12556,143 +13674,7 @@
                     <a:bodyPr/>
                     <a:lstStyle/>
                     <a:p>
-                      <a:pPr algn="just">
-                        <a:spcAft>
-                          <a:spcPts val="0"/>
-                        </a:spcAft>
-                      </a:pPr>
-                      <a:r>
-                        <a:rPr lang="en-US" sz="1800" kern="100" dirty="0">
-                          <a:effectLst/>
-                          <a:latin typeface="Century" panose="02040604050505020304" pitchFamily="18" charset="0"/>
-                          <a:ea typeface="ＭＳ 明朝" panose="02020609040205080304" pitchFamily="17" charset="-128"/>
-                          <a:cs typeface="Times New Roman" panose="02020603050405020304" pitchFamily="18" charset="0"/>
-                        </a:rPr>
-                        <a:t>'if', 'else', 'switch'</a:t>
-                      </a:r>
-                      <a:endParaRPr lang="ja-JP" sz="1800" kern="100" dirty="0">
-                        <a:effectLst/>
-                        <a:latin typeface="Century" panose="02040604050505020304" pitchFamily="18" charset="0"/>
-                        <a:ea typeface="ＭＳ 明朝" panose="02020609040205080304" pitchFamily="17" charset="-128"/>
-                        <a:cs typeface="Times New Roman" panose="02020603050405020304" pitchFamily="18" charset="0"/>
-                      </a:endParaRPr>
-                    </a:p>
-                  </a:txBody>
-                  <a:tcPr marL="68580" marR="68580" marT="0" marB="0">
-                    <a:lnL w="12700" cap="flat" cmpd="sng" algn="ctr">
-                      <a:solidFill>
-                        <a:srgbClr val="000000"/>
-                      </a:solidFill>
-                      <a:prstDash val="solid"/>
-                      <a:round/>
-                      <a:headEnd type="none" w="med" len="med"/>
-                      <a:tailEnd type="none" w="med" len="med"/>
-                    </a:lnL>
-                    <a:lnR>
-                      <a:noFill/>
-                    </a:lnR>
-                    <a:lnT w="12700" cap="flat" cmpd="sng" algn="ctr">
-                      <a:solidFill>
-                        <a:srgbClr val="000000"/>
-                      </a:solidFill>
-                      <a:prstDash val="solid"/>
-                      <a:round/>
-                      <a:headEnd type="none" w="med" len="med"/>
-                      <a:tailEnd type="none" w="med" len="med"/>
-                    </a:lnT>
-                    <a:lnB w="12700" cap="flat" cmpd="sng" algn="ctr">
-                      <a:solidFill>
-                        <a:srgbClr val="000000"/>
-                      </a:solidFill>
-                      <a:prstDash val="solid"/>
-                      <a:round/>
-                      <a:headEnd type="none" w="med" len="med"/>
-                      <a:tailEnd type="none" w="med" len="med"/>
-                    </a:lnB>
-                  </a:tcPr>
-                </a:tc>
-                <a:extLst>
-                  <a:ext uri="{0D108BD9-81ED-4DB2-BD59-A6C34878D82A}">
-                    <a16:rowId xmlns:a16="http://schemas.microsoft.com/office/drawing/2014/main" val="1869542225"/>
-                  </a:ext>
-                </a:extLst>
-              </a:tr>
-              <a:tr h="0">
-                <a:tc>
-                  <a:txBody>
-                    <a:bodyPr/>
-                    <a:lstStyle/>
-                    <a:p>
-                      <a:pPr algn="just">
-                        <a:spcAft>
-                          <a:spcPts val="0"/>
-                        </a:spcAft>
-                      </a:pPr>
-                      <a:r>
-                        <a:rPr lang="ja-JP" sz="1800" kern="100" dirty="0" smtClean="0">
-                          <a:effectLst/>
-                          <a:latin typeface="Century" panose="02040604050505020304" pitchFamily="18" charset="0"/>
-                          <a:ea typeface="ＭＳ 明朝" panose="02020609040205080304" pitchFamily="17" charset="-128"/>
-                          <a:cs typeface="Times New Roman" panose="02020603050405020304" pitchFamily="18" charset="0"/>
-                        </a:rPr>
-                        <a:t>グループ</a:t>
-                      </a:r>
-                      <a:r>
-                        <a:rPr lang="ja-JP" altLang="en-US" sz="1800" kern="100" dirty="0" smtClean="0">
-                          <a:effectLst/>
-                          <a:latin typeface="Century" panose="02040604050505020304" pitchFamily="18" charset="0"/>
-                          <a:ea typeface="ＭＳ 明朝" panose="02020609040205080304" pitchFamily="17" charset="-128"/>
-                          <a:cs typeface="Times New Roman" panose="02020603050405020304" pitchFamily="18" charset="0"/>
-                        </a:rPr>
-                        <a:t>４</a:t>
-                      </a:r>
-                      <a:endParaRPr lang="ja-JP" sz="1800" kern="100" dirty="0">
-                        <a:effectLst/>
-                        <a:latin typeface="Century" panose="02040604050505020304" pitchFamily="18" charset="0"/>
-                        <a:ea typeface="ＭＳ 明朝" panose="02020609040205080304" pitchFamily="17" charset="-128"/>
-                        <a:cs typeface="Times New Roman" panose="02020603050405020304" pitchFamily="18" charset="0"/>
-                      </a:endParaRPr>
-                    </a:p>
-                  </a:txBody>
-                  <a:tcPr marL="68580" marR="68580" marT="0" marB="0">
-                    <a:lnL>
-                      <a:noFill/>
-                    </a:lnL>
-                    <a:lnR w="12700" cap="flat" cmpd="sng" algn="ctr">
-                      <a:solidFill>
-                        <a:srgbClr val="000000"/>
-                      </a:solidFill>
-                      <a:prstDash val="solid"/>
-                      <a:round/>
-                      <a:headEnd type="none" w="med" len="med"/>
-                      <a:tailEnd type="none" w="med" len="med"/>
-                    </a:lnR>
-                    <a:lnT w="12700" cap="flat" cmpd="sng" algn="ctr">
-                      <a:solidFill>
-                        <a:srgbClr val="000000"/>
-                      </a:solidFill>
-                      <a:prstDash val="solid"/>
-                      <a:round/>
-                      <a:headEnd type="none" w="med" len="med"/>
-                      <a:tailEnd type="none" w="med" len="med"/>
-                    </a:lnT>
-                    <a:lnB w="12700" cap="flat" cmpd="sng" algn="ctr">
-                      <a:solidFill>
-                        <a:srgbClr val="000000"/>
-                      </a:solidFill>
-                      <a:prstDash val="solid"/>
-                      <a:round/>
-                      <a:headEnd type="none" w="med" len="med"/>
-                      <a:tailEnd type="none" w="med" len="med"/>
-                    </a:lnB>
-                  </a:tcPr>
-                </a:tc>
-                <a:tc>
-                  <a:txBody>
-                    <a:bodyPr/>
-                    <a:lstStyle/>
-                    <a:p>
-                      <a:pPr algn="just">
+                      <a:pPr algn="ctr">
                         <a:spcAft>
                           <a:spcPts val="0"/>
                         </a:spcAft>
@@ -12723,22 +13705,28 @@
                       </a:endParaRPr>
                     </a:p>
                   </a:txBody>
-                  <a:tcPr marL="68580" marR="68580" marT="0" marB="0">
+                  <a:tcPr marL="68580" marR="68580" marT="0" marB="0" anchor="ctr">
                     <a:lnL w="12700" cap="flat" cmpd="sng" algn="ctr">
                       <a:solidFill>
-                        <a:srgbClr val="000000"/>
+                        <a:schemeClr val="tx1"/>
                       </a:solidFill>
                       <a:prstDash val="solid"/>
                       <a:round/>
                       <a:headEnd type="none" w="med" len="med"/>
                       <a:tailEnd type="none" w="med" len="med"/>
                     </a:lnL>
-                    <a:lnR>
-                      <a:noFill/>
+                    <a:lnR w="12700" cap="flat" cmpd="sng" algn="ctr">
+                      <a:solidFill>
+                        <a:schemeClr val="tx1"/>
+                      </a:solidFill>
+                      <a:prstDash val="solid"/>
+                      <a:round/>
+                      <a:headEnd type="none" w="med" len="med"/>
+                      <a:tailEnd type="none" w="med" len="med"/>
                     </a:lnR>
                     <a:lnT w="12700" cap="flat" cmpd="sng" algn="ctr">
                       <a:solidFill>
-                        <a:srgbClr val="000000"/>
+                        <a:schemeClr val="tx1"/>
                       </a:solidFill>
                       <a:prstDash val="solid"/>
                       <a:round/>
@@ -12747,7 +13735,7 @@
                     </a:lnT>
                     <a:lnB w="12700" cap="flat" cmpd="sng" algn="ctr">
                       <a:solidFill>
-                        <a:srgbClr val="000000"/>
+                        <a:schemeClr val="tx1"/>
                       </a:solidFill>
                       <a:prstDash val="solid"/>
                       <a:round/>
@@ -12799,13 +13787,13 @@
           <p:nvPr>
             <p:extLst>
               <p:ext uri="{D42A27DB-BD31-4B8C-83A1-F6EECF244321}">
-                <p14:modId xmlns:p14="http://schemas.microsoft.com/office/powerpoint/2010/main" val="2666894657"/>
+                <p14:modId xmlns:p14="http://schemas.microsoft.com/office/powerpoint/2010/main" val="1489490208"/>
               </p:ext>
             </p:extLst>
           </p:nvPr>
         </p:nvGraphicFramePr>
         <p:xfrm>
-          <a:off x="941762" y="4644052"/>
+          <a:off x="972242" y="5085608"/>
           <a:ext cx="3048913" cy="274320"/>
         </p:xfrm>
         <a:graphic>
@@ -12841,7 +13829,7 @@
                     <a:bodyPr/>
                     <a:lstStyle/>
                     <a:p>
-                      <a:pPr algn="just">
+                      <a:pPr algn="ctr">
                         <a:spcAft>
                           <a:spcPts val="0"/>
                         </a:spcAft>
@@ -12907,7 +13895,7 @@
                     <a:bodyPr/>
                     <a:lstStyle/>
                     <a:p>
-                      <a:pPr algn="just">
+                      <a:pPr algn="ctr">
                         <a:spcAft>
                           <a:spcPts val="0"/>
                         </a:spcAft>
@@ -12973,7 +13961,7 @@
                     <a:bodyPr/>
                     <a:lstStyle/>
                     <a:p>
-                      <a:pPr algn="just">
+                      <a:pPr algn="ctr">
                         <a:spcAft>
                           <a:spcPts val="0"/>
                         </a:spcAft>
@@ -13053,13 +14041,13 @@
           <p:nvPr>
             <p:extLst>
               <p:ext uri="{D42A27DB-BD31-4B8C-83A1-F6EECF244321}">
-                <p14:modId xmlns:p14="http://schemas.microsoft.com/office/powerpoint/2010/main" val="255529913"/>
+                <p14:modId xmlns:p14="http://schemas.microsoft.com/office/powerpoint/2010/main" val="1378327355"/>
               </p:ext>
             </p:extLst>
           </p:nvPr>
         </p:nvGraphicFramePr>
         <p:xfrm>
-          <a:off x="4598785" y="4640495"/>
+          <a:off x="4770220" y="5088763"/>
           <a:ext cx="3410104" cy="274320"/>
         </p:xfrm>
         <a:graphic>
@@ -13095,13 +14083,13 @@
                     <a:bodyPr/>
                     <a:lstStyle/>
                     <a:p>
-                      <a:pPr algn="just">
+                      <a:pPr algn="ctr">
                         <a:spcAft>
                           <a:spcPts val="0"/>
                         </a:spcAft>
                       </a:pPr>
                       <a:r>
-                        <a:rPr lang="en-US" sz="1800" kern="100">
+                        <a:rPr lang="en-US" sz="1800" kern="100" dirty="0">
                           <a:effectLst/>
                           <a:latin typeface="Century" panose="02040604050505020304" pitchFamily="18" charset="0"/>
                           <a:ea typeface="ＭＳ 明朝" panose="02020609040205080304" pitchFamily="17" charset="-128"/>
@@ -13109,7 +14097,7 @@
                         </a:rPr>
                         <a:t>for</a:t>
                       </a:r>
-                      <a:endParaRPr lang="ja-JP" sz="1800" kern="100">
+                      <a:endParaRPr lang="ja-JP" sz="1800" kern="100" dirty="0">
                         <a:effectLst/>
                         <a:latin typeface="Century" panose="02040604050505020304" pitchFamily="18" charset="0"/>
                         <a:ea typeface="ＭＳ 明朝" panose="02020609040205080304" pitchFamily="17" charset="-128"/>
@@ -13161,7 +14149,7 @@
                     <a:bodyPr/>
                     <a:lstStyle/>
                     <a:p>
-                      <a:pPr algn="just">
+                      <a:pPr algn="ctr">
                         <a:spcAft>
                           <a:spcPts val="0"/>
                         </a:spcAft>
@@ -13227,7 +14215,7 @@
                     <a:bodyPr/>
                     <a:lstStyle/>
                     <a:p>
-                      <a:pPr algn="just">
+                      <a:pPr algn="ctr">
                         <a:spcAft>
                           <a:spcPts val="0"/>
                         </a:spcAft>
@@ -13306,7 +14294,7 @@
         </p:nvSpPr>
         <p:spPr>
           <a:xfrm>
-            <a:off x="3673388" y="1494803"/>
+            <a:off x="3929371" y="1565259"/>
             <a:ext cx="1338828" cy="369332"/>
           </a:xfrm>
           <a:prstGeom prst="rect">
@@ -13458,7 +14446,7 @@
         </p:nvSpPr>
         <p:spPr>
           <a:xfrm>
-            <a:off x="772378" y="5134226"/>
+            <a:off x="730452" y="5654974"/>
             <a:ext cx="3419478" cy="646331"/>
           </a:xfrm>
           <a:prstGeom prst="rect">
@@ -13502,7 +14490,7 @@
         </p:nvSpPr>
         <p:spPr>
           <a:xfrm>
-            <a:off x="4561574" y="5093613"/>
+            <a:off x="4588635" y="5635066"/>
             <a:ext cx="3773275" cy="646331"/>
           </a:xfrm>
           <a:prstGeom prst="rect">
@@ -13532,6 +14520,66 @@
               <a:t>を選ぶ必要がある</a:t>
             </a:r>
             <a:endParaRPr kumimoji="1" lang="en-US" altLang="ja-JP" dirty="0"/>
+          </a:p>
+        </p:txBody>
+      </p:sp>
+      <p:sp>
+        <p:nvSpPr>
+          <p:cNvPr id="9" name="テキスト ボックス 8"/>
+          <p:cNvSpPr txBox="1"/>
+          <p:nvPr/>
+        </p:nvSpPr>
+        <p:spPr>
+          <a:xfrm>
+            <a:off x="673122" y="4428610"/>
+            <a:ext cx="3647152" cy="369332"/>
+          </a:xfrm>
+          <a:prstGeom prst="rect">
+            <a:avLst/>
+          </a:prstGeom>
+          <a:noFill/>
+        </p:spPr>
+        <p:txBody>
+          <a:bodyPr wrap="none" rtlCol="0">
+            <a:spAutoFit/>
+          </a:bodyPr>
+          <a:lstStyle/>
+          <a:p>
+            <a:r>
+              <a:rPr kumimoji="1" lang="ja-JP" altLang="en-US" dirty="0" smtClean="0"/>
+              <a:t>同一のグループから選択肢が決定</a:t>
+            </a:r>
+            <a:endParaRPr kumimoji="1" lang="ja-JP" altLang="en-US" dirty="0"/>
+          </a:p>
+        </p:txBody>
+      </p:sp>
+      <p:sp>
+        <p:nvSpPr>
+          <p:cNvPr id="10" name="テキスト ボックス 9"/>
+          <p:cNvSpPr txBox="1"/>
+          <p:nvPr/>
+        </p:nvSpPr>
+        <p:spPr>
+          <a:xfrm>
+            <a:off x="4643379" y="4428610"/>
+            <a:ext cx="3647152" cy="369332"/>
+          </a:xfrm>
+          <a:prstGeom prst="rect">
+            <a:avLst/>
+          </a:prstGeom>
+          <a:noFill/>
+        </p:spPr>
+        <p:txBody>
+          <a:bodyPr wrap="none" rtlCol="0">
+            <a:spAutoFit/>
+          </a:bodyPr>
+          <a:lstStyle/>
+          <a:p>
+            <a:r>
+              <a:rPr kumimoji="1" lang="ja-JP" altLang="en-US" dirty="0" smtClean="0"/>
+              <a:t>同一でない単語をランダムに抽出</a:t>
+            </a:r>
+            <a:endParaRPr kumimoji="1" lang="ja-JP" altLang="en-US" dirty="0"/>
           </a:p>
         </p:txBody>
       </p:sp>
@@ -13657,7 +14705,7 @@
           <p:nvPr>
             <p:extLst>
               <p:ext uri="{D42A27DB-BD31-4B8C-83A1-F6EECF244321}">
-                <p14:modId xmlns:p14="http://schemas.microsoft.com/office/powerpoint/2010/main" val="706151257"/>
+                <p14:modId xmlns:p14="http://schemas.microsoft.com/office/powerpoint/2010/main" val="1086740204"/>
               </p:ext>
             </p:extLst>
           </p:nvPr>
@@ -13973,8 +15021,23 @@
                           <a:ea typeface="ＭＳ 明朝" panose="02020609040205080304" pitchFamily="17" charset="-128"/>
                           <a:cs typeface="Times New Roman" panose="02020603050405020304" pitchFamily="18" charset="0"/>
                         </a:rPr>
-                        <a:t>正解となる解答が選択肢に入っている．</a:t>
+                        <a:t>正解となる解答が選択肢に入って</a:t>
                       </a:r>
+                      <a:r>
+                        <a:rPr lang="ja-JP" sz="1600" kern="100" dirty="0" smtClean="0">
+                          <a:effectLst/>
+                          <a:latin typeface="Century" panose="02040604050505020304" pitchFamily="18" charset="0"/>
+                          <a:ea typeface="ＭＳ 明朝" panose="02020609040205080304" pitchFamily="17" charset="-128"/>
+                          <a:cs typeface="Times New Roman" panose="02020603050405020304" pitchFamily="18" charset="0"/>
+                        </a:rPr>
+                        <a:t>いる</a:t>
+                      </a:r>
+                      <a:endParaRPr lang="ja-JP" sz="1600" kern="100" dirty="0">
+                        <a:effectLst/>
+                        <a:latin typeface="Century" panose="02040604050505020304" pitchFamily="18" charset="0"/>
+                        <a:ea typeface="ＭＳ 明朝" panose="02020609040205080304" pitchFamily="17" charset="-128"/>
+                        <a:cs typeface="Times New Roman" panose="02020603050405020304" pitchFamily="18" charset="0"/>
+                      </a:endParaRPr>
                     </a:p>
                   </a:txBody>
                   <a:tcPr marL="51435" marR="51435" marT="0" marB="0">
@@ -14166,8 +15229,23 @@
                           <a:ea typeface="ＭＳ 明朝" panose="02020609040205080304" pitchFamily="17" charset="-128"/>
                           <a:cs typeface="Times New Roman" panose="02020603050405020304" pitchFamily="18" charset="0"/>
                         </a:rPr>
-                        <a:t>設問内で選択肢が複数かぶっていない．</a:t>
+                        <a:t>設問内で選択肢が複数かぶって</a:t>
                       </a:r>
+                      <a:r>
+                        <a:rPr lang="ja-JP" sz="1600" kern="100" dirty="0" smtClean="0">
+                          <a:effectLst/>
+                          <a:latin typeface="Century" panose="02040604050505020304" pitchFamily="18" charset="0"/>
+                          <a:ea typeface="ＭＳ 明朝" panose="02020609040205080304" pitchFamily="17" charset="-128"/>
+                          <a:cs typeface="Times New Roman" panose="02020603050405020304" pitchFamily="18" charset="0"/>
+                        </a:rPr>
+                        <a:t>いない</a:t>
+                      </a:r>
+                      <a:endParaRPr lang="ja-JP" sz="1600" kern="100" dirty="0">
+                        <a:effectLst/>
+                        <a:latin typeface="Century" panose="02040604050505020304" pitchFamily="18" charset="0"/>
+                        <a:ea typeface="ＭＳ 明朝" panose="02020609040205080304" pitchFamily="17" charset="-128"/>
+                        <a:cs typeface="Times New Roman" panose="02020603050405020304" pitchFamily="18" charset="0"/>
+                      </a:endParaRPr>
                     </a:p>
                   </a:txBody>
                   <a:tcPr marL="51435" marR="51435" marT="0" marB="0">
@@ -14359,8 +15437,23 @@
                           <a:ea typeface="ＭＳ 明朝" panose="02020609040205080304" pitchFamily="17" charset="-128"/>
                           <a:cs typeface="Times New Roman" panose="02020603050405020304" pitchFamily="18" charset="0"/>
                         </a:rPr>
-                        <a:t>ブロックプログラミングより解答が推測できる．</a:t>
+                        <a:t>ブロックプログラミングより解答が推測</a:t>
                       </a:r>
+                      <a:r>
+                        <a:rPr lang="ja-JP" sz="1600" kern="100" dirty="0" smtClean="0">
+                          <a:effectLst/>
+                          <a:latin typeface="Century" panose="02040604050505020304" pitchFamily="18" charset="0"/>
+                          <a:ea typeface="ＭＳ 明朝" panose="02020609040205080304" pitchFamily="17" charset="-128"/>
+                          <a:cs typeface="Times New Roman" panose="02020603050405020304" pitchFamily="18" charset="0"/>
+                        </a:rPr>
+                        <a:t>できる</a:t>
+                      </a:r>
+                      <a:endParaRPr lang="ja-JP" sz="1600" kern="100" dirty="0">
+                        <a:effectLst/>
+                        <a:latin typeface="Century" panose="02040604050505020304" pitchFamily="18" charset="0"/>
+                        <a:ea typeface="ＭＳ 明朝" panose="02020609040205080304" pitchFamily="17" charset="-128"/>
+                        <a:cs typeface="Times New Roman" panose="02020603050405020304" pitchFamily="18" charset="0"/>
+                      </a:endParaRPr>
                     </a:p>
                   </a:txBody>
                   <a:tcPr marL="51435" marR="51435" marT="0" marB="0">
@@ -14562,15 +15655,6 @@
                           <a:cs typeface="Times New Roman" panose="02020603050405020304" pitchFamily="18" charset="0"/>
                         </a:rPr>
                         <a:t>種類</a:t>
-                      </a:r>
-                      <a:r>
-                        <a:rPr lang="ja-JP" altLang="en-US" sz="1600" kern="100" dirty="0" smtClean="0">
-                          <a:effectLst/>
-                          <a:latin typeface="Century" panose="02040604050505020304" pitchFamily="18" charset="0"/>
-                          <a:ea typeface="ＭＳ 明朝" panose="02020609040205080304" pitchFamily="17" charset="-128"/>
-                          <a:cs typeface="Times New Roman" panose="02020603050405020304" pitchFamily="18" charset="0"/>
-                        </a:rPr>
-                        <a:t>．</a:t>
                       </a:r>
                       <a:endParaRPr lang="ja-JP" sz="1600" kern="100" dirty="0">
                         <a:effectLst/>
@@ -14821,8 +15905,23 @@
                           <a:ea typeface="ＭＳ 明朝" panose="02020609040205080304" pitchFamily="17" charset="-128"/>
                           <a:cs typeface="Times New Roman" panose="02020603050405020304" pitchFamily="18" charset="0"/>
                         </a:rPr>
-                        <a:t>選択肢のみから正解が推測できない． </a:t>
+                        <a:t>選択肢のみから正解が推測</a:t>
                       </a:r>
+                      <a:r>
+                        <a:rPr lang="ja-JP" sz="1600" kern="100" dirty="0" smtClean="0">
+                          <a:effectLst/>
+                          <a:latin typeface="Century" panose="02040604050505020304" pitchFamily="18" charset="0"/>
+                          <a:ea typeface="ＭＳ 明朝" panose="02020609040205080304" pitchFamily="17" charset="-128"/>
+                          <a:cs typeface="Times New Roman" panose="02020603050405020304" pitchFamily="18" charset="0"/>
+                        </a:rPr>
+                        <a:t>できない</a:t>
+                      </a:r>
+                      <a:endParaRPr lang="ja-JP" sz="1600" kern="100" dirty="0">
+                        <a:effectLst/>
+                        <a:latin typeface="Century" panose="02040604050505020304" pitchFamily="18" charset="0"/>
+                        <a:ea typeface="ＭＳ 明朝" panose="02020609040205080304" pitchFamily="17" charset="-128"/>
+                        <a:cs typeface="Times New Roman" panose="02020603050405020304" pitchFamily="18" charset="0"/>
+                      </a:endParaRPr>
                     </a:p>
                   </a:txBody>
                   <a:tcPr marL="51435" marR="51435" marT="0" marB="0">
@@ -14963,6 +16062,30 @@
           </a:p>
         </p:txBody>
       </p:sp>
+      <p:pic>
+        <p:nvPicPr>
+          <p:cNvPr id="4" name="図 3"/>
+          <p:cNvPicPr>
+            <a:picLocks noChangeAspect="1"/>
+          </p:cNvPicPr>
+          <p:nvPr/>
+        </p:nvPicPr>
+        <p:blipFill>
+          <a:blip r:embed="rId3"/>
+          <a:stretch>
+            <a:fillRect/>
+          </a:stretch>
+        </p:blipFill>
+        <p:spPr>
+          <a:xfrm>
+            <a:off x="4572000" y="59254"/>
+            <a:ext cx="4507815" cy="1578604"/>
+          </a:xfrm>
+          <a:prstGeom prst="rect">
+            <a:avLst/>
+          </a:prstGeom>
+        </p:spPr>
+      </p:pic>
     </p:spTree>
     <p:extLst>
       <p:ext uri="{BB962C8B-B14F-4D97-AF65-F5344CB8AC3E}">

--- a/1821121_shimaoka_thesis.pptx
+++ b/1821121_shimaoka_thesis.pptx
@@ -213,7 +213,7 @@
           <a:p>
             <a:fld id="{79CC8B41-A965-44F6-A054-64E872A50930}" type="datetimeFigureOut">
               <a:rPr kumimoji="1" lang="ja-JP" altLang="en-US" smtClean="0"/>
-              <a:t>2022/1/21</a:t>
+              <a:t>2022/1/24</a:t>
             </a:fld>
             <a:endParaRPr kumimoji="1" lang="ja-JP" altLang="en-US"/>
           </a:p>
@@ -1427,7 +1427,6 @@
               <a:rPr lang="ja-JP" altLang="ja-JP" dirty="0" smtClean="0"/>
               <a:t>の提案システムに従って，以下のステップによって学習を行う．</a:t>
             </a:r>
-            <a:endParaRPr lang="ja-JP" altLang="ja-JP" dirty="0" smtClean="0"/>
           </a:p>
           <a:p>
             <a:r>
@@ -1996,7 +1995,7 @@
           <a:p>
             <a:fld id="{62998336-B3D8-4A03-A7A8-98421380C411}" type="datetime1">
               <a:rPr kumimoji="1" lang="ja-JP" altLang="en-US" smtClean="0"/>
-              <a:t>2022/1/21</a:t>
+              <a:t>2022/1/24</a:t>
             </a:fld>
             <a:endParaRPr kumimoji="1" lang="ja-JP" altLang="en-US"/>
           </a:p>
@@ -2210,7 +2209,7 @@
           <a:p>
             <a:fld id="{C588BEE9-F237-41A9-8549-3FFE47F058E3}" type="datetime1">
               <a:rPr kumimoji="1" lang="ja-JP" altLang="en-US" smtClean="0"/>
-              <a:t>2022/1/21</a:t>
+              <a:t>2022/1/24</a:t>
             </a:fld>
             <a:endParaRPr kumimoji="1" lang="ja-JP" altLang="en-US"/>
           </a:p>
@@ -2422,7 +2421,7 @@
           <a:p>
             <a:fld id="{9BC49434-F0AD-4853-A565-8CE0DB9424F6}" type="datetime1">
               <a:rPr kumimoji="1" lang="ja-JP" altLang="en-US" smtClean="0"/>
-              <a:t>2022/1/21</a:t>
+              <a:t>2022/1/24</a:t>
             </a:fld>
             <a:endParaRPr kumimoji="1" lang="ja-JP" altLang="en-US"/>
           </a:p>
@@ -2624,7 +2623,7 @@
           <a:p>
             <a:fld id="{34CF448A-F207-4C44-990B-BCEAFE1D6D1A}" type="datetime1">
               <a:rPr kumimoji="1" lang="ja-JP" altLang="en-US" smtClean="0"/>
-              <a:t>2022/1/21</a:t>
+              <a:t>2022/1/24</a:t>
             </a:fld>
             <a:endParaRPr kumimoji="1" lang="ja-JP" altLang="en-US"/>
           </a:p>
@@ -2880,7 +2879,7 @@
           <a:p>
             <a:fld id="{D55DCA4D-E17E-4710-BD0F-97F07703CCCE}" type="datetime1">
               <a:rPr kumimoji="1" lang="ja-JP" altLang="en-US" smtClean="0"/>
-              <a:t>2022/1/21</a:t>
+              <a:t>2022/1/24</a:t>
             </a:fld>
             <a:endParaRPr kumimoji="1" lang="ja-JP" altLang="en-US"/>
           </a:p>
@@ -3183,7 +3182,7 @@
           <a:p>
             <a:fld id="{ECA124AC-DF8D-4414-8A83-8C4A3A5BC6D8}" type="datetime1">
               <a:rPr kumimoji="1" lang="ja-JP" altLang="en-US" smtClean="0"/>
-              <a:t>2022/1/21</a:t>
+              <a:t>2022/1/24</a:t>
             </a:fld>
             <a:endParaRPr kumimoji="1" lang="ja-JP" altLang="en-US"/>
           </a:p>
@@ -3614,7 +3613,7 @@
           <a:p>
             <a:fld id="{995C31F4-206F-4561-92B9-CF990D583D10}" type="datetime1">
               <a:rPr kumimoji="1" lang="ja-JP" altLang="en-US" smtClean="0"/>
-              <a:t>2022/1/21</a:t>
+              <a:t>2022/1/24</a:t>
             </a:fld>
             <a:endParaRPr kumimoji="1" lang="ja-JP" altLang="en-US"/>
           </a:p>
@@ -3732,7 +3731,7 @@
           <a:p>
             <a:fld id="{087A34C8-B72C-4C88-90F5-054E72AA126B}" type="datetime1">
               <a:rPr kumimoji="1" lang="ja-JP" altLang="en-US" smtClean="0"/>
-              <a:t>2022/1/21</a:t>
+              <a:t>2022/1/24</a:t>
             </a:fld>
             <a:endParaRPr kumimoji="1" lang="ja-JP" altLang="en-US"/>
           </a:p>
@@ -3827,7 +3826,7 @@
           <a:p>
             <a:fld id="{02AAF6BD-BA6E-4E7D-9900-CDD88774F482}" type="datetime1">
               <a:rPr kumimoji="1" lang="ja-JP" altLang="en-US" smtClean="0"/>
-              <a:t>2022/1/21</a:t>
+              <a:t>2022/1/24</a:t>
             </a:fld>
             <a:endParaRPr kumimoji="1" lang="ja-JP" altLang="en-US"/>
           </a:p>
@@ -4136,7 +4135,7 @@
           <a:p>
             <a:fld id="{E89E35DA-E2A0-42EC-A447-4576C9BA3E6F}" type="datetime1">
               <a:rPr kumimoji="1" lang="ja-JP" altLang="en-US" smtClean="0"/>
-              <a:t>2022/1/21</a:t>
+              <a:t>2022/1/24</a:t>
             </a:fld>
             <a:endParaRPr kumimoji="1" lang="ja-JP" altLang="en-US"/>
           </a:p>
@@ -4393,7 +4392,7 @@
           <a:p>
             <a:fld id="{DEE6902A-E00C-4B09-8F69-8135A2ADC569}" type="datetime1">
               <a:rPr kumimoji="1" lang="ja-JP" altLang="en-US" smtClean="0"/>
-              <a:t>2022/1/21</a:t>
+              <a:t>2022/1/24</a:t>
             </a:fld>
             <a:endParaRPr kumimoji="1" lang="ja-JP" altLang="en-US"/>
           </a:p>
@@ -4638,7 +4637,7 @@
           <a:p>
             <a:fld id="{E69F29F6-FEAF-4263-A4BF-AB93D6A4CA4D}" type="datetime1">
               <a:rPr kumimoji="1" lang="ja-JP" altLang="en-US" smtClean="0"/>
-              <a:t>2022/1/21</a:t>
+              <a:t>2022/1/24</a:t>
             </a:fld>
             <a:endParaRPr kumimoji="1" lang="ja-JP" altLang="en-US"/>
           </a:p>
@@ -5181,14 +5180,7 @@
                 <a:latin typeface="ＭＳ ゴシック" panose="020B0609070205080204" pitchFamily="49" charset="-128"/>
                 <a:ea typeface="ＭＳ ゴシック" panose="020B0609070205080204" pitchFamily="49" charset="-128"/>
               </a:rPr>
-              <a:t>学籍</a:t>
-            </a:r>
-            <a:r>
-              <a:rPr kumimoji="1" lang="ja-JP" altLang="en-US" dirty="0" smtClean="0">
-                <a:latin typeface="ＭＳ ゴシック" panose="020B0609070205080204" pitchFamily="49" charset="-128"/>
-                <a:ea typeface="ＭＳ ゴシック" panose="020B0609070205080204" pitchFamily="49" charset="-128"/>
-              </a:rPr>
-              <a:t>番号：</a:t>
+              <a:t>学籍番号：</a:t>
             </a:r>
             <a:r>
               <a:rPr kumimoji="1" lang="en-US" altLang="ja-JP" dirty="0" smtClean="0">
@@ -5290,11 +5282,18 @@
           <a:lstStyle/>
           <a:p>
             <a:r>
+              <a:rPr kumimoji="1" lang="ja-JP" altLang="en-US" dirty="0" smtClean="0">
+                <a:latin typeface="ＭＳ ゴシック" panose="020B0609070205080204" pitchFamily="49" charset="-128"/>
+                <a:ea typeface="ＭＳ ゴシック" panose="020B0609070205080204" pitchFamily="49" charset="-128"/>
+              </a:rPr>
+              <a:t>２０２１年度</a:t>
+            </a:r>
+            <a:r>
               <a:rPr kumimoji="1" lang="ja-JP" altLang="en-US" dirty="0">
                 <a:latin typeface="ＭＳ ゴシック" panose="020B0609070205080204" pitchFamily="49" charset="-128"/>
                 <a:ea typeface="ＭＳ ゴシック" panose="020B0609070205080204" pitchFamily="49" charset="-128"/>
               </a:rPr>
-              <a:t>２０２１年度　神奈川工科大学情報学部情報工学科　</a:t>
+              <a:t>　神奈川工科大学情報学部情報工学科　</a:t>
             </a:r>
             <a:r>
               <a:rPr kumimoji="1" lang="ja-JP" altLang="en-US" dirty="0" smtClean="0">
@@ -6129,7 +6128,7 @@
                     <a:p>
                       <a:pPr algn="ctr" fontAlgn="ctr"/>
                       <a:r>
-                        <a:rPr lang="ja-JP" altLang="en-US" sz="1600" b="0" i="0" u="none" strike="noStrike">
+                        <a:rPr lang="ja-JP" altLang="en-US" sz="1600" b="0" i="0" u="none" strike="noStrike" dirty="0">
                           <a:solidFill>
                             <a:srgbClr val="000000"/>
                           </a:solidFill>
@@ -6426,7 +6425,7 @@
                     <a:p>
                       <a:pPr algn="r" fontAlgn="b"/>
                       <a:r>
-                        <a:rPr lang="en-US" altLang="ja-JP" sz="1600" b="0" i="0" u="none" strike="noStrike">
+                        <a:rPr lang="en-US" altLang="ja-JP" sz="1600" b="0" i="0" u="none" strike="noStrike" dirty="0">
                           <a:solidFill>
                             <a:srgbClr val="000000"/>
                           </a:solidFill>
@@ -7892,7 +7891,7 @@
                     <a:p>
                       <a:pPr algn="ctr" fontAlgn="ctr"/>
                       <a:r>
-                        <a:rPr lang="en-US" altLang="ja-JP" sz="1600" b="0" i="0" u="none" strike="noStrike">
+                        <a:rPr lang="en-US" altLang="ja-JP" sz="1600" b="0" i="0" u="none" strike="noStrike" dirty="0">
                           <a:solidFill>
                             <a:srgbClr val="000000"/>
                           </a:solidFill>
@@ -8690,7 +8689,7 @@
                     <a:p>
                       <a:pPr algn="ctr" fontAlgn="ctr"/>
                       <a:r>
-                        <a:rPr lang="ja-JP" altLang="en-US" sz="1600" b="0" i="0" u="none" strike="noStrike">
+                        <a:rPr lang="ja-JP" altLang="en-US" sz="1600" b="0" i="0" u="none" strike="noStrike" dirty="0">
                           <a:solidFill>
                             <a:srgbClr val="000000"/>
                           </a:solidFill>
@@ -10486,15 +10485,15 @@
             </a:r>
             <a:r>
               <a:rPr lang="ja-JP" altLang="ja-JP" dirty="0"/>
-              <a:t>からコーディング学習</a:t>
+              <a:t>から</a:t>
             </a:r>
             <a:r>
               <a:rPr lang="ja-JP" altLang="ja-JP" dirty="0" smtClean="0"/>
-              <a:t>の</a:t>
+              <a:t>コーディング</a:t>
             </a:r>
             <a:r>
               <a:rPr lang="ja-JP" altLang="en-US" dirty="0" smtClean="0"/>
-              <a:t>移行の</a:t>
+              <a:t>への移行の</a:t>
             </a:r>
             <a:r>
               <a:rPr lang="ja-JP" altLang="ja-JP" dirty="0" smtClean="0"/>
@@ -10502,7 +10501,31 @@
             </a:r>
             <a:r>
               <a:rPr lang="ja-JP" altLang="ja-JP" dirty="0"/>
-              <a:t>に適切に問題を生成可能であるか</a:t>
+              <a:t>に</a:t>
+            </a:r>
+            <a:r>
+              <a:rPr lang="ja-JP" altLang="ja-JP" dirty="0" smtClean="0"/>
+              <a:t>適切</a:t>
+            </a:r>
+            <a:r>
+              <a:rPr lang="ja-JP" altLang="en-US" dirty="0" smtClean="0"/>
+              <a:t>な</a:t>
+            </a:r>
+            <a:r>
+              <a:rPr lang="ja-JP" altLang="ja-JP" dirty="0" smtClean="0"/>
+              <a:t>問題</a:t>
+            </a:r>
+            <a:r>
+              <a:rPr lang="ja-JP" altLang="ja-JP" dirty="0"/>
+              <a:t>を生成可能であるか</a:t>
+            </a:r>
+            <a:r>
+              <a:rPr lang="ja-JP" altLang="ja-JP" dirty="0" smtClean="0"/>
+              <a:t>を評価</a:t>
+            </a:r>
+            <a:r>
+              <a:rPr lang="ja-JP" altLang="ja-JP" dirty="0"/>
+              <a:t>することで提案システムの実現可能性</a:t>
             </a:r>
             <a:r>
               <a:rPr lang="ja-JP" altLang="ja-JP" dirty="0" smtClean="0"/>
@@ -10510,31 +10533,7 @@
             </a:r>
             <a:r>
               <a:rPr lang="ja-JP" altLang="en-US" dirty="0" smtClean="0"/>
-              <a:t>，</a:t>
-            </a:r>
-            <a:r>
-              <a:rPr lang="ja-JP" altLang="ja-JP" dirty="0" smtClean="0"/>
-              <a:t>難易度</a:t>
-            </a:r>
-            <a:r>
-              <a:rPr lang="ja-JP" altLang="ja-JP" dirty="0"/>
-              <a:t>や出題基準の観点から評価することで提案システムの実現可能性</a:t>
-            </a:r>
-            <a:r>
-              <a:rPr lang="ja-JP" altLang="ja-JP" dirty="0" smtClean="0"/>
-              <a:t>を</a:t>
-            </a:r>
-            <a:r>
-              <a:rPr lang="ja-JP" altLang="en-US" dirty="0" smtClean="0"/>
-              <a:t>示</a:t>
-            </a:r>
-            <a:r>
-              <a:rPr lang="ja-JP" altLang="en-US" dirty="0" smtClean="0"/>
-              <a:t>した</a:t>
-            </a:r>
-            <a:r>
-              <a:rPr lang="ja-JP" altLang="en-US" dirty="0" smtClean="0"/>
-              <a:t>．</a:t>
+              <a:t>示した．</a:t>
             </a:r>
             <a:endParaRPr lang="ja-JP" altLang="en-US" dirty="0"/>
           </a:p>
@@ -11281,11 +11280,7 @@
             <a:pPr algn="just"/>
             <a:r>
               <a:rPr lang="ja-JP" altLang="ja-JP" dirty="0" smtClean="0"/>
-              <a:t>プログラミング</a:t>
-            </a:r>
-            <a:r>
-              <a:rPr lang="ja-JP" altLang="ja-JP" dirty="0" smtClean="0"/>
-              <a:t>教育</a:t>
+              <a:t>プログラミング教育</a:t>
             </a:r>
             <a:r>
               <a:rPr lang="ja-JP" altLang="en-US" dirty="0"/>
@@ -11329,11 +11324,19 @@
             <a:pPr algn="just"/>
             <a:r>
               <a:rPr lang="ja-JP" altLang="ja-JP" dirty="0" smtClean="0"/>
-              <a:t>実際</a:t>
+              <a:t>システム開発</a:t>
+            </a:r>
+            <a:r>
+              <a:rPr lang="ja-JP" altLang="en-US" dirty="0" smtClean="0"/>
+              <a:t>の現場</a:t>
+            </a:r>
+            <a:r>
+              <a:rPr lang="ja-JP" altLang="ja-JP" dirty="0" smtClean="0"/>
+              <a:t>ではプログラミング</a:t>
             </a:r>
             <a:r>
               <a:rPr lang="ja-JP" altLang="ja-JP" dirty="0"/>
-              <a:t>に運用されるシステム開発などでは，プログラミング言語を</a:t>
+              <a:t>言語を</a:t>
             </a:r>
             <a:r>
               <a:rPr lang="ja-JP" altLang="ja-JP" dirty="0" smtClean="0"/>
@@ -12037,15 +12040,7 @@
             </a:r>
             <a:r>
               <a:rPr lang="ja-JP" altLang="en-US" dirty="0" smtClean="0"/>
-              <a:t>と</a:t>
-            </a:r>
-            <a:r>
-              <a:rPr lang="ja-JP" altLang="en-US" dirty="0" smtClean="0"/>
-              <a:t>，空欄の穴埋め</a:t>
-            </a:r>
-            <a:r>
-              <a:rPr lang="ja-JP" altLang="en-US" dirty="0" smtClean="0"/>
-              <a:t>問題やワンパターン</a:t>
+              <a:t>と，空欄の穴埋め問題やワンパターン</a:t>
             </a:r>
             <a:r>
               <a:rPr lang="ja-JP" altLang="en-US" dirty="0"/>
@@ -12941,11 +12936,7 @@
           <a:p>
             <a:r>
               <a:rPr lang="ja-JP" altLang="en-US" sz="4000" dirty="0" smtClean="0"/>
-              <a:t>ブロックプログラミング</a:t>
-            </a:r>
-            <a:r>
-              <a:rPr lang="ja-JP" altLang="en-US" sz="4000" dirty="0" smtClean="0"/>
-              <a:t>との連携</a:t>
+              <a:t>ブロックプログラミングとの連携</a:t>
             </a:r>
             <a:endParaRPr kumimoji="1" lang="ja-JP" altLang="en-US" sz="4000" dirty="0"/>
           </a:p>
@@ -14399,7 +14390,15 @@
                 <a:ea typeface="ＭＳ 明朝" panose="02020609040205080304" pitchFamily="17" charset="-128"/>
                 <a:cs typeface="Times New Roman" panose="02020603050405020304" pitchFamily="18" charset="0"/>
               </a:rPr>
-              <a:t>異なるグループ</a:t>
+              <a:t>異なる</a:t>
+            </a:r>
+            <a:r>
+              <a:rPr lang="ja-JP" altLang="ja-JP" dirty="0" smtClean="0">
+                <a:latin typeface="Century" panose="02040604050505020304" pitchFamily="18" charset="0"/>
+                <a:ea typeface="ＭＳ 明朝" panose="02020609040205080304" pitchFamily="17" charset="-128"/>
+                <a:cs typeface="Times New Roman" panose="02020603050405020304" pitchFamily="18" charset="0"/>
+              </a:rPr>
+              <a:t>グループ</a:t>
             </a:r>
             <a:endParaRPr lang="ja-JP" altLang="en-US" dirty="0"/>
           </a:p>
@@ -14561,8 +14560,8 @@
         </p:nvSpPr>
         <p:spPr>
           <a:xfrm>
-            <a:off x="4643379" y="4428610"/>
-            <a:ext cx="3647152" cy="369332"/>
+            <a:off x="5297987" y="4397278"/>
+            <a:ext cx="2492990" cy="646331"/>
           </a:xfrm>
           <a:prstGeom prst="rect">
             <a:avLst/>
@@ -14577,7 +14576,18 @@
           <a:p>
             <a:r>
               <a:rPr kumimoji="1" lang="ja-JP" altLang="en-US" dirty="0" smtClean="0"/>
-              <a:t>同一でない単語をランダムに抽出</a:t>
+              <a:t>異なるグループ間での</a:t>
+            </a:r>
+            <a:endParaRPr kumimoji="1" lang="en-US" altLang="ja-JP" dirty="0" smtClean="0"/>
+          </a:p>
+          <a:p>
+            <a:r>
+              <a:rPr kumimoji="1" lang="ja-JP" altLang="en-US" dirty="0" smtClean="0"/>
+              <a:t>単語</a:t>
+            </a:r>
+            <a:r>
+              <a:rPr kumimoji="1" lang="ja-JP" altLang="en-US" dirty="0" smtClean="0"/>
+              <a:t>をランダムに抽出</a:t>
             </a:r>
             <a:endParaRPr kumimoji="1" lang="ja-JP" altLang="en-US" dirty="0"/>
           </a:p>
@@ -14674,11 +14684,7 @@
             </a:r>
             <a:r>
               <a:rPr lang="ja-JP" altLang="ja-JP" dirty="0" smtClean="0"/>
-              <a:t>問題</a:t>
-            </a:r>
-            <a:r>
-              <a:rPr lang="ja-JP" altLang="ja-JP" dirty="0" smtClean="0"/>
-              <a:t>を</a:t>
+              <a:t>問題を</a:t>
             </a:r>
             <a:r>
               <a:rPr lang="ja-JP" altLang="en-US" dirty="0" smtClean="0"/>

--- a/1821121_shimaoka_thesis.pptx
+++ b/1821121_shimaoka_thesis.pptx
@@ -213,7 +213,7 @@
           <a:p>
             <a:fld id="{79CC8B41-A965-44F6-A054-64E872A50930}" type="datetimeFigureOut">
               <a:rPr kumimoji="1" lang="ja-JP" altLang="en-US" smtClean="0"/>
-              <a:t>2022/1/24</a:t>
+              <a:t>2022/1/25</a:t>
             </a:fld>
             <a:endParaRPr kumimoji="1" lang="ja-JP" altLang="en-US"/>
           </a:p>
@@ -1995,7 +1995,7 @@
           <a:p>
             <a:fld id="{62998336-B3D8-4A03-A7A8-98421380C411}" type="datetime1">
               <a:rPr kumimoji="1" lang="ja-JP" altLang="en-US" smtClean="0"/>
-              <a:t>2022/1/24</a:t>
+              <a:t>2022/1/25</a:t>
             </a:fld>
             <a:endParaRPr kumimoji="1" lang="ja-JP" altLang="en-US"/>
           </a:p>
@@ -2209,7 +2209,7 @@
           <a:p>
             <a:fld id="{C588BEE9-F237-41A9-8549-3FFE47F058E3}" type="datetime1">
               <a:rPr kumimoji="1" lang="ja-JP" altLang="en-US" smtClean="0"/>
-              <a:t>2022/1/24</a:t>
+              <a:t>2022/1/25</a:t>
             </a:fld>
             <a:endParaRPr kumimoji="1" lang="ja-JP" altLang="en-US"/>
           </a:p>
@@ -2421,7 +2421,7 @@
           <a:p>
             <a:fld id="{9BC49434-F0AD-4853-A565-8CE0DB9424F6}" type="datetime1">
               <a:rPr kumimoji="1" lang="ja-JP" altLang="en-US" smtClean="0"/>
-              <a:t>2022/1/24</a:t>
+              <a:t>2022/1/25</a:t>
             </a:fld>
             <a:endParaRPr kumimoji="1" lang="ja-JP" altLang="en-US"/>
           </a:p>
@@ -2623,7 +2623,7 @@
           <a:p>
             <a:fld id="{34CF448A-F207-4C44-990B-BCEAFE1D6D1A}" type="datetime1">
               <a:rPr kumimoji="1" lang="ja-JP" altLang="en-US" smtClean="0"/>
-              <a:t>2022/1/24</a:t>
+              <a:t>2022/1/25</a:t>
             </a:fld>
             <a:endParaRPr kumimoji="1" lang="ja-JP" altLang="en-US"/>
           </a:p>
@@ -2879,7 +2879,7 @@
           <a:p>
             <a:fld id="{D55DCA4D-E17E-4710-BD0F-97F07703CCCE}" type="datetime1">
               <a:rPr kumimoji="1" lang="ja-JP" altLang="en-US" smtClean="0"/>
-              <a:t>2022/1/24</a:t>
+              <a:t>2022/1/25</a:t>
             </a:fld>
             <a:endParaRPr kumimoji="1" lang="ja-JP" altLang="en-US"/>
           </a:p>
@@ -3182,7 +3182,7 @@
           <a:p>
             <a:fld id="{ECA124AC-DF8D-4414-8A83-8C4A3A5BC6D8}" type="datetime1">
               <a:rPr kumimoji="1" lang="ja-JP" altLang="en-US" smtClean="0"/>
-              <a:t>2022/1/24</a:t>
+              <a:t>2022/1/25</a:t>
             </a:fld>
             <a:endParaRPr kumimoji="1" lang="ja-JP" altLang="en-US"/>
           </a:p>
@@ -3613,7 +3613,7 @@
           <a:p>
             <a:fld id="{995C31F4-206F-4561-92B9-CF990D583D10}" type="datetime1">
               <a:rPr kumimoji="1" lang="ja-JP" altLang="en-US" smtClean="0"/>
-              <a:t>2022/1/24</a:t>
+              <a:t>2022/1/25</a:t>
             </a:fld>
             <a:endParaRPr kumimoji="1" lang="ja-JP" altLang="en-US"/>
           </a:p>
@@ -3731,7 +3731,7 @@
           <a:p>
             <a:fld id="{087A34C8-B72C-4C88-90F5-054E72AA126B}" type="datetime1">
               <a:rPr kumimoji="1" lang="ja-JP" altLang="en-US" smtClean="0"/>
-              <a:t>2022/1/24</a:t>
+              <a:t>2022/1/25</a:t>
             </a:fld>
             <a:endParaRPr kumimoji="1" lang="ja-JP" altLang="en-US"/>
           </a:p>
@@ -3826,7 +3826,7 @@
           <a:p>
             <a:fld id="{02AAF6BD-BA6E-4E7D-9900-CDD88774F482}" type="datetime1">
               <a:rPr kumimoji="1" lang="ja-JP" altLang="en-US" smtClean="0"/>
-              <a:t>2022/1/24</a:t>
+              <a:t>2022/1/25</a:t>
             </a:fld>
             <a:endParaRPr kumimoji="1" lang="ja-JP" altLang="en-US"/>
           </a:p>
@@ -4135,7 +4135,7 @@
           <a:p>
             <a:fld id="{E89E35DA-E2A0-42EC-A447-4576C9BA3E6F}" type="datetime1">
               <a:rPr kumimoji="1" lang="ja-JP" altLang="en-US" smtClean="0"/>
-              <a:t>2022/1/24</a:t>
+              <a:t>2022/1/25</a:t>
             </a:fld>
             <a:endParaRPr kumimoji="1" lang="ja-JP" altLang="en-US"/>
           </a:p>
@@ -4392,7 +4392,7 @@
           <a:p>
             <a:fld id="{DEE6902A-E00C-4B09-8F69-8135A2ADC569}" type="datetime1">
               <a:rPr kumimoji="1" lang="ja-JP" altLang="en-US" smtClean="0"/>
-              <a:t>2022/1/24</a:t>
+              <a:t>2022/1/25</a:t>
             </a:fld>
             <a:endParaRPr kumimoji="1" lang="ja-JP" altLang="en-US"/>
           </a:p>
@@ -4637,7 +4637,7 @@
           <a:p>
             <a:fld id="{E69F29F6-FEAF-4263-A4BF-AB93D6A4CA4D}" type="datetime1">
               <a:rPr kumimoji="1" lang="ja-JP" altLang="en-US" smtClean="0"/>
-              <a:t>2022/1/24</a:t>
+              <a:t>2022/1/25</a:t>
             </a:fld>
             <a:endParaRPr kumimoji="1" lang="ja-JP" altLang="en-US"/>
           </a:p>
@@ -9477,28 +9477,28 @@
           <p:nvPr>
             <p:extLst>
               <p:ext uri="{D42A27DB-BD31-4B8C-83A1-F6EECF244321}">
-                <p14:modId xmlns:p14="http://schemas.microsoft.com/office/powerpoint/2010/main" val="1116482672"/>
+                <p14:modId xmlns:p14="http://schemas.microsoft.com/office/powerpoint/2010/main" val="3260879843"/>
               </p:ext>
             </p:extLst>
           </p:nvPr>
         </p:nvGraphicFramePr>
         <p:xfrm>
-          <a:off x="4370311" y="314342"/>
-          <a:ext cx="4591906" cy="1950720"/>
+          <a:off x="5017062" y="271337"/>
+          <a:ext cx="4066536" cy="2194560"/>
         </p:xfrm>
         <a:graphic>
           <a:graphicData uri="http://schemas.openxmlformats.org/drawingml/2006/table">
             <a:tbl>
               <a:tblPr firstRow="1" firstCol="1" bandRow="1"/>
               <a:tblGrid>
-                <a:gridCol w="530732">
+                <a:gridCol w="470009">
                   <a:extLst>
                     <a:ext uri="{9D8B030D-6E8A-4147-A177-3AD203B41FA5}">
                       <a16:colId xmlns:a16="http://schemas.microsoft.com/office/drawing/2014/main" val="693776343"/>
                     </a:ext>
                   </a:extLst>
                 </a:gridCol>
-                <a:gridCol w="4061174">
+                <a:gridCol w="3596527">
                   <a:extLst>
                     <a:ext uri="{9D8B030D-6E8A-4147-A177-3AD203B41FA5}">
                       <a16:colId xmlns:a16="http://schemas.microsoft.com/office/drawing/2014/main" val="610107544"/>
@@ -10326,8 +10326,8 @@
         </p:nvSpPr>
         <p:spPr>
           <a:xfrm>
-            <a:off x="513845" y="1469636"/>
-            <a:ext cx="3309541" cy="1200329"/>
+            <a:off x="165887" y="1456550"/>
+            <a:ext cx="4665057" cy="1200329"/>
           </a:xfrm>
           <a:prstGeom prst="rect">
             <a:avLst/>
@@ -10359,7 +10359,11 @@
             </a:pPr>
             <a:r>
               <a:rPr kumimoji="1" lang="ja-JP" altLang="en-US" dirty="0" smtClean="0"/>
-              <a:t>問題生成システムが正しく動作している</a:t>
+              <a:t>問題生成システムが正しく動作して</a:t>
+            </a:r>
+            <a:r>
+              <a:rPr kumimoji="1" lang="ja-JP" altLang="en-US" dirty="0" smtClean="0"/>
+              <a:t>いる．</a:t>
             </a:r>
             <a:endParaRPr kumimoji="1" lang="en-US" altLang="ja-JP" dirty="0" smtClean="0"/>
           </a:p>
@@ -10370,7 +10374,26 @@
             </a:pPr>
             <a:r>
               <a:rPr kumimoji="1" lang="ja-JP" altLang="en-US" dirty="0" smtClean="0"/>
-              <a:t>選択肢生成は約８割が基準を超えた精度で生成</a:t>
+              <a:t>選択肢生成は約８割が基準を超えた精度で</a:t>
+            </a:r>
+            <a:r>
+              <a:rPr kumimoji="1" lang="ja-JP" altLang="en-US" dirty="0" smtClean="0"/>
+              <a:t>生成されている．</a:t>
+            </a:r>
+            <a:endParaRPr kumimoji="1" lang="en-US" altLang="ja-JP" dirty="0" smtClean="0"/>
+          </a:p>
+          <a:p>
+            <a:pPr marL="285750" indent="-285750">
+              <a:buFont typeface="Arial" panose="020B0604020202020204" pitchFamily="34" charset="0"/>
+              <a:buChar char="•"/>
+            </a:pPr>
+            <a:r>
+              <a:rPr kumimoji="1" lang="ja-JP" altLang="en-US" dirty="0" smtClean="0"/>
+              <a:t>複数種類にわたって出題</a:t>
+            </a:r>
+            <a:r>
+              <a:rPr kumimoji="1" lang="ja-JP" altLang="en-US" smtClean="0"/>
+              <a:t>されている．</a:t>
             </a:r>
             <a:endParaRPr kumimoji="1" lang="ja-JP" altLang="en-US" dirty="0"/>
           </a:p>
@@ -14390,15 +14413,7 @@
                 <a:ea typeface="ＭＳ 明朝" panose="02020609040205080304" pitchFamily="17" charset="-128"/>
                 <a:cs typeface="Times New Roman" panose="02020603050405020304" pitchFamily="18" charset="0"/>
               </a:rPr>
-              <a:t>異なる</a:t>
-            </a:r>
-            <a:r>
-              <a:rPr lang="ja-JP" altLang="ja-JP" dirty="0" smtClean="0">
-                <a:latin typeface="Century" panose="02040604050505020304" pitchFamily="18" charset="0"/>
-                <a:ea typeface="ＭＳ 明朝" panose="02020609040205080304" pitchFamily="17" charset="-128"/>
-                <a:cs typeface="Times New Roman" panose="02020603050405020304" pitchFamily="18" charset="0"/>
-              </a:rPr>
-              <a:t>グループ</a:t>
+              <a:t>異なるグループ</a:t>
             </a:r>
             <a:endParaRPr lang="ja-JP" altLang="en-US" dirty="0"/>
           </a:p>
@@ -14583,13 +14598,43 @@
           <a:p>
             <a:r>
               <a:rPr kumimoji="1" lang="ja-JP" altLang="en-US" dirty="0" smtClean="0"/>
-              <a:t>単語</a:t>
-            </a:r>
-            <a:r>
-              <a:rPr kumimoji="1" lang="ja-JP" altLang="en-US" dirty="0" smtClean="0"/>
-              <a:t>をランダムに抽出</a:t>
+              <a:t>単語をランダムに抽出</a:t>
             </a:r>
             <a:endParaRPr kumimoji="1" lang="ja-JP" altLang="en-US" dirty="0"/>
+          </a:p>
+        </p:txBody>
+      </p:sp>
+      <p:sp>
+        <p:nvSpPr>
+          <p:cNvPr id="8" name="正方形/長方形 7"/>
+          <p:cNvSpPr/>
+          <p:nvPr/>
+        </p:nvSpPr>
+        <p:spPr>
+          <a:xfrm>
+            <a:off x="5297987" y="632070"/>
+            <a:ext cx="3619201" cy="461665"/>
+          </a:xfrm>
+          <a:prstGeom prst="rect">
+            <a:avLst/>
+          </a:prstGeom>
+          <a:ln w="28575">
+            <a:solidFill>
+              <a:schemeClr val="tx1"/>
+            </a:solidFill>
+          </a:ln>
+        </p:spPr>
+        <p:txBody>
+          <a:bodyPr wrap="square">
+            <a:spAutoFit/>
+          </a:bodyPr>
+          <a:lstStyle/>
+          <a:p>
+            <a:r>
+              <a:rPr lang="ja-JP" altLang="ja-JP" sz="2400" dirty="0"/>
+              <a:t>変化に富んだ問題を生成</a:t>
+            </a:r>
+            <a:endParaRPr lang="ja-JP" altLang="en-US" sz="2400" dirty="0"/>
           </a:p>
         </p:txBody>
       </p:sp>
@@ -14665,7 +14710,7 @@
         </p:nvSpPr>
         <p:spPr>
           <a:xfrm>
-            <a:off x="628650" y="1690689"/>
+            <a:off x="628650" y="1504572"/>
             <a:ext cx="7886700" cy="4351338"/>
           </a:xfrm>
         </p:spPr>
@@ -14684,11 +14729,11 @@
             </a:r>
             <a:r>
               <a:rPr lang="ja-JP" altLang="ja-JP" dirty="0" smtClean="0"/>
-              <a:t>問題を</a:t>
+              <a:t>問題</a:t>
             </a:r>
             <a:r>
               <a:rPr lang="ja-JP" altLang="en-US" dirty="0" smtClean="0"/>
-              <a:t>，以下</a:t>
+              <a:t>は，変化に富んだ選択肢生成ができているのか，以下</a:t>
             </a:r>
             <a:r>
               <a:rPr lang="ja-JP" altLang="ja-JP" dirty="0"/>
@@ -14711,13 +14756,13 @@
           <p:nvPr>
             <p:extLst>
               <p:ext uri="{D42A27DB-BD31-4B8C-83A1-F6EECF244321}">
-                <p14:modId xmlns:p14="http://schemas.microsoft.com/office/powerpoint/2010/main" val="1086740204"/>
+                <p14:modId xmlns:p14="http://schemas.microsoft.com/office/powerpoint/2010/main" val="3829997505"/>
               </p:ext>
             </p:extLst>
           </p:nvPr>
         </p:nvGraphicFramePr>
         <p:xfrm>
-          <a:off x="1221263" y="3752460"/>
+          <a:off x="1112656" y="3405576"/>
           <a:ext cx="6918688" cy="2535247"/>
         </p:xfrm>
         <a:graphic>
@@ -14775,7 +14820,7 @@
                       </a:endParaRPr>
                     </a:p>
                   </a:txBody>
-                  <a:tcPr marL="51435" marR="51435" marT="0" marB="0">
+                  <a:tcPr marL="51435" marR="51435" marT="0" marB="0" anchor="ctr">
                     <a:lnL w="12700" cap="flat" cmpd="sng" algn="ctr">
                       <a:solidFill>
                         <a:schemeClr val="tx1"/>
@@ -14844,7 +14889,7 @@
                       </a:r>
                     </a:p>
                   </a:txBody>
-                  <a:tcPr marL="51435" marR="51435" marT="0" marB="0">
+                  <a:tcPr marL="51435" marR="51435" marT="0" marB="0" anchor="ctr">
                     <a:lnL w="12700" cap="flat" cmpd="sng" algn="ctr">
                       <a:solidFill>
                         <a:schemeClr val="tx1"/>
@@ -14904,7 +14949,7 @@
                       </a:r>
                     </a:p>
                   </a:txBody>
-                  <a:tcPr marL="51435" marR="51435" marT="0" marB="0">
+                  <a:tcPr marL="51435" marR="51435" marT="0" marB="0" anchor="ctr">
                     <a:lnL w="12700" cap="flat" cmpd="sng" algn="ctr">
                       <a:solidFill>
                         <a:schemeClr val="tx1"/>
@@ -14971,7 +15016,7 @@
                       </a:r>
                     </a:p>
                   </a:txBody>
-                  <a:tcPr marL="51435" marR="51435" marT="0" marB="0">
+                  <a:tcPr marL="51435" marR="51435" marT="0" marB="0" anchor="ctr">
                     <a:lnL w="12700" cap="flat" cmpd="sng" algn="ctr">
                       <a:solidFill>
                         <a:schemeClr val="tx1"/>
@@ -15046,7 +15091,7 @@
                       </a:endParaRPr>
                     </a:p>
                   </a:txBody>
-                  <a:tcPr marL="51435" marR="51435" marT="0" marB="0">
+                  <a:tcPr marL="51435" marR="51435" marT="0" marB="0" anchor="ctr">
                     <a:lnL w="12700" cap="flat" cmpd="sng" algn="ctr">
                       <a:solidFill>
                         <a:schemeClr val="tx1"/>
@@ -15112,7 +15157,7 @@
                       </a:endParaRPr>
                     </a:p>
                   </a:txBody>
-                  <a:tcPr marL="51435" marR="51435" marT="0" marB="0">
+                  <a:tcPr marL="51435" marR="51435" marT="0" marB="0" anchor="ctr">
                     <a:lnL w="12700" cap="flat" cmpd="sng" algn="ctr">
                       <a:solidFill>
                         <a:schemeClr val="tx1"/>
@@ -15179,7 +15224,7 @@
                       </a:r>
                     </a:p>
                   </a:txBody>
-                  <a:tcPr marL="51435" marR="51435" marT="0" marB="0">
+                  <a:tcPr marL="51435" marR="51435" marT="0" marB="0" anchor="ctr">
                     <a:lnL w="12700" cap="flat" cmpd="sng" algn="ctr">
                       <a:solidFill>
                         <a:schemeClr val="tx1"/>
@@ -15254,7 +15299,7 @@
                       </a:endParaRPr>
                     </a:p>
                   </a:txBody>
-                  <a:tcPr marL="51435" marR="51435" marT="0" marB="0">
+                  <a:tcPr marL="51435" marR="51435" marT="0" marB="0" anchor="ctr">
                     <a:lnL w="12700" cap="flat" cmpd="sng" algn="ctr">
                       <a:solidFill>
                         <a:schemeClr val="tx1"/>
@@ -15320,7 +15365,7 @@
                       </a:endParaRPr>
                     </a:p>
                   </a:txBody>
-                  <a:tcPr marL="51435" marR="51435" marT="0" marB="0">
+                  <a:tcPr marL="51435" marR="51435" marT="0" marB="0" anchor="ctr">
                     <a:lnL w="12700" cap="flat" cmpd="sng" algn="ctr">
                       <a:solidFill>
                         <a:schemeClr val="tx1"/>
@@ -15387,7 +15432,7 @@
                       </a:r>
                     </a:p>
                   </a:txBody>
-                  <a:tcPr marL="51435" marR="51435" marT="0" marB="0">
+                  <a:tcPr marL="51435" marR="51435" marT="0" marB="0" anchor="ctr">
                     <a:lnL w="12700" cap="flat" cmpd="sng" algn="ctr">
                       <a:solidFill>
                         <a:schemeClr val="tx1"/>
@@ -15462,7 +15507,7 @@
                       </a:endParaRPr>
                     </a:p>
                   </a:txBody>
-                  <a:tcPr marL="51435" marR="51435" marT="0" marB="0">
+                  <a:tcPr marL="51435" marR="51435" marT="0" marB="0" anchor="ctr">
                     <a:lnL w="12700" cap="flat" cmpd="sng" algn="ctr">
                       <a:solidFill>
                         <a:schemeClr val="tx1"/>
@@ -15528,7 +15573,7 @@
                       </a:endParaRPr>
                     </a:p>
                   </a:txBody>
-                  <a:tcPr marL="51435" marR="51435" marT="0" marB="0">
+                  <a:tcPr marL="51435" marR="51435" marT="0" marB="0" anchor="ctr">
                     <a:lnL w="12700" cap="flat" cmpd="sng" algn="ctr">
                       <a:solidFill>
                         <a:schemeClr val="tx1"/>
@@ -15595,7 +15640,7 @@
                       </a:r>
                     </a:p>
                   </a:txBody>
-                  <a:tcPr marL="51435" marR="51435" marT="0" marB="0">
+                  <a:tcPr marL="51435" marR="51435" marT="0" marB="0" anchor="ctr">
                     <a:lnL w="12700" cap="flat" cmpd="sng" algn="ctr">
                       <a:solidFill>
                         <a:schemeClr val="tx1"/>
@@ -15670,7 +15715,7 @@
                       </a:endParaRPr>
                     </a:p>
                   </a:txBody>
-                  <a:tcPr marL="51435" marR="51435" marT="0" marB="0">
+                  <a:tcPr marL="51435" marR="51435" marT="0" marB="0" anchor="ctr">
                     <a:lnL w="12700" cap="flat" cmpd="sng" algn="ctr">
                       <a:solidFill>
                         <a:schemeClr val="tx1"/>
@@ -15788,7 +15833,7 @@
                       </a:r>
                     </a:p>
                   </a:txBody>
-                  <a:tcPr marL="51435" marR="51435" marT="0" marB="0">
+                  <a:tcPr marL="51435" marR="51435" marT="0" marB="0" anchor="ctr">
                     <a:lnL w="12700" cap="flat" cmpd="sng" algn="ctr">
                       <a:solidFill>
                         <a:schemeClr val="tx1"/>
@@ -15855,7 +15900,7 @@
                       </a:r>
                     </a:p>
                   </a:txBody>
-                  <a:tcPr marL="51435" marR="51435" marT="0" marB="0">
+                  <a:tcPr marL="51435" marR="51435" marT="0" marB="0" anchor="ctr">
                     <a:lnL w="12700" cap="flat" cmpd="sng" algn="ctr">
                       <a:solidFill>
                         <a:schemeClr val="tx1"/>
@@ -15930,7 +15975,7 @@
                       </a:endParaRPr>
                     </a:p>
                   </a:txBody>
-                  <a:tcPr marL="51435" marR="51435" marT="0" marB="0">
+                  <a:tcPr marL="51435" marR="51435" marT="0" marB="0" anchor="ctr">
                     <a:lnL w="12700" cap="flat" cmpd="sng" algn="ctr">
                       <a:solidFill>
                         <a:schemeClr val="tx1"/>
@@ -15996,7 +16041,7 @@
                       </a:endParaRPr>
                     </a:p>
                   </a:txBody>
-                  <a:tcPr marL="51435" marR="51435" marT="0" marB="0">
+                  <a:tcPr marL="51435" marR="51435" marT="0" marB="0" anchor="ctr">
                     <a:lnL w="12700" cap="flat" cmpd="sng" algn="ctr">
                       <a:solidFill>
                         <a:schemeClr val="tx1"/>
@@ -16084,8 +16129,8 @@
         </p:blipFill>
         <p:spPr>
           <a:xfrm>
-            <a:off x="4572000" y="59254"/>
-            <a:ext cx="4507815" cy="1578604"/>
+            <a:off x="5195087" y="59255"/>
+            <a:ext cx="3884728" cy="1360404"/>
           </a:xfrm>
           <a:prstGeom prst="rect">
             <a:avLst/>

--- a/1821121_shimaoka_thesis.pptx
+++ b/1821121_shimaoka_thesis.pptx
@@ -9477,13 +9477,13 @@
           <p:nvPr>
             <p:extLst>
               <p:ext uri="{D42A27DB-BD31-4B8C-83A1-F6EECF244321}">
-                <p14:modId xmlns:p14="http://schemas.microsoft.com/office/powerpoint/2010/main" val="3260879843"/>
+                <p14:modId xmlns:p14="http://schemas.microsoft.com/office/powerpoint/2010/main" val="3324246045"/>
               </p:ext>
             </p:extLst>
           </p:nvPr>
         </p:nvGraphicFramePr>
         <p:xfrm>
-          <a:off x="5017062" y="271337"/>
+          <a:off x="5017062" y="461246"/>
           <a:ext cx="4066536" cy="2194560"/>
         </p:xfrm>
         <a:graphic>
@@ -9506,7 +9506,7 @@
                   </a:extLst>
                 </a:gridCol>
               </a:tblGrid>
-              <a:tr h="231776">
+              <a:tr h="53931">
                 <a:tc>
                   <a:txBody>
                     <a:bodyPr/>
@@ -10389,11 +10389,7 @@
             </a:pPr>
             <a:r>
               <a:rPr kumimoji="1" lang="ja-JP" altLang="en-US" dirty="0" smtClean="0"/>
-              <a:t>複数種類にわたって出題</a:t>
-            </a:r>
-            <a:r>
-              <a:rPr kumimoji="1" lang="ja-JP" altLang="en-US" smtClean="0"/>
-              <a:t>されている．</a:t>
+              <a:t>複数種類にわたって出題されている．</a:t>
             </a:r>
             <a:endParaRPr kumimoji="1" lang="ja-JP" altLang="en-US" dirty="0"/>
           </a:p>
